--- a/slides/img/images.pptx
+++ b/slides/img/images.pptx
@@ -4,6 +4,9 @@
   <p:sldMasterIdLst>
     <p:sldMasterId id="2147483648" r:id="rId1"/>
   </p:sldMasterIdLst>
+  <p:notesMasterIdLst>
+    <p:notesMasterId r:id="rId17"/>
+  </p:notesMasterIdLst>
   <p:sldIdLst>
     <p:sldId id="256" r:id="rId2"/>
     <p:sldId id="268" r:id="rId3"/>
@@ -17,6 +20,9 @@
     <p:sldId id="265" r:id="rId11"/>
     <p:sldId id="267" r:id="rId12"/>
     <p:sldId id="270" r:id="rId13"/>
+    <p:sldId id="271" r:id="rId14"/>
+    <p:sldId id="272" r:id="rId15"/>
+    <p:sldId id="273" r:id="rId16"/>
   </p:sldIdLst>
   <p:sldSz cx="12192000" cy="6858000"/>
   <p:notesSz cx="6858000" cy="9144000"/>
@@ -154,6 +160,13 @@
             <p14:sldId id="270"/>
           </p14:sldIdLst>
         </p14:section>
+        <p14:section name="git clone" id="{F6310067-9CE6-4577-8323-5ADCE265F0F9}">
+          <p14:sldIdLst>
+            <p14:sldId id="271"/>
+            <p14:sldId id="272"/>
+            <p14:sldId id="273"/>
+          </p14:sldIdLst>
+        </p14:section>
       </p14:sectionLst>
     </p:ext>
     <p:ext uri="{EFAFB233-063F-42B5-8137-9DF3F51BA10A}">
@@ -161,6 +174,356 @@
     </p:ext>
   </p:extLst>
 </p:presentation>
+</file>
+
+<file path=ppt/notesMasters/notesMaster1.xml><?xml version="1.0" encoding="utf-8"?>
+<p:notesMaster xmlns:a="http://schemas.openxmlformats.org/drawingml/2006/main" xmlns:r="http://schemas.openxmlformats.org/officeDocument/2006/relationships" xmlns:p="http://schemas.openxmlformats.org/presentationml/2006/main">
+  <p:cSld>
+    <p:bg>
+      <p:bgRef idx="1001">
+        <a:schemeClr val="bg1"/>
+      </p:bgRef>
+    </p:bg>
+    <p:spTree>
+      <p:nvGrpSpPr>
+        <p:cNvPr id="1" name=""/>
+        <p:cNvGrpSpPr/>
+        <p:nvPr/>
+      </p:nvGrpSpPr>
+      <p:grpSpPr>
+        <a:xfrm>
+          <a:off x="0" y="0"/>
+          <a:ext cx="0" cy="0"/>
+          <a:chOff x="0" y="0"/>
+          <a:chExt cx="0" cy="0"/>
+        </a:xfrm>
+      </p:grpSpPr>
+      <p:sp>
+        <p:nvSpPr>
+          <p:cNvPr id="2" name="Header Placeholder 1"/>
+          <p:cNvSpPr>
+            <a:spLocks noGrp="1"/>
+          </p:cNvSpPr>
+          <p:nvPr>
+            <p:ph type="hdr" sz="quarter"/>
+          </p:nvPr>
+        </p:nvSpPr>
+        <p:spPr>
+          <a:xfrm>
+            <a:off x="0" y="0"/>
+            <a:ext cx="2971800" cy="458788"/>
+          </a:xfrm>
+          <a:prstGeom prst="rect">
+            <a:avLst/>
+          </a:prstGeom>
+        </p:spPr>
+        <p:txBody>
+          <a:bodyPr vert="horz" lIns="91440" tIns="45720" rIns="91440" bIns="45720" rtlCol="0"/>
+          <a:lstStyle>
+            <a:lvl1pPr algn="l">
+              <a:defRPr sz="1200"/>
+            </a:lvl1pPr>
+          </a:lstStyle>
+          <a:p>
+            <a:endParaRPr lang="en-GB"/>
+          </a:p>
+        </p:txBody>
+      </p:sp>
+      <p:sp>
+        <p:nvSpPr>
+          <p:cNvPr id="3" name="Date Placeholder 2"/>
+          <p:cNvSpPr>
+            <a:spLocks noGrp="1"/>
+          </p:cNvSpPr>
+          <p:nvPr>
+            <p:ph type="dt" idx="1"/>
+          </p:nvPr>
+        </p:nvSpPr>
+        <p:spPr>
+          <a:xfrm>
+            <a:off x="3884613" y="0"/>
+            <a:ext cx="2971800" cy="458788"/>
+          </a:xfrm>
+          <a:prstGeom prst="rect">
+            <a:avLst/>
+          </a:prstGeom>
+        </p:spPr>
+        <p:txBody>
+          <a:bodyPr vert="horz" lIns="91440" tIns="45720" rIns="91440" bIns="45720" rtlCol="0"/>
+          <a:lstStyle>
+            <a:lvl1pPr algn="r">
+              <a:defRPr sz="1200"/>
+            </a:lvl1pPr>
+          </a:lstStyle>
+          <a:p>
+            <a:fld id="{3488AE72-DCFF-4992-988B-F75514123319}" type="datetimeFigureOut">
+              <a:rPr lang="en-GB" smtClean="0"/>
+              <a:t>07/12/2021</a:t>
+            </a:fld>
+            <a:endParaRPr lang="en-GB"/>
+          </a:p>
+        </p:txBody>
+      </p:sp>
+      <p:sp>
+        <p:nvSpPr>
+          <p:cNvPr id="4" name="Slide Image Placeholder 3"/>
+          <p:cNvSpPr>
+            <a:spLocks noGrp="1" noRot="1" noChangeAspect="1"/>
+          </p:cNvSpPr>
+          <p:nvPr>
+            <p:ph type="sldImg" idx="2"/>
+          </p:nvPr>
+        </p:nvSpPr>
+        <p:spPr>
+          <a:xfrm>
+            <a:off x="685800" y="1143000"/>
+            <a:ext cx="5486400" cy="3086100"/>
+          </a:xfrm>
+          <a:prstGeom prst="rect">
+            <a:avLst/>
+          </a:prstGeom>
+          <a:noFill/>
+          <a:ln w="12700">
+            <a:solidFill>
+              <a:prstClr val="black"/>
+            </a:solidFill>
+          </a:ln>
+        </p:spPr>
+        <p:txBody>
+          <a:bodyPr vert="horz" lIns="91440" tIns="45720" rIns="91440" bIns="45720" rtlCol="0" anchor="ctr"/>
+          <a:lstStyle/>
+          <a:p>
+            <a:endParaRPr lang="en-GB"/>
+          </a:p>
+        </p:txBody>
+      </p:sp>
+      <p:sp>
+        <p:nvSpPr>
+          <p:cNvPr id="5" name="Notes Placeholder 4"/>
+          <p:cNvSpPr>
+            <a:spLocks noGrp="1"/>
+          </p:cNvSpPr>
+          <p:nvPr>
+            <p:ph type="body" sz="quarter" idx="3"/>
+          </p:nvPr>
+        </p:nvSpPr>
+        <p:spPr>
+          <a:xfrm>
+            <a:off x="685800" y="4400550"/>
+            <a:ext cx="5486400" cy="3600450"/>
+          </a:xfrm>
+          <a:prstGeom prst="rect">
+            <a:avLst/>
+          </a:prstGeom>
+        </p:spPr>
+        <p:txBody>
+          <a:bodyPr vert="horz" lIns="91440" tIns="45720" rIns="91440" bIns="45720" rtlCol="0"/>
+          <a:lstStyle/>
+          <a:p>
+            <a:pPr lvl="0"/>
+            <a:r>
+              <a:rPr lang="en-US"/>
+              <a:t>Edit Master text styles</a:t>
+            </a:r>
+          </a:p>
+          <a:p>
+            <a:pPr lvl="1"/>
+            <a:r>
+              <a:rPr lang="en-US"/>
+              <a:t>Second level</a:t>
+            </a:r>
+          </a:p>
+          <a:p>
+            <a:pPr lvl="2"/>
+            <a:r>
+              <a:rPr lang="en-US"/>
+              <a:t>Third level</a:t>
+            </a:r>
+          </a:p>
+          <a:p>
+            <a:pPr lvl="3"/>
+            <a:r>
+              <a:rPr lang="en-US"/>
+              <a:t>Fourth level</a:t>
+            </a:r>
+          </a:p>
+          <a:p>
+            <a:pPr lvl="4"/>
+            <a:r>
+              <a:rPr lang="en-US"/>
+              <a:t>Fifth level</a:t>
+            </a:r>
+            <a:endParaRPr lang="en-GB"/>
+          </a:p>
+        </p:txBody>
+      </p:sp>
+      <p:sp>
+        <p:nvSpPr>
+          <p:cNvPr id="6" name="Footer Placeholder 5"/>
+          <p:cNvSpPr>
+            <a:spLocks noGrp="1"/>
+          </p:cNvSpPr>
+          <p:nvPr>
+            <p:ph type="ftr" sz="quarter" idx="4"/>
+          </p:nvPr>
+        </p:nvSpPr>
+        <p:spPr>
+          <a:xfrm>
+            <a:off x="0" y="8685213"/>
+            <a:ext cx="2971800" cy="458787"/>
+          </a:xfrm>
+          <a:prstGeom prst="rect">
+            <a:avLst/>
+          </a:prstGeom>
+        </p:spPr>
+        <p:txBody>
+          <a:bodyPr vert="horz" lIns="91440" tIns="45720" rIns="91440" bIns="45720" rtlCol="0" anchor="b"/>
+          <a:lstStyle>
+            <a:lvl1pPr algn="l">
+              <a:defRPr sz="1200"/>
+            </a:lvl1pPr>
+          </a:lstStyle>
+          <a:p>
+            <a:endParaRPr lang="en-GB"/>
+          </a:p>
+        </p:txBody>
+      </p:sp>
+      <p:sp>
+        <p:nvSpPr>
+          <p:cNvPr id="7" name="Slide Number Placeholder 6"/>
+          <p:cNvSpPr>
+            <a:spLocks noGrp="1"/>
+          </p:cNvSpPr>
+          <p:nvPr>
+            <p:ph type="sldNum" sz="quarter" idx="5"/>
+          </p:nvPr>
+        </p:nvSpPr>
+        <p:spPr>
+          <a:xfrm>
+            <a:off x="3884613" y="8685213"/>
+            <a:ext cx="2971800" cy="458787"/>
+          </a:xfrm>
+          <a:prstGeom prst="rect">
+            <a:avLst/>
+          </a:prstGeom>
+        </p:spPr>
+        <p:txBody>
+          <a:bodyPr vert="horz" lIns="91440" tIns="45720" rIns="91440" bIns="45720" rtlCol="0" anchor="b"/>
+          <a:lstStyle>
+            <a:lvl1pPr algn="r">
+              <a:defRPr sz="1200"/>
+            </a:lvl1pPr>
+          </a:lstStyle>
+          <a:p>
+            <a:fld id="{14341E5E-9CB3-47DC-B11A-0B72C082F2AD}" type="slidenum">
+              <a:rPr lang="en-GB" smtClean="0"/>
+              <a:t>‹#›</a:t>
+            </a:fld>
+            <a:endParaRPr lang="en-GB"/>
+          </a:p>
+        </p:txBody>
+      </p:sp>
+    </p:spTree>
+    <p:extLst>
+      <p:ext uri="{BB962C8B-B14F-4D97-AF65-F5344CB8AC3E}">
+        <p14:creationId xmlns:p14="http://schemas.microsoft.com/office/powerpoint/2010/main" val="949733537"/>
+      </p:ext>
+    </p:extLst>
+  </p:cSld>
+  <p:clrMap bg1="lt1" tx1="dk1" bg2="lt2" tx2="dk2" accent1="accent1" accent2="accent2" accent3="accent3" accent4="accent4" accent5="accent5" accent6="accent6" hlink="hlink" folHlink="folHlink"/>
+  <p:notesStyle>
+    <a:lvl1pPr marL="0" algn="l" defTabSz="914400" rtl="0" eaLnBrk="1" latinLnBrk="0" hangingPunct="1">
+      <a:defRPr sz="1200" kern="1200">
+        <a:solidFill>
+          <a:schemeClr val="tx1"/>
+        </a:solidFill>
+        <a:latin typeface="+mn-lt"/>
+        <a:ea typeface="+mn-ea"/>
+        <a:cs typeface="+mn-cs"/>
+      </a:defRPr>
+    </a:lvl1pPr>
+    <a:lvl2pPr marL="457200" algn="l" defTabSz="914400" rtl="0" eaLnBrk="1" latinLnBrk="0" hangingPunct="1">
+      <a:defRPr sz="1200" kern="1200">
+        <a:solidFill>
+          <a:schemeClr val="tx1"/>
+        </a:solidFill>
+        <a:latin typeface="+mn-lt"/>
+        <a:ea typeface="+mn-ea"/>
+        <a:cs typeface="+mn-cs"/>
+      </a:defRPr>
+    </a:lvl2pPr>
+    <a:lvl3pPr marL="914400" algn="l" defTabSz="914400" rtl="0" eaLnBrk="1" latinLnBrk="0" hangingPunct="1">
+      <a:defRPr sz="1200" kern="1200">
+        <a:solidFill>
+          <a:schemeClr val="tx1"/>
+        </a:solidFill>
+        <a:latin typeface="+mn-lt"/>
+        <a:ea typeface="+mn-ea"/>
+        <a:cs typeface="+mn-cs"/>
+      </a:defRPr>
+    </a:lvl3pPr>
+    <a:lvl4pPr marL="1371600" algn="l" defTabSz="914400" rtl="0" eaLnBrk="1" latinLnBrk="0" hangingPunct="1">
+      <a:defRPr sz="1200" kern="1200">
+        <a:solidFill>
+          <a:schemeClr val="tx1"/>
+        </a:solidFill>
+        <a:latin typeface="+mn-lt"/>
+        <a:ea typeface="+mn-ea"/>
+        <a:cs typeface="+mn-cs"/>
+      </a:defRPr>
+    </a:lvl4pPr>
+    <a:lvl5pPr marL="1828800" algn="l" defTabSz="914400" rtl="0" eaLnBrk="1" latinLnBrk="0" hangingPunct="1">
+      <a:defRPr sz="1200" kern="1200">
+        <a:solidFill>
+          <a:schemeClr val="tx1"/>
+        </a:solidFill>
+        <a:latin typeface="+mn-lt"/>
+        <a:ea typeface="+mn-ea"/>
+        <a:cs typeface="+mn-cs"/>
+      </a:defRPr>
+    </a:lvl5pPr>
+    <a:lvl6pPr marL="2286000" algn="l" defTabSz="914400" rtl="0" eaLnBrk="1" latinLnBrk="0" hangingPunct="1">
+      <a:defRPr sz="1200" kern="1200">
+        <a:solidFill>
+          <a:schemeClr val="tx1"/>
+        </a:solidFill>
+        <a:latin typeface="+mn-lt"/>
+        <a:ea typeface="+mn-ea"/>
+        <a:cs typeface="+mn-cs"/>
+      </a:defRPr>
+    </a:lvl6pPr>
+    <a:lvl7pPr marL="2743200" algn="l" defTabSz="914400" rtl="0" eaLnBrk="1" latinLnBrk="0" hangingPunct="1">
+      <a:defRPr sz="1200" kern="1200">
+        <a:solidFill>
+          <a:schemeClr val="tx1"/>
+        </a:solidFill>
+        <a:latin typeface="+mn-lt"/>
+        <a:ea typeface="+mn-ea"/>
+        <a:cs typeface="+mn-cs"/>
+      </a:defRPr>
+    </a:lvl7pPr>
+    <a:lvl8pPr marL="3200400" algn="l" defTabSz="914400" rtl="0" eaLnBrk="1" latinLnBrk="0" hangingPunct="1">
+      <a:defRPr sz="1200" kern="1200">
+        <a:solidFill>
+          <a:schemeClr val="tx1"/>
+        </a:solidFill>
+        <a:latin typeface="+mn-lt"/>
+        <a:ea typeface="+mn-ea"/>
+        <a:cs typeface="+mn-cs"/>
+      </a:defRPr>
+    </a:lvl8pPr>
+    <a:lvl9pPr marL="3657600" algn="l" defTabSz="914400" rtl="0" eaLnBrk="1" latinLnBrk="0" hangingPunct="1">
+      <a:defRPr sz="1200" kern="1200">
+        <a:solidFill>
+          <a:schemeClr val="tx1"/>
+        </a:solidFill>
+        <a:latin typeface="+mn-lt"/>
+        <a:ea typeface="+mn-ea"/>
+        <a:cs typeface="+mn-cs"/>
+      </a:defRPr>
+    </a:lvl9pPr>
+  </p:notesStyle>
+</p:notesMaster>
 </file>
 
 <file path=ppt/slideLayouts/slideLayout1.xml><?xml version="1.0" encoding="utf-8"?>
@@ -312,7 +675,7 @@
           <a:p>
             <a:fld id="{FF40C812-6B70-4976-9693-155482B7EF62}" type="datetimeFigureOut">
               <a:rPr lang="en-GB" smtClean="0"/>
-              <a:t>04/12/2021</a:t>
+              <a:t>07/12/2021</a:t>
             </a:fld>
             <a:endParaRPr lang="en-GB"/>
           </a:p>
@@ -512,7 +875,7 @@
           <a:p>
             <a:fld id="{FF40C812-6B70-4976-9693-155482B7EF62}" type="datetimeFigureOut">
               <a:rPr lang="en-GB" smtClean="0"/>
-              <a:t>04/12/2021</a:t>
+              <a:t>07/12/2021</a:t>
             </a:fld>
             <a:endParaRPr lang="en-GB"/>
           </a:p>
@@ -722,7 +1085,7 @@
           <a:p>
             <a:fld id="{FF40C812-6B70-4976-9693-155482B7EF62}" type="datetimeFigureOut">
               <a:rPr lang="en-GB" smtClean="0"/>
-              <a:t>04/12/2021</a:t>
+              <a:t>07/12/2021</a:t>
             </a:fld>
             <a:endParaRPr lang="en-GB"/>
           </a:p>
@@ -922,7 +1285,7 @@
           <a:p>
             <a:fld id="{FF40C812-6B70-4976-9693-155482B7EF62}" type="datetimeFigureOut">
               <a:rPr lang="en-GB" smtClean="0"/>
-              <a:t>04/12/2021</a:t>
+              <a:t>07/12/2021</a:t>
             </a:fld>
             <a:endParaRPr lang="en-GB"/>
           </a:p>
@@ -1198,7 +1561,7 @@
           <a:p>
             <a:fld id="{FF40C812-6B70-4976-9693-155482B7EF62}" type="datetimeFigureOut">
               <a:rPr lang="en-GB" smtClean="0"/>
-              <a:t>04/12/2021</a:t>
+              <a:t>07/12/2021</a:t>
             </a:fld>
             <a:endParaRPr lang="en-GB"/>
           </a:p>
@@ -1466,7 +1829,7 @@
           <a:p>
             <a:fld id="{FF40C812-6B70-4976-9693-155482B7EF62}" type="datetimeFigureOut">
               <a:rPr lang="en-GB" smtClean="0"/>
-              <a:t>04/12/2021</a:t>
+              <a:t>07/12/2021</a:t>
             </a:fld>
             <a:endParaRPr lang="en-GB"/>
           </a:p>
@@ -1881,7 +2244,7 @@
           <a:p>
             <a:fld id="{FF40C812-6B70-4976-9693-155482B7EF62}" type="datetimeFigureOut">
               <a:rPr lang="en-GB" smtClean="0"/>
-              <a:t>04/12/2021</a:t>
+              <a:t>07/12/2021</a:t>
             </a:fld>
             <a:endParaRPr lang="en-GB"/>
           </a:p>
@@ -2023,7 +2386,7 @@
           <a:p>
             <a:fld id="{FF40C812-6B70-4976-9693-155482B7EF62}" type="datetimeFigureOut">
               <a:rPr lang="en-GB" smtClean="0"/>
-              <a:t>04/12/2021</a:t>
+              <a:t>07/12/2021</a:t>
             </a:fld>
             <a:endParaRPr lang="en-GB"/>
           </a:p>
@@ -2136,7 +2499,7 @@
           <a:p>
             <a:fld id="{FF40C812-6B70-4976-9693-155482B7EF62}" type="datetimeFigureOut">
               <a:rPr lang="en-GB" smtClean="0"/>
-              <a:t>04/12/2021</a:t>
+              <a:t>07/12/2021</a:t>
             </a:fld>
             <a:endParaRPr lang="en-GB"/>
           </a:p>
@@ -2449,7 +2812,7 @@
           <a:p>
             <a:fld id="{FF40C812-6B70-4976-9693-155482B7EF62}" type="datetimeFigureOut">
               <a:rPr lang="en-GB" smtClean="0"/>
-              <a:t>04/12/2021</a:t>
+              <a:t>07/12/2021</a:t>
             </a:fld>
             <a:endParaRPr lang="en-GB"/>
           </a:p>
@@ -2738,7 +3101,7 @@
           <a:p>
             <a:fld id="{FF40C812-6B70-4976-9693-155482B7EF62}" type="datetimeFigureOut">
               <a:rPr lang="en-GB" smtClean="0"/>
-              <a:t>04/12/2021</a:t>
+              <a:t>07/12/2021</a:t>
             </a:fld>
             <a:endParaRPr lang="en-GB"/>
           </a:p>
@@ -2981,7 +3344,7 @@
           <a:p>
             <a:fld id="{FF40C812-6B70-4976-9693-155482B7EF62}" type="datetimeFigureOut">
               <a:rPr lang="en-GB" smtClean="0"/>
-              <a:t>04/12/2021</a:t>
+              <a:t>07/12/2021</a:t>
             </a:fld>
             <a:endParaRPr lang="en-GB"/>
           </a:p>
@@ -4558,10 +4921,10 @@
       </p:grpSpPr>
       <p:grpSp>
         <p:nvGrpSpPr>
-          <p:cNvPr id="12" name="Group 11">
+          <p:cNvPr id="9" name="Group 8">
             <a:extLst>
               <a:ext uri="{FF2B5EF4-FFF2-40B4-BE49-F238E27FC236}">
-                <a16:creationId xmlns:a16="http://schemas.microsoft.com/office/drawing/2014/main" id="{F5343D6F-D339-4913-8910-FB9F04372206}"/>
+                <a16:creationId xmlns:a16="http://schemas.microsoft.com/office/drawing/2014/main" id="{8C289988-03F0-41C8-90A6-ECC043C43386}"/>
               </a:ext>
             </a:extLst>
           </p:cNvPr>
@@ -4570,18 +4933,18 @@
         </p:nvGrpSpPr>
         <p:grpSpPr>
           <a:xfrm>
-            <a:off x="3233236" y="2739518"/>
-            <a:ext cx="4200106" cy="1403176"/>
-            <a:chOff x="3233236" y="2739518"/>
-            <a:chExt cx="4200106" cy="1403176"/>
+            <a:off x="3240856" y="786797"/>
+            <a:ext cx="5445944" cy="3724386"/>
+            <a:chOff x="3240856" y="786797"/>
+            <a:chExt cx="5445944" cy="3724386"/>
           </a:xfrm>
         </p:grpSpPr>
         <p:sp>
           <p:nvSpPr>
-            <p:cNvPr id="18" name="Rectangle 17">
+            <p:cNvPr id="27" name="Rectangle 26">
               <a:extLst>
                 <a:ext uri="{FF2B5EF4-FFF2-40B4-BE49-F238E27FC236}">
-                  <a16:creationId xmlns:a16="http://schemas.microsoft.com/office/drawing/2014/main" id="{BAC2BBAD-62D0-4A39-9525-A09B0C8CAD9A}"/>
+                  <a16:creationId xmlns:a16="http://schemas.microsoft.com/office/drawing/2014/main" id="{05F4E897-93B3-48AA-88A4-44409CCB90B1}"/>
                 </a:ext>
               </a:extLst>
             </p:cNvPr>
@@ -4590,8 +4953,8 @@
           </p:nvSpPr>
           <p:spPr>
             <a:xfrm>
-              <a:off x="6156403" y="3448769"/>
-              <a:ext cx="1140690" cy="304800"/>
+              <a:off x="3597052" y="3439533"/>
+              <a:ext cx="1140690" cy="572240"/>
             </a:xfrm>
             <a:prstGeom prst="rect">
               <a:avLst/>
@@ -4633,6 +4996,87 @@
                 <a:t>Bob.txt</a:t>
               </a:r>
             </a:p>
+            <a:p>
+              <a:pPr algn="ctr"/>
+              <a:r>
+                <a:rPr lang="en-US" sz="1600" dirty="0">
+                  <a:solidFill>
+                    <a:schemeClr val="tx1"/>
+                  </a:solidFill>
+                </a:rPr>
+                <a:t>Alice.txt</a:t>
+              </a:r>
+            </a:p>
+          </p:txBody>
+        </p:sp>
+        <p:sp>
+          <p:nvSpPr>
+            <p:cNvPr id="22" name="Rectangle 21">
+              <a:extLst>
+                <a:ext uri="{FF2B5EF4-FFF2-40B4-BE49-F238E27FC236}">
+                  <a16:creationId xmlns:a16="http://schemas.microsoft.com/office/drawing/2014/main" id="{C883FF0B-F28E-42E0-8BE4-554E552082FA}"/>
+                </a:ext>
+              </a:extLst>
+            </p:cNvPr>
+            <p:cNvSpPr/>
+            <p:nvPr/>
+          </p:nvSpPr>
+          <p:spPr>
+            <a:xfrm>
+              <a:off x="6161033" y="3448769"/>
+              <a:ext cx="1140690" cy="572240"/>
+            </a:xfrm>
+            <a:prstGeom prst="rect">
+              <a:avLst/>
+            </a:prstGeom>
+            <a:noFill/>
+            <a:ln w="3175">
+              <a:solidFill>
+                <a:schemeClr val="tx1"/>
+              </a:solidFill>
+            </a:ln>
+          </p:spPr>
+          <p:style>
+            <a:lnRef idx="2">
+              <a:schemeClr val="accent1">
+                <a:shade val="50000"/>
+              </a:schemeClr>
+            </a:lnRef>
+            <a:fillRef idx="1">
+              <a:schemeClr val="accent1"/>
+            </a:fillRef>
+            <a:effectRef idx="0">
+              <a:schemeClr val="accent1"/>
+            </a:effectRef>
+            <a:fontRef idx="minor">
+              <a:schemeClr val="lt1"/>
+            </a:fontRef>
+          </p:style>
+          <p:txBody>
+            <a:bodyPr rtlCol="0" anchor="ctr"/>
+            <a:lstStyle/>
+            <a:p>
+              <a:pPr algn="ctr"/>
+              <a:r>
+                <a:rPr lang="en-US" sz="1600" dirty="0">
+                  <a:solidFill>
+                    <a:schemeClr val="tx1"/>
+                  </a:solidFill>
+                </a:rPr>
+                <a:t>Bob.txt</a:t>
+              </a:r>
+            </a:p>
+            <a:p>
+              <a:pPr algn="ctr"/>
+              <a:r>
+                <a:rPr lang="en-US" sz="1600" dirty="0">
+                  <a:solidFill>
+                    <a:schemeClr val="tx1"/>
+                  </a:solidFill>
+                </a:rPr>
+                <a:t>Alice.txt</a:t>
+              </a:r>
+            </a:p>
           </p:txBody>
         </p:sp>
         <p:grpSp>
@@ -4649,71 +5093,12 @@
           </p:nvGrpSpPr>
           <p:grpSpPr>
             <a:xfrm>
-              <a:off x="3233236" y="2739518"/>
-              <a:ext cx="4200106" cy="1403176"/>
-              <a:chOff x="3233236" y="2739518"/>
-              <a:chExt cx="4200106" cy="1403176"/>
+              <a:off x="3240856" y="2739517"/>
+              <a:ext cx="4192486" cy="1771666"/>
+              <a:chOff x="3240856" y="2739517"/>
+              <a:chExt cx="4192486" cy="1771666"/>
             </a:xfrm>
           </p:grpSpPr>
-          <p:sp>
-            <p:nvSpPr>
-              <p:cNvPr id="7" name="Rectangle 6">
-                <a:extLst>
-                  <a:ext uri="{FF2B5EF4-FFF2-40B4-BE49-F238E27FC236}">
-                    <a16:creationId xmlns:a16="http://schemas.microsoft.com/office/drawing/2014/main" id="{D9616ABC-D3B4-4E59-8ECB-EAD485A9F383}"/>
-                  </a:ext>
-                </a:extLst>
-              </p:cNvPr>
-              <p:cNvSpPr/>
-              <p:nvPr/>
-            </p:nvSpPr>
-            <p:spPr>
-              <a:xfrm>
-                <a:off x="3604725" y="3429000"/>
-                <a:ext cx="1140690" cy="304800"/>
-              </a:xfrm>
-              <a:prstGeom prst="rect">
-                <a:avLst/>
-              </a:prstGeom>
-              <a:noFill/>
-              <a:ln w="3175">
-                <a:solidFill>
-                  <a:schemeClr val="tx1"/>
-                </a:solidFill>
-              </a:ln>
-            </p:spPr>
-            <p:style>
-              <a:lnRef idx="2">
-                <a:schemeClr val="accent1">
-                  <a:shade val="50000"/>
-                </a:schemeClr>
-              </a:lnRef>
-              <a:fillRef idx="1">
-                <a:schemeClr val="accent1"/>
-              </a:fillRef>
-              <a:effectRef idx="0">
-                <a:schemeClr val="accent1"/>
-              </a:effectRef>
-              <a:fontRef idx="minor">
-                <a:schemeClr val="lt1"/>
-              </a:fontRef>
-            </p:style>
-            <p:txBody>
-              <a:bodyPr rtlCol="0" anchor="ctr"/>
-              <a:lstStyle/>
-              <a:p>
-                <a:pPr algn="ctr"/>
-                <a:r>
-                  <a:rPr lang="en-US" sz="1600" dirty="0">
-                    <a:solidFill>
-                      <a:schemeClr val="tx1"/>
-                    </a:solidFill>
-                  </a:rPr>
-                  <a:t>Bob.txt</a:t>
-                </a:r>
-              </a:p>
-            </p:txBody>
-          </p:sp>
           <p:sp>
             <p:nvSpPr>
               <p:cNvPr id="2" name="Rectangle 1">
@@ -4728,8 +5113,8 @@
             </p:nvSpPr>
             <p:spPr>
               <a:xfrm>
-                <a:off x="3489415" y="2739518"/>
-                <a:ext cx="3943927" cy="1116202"/>
+                <a:off x="3489415" y="2739517"/>
+                <a:ext cx="3943927" cy="1512539"/>
               </a:xfrm>
               <a:prstGeom prst="rect">
                 <a:avLst/>
@@ -4780,7 +5165,7 @@
             </p:nvSpPr>
             <p:spPr>
               <a:xfrm>
-                <a:off x="3233236" y="3865695"/>
+                <a:off x="3240856" y="4234184"/>
                 <a:ext cx="1864100" cy="276999"/>
               </a:xfrm>
               <a:prstGeom prst="rect">
@@ -4997,547 +5382,643 @@
             </p:txBody>
           </p:sp>
         </p:grpSp>
-      </p:grpSp>
-      <p:pic>
-        <p:nvPicPr>
-          <p:cNvPr id="23" name="Picture 22" descr="A close up of a logo&#10;&#10;Description automatically generated">
-            <a:extLst>
-              <a:ext uri="{FF2B5EF4-FFF2-40B4-BE49-F238E27FC236}">
-                <a16:creationId xmlns:a16="http://schemas.microsoft.com/office/drawing/2014/main" id="{47B859C7-1D98-4325-8F0D-39EBB9326046}"/>
-              </a:ext>
-            </a:extLst>
-          </p:cNvPr>
-          <p:cNvPicPr>
-            <a:picLocks noChangeAspect="1"/>
-          </p:cNvPicPr>
-          <p:nvPr/>
-        </p:nvPicPr>
-        <p:blipFill>
-          <a:blip r:embed="rId2">
-            <a:extLst>
-              <a:ext uri="{28A0092B-C50C-407E-A947-70E740481C1C}">
-                <a14:useLocalDpi xmlns:a14="http://schemas.microsoft.com/office/drawing/2010/main" val="0"/>
-              </a:ext>
-            </a:extLst>
-          </a:blip>
-          <a:stretch>
-            <a:fillRect/>
-          </a:stretch>
-        </p:blipFill>
-        <p:spPr>
-          <a:xfrm>
-            <a:off x="7036403" y="786797"/>
-            <a:ext cx="634788" cy="605694"/>
-          </a:xfrm>
-          <a:prstGeom prst="rect">
-            <a:avLst/>
-          </a:prstGeom>
-        </p:spPr>
-      </p:pic>
-      <p:pic>
-        <p:nvPicPr>
-          <p:cNvPr id="24" name="Picture 23" descr="A close up of a logo&#10;&#10;Description automatically generated">
-            <a:extLst>
-              <a:ext uri="{FF2B5EF4-FFF2-40B4-BE49-F238E27FC236}">
-                <a16:creationId xmlns:a16="http://schemas.microsoft.com/office/drawing/2014/main" id="{C351673C-5352-4556-B105-EC9647DF575A}"/>
-              </a:ext>
-            </a:extLst>
-          </p:cNvPr>
-          <p:cNvPicPr>
-            <a:picLocks noChangeAspect="1"/>
-          </p:cNvPicPr>
-          <p:nvPr/>
-        </p:nvPicPr>
-        <p:blipFill>
-          <a:blip r:embed="rId3">
-            <a:extLst>
-              <a:ext uri="{28A0092B-C50C-407E-A947-70E740481C1C}">
-                <a14:useLocalDpi xmlns:a14="http://schemas.microsoft.com/office/drawing/2010/main" val="0"/>
-              </a:ext>
-            </a:extLst>
-          </a:blip>
-          <a:stretch>
-            <a:fillRect/>
-          </a:stretch>
-        </p:blipFill>
-        <p:spPr>
-          <a:xfrm>
-            <a:off x="7559939" y="920367"/>
-            <a:ext cx="338554" cy="338554"/>
-          </a:xfrm>
-          <a:prstGeom prst="rect">
-            <a:avLst/>
-          </a:prstGeom>
-        </p:spPr>
-      </p:pic>
-      <p:sp>
-        <p:nvSpPr>
-          <p:cNvPr id="25" name="TextBox 24">
-            <a:extLst>
-              <a:ext uri="{FF2B5EF4-FFF2-40B4-BE49-F238E27FC236}">
-                <a16:creationId xmlns:a16="http://schemas.microsoft.com/office/drawing/2014/main" id="{6426996E-27A5-487D-BB58-6CF8191E1A92}"/>
-              </a:ext>
-            </a:extLst>
-          </p:cNvPr>
-          <p:cNvSpPr txBox="1"/>
-          <p:nvPr/>
-        </p:nvSpPr>
-        <p:spPr>
-          <a:xfrm>
-            <a:off x="7746828" y="1002850"/>
-            <a:ext cx="348172" cy="338554"/>
-          </a:xfrm>
-          <a:prstGeom prst="rect">
-            <a:avLst/>
-          </a:prstGeom>
-          <a:noFill/>
-        </p:spPr>
-        <p:txBody>
-          <a:bodyPr wrap="none" rtlCol="0">
-            <a:spAutoFit/>
-          </a:bodyPr>
-          <a:lstStyle/>
-          <a:p>
-            <a:r>
-              <a:rPr lang="en-DE" sz="1600" b="1" dirty="0"/>
-              <a:t>...</a:t>
-            </a:r>
-            <a:endParaRPr lang="en-US" sz="1600" b="1" dirty="0"/>
-          </a:p>
-        </p:txBody>
-      </p:sp>
-      <p:sp>
-        <p:nvSpPr>
-          <p:cNvPr id="30" name="Rectangle 29">
-            <a:extLst>
-              <a:ext uri="{FF2B5EF4-FFF2-40B4-BE49-F238E27FC236}">
-                <a16:creationId xmlns:a16="http://schemas.microsoft.com/office/drawing/2014/main" id="{83C986E5-F4F3-498E-8D63-BDCCE7BB648D}"/>
-              </a:ext>
-            </a:extLst>
-          </p:cNvPr>
-          <p:cNvSpPr/>
-          <p:nvPr/>
-        </p:nvSpPr>
-        <p:spPr>
-          <a:xfrm>
-            <a:off x="7092268" y="1985031"/>
-            <a:ext cx="1140690" cy="572240"/>
-          </a:xfrm>
-          <a:prstGeom prst="rect">
-            <a:avLst/>
-          </a:prstGeom>
-          <a:noFill/>
-          <a:ln w="3175">
-            <a:solidFill>
-              <a:schemeClr val="tx1"/>
-            </a:solidFill>
-          </a:ln>
-        </p:spPr>
-        <p:style>
-          <a:lnRef idx="2">
-            <a:schemeClr val="accent1">
-              <a:shade val="50000"/>
-            </a:schemeClr>
-          </a:lnRef>
-          <a:fillRef idx="1">
-            <a:schemeClr val="accent1"/>
-          </a:fillRef>
-          <a:effectRef idx="0">
-            <a:schemeClr val="accent1"/>
-          </a:effectRef>
-          <a:fontRef idx="minor">
-            <a:schemeClr val="lt1"/>
-          </a:fontRef>
-        </p:style>
-        <p:txBody>
-          <a:bodyPr rtlCol="0" anchor="ctr"/>
-          <a:lstStyle/>
-          <a:p>
-            <a:pPr algn="ctr"/>
-            <a:r>
-              <a:rPr lang="en-US" sz="1600" dirty="0">
+        <p:pic>
+          <p:nvPicPr>
+            <p:cNvPr id="23" name="Picture 22" descr="A close up of a logo&#10;&#10;Description automatically generated">
+              <a:extLst>
+                <a:ext uri="{FF2B5EF4-FFF2-40B4-BE49-F238E27FC236}">
+                  <a16:creationId xmlns:a16="http://schemas.microsoft.com/office/drawing/2014/main" id="{47B859C7-1D98-4325-8F0D-39EBB9326046}"/>
+                </a:ext>
+              </a:extLst>
+            </p:cNvPr>
+            <p:cNvPicPr>
+              <a:picLocks noChangeAspect="1"/>
+            </p:cNvPicPr>
+            <p:nvPr/>
+          </p:nvPicPr>
+          <p:blipFill>
+            <a:blip r:embed="rId2">
+              <a:extLst>
+                <a:ext uri="{28A0092B-C50C-407E-A947-70E740481C1C}">
+                  <a14:useLocalDpi xmlns:a14="http://schemas.microsoft.com/office/drawing/2010/main" val="0"/>
+                </a:ext>
+              </a:extLst>
+            </a:blip>
+            <a:stretch>
+              <a:fillRect/>
+            </a:stretch>
+          </p:blipFill>
+          <p:spPr>
+            <a:xfrm>
+              <a:off x="7036403" y="786797"/>
+              <a:ext cx="634788" cy="605694"/>
+            </a:xfrm>
+            <a:prstGeom prst="rect">
+              <a:avLst/>
+            </a:prstGeom>
+          </p:spPr>
+        </p:pic>
+        <p:pic>
+          <p:nvPicPr>
+            <p:cNvPr id="24" name="Picture 23" descr="A close up of a logo&#10;&#10;Description automatically generated">
+              <a:extLst>
+                <a:ext uri="{FF2B5EF4-FFF2-40B4-BE49-F238E27FC236}">
+                  <a16:creationId xmlns:a16="http://schemas.microsoft.com/office/drawing/2014/main" id="{C351673C-5352-4556-B105-EC9647DF575A}"/>
+                </a:ext>
+              </a:extLst>
+            </p:cNvPr>
+            <p:cNvPicPr>
+              <a:picLocks noChangeAspect="1"/>
+            </p:cNvPicPr>
+            <p:nvPr/>
+          </p:nvPicPr>
+          <p:blipFill>
+            <a:blip r:embed="rId3">
+              <a:extLst>
+                <a:ext uri="{28A0092B-C50C-407E-A947-70E740481C1C}">
+                  <a14:useLocalDpi xmlns:a14="http://schemas.microsoft.com/office/drawing/2010/main" val="0"/>
+                </a:ext>
+              </a:extLst>
+            </a:blip>
+            <a:stretch>
+              <a:fillRect/>
+            </a:stretch>
+          </p:blipFill>
+          <p:spPr>
+            <a:xfrm>
+              <a:off x="7559939" y="920367"/>
+              <a:ext cx="338554" cy="338554"/>
+            </a:xfrm>
+            <a:prstGeom prst="rect">
+              <a:avLst/>
+            </a:prstGeom>
+          </p:spPr>
+        </p:pic>
+        <p:sp>
+          <p:nvSpPr>
+            <p:cNvPr id="25" name="TextBox 24">
+              <a:extLst>
+                <a:ext uri="{FF2B5EF4-FFF2-40B4-BE49-F238E27FC236}">
+                  <a16:creationId xmlns:a16="http://schemas.microsoft.com/office/drawing/2014/main" id="{6426996E-27A5-487D-BB58-6CF8191E1A92}"/>
+                </a:ext>
+              </a:extLst>
+            </p:cNvPr>
+            <p:cNvSpPr txBox="1"/>
+            <p:nvPr/>
+          </p:nvSpPr>
+          <p:spPr>
+            <a:xfrm>
+              <a:off x="7746828" y="1002850"/>
+              <a:ext cx="348172" cy="338554"/>
+            </a:xfrm>
+            <a:prstGeom prst="rect">
+              <a:avLst/>
+            </a:prstGeom>
+            <a:noFill/>
+          </p:spPr>
+          <p:txBody>
+            <a:bodyPr wrap="none" rtlCol="0">
+              <a:spAutoFit/>
+            </a:bodyPr>
+            <a:lstStyle/>
+            <a:p>
+              <a:r>
+                <a:rPr lang="en-DE" sz="1600" b="1" dirty="0"/>
+                <a:t>...</a:t>
+              </a:r>
+              <a:endParaRPr lang="en-US" sz="1600" b="1" dirty="0"/>
+            </a:p>
+          </p:txBody>
+        </p:sp>
+        <p:sp>
+          <p:nvSpPr>
+            <p:cNvPr id="30" name="Rectangle 29">
+              <a:extLst>
+                <a:ext uri="{FF2B5EF4-FFF2-40B4-BE49-F238E27FC236}">
+                  <a16:creationId xmlns:a16="http://schemas.microsoft.com/office/drawing/2014/main" id="{83C986E5-F4F3-498E-8D63-BDCCE7BB648D}"/>
+                </a:ext>
+              </a:extLst>
+            </p:cNvPr>
+            <p:cNvSpPr/>
+            <p:nvPr/>
+          </p:nvSpPr>
+          <p:spPr>
+            <a:xfrm>
+              <a:off x="7092268" y="1985031"/>
+              <a:ext cx="1140690" cy="572240"/>
+            </a:xfrm>
+            <a:prstGeom prst="rect">
+              <a:avLst/>
+            </a:prstGeom>
+            <a:noFill/>
+            <a:ln w="3175">
+              <a:solidFill>
+                <a:schemeClr val="tx1"/>
+              </a:solidFill>
+            </a:ln>
+          </p:spPr>
+          <p:style>
+            <a:lnRef idx="2">
+              <a:schemeClr val="accent1">
+                <a:shade val="50000"/>
+              </a:schemeClr>
+            </a:lnRef>
+            <a:fillRef idx="1">
+              <a:schemeClr val="accent1"/>
+            </a:fillRef>
+            <a:effectRef idx="0">
+              <a:schemeClr val="accent1"/>
+            </a:effectRef>
+            <a:fontRef idx="minor">
+              <a:schemeClr val="lt1"/>
+            </a:fontRef>
+          </p:style>
+          <p:txBody>
+            <a:bodyPr rtlCol="0" anchor="ctr"/>
+            <a:lstStyle/>
+            <a:p>
+              <a:pPr algn="ctr"/>
+              <a:r>
+                <a:rPr lang="en-US" sz="1600" dirty="0">
+                  <a:solidFill>
+                    <a:schemeClr val="tx1"/>
+                  </a:solidFill>
+                </a:rPr>
+                <a:t>Bob.txt</a:t>
+              </a:r>
+            </a:p>
+            <a:p>
+              <a:pPr algn="ctr"/>
+              <a:r>
+                <a:rPr lang="en-US" sz="1600" dirty="0">
+                  <a:solidFill>
+                    <a:schemeClr val="tx1"/>
+                  </a:solidFill>
+                </a:rPr>
+                <a:t>Alice.txt</a:t>
+              </a:r>
+            </a:p>
+          </p:txBody>
+        </p:sp>
+        <p:sp>
+          <p:nvSpPr>
+            <p:cNvPr id="31" name="Rectangle 30">
+              <a:extLst>
+                <a:ext uri="{FF2B5EF4-FFF2-40B4-BE49-F238E27FC236}">
+                  <a16:creationId xmlns:a16="http://schemas.microsoft.com/office/drawing/2014/main" id="{6B94C8F3-F68D-47FC-AEE2-C02711502647}"/>
+                </a:ext>
+              </a:extLst>
+            </p:cNvPr>
+            <p:cNvSpPr/>
+            <p:nvPr/>
+          </p:nvSpPr>
+          <p:spPr>
+            <a:xfrm>
+              <a:off x="7103825" y="1412377"/>
+              <a:ext cx="1126836" cy="572654"/>
+            </a:xfrm>
+            <a:prstGeom prst="rect">
+              <a:avLst/>
+            </a:prstGeom>
+            <a:noFill/>
+            <a:ln w="38100">
+              <a:solidFill>
+                <a:schemeClr val="bg1">
+                  <a:lumMod val="50000"/>
+                </a:schemeClr>
+              </a:solidFill>
+            </a:ln>
+          </p:spPr>
+          <p:style>
+            <a:lnRef idx="2">
+              <a:schemeClr val="accent1">
+                <a:shade val="50000"/>
+              </a:schemeClr>
+            </a:lnRef>
+            <a:fillRef idx="1">
+              <a:schemeClr val="accent1"/>
+            </a:fillRef>
+            <a:effectRef idx="0">
+              <a:schemeClr val="accent1"/>
+            </a:effectRef>
+            <a:fontRef idx="minor">
+              <a:schemeClr val="lt1"/>
+            </a:fontRef>
+          </p:style>
+          <p:txBody>
+            <a:bodyPr rtlCol="0" anchor="ctr"/>
+            <a:lstStyle/>
+            <a:p>
+              <a:pPr algn="ctr"/>
+              <a:r>
+                <a:rPr lang="en-GB" sz="1600" dirty="0">
+                  <a:solidFill>
+                    <a:schemeClr val="tx1"/>
+                  </a:solidFill>
+                </a:rPr>
+                <a:t>Remote</a:t>
+              </a:r>
+            </a:p>
+            <a:p>
+              <a:pPr algn="ctr"/>
+              <a:r>
+                <a:rPr lang="en-DE" sz="1600" dirty="0">
+                  <a:solidFill>
+                    <a:schemeClr val="tx1"/>
+                  </a:solidFill>
+                </a:rPr>
+                <a:t>repository</a:t>
+              </a:r>
+              <a:endParaRPr lang="en-US" sz="1600" dirty="0">
                 <a:solidFill>
                   <a:schemeClr val="tx1"/>
                 </a:solidFill>
-              </a:rPr>
-              <a:t>Bob.txt</a:t>
-            </a:r>
-          </a:p>
-          <a:p>
-            <a:pPr algn="ctr"/>
-            <a:r>
-              <a:rPr lang="en-US" sz="1600" dirty="0">
-                <a:solidFill>
-                  <a:schemeClr val="tx1"/>
-                </a:solidFill>
-              </a:rPr>
-              <a:t>Alice.txt</a:t>
-            </a:r>
-          </a:p>
-        </p:txBody>
-      </p:sp>
-      <p:sp>
-        <p:nvSpPr>
-          <p:cNvPr id="31" name="Rectangle 30">
-            <a:extLst>
-              <a:ext uri="{FF2B5EF4-FFF2-40B4-BE49-F238E27FC236}">
-                <a16:creationId xmlns:a16="http://schemas.microsoft.com/office/drawing/2014/main" id="{6B94C8F3-F68D-47FC-AEE2-C02711502647}"/>
-              </a:ext>
-            </a:extLst>
-          </p:cNvPr>
-          <p:cNvSpPr/>
-          <p:nvPr/>
-        </p:nvSpPr>
-        <p:spPr>
-          <a:xfrm>
-            <a:off x="7103825" y="1412377"/>
-            <a:ext cx="1126836" cy="572654"/>
-          </a:xfrm>
-          <a:prstGeom prst="rect">
-            <a:avLst/>
-          </a:prstGeom>
-          <a:noFill/>
-          <a:ln w="38100">
+              </a:endParaRPr>
+            </a:p>
+          </p:txBody>
+        </p:sp>
+        <p:sp>
+          <p:nvSpPr>
+            <p:cNvPr id="16" name="Rectangle 15">
+              <a:extLst>
+                <a:ext uri="{FF2B5EF4-FFF2-40B4-BE49-F238E27FC236}">
+                  <a16:creationId xmlns:a16="http://schemas.microsoft.com/office/drawing/2014/main" id="{C87D9E28-72E6-458C-BD58-DB943646CB07}"/>
+                </a:ext>
+              </a:extLst>
+            </p:cNvPr>
+            <p:cNvSpPr/>
+            <p:nvPr/>
+          </p:nvSpPr>
+          <p:spPr>
+            <a:xfrm>
+              <a:off x="6113180" y="2813883"/>
+              <a:ext cx="1245486" cy="1281867"/>
+            </a:xfrm>
+            <a:prstGeom prst="rect">
+              <a:avLst/>
+            </a:prstGeom>
+            <a:noFill/>
+            <a:ln w="28575">
+              <a:solidFill>
+                <a:srgbClr val="7030A0"/>
+              </a:solidFill>
+            </a:ln>
+          </p:spPr>
+          <p:style>
+            <a:lnRef idx="2">
+              <a:schemeClr val="accent1">
+                <a:shade val="50000"/>
+              </a:schemeClr>
+            </a:lnRef>
+            <a:fillRef idx="1">
+              <a:schemeClr val="accent1"/>
+            </a:fillRef>
+            <a:effectRef idx="0">
+              <a:schemeClr val="accent1"/>
+            </a:effectRef>
+            <a:fontRef idx="minor">
+              <a:schemeClr val="lt1"/>
+            </a:fontRef>
+          </p:style>
+          <p:txBody>
+            <a:bodyPr rtlCol="0" anchor="ctr"/>
+            <a:lstStyle/>
+            <a:p>
+              <a:pPr algn="ctr"/>
+              <a:endParaRPr lang="en-GB"/>
+            </a:p>
+          </p:txBody>
+        </p:sp>
+        <p:cxnSp>
+          <p:nvCxnSpPr>
+            <p:cNvPr id="17" name="Straight Connector 16">
+              <a:extLst>
+                <a:ext uri="{FF2B5EF4-FFF2-40B4-BE49-F238E27FC236}">
+                  <a16:creationId xmlns:a16="http://schemas.microsoft.com/office/drawing/2014/main" id="{EC3680B6-07B9-418E-A79D-11833E01ED9E}"/>
+                </a:ext>
+              </a:extLst>
+            </p:cNvPr>
+            <p:cNvCxnSpPr>
+              <a:cxnSpLocks/>
+            </p:cNvCxnSpPr>
+            <p:nvPr/>
+          </p:nvCxnSpPr>
+          <p:spPr>
+            <a:xfrm flipH="1">
+              <a:off x="8661186" y="1985031"/>
+              <a:ext cx="11712" cy="1359091"/>
+            </a:xfrm>
+            <a:prstGeom prst="line">
+              <a:avLst/>
+            </a:prstGeom>
+            <a:ln w="28575">
+              <a:solidFill>
+                <a:srgbClr val="7030A0"/>
+              </a:solidFill>
+            </a:ln>
+          </p:spPr>
+          <p:style>
+            <a:lnRef idx="1">
+              <a:schemeClr val="accent1"/>
+            </a:lnRef>
+            <a:fillRef idx="0">
+              <a:schemeClr val="accent1"/>
+            </a:fillRef>
+            <a:effectRef idx="0">
+              <a:schemeClr val="accent1"/>
+            </a:effectRef>
+            <a:fontRef idx="minor">
+              <a:schemeClr val="tx1"/>
+            </a:fontRef>
+          </p:style>
+        </p:cxnSp>
+        <p:cxnSp>
+          <p:nvCxnSpPr>
+            <p:cNvPr id="19" name="Straight Arrow Connector 18">
+              <a:extLst>
+                <a:ext uri="{FF2B5EF4-FFF2-40B4-BE49-F238E27FC236}">
+                  <a16:creationId xmlns:a16="http://schemas.microsoft.com/office/drawing/2014/main" id="{7A2D37E6-9D8D-4F9C-B067-AA66D95EC4D2}"/>
+                </a:ext>
+              </a:extLst>
+            </p:cNvPr>
+            <p:cNvCxnSpPr>
+              <a:cxnSpLocks/>
+            </p:cNvCxnSpPr>
+            <p:nvPr/>
+          </p:nvCxnSpPr>
+          <p:spPr>
+            <a:xfrm flipH="1">
+              <a:off x="7350689" y="3331232"/>
+              <a:ext cx="1310304" cy="0"/>
+            </a:xfrm>
+            <a:prstGeom prst="straightConnector1">
+              <a:avLst/>
+            </a:prstGeom>
+            <a:ln w="28575">
+              <a:solidFill>
+                <a:srgbClr val="7030A0"/>
+              </a:solidFill>
+              <a:tailEnd type="triangle"/>
+            </a:ln>
+          </p:spPr>
+          <p:style>
+            <a:lnRef idx="1">
+              <a:schemeClr val="accent1"/>
+            </a:lnRef>
+            <a:fillRef idx="0">
+              <a:schemeClr val="accent1"/>
+            </a:fillRef>
+            <a:effectRef idx="0">
+              <a:schemeClr val="accent1"/>
+            </a:effectRef>
+            <a:fontRef idx="minor">
+              <a:schemeClr val="tx1"/>
+            </a:fontRef>
+          </p:style>
+        </p:cxnSp>
+        <p:sp>
+          <p:nvSpPr>
+            <p:cNvPr id="20" name="TextBox 19">
+              <a:extLst>
+                <a:ext uri="{FF2B5EF4-FFF2-40B4-BE49-F238E27FC236}">
+                  <a16:creationId xmlns:a16="http://schemas.microsoft.com/office/drawing/2014/main" id="{7C3FFAFF-69E6-4796-9AE9-4F4CE48D1445}"/>
+                </a:ext>
+              </a:extLst>
+            </p:cNvPr>
+            <p:cNvSpPr txBox="1"/>
+            <p:nvPr/>
+          </p:nvSpPr>
+          <p:spPr>
+            <a:xfrm>
+              <a:off x="7565740" y="2920302"/>
+              <a:ext cx="1039390" cy="307777"/>
+            </a:xfrm>
+            <a:prstGeom prst="rect">
+              <a:avLst/>
+            </a:prstGeom>
             <a:solidFill>
               <a:schemeClr val="bg1">
-                <a:lumMod val="50000"/>
+                <a:lumMod val="95000"/>
               </a:schemeClr>
             </a:solidFill>
-          </a:ln>
-        </p:spPr>
-        <p:style>
-          <a:lnRef idx="2">
-            <a:schemeClr val="accent1">
-              <a:shade val="50000"/>
-            </a:schemeClr>
-          </a:lnRef>
-          <a:fillRef idx="1">
-            <a:schemeClr val="accent1"/>
-          </a:fillRef>
-          <a:effectRef idx="0">
-            <a:schemeClr val="accent1"/>
-          </a:effectRef>
-          <a:fontRef idx="minor">
-            <a:schemeClr val="lt1"/>
-          </a:fontRef>
-        </p:style>
-        <p:txBody>
-          <a:bodyPr rtlCol="0" anchor="ctr"/>
-          <a:lstStyle/>
-          <a:p>
-            <a:pPr algn="ctr"/>
-            <a:r>
-              <a:rPr lang="en-GB" sz="1600" dirty="0">
-                <a:solidFill>
-                  <a:schemeClr val="tx1"/>
-                </a:solidFill>
-              </a:rPr>
-              <a:t>Remote</a:t>
-            </a:r>
-          </a:p>
-          <a:p>
-            <a:pPr algn="ctr"/>
-            <a:r>
-              <a:rPr lang="en-DE" sz="1600" dirty="0">
-                <a:solidFill>
-                  <a:schemeClr val="tx1"/>
-                </a:solidFill>
-              </a:rPr>
-              <a:t>repository</a:t>
-            </a:r>
-            <a:endParaRPr lang="en-US" sz="1600" dirty="0">
+          </p:spPr>
+          <p:txBody>
+            <a:bodyPr wrap="square" rtlCol="0">
+              <a:spAutoFit/>
+            </a:bodyPr>
+            <a:lstStyle/>
+            <a:p>
+              <a:pPr algn="ctr"/>
+              <a:r>
+                <a:rPr lang="de-DE" sz="1400" dirty="0" err="1">
+                  <a:latin typeface="Consolas" panose="020B0609020204030204" pitchFamily="49" charset="0"/>
+                </a:rPr>
+                <a:t>git</a:t>
+              </a:r>
+              <a:r>
+                <a:rPr lang="de-DE" sz="1400" dirty="0">
+                  <a:latin typeface="Consolas" panose="020B0609020204030204" pitchFamily="49" charset="0"/>
+                </a:rPr>
+                <a:t> pull</a:t>
+              </a:r>
+              <a:endParaRPr lang="en-GB" sz="1400" dirty="0">
+                <a:latin typeface="Consolas" panose="020B0609020204030204" pitchFamily="49" charset="0"/>
+              </a:endParaRPr>
+            </a:p>
+          </p:txBody>
+        </p:sp>
+        <p:sp>
+          <p:nvSpPr>
+            <p:cNvPr id="21" name="Rectangle 20">
+              <a:extLst>
+                <a:ext uri="{FF2B5EF4-FFF2-40B4-BE49-F238E27FC236}">
+                  <a16:creationId xmlns:a16="http://schemas.microsoft.com/office/drawing/2014/main" id="{1DD42B01-3AAF-4AD6-B011-4109AF8795B2}"/>
+                </a:ext>
+              </a:extLst>
+            </p:cNvPr>
+            <p:cNvSpPr/>
+            <p:nvPr/>
+          </p:nvSpPr>
+          <p:spPr>
+            <a:xfrm>
+              <a:off x="7036403" y="1295682"/>
+              <a:ext cx="1245486" cy="1310262"/>
+            </a:xfrm>
+            <a:prstGeom prst="rect">
+              <a:avLst/>
+            </a:prstGeom>
+            <a:noFill/>
+            <a:ln w="28575">
               <a:solidFill>
-                <a:schemeClr val="tx1"/>
+                <a:srgbClr val="7030A0"/>
               </a:solidFill>
-            </a:endParaRPr>
-          </a:p>
-        </p:txBody>
-      </p:sp>
-      <p:sp>
-        <p:nvSpPr>
-          <p:cNvPr id="16" name="Rectangle 15">
-            <a:extLst>
-              <a:ext uri="{FF2B5EF4-FFF2-40B4-BE49-F238E27FC236}">
-                <a16:creationId xmlns:a16="http://schemas.microsoft.com/office/drawing/2014/main" id="{C87D9E28-72E6-458C-BD58-DB943646CB07}"/>
-              </a:ext>
-            </a:extLst>
-          </p:cNvPr>
-          <p:cNvSpPr/>
-          <p:nvPr/>
-        </p:nvSpPr>
-        <p:spPr>
-          <a:xfrm>
-            <a:off x="6113180" y="2813883"/>
-            <a:ext cx="1245486" cy="993525"/>
-          </a:xfrm>
-          <a:prstGeom prst="rect">
-            <a:avLst/>
-          </a:prstGeom>
-          <a:noFill/>
-          <a:ln w="28575">
-            <a:solidFill>
-              <a:srgbClr val="7030A0"/>
-            </a:solidFill>
-          </a:ln>
-        </p:spPr>
-        <p:style>
-          <a:lnRef idx="2">
-            <a:schemeClr val="accent1">
-              <a:shade val="50000"/>
-            </a:schemeClr>
-          </a:lnRef>
-          <a:fillRef idx="1">
-            <a:schemeClr val="accent1"/>
-          </a:fillRef>
-          <a:effectRef idx="0">
-            <a:schemeClr val="accent1"/>
-          </a:effectRef>
-          <a:fontRef idx="minor">
-            <a:schemeClr val="lt1"/>
-          </a:fontRef>
-        </p:style>
-        <p:txBody>
-          <a:bodyPr rtlCol="0" anchor="ctr"/>
-          <a:lstStyle/>
-          <a:p>
-            <a:pPr algn="ctr"/>
-            <a:endParaRPr lang="en-GB"/>
-          </a:p>
-        </p:txBody>
-      </p:sp>
-      <p:cxnSp>
-        <p:nvCxnSpPr>
-          <p:cNvPr id="17" name="Straight Connector 16">
-            <a:extLst>
-              <a:ext uri="{FF2B5EF4-FFF2-40B4-BE49-F238E27FC236}">
-                <a16:creationId xmlns:a16="http://schemas.microsoft.com/office/drawing/2014/main" id="{EC3680B6-07B9-418E-A79D-11833E01ED9E}"/>
-              </a:ext>
-            </a:extLst>
-          </p:cNvPr>
-          <p:cNvCxnSpPr>
-            <a:cxnSpLocks/>
-          </p:cNvCxnSpPr>
-          <p:nvPr/>
-        </p:nvCxnSpPr>
-        <p:spPr>
-          <a:xfrm flipH="1">
-            <a:off x="8661186" y="1985031"/>
-            <a:ext cx="11712" cy="1359091"/>
-          </a:xfrm>
-          <a:prstGeom prst="line">
-            <a:avLst/>
-          </a:prstGeom>
-          <a:ln w="28575">
-            <a:solidFill>
-              <a:srgbClr val="7030A0"/>
-            </a:solidFill>
-          </a:ln>
-        </p:spPr>
-        <p:style>
-          <a:lnRef idx="1">
-            <a:schemeClr val="accent1"/>
-          </a:lnRef>
-          <a:fillRef idx="0">
-            <a:schemeClr val="accent1"/>
-          </a:fillRef>
-          <a:effectRef idx="0">
-            <a:schemeClr val="accent1"/>
-          </a:effectRef>
-          <a:fontRef idx="minor">
-            <a:schemeClr val="tx1"/>
-          </a:fontRef>
-        </p:style>
-      </p:cxnSp>
-      <p:cxnSp>
-        <p:nvCxnSpPr>
-          <p:cNvPr id="19" name="Straight Arrow Connector 18">
-            <a:extLst>
-              <a:ext uri="{FF2B5EF4-FFF2-40B4-BE49-F238E27FC236}">
-                <a16:creationId xmlns:a16="http://schemas.microsoft.com/office/drawing/2014/main" id="{7A2D37E6-9D8D-4F9C-B067-AA66D95EC4D2}"/>
-              </a:ext>
-            </a:extLst>
-          </p:cNvPr>
-          <p:cNvCxnSpPr>
-            <a:cxnSpLocks/>
-          </p:cNvCxnSpPr>
-          <p:nvPr/>
-        </p:nvCxnSpPr>
-        <p:spPr>
-          <a:xfrm flipH="1">
-            <a:off x="7350689" y="3331232"/>
-            <a:ext cx="1310304" cy="0"/>
-          </a:xfrm>
-          <a:prstGeom prst="straightConnector1">
-            <a:avLst/>
-          </a:prstGeom>
-          <a:ln w="28575">
-            <a:solidFill>
-              <a:srgbClr val="7030A0"/>
-            </a:solidFill>
-            <a:tailEnd type="triangle"/>
-          </a:ln>
-        </p:spPr>
-        <p:style>
-          <a:lnRef idx="1">
-            <a:schemeClr val="accent1"/>
-          </a:lnRef>
-          <a:fillRef idx="0">
-            <a:schemeClr val="accent1"/>
-          </a:fillRef>
-          <a:effectRef idx="0">
-            <a:schemeClr val="accent1"/>
-          </a:effectRef>
-          <a:fontRef idx="minor">
-            <a:schemeClr val="tx1"/>
-          </a:fontRef>
-        </p:style>
-      </p:cxnSp>
-      <p:sp>
-        <p:nvSpPr>
-          <p:cNvPr id="20" name="TextBox 19">
-            <a:extLst>
-              <a:ext uri="{FF2B5EF4-FFF2-40B4-BE49-F238E27FC236}">
-                <a16:creationId xmlns:a16="http://schemas.microsoft.com/office/drawing/2014/main" id="{7C3FFAFF-69E6-4796-9AE9-4F4CE48D1445}"/>
-              </a:ext>
-            </a:extLst>
-          </p:cNvPr>
-          <p:cNvSpPr txBox="1"/>
-          <p:nvPr/>
-        </p:nvSpPr>
-        <p:spPr>
-          <a:xfrm>
-            <a:off x="7565740" y="2920302"/>
-            <a:ext cx="1039390" cy="307777"/>
-          </a:xfrm>
-          <a:prstGeom prst="rect">
-            <a:avLst/>
-          </a:prstGeom>
-          <a:solidFill>
-            <a:schemeClr val="bg1">
-              <a:lumMod val="95000"/>
-            </a:schemeClr>
-          </a:solidFill>
-        </p:spPr>
-        <p:txBody>
-          <a:bodyPr wrap="square" rtlCol="0">
-            <a:spAutoFit/>
-          </a:bodyPr>
-          <a:lstStyle/>
-          <a:p>
-            <a:pPr algn="ctr"/>
-            <a:r>
-              <a:rPr lang="de-DE" sz="1400" dirty="0" err="1">
-                <a:latin typeface="Consolas" panose="020B0609020204030204" pitchFamily="49" charset="0"/>
-              </a:rPr>
-              <a:t>git</a:t>
-            </a:r>
-            <a:r>
-              <a:rPr lang="de-DE" sz="1400" dirty="0">
-                <a:latin typeface="Consolas" panose="020B0609020204030204" pitchFamily="49" charset="0"/>
-              </a:rPr>
-              <a:t> pull</a:t>
-            </a:r>
-            <a:endParaRPr lang="en-GB" sz="1400" dirty="0">
-              <a:latin typeface="Consolas" panose="020B0609020204030204" pitchFamily="49" charset="0"/>
-            </a:endParaRPr>
-          </a:p>
-        </p:txBody>
-      </p:sp>
-      <p:sp>
-        <p:nvSpPr>
-          <p:cNvPr id="21" name="Rectangle 20">
-            <a:extLst>
-              <a:ext uri="{FF2B5EF4-FFF2-40B4-BE49-F238E27FC236}">
-                <a16:creationId xmlns:a16="http://schemas.microsoft.com/office/drawing/2014/main" id="{1DD42B01-3AAF-4AD6-B011-4109AF8795B2}"/>
-              </a:ext>
-            </a:extLst>
-          </p:cNvPr>
-          <p:cNvSpPr/>
-          <p:nvPr/>
-        </p:nvSpPr>
-        <p:spPr>
-          <a:xfrm>
-            <a:off x="7036403" y="1295682"/>
-            <a:ext cx="1245486" cy="1310262"/>
-          </a:xfrm>
-          <a:prstGeom prst="rect">
-            <a:avLst/>
-          </a:prstGeom>
-          <a:noFill/>
-          <a:ln w="28575">
-            <a:solidFill>
-              <a:srgbClr val="7030A0"/>
-            </a:solidFill>
-          </a:ln>
-        </p:spPr>
-        <p:style>
-          <a:lnRef idx="2">
-            <a:schemeClr val="accent1">
-              <a:shade val="50000"/>
-            </a:schemeClr>
-          </a:lnRef>
-          <a:fillRef idx="1">
-            <a:schemeClr val="accent1"/>
-          </a:fillRef>
-          <a:effectRef idx="0">
-            <a:schemeClr val="accent1"/>
-          </a:effectRef>
-          <a:fontRef idx="minor">
-            <a:schemeClr val="lt1"/>
-          </a:fontRef>
-        </p:style>
-        <p:txBody>
-          <a:bodyPr rtlCol="0" anchor="ctr"/>
-          <a:lstStyle/>
-          <a:p>
-            <a:pPr algn="ctr"/>
-            <a:endParaRPr lang="en-GB"/>
-          </a:p>
-        </p:txBody>
-      </p:sp>
-      <p:cxnSp>
-        <p:nvCxnSpPr>
-          <p:cNvPr id="26" name="Straight Connector 25">
-            <a:extLst>
-              <a:ext uri="{FF2B5EF4-FFF2-40B4-BE49-F238E27FC236}">
-                <a16:creationId xmlns:a16="http://schemas.microsoft.com/office/drawing/2014/main" id="{EEAD7508-6181-4B15-B55A-8C7F6782C871}"/>
-              </a:ext>
-            </a:extLst>
-          </p:cNvPr>
-          <p:cNvCxnSpPr>
-            <a:cxnSpLocks/>
-          </p:cNvCxnSpPr>
-          <p:nvPr/>
-        </p:nvCxnSpPr>
-        <p:spPr>
-          <a:xfrm flipH="1">
-            <a:off x="8281891" y="1989614"/>
-            <a:ext cx="404909" cy="0"/>
-          </a:xfrm>
-          <a:prstGeom prst="line">
-            <a:avLst/>
-          </a:prstGeom>
-          <a:ln w="28575">
-            <a:solidFill>
-              <a:srgbClr val="7030A0"/>
-            </a:solidFill>
-          </a:ln>
-        </p:spPr>
-        <p:style>
-          <a:lnRef idx="1">
-            <a:schemeClr val="accent1"/>
-          </a:lnRef>
-          <a:fillRef idx="0">
-            <a:schemeClr val="accent1"/>
-          </a:fillRef>
-          <a:effectRef idx="0">
-            <a:schemeClr val="accent1"/>
-          </a:effectRef>
-          <a:fontRef idx="minor">
-            <a:schemeClr val="tx1"/>
-          </a:fontRef>
-        </p:style>
-      </p:cxnSp>
+            </a:ln>
+          </p:spPr>
+          <p:style>
+            <a:lnRef idx="2">
+              <a:schemeClr val="accent1">
+                <a:shade val="50000"/>
+              </a:schemeClr>
+            </a:lnRef>
+            <a:fillRef idx="1">
+              <a:schemeClr val="accent1"/>
+            </a:fillRef>
+            <a:effectRef idx="0">
+              <a:schemeClr val="accent1"/>
+            </a:effectRef>
+            <a:fontRef idx="minor">
+              <a:schemeClr val="lt1"/>
+            </a:fontRef>
+          </p:style>
+          <p:txBody>
+            <a:bodyPr rtlCol="0" anchor="ctr"/>
+            <a:lstStyle/>
+            <a:p>
+              <a:pPr algn="ctr"/>
+              <a:endParaRPr lang="en-GB"/>
+            </a:p>
+          </p:txBody>
+        </p:sp>
+        <p:cxnSp>
+          <p:nvCxnSpPr>
+            <p:cNvPr id="26" name="Straight Connector 25">
+              <a:extLst>
+                <a:ext uri="{FF2B5EF4-FFF2-40B4-BE49-F238E27FC236}">
+                  <a16:creationId xmlns:a16="http://schemas.microsoft.com/office/drawing/2014/main" id="{EEAD7508-6181-4B15-B55A-8C7F6782C871}"/>
+                </a:ext>
+              </a:extLst>
+            </p:cNvPr>
+            <p:cNvCxnSpPr>
+              <a:cxnSpLocks/>
+            </p:cNvCxnSpPr>
+            <p:nvPr/>
+          </p:nvCxnSpPr>
+          <p:spPr>
+            <a:xfrm flipH="1">
+              <a:off x="8281891" y="1989614"/>
+              <a:ext cx="404909" cy="0"/>
+            </a:xfrm>
+            <a:prstGeom prst="line">
+              <a:avLst/>
+            </a:prstGeom>
+            <a:ln w="28575">
+              <a:solidFill>
+                <a:srgbClr val="7030A0"/>
+              </a:solidFill>
+            </a:ln>
+          </p:spPr>
+          <p:style>
+            <a:lnRef idx="1">
+              <a:schemeClr val="accent1"/>
+            </a:lnRef>
+            <a:fillRef idx="0">
+              <a:schemeClr val="accent1"/>
+            </a:fillRef>
+            <a:effectRef idx="0">
+              <a:schemeClr val="accent1"/>
+            </a:effectRef>
+            <a:fontRef idx="minor">
+              <a:schemeClr val="tx1"/>
+            </a:fontRef>
+          </p:style>
+        </p:cxnSp>
+        <p:cxnSp>
+          <p:nvCxnSpPr>
+            <p:cNvPr id="28" name="Straight Arrow Connector 27">
+              <a:extLst>
+                <a:ext uri="{FF2B5EF4-FFF2-40B4-BE49-F238E27FC236}">
+                  <a16:creationId xmlns:a16="http://schemas.microsoft.com/office/drawing/2014/main" id="{A51DEE89-4192-4C51-A586-4B863A711136}"/>
+                </a:ext>
+              </a:extLst>
+            </p:cNvPr>
+            <p:cNvCxnSpPr>
+              <a:cxnSpLocks/>
+            </p:cNvCxnSpPr>
+            <p:nvPr/>
+          </p:nvCxnSpPr>
+          <p:spPr>
+            <a:xfrm flipH="1">
+              <a:off x="4785696" y="3778907"/>
+              <a:ext cx="1310304" cy="0"/>
+            </a:xfrm>
+            <a:prstGeom prst="straightConnector1">
+              <a:avLst/>
+            </a:prstGeom>
+            <a:ln w="28575">
+              <a:solidFill>
+                <a:srgbClr val="7030A0"/>
+              </a:solidFill>
+              <a:tailEnd type="triangle"/>
+            </a:ln>
+          </p:spPr>
+          <p:style>
+            <a:lnRef idx="1">
+              <a:schemeClr val="accent1"/>
+            </a:lnRef>
+            <a:fillRef idx="0">
+              <a:schemeClr val="accent1"/>
+            </a:fillRef>
+            <a:effectRef idx="0">
+              <a:schemeClr val="accent1"/>
+            </a:effectRef>
+            <a:fontRef idx="minor">
+              <a:schemeClr val="tx1"/>
+            </a:fontRef>
+          </p:style>
+        </p:cxnSp>
+        <p:sp>
+          <p:nvSpPr>
+            <p:cNvPr id="29" name="Rectangle 28">
+              <a:extLst>
+                <a:ext uri="{FF2B5EF4-FFF2-40B4-BE49-F238E27FC236}">
+                  <a16:creationId xmlns:a16="http://schemas.microsoft.com/office/drawing/2014/main" id="{7D8F7AEF-14B7-44E9-B0CF-DF71FAF8A438}"/>
+                </a:ext>
+              </a:extLst>
+            </p:cNvPr>
+            <p:cNvSpPr/>
+            <p:nvPr/>
+          </p:nvSpPr>
+          <p:spPr>
+            <a:xfrm>
+              <a:off x="3540114" y="2814106"/>
+              <a:ext cx="1245486" cy="1281867"/>
+            </a:xfrm>
+            <a:prstGeom prst="rect">
+              <a:avLst/>
+            </a:prstGeom>
+            <a:noFill/>
+            <a:ln w="28575">
+              <a:solidFill>
+                <a:srgbClr val="7030A0"/>
+              </a:solidFill>
+            </a:ln>
+          </p:spPr>
+          <p:style>
+            <a:lnRef idx="2">
+              <a:schemeClr val="accent1">
+                <a:shade val="50000"/>
+              </a:schemeClr>
+            </a:lnRef>
+            <a:fillRef idx="1">
+              <a:schemeClr val="accent1"/>
+            </a:fillRef>
+            <a:effectRef idx="0">
+              <a:schemeClr val="accent1"/>
+            </a:effectRef>
+            <a:fontRef idx="minor">
+              <a:schemeClr val="lt1"/>
+            </a:fontRef>
+          </p:style>
+          <p:txBody>
+            <a:bodyPr rtlCol="0" anchor="ctr"/>
+            <a:lstStyle/>
+            <a:p>
+              <a:pPr algn="ctr"/>
+              <a:endParaRPr lang="en-GB"/>
+            </a:p>
+          </p:txBody>
+        </p:sp>
+      </p:grpSp>
     </p:spTree>
     <p:extLst>
       <p:ext uri="{BB962C8B-B14F-4D97-AF65-F5344CB8AC3E}">
@@ -5548,138 +6029,6 @@
   <p:clrMapOvr>
     <a:masterClrMapping/>
   </p:clrMapOvr>
-  <p:timing>
-    <p:tnLst>
-      <p:par>
-        <p:cTn id="1" dur="indefinite" restart="never" nodeType="tmRoot">
-          <p:childTnLst>
-            <p:seq concurrent="1" nextAc="seek">
-              <p:cTn id="2" dur="indefinite" nodeType="mainSeq">
-                <p:childTnLst>
-                  <p:par>
-                    <p:cTn id="3" fill="hold">
-                      <p:stCondLst>
-                        <p:cond delay="indefinite"/>
-                        <p:cond evt="onBegin" delay="0">
-                          <p:tn val="2"/>
-                        </p:cond>
-                      </p:stCondLst>
-                      <p:childTnLst>
-                        <p:par>
-                          <p:cTn id="4" fill="hold">
-                            <p:stCondLst>
-                              <p:cond delay="0"/>
-                            </p:stCondLst>
-                            <p:childTnLst>
-                              <p:par>
-                                <p:cTn id="5" presetID="1" presetClass="entr" presetSubtype="0" fill="hold" nodeType="withEffect">
-                                  <p:stCondLst>
-                                    <p:cond delay="0"/>
-                                  </p:stCondLst>
-                                  <p:childTnLst>
-                                    <p:set>
-                                      <p:cBhvr>
-                                        <p:cTn id="6" dur="1" fill="hold">
-                                          <p:stCondLst>
-                                            <p:cond delay="0"/>
-                                          </p:stCondLst>
-                                        </p:cTn>
-                                        <p:tgtEl>
-                                          <p:spTgt spid="17"/>
-                                        </p:tgtEl>
-                                        <p:attrNameLst>
-                                          <p:attrName>style.visibility</p:attrName>
-                                        </p:attrNameLst>
-                                      </p:cBhvr>
-                                      <p:to>
-                                        <p:strVal val="visible"/>
-                                      </p:to>
-                                    </p:set>
-                                  </p:childTnLst>
-                                </p:cTn>
-                              </p:par>
-                              <p:par>
-                                <p:cTn id="7" presetID="1" presetClass="entr" presetSubtype="0" fill="hold" nodeType="withEffect">
-                                  <p:stCondLst>
-                                    <p:cond delay="0"/>
-                                  </p:stCondLst>
-                                  <p:childTnLst>
-                                    <p:set>
-                                      <p:cBhvr>
-                                        <p:cTn id="8" dur="1" fill="hold">
-                                          <p:stCondLst>
-                                            <p:cond delay="0"/>
-                                          </p:stCondLst>
-                                        </p:cTn>
-                                        <p:tgtEl>
-                                          <p:spTgt spid="19"/>
-                                        </p:tgtEl>
-                                        <p:attrNameLst>
-                                          <p:attrName>style.visibility</p:attrName>
-                                        </p:attrNameLst>
-                                      </p:cBhvr>
-                                      <p:to>
-                                        <p:strVal val="visible"/>
-                                      </p:to>
-                                    </p:set>
-                                  </p:childTnLst>
-                                </p:cTn>
-                              </p:par>
-                              <p:par>
-                                <p:cTn id="9" presetID="1" presetClass="entr" presetSubtype="0" fill="hold" nodeType="withEffect">
-                                  <p:stCondLst>
-                                    <p:cond delay="0"/>
-                                  </p:stCondLst>
-                                  <p:childTnLst>
-                                    <p:set>
-                                      <p:cBhvr>
-                                        <p:cTn id="10" dur="1" fill="hold">
-                                          <p:stCondLst>
-                                            <p:cond delay="0"/>
-                                          </p:stCondLst>
-                                        </p:cTn>
-                                        <p:tgtEl>
-                                          <p:spTgt spid="26"/>
-                                        </p:tgtEl>
-                                        <p:attrNameLst>
-                                          <p:attrName>style.visibility</p:attrName>
-                                        </p:attrNameLst>
-                                      </p:cBhvr>
-                                      <p:to>
-                                        <p:strVal val="visible"/>
-                                      </p:to>
-                                    </p:set>
-                                  </p:childTnLst>
-                                </p:cTn>
-                              </p:par>
-                            </p:childTnLst>
-                          </p:cTn>
-                        </p:par>
-                      </p:childTnLst>
-                    </p:cTn>
-                  </p:par>
-                </p:childTnLst>
-              </p:cTn>
-              <p:prevCondLst>
-                <p:cond evt="onPrev" delay="0">
-                  <p:tgtEl>
-                    <p:sldTgt/>
-                  </p:tgtEl>
-                </p:cond>
-              </p:prevCondLst>
-              <p:nextCondLst>
-                <p:cond evt="onNext" delay="0">
-                  <p:tgtEl>
-                    <p:sldTgt/>
-                  </p:tgtEl>
-                </p:cond>
-              </p:nextCondLst>
-            </p:seq>
-          </p:childTnLst>
-        </p:cTn>
-      </p:par>
-    </p:tnLst>
-  </p:timing>
 </p:sld>
 </file>
 
@@ -5734,6 +6083,2097 @@
     <p:extLst>
       <p:ext uri="{BB962C8B-B14F-4D97-AF65-F5344CB8AC3E}">
         <p14:creationId xmlns:p14="http://schemas.microsoft.com/office/powerpoint/2010/main" val="1830016791"/>
+      </p:ext>
+    </p:extLst>
+  </p:cSld>
+  <p:clrMapOvr>
+    <a:masterClrMapping/>
+  </p:clrMapOvr>
+</p:sld>
+</file>
+
+<file path=ppt/slides/slide13.xml><?xml version="1.0" encoding="utf-8"?>
+<p:sld xmlns:a="http://schemas.openxmlformats.org/drawingml/2006/main" xmlns:r="http://schemas.openxmlformats.org/officeDocument/2006/relationships" xmlns:p="http://schemas.openxmlformats.org/presentationml/2006/main">
+  <p:cSld>
+    <p:spTree>
+      <p:nvGrpSpPr>
+        <p:cNvPr id="1" name=""/>
+        <p:cNvGrpSpPr/>
+        <p:nvPr/>
+      </p:nvGrpSpPr>
+      <p:grpSpPr>
+        <a:xfrm>
+          <a:off x="0" y="0"/>
+          <a:ext cx="0" cy="0"/>
+          <a:chOff x="0" y="0"/>
+          <a:chExt cx="0" cy="0"/>
+        </a:xfrm>
+      </p:grpSpPr>
+      <p:grpSp>
+        <p:nvGrpSpPr>
+          <p:cNvPr id="2" name="Group 1">
+            <a:extLst>
+              <a:ext uri="{FF2B5EF4-FFF2-40B4-BE49-F238E27FC236}">
+                <a16:creationId xmlns:a16="http://schemas.microsoft.com/office/drawing/2014/main" id="{757E5169-C131-4462-9270-14008E34A3A5}"/>
+              </a:ext>
+            </a:extLst>
+          </p:cNvPr>
+          <p:cNvGrpSpPr/>
+          <p:nvPr/>
+        </p:nvGrpSpPr>
+        <p:grpSpPr>
+          <a:xfrm>
+            <a:off x="3233236" y="2739518"/>
+            <a:ext cx="4200106" cy="1403176"/>
+            <a:chOff x="3233236" y="2739518"/>
+            <a:chExt cx="4200106" cy="1403176"/>
+          </a:xfrm>
+        </p:grpSpPr>
+        <p:sp>
+          <p:nvSpPr>
+            <p:cNvPr id="3" name="Rectangle 2">
+              <a:extLst>
+                <a:ext uri="{FF2B5EF4-FFF2-40B4-BE49-F238E27FC236}">
+                  <a16:creationId xmlns:a16="http://schemas.microsoft.com/office/drawing/2014/main" id="{831D6C92-6D70-490B-B89C-9D0AEB1F7643}"/>
+                </a:ext>
+              </a:extLst>
+            </p:cNvPr>
+            <p:cNvSpPr/>
+            <p:nvPr/>
+          </p:nvSpPr>
+          <p:spPr>
+            <a:xfrm>
+              <a:off x="6156403" y="3448769"/>
+              <a:ext cx="1140690" cy="304800"/>
+            </a:xfrm>
+            <a:prstGeom prst="rect">
+              <a:avLst/>
+            </a:prstGeom>
+            <a:noFill/>
+            <a:ln w="3175">
+              <a:solidFill>
+                <a:schemeClr val="tx1"/>
+              </a:solidFill>
+            </a:ln>
+          </p:spPr>
+          <p:style>
+            <a:lnRef idx="2">
+              <a:schemeClr val="accent1">
+                <a:shade val="50000"/>
+              </a:schemeClr>
+            </a:lnRef>
+            <a:fillRef idx="1">
+              <a:schemeClr val="accent1"/>
+            </a:fillRef>
+            <a:effectRef idx="0">
+              <a:schemeClr val="accent1"/>
+            </a:effectRef>
+            <a:fontRef idx="minor">
+              <a:schemeClr val="lt1"/>
+            </a:fontRef>
+          </p:style>
+          <p:txBody>
+            <a:bodyPr rtlCol="0" anchor="ctr"/>
+            <a:lstStyle/>
+            <a:p>
+              <a:pPr algn="ctr"/>
+              <a:r>
+                <a:rPr lang="en-US" sz="1600" dirty="0">
+                  <a:solidFill>
+                    <a:schemeClr val="tx1"/>
+                  </a:solidFill>
+                </a:rPr>
+                <a:t>Bob.txt</a:t>
+              </a:r>
+            </a:p>
+          </p:txBody>
+        </p:sp>
+        <p:grpSp>
+          <p:nvGrpSpPr>
+            <p:cNvPr id="4" name="Group 3">
+              <a:extLst>
+                <a:ext uri="{FF2B5EF4-FFF2-40B4-BE49-F238E27FC236}">
+                  <a16:creationId xmlns:a16="http://schemas.microsoft.com/office/drawing/2014/main" id="{E5F860FA-4C64-41C7-B536-14C354EEF9E7}"/>
+                </a:ext>
+              </a:extLst>
+            </p:cNvPr>
+            <p:cNvGrpSpPr/>
+            <p:nvPr/>
+          </p:nvGrpSpPr>
+          <p:grpSpPr>
+            <a:xfrm>
+              <a:off x="3233236" y="2739518"/>
+              <a:ext cx="4200106" cy="1403176"/>
+              <a:chOff x="3233236" y="2739518"/>
+              <a:chExt cx="4200106" cy="1403176"/>
+            </a:xfrm>
+          </p:grpSpPr>
+          <p:sp>
+            <p:nvSpPr>
+              <p:cNvPr id="5" name="Rectangle 4">
+                <a:extLst>
+                  <a:ext uri="{FF2B5EF4-FFF2-40B4-BE49-F238E27FC236}">
+                    <a16:creationId xmlns:a16="http://schemas.microsoft.com/office/drawing/2014/main" id="{7ED4B0F3-C47E-495E-862E-C9C6BF9E1D01}"/>
+                  </a:ext>
+                </a:extLst>
+              </p:cNvPr>
+              <p:cNvSpPr/>
+              <p:nvPr/>
+            </p:nvSpPr>
+            <p:spPr>
+              <a:xfrm>
+                <a:off x="3604725" y="3429000"/>
+                <a:ext cx="1140690" cy="304800"/>
+              </a:xfrm>
+              <a:prstGeom prst="rect">
+                <a:avLst/>
+              </a:prstGeom>
+              <a:noFill/>
+              <a:ln w="3175">
+                <a:solidFill>
+                  <a:schemeClr val="tx1"/>
+                </a:solidFill>
+              </a:ln>
+            </p:spPr>
+            <p:style>
+              <a:lnRef idx="2">
+                <a:schemeClr val="accent1">
+                  <a:shade val="50000"/>
+                </a:schemeClr>
+              </a:lnRef>
+              <a:fillRef idx="1">
+                <a:schemeClr val="accent1"/>
+              </a:fillRef>
+              <a:effectRef idx="0">
+                <a:schemeClr val="accent1"/>
+              </a:effectRef>
+              <a:fontRef idx="minor">
+                <a:schemeClr val="lt1"/>
+              </a:fontRef>
+            </p:style>
+            <p:txBody>
+              <a:bodyPr rtlCol="0" anchor="ctr"/>
+              <a:lstStyle/>
+              <a:p>
+                <a:pPr algn="ctr"/>
+                <a:r>
+                  <a:rPr lang="en-US" sz="1600" dirty="0">
+                    <a:solidFill>
+                      <a:schemeClr val="tx1"/>
+                    </a:solidFill>
+                  </a:rPr>
+                  <a:t>Bob.txt</a:t>
+                </a:r>
+              </a:p>
+            </p:txBody>
+          </p:sp>
+          <p:sp>
+            <p:nvSpPr>
+              <p:cNvPr id="6" name="Rectangle 5">
+                <a:extLst>
+                  <a:ext uri="{FF2B5EF4-FFF2-40B4-BE49-F238E27FC236}">
+                    <a16:creationId xmlns:a16="http://schemas.microsoft.com/office/drawing/2014/main" id="{1E377BD6-4D7B-4464-B5F5-972363A9EE2D}"/>
+                  </a:ext>
+                </a:extLst>
+              </p:cNvPr>
+              <p:cNvSpPr/>
+              <p:nvPr/>
+            </p:nvSpPr>
+            <p:spPr>
+              <a:xfrm>
+                <a:off x="3489415" y="2739518"/>
+                <a:ext cx="3943927" cy="1116202"/>
+              </a:xfrm>
+              <a:prstGeom prst="rect">
+                <a:avLst/>
+              </a:prstGeom>
+              <a:noFill/>
+              <a:ln>
+                <a:solidFill>
+                  <a:schemeClr val="tx1"/>
+                </a:solidFill>
+              </a:ln>
+            </p:spPr>
+            <p:style>
+              <a:lnRef idx="2">
+                <a:schemeClr val="accent1">
+                  <a:shade val="50000"/>
+                </a:schemeClr>
+              </a:lnRef>
+              <a:fillRef idx="1">
+                <a:schemeClr val="accent1"/>
+              </a:fillRef>
+              <a:effectRef idx="0">
+                <a:schemeClr val="accent1"/>
+              </a:effectRef>
+              <a:fontRef idx="minor">
+                <a:schemeClr val="lt1"/>
+              </a:fontRef>
+            </p:style>
+            <p:txBody>
+              <a:bodyPr rtlCol="0" anchor="ctr"/>
+              <a:lstStyle/>
+              <a:p>
+                <a:pPr algn="ctr"/>
+                <a:endParaRPr lang="en-US"/>
+              </a:p>
+            </p:txBody>
+          </p:sp>
+          <p:sp>
+            <p:nvSpPr>
+              <p:cNvPr id="7" name="TextBox 6">
+                <a:extLst>
+                  <a:ext uri="{FF2B5EF4-FFF2-40B4-BE49-F238E27FC236}">
+                    <a16:creationId xmlns:a16="http://schemas.microsoft.com/office/drawing/2014/main" id="{403ACC8E-E225-40DC-860C-D19E6BD6CA61}"/>
+                  </a:ext>
+                </a:extLst>
+              </p:cNvPr>
+              <p:cNvSpPr txBox="1"/>
+              <p:nvPr/>
+            </p:nvSpPr>
+            <p:spPr>
+              <a:xfrm>
+                <a:off x="3233236" y="3865695"/>
+                <a:ext cx="1864100" cy="276999"/>
+              </a:xfrm>
+              <a:prstGeom prst="rect">
+                <a:avLst/>
+              </a:prstGeom>
+              <a:noFill/>
+            </p:spPr>
+            <p:txBody>
+              <a:bodyPr wrap="none" rtlCol="0">
+                <a:spAutoFit/>
+              </a:bodyPr>
+              <a:lstStyle/>
+              <a:p>
+                <a:r>
+                  <a:rPr lang="en-DE" sz="1200" dirty="0"/>
+                  <a:t>Development environment</a:t>
+                </a:r>
+                <a:endParaRPr lang="en-US" sz="1200" dirty="0"/>
+              </a:p>
+            </p:txBody>
+          </p:sp>
+          <p:sp>
+            <p:nvSpPr>
+              <p:cNvPr id="8" name="Rectangle 7">
+                <a:extLst>
+                  <a:ext uri="{FF2B5EF4-FFF2-40B4-BE49-F238E27FC236}">
+                    <a16:creationId xmlns:a16="http://schemas.microsoft.com/office/drawing/2014/main" id="{FE477CB4-80C3-4AF4-9CAA-C134F78BA2DF}"/>
+                  </a:ext>
+                </a:extLst>
+              </p:cNvPr>
+              <p:cNvSpPr/>
+              <p:nvPr/>
+            </p:nvSpPr>
+            <p:spPr>
+              <a:xfrm>
+                <a:off x="3609488" y="2866879"/>
+                <a:ext cx="1126836" cy="572654"/>
+              </a:xfrm>
+              <a:prstGeom prst="rect">
+                <a:avLst/>
+              </a:prstGeom>
+              <a:noFill/>
+              <a:ln w="38100">
+                <a:solidFill>
+                  <a:schemeClr val="accent2"/>
+                </a:solidFill>
+              </a:ln>
+            </p:spPr>
+            <p:style>
+              <a:lnRef idx="2">
+                <a:schemeClr val="accent1">
+                  <a:shade val="50000"/>
+                </a:schemeClr>
+              </a:lnRef>
+              <a:fillRef idx="1">
+                <a:schemeClr val="accent1"/>
+              </a:fillRef>
+              <a:effectRef idx="0">
+                <a:schemeClr val="accent1"/>
+              </a:effectRef>
+              <a:fontRef idx="minor">
+                <a:schemeClr val="lt1"/>
+              </a:fontRef>
+            </p:style>
+            <p:txBody>
+              <a:bodyPr rtlCol="0" anchor="ctr"/>
+              <a:lstStyle/>
+              <a:p>
+                <a:pPr algn="ctr"/>
+                <a:r>
+                  <a:rPr lang="en-DE" sz="1600" dirty="0">
+                    <a:solidFill>
+                      <a:schemeClr val="tx1"/>
+                    </a:solidFill>
+                  </a:rPr>
+                  <a:t>Working directory</a:t>
+                </a:r>
+                <a:endParaRPr lang="en-US" sz="1600" dirty="0">
+                  <a:solidFill>
+                    <a:schemeClr val="tx1"/>
+                  </a:solidFill>
+                </a:endParaRPr>
+              </a:p>
+            </p:txBody>
+          </p:sp>
+          <p:sp>
+            <p:nvSpPr>
+              <p:cNvPr id="9" name="Rectangle 8">
+                <a:extLst>
+                  <a:ext uri="{FF2B5EF4-FFF2-40B4-BE49-F238E27FC236}">
+                    <a16:creationId xmlns:a16="http://schemas.microsoft.com/office/drawing/2014/main" id="{B4D6A7D8-2233-4F43-BB01-B11C6B9B77A8}"/>
+                  </a:ext>
+                </a:extLst>
+              </p:cNvPr>
+              <p:cNvSpPr/>
+              <p:nvPr/>
+            </p:nvSpPr>
+            <p:spPr>
+              <a:xfrm>
+                <a:off x="4888724" y="2866879"/>
+                <a:ext cx="1126836" cy="572654"/>
+              </a:xfrm>
+              <a:prstGeom prst="rect">
+                <a:avLst/>
+              </a:prstGeom>
+              <a:noFill/>
+              <a:ln w="38100">
+                <a:solidFill>
+                  <a:schemeClr val="accent5"/>
+                </a:solidFill>
+              </a:ln>
+            </p:spPr>
+            <p:style>
+              <a:lnRef idx="2">
+                <a:schemeClr val="accent1">
+                  <a:shade val="50000"/>
+                </a:schemeClr>
+              </a:lnRef>
+              <a:fillRef idx="1">
+                <a:schemeClr val="accent1"/>
+              </a:fillRef>
+              <a:effectRef idx="0">
+                <a:schemeClr val="accent1"/>
+              </a:effectRef>
+              <a:fontRef idx="minor">
+                <a:schemeClr val="lt1"/>
+              </a:fontRef>
+            </p:style>
+            <p:txBody>
+              <a:bodyPr rtlCol="0" anchor="ctr"/>
+              <a:lstStyle/>
+              <a:p>
+                <a:pPr algn="ctr"/>
+                <a:r>
+                  <a:rPr lang="en-DE" sz="1600" dirty="0">
+                    <a:solidFill>
+                      <a:schemeClr val="tx1"/>
+                    </a:solidFill>
+                  </a:rPr>
+                  <a:t>Staging area</a:t>
+                </a:r>
+                <a:endParaRPr lang="en-US" sz="1600" dirty="0">
+                  <a:solidFill>
+                    <a:schemeClr val="tx1"/>
+                  </a:solidFill>
+                </a:endParaRPr>
+              </a:p>
+            </p:txBody>
+          </p:sp>
+          <p:sp>
+            <p:nvSpPr>
+              <p:cNvPr id="10" name="Rectangle 9">
+                <a:extLst>
+                  <a:ext uri="{FF2B5EF4-FFF2-40B4-BE49-F238E27FC236}">
+                    <a16:creationId xmlns:a16="http://schemas.microsoft.com/office/drawing/2014/main" id="{4151021B-4374-4CA4-AAB6-FEE82E7A6423}"/>
+                  </a:ext>
+                </a:extLst>
+              </p:cNvPr>
+              <p:cNvSpPr/>
+              <p:nvPr/>
+            </p:nvSpPr>
+            <p:spPr>
+              <a:xfrm>
+                <a:off x="6167960" y="2876115"/>
+                <a:ext cx="1126836" cy="572654"/>
+              </a:xfrm>
+              <a:prstGeom prst="rect">
+                <a:avLst/>
+              </a:prstGeom>
+              <a:noFill/>
+              <a:ln w="38100">
+                <a:solidFill>
+                  <a:schemeClr val="bg1">
+                    <a:lumMod val="75000"/>
+                  </a:schemeClr>
+                </a:solidFill>
+              </a:ln>
+            </p:spPr>
+            <p:style>
+              <a:lnRef idx="2">
+                <a:schemeClr val="accent1">
+                  <a:shade val="50000"/>
+                </a:schemeClr>
+              </a:lnRef>
+              <a:fillRef idx="1">
+                <a:schemeClr val="accent1"/>
+              </a:fillRef>
+              <a:effectRef idx="0">
+                <a:schemeClr val="accent1"/>
+              </a:effectRef>
+              <a:fontRef idx="minor">
+                <a:schemeClr val="lt1"/>
+              </a:fontRef>
+            </p:style>
+            <p:txBody>
+              <a:bodyPr rtlCol="0" anchor="ctr"/>
+              <a:lstStyle/>
+              <a:p>
+                <a:pPr algn="ctr"/>
+                <a:r>
+                  <a:rPr lang="en-DE" sz="1600" dirty="0">
+                    <a:solidFill>
+                      <a:schemeClr val="tx1"/>
+                    </a:solidFill>
+                  </a:rPr>
+                  <a:t>Local repository</a:t>
+                </a:r>
+                <a:endParaRPr lang="en-US" sz="1600" dirty="0">
+                  <a:solidFill>
+                    <a:schemeClr val="tx1"/>
+                  </a:solidFill>
+                </a:endParaRPr>
+              </a:p>
+            </p:txBody>
+          </p:sp>
+        </p:grpSp>
+      </p:grpSp>
+      <p:pic>
+        <p:nvPicPr>
+          <p:cNvPr id="11" name="Picture 10" descr="A close up of a logo&#10;&#10;Description automatically generated">
+            <a:extLst>
+              <a:ext uri="{FF2B5EF4-FFF2-40B4-BE49-F238E27FC236}">
+                <a16:creationId xmlns:a16="http://schemas.microsoft.com/office/drawing/2014/main" id="{D23527F3-1B74-45D0-BBD5-D84B920F2CB4}"/>
+              </a:ext>
+            </a:extLst>
+          </p:cNvPr>
+          <p:cNvPicPr>
+            <a:picLocks noChangeAspect="1"/>
+          </p:cNvPicPr>
+          <p:nvPr/>
+        </p:nvPicPr>
+        <p:blipFill>
+          <a:blip r:embed="rId2">
+            <a:extLst>
+              <a:ext uri="{28A0092B-C50C-407E-A947-70E740481C1C}">
+                <a14:useLocalDpi xmlns:a14="http://schemas.microsoft.com/office/drawing/2010/main" val="0"/>
+              </a:ext>
+            </a:extLst>
+          </a:blip>
+          <a:stretch>
+            <a:fillRect/>
+          </a:stretch>
+        </p:blipFill>
+        <p:spPr>
+          <a:xfrm>
+            <a:off x="7036403" y="840137"/>
+            <a:ext cx="634788" cy="605694"/>
+          </a:xfrm>
+          <a:prstGeom prst="rect">
+            <a:avLst/>
+          </a:prstGeom>
+        </p:spPr>
+      </p:pic>
+      <p:pic>
+        <p:nvPicPr>
+          <p:cNvPr id="12" name="Picture 11" descr="A close up of a logo&#10;&#10;Description automatically generated">
+            <a:extLst>
+              <a:ext uri="{FF2B5EF4-FFF2-40B4-BE49-F238E27FC236}">
+                <a16:creationId xmlns:a16="http://schemas.microsoft.com/office/drawing/2014/main" id="{CA144B7B-5669-40BF-BCEB-68F51EA5B2EF}"/>
+              </a:ext>
+            </a:extLst>
+          </p:cNvPr>
+          <p:cNvPicPr>
+            <a:picLocks noChangeAspect="1"/>
+          </p:cNvPicPr>
+          <p:nvPr/>
+        </p:nvPicPr>
+        <p:blipFill>
+          <a:blip r:embed="rId3">
+            <a:extLst>
+              <a:ext uri="{28A0092B-C50C-407E-A947-70E740481C1C}">
+                <a14:useLocalDpi xmlns:a14="http://schemas.microsoft.com/office/drawing/2010/main" val="0"/>
+              </a:ext>
+            </a:extLst>
+          </a:blip>
+          <a:stretch>
+            <a:fillRect/>
+          </a:stretch>
+        </p:blipFill>
+        <p:spPr>
+          <a:xfrm>
+            <a:off x="7559939" y="973707"/>
+            <a:ext cx="338554" cy="338554"/>
+          </a:xfrm>
+          <a:prstGeom prst="rect">
+            <a:avLst/>
+          </a:prstGeom>
+        </p:spPr>
+      </p:pic>
+      <p:sp>
+        <p:nvSpPr>
+          <p:cNvPr id="13" name="TextBox 12">
+            <a:extLst>
+              <a:ext uri="{FF2B5EF4-FFF2-40B4-BE49-F238E27FC236}">
+                <a16:creationId xmlns:a16="http://schemas.microsoft.com/office/drawing/2014/main" id="{CA72B138-ED0D-4AE2-9439-9759A685F6CB}"/>
+              </a:ext>
+            </a:extLst>
+          </p:cNvPr>
+          <p:cNvSpPr txBox="1"/>
+          <p:nvPr/>
+        </p:nvSpPr>
+        <p:spPr>
+          <a:xfrm>
+            <a:off x="7746828" y="1056190"/>
+            <a:ext cx="348172" cy="338554"/>
+          </a:xfrm>
+          <a:prstGeom prst="rect">
+            <a:avLst/>
+          </a:prstGeom>
+          <a:noFill/>
+        </p:spPr>
+        <p:txBody>
+          <a:bodyPr wrap="none" rtlCol="0">
+            <a:spAutoFit/>
+          </a:bodyPr>
+          <a:lstStyle/>
+          <a:p>
+            <a:r>
+              <a:rPr lang="en-DE" sz="1600" b="1" dirty="0"/>
+              <a:t>...</a:t>
+            </a:r>
+            <a:endParaRPr lang="en-US" sz="1600" b="1" dirty="0"/>
+          </a:p>
+        </p:txBody>
+      </p:sp>
+      <p:sp>
+        <p:nvSpPr>
+          <p:cNvPr id="14" name="Rectangle 13">
+            <a:extLst>
+              <a:ext uri="{FF2B5EF4-FFF2-40B4-BE49-F238E27FC236}">
+                <a16:creationId xmlns:a16="http://schemas.microsoft.com/office/drawing/2014/main" id="{79588E0F-DCE7-4293-8790-9EB9E6E9F3A6}"/>
+              </a:ext>
+            </a:extLst>
+          </p:cNvPr>
+          <p:cNvSpPr/>
+          <p:nvPr/>
+        </p:nvSpPr>
+        <p:spPr>
+          <a:xfrm>
+            <a:off x="6113180" y="2813883"/>
+            <a:ext cx="1245486" cy="993525"/>
+          </a:xfrm>
+          <a:prstGeom prst="rect">
+            <a:avLst/>
+          </a:prstGeom>
+          <a:noFill/>
+          <a:ln w="28575">
+            <a:solidFill>
+              <a:srgbClr val="7030A0"/>
+            </a:solidFill>
+          </a:ln>
+        </p:spPr>
+        <p:style>
+          <a:lnRef idx="2">
+            <a:schemeClr val="accent1">
+              <a:shade val="50000"/>
+            </a:schemeClr>
+          </a:lnRef>
+          <a:fillRef idx="1">
+            <a:schemeClr val="accent1"/>
+          </a:fillRef>
+          <a:effectRef idx="0">
+            <a:schemeClr val="accent1"/>
+          </a:effectRef>
+          <a:fontRef idx="minor">
+            <a:schemeClr val="lt1"/>
+          </a:fontRef>
+        </p:style>
+        <p:txBody>
+          <a:bodyPr rtlCol="0" anchor="ctr"/>
+          <a:lstStyle/>
+          <a:p>
+            <a:pPr algn="ctr"/>
+            <a:endParaRPr lang="en-GB"/>
+          </a:p>
+        </p:txBody>
+      </p:sp>
+      <p:sp>
+        <p:nvSpPr>
+          <p:cNvPr id="15" name="Rectangle 14">
+            <a:extLst>
+              <a:ext uri="{FF2B5EF4-FFF2-40B4-BE49-F238E27FC236}">
+                <a16:creationId xmlns:a16="http://schemas.microsoft.com/office/drawing/2014/main" id="{A6A93B86-F81F-46F6-AB2A-B00355B4D0BD}"/>
+              </a:ext>
+            </a:extLst>
+          </p:cNvPr>
+          <p:cNvSpPr/>
+          <p:nvPr/>
+        </p:nvSpPr>
+        <p:spPr>
+          <a:xfrm>
+            <a:off x="7036403" y="1343987"/>
+            <a:ext cx="1245486" cy="993525"/>
+          </a:xfrm>
+          <a:prstGeom prst="rect">
+            <a:avLst/>
+          </a:prstGeom>
+          <a:noFill/>
+          <a:ln w="28575">
+            <a:solidFill>
+              <a:srgbClr val="7030A0"/>
+            </a:solidFill>
+          </a:ln>
+        </p:spPr>
+        <p:style>
+          <a:lnRef idx="2">
+            <a:schemeClr val="accent1">
+              <a:shade val="50000"/>
+            </a:schemeClr>
+          </a:lnRef>
+          <a:fillRef idx="1">
+            <a:schemeClr val="accent1"/>
+          </a:fillRef>
+          <a:effectRef idx="0">
+            <a:schemeClr val="accent1"/>
+          </a:effectRef>
+          <a:fontRef idx="minor">
+            <a:schemeClr val="lt1"/>
+          </a:fontRef>
+        </p:style>
+        <p:txBody>
+          <a:bodyPr rtlCol="0" anchor="ctr"/>
+          <a:lstStyle/>
+          <a:p>
+            <a:pPr algn="ctr"/>
+            <a:endParaRPr lang="en-GB"/>
+          </a:p>
+        </p:txBody>
+      </p:sp>
+      <p:cxnSp>
+        <p:nvCxnSpPr>
+          <p:cNvPr id="16" name="Straight Connector 15">
+            <a:extLst>
+              <a:ext uri="{FF2B5EF4-FFF2-40B4-BE49-F238E27FC236}">
+                <a16:creationId xmlns:a16="http://schemas.microsoft.com/office/drawing/2014/main" id="{CDCB2ED6-1AF5-42B9-8C1F-36365814148A}"/>
+              </a:ext>
+            </a:extLst>
+          </p:cNvPr>
+          <p:cNvCxnSpPr>
+            <a:cxnSpLocks/>
+          </p:cNvCxnSpPr>
+          <p:nvPr/>
+        </p:nvCxnSpPr>
+        <p:spPr>
+          <a:xfrm flipH="1">
+            <a:off x="4152903" y="1698704"/>
+            <a:ext cx="2883500" cy="8629"/>
+          </a:xfrm>
+          <a:prstGeom prst="line">
+            <a:avLst/>
+          </a:prstGeom>
+          <a:ln w="28575">
+            <a:solidFill>
+              <a:srgbClr val="7030A0"/>
+            </a:solidFill>
+          </a:ln>
+        </p:spPr>
+        <p:style>
+          <a:lnRef idx="1">
+            <a:schemeClr val="accent1"/>
+          </a:lnRef>
+          <a:fillRef idx="0">
+            <a:schemeClr val="accent1"/>
+          </a:fillRef>
+          <a:effectRef idx="0">
+            <a:schemeClr val="accent1"/>
+          </a:effectRef>
+          <a:fontRef idx="minor">
+            <a:schemeClr val="tx1"/>
+          </a:fontRef>
+        </p:style>
+      </p:cxnSp>
+      <p:cxnSp>
+        <p:nvCxnSpPr>
+          <p:cNvPr id="17" name="Straight Arrow Connector 16">
+            <a:extLst>
+              <a:ext uri="{FF2B5EF4-FFF2-40B4-BE49-F238E27FC236}">
+                <a16:creationId xmlns:a16="http://schemas.microsoft.com/office/drawing/2014/main" id="{B0EE3B82-614B-4B32-963A-733FADF31DBE}"/>
+              </a:ext>
+            </a:extLst>
+          </p:cNvPr>
+          <p:cNvCxnSpPr>
+            <a:cxnSpLocks/>
+            <a:endCxn id="14" idx="0"/>
+          </p:cNvCxnSpPr>
+          <p:nvPr/>
+        </p:nvCxnSpPr>
+        <p:spPr>
+          <a:xfrm>
+            <a:off x="6726748" y="1698704"/>
+            <a:ext cx="9175" cy="1115179"/>
+          </a:xfrm>
+          <a:prstGeom prst="straightConnector1">
+            <a:avLst/>
+          </a:prstGeom>
+          <a:ln w="28575">
+            <a:solidFill>
+              <a:srgbClr val="7030A0"/>
+            </a:solidFill>
+            <a:tailEnd type="triangle"/>
+          </a:ln>
+        </p:spPr>
+        <p:style>
+          <a:lnRef idx="1">
+            <a:schemeClr val="accent1"/>
+          </a:lnRef>
+          <a:fillRef idx="0">
+            <a:schemeClr val="accent1"/>
+          </a:fillRef>
+          <a:effectRef idx="0">
+            <a:schemeClr val="accent1"/>
+          </a:effectRef>
+          <a:fontRef idx="minor">
+            <a:schemeClr val="tx1"/>
+          </a:fontRef>
+        </p:style>
+      </p:cxnSp>
+      <p:sp>
+        <p:nvSpPr>
+          <p:cNvPr id="18" name="TextBox 17">
+            <a:extLst>
+              <a:ext uri="{FF2B5EF4-FFF2-40B4-BE49-F238E27FC236}">
+                <a16:creationId xmlns:a16="http://schemas.microsoft.com/office/drawing/2014/main" id="{4FED8616-6713-4F13-807C-22D8DC87B859}"/>
+              </a:ext>
+            </a:extLst>
+          </p:cNvPr>
+          <p:cNvSpPr txBox="1"/>
+          <p:nvPr/>
+        </p:nvSpPr>
+        <p:spPr>
+          <a:xfrm>
+            <a:off x="4026105" y="1353744"/>
+            <a:ext cx="2972479" cy="307777"/>
+          </a:xfrm>
+          <a:prstGeom prst="rect">
+            <a:avLst/>
+          </a:prstGeom>
+          <a:solidFill>
+            <a:schemeClr val="bg1">
+              <a:lumMod val="95000"/>
+            </a:schemeClr>
+          </a:solidFill>
+        </p:spPr>
+        <p:txBody>
+          <a:bodyPr wrap="square" rtlCol="0">
+            <a:spAutoFit/>
+          </a:bodyPr>
+          <a:lstStyle/>
+          <a:p>
+            <a:pPr algn="ctr"/>
+            <a:r>
+              <a:rPr lang="de-DE" sz="1400" dirty="0" err="1">
+                <a:latin typeface="Consolas" panose="020B0609020204030204" pitchFamily="49" charset="0"/>
+              </a:rPr>
+              <a:t>git</a:t>
+            </a:r>
+            <a:r>
+              <a:rPr lang="de-DE" sz="1400" dirty="0">
+                <a:latin typeface="Consolas" panose="020B0609020204030204" pitchFamily="49" charset="0"/>
+              </a:rPr>
+              <a:t> </a:t>
+            </a:r>
+            <a:r>
+              <a:rPr lang="de-DE" sz="1400" dirty="0" err="1">
+                <a:latin typeface="Consolas" panose="020B0609020204030204" pitchFamily="49" charset="0"/>
+              </a:rPr>
+              <a:t>clone</a:t>
+            </a:r>
+            <a:r>
+              <a:rPr lang="de-DE" sz="1400" dirty="0">
+                <a:latin typeface="Consolas" panose="020B0609020204030204" pitchFamily="49" charset="0"/>
+              </a:rPr>
+              <a:t> &lt;</a:t>
+            </a:r>
+            <a:r>
+              <a:rPr lang="de-DE" sz="1400" dirty="0" err="1">
+                <a:latin typeface="Consolas" panose="020B0609020204030204" pitchFamily="49" charset="0"/>
+              </a:rPr>
+              <a:t>remote_address</a:t>
+            </a:r>
+            <a:r>
+              <a:rPr lang="de-DE" sz="1400" dirty="0">
+                <a:latin typeface="Consolas" panose="020B0609020204030204" pitchFamily="49" charset="0"/>
+              </a:rPr>
+              <a:t>&gt;</a:t>
+            </a:r>
+            <a:endParaRPr lang="en-GB" sz="1400" dirty="0">
+              <a:latin typeface="Consolas" panose="020B0609020204030204" pitchFamily="49" charset="0"/>
+            </a:endParaRPr>
+          </a:p>
+        </p:txBody>
+      </p:sp>
+      <p:sp>
+        <p:nvSpPr>
+          <p:cNvPr id="19" name="Rectangle 18">
+            <a:extLst>
+              <a:ext uri="{FF2B5EF4-FFF2-40B4-BE49-F238E27FC236}">
+                <a16:creationId xmlns:a16="http://schemas.microsoft.com/office/drawing/2014/main" id="{DF4F5BEF-14B5-4B66-9506-8FD1B229676F}"/>
+              </a:ext>
+            </a:extLst>
+          </p:cNvPr>
+          <p:cNvSpPr/>
+          <p:nvPr/>
+        </p:nvSpPr>
+        <p:spPr>
+          <a:xfrm>
+            <a:off x="7092268" y="1985031"/>
+            <a:ext cx="1140690" cy="304800"/>
+          </a:xfrm>
+          <a:prstGeom prst="rect">
+            <a:avLst/>
+          </a:prstGeom>
+          <a:noFill/>
+          <a:ln w="3175">
+            <a:solidFill>
+              <a:schemeClr val="tx1"/>
+            </a:solidFill>
+          </a:ln>
+        </p:spPr>
+        <p:style>
+          <a:lnRef idx="2">
+            <a:schemeClr val="accent1">
+              <a:shade val="50000"/>
+            </a:schemeClr>
+          </a:lnRef>
+          <a:fillRef idx="1">
+            <a:schemeClr val="accent1"/>
+          </a:fillRef>
+          <a:effectRef idx="0">
+            <a:schemeClr val="accent1"/>
+          </a:effectRef>
+          <a:fontRef idx="minor">
+            <a:schemeClr val="lt1"/>
+          </a:fontRef>
+        </p:style>
+        <p:txBody>
+          <a:bodyPr rtlCol="0" anchor="ctr"/>
+          <a:lstStyle/>
+          <a:p>
+            <a:pPr algn="ctr"/>
+            <a:r>
+              <a:rPr lang="en-US" sz="1600" dirty="0">
+                <a:solidFill>
+                  <a:schemeClr val="tx1"/>
+                </a:solidFill>
+              </a:rPr>
+              <a:t>Bob.txt</a:t>
+            </a:r>
+          </a:p>
+        </p:txBody>
+      </p:sp>
+      <p:sp>
+        <p:nvSpPr>
+          <p:cNvPr id="20" name="Rectangle 19">
+            <a:extLst>
+              <a:ext uri="{FF2B5EF4-FFF2-40B4-BE49-F238E27FC236}">
+                <a16:creationId xmlns:a16="http://schemas.microsoft.com/office/drawing/2014/main" id="{5619D132-E266-4D16-98DA-89527D1091FA}"/>
+              </a:ext>
+            </a:extLst>
+          </p:cNvPr>
+          <p:cNvSpPr/>
+          <p:nvPr/>
+        </p:nvSpPr>
+        <p:spPr>
+          <a:xfrm>
+            <a:off x="7103825" y="1412377"/>
+            <a:ext cx="1126836" cy="572654"/>
+          </a:xfrm>
+          <a:prstGeom prst="rect">
+            <a:avLst/>
+          </a:prstGeom>
+          <a:noFill/>
+          <a:ln w="38100">
+            <a:solidFill>
+              <a:schemeClr val="bg1">
+                <a:lumMod val="50000"/>
+              </a:schemeClr>
+            </a:solidFill>
+          </a:ln>
+        </p:spPr>
+        <p:style>
+          <a:lnRef idx="2">
+            <a:schemeClr val="accent1">
+              <a:shade val="50000"/>
+            </a:schemeClr>
+          </a:lnRef>
+          <a:fillRef idx="1">
+            <a:schemeClr val="accent1"/>
+          </a:fillRef>
+          <a:effectRef idx="0">
+            <a:schemeClr val="accent1"/>
+          </a:effectRef>
+          <a:fontRef idx="minor">
+            <a:schemeClr val="lt1"/>
+          </a:fontRef>
+        </p:style>
+        <p:txBody>
+          <a:bodyPr rtlCol="0" anchor="ctr"/>
+          <a:lstStyle/>
+          <a:p>
+            <a:pPr algn="ctr"/>
+            <a:r>
+              <a:rPr lang="en-GB" sz="1600" dirty="0">
+                <a:solidFill>
+                  <a:schemeClr val="tx1"/>
+                </a:solidFill>
+              </a:rPr>
+              <a:t>Remote</a:t>
+            </a:r>
+          </a:p>
+          <a:p>
+            <a:pPr algn="ctr"/>
+            <a:r>
+              <a:rPr lang="en-DE" sz="1600" dirty="0">
+                <a:solidFill>
+                  <a:schemeClr val="tx1"/>
+                </a:solidFill>
+              </a:rPr>
+              <a:t>repository</a:t>
+            </a:r>
+            <a:endParaRPr lang="en-US" sz="1600" dirty="0">
+              <a:solidFill>
+                <a:schemeClr val="tx1"/>
+              </a:solidFill>
+            </a:endParaRPr>
+          </a:p>
+        </p:txBody>
+      </p:sp>
+      <p:cxnSp>
+        <p:nvCxnSpPr>
+          <p:cNvPr id="27" name="Straight Arrow Connector 26">
+            <a:extLst>
+              <a:ext uri="{FF2B5EF4-FFF2-40B4-BE49-F238E27FC236}">
+                <a16:creationId xmlns:a16="http://schemas.microsoft.com/office/drawing/2014/main" id="{A3BED5DB-1C72-409E-8BFB-51CDF0AD1310}"/>
+              </a:ext>
+            </a:extLst>
+          </p:cNvPr>
+          <p:cNvCxnSpPr>
+            <a:cxnSpLocks/>
+          </p:cNvCxnSpPr>
+          <p:nvPr/>
+        </p:nvCxnSpPr>
+        <p:spPr>
+          <a:xfrm>
+            <a:off x="4165286" y="1707333"/>
+            <a:ext cx="9175" cy="1115179"/>
+          </a:xfrm>
+          <a:prstGeom prst="straightConnector1">
+            <a:avLst/>
+          </a:prstGeom>
+          <a:ln w="28575">
+            <a:solidFill>
+              <a:srgbClr val="7030A0"/>
+            </a:solidFill>
+            <a:tailEnd type="triangle"/>
+          </a:ln>
+        </p:spPr>
+        <p:style>
+          <a:lnRef idx="1">
+            <a:schemeClr val="accent1"/>
+          </a:lnRef>
+          <a:fillRef idx="0">
+            <a:schemeClr val="accent1"/>
+          </a:fillRef>
+          <a:effectRef idx="0">
+            <a:schemeClr val="accent1"/>
+          </a:effectRef>
+          <a:fontRef idx="minor">
+            <a:schemeClr val="tx1"/>
+          </a:fontRef>
+        </p:style>
+      </p:cxnSp>
+      <p:sp>
+        <p:nvSpPr>
+          <p:cNvPr id="31" name="Rectangle 30">
+            <a:extLst>
+              <a:ext uri="{FF2B5EF4-FFF2-40B4-BE49-F238E27FC236}">
+                <a16:creationId xmlns:a16="http://schemas.microsoft.com/office/drawing/2014/main" id="{29FFB4B0-0F2D-4B2D-A802-FC04E39E7B53}"/>
+              </a:ext>
+            </a:extLst>
+          </p:cNvPr>
+          <p:cNvSpPr/>
+          <p:nvPr/>
+        </p:nvSpPr>
+        <p:spPr>
+          <a:xfrm>
+            <a:off x="3545361" y="2813883"/>
+            <a:ext cx="1245486" cy="993525"/>
+          </a:xfrm>
+          <a:prstGeom prst="rect">
+            <a:avLst/>
+          </a:prstGeom>
+          <a:noFill/>
+          <a:ln w="28575">
+            <a:solidFill>
+              <a:srgbClr val="7030A0"/>
+            </a:solidFill>
+          </a:ln>
+        </p:spPr>
+        <p:style>
+          <a:lnRef idx="2">
+            <a:schemeClr val="accent1">
+              <a:shade val="50000"/>
+            </a:schemeClr>
+          </a:lnRef>
+          <a:fillRef idx="1">
+            <a:schemeClr val="accent1"/>
+          </a:fillRef>
+          <a:effectRef idx="0">
+            <a:schemeClr val="accent1"/>
+          </a:effectRef>
+          <a:fontRef idx="minor">
+            <a:schemeClr val="lt1"/>
+          </a:fontRef>
+        </p:style>
+        <p:txBody>
+          <a:bodyPr rtlCol="0" anchor="ctr"/>
+          <a:lstStyle/>
+          <a:p>
+            <a:pPr algn="ctr"/>
+            <a:endParaRPr lang="en-GB"/>
+          </a:p>
+        </p:txBody>
+      </p:sp>
+    </p:spTree>
+    <p:extLst>
+      <p:ext uri="{BB962C8B-B14F-4D97-AF65-F5344CB8AC3E}">
+        <p14:creationId xmlns:p14="http://schemas.microsoft.com/office/powerpoint/2010/main" val="2807287881"/>
+      </p:ext>
+    </p:extLst>
+  </p:cSld>
+  <p:clrMapOvr>
+    <a:masterClrMapping/>
+  </p:clrMapOvr>
+  <p:timing>
+    <p:tnLst>
+      <p:par>
+        <p:cTn id="1" dur="indefinite" restart="never" nodeType="tmRoot">
+          <p:childTnLst>
+            <p:seq concurrent="1" nextAc="seek">
+              <p:cTn id="2" dur="indefinite" nodeType="mainSeq">
+                <p:childTnLst>
+                  <p:par>
+                    <p:cTn id="3" fill="hold">
+                      <p:stCondLst>
+                        <p:cond delay="indefinite"/>
+                        <p:cond evt="onBegin" delay="0">
+                          <p:tn val="2"/>
+                        </p:cond>
+                      </p:stCondLst>
+                      <p:childTnLst>
+                        <p:par>
+                          <p:cTn id="4" fill="hold">
+                            <p:stCondLst>
+                              <p:cond delay="0"/>
+                            </p:stCondLst>
+                            <p:childTnLst>
+                              <p:par>
+                                <p:cTn id="5" presetID="1" presetClass="entr" presetSubtype="0" fill="hold" nodeType="withEffect">
+                                  <p:stCondLst>
+                                    <p:cond delay="0"/>
+                                  </p:stCondLst>
+                                  <p:childTnLst>
+                                    <p:set>
+                                      <p:cBhvr>
+                                        <p:cTn id="6" dur="1" fill="hold">
+                                          <p:stCondLst>
+                                            <p:cond delay="0"/>
+                                          </p:stCondLst>
+                                        </p:cTn>
+                                        <p:tgtEl>
+                                          <p:spTgt spid="16"/>
+                                        </p:tgtEl>
+                                        <p:attrNameLst>
+                                          <p:attrName>style.visibility</p:attrName>
+                                        </p:attrNameLst>
+                                      </p:cBhvr>
+                                      <p:to>
+                                        <p:strVal val="visible"/>
+                                      </p:to>
+                                    </p:set>
+                                  </p:childTnLst>
+                                </p:cTn>
+                              </p:par>
+                              <p:par>
+                                <p:cTn id="7" presetID="1" presetClass="entr" presetSubtype="0" fill="hold" nodeType="withEffect">
+                                  <p:stCondLst>
+                                    <p:cond delay="0"/>
+                                  </p:stCondLst>
+                                  <p:childTnLst>
+                                    <p:set>
+                                      <p:cBhvr>
+                                        <p:cTn id="8" dur="1" fill="hold">
+                                          <p:stCondLst>
+                                            <p:cond delay="0"/>
+                                          </p:stCondLst>
+                                        </p:cTn>
+                                        <p:tgtEl>
+                                          <p:spTgt spid="17"/>
+                                        </p:tgtEl>
+                                        <p:attrNameLst>
+                                          <p:attrName>style.visibility</p:attrName>
+                                        </p:attrNameLst>
+                                      </p:cBhvr>
+                                      <p:to>
+                                        <p:strVal val="visible"/>
+                                      </p:to>
+                                    </p:set>
+                                  </p:childTnLst>
+                                </p:cTn>
+                              </p:par>
+                              <p:par>
+                                <p:cTn id="9" presetID="1" presetClass="entr" presetSubtype="0" fill="hold" nodeType="withEffect">
+                                  <p:stCondLst>
+                                    <p:cond delay="0"/>
+                                  </p:stCondLst>
+                                  <p:childTnLst>
+                                    <p:set>
+                                      <p:cBhvr>
+                                        <p:cTn id="10" dur="1" fill="hold">
+                                          <p:stCondLst>
+                                            <p:cond delay="0"/>
+                                          </p:stCondLst>
+                                        </p:cTn>
+                                        <p:tgtEl>
+                                          <p:spTgt spid="27"/>
+                                        </p:tgtEl>
+                                        <p:attrNameLst>
+                                          <p:attrName>style.visibility</p:attrName>
+                                        </p:attrNameLst>
+                                      </p:cBhvr>
+                                      <p:to>
+                                        <p:strVal val="visible"/>
+                                      </p:to>
+                                    </p:set>
+                                  </p:childTnLst>
+                                </p:cTn>
+                              </p:par>
+                            </p:childTnLst>
+                          </p:cTn>
+                        </p:par>
+                      </p:childTnLst>
+                    </p:cTn>
+                  </p:par>
+                </p:childTnLst>
+              </p:cTn>
+              <p:prevCondLst>
+                <p:cond evt="onPrev" delay="0">
+                  <p:tgtEl>
+                    <p:sldTgt/>
+                  </p:tgtEl>
+                </p:cond>
+              </p:prevCondLst>
+              <p:nextCondLst>
+                <p:cond evt="onNext" delay="0">
+                  <p:tgtEl>
+                    <p:sldTgt/>
+                  </p:tgtEl>
+                </p:cond>
+              </p:nextCondLst>
+            </p:seq>
+          </p:childTnLst>
+        </p:cTn>
+      </p:par>
+    </p:tnLst>
+  </p:timing>
+</p:sld>
+</file>
+
+<file path=ppt/slides/slide14.xml><?xml version="1.0" encoding="utf-8"?>
+<p:sld xmlns:a="http://schemas.openxmlformats.org/drawingml/2006/main" xmlns:r="http://schemas.openxmlformats.org/officeDocument/2006/relationships" xmlns:p="http://schemas.openxmlformats.org/presentationml/2006/main">
+  <p:cSld>
+    <p:spTree>
+      <p:nvGrpSpPr>
+        <p:cNvPr id="1" name=""/>
+        <p:cNvGrpSpPr/>
+        <p:nvPr/>
+      </p:nvGrpSpPr>
+      <p:grpSpPr>
+        <a:xfrm>
+          <a:off x="0" y="0"/>
+          <a:ext cx="0" cy="0"/>
+          <a:chOff x="0" y="0"/>
+          <a:chExt cx="0" cy="0"/>
+        </a:xfrm>
+      </p:grpSpPr>
+      <p:pic>
+        <p:nvPicPr>
+          <p:cNvPr id="2" name="Picture 1">
+            <a:extLst>
+              <a:ext uri="{FF2B5EF4-FFF2-40B4-BE49-F238E27FC236}">
+                <a16:creationId xmlns:a16="http://schemas.microsoft.com/office/drawing/2014/main" id="{EB763BD7-236E-4BF3-8514-D90A97BCA4AE}"/>
+              </a:ext>
+            </a:extLst>
+          </p:cNvPr>
+          <p:cNvPicPr>
+            <a:picLocks noChangeAspect="1"/>
+          </p:cNvPicPr>
+          <p:nvPr/>
+        </p:nvPicPr>
+        <p:blipFill>
+          <a:blip r:embed="rId2"/>
+          <a:stretch>
+            <a:fillRect/>
+          </a:stretch>
+        </p:blipFill>
+        <p:spPr>
+          <a:xfrm>
+            <a:off x="3606198" y="2009337"/>
+            <a:ext cx="4979603" cy="3419914"/>
+          </a:xfrm>
+          <a:prstGeom prst="rect">
+            <a:avLst/>
+          </a:prstGeom>
+        </p:spPr>
+      </p:pic>
+    </p:spTree>
+    <p:extLst>
+      <p:ext uri="{BB962C8B-B14F-4D97-AF65-F5344CB8AC3E}">
+        <p14:creationId xmlns:p14="http://schemas.microsoft.com/office/powerpoint/2010/main" val="3299946722"/>
+      </p:ext>
+    </p:extLst>
+  </p:cSld>
+  <p:clrMapOvr>
+    <a:masterClrMapping/>
+  </p:clrMapOvr>
+</p:sld>
+</file>
+
+<file path=ppt/slides/slide15.xml><?xml version="1.0" encoding="utf-8"?>
+<p:sld xmlns:a="http://schemas.openxmlformats.org/drawingml/2006/main" xmlns:r="http://schemas.openxmlformats.org/officeDocument/2006/relationships" xmlns:p="http://schemas.openxmlformats.org/presentationml/2006/main">
+  <p:cSld>
+    <p:spTree>
+      <p:nvGrpSpPr>
+        <p:cNvPr id="1" name=""/>
+        <p:cNvGrpSpPr/>
+        <p:nvPr/>
+      </p:nvGrpSpPr>
+      <p:grpSpPr>
+        <a:xfrm>
+          <a:off x="0" y="0"/>
+          <a:ext cx="0" cy="0"/>
+          <a:chOff x="0" y="0"/>
+          <a:chExt cx="0" cy="0"/>
+        </a:xfrm>
+      </p:grpSpPr>
+      <p:pic>
+        <p:nvPicPr>
+          <p:cNvPr id="2" name="Picture 1">
+            <a:extLst>
+              <a:ext uri="{FF2B5EF4-FFF2-40B4-BE49-F238E27FC236}">
+                <a16:creationId xmlns:a16="http://schemas.microsoft.com/office/drawing/2014/main" id="{EB763BD7-236E-4BF3-8514-D90A97BCA4AE}"/>
+              </a:ext>
+            </a:extLst>
+          </p:cNvPr>
+          <p:cNvPicPr>
+            <a:picLocks noChangeAspect="1"/>
+          </p:cNvPicPr>
+          <p:nvPr/>
+        </p:nvPicPr>
+        <p:blipFill>
+          <a:blip r:embed="rId2"/>
+          <a:stretch>
+            <a:fillRect/>
+          </a:stretch>
+        </p:blipFill>
+        <p:spPr>
+          <a:xfrm>
+            <a:off x="3606198" y="2009337"/>
+            <a:ext cx="4979603" cy="3419914"/>
+          </a:xfrm>
+          <a:prstGeom prst="rect">
+            <a:avLst/>
+          </a:prstGeom>
+        </p:spPr>
+      </p:pic>
+      <p:sp>
+        <p:nvSpPr>
+          <p:cNvPr id="4" name="TextBox 3">
+            <a:extLst>
+              <a:ext uri="{FF2B5EF4-FFF2-40B4-BE49-F238E27FC236}">
+                <a16:creationId xmlns:a16="http://schemas.microsoft.com/office/drawing/2014/main" id="{FBE78511-966E-43AD-920B-04B4401E896A}"/>
+              </a:ext>
+            </a:extLst>
+          </p:cNvPr>
+          <p:cNvSpPr txBox="1"/>
+          <p:nvPr/>
+        </p:nvSpPr>
+        <p:spPr>
+          <a:xfrm>
+            <a:off x="2596055" y="2147888"/>
+            <a:ext cx="923925" cy="276999"/>
+          </a:xfrm>
+          <a:prstGeom prst="rect">
+            <a:avLst/>
+          </a:prstGeom>
+          <a:noFill/>
+        </p:spPr>
+        <p:txBody>
+          <a:bodyPr wrap="square" rtlCol="0">
+            <a:spAutoFit/>
+          </a:bodyPr>
+          <a:lstStyle/>
+          <a:p>
+            <a:r>
+              <a:rPr lang="de-DE" sz="1200" dirty="0"/>
+              <a:t>switch </a:t>
+            </a:r>
+            <a:r>
+              <a:rPr lang="de-DE" sz="1200" dirty="0" err="1"/>
+              <a:t>repo</a:t>
+            </a:r>
+            <a:endParaRPr lang="en-GB" sz="1200" dirty="0"/>
+          </a:p>
+        </p:txBody>
+      </p:sp>
+      <p:sp>
+        <p:nvSpPr>
+          <p:cNvPr id="6" name="TextBox 5">
+            <a:extLst>
+              <a:ext uri="{FF2B5EF4-FFF2-40B4-BE49-F238E27FC236}">
+                <a16:creationId xmlns:a16="http://schemas.microsoft.com/office/drawing/2014/main" id="{08FD5602-B321-4671-A77E-229592FFF9B3}"/>
+              </a:ext>
+            </a:extLst>
+          </p:cNvPr>
+          <p:cNvSpPr txBox="1"/>
+          <p:nvPr/>
+        </p:nvSpPr>
+        <p:spPr>
+          <a:xfrm>
+            <a:off x="5292123" y="1545570"/>
+            <a:ext cx="1194400" cy="461665"/>
+          </a:xfrm>
+          <a:prstGeom prst="rect">
+            <a:avLst/>
+          </a:prstGeom>
+          <a:noFill/>
+        </p:spPr>
+        <p:txBody>
+          <a:bodyPr wrap="square" rtlCol="0">
+            <a:spAutoFit/>
+          </a:bodyPr>
+          <a:lstStyle/>
+          <a:p>
+            <a:r>
+              <a:rPr lang="de-DE" sz="1200" dirty="0"/>
+              <a:t>switch </a:t>
+            </a:r>
+            <a:r>
+              <a:rPr lang="de-DE" sz="1200" dirty="0" err="1"/>
+              <a:t>branch</a:t>
+            </a:r>
+            <a:endParaRPr lang="de-DE" sz="1200" dirty="0"/>
+          </a:p>
+          <a:p>
+            <a:r>
+              <a:rPr lang="de-DE" sz="1200" dirty="0" err="1">
+                <a:latin typeface="Consolas" panose="020B0609020204030204" pitchFamily="49" charset="0"/>
+              </a:rPr>
+              <a:t>git</a:t>
+            </a:r>
+            <a:r>
+              <a:rPr lang="de-DE" sz="1200" dirty="0">
+                <a:latin typeface="Consolas" panose="020B0609020204030204" pitchFamily="49" charset="0"/>
+              </a:rPr>
+              <a:t> </a:t>
+            </a:r>
+            <a:r>
+              <a:rPr lang="de-DE" sz="1200" dirty="0" err="1">
+                <a:latin typeface="Consolas" panose="020B0609020204030204" pitchFamily="49" charset="0"/>
+              </a:rPr>
+              <a:t>checkout</a:t>
+            </a:r>
+            <a:endParaRPr lang="en-GB" sz="1200" dirty="0">
+              <a:latin typeface="Consolas" panose="020B0609020204030204" pitchFamily="49" charset="0"/>
+            </a:endParaRPr>
+          </a:p>
+        </p:txBody>
+      </p:sp>
+      <p:cxnSp>
+        <p:nvCxnSpPr>
+          <p:cNvPr id="8" name="Straight Arrow Connector 7">
+            <a:extLst>
+              <a:ext uri="{FF2B5EF4-FFF2-40B4-BE49-F238E27FC236}">
+                <a16:creationId xmlns:a16="http://schemas.microsoft.com/office/drawing/2014/main" id="{C1A5C03B-A124-457A-BCB1-2B46FC498139}"/>
+              </a:ext>
+            </a:extLst>
+          </p:cNvPr>
+          <p:cNvCxnSpPr>
+            <a:cxnSpLocks/>
+          </p:cNvCxnSpPr>
+          <p:nvPr/>
+        </p:nvCxnSpPr>
+        <p:spPr>
+          <a:xfrm>
+            <a:off x="3433763" y="2324100"/>
+            <a:ext cx="228600" cy="1"/>
+          </a:xfrm>
+          <a:prstGeom prst="straightConnector1">
+            <a:avLst/>
+          </a:prstGeom>
+          <a:ln w="19050">
+            <a:solidFill>
+              <a:srgbClr val="FFC000"/>
+            </a:solidFill>
+            <a:tailEnd type="triangle"/>
+          </a:ln>
+        </p:spPr>
+        <p:style>
+          <a:lnRef idx="1">
+            <a:schemeClr val="accent1"/>
+          </a:lnRef>
+          <a:fillRef idx="0">
+            <a:schemeClr val="accent1"/>
+          </a:fillRef>
+          <a:effectRef idx="0">
+            <a:schemeClr val="accent1"/>
+          </a:effectRef>
+          <a:fontRef idx="minor">
+            <a:schemeClr val="tx1"/>
+          </a:fontRef>
+        </p:style>
+      </p:cxnSp>
+      <p:cxnSp>
+        <p:nvCxnSpPr>
+          <p:cNvPr id="11" name="Straight Arrow Connector 10">
+            <a:extLst>
+              <a:ext uri="{FF2B5EF4-FFF2-40B4-BE49-F238E27FC236}">
+                <a16:creationId xmlns:a16="http://schemas.microsoft.com/office/drawing/2014/main" id="{E643BFA3-DCDE-4131-A1F2-F2D5BB0CA587}"/>
+              </a:ext>
+            </a:extLst>
+          </p:cNvPr>
+          <p:cNvCxnSpPr>
+            <a:cxnSpLocks/>
+          </p:cNvCxnSpPr>
+          <p:nvPr/>
+        </p:nvCxnSpPr>
+        <p:spPr>
+          <a:xfrm>
+            <a:off x="6837966" y="1966911"/>
+            <a:ext cx="0" cy="228602"/>
+          </a:xfrm>
+          <a:prstGeom prst="straightConnector1">
+            <a:avLst/>
+          </a:prstGeom>
+          <a:ln w="19050">
+            <a:solidFill>
+              <a:srgbClr val="FFC000"/>
+            </a:solidFill>
+            <a:tailEnd type="triangle"/>
+          </a:ln>
+        </p:spPr>
+        <p:style>
+          <a:lnRef idx="1">
+            <a:schemeClr val="accent1"/>
+          </a:lnRef>
+          <a:fillRef idx="0">
+            <a:schemeClr val="accent1"/>
+          </a:fillRef>
+          <a:effectRef idx="0">
+            <a:schemeClr val="accent1"/>
+          </a:effectRef>
+          <a:fontRef idx="minor">
+            <a:schemeClr val="tx1"/>
+          </a:fontRef>
+        </p:style>
+      </p:cxnSp>
+      <p:cxnSp>
+        <p:nvCxnSpPr>
+          <p:cNvPr id="12" name="Straight Arrow Connector 11">
+            <a:extLst>
+              <a:ext uri="{FF2B5EF4-FFF2-40B4-BE49-F238E27FC236}">
+                <a16:creationId xmlns:a16="http://schemas.microsoft.com/office/drawing/2014/main" id="{EF544864-500A-4D8B-A695-94B5DE73290F}"/>
+              </a:ext>
+            </a:extLst>
+          </p:cNvPr>
+          <p:cNvCxnSpPr>
+            <a:cxnSpLocks/>
+          </p:cNvCxnSpPr>
+          <p:nvPr/>
+        </p:nvCxnSpPr>
+        <p:spPr>
+          <a:xfrm>
+            <a:off x="5810251" y="1971675"/>
+            <a:ext cx="0" cy="223838"/>
+          </a:xfrm>
+          <a:prstGeom prst="straightConnector1">
+            <a:avLst/>
+          </a:prstGeom>
+          <a:ln w="19050">
+            <a:solidFill>
+              <a:srgbClr val="FFC000"/>
+            </a:solidFill>
+            <a:tailEnd type="triangle"/>
+          </a:ln>
+        </p:spPr>
+        <p:style>
+          <a:lnRef idx="1">
+            <a:schemeClr val="accent1"/>
+          </a:lnRef>
+          <a:fillRef idx="0">
+            <a:schemeClr val="accent1"/>
+          </a:fillRef>
+          <a:effectRef idx="0">
+            <a:schemeClr val="accent1"/>
+          </a:effectRef>
+          <a:fontRef idx="minor">
+            <a:schemeClr val="tx1"/>
+          </a:fontRef>
+        </p:style>
+      </p:cxnSp>
+      <p:sp>
+        <p:nvSpPr>
+          <p:cNvPr id="15" name="TextBox 14">
+            <a:extLst>
+              <a:ext uri="{FF2B5EF4-FFF2-40B4-BE49-F238E27FC236}">
+                <a16:creationId xmlns:a16="http://schemas.microsoft.com/office/drawing/2014/main" id="{406D45A4-DDCD-4080-A036-32B226D6E8A8}"/>
+              </a:ext>
+            </a:extLst>
+          </p:cNvPr>
+          <p:cNvSpPr txBox="1"/>
+          <p:nvPr/>
+        </p:nvSpPr>
+        <p:spPr>
+          <a:xfrm>
+            <a:off x="6486525" y="1711125"/>
+            <a:ext cx="1471607" cy="276999"/>
+          </a:xfrm>
+          <a:prstGeom prst="rect">
+            <a:avLst/>
+          </a:prstGeom>
+          <a:noFill/>
+        </p:spPr>
+        <p:txBody>
+          <a:bodyPr wrap="square" rtlCol="0">
+            <a:spAutoFit/>
+          </a:bodyPr>
+          <a:lstStyle/>
+          <a:p>
+            <a:r>
+              <a:rPr lang="de-DE" sz="1200" dirty="0" err="1">
+                <a:latin typeface="Consolas" panose="020B0609020204030204" pitchFamily="49" charset="0"/>
+              </a:rPr>
+              <a:t>git</a:t>
+            </a:r>
+            <a:r>
+              <a:rPr lang="de-DE" sz="1200" dirty="0">
+                <a:latin typeface="Consolas" panose="020B0609020204030204" pitchFamily="49" charset="0"/>
+              </a:rPr>
+              <a:t> push/pull</a:t>
+            </a:r>
+            <a:endParaRPr lang="en-GB" sz="1200" dirty="0">
+              <a:latin typeface="Consolas" panose="020B0609020204030204" pitchFamily="49" charset="0"/>
+            </a:endParaRPr>
+          </a:p>
+        </p:txBody>
+      </p:sp>
+      <p:cxnSp>
+        <p:nvCxnSpPr>
+          <p:cNvPr id="16" name="Straight Arrow Connector 15">
+            <a:extLst>
+              <a:ext uri="{FF2B5EF4-FFF2-40B4-BE49-F238E27FC236}">
+                <a16:creationId xmlns:a16="http://schemas.microsoft.com/office/drawing/2014/main" id="{76B880A8-DF98-4FD2-B23D-E15C231EF99D}"/>
+              </a:ext>
+            </a:extLst>
+          </p:cNvPr>
+          <p:cNvCxnSpPr>
+            <a:cxnSpLocks/>
+          </p:cNvCxnSpPr>
+          <p:nvPr/>
+        </p:nvCxnSpPr>
+        <p:spPr>
+          <a:xfrm flipV="1">
+            <a:off x="3251638" y="2505076"/>
+            <a:ext cx="1291787" cy="133788"/>
+          </a:xfrm>
+          <a:prstGeom prst="straightConnector1">
+            <a:avLst/>
+          </a:prstGeom>
+          <a:ln w="19050">
+            <a:solidFill>
+              <a:srgbClr val="FFC000"/>
+            </a:solidFill>
+            <a:tailEnd type="triangle"/>
+          </a:ln>
+        </p:spPr>
+        <p:style>
+          <a:lnRef idx="1">
+            <a:schemeClr val="accent1"/>
+          </a:lnRef>
+          <a:fillRef idx="0">
+            <a:schemeClr val="accent1"/>
+          </a:fillRef>
+          <a:effectRef idx="0">
+            <a:schemeClr val="accent1"/>
+          </a:effectRef>
+          <a:fontRef idx="minor">
+            <a:schemeClr val="tx1"/>
+          </a:fontRef>
+        </p:style>
+      </p:cxnSp>
+      <p:sp>
+        <p:nvSpPr>
+          <p:cNvPr id="17" name="TextBox 16">
+            <a:extLst>
+              <a:ext uri="{FF2B5EF4-FFF2-40B4-BE49-F238E27FC236}">
+                <a16:creationId xmlns:a16="http://schemas.microsoft.com/office/drawing/2014/main" id="{C155C32C-3D89-46D9-8BC7-AA85EC1460CB}"/>
+              </a:ext>
+            </a:extLst>
+          </p:cNvPr>
+          <p:cNvSpPr txBox="1"/>
+          <p:nvPr/>
+        </p:nvSpPr>
+        <p:spPr>
+          <a:xfrm>
+            <a:off x="1824038" y="2505076"/>
+            <a:ext cx="1427600" cy="461665"/>
+          </a:xfrm>
+          <a:prstGeom prst="rect">
+            <a:avLst/>
+          </a:prstGeom>
+          <a:noFill/>
+        </p:spPr>
+        <p:txBody>
+          <a:bodyPr wrap="square" rtlCol="0">
+            <a:spAutoFit/>
+          </a:bodyPr>
+          <a:lstStyle/>
+          <a:p>
+            <a:r>
+              <a:rPr lang="de-DE" sz="1200" dirty="0"/>
+              <a:t>browse </a:t>
+            </a:r>
+            <a:r>
+              <a:rPr lang="de-DE" sz="1200" dirty="0" err="1"/>
+              <a:t>repo</a:t>
+            </a:r>
+            <a:r>
+              <a:rPr lang="de-DE" sz="1200" dirty="0"/>
+              <a:t> </a:t>
+            </a:r>
+            <a:r>
+              <a:rPr lang="de-DE" sz="1200" dirty="0" err="1"/>
+              <a:t>history</a:t>
+            </a:r>
+            <a:endParaRPr lang="de-DE" sz="1200" dirty="0"/>
+          </a:p>
+          <a:p>
+            <a:r>
+              <a:rPr lang="de-DE" sz="1200" dirty="0" err="1">
+                <a:latin typeface="Consolas" panose="020B0609020204030204" pitchFamily="49" charset="0"/>
+              </a:rPr>
+              <a:t>git</a:t>
+            </a:r>
+            <a:r>
+              <a:rPr lang="de-DE" sz="1200" dirty="0">
+                <a:latin typeface="Consolas" panose="020B0609020204030204" pitchFamily="49" charset="0"/>
+              </a:rPr>
+              <a:t> log</a:t>
+            </a:r>
+            <a:endParaRPr lang="en-GB" sz="1200" dirty="0">
+              <a:latin typeface="Consolas" panose="020B0609020204030204" pitchFamily="49" charset="0"/>
+            </a:endParaRPr>
+          </a:p>
+        </p:txBody>
+      </p:sp>
+      <p:cxnSp>
+        <p:nvCxnSpPr>
+          <p:cNvPr id="20" name="Straight Arrow Connector 19">
+            <a:extLst>
+              <a:ext uri="{FF2B5EF4-FFF2-40B4-BE49-F238E27FC236}">
+                <a16:creationId xmlns:a16="http://schemas.microsoft.com/office/drawing/2014/main" id="{F3D729E4-A424-4E08-8B8F-97E552B86DF2}"/>
+              </a:ext>
+            </a:extLst>
+          </p:cNvPr>
+          <p:cNvCxnSpPr>
+            <a:cxnSpLocks/>
+          </p:cNvCxnSpPr>
+          <p:nvPr/>
+        </p:nvCxnSpPr>
+        <p:spPr>
+          <a:xfrm flipV="1">
+            <a:off x="2881314" y="2862265"/>
+            <a:ext cx="724884" cy="324899"/>
+          </a:xfrm>
+          <a:prstGeom prst="straightConnector1">
+            <a:avLst/>
+          </a:prstGeom>
+          <a:ln w="19050">
+            <a:solidFill>
+              <a:srgbClr val="FFC000"/>
+            </a:solidFill>
+            <a:tailEnd type="triangle"/>
+          </a:ln>
+        </p:spPr>
+        <p:style>
+          <a:lnRef idx="1">
+            <a:schemeClr val="accent1"/>
+          </a:lnRef>
+          <a:fillRef idx="0">
+            <a:schemeClr val="accent1"/>
+          </a:fillRef>
+          <a:effectRef idx="0">
+            <a:schemeClr val="accent1"/>
+          </a:effectRef>
+          <a:fontRef idx="minor">
+            <a:schemeClr val="tx1"/>
+          </a:fontRef>
+        </p:style>
+      </p:cxnSp>
+      <p:sp>
+        <p:nvSpPr>
+          <p:cNvPr id="21" name="TextBox 20">
+            <a:extLst>
+              <a:ext uri="{FF2B5EF4-FFF2-40B4-BE49-F238E27FC236}">
+                <a16:creationId xmlns:a16="http://schemas.microsoft.com/office/drawing/2014/main" id="{122D5C01-83CD-490D-B6EC-3A2BFB840364}"/>
+              </a:ext>
+            </a:extLst>
+          </p:cNvPr>
+          <p:cNvSpPr txBox="1"/>
+          <p:nvPr/>
+        </p:nvSpPr>
+        <p:spPr>
+          <a:xfrm>
+            <a:off x="1919288" y="3048664"/>
+            <a:ext cx="1128713" cy="461665"/>
+          </a:xfrm>
+          <a:prstGeom prst="rect">
+            <a:avLst/>
+          </a:prstGeom>
+          <a:noFill/>
+        </p:spPr>
+        <p:txBody>
+          <a:bodyPr wrap="square" rtlCol="0">
+            <a:spAutoFit/>
+          </a:bodyPr>
+          <a:lstStyle/>
+          <a:p>
+            <a:r>
+              <a:rPr lang="de-DE" sz="1200" dirty="0" err="1"/>
+              <a:t>changed</a:t>
+            </a:r>
+            <a:r>
+              <a:rPr lang="de-DE" sz="1200" dirty="0"/>
+              <a:t> </a:t>
+            </a:r>
+            <a:r>
+              <a:rPr lang="de-DE" sz="1200" dirty="0" err="1"/>
+              <a:t>files</a:t>
+            </a:r>
+            <a:endParaRPr lang="de-DE" sz="1200" dirty="0"/>
+          </a:p>
+          <a:p>
+            <a:r>
+              <a:rPr lang="de-DE" sz="1200" dirty="0" err="1">
+                <a:latin typeface="Consolas" panose="020B0609020204030204" pitchFamily="49" charset="0"/>
+              </a:rPr>
+              <a:t>git</a:t>
+            </a:r>
+            <a:r>
+              <a:rPr lang="de-DE" sz="1200" dirty="0">
+                <a:latin typeface="Consolas" panose="020B0609020204030204" pitchFamily="49" charset="0"/>
+              </a:rPr>
+              <a:t> </a:t>
+            </a:r>
+            <a:r>
+              <a:rPr lang="de-DE" sz="1200" dirty="0" err="1">
+                <a:latin typeface="Consolas" panose="020B0609020204030204" pitchFamily="49" charset="0"/>
+              </a:rPr>
+              <a:t>status</a:t>
+            </a:r>
+            <a:endParaRPr lang="en-GB" sz="1200" dirty="0">
+              <a:latin typeface="Consolas" panose="020B0609020204030204" pitchFamily="49" charset="0"/>
+            </a:endParaRPr>
+          </a:p>
+        </p:txBody>
+      </p:sp>
+      <p:cxnSp>
+        <p:nvCxnSpPr>
+          <p:cNvPr id="25" name="Straight Arrow Connector 24">
+            <a:extLst>
+              <a:ext uri="{FF2B5EF4-FFF2-40B4-BE49-F238E27FC236}">
+                <a16:creationId xmlns:a16="http://schemas.microsoft.com/office/drawing/2014/main" id="{CAEB4562-93EB-49E3-898D-5E54656CA94E}"/>
+              </a:ext>
+            </a:extLst>
+          </p:cNvPr>
+          <p:cNvCxnSpPr>
+            <a:cxnSpLocks/>
+            <a:stCxn id="26" idx="3"/>
+          </p:cNvCxnSpPr>
+          <p:nvPr/>
+        </p:nvCxnSpPr>
+        <p:spPr>
+          <a:xfrm flipV="1">
+            <a:off x="3214688" y="4352926"/>
+            <a:ext cx="490537" cy="47615"/>
+          </a:xfrm>
+          <a:prstGeom prst="straightConnector1">
+            <a:avLst/>
+          </a:prstGeom>
+          <a:ln w="19050">
+            <a:solidFill>
+              <a:srgbClr val="FFC000"/>
+            </a:solidFill>
+            <a:tailEnd type="triangle"/>
+          </a:ln>
+        </p:spPr>
+        <p:style>
+          <a:lnRef idx="1">
+            <a:schemeClr val="accent1"/>
+          </a:lnRef>
+          <a:fillRef idx="0">
+            <a:schemeClr val="accent1"/>
+          </a:fillRef>
+          <a:effectRef idx="0">
+            <a:schemeClr val="accent1"/>
+          </a:effectRef>
+          <a:fontRef idx="minor">
+            <a:schemeClr val="tx1"/>
+          </a:fontRef>
+        </p:style>
+      </p:cxnSp>
+      <p:sp>
+        <p:nvSpPr>
+          <p:cNvPr id="26" name="TextBox 25">
+            <a:extLst>
+              <a:ext uri="{FF2B5EF4-FFF2-40B4-BE49-F238E27FC236}">
+                <a16:creationId xmlns:a16="http://schemas.microsoft.com/office/drawing/2014/main" id="{3F73B2B9-7F1F-4F35-ABAD-F32966FD4B3C}"/>
+              </a:ext>
+            </a:extLst>
+          </p:cNvPr>
+          <p:cNvSpPr txBox="1"/>
+          <p:nvPr/>
+        </p:nvSpPr>
+        <p:spPr>
+          <a:xfrm>
+            <a:off x="2085975" y="3985042"/>
+            <a:ext cx="1128713" cy="830997"/>
+          </a:xfrm>
+          <a:prstGeom prst="rect">
+            <a:avLst/>
+          </a:prstGeom>
+          <a:noFill/>
+        </p:spPr>
+        <p:txBody>
+          <a:bodyPr wrap="square" rtlCol="0">
+            <a:spAutoFit/>
+          </a:bodyPr>
+          <a:lstStyle/>
+          <a:p>
+            <a:r>
+              <a:rPr lang="de-DE" sz="1200" dirty="0" err="1"/>
+              <a:t>enter</a:t>
+            </a:r>
+            <a:r>
+              <a:rPr lang="de-DE" sz="1200" dirty="0"/>
+              <a:t> </a:t>
+            </a:r>
+            <a:r>
+              <a:rPr lang="de-DE" sz="1200" dirty="0" err="1"/>
+              <a:t>commit</a:t>
+            </a:r>
+            <a:r>
+              <a:rPr lang="de-DE" sz="1200" dirty="0"/>
+              <a:t> </a:t>
+            </a:r>
+            <a:r>
+              <a:rPr lang="de-DE" sz="1200" dirty="0" err="1"/>
+              <a:t>message</a:t>
+            </a:r>
+            <a:r>
+              <a:rPr lang="de-DE" sz="1200" dirty="0"/>
+              <a:t> and </a:t>
+            </a:r>
+            <a:r>
+              <a:rPr lang="de-DE" sz="1200" dirty="0" err="1"/>
+              <a:t>commit</a:t>
+            </a:r>
+            <a:br>
+              <a:rPr lang="de-DE" sz="1200" dirty="0"/>
+            </a:br>
+            <a:r>
+              <a:rPr lang="de-DE" sz="1200" dirty="0" err="1">
+                <a:latin typeface="Consolas" panose="020B0609020204030204" pitchFamily="49" charset="0"/>
+              </a:rPr>
+              <a:t>git</a:t>
+            </a:r>
+            <a:r>
+              <a:rPr lang="de-DE" sz="1200" dirty="0">
+                <a:latin typeface="Consolas" panose="020B0609020204030204" pitchFamily="49" charset="0"/>
+              </a:rPr>
+              <a:t> </a:t>
+            </a:r>
+            <a:r>
+              <a:rPr lang="de-DE" sz="1200" dirty="0" err="1">
+                <a:latin typeface="Consolas" panose="020B0609020204030204" pitchFamily="49" charset="0"/>
+              </a:rPr>
+              <a:t>commit</a:t>
+            </a:r>
+            <a:endParaRPr lang="en-GB" sz="1200" dirty="0">
+              <a:latin typeface="Consolas" panose="020B0609020204030204" pitchFamily="49" charset="0"/>
+            </a:endParaRPr>
+          </a:p>
+        </p:txBody>
+      </p:sp>
+      <p:cxnSp>
+        <p:nvCxnSpPr>
+          <p:cNvPr id="31" name="Straight Arrow Connector 30">
+            <a:extLst>
+              <a:ext uri="{FF2B5EF4-FFF2-40B4-BE49-F238E27FC236}">
+                <a16:creationId xmlns:a16="http://schemas.microsoft.com/office/drawing/2014/main" id="{3EB61841-C6D8-4793-A223-41F31D817432}"/>
+              </a:ext>
+            </a:extLst>
+          </p:cNvPr>
+          <p:cNvCxnSpPr>
+            <a:cxnSpLocks/>
+          </p:cNvCxnSpPr>
+          <p:nvPr/>
+        </p:nvCxnSpPr>
+        <p:spPr>
+          <a:xfrm flipH="1" flipV="1">
+            <a:off x="8286750" y="2862265"/>
+            <a:ext cx="880650" cy="117286"/>
+          </a:xfrm>
+          <a:prstGeom prst="straightConnector1">
+            <a:avLst/>
+          </a:prstGeom>
+          <a:ln w="19050">
+            <a:solidFill>
+              <a:srgbClr val="FFC000"/>
+            </a:solidFill>
+            <a:tailEnd type="triangle"/>
+          </a:ln>
+        </p:spPr>
+        <p:style>
+          <a:lnRef idx="1">
+            <a:schemeClr val="accent1"/>
+          </a:lnRef>
+          <a:fillRef idx="0">
+            <a:schemeClr val="accent1"/>
+          </a:fillRef>
+          <a:effectRef idx="0">
+            <a:schemeClr val="accent1"/>
+          </a:effectRef>
+          <a:fontRef idx="minor">
+            <a:schemeClr val="tx1"/>
+          </a:fontRef>
+        </p:style>
+      </p:cxnSp>
+      <p:sp>
+        <p:nvSpPr>
+          <p:cNvPr id="32" name="TextBox 31">
+            <a:extLst>
+              <a:ext uri="{FF2B5EF4-FFF2-40B4-BE49-F238E27FC236}">
+                <a16:creationId xmlns:a16="http://schemas.microsoft.com/office/drawing/2014/main" id="{89AA6DEA-DED6-419E-A3DB-839935677D3F}"/>
+              </a:ext>
+            </a:extLst>
+          </p:cNvPr>
+          <p:cNvSpPr txBox="1"/>
+          <p:nvPr/>
+        </p:nvSpPr>
+        <p:spPr>
+          <a:xfrm>
+            <a:off x="9050718" y="2748718"/>
+            <a:ext cx="1412494" cy="646331"/>
+          </a:xfrm>
+          <a:prstGeom prst="rect">
+            <a:avLst/>
+          </a:prstGeom>
+          <a:noFill/>
+        </p:spPr>
+        <p:txBody>
+          <a:bodyPr wrap="square" rtlCol="0">
+            <a:spAutoFit/>
+          </a:bodyPr>
+          <a:lstStyle/>
+          <a:p>
+            <a:r>
+              <a:rPr lang="de-DE" sz="1200" dirty="0"/>
+              <a:t>Look at </a:t>
+            </a:r>
+            <a:r>
+              <a:rPr lang="de-DE" sz="1200" dirty="0" err="1"/>
+              <a:t>changes</a:t>
+            </a:r>
+            <a:r>
+              <a:rPr lang="de-DE" sz="1200" dirty="0"/>
+              <a:t> </a:t>
+            </a:r>
+            <a:r>
+              <a:rPr lang="de-DE" sz="1200" dirty="0" err="1"/>
+              <a:t>made</a:t>
+            </a:r>
+            <a:r>
+              <a:rPr lang="de-DE" sz="1200" dirty="0"/>
+              <a:t> </a:t>
+            </a:r>
+            <a:r>
+              <a:rPr lang="de-DE" sz="1200" dirty="0" err="1"/>
+              <a:t>to</a:t>
+            </a:r>
+            <a:r>
+              <a:rPr lang="de-DE" sz="1200" dirty="0"/>
+              <a:t> </a:t>
+            </a:r>
+            <a:r>
+              <a:rPr lang="de-DE" sz="1200" dirty="0" err="1"/>
+              <a:t>file</a:t>
+            </a:r>
+            <a:endParaRPr lang="de-DE" sz="1200" dirty="0"/>
+          </a:p>
+          <a:p>
+            <a:r>
+              <a:rPr lang="de-DE" sz="1200" dirty="0" err="1">
+                <a:latin typeface="Consolas" panose="020B0609020204030204" pitchFamily="49" charset="0"/>
+              </a:rPr>
+              <a:t>git</a:t>
+            </a:r>
+            <a:r>
+              <a:rPr lang="de-DE" sz="1200" dirty="0">
+                <a:latin typeface="Consolas" panose="020B0609020204030204" pitchFamily="49" charset="0"/>
+              </a:rPr>
+              <a:t> </a:t>
+            </a:r>
+            <a:r>
+              <a:rPr lang="de-DE" sz="1200" dirty="0" err="1">
+                <a:latin typeface="Consolas" panose="020B0609020204030204" pitchFamily="49" charset="0"/>
+              </a:rPr>
+              <a:t>diff</a:t>
+            </a:r>
+            <a:endParaRPr lang="en-GB" sz="1200" dirty="0">
+              <a:latin typeface="Consolas" panose="020B0609020204030204" pitchFamily="49" charset="0"/>
+            </a:endParaRPr>
+          </a:p>
+        </p:txBody>
+      </p:sp>
+    </p:spTree>
+    <p:extLst>
+      <p:ext uri="{BB962C8B-B14F-4D97-AF65-F5344CB8AC3E}">
+        <p14:creationId xmlns:p14="http://schemas.microsoft.com/office/powerpoint/2010/main" val="622046444"/>
       </p:ext>
     </p:extLst>
   </p:cSld>
@@ -8850,10 +11290,10 @@
       </p:grpSpPr>
       <p:grpSp>
         <p:nvGrpSpPr>
-          <p:cNvPr id="15" name="Group 14">
+          <p:cNvPr id="9" name="Group 8">
             <a:extLst>
               <a:ext uri="{FF2B5EF4-FFF2-40B4-BE49-F238E27FC236}">
-                <a16:creationId xmlns:a16="http://schemas.microsoft.com/office/drawing/2014/main" id="{90908655-0759-492F-8D02-C82E64E37FE7}"/>
+                <a16:creationId xmlns:a16="http://schemas.microsoft.com/office/drawing/2014/main" id="{1B94D2F7-5935-417B-9545-87201F778830}"/>
               </a:ext>
             </a:extLst>
           </p:cNvPr>
@@ -8868,120 +11308,12 @@
             <a:chExt cx="5077583" cy="3115593"/>
           </a:xfrm>
         </p:grpSpPr>
-        <p:pic>
-          <p:nvPicPr>
-            <p:cNvPr id="23" name="Picture 22" descr="A close up of a logo&#10;&#10;Description automatically generated">
+        <p:grpSp>
+          <p:nvGrpSpPr>
+            <p:cNvPr id="15" name="Group 14">
               <a:extLst>
                 <a:ext uri="{FF2B5EF4-FFF2-40B4-BE49-F238E27FC236}">
-                  <a16:creationId xmlns:a16="http://schemas.microsoft.com/office/drawing/2014/main" id="{47B859C7-1D98-4325-8F0D-39EBB9326046}"/>
-                </a:ext>
-              </a:extLst>
-            </p:cNvPr>
-            <p:cNvPicPr>
-              <a:picLocks noChangeAspect="1"/>
-            </p:cNvPicPr>
-            <p:nvPr/>
-          </p:nvPicPr>
-          <p:blipFill>
-            <a:blip r:embed="rId2">
-              <a:extLst>
-                <a:ext uri="{28A0092B-C50C-407E-A947-70E740481C1C}">
-                  <a14:useLocalDpi xmlns:a14="http://schemas.microsoft.com/office/drawing/2010/main" val="0"/>
-                </a:ext>
-              </a:extLst>
-            </a:blip>
-            <a:stretch>
-              <a:fillRect/>
-            </a:stretch>
-          </p:blipFill>
-          <p:spPr>
-            <a:xfrm>
-              <a:off x="7110935" y="1027101"/>
-              <a:ext cx="634788" cy="605694"/>
-            </a:xfrm>
-            <a:prstGeom prst="rect">
-              <a:avLst/>
-            </a:prstGeom>
-          </p:spPr>
-        </p:pic>
-        <p:pic>
-          <p:nvPicPr>
-            <p:cNvPr id="24" name="Picture 23" descr="A close up of a logo&#10;&#10;Description automatically generated">
-              <a:extLst>
-                <a:ext uri="{FF2B5EF4-FFF2-40B4-BE49-F238E27FC236}">
-                  <a16:creationId xmlns:a16="http://schemas.microsoft.com/office/drawing/2014/main" id="{C351673C-5352-4556-B105-EC9647DF575A}"/>
-                </a:ext>
-              </a:extLst>
-            </p:cNvPr>
-            <p:cNvPicPr>
-              <a:picLocks noChangeAspect="1"/>
-            </p:cNvPicPr>
-            <p:nvPr/>
-          </p:nvPicPr>
-          <p:blipFill>
-            <a:blip r:embed="rId3">
-              <a:extLst>
-                <a:ext uri="{28A0092B-C50C-407E-A947-70E740481C1C}">
-                  <a14:useLocalDpi xmlns:a14="http://schemas.microsoft.com/office/drawing/2010/main" val="0"/>
-                </a:ext>
-              </a:extLst>
-            </a:blip>
-            <a:stretch>
-              <a:fillRect/>
-            </a:stretch>
-          </p:blipFill>
-          <p:spPr>
-            <a:xfrm>
-              <a:off x="7718334" y="1160671"/>
-              <a:ext cx="338554" cy="338554"/>
-            </a:xfrm>
-            <a:prstGeom prst="rect">
-              <a:avLst/>
-            </a:prstGeom>
-          </p:spPr>
-        </p:pic>
-        <p:sp>
-          <p:nvSpPr>
-            <p:cNvPr id="25" name="TextBox 24">
-              <a:extLst>
-                <a:ext uri="{FF2B5EF4-FFF2-40B4-BE49-F238E27FC236}">
-                  <a16:creationId xmlns:a16="http://schemas.microsoft.com/office/drawing/2014/main" id="{6426996E-27A5-487D-BB58-6CF8191E1A92}"/>
-                </a:ext>
-              </a:extLst>
-            </p:cNvPr>
-            <p:cNvSpPr txBox="1"/>
-            <p:nvPr/>
-          </p:nvSpPr>
-          <p:spPr>
-            <a:xfrm>
-              <a:off x="7962647" y="1205894"/>
-              <a:ext cx="348172" cy="338554"/>
-            </a:xfrm>
-            <a:prstGeom prst="rect">
-              <a:avLst/>
-            </a:prstGeom>
-            <a:noFill/>
-          </p:spPr>
-          <p:txBody>
-            <a:bodyPr wrap="none" rtlCol="0">
-              <a:spAutoFit/>
-            </a:bodyPr>
-            <a:lstStyle/>
-            <a:p>
-              <a:r>
-                <a:rPr lang="en-DE" sz="1600" b="1" dirty="0"/>
-                <a:t>...</a:t>
-              </a:r>
-              <a:endParaRPr lang="en-US" sz="1600" b="1" dirty="0"/>
-            </a:p>
-          </p:txBody>
-        </p:sp>
-        <p:grpSp>
-          <p:nvGrpSpPr>
-            <p:cNvPr id="12" name="Group 11">
-              <a:extLst>
-                <a:ext uri="{FF2B5EF4-FFF2-40B4-BE49-F238E27FC236}">
-                  <a16:creationId xmlns:a16="http://schemas.microsoft.com/office/drawing/2014/main" id="{F5343D6F-D339-4913-8910-FB9F04372206}"/>
+                  <a16:creationId xmlns:a16="http://schemas.microsoft.com/office/drawing/2014/main" id="{90908655-0759-492F-8D02-C82E64E37FE7}"/>
                 </a:ext>
               </a:extLst>
             </p:cNvPr>
@@ -8990,77 +11322,126 @@
           </p:nvGrpSpPr>
           <p:grpSpPr>
             <a:xfrm>
-              <a:off x="3233236" y="2739518"/>
-              <a:ext cx="4200106" cy="1403176"/>
-              <a:chOff x="3233236" y="2739518"/>
-              <a:chExt cx="4200106" cy="1403176"/>
+              <a:off x="3233236" y="1027101"/>
+              <a:ext cx="5077583" cy="3115593"/>
+              <a:chOff x="3233236" y="1027101"/>
+              <a:chExt cx="5077583" cy="3115593"/>
             </a:xfrm>
           </p:grpSpPr>
-          <p:sp>
-            <p:nvSpPr>
-              <p:cNvPr id="18" name="Rectangle 17">
+          <p:pic>
+            <p:nvPicPr>
+              <p:cNvPr id="23" name="Picture 22" descr="A close up of a logo&#10;&#10;Description automatically generated">
                 <a:extLst>
                   <a:ext uri="{FF2B5EF4-FFF2-40B4-BE49-F238E27FC236}">
-                    <a16:creationId xmlns:a16="http://schemas.microsoft.com/office/drawing/2014/main" id="{BAC2BBAD-62D0-4A39-9525-A09B0C8CAD9A}"/>
+                    <a16:creationId xmlns:a16="http://schemas.microsoft.com/office/drawing/2014/main" id="{47B859C7-1D98-4325-8F0D-39EBB9326046}"/>
                   </a:ext>
                 </a:extLst>
               </p:cNvPr>
-              <p:cNvSpPr/>
+              <p:cNvPicPr>
+                <a:picLocks noChangeAspect="1"/>
+              </p:cNvPicPr>
+              <p:nvPr/>
+            </p:nvPicPr>
+            <p:blipFill>
+              <a:blip r:embed="rId2">
+                <a:extLst>
+                  <a:ext uri="{28A0092B-C50C-407E-A947-70E740481C1C}">
+                    <a14:useLocalDpi xmlns:a14="http://schemas.microsoft.com/office/drawing/2010/main" val="0"/>
+                  </a:ext>
+                </a:extLst>
+              </a:blip>
+              <a:stretch>
+                <a:fillRect/>
+              </a:stretch>
+            </p:blipFill>
+            <p:spPr>
+              <a:xfrm>
+                <a:off x="7110935" y="1027101"/>
+                <a:ext cx="634788" cy="605694"/>
+              </a:xfrm>
+              <a:prstGeom prst="rect">
+                <a:avLst/>
+              </a:prstGeom>
+            </p:spPr>
+          </p:pic>
+          <p:pic>
+            <p:nvPicPr>
+              <p:cNvPr id="24" name="Picture 23" descr="A close up of a logo&#10;&#10;Description automatically generated">
+                <a:extLst>
+                  <a:ext uri="{FF2B5EF4-FFF2-40B4-BE49-F238E27FC236}">
+                    <a16:creationId xmlns:a16="http://schemas.microsoft.com/office/drawing/2014/main" id="{C351673C-5352-4556-B105-EC9647DF575A}"/>
+                  </a:ext>
+                </a:extLst>
+              </p:cNvPr>
+              <p:cNvPicPr>
+                <a:picLocks noChangeAspect="1"/>
+              </p:cNvPicPr>
+              <p:nvPr/>
+            </p:nvPicPr>
+            <p:blipFill>
+              <a:blip r:embed="rId3">
+                <a:extLst>
+                  <a:ext uri="{28A0092B-C50C-407E-A947-70E740481C1C}">
+                    <a14:useLocalDpi xmlns:a14="http://schemas.microsoft.com/office/drawing/2010/main" val="0"/>
+                  </a:ext>
+                </a:extLst>
+              </a:blip>
+              <a:stretch>
+                <a:fillRect/>
+              </a:stretch>
+            </p:blipFill>
+            <p:spPr>
+              <a:xfrm>
+                <a:off x="7718334" y="1160671"/>
+                <a:ext cx="338554" cy="338554"/>
+              </a:xfrm>
+              <a:prstGeom prst="rect">
+                <a:avLst/>
+              </a:prstGeom>
+            </p:spPr>
+          </p:pic>
+          <p:sp>
+            <p:nvSpPr>
+              <p:cNvPr id="25" name="TextBox 24">
+                <a:extLst>
+                  <a:ext uri="{FF2B5EF4-FFF2-40B4-BE49-F238E27FC236}">
+                    <a16:creationId xmlns:a16="http://schemas.microsoft.com/office/drawing/2014/main" id="{6426996E-27A5-487D-BB58-6CF8191E1A92}"/>
+                  </a:ext>
+                </a:extLst>
+              </p:cNvPr>
+              <p:cNvSpPr txBox="1"/>
               <p:nvPr/>
             </p:nvSpPr>
             <p:spPr>
               <a:xfrm>
-                <a:off x="6156403" y="3448769"/>
-                <a:ext cx="1140690" cy="304800"/>
+                <a:off x="7962647" y="1205894"/>
+                <a:ext cx="348172" cy="338554"/>
               </a:xfrm>
               <a:prstGeom prst="rect">
                 <a:avLst/>
               </a:prstGeom>
               <a:noFill/>
-              <a:ln w="3175">
-                <a:solidFill>
-                  <a:schemeClr val="tx1"/>
-                </a:solidFill>
-              </a:ln>
             </p:spPr>
-            <p:style>
-              <a:lnRef idx="2">
-                <a:schemeClr val="accent1">
-                  <a:shade val="50000"/>
-                </a:schemeClr>
-              </a:lnRef>
-              <a:fillRef idx="1">
-                <a:schemeClr val="accent1"/>
-              </a:fillRef>
-              <a:effectRef idx="0">
-                <a:schemeClr val="accent1"/>
-              </a:effectRef>
-              <a:fontRef idx="minor">
-                <a:schemeClr val="lt1"/>
-              </a:fontRef>
-            </p:style>
             <p:txBody>
-              <a:bodyPr rtlCol="0" anchor="ctr"/>
+              <a:bodyPr wrap="none" rtlCol="0">
+                <a:spAutoFit/>
+              </a:bodyPr>
               <a:lstStyle/>
               <a:p>
-                <a:pPr algn="ctr"/>
                 <a:r>
-                  <a:rPr lang="en-US" sz="1600" dirty="0">
-                    <a:solidFill>
-                      <a:schemeClr val="tx1"/>
-                    </a:solidFill>
-                  </a:rPr>
-                  <a:t>Bob.txt</a:t>
+                  <a:rPr lang="en-DE" sz="1600" b="1" dirty="0"/>
+                  <a:t>...</a:t>
                 </a:r>
+                <a:endParaRPr lang="en-US" sz="1600" b="1" dirty="0"/>
               </a:p>
             </p:txBody>
           </p:sp>
           <p:grpSp>
             <p:nvGrpSpPr>
-              <p:cNvPr id="8" name="Group 7">
+              <p:cNvPr id="12" name="Group 11">
                 <a:extLst>
                   <a:ext uri="{FF2B5EF4-FFF2-40B4-BE49-F238E27FC236}">
-                    <a16:creationId xmlns:a16="http://schemas.microsoft.com/office/drawing/2014/main" id="{8C1940A9-A52B-4E47-95B9-675081B26EFE}"/>
+                    <a16:creationId xmlns:a16="http://schemas.microsoft.com/office/drawing/2014/main" id="{F5343D6F-D339-4913-8910-FB9F04372206}"/>
                   </a:ext>
                 </a:extLst>
               </p:cNvPr>
@@ -9077,10 +11458,10 @@
             </p:grpSpPr>
             <p:sp>
               <p:nvSpPr>
-                <p:cNvPr id="7" name="Rectangle 6">
+                <p:cNvPr id="18" name="Rectangle 17">
                   <a:extLst>
                     <a:ext uri="{FF2B5EF4-FFF2-40B4-BE49-F238E27FC236}">
-                      <a16:creationId xmlns:a16="http://schemas.microsoft.com/office/drawing/2014/main" id="{D9616ABC-D3B4-4E59-8ECB-EAD485A9F383}"/>
+                      <a16:creationId xmlns:a16="http://schemas.microsoft.com/office/drawing/2014/main" id="{BAC2BBAD-62D0-4A39-9525-A09B0C8CAD9A}"/>
                     </a:ext>
                   </a:extLst>
                 </p:cNvPr>
@@ -9089,7 +11470,7 @@
               </p:nvSpPr>
               <p:spPr>
                 <a:xfrm>
-                  <a:off x="3604725" y="3429000"/>
+                  <a:off x="6156403" y="3448769"/>
                   <a:ext cx="1140690" cy="304800"/>
                 </a:xfrm>
                 <a:prstGeom prst="rect">
@@ -9134,360 +11515,518 @@
                 </a:p>
               </p:txBody>
             </p:sp>
-            <p:sp>
-              <p:nvSpPr>
-                <p:cNvPr id="2" name="Rectangle 1">
+            <p:grpSp>
+              <p:nvGrpSpPr>
+                <p:cNvPr id="8" name="Group 7">
                   <a:extLst>
                     <a:ext uri="{FF2B5EF4-FFF2-40B4-BE49-F238E27FC236}">
-                      <a16:creationId xmlns:a16="http://schemas.microsoft.com/office/drawing/2014/main" id="{5A8E90AB-3428-4E49-82D0-55B1973EA2BF}"/>
+                      <a16:creationId xmlns:a16="http://schemas.microsoft.com/office/drawing/2014/main" id="{8C1940A9-A52B-4E47-95B9-675081B26EFE}"/>
                     </a:ext>
                   </a:extLst>
                 </p:cNvPr>
-                <p:cNvSpPr/>
+                <p:cNvGrpSpPr/>
                 <p:nvPr/>
-              </p:nvSpPr>
-              <p:spPr>
+              </p:nvGrpSpPr>
+              <p:grpSpPr>
                 <a:xfrm>
-                  <a:off x="3489415" y="2739518"/>
-                  <a:ext cx="3943927" cy="1116202"/>
+                  <a:off x="3233236" y="2739518"/>
+                  <a:ext cx="4200106" cy="1403176"/>
+                  <a:chOff x="3233236" y="2739518"/>
+                  <a:chExt cx="4200106" cy="1403176"/>
                 </a:xfrm>
-                <a:prstGeom prst="rect">
-                  <a:avLst/>
-                </a:prstGeom>
-                <a:noFill/>
-                <a:ln>
+              </p:grpSpPr>
+              <p:sp>
+                <p:nvSpPr>
+                  <p:cNvPr id="7" name="Rectangle 6">
+                    <a:extLst>
+                      <a:ext uri="{FF2B5EF4-FFF2-40B4-BE49-F238E27FC236}">
+                        <a16:creationId xmlns:a16="http://schemas.microsoft.com/office/drawing/2014/main" id="{D9616ABC-D3B4-4E59-8ECB-EAD485A9F383}"/>
+                      </a:ext>
+                    </a:extLst>
+                  </p:cNvPr>
+                  <p:cNvSpPr/>
+                  <p:nvPr/>
+                </p:nvSpPr>
+                <p:spPr>
+                  <a:xfrm>
+                    <a:off x="3604725" y="3429000"/>
+                    <a:ext cx="1140690" cy="304800"/>
+                  </a:xfrm>
+                  <a:prstGeom prst="rect">
+                    <a:avLst/>
+                  </a:prstGeom>
+                  <a:noFill/>
+                  <a:ln w="3175">
+                    <a:solidFill>
+                      <a:schemeClr val="tx1"/>
+                    </a:solidFill>
+                  </a:ln>
+                </p:spPr>
+                <p:style>
+                  <a:lnRef idx="2">
+                    <a:schemeClr val="accent1">
+                      <a:shade val="50000"/>
+                    </a:schemeClr>
+                  </a:lnRef>
+                  <a:fillRef idx="1">
+                    <a:schemeClr val="accent1"/>
+                  </a:fillRef>
+                  <a:effectRef idx="0">
+                    <a:schemeClr val="accent1"/>
+                  </a:effectRef>
+                  <a:fontRef idx="minor">
+                    <a:schemeClr val="lt1"/>
+                  </a:fontRef>
+                </p:style>
+                <p:txBody>
+                  <a:bodyPr rtlCol="0" anchor="ctr"/>
+                  <a:lstStyle/>
+                  <a:p>
+                    <a:pPr algn="ctr"/>
+                    <a:r>
+                      <a:rPr lang="en-US" sz="1600" dirty="0">
+                        <a:solidFill>
+                          <a:schemeClr val="tx1"/>
+                        </a:solidFill>
+                      </a:rPr>
+                      <a:t>Bob.txt</a:t>
+                    </a:r>
+                  </a:p>
+                </p:txBody>
+              </p:sp>
+              <p:sp>
+                <p:nvSpPr>
+                  <p:cNvPr id="2" name="Rectangle 1">
+                    <a:extLst>
+                      <a:ext uri="{FF2B5EF4-FFF2-40B4-BE49-F238E27FC236}">
+                        <a16:creationId xmlns:a16="http://schemas.microsoft.com/office/drawing/2014/main" id="{5A8E90AB-3428-4E49-82D0-55B1973EA2BF}"/>
+                      </a:ext>
+                    </a:extLst>
+                  </p:cNvPr>
+                  <p:cNvSpPr/>
+                  <p:nvPr/>
+                </p:nvSpPr>
+                <p:spPr>
+                  <a:xfrm>
+                    <a:off x="3489415" y="2739518"/>
+                    <a:ext cx="3943927" cy="1116202"/>
+                  </a:xfrm>
+                  <a:prstGeom prst="rect">
+                    <a:avLst/>
+                  </a:prstGeom>
+                  <a:noFill/>
+                  <a:ln>
+                    <a:solidFill>
+                      <a:schemeClr val="tx1"/>
+                    </a:solidFill>
+                  </a:ln>
+                </p:spPr>
+                <p:style>
+                  <a:lnRef idx="2">
+                    <a:schemeClr val="accent1">
+                      <a:shade val="50000"/>
+                    </a:schemeClr>
+                  </a:lnRef>
+                  <a:fillRef idx="1">
+                    <a:schemeClr val="accent1"/>
+                  </a:fillRef>
+                  <a:effectRef idx="0">
+                    <a:schemeClr val="accent1"/>
+                  </a:effectRef>
+                  <a:fontRef idx="minor">
+                    <a:schemeClr val="lt1"/>
+                  </a:fontRef>
+                </p:style>
+                <p:txBody>
+                  <a:bodyPr rtlCol="0" anchor="ctr"/>
+                  <a:lstStyle/>
+                  <a:p>
+                    <a:pPr algn="ctr"/>
+                    <a:endParaRPr lang="en-US"/>
+                  </a:p>
+                </p:txBody>
+              </p:sp>
+              <p:sp>
+                <p:nvSpPr>
+                  <p:cNvPr id="3" name="TextBox 2">
+                    <a:extLst>
+                      <a:ext uri="{FF2B5EF4-FFF2-40B4-BE49-F238E27FC236}">
+                        <a16:creationId xmlns:a16="http://schemas.microsoft.com/office/drawing/2014/main" id="{581F5697-4059-416C-B301-6B4A57D8DC58}"/>
+                      </a:ext>
+                    </a:extLst>
+                  </p:cNvPr>
+                  <p:cNvSpPr txBox="1"/>
+                  <p:nvPr/>
+                </p:nvSpPr>
+                <p:spPr>
+                  <a:xfrm>
+                    <a:off x="3233236" y="3865695"/>
+                    <a:ext cx="1864100" cy="276999"/>
+                  </a:xfrm>
+                  <a:prstGeom prst="rect">
+                    <a:avLst/>
+                  </a:prstGeom>
+                  <a:noFill/>
+                </p:spPr>
+                <p:txBody>
+                  <a:bodyPr wrap="none" rtlCol="0">
+                    <a:spAutoFit/>
+                  </a:bodyPr>
+                  <a:lstStyle/>
+                  <a:p>
+                    <a:r>
+                      <a:rPr lang="en-DE" sz="1200" dirty="0"/>
+                      <a:t>Development environment</a:t>
+                    </a:r>
+                    <a:endParaRPr lang="en-US" sz="1200" dirty="0"/>
+                  </a:p>
+                </p:txBody>
+              </p:sp>
+              <p:sp>
+                <p:nvSpPr>
+                  <p:cNvPr id="4" name="Rectangle 3">
+                    <a:extLst>
+                      <a:ext uri="{FF2B5EF4-FFF2-40B4-BE49-F238E27FC236}">
+                        <a16:creationId xmlns:a16="http://schemas.microsoft.com/office/drawing/2014/main" id="{7CDB9147-7FCF-4966-B978-C7F439D821DA}"/>
+                      </a:ext>
+                    </a:extLst>
+                  </p:cNvPr>
+                  <p:cNvSpPr/>
+                  <p:nvPr/>
+                </p:nvSpPr>
+                <p:spPr>
+                  <a:xfrm>
+                    <a:off x="3609488" y="2866879"/>
+                    <a:ext cx="1126836" cy="572654"/>
+                  </a:xfrm>
+                  <a:prstGeom prst="rect">
+                    <a:avLst/>
+                  </a:prstGeom>
+                  <a:noFill/>
+                  <a:ln w="38100">
+                    <a:solidFill>
+                      <a:schemeClr val="accent2"/>
+                    </a:solidFill>
+                  </a:ln>
+                </p:spPr>
+                <p:style>
+                  <a:lnRef idx="2">
+                    <a:schemeClr val="accent1">
+                      <a:shade val="50000"/>
+                    </a:schemeClr>
+                  </a:lnRef>
+                  <a:fillRef idx="1">
+                    <a:schemeClr val="accent1"/>
+                  </a:fillRef>
+                  <a:effectRef idx="0">
+                    <a:schemeClr val="accent1"/>
+                  </a:effectRef>
+                  <a:fontRef idx="minor">
+                    <a:schemeClr val="lt1"/>
+                  </a:fontRef>
+                </p:style>
+                <p:txBody>
+                  <a:bodyPr rtlCol="0" anchor="ctr"/>
+                  <a:lstStyle/>
+                  <a:p>
+                    <a:pPr algn="ctr"/>
+                    <a:r>
+                      <a:rPr lang="en-DE" sz="1600" dirty="0">
+                        <a:solidFill>
+                          <a:schemeClr val="tx1"/>
+                        </a:solidFill>
+                      </a:rPr>
+                      <a:t>Working directory</a:t>
+                    </a:r>
+                    <a:endParaRPr lang="en-US" sz="1600" dirty="0">
+                      <a:solidFill>
+                        <a:schemeClr val="tx1"/>
+                      </a:solidFill>
+                    </a:endParaRPr>
+                  </a:p>
+                </p:txBody>
+              </p:sp>
+              <p:sp>
+                <p:nvSpPr>
+                  <p:cNvPr id="5" name="Rectangle 4">
+                    <a:extLst>
+                      <a:ext uri="{FF2B5EF4-FFF2-40B4-BE49-F238E27FC236}">
+                        <a16:creationId xmlns:a16="http://schemas.microsoft.com/office/drawing/2014/main" id="{EA1D8C83-3D56-4B92-8354-BF77D6742C0F}"/>
+                      </a:ext>
+                    </a:extLst>
+                  </p:cNvPr>
+                  <p:cNvSpPr/>
+                  <p:nvPr/>
+                </p:nvSpPr>
+                <p:spPr>
+                  <a:xfrm>
+                    <a:off x="4888724" y="2866879"/>
+                    <a:ext cx="1126836" cy="572654"/>
+                  </a:xfrm>
+                  <a:prstGeom prst="rect">
+                    <a:avLst/>
+                  </a:prstGeom>
+                  <a:noFill/>
+                  <a:ln w="38100">
+                    <a:solidFill>
+                      <a:schemeClr val="accent5"/>
+                    </a:solidFill>
+                  </a:ln>
+                </p:spPr>
+                <p:style>
+                  <a:lnRef idx="2">
+                    <a:schemeClr val="accent1">
+                      <a:shade val="50000"/>
+                    </a:schemeClr>
+                  </a:lnRef>
+                  <a:fillRef idx="1">
+                    <a:schemeClr val="accent1"/>
+                  </a:fillRef>
+                  <a:effectRef idx="0">
+                    <a:schemeClr val="accent1"/>
+                  </a:effectRef>
+                  <a:fontRef idx="minor">
+                    <a:schemeClr val="lt1"/>
+                  </a:fontRef>
+                </p:style>
+                <p:txBody>
+                  <a:bodyPr rtlCol="0" anchor="ctr"/>
+                  <a:lstStyle/>
+                  <a:p>
+                    <a:pPr algn="ctr"/>
+                    <a:r>
+                      <a:rPr lang="en-DE" sz="1600" dirty="0">
+                        <a:solidFill>
+                          <a:schemeClr val="tx1"/>
+                        </a:solidFill>
+                      </a:rPr>
+                      <a:t>Staging area</a:t>
+                    </a:r>
+                    <a:endParaRPr lang="en-US" sz="1600" dirty="0">
+                      <a:solidFill>
+                        <a:schemeClr val="tx1"/>
+                      </a:solidFill>
+                    </a:endParaRPr>
+                  </a:p>
+                </p:txBody>
+              </p:sp>
+              <p:sp>
+                <p:nvSpPr>
+                  <p:cNvPr id="6" name="Rectangle 5">
+                    <a:extLst>
+                      <a:ext uri="{FF2B5EF4-FFF2-40B4-BE49-F238E27FC236}">
+                        <a16:creationId xmlns:a16="http://schemas.microsoft.com/office/drawing/2014/main" id="{C279F2C5-8D0F-444D-915B-CB5937A9FCB9}"/>
+                      </a:ext>
+                    </a:extLst>
+                  </p:cNvPr>
+                  <p:cNvSpPr/>
+                  <p:nvPr/>
+                </p:nvSpPr>
+                <p:spPr>
+                  <a:xfrm>
+                    <a:off x="6167960" y="2876115"/>
+                    <a:ext cx="1126836" cy="572654"/>
+                  </a:xfrm>
+                  <a:prstGeom prst="rect">
+                    <a:avLst/>
+                  </a:prstGeom>
+                  <a:noFill/>
+                  <a:ln w="38100">
+                    <a:solidFill>
+                      <a:schemeClr val="bg1">
+                        <a:lumMod val="75000"/>
+                      </a:schemeClr>
+                    </a:solidFill>
+                  </a:ln>
+                </p:spPr>
+                <p:style>
+                  <a:lnRef idx="2">
+                    <a:schemeClr val="accent1">
+                      <a:shade val="50000"/>
+                    </a:schemeClr>
+                  </a:lnRef>
+                  <a:fillRef idx="1">
+                    <a:schemeClr val="accent1"/>
+                  </a:fillRef>
+                  <a:effectRef idx="0">
+                    <a:schemeClr val="accent1"/>
+                  </a:effectRef>
+                  <a:fontRef idx="minor">
+                    <a:schemeClr val="lt1"/>
+                  </a:fontRef>
+                </p:style>
+                <p:txBody>
+                  <a:bodyPr rtlCol="0" anchor="ctr"/>
+                  <a:lstStyle/>
+                  <a:p>
+                    <a:pPr algn="ctr"/>
+                    <a:r>
+                      <a:rPr lang="en-DE" sz="1600" dirty="0">
+                        <a:solidFill>
+                          <a:schemeClr val="tx1"/>
+                        </a:solidFill>
+                      </a:rPr>
+                      <a:t>Local repository</a:t>
+                    </a:r>
+                    <a:endParaRPr lang="en-US" sz="1600" dirty="0">
+                      <a:solidFill>
+                        <a:schemeClr val="tx1"/>
+                      </a:solidFill>
+                    </a:endParaRPr>
+                  </a:p>
+                </p:txBody>
+              </p:sp>
+            </p:grpSp>
+          </p:grpSp>
+          <p:sp>
+            <p:nvSpPr>
+              <p:cNvPr id="19" name="Rectangle 18">
+                <a:extLst>
+                  <a:ext uri="{FF2B5EF4-FFF2-40B4-BE49-F238E27FC236}">
+                    <a16:creationId xmlns:a16="http://schemas.microsoft.com/office/drawing/2014/main" id="{16A3DA5B-0114-46CE-96BA-70E9FDCD1181}"/>
+                  </a:ext>
+                </a:extLst>
+              </p:cNvPr>
+              <p:cNvSpPr/>
+              <p:nvPr/>
+            </p:nvSpPr>
+            <p:spPr>
+              <a:xfrm>
+                <a:off x="7110935" y="1554423"/>
+                <a:ext cx="1126836" cy="572654"/>
+              </a:xfrm>
+              <a:prstGeom prst="rect">
+                <a:avLst/>
+              </a:prstGeom>
+              <a:noFill/>
+              <a:ln w="38100">
+                <a:solidFill>
+                  <a:schemeClr val="bg1">
+                    <a:lumMod val="50000"/>
+                  </a:schemeClr>
+                </a:solidFill>
+              </a:ln>
+            </p:spPr>
+            <p:style>
+              <a:lnRef idx="2">
+                <a:schemeClr val="accent1">
+                  <a:shade val="50000"/>
+                </a:schemeClr>
+              </a:lnRef>
+              <a:fillRef idx="1">
+                <a:schemeClr val="accent1"/>
+              </a:fillRef>
+              <a:effectRef idx="0">
+                <a:schemeClr val="accent1"/>
+              </a:effectRef>
+              <a:fontRef idx="minor">
+                <a:schemeClr val="lt1"/>
+              </a:fontRef>
+            </p:style>
+            <p:txBody>
+              <a:bodyPr rtlCol="0" anchor="ctr"/>
+              <a:lstStyle/>
+              <a:p>
+                <a:pPr algn="ctr"/>
+                <a:r>
+                  <a:rPr lang="en-GB" sz="1600" dirty="0">
+                    <a:solidFill>
+                      <a:schemeClr val="tx1"/>
+                    </a:solidFill>
+                  </a:rPr>
+                  <a:t>Remote</a:t>
+                </a:r>
+                <a:r>
+                  <a:rPr lang="en-DE" sz="1600" dirty="0">
+                    <a:solidFill>
+                      <a:schemeClr val="tx1"/>
+                    </a:solidFill>
+                  </a:rPr>
+                  <a:t> repository</a:t>
+                </a:r>
+                <a:endParaRPr lang="en-US" sz="1600" dirty="0">
                   <a:solidFill>
                     <a:schemeClr val="tx1"/>
                   </a:solidFill>
-                </a:ln>
-              </p:spPr>
-              <p:style>
-                <a:lnRef idx="2">
-                  <a:schemeClr val="accent1">
-                    <a:shade val="50000"/>
-                  </a:schemeClr>
-                </a:lnRef>
-                <a:fillRef idx="1">
-                  <a:schemeClr val="accent1"/>
-                </a:fillRef>
-                <a:effectRef idx="0">
-                  <a:schemeClr val="accent1"/>
-                </a:effectRef>
-                <a:fontRef idx="minor">
-                  <a:schemeClr val="lt1"/>
-                </a:fontRef>
-              </p:style>
-              <p:txBody>
-                <a:bodyPr rtlCol="0" anchor="ctr"/>
-                <a:lstStyle/>
-                <a:p>
-                  <a:pPr algn="ctr"/>
-                  <a:endParaRPr lang="en-US"/>
-                </a:p>
-              </p:txBody>
-            </p:sp>
-            <p:sp>
-              <p:nvSpPr>
-                <p:cNvPr id="3" name="TextBox 2">
-                  <a:extLst>
-                    <a:ext uri="{FF2B5EF4-FFF2-40B4-BE49-F238E27FC236}">
-                      <a16:creationId xmlns:a16="http://schemas.microsoft.com/office/drawing/2014/main" id="{581F5697-4059-416C-B301-6B4A57D8DC58}"/>
-                    </a:ext>
-                  </a:extLst>
-                </p:cNvPr>
-                <p:cNvSpPr txBox="1"/>
-                <p:nvPr/>
-              </p:nvSpPr>
-              <p:spPr>
-                <a:xfrm>
-                  <a:off x="3233236" y="3865695"/>
-                  <a:ext cx="1864100" cy="276999"/>
-                </a:xfrm>
-                <a:prstGeom prst="rect">
-                  <a:avLst/>
-                </a:prstGeom>
-                <a:noFill/>
-              </p:spPr>
-              <p:txBody>
-                <a:bodyPr wrap="none" rtlCol="0">
-                  <a:spAutoFit/>
-                </a:bodyPr>
-                <a:lstStyle/>
-                <a:p>
-                  <a:r>
-                    <a:rPr lang="en-DE" sz="1200" dirty="0"/>
-                    <a:t>Development environment</a:t>
-                  </a:r>
-                  <a:endParaRPr lang="en-US" sz="1200" dirty="0"/>
-                </a:p>
-              </p:txBody>
-            </p:sp>
-            <p:sp>
-              <p:nvSpPr>
-                <p:cNvPr id="4" name="Rectangle 3">
-                  <a:extLst>
-                    <a:ext uri="{FF2B5EF4-FFF2-40B4-BE49-F238E27FC236}">
-                      <a16:creationId xmlns:a16="http://schemas.microsoft.com/office/drawing/2014/main" id="{7CDB9147-7FCF-4966-B978-C7F439D821DA}"/>
-                    </a:ext>
-                  </a:extLst>
-                </p:cNvPr>
-                <p:cNvSpPr/>
-                <p:nvPr/>
-              </p:nvSpPr>
-              <p:spPr>
-                <a:xfrm>
-                  <a:off x="3609488" y="2866879"/>
-                  <a:ext cx="1126836" cy="572654"/>
-                </a:xfrm>
-                <a:prstGeom prst="rect">
-                  <a:avLst/>
-                </a:prstGeom>
-                <a:noFill/>
-                <a:ln w="38100">
-                  <a:solidFill>
-                    <a:schemeClr val="accent2"/>
-                  </a:solidFill>
-                </a:ln>
-              </p:spPr>
-              <p:style>
-                <a:lnRef idx="2">
-                  <a:schemeClr val="accent1">
-                    <a:shade val="50000"/>
-                  </a:schemeClr>
-                </a:lnRef>
-                <a:fillRef idx="1">
-                  <a:schemeClr val="accent1"/>
-                </a:fillRef>
-                <a:effectRef idx="0">
-                  <a:schemeClr val="accent1"/>
-                </a:effectRef>
-                <a:fontRef idx="minor">
-                  <a:schemeClr val="lt1"/>
-                </a:fontRef>
-              </p:style>
-              <p:txBody>
-                <a:bodyPr rtlCol="0" anchor="ctr"/>
-                <a:lstStyle/>
-                <a:p>
-                  <a:pPr algn="ctr"/>
-                  <a:r>
-                    <a:rPr lang="en-DE" sz="1600" dirty="0">
-                      <a:solidFill>
-                        <a:schemeClr val="tx1"/>
-                      </a:solidFill>
-                    </a:rPr>
-                    <a:t>Working directory</a:t>
-                  </a:r>
-                  <a:endParaRPr lang="en-US" sz="1600" dirty="0">
-                    <a:solidFill>
-                      <a:schemeClr val="tx1"/>
-                    </a:solidFill>
-                  </a:endParaRPr>
-                </a:p>
-              </p:txBody>
-            </p:sp>
-            <p:sp>
-              <p:nvSpPr>
-                <p:cNvPr id="5" name="Rectangle 4">
-                  <a:extLst>
-                    <a:ext uri="{FF2B5EF4-FFF2-40B4-BE49-F238E27FC236}">
-                      <a16:creationId xmlns:a16="http://schemas.microsoft.com/office/drawing/2014/main" id="{EA1D8C83-3D56-4B92-8354-BF77D6742C0F}"/>
-                    </a:ext>
-                  </a:extLst>
-                </p:cNvPr>
-                <p:cNvSpPr/>
-                <p:nvPr/>
-              </p:nvSpPr>
-              <p:spPr>
-                <a:xfrm>
-                  <a:off x="4888724" y="2866879"/>
-                  <a:ext cx="1126836" cy="572654"/>
-                </a:xfrm>
-                <a:prstGeom prst="rect">
-                  <a:avLst/>
-                </a:prstGeom>
-                <a:noFill/>
-                <a:ln w="38100">
-                  <a:solidFill>
-                    <a:schemeClr val="accent5"/>
-                  </a:solidFill>
-                </a:ln>
-              </p:spPr>
-              <p:style>
-                <a:lnRef idx="2">
-                  <a:schemeClr val="accent1">
-                    <a:shade val="50000"/>
-                  </a:schemeClr>
-                </a:lnRef>
-                <a:fillRef idx="1">
-                  <a:schemeClr val="accent1"/>
-                </a:fillRef>
-                <a:effectRef idx="0">
-                  <a:schemeClr val="accent1"/>
-                </a:effectRef>
-                <a:fontRef idx="minor">
-                  <a:schemeClr val="lt1"/>
-                </a:fontRef>
-              </p:style>
-              <p:txBody>
-                <a:bodyPr rtlCol="0" anchor="ctr"/>
-                <a:lstStyle/>
-                <a:p>
-                  <a:pPr algn="ctr"/>
-                  <a:r>
-                    <a:rPr lang="en-DE" sz="1600" dirty="0">
-                      <a:solidFill>
-                        <a:schemeClr val="tx1"/>
-                      </a:solidFill>
-                    </a:rPr>
-                    <a:t>Staging area</a:t>
-                  </a:r>
-                  <a:endParaRPr lang="en-US" sz="1600" dirty="0">
-                    <a:solidFill>
-                      <a:schemeClr val="tx1"/>
-                    </a:solidFill>
-                  </a:endParaRPr>
-                </a:p>
-              </p:txBody>
-            </p:sp>
-            <p:sp>
-              <p:nvSpPr>
-                <p:cNvPr id="6" name="Rectangle 5">
-                  <a:extLst>
-                    <a:ext uri="{FF2B5EF4-FFF2-40B4-BE49-F238E27FC236}">
-                      <a16:creationId xmlns:a16="http://schemas.microsoft.com/office/drawing/2014/main" id="{C279F2C5-8D0F-444D-915B-CB5937A9FCB9}"/>
-                    </a:ext>
-                  </a:extLst>
-                </p:cNvPr>
-                <p:cNvSpPr/>
-                <p:nvPr/>
-              </p:nvSpPr>
-              <p:spPr>
-                <a:xfrm>
-                  <a:off x="6167960" y="2876115"/>
-                  <a:ext cx="1126836" cy="572654"/>
-                </a:xfrm>
-                <a:prstGeom prst="rect">
-                  <a:avLst/>
-                </a:prstGeom>
-                <a:noFill/>
-                <a:ln w="38100">
-                  <a:solidFill>
-                    <a:schemeClr val="bg1">
-                      <a:lumMod val="75000"/>
-                    </a:schemeClr>
-                  </a:solidFill>
-                </a:ln>
-              </p:spPr>
-              <p:style>
-                <a:lnRef idx="2">
-                  <a:schemeClr val="accent1">
-                    <a:shade val="50000"/>
-                  </a:schemeClr>
-                </a:lnRef>
-                <a:fillRef idx="1">
-                  <a:schemeClr val="accent1"/>
-                </a:fillRef>
-                <a:effectRef idx="0">
-                  <a:schemeClr val="accent1"/>
-                </a:effectRef>
-                <a:fontRef idx="minor">
-                  <a:schemeClr val="lt1"/>
-                </a:fontRef>
-              </p:style>
-              <p:txBody>
-                <a:bodyPr rtlCol="0" anchor="ctr"/>
-                <a:lstStyle/>
-                <a:p>
-                  <a:pPr algn="ctr"/>
-                  <a:r>
-                    <a:rPr lang="en-DE" sz="1600" dirty="0">
-                      <a:solidFill>
-                        <a:schemeClr val="tx1"/>
-                      </a:solidFill>
-                    </a:rPr>
-                    <a:t>Local repository</a:t>
-                  </a:r>
-                  <a:endParaRPr lang="en-US" sz="1600" dirty="0">
-                    <a:solidFill>
-                      <a:schemeClr val="tx1"/>
-                    </a:solidFill>
-                  </a:endParaRPr>
-                </a:p>
-              </p:txBody>
-            </p:sp>
-          </p:grpSp>
+                </a:endParaRPr>
+              </a:p>
+            </p:txBody>
+          </p:sp>
         </p:grpSp>
         <p:sp>
           <p:nvSpPr>
-            <p:cNvPr id="19" name="Rectangle 18">
+            <p:cNvPr id="16" name="TextBox 15">
               <a:extLst>
                 <a:ext uri="{FF2B5EF4-FFF2-40B4-BE49-F238E27FC236}">
-                  <a16:creationId xmlns:a16="http://schemas.microsoft.com/office/drawing/2014/main" id="{16A3DA5B-0114-46CE-96BA-70E9FDCD1181}"/>
+                  <a16:creationId xmlns:a16="http://schemas.microsoft.com/office/drawing/2014/main" id="{6318D3D3-23AD-424E-8F9E-2F1D432B8571}"/>
                 </a:ext>
               </a:extLst>
             </p:cNvPr>
-            <p:cNvSpPr/>
+            <p:cNvSpPr txBox="1"/>
             <p:nvPr/>
           </p:nvSpPr>
           <p:spPr>
             <a:xfrm>
-              <a:off x="7110935" y="1554423"/>
-              <a:ext cx="1126836" cy="572654"/>
+              <a:off x="5147737" y="1579770"/>
+              <a:ext cx="1907971" cy="523220"/>
             </a:xfrm>
             <a:prstGeom prst="rect">
               <a:avLst/>
             </a:prstGeom>
-            <a:noFill/>
-            <a:ln w="38100">
-              <a:solidFill>
-                <a:schemeClr val="bg1">
-                  <a:lumMod val="50000"/>
-                </a:schemeClr>
-              </a:solidFill>
-            </a:ln>
+            <a:solidFill>
+              <a:schemeClr val="bg1">
+                <a:lumMod val="95000"/>
+              </a:schemeClr>
+            </a:solidFill>
           </p:spPr>
-          <p:style>
-            <a:lnRef idx="2">
-              <a:schemeClr val="accent1">
-                <a:shade val="50000"/>
-              </a:schemeClr>
-            </a:lnRef>
-            <a:fillRef idx="1">
-              <a:schemeClr val="accent1"/>
-            </a:fillRef>
-            <a:effectRef idx="0">
-              <a:schemeClr val="accent1"/>
-            </a:effectRef>
-            <a:fontRef idx="minor">
-              <a:schemeClr val="lt1"/>
-            </a:fontRef>
-          </p:style>
           <p:txBody>
-            <a:bodyPr rtlCol="0" anchor="ctr"/>
+            <a:bodyPr wrap="square" rtlCol="0">
+              <a:spAutoFit/>
+            </a:bodyPr>
             <a:lstStyle/>
             <a:p>
               <a:pPr algn="ctr"/>
               <a:r>
-                <a:rPr lang="en-GB" sz="1600" dirty="0">
-                  <a:solidFill>
-                    <a:schemeClr val="tx1"/>
-                  </a:solidFill>
+                <a:rPr lang="de-DE" sz="1400" dirty="0">
+                  <a:latin typeface="Consolas" panose="020B0609020204030204" pitchFamily="49" charset="0"/>
                 </a:rPr>
-                <a:t>Remote</a:t>
+                <a:t>&lt;</a:t>
               </a:r>
               <a:r>
-                <a:rPr lang="en-DE" sz="1600" dirty="0">
-                  <a:solidFill>
-                    <a:schemeClr val="tx1"/>
-                  </a:solidFill>
+                <a:rPr lang="de-DE" sz="1400" dirty="0" err="1">
+                  <a:latin typeface="Consolas" panose="020B0609020204030204" pitchFamily="49" charset="0"/>
                 </a:rPr>
-                <a:t> repository</a:t>
+                <a:t>remote_name</a:t>
               </a:r>
-              <a:endParaRPr lang="en-US" sz="1600" dirty="0">
-                <a:solidFill>
-                  <a:schemeClr val="tx1"/>
-                </a:solidFill>
+              <a:r>
+                <a:rPr lang="de-DE" sz="1400" dirty="0">
+                  <a:latin typeface="Consolas" panose="020B0609020204030204" pitchFamily="49" charset="0"/>
+                </a:rPr>
+                <a:t>&gt;</a:t>
+              </a:r>
+            </a:p>
+            <a:p>
+              <a:pPr algn="ctr"/>
+              <a:r>
+                <a:rPr lang="de-DE" sz="1400" dirty="0">
+                  <a:latin typeface="Consolas" panose="020B0609020204030204" pitchFamily="49" charset="0"/>
+                </a:rPr>
+                <a:t>&lt;</a:t>
+              </a:r>
+              <a:r>
+                <a:rPr lang="de-DE" sz="1400" dirty="0" err="1">
+                  <a:latin typeface="Consolas" panose="020B0609020204030204" pitchFamily="49" charset="0"/>
+                </a:rPr>
+                <a:t>remote_address</a:t>
+              </a:r>
+              <a:r>
+                <a:rPr lang="de-DE" sz="1400" dirty="0">
+                  <a:latin typeface="Consolas" panose="020B0609020204030204" pitchFamily="49" charset="0"/>
+                </a:rPr>
+                <a:t>&gt;</a:t>
+              </a:r>
+              <a:endParaRPr lang="en-GB" sz="1400" dirty="0">
+                <a:latin typeface="Consolas" panose="020B0609020204030204" pitchFamily="49" charset="0"/>
               </a:endParaRPr>
             </a:p>
           </p:txBody>
@@ -10862,4 +13401,299 @@
     </a:ext>
   </a:extLst>
 </a:theme>
+</file>
+
+<file path=ppt/theme/theme2.xml><?xml version="1.0" encoding="utf-8"?>
+<a:theme xmlns:a="http://schemas.openxmlformats.org/drawingml/2006/main" name="Office Theme">
+  <a:themeElements>
+    <a:clrScheme name="Office">
+      <a:dk1>
+        <a:sysClr val="windowText" lastClr="000000"/>
+      </a:dk1>
+      <a:lt1>
+        <a:sysClr val="window" lastClr="FFFFFF"/>
+      </a:lt1>
+      <a:dk2>
+        <a:srgbClr val="44546A"/>
+      </a:dk2>
+      <a:lt2>
+        <a:srgbClr val="E7E6E6"/>
+      </a:lt2>
+      <a:accent1>
+        <a:srgbClr val="4472C4"/>
+      </a:accent1>
+      <a:accent2>
+        <a:srgbClr val="ED7D31"/>
+      </a:accent2>
+      <a:accent3>
+        <a:srgbClr val="A5A5A5"/>
+      </a:accent3>
+      <a:accent4>
+        <a:srgbClr val="FFC000"/>
+      </a:accent4>
+      <a:accent5>
+        <a:srgbClr val="5B9BD5"/>
+      </a:accent5>
+      <a:accent6>
+        <a:srgbClr val="70AD47"/>
+      </a:accent6>
+      <a:hlink>
+        <a:srgbClr val="0563C1"/>
+      </a:hlink>
+      <a:folHlink>
+        <a:srgbClr val="954F72"/>
+      </a:folHlink>
+    </a:clrScheme>
+    <a:fontScheme name="Office">
+      <a:majorFont>
+        <a:latin typeface="Calibri Light" panose="020F0302020204030204"/>
+        <a:ea typeface=""/>
+        <a:cs typeface=""/>
+        <a:font script="Jpan" typeface="游ゴシック Light"/>
+        <a:font script="Hang" typeface="맑은 고딕"/>
+        <a:font script="Hans" typeface="等线 Light"/>
+        <a:font script="Hant" typeface="新細明體"/>
+        <a:font script="Arab" typeface="Times New Roman"/>
+        <a:font script="Hebr" typeface="Times New Roman"/>
+        <a:font script="Thai" typeface="Angsana New"/>
+        <a:font script="Ethi" typeface="Nyala"/>
+        <a:font script="Beng" typeface="Vrinda"/>
+        <a:font script="Gujr" typeface="Shruti"/>
+        <a:font script="Khmr" typeface="MoolBoran"/>
+        <a:font script="Knda" typeface="Tunga"/>
+        <a:font script="Guru" typeface="Raavi"/>
+        <a:font script="Cans" typeface="Euphemia"/>
+        <a:font script="Cher" typeface="Plantagenet Cherokee"/>
+        <a:font script="Yiii" typeface="Microsoft Yi Baiti"/>
+        <a:font script="Tibt" typeface="Microsoft Himalaya"/>
+        <a:font script="Thaa" typeface="MV Boli"/>
+        <a:font script="Deva" typeface="Mangal"/>
+        <a:font script="Telu" typeface="Gautami"/>
+        <a:font script="Taml" typeface="Latha"/>
+        <a:font script="Syrc" typeface="Estrangelo Edessa"/>
+        <a:font script="Orya" typeface="Kalinga"/>
+        <a:font script="Mlym" typeface="Kartika"/>
+        <a:font script="Laoo" typeface="DokChampa"/>
+        <a:font script="Sinh" typeface="Iskoola Pota"/>
+        <a:font script="Mong" typeface="Mongolian Baiti"/>
+        <a:font script="Viet" typeface="Times New Roman"/>
+        <a:font script="Uigh" typeface="Microsoft Uighur"/>
+        <a:font script="Geor" typeface="Sylfaen"/>
+        <a:font script="Armn" typeface="Arial"/>
+        <a:font script="Bugi" typeface="Leelawadee UI"/>
+        <a:font script="Bopo" typeface="Microsoft JhengHei"/>
+        <a:font script="Java" typeface="Javanese Text"/>
+        <a:font script="Lisu" typeface="Segoe UI"/>
+        <a:font script="Mymr" typeface="Myanmar Text"/>
+        <a:font script="Nkoo" typeface="Ebrima"/>
+        <a:font script="Olck" typeface="Nirmala UI"/>
+        <a:font script="Osma" typeface="Ebrima"/>
+        <a:font script="Phag" typeface="Phagspa"/>
+        <a:font script="Syrn" typeface="Estrangelo Edessa"/>
+        <a:font script="Syrj" typeface="Estrangelo Edessa"/>
+        <a:font script="Syre" typeface="Estrangelo Edessa"/>
+        <a:font script="Sora" typeface="Nirmala UI"/>
+        <a:font script="Tale" typeface="Microsoft Tai Le"/>
+        <a:font script="Talu" typeface="Microsoft New Tai Lue"/>
+        <a:font script="Tfng" typeface="Ebrima"/>
+      </a:majorFont>
+      <a:minorFont>
+        <a:latin typeface="Calibri" panose="020F0502020204030204"/>
+        <a:ea typeface=""/>
+        <a:cs typeface=""/>
+        <a:font script="Jpan" typeface="游ゴシック"/>
+        <a:font script="Hang" typeface="맑은 고딕"/>
+        <a:font script="Hans" typeface="等线"/>
+        <a:font script="Hant" typeface="新細明體"/>
+        <a:font script="Arab" typeface="Arial"/>
+        <a:font script="Hebr" typeface="Arial"/>
+        <a:font script="Thai" typeface="Cordia New"/>
+        <a:font script="Ethi" typeface="Nyala"/>
+        <a:font script="Beng" typeface="Vrinda"/>
+        <a:font script="Gujr" typeface="Shruti"/>
+        <a:font script="Khmr" typeface="DaunPenh"/>
+        <a:font script="Knda" typeface="Tunga"/>
+        <a:font script="Guru" typeface="Raavi"/>
+        <a:font script="Cans" typeface="Euphemia"/>
+        <a:font script="Cher" typeface="Plantagenet Cherokee"/>
+        <a:font script="Yiii" typeface="Microsoft Yi Baiti"/>
+        <a:font script="Tibt" typeface="Microsoft Himalaya"/>
+        <a:font script="Thaa" typeface="MV Boli"/>
+        <a:font script="Deva" typeface="Mangal"/>
+        <a:font script="Telu" typeface="Gautami"/>
+        <a:font script="Taml" typeface="Latha"/>
+        <a:font script="Syrc" typeface="Estrangelo Edessa"/>
+        <a:font script="Orya" typeface="Kalinga"/>
+        <a:font script="Mlym" typeface="Kartika"/>
+        <a:font script="Laoo" typeface="DokChampa"/>
+        <a:font script="Sinh" typeface="Iskoola Pota"/>
+        <a:font script="Mong" typeface="Mongolian Baiti"/>
+        <a:font script="Viet" typeface="Arial"/>
+        <a:font script="Uigh" typeface="Microsoft Uighur"/>
+        <a:font script="Geor" typeface="Sylfaen"/>
+        <a:font script="Armn" typeface="Arial"/>
+        <a:font script="Bugi" typeface="Leelawadee UI"/>
+        <a:font script="Bopo" typeface="Microsoft JhengHei"/>
+        <a:font script="Java" typeface="Javanese Text"/>
+        <a:font script="Lisu" typeface="Segoe UI"/>
+        <a:font script="Mymr" typeface="Myanmar Text"/>
+        <a:font script="Nkoo" typeface="Ebrima"/>
+        <a:font script="Olck" typeface="Nirmala UI"/>
+        <a:font script="Osma" typeface="Ebrima"/>
+        <a:font script="Phag" typeface="Phagspa"/>
+        <a:font script="Syrn" typeface="Estrangelo Edessa"/>
+        <a:font script="Syrj" typeface="Estrangelo Edessa"/>
+        <a:font script="Syre" typeface="Estrangelo Edessa"/>
+        <a:font script="Sora" typeface="Nirmala UI"/>
+        <a:font script="Tale" typeface="Microsoft Tai Le"/>
+        <a:font script="Talu" typeface="Microsoft New Tai Lue"/>
+        <a:font script="Tfng" typeface="Ebrima"/>
+      </a:minorFont>
+    </a:fontScheme>
+    <a:fmtScheme name="Office">
+      <a:fillStyleLst>
+        <a:solidFill>
+          <a:schemeClr val="phClr"/>
+        </a:solidFill>
+        <a:gradFill rotWithShape="1">
+          <a:gsLst>
+            <a:gs pos="0">
+              <a:schemeClr val="phClr">
+                <a:lumMod val="110000"/>
+                <a:satMod val="105000"/>
+                <a:tint val="67000"/>
+              </a:schemeClr>
+            </a:gs>
+            <a:gs pos="50000">
+              <a:schemeClr val="phClr">
+                <a:lumMod val="105000"/>
+                <a:satMod val="103000"/>
+                <a:tint val="73000"/>
+              </a:schemeClr>
+            </a:gs>
+            <a:gs pos="100000">
+              <a:schemeClr val="phClr">
+                <a:lumMod val="105000"/>
+                <a:satMod val="109000"/>
+                <a:tint val="81000"/>
+              </a:schemeClr>
+            </a:gs>
+          </a:gsLst>
+          <a:lin ang="5400000" scaled="0"/>
+        </a:gradFill>
+        <a:gradFill rotWithShape="1">
+          <a:gsLst>
+            <a:gs pos="0">
+              <a:schemeClr val="phClr">
+                <a:satMod val="103000"/>
+                <a:lumMod val="102000"/>
+                <a:tint val="94000"/>
+              </a:schemeClr>
+            </a:gs>
+            <a:gs pos="50000">
+              <a:schemeClr val="phClr">
+                <a:satMod val="110000"/>
+                <a:lumMod val="100000"/>
+                <a:shade val="100000"/>
+              </a:schemeClr>
+            </a:gs>
+            <a:gs pos="100000">
+              <a:schemeClr val="phClr">
+                <a:lumMod val="99000"/>
+                <a:satMod val="120000"/>
+                <a:shade val="78000"/>
+              </a:schemeClr>
+            </a:gs>
+          </a:gsLst>
+          <a:lin ang="5400000" scaled="0"/>
+        </a:gradFill>
+      </a:fillStyleLst>
+      <a:lnStyleLst>
+        <a:ln w="6350" cap="flat" cmpd="sng" algn="ctr">
+          <a:solidFill>
+            <a:schemeClr val="phClr"/>
+          </a:solidFill>
+          <a:prstDash val="solid"/>
+          <a:miter lim="800000"/>
+        </a:ln>
+        <a:ln w="12700" cap="flat" cmpd="sng" algn="ctr">
+          <a:solidFill>
+            <a:schemeClr val="phClr"/>
+          </a:solidFill>
+          <a:prstDash val="solid"/>
+          <a:miter lim="800000"/>
+        </a:ln>
+        <a:ln w="19050" cap="flat" cmpd="sng" algn="ctr">
+          <a:solidFill>
+            <a:schemeClr val="phClr"/>
+          </a:solidFill>
+          <a:prstDash val="solid"/>
+          <a:miter lim="800000"/>
+        </a:ln>
+      </a:lnStyleLst>
+      <a:effectStyleLst>
+        <a:effectStyle>
+          <a:effectLst/>
+        </a:effectStyle>
+        <a:effectStyle>
+          <a:effectLst/>
+        </a:effectStyle>
+        <a:effectStyle>
+          <a:effectLst>
+            <a:outerShdw blurRad="57150" dist="19050" dir="5400000" algn="ctr" rotWithShape="0">
+              <a:srgbClr val="000000">
+                <a:alpha val="63000"/>
+              </a:srgbClr>
+            </a:outerShdw>
+          </a:effectLst>
+        </a:effectStyle>
+      </a:effectStyleLst>
+      <a:bgFillStyleLst>
+        <a:solidFill>
+          <a:schemeClr val="phClr"/>
+        </a:solidFill>
+        <a:solidFill>
+          <a:schemeClr val="phClr">
+            <a:tint val="95000"/>
+            <a:satMod val="170000"/>
+          </a:schemeClr>
+        </a:solidFill>
+        <a:gradFill rotWithShape="1">
+          <a:gsLst>
+            <a:gs pos="0">
+              <a:schemeClr val="phClr">
+                <a:tint val="93000"/>
+                <a:satMod val="150000"/>
+                <a:shade val="98000"/>
+                <a:lumMod val="102000"/>
+              </a:schemeClr>
+            </a:gs>
+            <a:gs pos="50000">
+              <a:schemeClr val="phClr">
+                <a:tint val="98000"/>
+                <a:satMod val="130000"/>
+                <a:shade val="90000"/>
+                <a:lumMod val="103000"/>
+              </a:schemeClr>
+            </a:gs>
+            <a:gs pos="100000">
+              <a:schemeClr val="phClr">
+                <a:shade val="63000"/>
+                <a:satMod val="120000"/>
+              </a:schemeClr>
+            </a:gs>
+          </a:gsLst>
+          <a:lin ang="5400000" scaled="0"/>
+        </a:gradFill>
+      </a:bgFillStyleLst>
+    </a:fmtScheme>
+  </a:themeElements>
+  <a:objectDefaults/>
+  <a:extraClrSchemeLst/>
+  <a:extLst>
+    <a:ext uri="{05A4C25C-085E-4340-85A3-A5531E510DB2}">
+      <thm15:themeFamily xmlns:thm15="http://schemas.microsoft.com/office/thememl/2012/main" name="Office Theme" id="{62F939B6-93AF-4DB8-9C6B-D6C7DFDC589F}" vid="{4A3C46E8-61CC-4603-A589-7422A47A8E4A}"/>
+    </a:ext>
+  </a:extLst>
+</a:theme>
 </file>
--- a/slides/img/images.pptx
+++ b/slides/img/images.pptx
@@ -5,7 +5,7 @@
     <p:sldMasterId id="2147483648" r:id="rId1"/>
   </p:sldMasterIdLst>
   <p:notesMasterIdLst>
-    <p:notesMasterId r:id="rId17"/>
+    <p:notesMasterId r:id="rId25"/>
   </p:notesMasterIdLst>
   <p:sldIdLst>
     <p:sldId id="256" r:id="rId2"/>
@@ -23,6 +23,14 @@
     <p:sldId id="271" r:id="rId14"/>
     <p:sldId id="272" r:id="rId15"/>
     <p:sldId id="273" r:id="rId16"/>
+    <p:sldId id="274" r:id="rId17"/>
+    <p:sldId id="275" r:id="rId18"/>
+    <p:sldId id="276" r:id="rId19"/>
+    <p:sldId id="277" r:id="rId20"/>
+    <p:sldId id="278" r:id="rId21"/>
+    <p:sldId id="279" r:id="rId22"/>
+    <p:sldId id="280" r:id="rId23"/>
+    <p:sldId id="281" r:id="rId24"/>
   </p:sldIdLst>
   <p:sldSz cx="12192000" cy="6858000"/>
   <p:notesSz cx="6858000" cy="9144000"/>
@@ -165,6 +173,30 @@
             <p14:sldId id="271"/>
             <p14:sldId id="272"/>
             <p14:sldId id="273"/>
+          </p14:sldIdLst>
+        </p14:section>
+        <p14:section name="git branch" id="{D4B73BCA-A021-46BF-9A51-B09CD2FA2F79}">
+          <p14:sldIdLst>
+            <p14:sldId id="274"/>
+            <p14:sldId id="275"/>
+          </p14:sldIdLst>
+        </p14:section>
+        <p14:section name="git checkout" id="{D5FA52F3-AE88-45F1-B074-70F9393FEA3E}">
+          <p14:sldIdLst>
+            <p14:sldId id="276"/>
+            <p14:sldId id="277"/>
+          </p14:sldIdLst>
+        </p14:section>
+        <p14:section name="merging" id="{69E3DB46-DB4F-4E05-AB1C-B66239A992F5}">
+          <p14:sldIdLst>
+            <p14:sldId id="278"/>
+            <p14:sldId id="279"/>
+          </p14:sldIdLst>
+        </p14:section>
+        <p14:section name="git fetch" id="{561A8E72-7FE0-46EA-A938-59D64BA47A56}">
+          <p14:sldIdLst>
+            <p14:sldId id="280"/>
+            <p14:sldId id="281"/>
           </p14:sldIdLst>
         </p14:section>
       </p14:sectionLst>
@@ -7380,800 +7412,4587 @@
           <a:chExt cx="0" cy="0"/>
         </a:xfrm>
       </p:grpSpPr>
-      <p:pic>
-        <p:nvPicPr>
-          <p:cNvPr id="2" name="Picture 1">
+      <p:grpSp>
+        <p:nvGrpSpPr>
+          <p:cNvPr id="34" name="Group 33">
             <a:extLst>
               <a:ext uri="{FF2B5EF4-FFF2-40B4-BE49-F238E27FC236}">
-                <a16:creationId xmlns:a16="http://schemas.microsoft.com/office/drawing/2014/main" id="{EB763BD7-236E-4BF3-8514-D90A97BCA4AE}"/>
+                <a16:creationId xmlns:a16="http://schemas.microsoft.com/office/drawing/2014/main" id="{F5136515-864B-4F64-A6CB-F1CFA631B2EB}"/>
               </a:ext>
             </a:extLst>
           </p:cNvPr>
-          <p:cNvPicPr>
-            <a:picLocks noChangeAspect="1"/>
-          </p:cNvPicPr>
+          <p:cNvGrpSpPr/>
           <p:nvPr/>
-        </p:nvPicPr>
-        <p:blipFill>
-          <a:blip r:embed="rId2"/>
-          <a:stretch>
-            <a:fillRect/>
-          </a:stretch>
-        </p:blipFill>
-        <p:spPr>
+        </p:nvGrpSpPr>
+        <p:grpSpPr>
           <a:xfrm>
-            <a:off x="3606198" y="2009337"/>
-            <a:ext cx="4979603" cy="3419914"/>
+            <a:off x="1824038" y="1545570"/>
+            <a:ext cx="8639174" cy="3883681"/>
+            <a:chOff x="1824038" y="1545570"/>
+            <a:chExt cx="8639174" cy="3883681"/>
           </a:xfrm>
-          <a:prstGeom prst="rect">
-            <a:avLst/>
-          </a:prstGeom>
-        </p:spPr>
-      </p:pic>
-      <p:sp>
-        <p:nvSpPr>
-          <p:cNvPr id="4" name="TextBox 3">
-            <a:extLst>
-              <a:ext uri="{FF2B5EF4-FFF2-40B4-BE49-F238E27FC236}">
-                <a16:creationId xmlns:a16="http://schemas.microsoft.com/office/drawing/2014/main" id="{FBE78511-966E-43AD-920B-04B4401E896A}"/>
-              </a:ext>
-            </a:extLst>
-          </p:cNvPr>
-          <p:cNvSpPr txBox="1"/>
-          <p:nvPr/>
-        </p:nvSpPr>
-        <p:spPr>
-          <a:xfrm>
-            <a:off x="2596055" y="2147888"/>
-            <a:ext cx="923925" cy="276999"/>
-          </a:xfrm>
-          <a:prstGeom prst="rect">
-            <a:avLst/>
-          </a:prstGeom>
-          <a:noFill/>
-        </p:spPr>
-        <p:txBody>
-          <a:bodyPr wrap="square" rtlCol="0">
-            <a:spAutoFit/>
-          </a:bodyPr>
-          <a:lstStyle/>
-          <a:p>
-            <a:r>
-              <a:rPr lang="de-DE" sz="1200" dirty="0"/>
-              <a:t>switch </a:t>
-            </a:r>
-            <a:r>
-              <a:rPr lang="de-DE" sz="1200" dirty="0" err="1"/>
-              <a:t>repo</a:t>
-            </a:r>
-            <a:endParaRPr lang="en-GB" sz="1200" dirty="0"/>
-          </a:p>
-        </p:txBody>
-      </p:sp>
-      <p:sp>
-        <p:nvSpPr>
-          <p:cNvPr id="6" name="TextBox 5">
-            <a:extLst>
-              <a:ext uri="{FF2B5EF4-FFF2-40B4-BE49-F238E27FC236}">
-                <a16:creationId xmlns:a16="http://schemas.microsoft.com/office/drawing/2014/main" id="{08FD5602-B321-4671-A77E-229592FFF9B3}"/>
-              </a:ext>
-            </a:extLst>
-          </p:cNvPr>
-          <p:cNvSpPr txBox="1"/>
-          <p:nvPr/>
-        </p:nvSpPr>
-        <p:spPr>
-          <a:xfrm>
-            <a:off x="5292123" y="1545570"/>
-            <a:ext cx="1194400" cy="461665"/>
-          </a:xfrm>
-          <a:prstGeom prst="rect">
-            <a:avLst/>
-          </a:prstGeom>
-          <a:noFill/>
-        </p:spPr>
-        <p:txBody>
-          <a:bodyPr wrap="square" rtlCol="0">
-            <a:spAutoFit/>
-          </a:bodyPr>
-          <a:lstStyle/>
-          <a:p>
-            <a:r>
-              <a:rPr lang="de-DE" sz="1200" dirty="0"/>
-              <a:t>switch </a:t>
-            </a:r>
-            <a:r>
-              <a:rPr lang="de-DE" sz="1200" dirty="0" err="1"/>
-              <a:t>branch</a:t>
-            </a:r>
-            <a:endParaRPr lang="de-DE" sz="1200" dirty="0"/>
-          </a:p>
-          <a:p>
-            <a:r>
-              <a:rPr lang="de-DE" sz="1200" dirty="0" err="1">
+        </p:grpSpPr>
+        <p:pic>
+          <p:nvPicPr>
+            <p:cNvPr id="2" name="Picture 1">
+              <a:extLst>
+                <a:ext uri="{FF2B5EF4-FFF2-40B4-BE49-F238E27FC236}">
+                  <a16:creationId xmlns:a16="http://schemas.microsoft.com/office/drawing/2014/main" id="{EB763BD7-236E-4BF3-8514-D90A97BCA4AE}"/>
+                </a:ext>
+              </a:extLst>
+            </p:cNvPr>
+            <p:cNvPicPr>
+              <a:picLocks noChangeAspect="1"/>
+            </p:cNvPicPr>
+            <p:nvPr/>
+          </p:nvPicPr>
+          <p:blipFill>
+            <a:blip r:embed="rId2"/>
+            <a:stretch>
+              <a:fillRect/>
+            </a:stretch>
+          </p:blipFill>
+          <p:spPr>
+            <a:xfrm>
+              <a:off x="3606198" y="2009337"/>
+              <a:ext cx="4979603" cy="3419914"/>
+            </a:xfrm>
+            <a:prstGeom prst="rect">
+              <a:avLst/>
+            </a:prstGeom>
+          </p:spPr>
+        </p:pic>
+        <p:sp>
+          <p:nvSpPr>
+            <p:cNvPr id="4" name="TextBox 3">
+              <a:extLst>
+                <a:ext uri="{FF2B5EF4-FFF2-40B4-BE49-F238E27FC236}">
+                  <a16:creationId xmlns:a16="http://schemas.microsoft.com/office/drawing/2014/main" id="{FBE78511-966E-43AD-920B-04B4401E896A}"/>
+                </a:ext>
+              </a:extLst>
+            </p:cNvPr>
+            <p:cNvSpPr txBox="1"/>
+            <p:nvPr/>
+          </p:nvSpPr>
+          <p:spPr>
+            <a:xfrm>
+              <a:off x="2596055" y="2147888"/>
+              <a:ext cx="923925" cy="276999"/>
+            </a:xfrm>
+            <a:prstGeom prst="rect">
+              <a:avLst/>
+            </a:prstGeom>
+            <a:noFill/>
+          </p:spPr>
+          <p:txBody>
+            <a:bodyPr wrap="square" rtlCol="0">
+              <a:spAutoFit/>
+            </a:bodyPr>
+            <a:lstStyle/>
+            <a:p>
+              <a:r>
+                <a:rPr lang="de-DE" sz="1200" dirty="0"/>
+                <a:t>switch </a:t>
+              </a:r>
+              <a:r>
+                <a:rPr lang="de-DE" sz="1200" dirty="0" err="1"/>
+                <a:t>repo</a:t>
+              </a:r>
+              <a:endParaRPr lang="en-GB" sz="1200" dirty="0"/>
+            </a:p>
+          </p:txBody>
+        </p:sp>
+        <p:sp>
+          <p:nvSpPr>
+            <p:cNvPr id="6" name="TextBox 5">
+              <a:extLst>
+                <a:ext uri="{FF2B5EF4-FFF2-40B4-BE49-F238E27FC236}">
+                  <a16:creationId xmlns:a16="http://schemas.microsoft.com/office/drawing/2014/main" id="{08FD5602-B321-4671-A77E-229592FFF9B3}"/>
+                </a:ext>
+              </a:extLst>
+            </p:cNvPr>
+            <p:cNvSpPr txBox="1"/>
+            <p:nvPr/>
+          </p:nvSpPr>
+          <p:spPr>
+            <a:xfrm>
+              <a:off x="5292123" y="1545570"/>
+              <a:ext cx="1194400" cy="461665"/>
+            </a:xfrm>
+            <a:prstGeom prst="rect">
+              <a:avLst/>
+            </a:prstGeom>
+            <a:noFill/>
+          </p:spPr>
+          <p:txBody>
+            <a:bodyPr wrap="square" rtlCol="0">
+              <a:spAutoFit/>
+            </a:bodyPr>
+            <a:lstStyle/>
+            <a:p>
+              <a:r>
+                <a:rPr lang="de-DE" sz="1200" dirty="0"/>
+                <a:t>switch </a:t>
+              </a:r>
+              <a:r>
+                <a:rPr lang="de-DE" sz="1200" dirty="0" err="1"/>
+                <a:t>branch</a:t>
+              </a:r>
+              <a:endParaRPr lang="de-DE" sz="1200" dirty="0"/>
+            </a:p>
+            <a:p>
+              <a:r>
+                <a:rPr lang="de-DE" sz="1200" dirty="0" err="1">
+                  <a:latin typeface="Consolas" panose="020B0609020204030204" pitchFamily="49" charset="0"/>
+                </a:rPr>
+                <a:t>git</a:t>
+              </a:r>
+              <a:r>
+                <a:rPr lang="de-DE" sz="1200" dirty="0">
+                  <a:latin typeface="Consolas" panose="020B0609020204030204" pitchFamily="49" charset="0"/>
+                </a:rPr>
+                <a:t> </a:t>
+              </a:r>
+              <a:r>
+                <a:rPr lang="de-DE" sz="1200" dirty="0" err="1">
+                  <a:latin typeface="Consolas" panose="020B0609020204030204" pitchFamily="49" charset="0"/>
+                </a:rPr>
+                <a:t>checkout</a:t>
+              </a:r>
+              <a:endParaRPr lang="en-GB" sz="1200" dirty="0">
                 <a:latin typeface="Consolas" panose="020B0609020204030204" pitchFamily="49" charset="0"/>
-              </a:rPr>
-              <a:t>git</a:t>
-            </a:r>
-            <a:r>
-              <a:rPr lang="de-DE" sz="1200" dirty="0">
+              </a:endParaRPr>
+            </a:p>
+          </p:txBody>
+        </p:sp>
+        <p:cxnSp>
+          <p:nvCxnSpPr>
+            <p:cNvPr id="8" name="Straight Arrow Connector 7">
+              <a:extLst>
+                <a:ext uri="{FF2B5EF4-FFF2-40B4-BE49-F238E27FC236}">
+                  <a16:creationId xmlns:a16="http://schemas.microsoft.com/office/drawing/2014/main" id="{C1A5C03B-A124-457A-BCB1-2B46FC498139}"/>
+                </a:ext>
+              </a:extLst>
+            </p:cNvPr>
+            <p:cNvCxnSpPr>
+              <a:cxnSpLocks/>
+            </p:cNvCxnSpPr>
+            <p:nvPr/>
+          </p:nvCxnSpPr>
+          <p:spPr>
+            <a:xfrm>
+              <a:off x="3433763" y="2324100"/>
+              <a:ext cx="228600" cy="1"/>
+            </a:xfrm>
+            <a:prstGeom prst="straightConnector1">
+              <a:avLst/>
+            </a:prstGeom>
+            <a:ln w="19050">
+              <a:solidFill>
+                <a:srgbClr val="FFC000"/>
+              </a:solidFill>
+              <a:tailEnd type="triangle"/>
+            </a:ln>
+          </p:spPr>
+          <p:style>
+            <a:lnRef idx="1">
+              <a:schemeClr val="accent1"/>
+            </a:lnRef>
+            <a:fillRef idx="0">
+              <a:schemeClr val="accent1"/>
+            </a:fillRef>
+            <a:effectRef idx="0">
+              <a:schemeClr val="accent1"/>
+            </a:effectRef>
+            <a:fontRef idx="minor">
+              <a:schemeClr val="tx1"/>
+            </a:fontRef>
+          </p:style>
+        </p:cxnSp>
+        <p:cxnSp>
+          <p:nvCxnSpPr>
+            <p:cNvPr id="11" name="Straight Arrow Connector 10">
+              <a:extLst>
+                <a:ext uri="{FF2B5EF4-FFF2-40B4-BE49-F238E27FC236}">
+                  <a16:creationId xmlns:a16="http://schemas.microsoft.com/office/drawing/2014/main" id="{E643BFA3-DCDE-4131-A1F2-F2D5BB0CA587}"/>
+                </a:ext>
+              </a:extLst>
+            </p:cNvPr>
+            <p:cNvCxnSpPr>
+              <a:cxnSpLocks/>
+            </p:cNvCxnSpPr>
+            <p:nvPr/>
+          </p:nvCxnSpPr>
+          <p:spPr>
+            <a:xfrm>
+              <a:off x="6837966" y="1966911"/>
+              <a:ext cx="0" cy="228602"/>
+            </a:xfrm>
+            <a:prstGeom prst="straightConnector1">
+              <a:avLst/>
+            </a:prstGeom>
+            <a:ln w="19050">
+              <a:solidFill>
+                <a:srgbClr val="FFC000"/>
+              </a:solidFill>
+              <a:tailEnd type="triangle"/>
+            </a:ln>
+          </p:spPr>
+          <p:style>
+            <a:lnRef idx="1">
+              <a:schemeClr val="accent1"/>
+            </a:lnRef>
+            <a:fillRef idx="0">
+              <a:schemeClr val="accent1"/>
+            </a:fillRef>
+            <a:effectRef idx="0">
+              <a:schemeClr val="accent1"/>
+            </a:effectRef>
+            <a:fontRef idx="minor">
+              <a:schemeClr val="tx1"/>
+            </a:fontRef>
+          </p:style>
+        </p:cxnSp>
+        <p:cxnSp>
+          <p:nvCxnSpPr>
+            <p:cNvPr id="12" name="Straight Arrow Connector 11">
+              <a:extLst>
+                <a:ext uri="{FF2B5EF4-FFF2-40B4-BE49-F238E27FC236}">
+                  <a16:creationId xmlns:a16="http://schemas.microsoft.com/office/drawing/2014/main" id="{EF544864-500A-4D8B-A695-94B5DE73290F}"/>
+                </a:ext>
+              </a:extLst>
+            </p:cNvPr>
+            <p:cNvCxnSpPr>
+              <a:cxnSpLocks/>
+            </p:cNvCxnSpPr>
+            <p:nvPr/>
+          </p:nvCxnSpPr>
+          <p:spPr>
+            <a:xfrm>
+              <a:off x="5810251" y="1971675"/>
+              <a:ext cx="0" cy="223838"/>
+            </a:xfrm>
+            <a:prstGeom prst="straightConnector1">
+              <a:avLst/>
+            </a:prstGeom>
+            <a:ln w="19050">
+              <a:solidFill>
+                <a:srgbClr val="FFC000"/>
+              </a:solidFill>
+              <a:tailEnd type="triangle"/>
+            </a:ln>
+          </p:spPr>
+          <p:style>
+            <a:lnRef idx="1">
+              <a:schemeClr val="accent1"/>
+            </a:lnRef>
+            <a:fillRef idx="0">
+              <a:schemeClr val="accent1"/>
+            </a:fillRef>
+            <a:effectRef idx="0">
+              <a:schemeClr val="accent1"/>
+            </a:effectRef>
+            <a:fontRef idx="minor">
+              <a:schemeClr val="tx1"/>
+            </a:fontRef>
+          </p:style>
+        </p:cxnSp>
+        <p:sp>
+          <p:nvSpPr>
+            <p:cNvPr id="15" name="TextBox 14">
+              <a:extLst>
+                <a:ext uri="{FF2B5EF4-FFF2-40B4-BE49-F238E27FC236}">
+                  <a16:creationId xmlns:a16="http://schemas.microsoft.com/office/drawing/2014/main" id="{406D45A4-DDCD-4080-A036-32B226D6E8A8}"/>
+                </a:ext>
+              </a:extLst>
+            </p:cNvPr>
+            <p:cNvSpPr txBox="1"/>
+            <p:nvPr/>
+          </p:nvSpPr>
+          <p:spPr>
+            <a:xfrm>
+              <a:off x="6486525" y="1711125"/>
+              <a:ext cx="1471607" cy="276999"/>
+            </a:xfrm>
+            <a:prstGeom prst="rect">
+              <a:avLst/>
+            </a:prstGeom>
+            <a:noFill/>
+          </p:spPr>
+          <p:txBody>
+            <a:bodyPr wrap="square" rtlCol="0">
+              <a:spAutoFit/>
+            </a:bodyPr>
+            <a:lstStyle/>
+            <a:p>
+              <a:r>
+                <a:rPr lang="de-DE" sz="1200" dirty="0" err="1">
+                  <a:latin typeface="Consolas" panose="020B0609020204030204" pitchFamily="49" charset="0"/>
+                </a:rPr>
+                <a:t>git</a:t>
+              </a:r>
+              <a:r>
+                <a:rPr lang="de-DE" sz="1200" dirty="0">
+                  <a:latin typeface="Consolas" panose="020B0609020204030204" pitchFamily="49" charset="0"/>
+                </a:rPr>
+                <a:t> push/pull</a:t>
+              </a:r>
+              <a:endParaRPr lang="en-GB" sz="1200" dirty="0">
                 <a:latin typeface="Consolas" panose="020B0609020204030204" pitchFamily="49" charset="0"/>
-              </a:rPr>
-              <a:t> </a:t>
-            </a:r>
-            <a:r>
-              <a:rPr lang="de-DE" sz="1200" dirty="0" err="1">
+              </a:endParaRPr>
+            </a:p>
+          </p:txBody>
+        </p:sp>
+        <p:cxnSp>
+          <p:nvCxnSpPr>
+            <p:cNvPr id="16" name="Straight Arrow Connector 15">
+              <a:extLst>
+                <a:ext uri="{FF2B5EF4-FFF2-40B4-BE49-F238E27FC236}">
+                  <a16:creationId xmlns:a16="http://schemas.microsoft.com/office/drawing/2014/main" id="{76B880A8-DF98-4FD2-B23D-E15C231EF99D}"/>
+                </a:ext>
+              </a:extLst>
+            </p:cNvPr>
+            <p:cNvCxnSpPr>
+              <a:cxnSpLocks/>
+            </p:cNvCxnSpPr>
+            <p:nvPr/>
+          </p:nvCxnSpPr>
+          <p:spPr>
+            <a:xfrm flipV="1">
+              <a:off x="3251638" y="2505076"/>
+              <a:ext cx="1291787" cy="133788"/>
+            </a:xfrm>
+            <a:prstGeom prst="straightConnector1">
+              <a:avLst/>
+            </a:prstGeom>
+            <a:ln w="19050">
+              <a:solidFill>
+                <a:srgbClr val="FFC000"/>
+              </a:solidFill>
+              <a:tailEnd type="triangle"/>
+            </a:ln>
+          </p:spPr>
+          <p:style>
+            <a:lnRef idx="1">
+              <a:schemeClr val="accent1"/>
+            </a:lnRef>
+            <a:fillRef idx="0">
+              <a:schemeClr val="accent1"/>
+            </a:fillRef>
+            <a:effectRef idx="0">
+              <a:schemeClr val="accent1"/>
+            </a:effectRef>
+            <a:fontRef idx="minor">
+              <a:schemeClr val="tx1"/>
+            </a:fontRef>
+          </p:style>
+        </p:cxnSp>
+        <p:sp>
+          <p:nvSpPr>
+            <p:cNvPr id="17" name="TextBox 16">
+              <a:extLst>
+                <a:ext uri="{FF2B5EF4-FFF2-40B4-BE49-F238E27FC236}">
+                  <a16:creationId xmlns:a16="http://schemas.microsoft.com/office/drawing/2014/main" id="{C155C32C-3D89-46D9-8BC7-AA85EC1460CB}"/>
+                </a:ext>
+              </a:extLst>
+            </p:cNvPr>
+            <p:cNvSpPr txBox="1"/>
+            <p:nvPr/>
+          </p:nvSpPr>
+          <p:spPr>
+            <a:xfrm>
+              <a:off x="1824038" y="2505076"/>
+              <a:ext cx="1427600" cy="461665"/>
+            </a:xfrm>
+            <a:prstGeom prst="rect">
+              <a:avLst/>
+            </a:prstGeom>
+            <a:noFill/>
+          </p:spPr>
+          <p:txBody>
+            <a:bodyPr wrap="square" rtlCol="0">
+              <a:spAutoFit/>
+            </a:bodyPr>
+            <a:lstStyle/>
+            <a:p>
+              <a:r>
+                <a:rPr lang="de-DE" sz="1200" dirty="0"/>
+                <a:t>browse </a:t>
+              </a:r>
+              <a:r>
+                <a:rPr lang="de-DE" sz="1200" dirty="0" err="1"/>
+                <a:t>repo</a:t>
+              </a:r>
+              <a:r>
+                <a:rPr lang="de-DE" sz="1200" dirty="0"/>
+                <a:t> </a:t>
+              </a:r>
+              <a:r>
+                <a:rPr lang="de-DE" sz="1200" dirty="0" err="1"/>
+                <a:t>history</a:t>
+              </a:r>
+              <a:endParaRPr lang="de-DE" sz="1200" dirty="0"/>
+            </a:p>
+            <a:p>
+              <a:r>
+                <a:rPr lang="de-DE" sz="1200" dirty="0" err="1">
+                  <a:latin typeface="Consolas" panose="020B0609020204030204" pitchFamily="49" charset="0"/>
+                </a:rPr>
+                <a:t>git</a:t>
+              </a:r>
+              <a:r>
+                <a:rPr lang="de-DE" sz="1200" dirty="0">
+                  <a:latin typeface="Consolas" panose="020B0609020204030204" pitchFamily="49" charset="0"/>
+                </a:rPr>
+                <a:t> log</a:t>
+              </a:r>
+              <a:endParaRPr lang="en-GB" sz="1200" dirty="0">
                 <a:latin typeface="Consolas" panose="020B0609020204030204" pitchFamily="49" charset="0"/>
-              </a:rPr>
-              <a:t>checkout</a:t>
-            </a:r>
-            <a:endParaRPr lang="en-GB" sz="1200" dirty="0">
-              <a:latin typeface="Consolas" panose="020B0609020204030204" pitchFamily="49" charset="0"/>
-            </a:endParaRPr>
-          </a:p>
-        </p:txBody>
-      </p:sp>
-      <p:cxnSp>
-        <p:nvCxnSpPr>
-          <p:cNvPr id="8" name="Straight Arrow Connector 7">
-            <a:extLst>
-              <a:ext uri="{FF2B5EF4-FFF2-40B4-BE49-F238E27FC236}">
-                <a16:creationId xmlns:a16="http://schemas.microsoft.com/office/drawing/2014/main" id="{C1A5C03B-A124-457A-BCB1-2B46FC498139}"/>
-              </a:ext>
-            </a:extLst>
-          </p:cNvPr>
-          <p:cNvCxnSpPr>
-            <a:cxnSpLocks/>
-          </p:cNvCxnSpPr>
-          <p:nvPr/>
-        </p:nvCxnSpPr>
-        <p:spPr>
-          <a:xfrm>
-            <a:off x="3433763" y="2324100"/>
-            <a:ext cx="228600" cy="1"/>
-          </a:xfrm>
-          <a:prstGeom prst="straightConnector1">
-            <a:avLst/>
-          </a:prstGeom>
-          <a:ln w="19050">
-            <a:solidFill>
-              <a:srgbClr val="FFC000"/>
-            </a:solidFill>
-            <a:tailEnd type="triangle"/>
-          </a:ln>
-        </p:spPr>
-        <p:style>
-          <a:lnRef idx="1">
-            <a:schemeClr val="accent1"/>
-          </a:lnRef>
-          <a:fillRef idx="0">
-            <a:schemeClr val="accent1"/>
-          </a:fillRef>
-          <a:effectRef idx="0">
-            <a:schemeClr val="accent1"/>
-          </a:effectRef>
-          <a:fontRef idx="minor">
-            <a:schemeClr val="tx1"/>
-          </a:fontRef>
-        </p:style>
-      </p:cxnSp>
-      <p:cxnSp>
-        <p:nvCxnSpPr>
-          <p:cNvPr id="11" name="Straight Arrow Connector 10">
-            <a:extLst>
-              <a:ext uri="{FF2B5EF4-FFF2-40B4-BE49-F238E27FC236}">
-                <a16:creationId xmlns:a16="http://schemas.microsoft.com/office/drawing/2014/main" id="{E643BFA3-DCDE-4131-A1F2-F2D5BB0CA587}"/>
-              </a:ext>
-            </a:extLst>
-          </p:cNvPr>
-          <p:cNvCxnSpPr>
-            <a:cxnSpLocks/>
-          </p:cNvCxnSpPr>
-          <p:nvPr/>
-        </p:nvCxnSpPr>
-        <p:spPr>
-          <a:xfrm>
-            <a:off x="6837966" y="1966911"/>
-            <a:ext cx="0" cy="228602"/>
-          </a:xfrm>
-          <a:prstGeom prst="straightConnector1">
-            <a:avLst/>
-          </a:prstGeom>
-          <a:ln w="19050">
-            <a:solidFill>
-              <a:srgbClr val="FFC000"/>
-            </a:solidFill>
-            <a:tailEnd type="triangle"/>
-          </a:ln>
-        </p:spPr>
-        <p:style>
-          <a:lnRef idx="1">
-            <a:schemeClr val="accent1"/>
-          </a:lnRef>
-          <a:fillRef idx="0">
-            <a:schemeClr val="accent1"/>
-          </a:fillRef>
-          <a:effectRef idx="0">
-            <a:schemeClr val="accent1"/>
-          </a:effectRef>
-          <a:fontRef idx="minor">
-            <a:schemeClr val="tx1"/>
-          </a:fontRef>
-        </p:style>
-      </p:cxnSp>
-      <p:cxnSp>
-        <p:nvCxnSpPr>
-          <p:cNvPr id="12" name="Straight Arrow Connector 11">
-            <a:extLst>
-              <a:ext uri="{FF2B5EF4-FFF2-40B4-BE49-F238E27FC236}">
-                <a16:creationId xmlns:a16="http://schemas.microsoft.com/office/drawing/2014/main" id="{EF544864-500A-4D8B-A695-94B5DE73290F}"/>
-              </a:ext>
-            </a:extLst>
-          </p:cNvPr>
-          <p:cNvCxnSpPr>
-            <a:cxnSpLocks/>
-          </p:cNvCxnSpPr>
-          <p:nvPr/>
-        </p:nvCxnSpPr>
-        <p:spPr>
-          <a:xfrm>
-            <a:off x="5810251" y="1971675"/>
-            <a:ext cx="0" cy="223838"/>
-          </a:xfrm>
-          <a:prstGeom prst="straightConnector1">
-            <a:avLst/>
-          </a:prstGeom>
-          <a:ln w="19050">
-            <a:solidFill>
-              <a:srgbClr val="FFC000"/>
-            </a:solidFill>
-            <a:tailEnd type="triangle"/>
-          </a:ln>
-        </p:spPr>
-        <p:style>
-          <a:lnRef idx="1">
-            <a:schemeClr val="accent1"/>
-          </a:lnRef>
-          <a:fillRef idx="0">
-            <a:schemeClr val="accent1"/>
-          </a:fillRef>
-          <a:effectRef idx="0">
-            <a:schemeClr val="accent1"/>
-          </a:effectRef>
-          <a:fontRef idx="minor">
-            <a:schemeClr val="tx1"/>
-          </a:fontRef>
-        </p:style>
-      </p:cxnSp>
-      <p:sp>
-        <p:nvSpPr>
-          <p:cNvPr id="15" name="TextBox 14">
-            <a:extLst>
-              <a:ext uri="{FF2B5EF4-FFF2-40B4-BE49-F238E27FC236}">
-                <a16:creationId xmlns:a16="http://schemas.microsoft.com/office/drawing/2014/main" id="{406D45A4-DDCD-4080-A036-32B226D6E8A8}"/>
-              </a:ext>
-            </a:extLst>
-          </p:cNvPr>
-          <p:cNvSpPr txBox="1"/>
-          <p:nvPr/>
-        </p:nvSpPr>
-        <p:spPr>
-          <a:xfrm>
-            <a:off x="6486525" y="1711125"/>
-            <a:ext cx="1471607" cy="276999"/>
-          </a:xfrm>
-          <a:prstGeom prst="rect">
-            <a:avLst/>
-          </a:prstGeom>
-          <a:noFill/>
-        </p:spPr>
-        <p:txBody>
-          <a:bodyPr wrap="square" rtlCol="0">
-            <a:spAutoFit/>
-          </a:bodyPr>
-          <a:lstStyle/>
-          <a:p>
-            <a:r>
-              <a:rPr lang="de-DE" sz="1200" dirty="0" err="1">
+              </a:endParaRPr>
+            </a:p>
+          </p:txBody>
+        </p:sp>
+        <p:cxnSp>
+          <p:nvCxnSpPr>
+            <p:cNvPr id="20" name="Straight Arrow Connector 19">
+              <a:extLst>
+                <a:ext uri="{FF2B5EF4-FFF2-40B4-BE49-F238E27FC236}">
+                  <a16:creationId xmlns:a16="http://schemas.microsoft.com/office/drawing/2014/main" id="{F3D729E4-A424-4E08-8B8F-97E552B86DF2}"/>
+                </a:ext>
+              </a:extLst>
+            </p:cNvPr>
+            <p:cNvCxnSpPr>
+              <a:cxnSpLocks/>
+            </p:cNvCxnSpPr>
+            <p:nvPr/>
+          </p:nvCxnSpPr>
+          <p:spPr>
+            <a:xfrm flipV="1">
+              <a:off x="2881314" y="2862265"/>
+              <a:ext cx="724884" cy="324899"/>
+            </a:xfrm>
+            <a:prstGeom prst="straightConnector1">
+              <a:avLst/>
+            </a:prstGeom>
+            <a:ln w="19050">
+              <a:solidFill>
+                <a:srgbClr val="FFC000"/>
+              </a:solidFill>
+              <a:tailEnd type="triangle"/>
+            </a:ln>
+          </p:spPr>
+          <p:style>
+            <a:lnRef idx="1">
+              <a:schemeClr val="accent1"/>
+            </a:lnRef>
+            <a:fillRef idx="0">
+              <a:schemeClr val="accent1"/>
+            </a:fillRef>
+            <a:effectRef idx="0">
+              <a:schemeClr val="accent1"/>
+            </a:effectRef>
+            <a:fontRef idx="minor">
+              <a:schemeClr val="tx1"/>
+            </a:fontRef>
+          </p:style>
+        </p:cxnSp>
+        <p:sp>
+          <p:nvSpPr>
+            <p:cNvPr id="21" name="TextBox 20">
+              <a:extLst>
+                <a:ext uri="{FF2B5EF4-FFF2-40B4-BE49-F238E27FC236}">
+                  <a16:creationId xmlns:a16="http://schemas.microsoft.com/office/drawing/2014/main" id="{122D5C01-83CD-490D-B6EC-3A2BFB840364}"/>
+                </a:ext>
+              </a:extLst>
+            </p:cNvPr>
+            <p:cNvSpPr txBox="1"/>
+            <p:nvPr/>
+          </p:nvSpPr>
+          <p:spPr>
+            <a:xfrm>
+              <a:off x="1919288" y="3048664"/>
+              <a:ext cx="1128713" cy="461665"/>
+            </a:xfrm>
+            <a:prstGeom prst="rect">
+              <a:avLst/>
+            </a:prstGeom>
+            <a:noFill/>
+          </p:spPr>
+          <p:txBody>
+            <a:bodyPr wrap="square" rtlCol="0">
+              <a:spAutoFit/>
+            </a:bodyPr>
+            <a:lstStyle/>
+            <a:p>
+              <a:r>
+                <a:rPr lang="de-DE" sz="1200" dirty="0" err="1"/>
+                <a:t>changed</a:t>
+              </a:r>
+              <a:r>
+                <a:rPr lang="de-DE" sz="1200" dirty="0"/>
+                <a:t> </a:t>
+              </a:r>
+              <a:r>
+                <a:rPr lang="de-DE" sz="1200" dirty="0" err="1"/>
+                <a:t>files</a:t>
+              </a:r>
+              <a:endParaRPr lang="de-DE" sz="1200" dirty="0"/>
+            </a:p>
+            <a:p>
+              <a:r>
+                <a:rPr lang="de-DE" sz="1200" dirty="0" err="1">
+                  <a:latin typeface="Consolas" panose="020B0609020204030204" pitchFamily="49" charset="0"/>
+                </a:rPr>
+                <a:t>git</a:t>
+              </a:r>
+              <a:r>
+                <a:rPr lang="de-DE" sz="1200" dirty="0">
+                  <a:latin typeface="Consolas" panose="020B0609020204030204" pitchFamily="49" charset="0"/>
+                </a:rPr>
+                <a:t> </a:t>
+              </a:r>
+              <a:r>
+                <a:rPr lang="de-DE" sz="1200" dirty="0" err="1">
+                  <a:latin typeface="Consolas" panose="020B0609020204030204" pitchFamily="49" charset="0"/>
+                </a:rPr>
+                <a:t>status</a:t>
+              </a:r>
+              <a:endParaRPr lang="en-GB" sz="1200" dirty="0">
                 <a:latin typeface="Consolas" panose="020B0609020204030204" pitchFamily="49" charset="0"/>
-              </a:rPr>
-              <a:t>git</a:t>
-            </a:r>
-            <a:r>
-              <a:rPr lang="de-DE" sz="1200" dirty="0">
+              </a:endParaRPr>
+            </a:p>
+          </p:txBody>
+        </p:sp>
+        <p:cxnSp>
+          <p:nvCxnSpPr>
+            <p:cNvPr id="25" name="Straight Arrow Connector 24">
+              <a:extLst>
+                <a:ext uri="{FF2B5EF4-FFF2-40B4-BE49-F238E27FC236}">
+                  <a16:creationId xmlns:a16="http://schemas.microsoft.com/office/drawing/2014/main" id="{CAEB4562-93EB-49E3-898D-5E54656CA94E}"/>
+                </a:ext>
+              </a:extLst>
+            </p:cNvPr>
+            <p:cNvCxnSpPr>
+              <a:cxnSpLocks/>
+              <a:stCxn id="26" idx="3"/>
+            </p:cNvCxnSpPr>
+            <p:nvPr/>
+          </p:nvCxnSpPr>
+          <p:spPr>
+            <a:xfrm flipV="1">
+              <a:off x="3214688" y="4352926"/>
+              <a:ext cx="490537" cy="47615"/>
+            </a:xfrm>
+            <a:prstGeom prst="straightConnector1">
+              <a:avLst/>
+            </a:prstGeom>
+            <a:ln w="19050">
+              <a:solidFill>
+                <a:srgbClr val="FFC000"/>
+              </a:solidFill>
+              <a:tailEnd type="triangle"/>
+            </a:ln>
+          </p:spPr>
+          <p:style>
+            <a:lnRef idx="1">
+              <a:schemeClr val="accent1"/>
+            </a:lnRef>
+            <a:fillRef idx="0">
+              <a:schemeClr val="accent1"/>
+            </a:fillRef>
+            <a:effectRef idx="0">
+              <a:schemeClr val="accent1"/>
+            </a:effectRef>
+            <a:fontRef idx="minor">
+              <a:schemeClr val="tx1"/>
+            </a:fontRef>
+          </p:style>
+        </p:cxnSp>
+        <p:sp>
+          <p:nvSpPr>
+            <p:cNvPr id="26" name="TextBox 25">
+              <a:extLst>
+                <a:ext uri="{FF2B5EF4-FFF2-40B4-BE49-F238E27FC236}">
+                  <a16:creationId xmlns:a16="http://schemas.microsoft.com/office/drawing/2014/main" id="{3F73B2B9-7F1F-4F35-ABAD-F32966FD4B3C}"/>
+                </a:ext>
+              </a:extLst>
+            </p:cNvPr>
+            <p:cNvSpPr txBox="1"/>
+            <p:nvPr/>
+          </p:nvSpPr>
+          <p:spPr>
+            <a:xfrm>
+              <a:off x="2085975" y="3985042"/>
+              <a:ext cx="1128713" cy="830997"/>
+            </a:xfrm>
+            <a:prstGeom prst="rect">
+              <a:avLst/>
+            </a:prstGeom>
+            <a:noFill/>
+          </p:spPr>
+          <p:txBody>
+            <a:bodyPr wrap="square" rtlCol="0">
+              <a:spAutoFit/>
+            </a:bodyPr>
+            <a:lstStyle/>
+            <a:p>
+              <a:r>
+                <a:rPr lang="de-DE" sz="1200" dirty="0" err="1"/>
+                <a:t>enter</a:t>
+              </a:r>
+              <a:r>
+                <a:rPr lang="de-DE" sz="1200" dirty="0"/>
+                <a:t> </a:t>
+              </a:r>
+              <a:r>
+                <a:rPr lang="de-DE" sz="1200" dirty="0" err="1"/>
+                <a:t>commit</a:t>
+              </a:r>
+              <a:r>
+                <a:rPr lang="de-DE" sz="1200" dirty="0"/>
+                <a:t> </a:t>
+              </a:r>
+              <a:r>
+                <a:rPr lang="de-DE" sz="1200" dirty="0" err="1"/>
+                <a:t>message</a:t>
+              </a:r>
+              <a:r>
+                <a:rPr lang="de-DE" sz="1200" dirty="0"/>
+                <a:t> and </a:t>
+              </a:r>
+              <a:r>
+                <a:rPr lang="de-DE" sz="1200" dirty="0" err="1"/>
+                <a:t>commit</a:t>
+              </a:r>
+              <a:br>
+                <a:rPr lang="de-DE" sz="1200" dirty="0"/>
+              </a:br>
+              <a:r>
+                <a:rPr lang="de-DE" sz="1200" dirty="0" err="1">
+                  <a:latin typeface="Consolas" panose="020B0609020204030204" pitchFamily="49" charset="0"/>
+                </a:rPr>
+                <a:t>git</a:t>
+              </a:r>
+              <a:r>
+                <a:rPr lang="de-DE" sz="1200" dirty="0">
+                  <a:latin typeface="Consolas" panose="020B0609020204030204" pitchFamily="49" charset="0"/>
+                </a:rPr>
+                <a:t> </a:t>
+              </a:r>
+              <a:r>
+                <a:rPr lang="de-DE" sz="1200" dirty="0" err="1">
+                  <a:latin typeface="Consolas" panose="020B0609020204030204" pitchFamily="49" charset="0"/>
+                </a:rPr>
+                <a:t>commit</a:t>
+              </a:r>
+              <a:endParaRPr lang="en-GB" sz="1200" dirty="0">
                 <a:latin typeface="Consolas" panose="020B0609020204030204" pitchFamily="49" charset="0"/>
-              </a:rPr>
-              <a:t> push/pull</a:t>
-            </a:r>
-            <a:endParaRPr lang="en-GB" sz="1200" dirty="0">
-              <a:latin typeface="Consolas" panose="020B0609020204030204" pitchFamily="49" charset="0"/>
-            </a:endParaRPr>
-          </a:p>
-        </p:txBody>
-      </p:sp>
-      <p:cxnSp>
-        <p:nvCxnSpPr>
-          <p:cNvPr id="16" name="Straight Arrow Connector 15">
-            <a:extLst>
-              <a:ext uri="{FF2B5EF4-FFF2-40B4-BE49-F238E27FC236}">
-                <a16:creationId xmlns:a16="http://schemas.microsoft.com/office/drawing/2014/main" id="{76B880A8-DF98-4FD2-B23D-E15C231EF99D}"/>
-              </a:ext>
-            </a:extLst>
-          </p:cNvPr>
-          <p:cNvCxnSpPr>
-            <a:cxnSpLocks/>
-          </p:cNvCxnSpPr>
-          <p:nvPr/>
-        </p:nvCxnSpPr>
-        <p:spPr>
-          <a:xfrm flipV="1">
-            <a:off x="3251638" y="2505076"/>
-            <a:ext cx="1291787" cy="133788"/>
-          </a:xfrm>
-          <a:prstGeom prst="straightConnector1">
-            <a:avLst/>
-          </a:prstGeom>
-          <a:ln w="19050">
-            <a:solidFill>
-              <a:srgbClr val="FFC000"/>
-            </a:solidFill>
-            <a:tailEnd type="triangle"/>
-          </a:ln>
-        </p:spPr>
-        <p:style>
-          <a:lnRef idx="1">
-            <a:schemeClr val="accent1"/>
-          </a:lnRef>
-          <a:fillRef idx="0">
-            <a:schemeClr val="accent1"/>
-          </a:fillRef>
-          <a:effectRef idx="0">
-            <a:schemeClr val="accent1"/>
-          </a:effectRef>
-          <a:fontRef idx="minor">
-            <a:schemeClr val="tx1"/>
-          </a:fontRef>
-        </p:style>
-      </p:cxnSp>
-      <p:sp>
-        <p:nvSpPr>
-          <p:cNvPr id="17" name="TextBox 16">
-            <a:extLst>
-              <a:ext uri="{FF2B5EF4-FFF2-40B4-BE49-F238E27FC236}">
-                <a16:creationId xmlns:a16="http://schemas.microsoft.com/office/drawing/2014/main" id="{C155C32C-3D89-46D9-8BC7-AA85EC1460CB}"/>
-              </a:ext>
-            </a:extLst>
-          </p:cNvPr>
-          <p:cNvSpPr txBox="1"/>
-          <p:nvPr/>
-        </p:nvSpPr>
-        <p:spPr>
-          <a:xfrm>
-            <a:off x="1824038" y="2505076"/>
-            <a:ext cx="1427600" cy="461665"/>
-          </a:xfrm>
-          <a:prstGeom prst="rect">
-            <a:avLst/>
-          </a:prstGeom>
-          <a:noFill/>
-        </p:spPr>
-        <p:txBody>
-          <a:bodyPr wrap="square" rtlCol="0">
-            <a:spAutoFit/>
-          </a:bodyPr>
-          <a:lstStyle/>
-          <a:p>
-            <a:r>
-              <a:rPr lang="de-DE" sz="1200" dirty="0"/>
-              <a:t>browse </a:t>
-            </a:r>
-            <a:r>
-              <a:rPr lang="de-DE" sz="1200" dirty="0" err="1"/>
-              <a:t>repo</a:t>
-            </a:r>
-            <a:r>
-              <a:rPr lang="de-DE" sz="1200" dirty="0"/>
-              <a:t> </a:t>
-            </a:r>
-            <a:r>
-              <a:rPr lang="de-DE" sz="1200" dirty="0" err="1"/>
-              <a:t>history</a:t>
-            </a:r>
-            <a:endParaRPr lang="de-DE" sz="1200" dirty="0"/>
-          </a:p>
-          <a:p>
-            <a:r>
-              <a:rPr lang="de-DE" sz="1200" dirty="0" err="1">
+              </a:endParaRPr>
+            </a:p>
+          </p:txBody>
+        </p:sp>
+        <p:cxnSp>
+          <p:nvCxnSpPr>
+            <p:cNvPr id="31" name="Straight Arrow Connector 30">
+              <a:extLst>
+                <a:ext uri="{FF2B5EF4-FFF2-40B4-BE49-F238E27FC236}">
+                  <a16:creationId xmlns:a16="http://schemas.microsoft.com/office/drawing/2014/main" id="{3EB61841-C6D8-4793-A223-41F31D817432}"/>
+                </a:ext>
+              </a:extLst>
+            </p:cNvPr>
+            <p:cNvCxnSpPr>
+              <a:cxnSpLocks/>
+            </p:cNvCxnSpPr>
+            <p:nvPr/>
+          </p:nvCxnSpPr>
+          <p:spPr>
+            <a:xfrm flipH="1" flipV="1">
+              <a:off x="8286750" y="2862265"/>
+              <a:ext cx="880650" cy="117286"/>
+            </a:xfrm>
+            <a:prstGeom prst="straightConnector1">
+              <a:avLst/>
+            </a:prstGeom>
+            <a:ln w="19050">
+              <a:solidFill>
+                <a:srgbClr val="FFC000"/>
+              </a:solidFill>
+              <a:tailEnd type="triangle"/>
+            </a:ln>
+          </p:spPr>
+          <p:style>
+            <a:lnRef idx="1">
+              <a:schemeClr val="accent1"/>
+            </a:lnRef>
+            <a:fillRef idx="0">
+              <a:schemeClr val="accent1"/>
+            </a:fillRef>
+            <a:effectRef idx="0">
+              <a:schemeClr val="accent1"/>
+            </a:effectRef>
+            <a:fontRef idx="minor">
+              <a:schemeClr val="tx1"/>
+            </a:fontRef>
+          </p:style>
+        </p:cxnSp>
+        <p:sp>
+          <p:nvSpPr>
+            <p:cNvPr id="32" name="TextBox 31">
+              <a:extLst>
+                <a:ext uri="{FF2B5EF4-FFF2-40B4-BE49-F238E27FC236}">
+                  <a16:creationId xmlns:a16="http://schemas.microsoft.com/office/drawing/2014/main" id="{89AA6DEA-DED6-419E-A3DB-839935677D3F}"/>
+                </a:ext>
+              </a:extLst>
+            </p:cNvPr>
+            <p:cNvSpPr txBox="1"/>
+            <p:nvPr/>
+          </p:nvSpPr>
+          <p:spPr>
+            <a:xfrm>
+              <a:off x="9050718" y="2748718"/>
+              <a:ext cx="1412494" cy="646331"/>
+            </a:xfrm>
+            <a:prstGeom prst="rect">
+              <a:avLst/>
+            </a:prstGeom>
+            <a:noFill/>
+          </p:spPr>
+          <p:txBody>
+            <a:bodyPr wrap="square" rtlCol="0">
+              <a:spAutoFit/>
+            </a:bodyPr>
+            <a:lstStyle/>
+            <a:p>
+              <a:r>
+                <a:rPr lang="de-DE" sz="1200" dirty="0"/>
+                <a:t>Look at </a:t>
+              </a:r>
+              <a:r>
+                <a:rPr lang="de-DE" sz="1200" dirty="0" err="1"/>
+                <a:t>changes</a:t>
+              </a:r>
+              <a:r>
+                <a:rPr lang="de-DE" sz="1200" dirty="0"/>
+                <a:t> </a:t>
+              </a:r>
+              <a:r>
+                <a:rPr lang="de-DE" sz="1200" dirty="0" err="1"/>
+                <a:t>made</a:t>
+              </a:r>
+              <a:r>
+                <a:rPr lang="de-DE" sz="1200" dirty="0"/>
+                <a:t> </a:t>
+              </a:r>
+              <a:r>
+                <a:rPr lang="de-DE" sz="1200" dirty="0" err="1"/>
+                <a:t>to</a:t>
+              </a:r>
+              <a:r>
+                <a:rPr lang="de-DE" sz="1200" dirty="0"/>
+                <a:t> </a:t>
+              </a:r>
+              <a:r>
+                <a:rPr lang="de-DE" sz="1200" dirty="0" err="1"/>
+                <a:t>file</a:t>
+              </a:r>
+              <a:endParaRPr lang="de-DE" sz="1200" dirty="0"/>
+            </a:p>
+            <a:p>
+              <a:r>
+                <a:rPr lang="de-DE" sz="1200" dirty="0" err="1">
+                  <a:latin typeface="Consolas" panose="020B0609020204030204" pitchFamily="49" charset="0"/>
+                </a:rPr>
+                <a:t>git</a:t>
+              </a:r>
+              <a:r>
+                <a:rPr lang="de-DE" sz="1200" dirty="0">
+                  <a:latin typeface="Consolas" panose="020B0609020204030204" pitchFamily="49" charset="0"/>
+                </a:rPr>
+                <a:t> </a:t>
+              </a:r>
+              <a:r>
+                <a:rPr lang="de-DE" sz="1200" dirty="0" err="1">
+                  <a:latin typeface="Consolas" panose="020B0609020204030204" pitchFamily="49" charset="0"/>
+                </a:rPr>
+                <a:t>diff</a:t>
+              </a:r>
+              <a:endParaRPr lang="en-GB" sz="1200" dirty="0">
                 <a:latin typeface="Consolas" panose="020B0609020204030204" pitchFamily="49" charset="0"/>
-              </a:rPr>
-              <a:t>git</a:t>
-            </a:r>
-            <a:r>
-              <a:rPr lang="de-DE" sz="1200" dirty="0">
-                <a:latin typeface="Consolas" panose="020B0609020204030204" pitchFamily="49" charset="0"/>
-              </a:rPr>
-              <a:t> log</a:t>
-            </a:r>
-            <a:endParaRPr lang="en-GB" sz="1200" dirty="0">
-              <a:latin typeface="Consolas" panose="020B0609020204030204" pitchFamily="49" charset="0"/>
-            </a:endParaRPr>
-          </a:p>
-        </p:txBody>
-      </p:sp>
-      <p:cxnSp>
-        <p:nvCxnSpPr>
-          <p:cNvPr id="20" name="Straight Arrow Connector 19">
-            <a:extLst>
-              <a:ext uri="{FF2B5EF4-FFF2-40B4-BE49-F238E27FC236}">
-                <a16:creationId xmlns:a16="http://schemas.microsoft.com/office/drawing/2014/main" id="{F3D729E4-A424-4E08-8B8F-97E552B86DF2}"/>
-              </a:ext>
-            </a:extLst>
-          </p:cNvPr>
-          <p:cNvCxnSpPr>
-            <a:cxnSpLocks/>
-          </p:cNvCxnSpPr>
-          <p:nvPr/>
-        </p:nvCxnSpPr>
-        <p:spPr>
-          <a:xfrm flipV="1">
-            <a:off x="2881314" y="2862265"/>
-            <a:ext cx="724884" cy="324899"/>
-          </a:xfrm>
-          <a:prstGeom prst="straightConnector1">
-            <a:avLst/>
-          </a:prstGeom>
-          <a:ln w="19050">
-            <a:solidFill>
-              <a:srgbClr val="FFC000"/>
-            </a:solidFill>
-            <a:tailEnd type="triangle"/>
-          </a:ln>
-        </p:spPr>
-        <p:style>
-          <a:lnRef idx="1">
-            <a:schemeClr val="accent1"/>
-          </a:lnRef>
-          <a:fillRef idx="0">
-            <a:schemeClr val="accent1"/>
-          </a:fillRef>
-          <a:effectRef idx="0">
-            <a:schemeClr val="accent1"/>
-          </a:effectRef>
-          <a:fontRef idx="minor">
-            <a:schemeClr val="tx1"/>
-          </a:fontRef>
-        </p:style>
-      </p:cxnSp>
-      <p:sp>
-        <p:nvSpPr>
-          <p:cNvPr id="21" name="TextBox 20">
-            <a:extLst>
-              <a:ext uri="{FF2B5EF4-FFF2-40B4-BE49-F238E27FC236}">
-                <a16:creationId xmlns:a16="http://schemas.microsoft.com/office/drawing/2014/main" id="{122D5C01-83CD-490D-B6EC-3A2BFB840364}"/>
-              </a:ext>
-            </a:extLst>
-          </p:cNvPr>
-          <p:cNvSpPr txBox="1"/>
-          <p:nvPr/>
-        </p:nvSpPr>
-        <p:spPr>
-          <a:xfrm>
-            <a:off x="1919288" y="3048664"/>
-            <a:ext cx="1128713" cy="461665"/>
-          </a:xfrm>
-          <a:prstGeom prst="rect">
-            <a:avLst/>
-          </a:prstGeom>
-          <a:noFill/>
-        </p:spPr>
-        <p:txBody>
-          <a:bodyPr wrap="square" rtlCol="0">
-            <a:spAutoFit/>
-          </a:bodyPr>
-          <a:lstStyle/>
-          <a:p>
-            <a:r>
-              <a:rPr lang="de-DE" sz="1200" dirty="0" err="1"/>
-              <a:t>changed</a:t>
-            </a:r>
-            <a:r>
-              <a:rPr lang="de-DE" sz="1200" dirty="0"/>
-              <a:t> </a:t>
-            </a:r>
-            <a:r>
-              <a:rPr lang="de-DE" sz="1200" dirty="0" err="1"/>
-              <a:t>files</a:t>
-            </a:r>
-            <a:endParaRPr lang="de-DE" sz="1200" dirty="0"/>
-          </a:p>
-          <a:p>
-            <a:r>
-              <a:rPr lang="de-DE" sz="1200" dirty="0" err="1">
-                <a:latin typeface="Consolas" panose="020B0609020204030204" pitchFamily="49" charset="0"/>
-              </a:rPr>
-              <a:t>git</a:t>
-            </a:r>
-            <a:r>
-              <a:rPr lang="de-DE" sz="1200" dirty="0">
-                <a:latin typeface="Consolas" panose="020B0609020204030204" pitchFamily="49" charset="0"/>
-              </a:rPr>
-              <a:t> </a:t>
-            </a:r>
-            <a:r>
-              <a:rPr lang="de-DE" sz="1200" dirty="0" err="1">
-                <a:latin typeface="Consolas" panose="020B0609020204030204" pitchFamily="49" charset="0"/>
-              </a:rPr>
-              <a:t>status</a:t>
-            </a:r>
-            <a:endParaRPr lang="en-GB" sz="1200" dirty="0">
-              <a:latin typeface="Consolas" panose="020B0609020204030204" pitchFamily="49" charset="0"/>
-            </a:endParaRPr>
-          </a:p>
-        </p:txBody>
-      </p:sp>
-      <p:cxnSp>
-        <p:nvCxnSpPr>
-          <p:cNvPr id="25" name="Straight Arrow Connector 24">
-            <a:extLst>
-              <a:ext uri="{FF2B5EF4-FFF2-40B4-BE49-F238E27FC236}">
-                <a16:creationId xmlns:a16="http://schemas.microsoft.com/office/drawing/2014/main" id="{CAEB4562-93EB-49E3-898D-5E54656CA94E}"/>
-              </a:ext>
-            </a:extLst>
-          </p:cNvPr>
-          <p:cNvCxnSpPr>
-            <a:cxnSpLocks/>
-            <a:stCxn id="26" idx="3"/>
-          </p:cNvCxnSpPr>
-          <p:nvPr/>
-        </p:nvCxnSpPr>
-        <p:spPr>
-          <a:xfrm flipV="1">
-            <a:off x="3214688" y="4352926"/>
-            <a:ext cx="490537" cy="47615"/>
-          </a:xfrm>
-          <a:prstGeom prst="straightConnector1">
-            <a:avLst/>
-          </a:prstGeom>
-          <a:ln w="19050">
-            <a:solidFill>
-              <a:srgbClr val="FFC000"/>
-            </a:solidFill>
-            <a:tailEnd type="triangle"/>
-          </a:ln>
-        </p:spPr>
-        <p:style>
-          <a:lnRef idx="1">
-            <a:schemeClr val="accent1"/>
-          </a:lnRef>
-          <a:fillRef idx="0">
-            <a:schemeClr val="accent1"/>
-          </a:fillRef>
-          <a:effectRef idx="0">
-            <a:schemeClr val="accent1"/>
-          </a:effectRef>
-          <a:fontRef idx="minor">
-            <a:schemeClr val="tx1"/>
-          </a:fontRef>
-        </p:style>
-      </p:cxnSp>
-      <p:sp>
-        <p:nvSpPr>
-          <p:cNvPr id="26" name="TextBox 25">
-            <a:extLst>
-              <a:ext uri="{FF2B5EF4-FFF2-40B4-BE49-F238E27FC236}">
-                <a16:creationId xmlns:a16="http://schemas.microsoft.com/office/drawing/2014/main" id="{3F73B2B9-7F1F-4F35-ABAD-F32966FD4B3C}"/>
-              </a:ext>
-            </a:extLst>
-          </p:cNvPr>
-          <p:cNvSpPr txBox="1"/>
-          <p:nvPr/>
-        </p:nvSpPr>
-        <p:spPr>
-          <a:xfrm>
-            <a:off x="2085975" y="3985042"/>
-            <a:ext cx="1128713" cy="830997"/>
-          </a:xfrm>
-          <a:prstGeom prst="rect">
-            <a:avLst/>
-          </a:prstGeom>
-          <a:noFill/>
-        </p:spPr>
-        <p:txBody>
-          <a:bodyPr wrap="square" rtlCol="0">
-            <a:spAutoFit/>
-          </a:bodyPr>
-          <a:lstStyle/>
-          <a:p>
-            <a:r>
-              <a:rPr lang="de-DE" sz="1200" dirty="0" err="1"/>
-              <a:t>enter</a:t>
-            </a:r>
-            <a:r>
-              <a:rPr lang="de-DE" sz="1200" dirty="0"/>
-              <a:t> </a:t>
-            </a:r>
-            <a:r>
-              <a:rPr lang="de-DE" sz="1200" dirty="0" err="1"/>
-              <a:t>commit</a:t>
-            </a:r>
-            <a:r>
-              <a:rPr lang="de-DE" sz="1200" dirty="0"/>
-              <a:t> </a:t>
-            </a:r>
-            <a:r>
-              <a:rPr lang="de-DE" sz="1200" dirty="0" err="1"/>
-              <a:t>message</a:t>
-            </a:r>
-            <a:r>
-              <a:rPr lang="de-DE" sz="1200" dirty="0"/>
-              <a:t> and </a:t>
-            </a:r>
-            <a:r>
-              <a:rPr lang="de-DE" sz="1200" dirty="0" err="1"/>
-              <a:t>commit</a:t>
-            </a:r>
-            <a:br>
-              <a:rPr lang="de-DE" sz="1200" dirty="0"/>
-            </a:br>
-            <a:r>
-              <a:rPr lang="de-DE" sz="1200" dirty="0" err="1">
-                <a:latin typeface="Consolas" panose="020B0609020204030204" pitchFamily="49" charset="0"/>
-              </a:rPr>
-              <a:t>git</a:t>
-            </a:r>
-            <a:r>
-              <a:rPr lang="de-DE" sz="1200" dirty="0">
-                <a:latin typeface="Consolas" panose="020B0609020204030204" pitchFamily="49" charset="0"/>
-              </a:rPr>
-              <a:t> </a:t>
-            </a:r>
-            <a:r>
-              <a:rPr lang="de-DE" sz="1200" dirty="0" err="1">
-                <a:latin typeface="Consolas" panose="020B0609020204030204" pitchFamily="49" charset="0"/>
-              </a:rPr>
-              <a:t>commit</a:t>
-            </a:r>
-            <a:endParaRPr lang="en-GB" sz="1200" dirty="0">
-              <a:latin typeface="Consolas" panose="020B0609020204030204" pitchFamily="49" charset="0"/>
-            </a:endParaRPr>
-          </a:p>
-        </p:txBody>
-      </p:sp>
-      <p:cxnSp>
-        <p:nvCxnSpPr>
-          <p:cNvPr id="31" name="Straight Arrow Connector 30">
-            <a:extLst>
-              <a:ext uri="{FF2B5EF4-FFF2-40B4-BE49-F238E27FC236}">
-                <a16:creationId xmlns:a16="http://schemas.microsoft.com/office/drawing/2014/main" id="{3EB61841-C6D8-4793-A223-41F31D817432}"/>
-              </a:ext>
-            </a:extLst>
-          </p:cNvPr>
-          <p:cNvCxnSpPr>
-            <a:cxnSpLocks/>
-          </p:cNvCxnSpPr>
-          <p:nvPr/>
-        </p:nvCxnSpPr>
-        <p:spPr>
-          <a:xfrm flipH="1" flipV="1">
-            <a:off x="8286750" y="2862265"/>
-            <a:ext cx="880650" cy="117286"/>
-          </a:xfrm>
-          <a:prstGeom prst="straightConnector1">
-            <a:avLst/>
-          </a:prstGeom>
-          <a:ln w="19050">
-            <a:solidFill>
-              <a:srgbClr val="FFC000"/>
-            </a:solidFill>
-            <a:tailEnd type="triangle"/>
-          </a:ln>
-        </p:spPr>
-        <p:style>
-          <a:lnRef idx="1">
-            <a:schemeClr val="accent1"/>
-          </a:lnRef>
-          <a:fillRef idx="0">
-            <a:schemeClr val="accent1"/>
-          </a:fillRef>
-          <a:effectRef idx="0">
-            <a:schemeClr val="accent1"/>
-          </a:effectRef>
-          <a:fontRef idx="minor">
-            <a:schemeClr val="tx1"/>
-          </a:fontRef>
-        </p:style>
-      </p:cxnSp>
-      <p:sp>
-        <p:nvSpPr>
-          <p:cNvPr id="32" name="TextBox 31">
-            <a:extLst>
-              <a:ext uri="{FF2B5EF4-FFF2-40B4-BE49-F238E27FC236}">
-                <a16:creationId xmlns:a16="http://schemas.microsoft.com/office/drawing/2014/main" id="{89AA6DEA-DED6-419E-A3DB-839935677D3F}"/>
-              </a:ext>
-            </a:extLst>
-          </p:cNvPr>
-          <p:cNvSpPr txBox="1"/>
-          <p:nvPr/>
-        </p:nvSpPr>
-        <p:spPr>
-          <a:xfrm>
-            <a:off x="9050718" y="2748718"/>
-            <a:ext cx="1412494" cy="646331"/>
-          </a:xfrm>
-          <a:prstGeom prst="rect">
-            <a:avLst/>
-          </a:prstGeom>
-          <a:noFill/>
-        </p:spPr>
-        <p:txBody>
-          <a:bodyPr wrap="square" rtlCol="0">
-            <a:spAutoFit/>
-          </a:bodyPr>
-          <a:lstStyle/>
-          <a:p>
-            <a:r>
-              <a:rPr lang="de-DE" sz="1200" dirty="0"/>
-              <a:t>Look at </a:t>
-            </a:r>
-            <a:r>
-              <a:rPr lang="de-DE" sz="1200" dirty="0" err="1"/>
-              <a:t>changes</a:t>
-            </a:r>
-            <a:r>
-              <a:rPr lang="de-DE" sz="1200" dirty="0"/>
-              <a:t> </a:t>
-            </a:r>
-            <a:r>
-              <a:rPr lang="de-DE" sz="1200" dirty="0" err="1"/>
-              <a:t>made</a:t>
-            </a:r>
-            <a:r>
-              <a:rPr lang="de-DE" sz="1200" dirty="0"/>
-              <a:t> </a:t>
-            </a:r>
-            <a:r>
-              <a:rPr lang="de-DE" sz="1200" dirty="0" err="1"/>
-              <a:t>to</a:t>
-            </a:r>
-            <a:r>
-              <a:rPr lang="de-DE" sz="1200" dirty="0"/>
-              <a:t> </a:t>
-            </a:r>
-            <a:r>
-              <a:rPr lang="de-DE" sz="1200" dirty="0" err="1"/>
-              <a:t>file</a:t>
-            </a:r>
-            <a:endParaRPr lang="de-DE" sz="1200" dirty="0"/>
-          </a:p>
-          <a:p>
-            <a:r>
-              <a:rPr lang="de-DE" sz="1200" dirty="0" err="1">
-                <a:latin typeface="Consolas" panose="020B0609020204030204" pitchFamily="49" charset="0"/>
-              </a:rPr>
-              <a:t>git</a:t>
-            </a:r>
-            <a:r>
-              <a:rPr lang="de-DE" sz="1200" dirty="0">
-                <a:latin typeface="Consolas" panose="020B0609020204030204" pitchFamily="49" charset="0"/>
-              </a:rPr>
-              <a:t> </a:t>
-            </a:r>
-            <a:r>
-              <a:rPr lang="de-DE" sz="1200" dirty="0" err="1">
-                <a:latin typeface="Consolas" panose="020B0609020204030204" pitchFamily="49" charset="0"/>
-              </a:rPr>
-              <a:t>diff</a:t>
-            </a:r>
-            <a:endParaRPr lang="en-GB" sz="1200" dirty="0">
-              <a:latin typeface="Consolas" panose="020B0609020204030204" pitchFamily="49" charset="0"/>
-            </a:endParaRPr>
-          </a:p>
-        </p:txBody>
-      </p:sp>
+              </a:endParaRPr>
+            </a:p>
+          </p:txBody>
+        </p:sp>
+      </p:grpSp>
     </p:spTree>
     <p:extLst>
       <p:ext uri="{BB962C8B-B14F-4D97-AF65-F5344CB8AC3E}">
         <p14:creationId xmlns:p14="http://schemas.microsoft.com/office/powerpoint/2010/main" val="622046444"/>
+      </p:ext>
+    </p:extLst>
+  </p:cSld>
+  <p:clrMapOvr>
+    <a:masterClrMapping/>
+  </p:clrMapOvr>
+</p:sld>
+</file>
+
+<file path=ppt/slides/slide16.xml><?xml version="1.0" encoding="utf-8"?>
+<p:sld xmlns:a="http://schemas.openxmlformats.org/drawingml/2006/main" xmlns:r="http://schemas.openxmlformats.org/officeDocument/2006/relationships" xmlns:p="http://schemas.openxmlformats.org/presentationml/2006/main">
+  <p:cSld>
+    <p:spTree>
+      <p:nvGrpSpPr>
+        <p:cNvPr id="1" name=""/>
+        <p:cNvGrpSpPr/>
+        <p:nvPr/>
+      </p:nvGrpSpPr>
+      <p:grpSpPr>
+        <a:xfrm>
+          <a:off x="0" y="0"/>
+          <a:ext cx="0" cy="0"/>
+          <a:chOff x="0" y="0"/>
+          <a:chExt cx="0" cy="0"/>
+        </a:xfrm>
+      </p:grpSpPr>
+      <p:grpSp>
+        <p:nvGrpSpPr>
+          <p:cNvPr id="23" name="Group 22">
+            <a:extLst>
+              <a:ext uri="{FF2B5EF4-FFF2-40B4-BE49-F238E27FC236}">
+                <a16:creationId xmlns:a16="http://schemas.microsoft.com/office/drawing/2014/main" id="{EF02DC18-1E44-4299-A6F1-7E3D3609D712}"/>
+              </a:ext>
+            </a:extLst>
+          </p:cNvPr>
+          <p:cNvGrpSpPr/>
+          <p:nvPr/>
+        </p:nvGrpSpPr>
+        <p:grpSpPr>
+          <a:xfrm>
+            <a:off x="3201402" y="1524185"/>
+            <a:ext cx="5054446" cy="2657783"/>
+            <a:chOff x="3201402" y="1524185"/>
+            <a:chExt cx="5054446" cy="2657783"/>
+          </a:xfrm>
+        </p:grpSpPr>
+        <p:sp>
+          <p:nvSpPr>
+            <p:cNvPr id="2" name="Rectangle 1">
+              <a:extLst>
+                <a:ext uri="{FF2B5EF4-FFF2-40B4-BE49-F238E27FC236}">
+                  <a16:creationId xmlns:a16="http://schemas.microsoft.com/office/drawing/2014/main" id="{A8CDED77-A69D-4F4A-A605-ABEAD7EA9A90}"/>
+                </a:ext>
+              </a:extLst>
+            </p:cNvPr>
+            <p:cNvSpPr/>
+            <p:nvPr/>
+          </p:nvSpPr>
+          <p:spPr>
+            <a:xfrm>
+              <a:off x="3201402" y="2889174"/>
+              <a:ext cx="1498294" cy="539826"/>
+            </a:xfrm>
+            <a:prstGeom prst="rect">
+              <a:avLst/>
+            </a:prstGeom>
+            <a:noFill/>
+            <a:ln w="28575">
+              <a:solidFill>
+                <a:schemeClr val="bg1">
+                  <a:lumMod val="85000"/>
+                </a:schemeClr>
+              </a:solidFill>
+            </a:ln>
+          </p:spPr>
+          <p:style>
+            <a:lnRef idx="2">
+              <a:schemeClr val="accent1">
+                <a:shade val="50000"/>
+              </a:schemeClr>
+            </a:lnRef>
+            <a:fillRef idx="1">
+              <a:schemeClr val="accent1"/>
+            </a:fillRef>
+            <a:effectRef idx="0">
+              <a:schemeClr val="accent1"/>
+            </a:effectRef>
+            <a:fontRef idx="minor">
+              <a:schemeClr val="lt1"/>
+            </a:fontRef>
+          </p:style>
+          <p:txBody>
+            <a:bodyPr rtlCol="0" anchor="ctr"/>
+            <a:lstStyle/>
+            <a:p>
+              <a:pPr algn="ctr"/>
+              <a:r>
+                <a:rPr lang="en-DE" dirty="0">
+                  <a:solidFill>
+                    <a:schemeClr val="tx1"/>
+                  </a:solidFill>
+                </a:rPr>
+                <a:t>89ca9</a:t>
+              </a:r>
+              <a:endParaRPr lang="en-US" dirty="0">
+                <a:solidFill>
+                  <a:schemeClr val="tx1"/>
+                </a:solidFill>
+              </a:endParaRPr>
+            </a:p>
+          </p:txBody>
+        </p:sp>
+        <p:sp>
+          <p:nvSpPr>
+            <p:cNvPr id="3" name="Rectangle 2">
+              <a:extLst>
+                <a:ext uri="{FF2B5EF4-FFF2-40B4-BE49-F238E27FC236}">
+                  <a16:creationId xmlns:a16="http://schemas.microsoft.com/office/drawing/2014/main" id="{72AB4E1F-92F5-4039-AA54-8E3FEC426ED4}"/>
+                </a:ext>
+              </a:extLst>
+            </p:cNvPr>
+            <p:cNvSpPr/>
+            <p:nvPr/>
+          </p:nvSpPr>
+          <p:spPr>
+            <a:xfrm>
+              <a:off x="4979478" y="2889174"/>
+              <a:ext cx="1498294" cy="539826"/>
+            </a:xfrm>
+            <a:prstGeom prst="rect">
+              <a:avLst/>
+            </a:prstGeom>
+            <a:noFill/>
+            <a:ln w="28575">
+              <a:solidFill>
+                <a:schemeClr val="bg1">
+                  <a:lumMod val="85000"/>
+                </a:schemeClr>
+              </a:solidFill>
+            </a:ln>
+          </p:spPr>
+          <p:style>
+            <a:lnRef idx="2">
+              <a:schemeClr val="accent1">
+                <a:shade val="50000"/>
+              </a:schemeClr>
+            </a:lnRef>
+            <a:fillRef idx="1">
+              <a:schemeClr val="accent1"/>
+            </a:fillRef>
+            <a:effectRef idx="0">
+              <a:schemeClr val="accent1"/>
+            </a:effectRef>
+            <a:fontRef idx="minor">
+              <a:schemeClr val="lt1"/>
+            </a:fontRef>
+          </p:style>
+          <p:txBody>
+            <a:bodyPr rtlCol="0" anchor="ctr"/>
+            <a:lstStyle/>
+            <a:p>
+              <a:pPr algn="ctr"/>
+              <a:r>
+                <a:rPr lang="en-DE" dirty="0">
+                  <a:solidFill>
+                    <a:schemeClr val="tx1"/>
+                  </a:solidFill>
+                </a:rPr>
+                <a:t>7b4sa</a:t>
+              </a:r>
+              <a:endParaRPr lang="en-US" dirty="0">
+                <a:solidFill>
+                  <a:schemeClr val="tx1"/>
+                </a:solidFill>
+              </a:endParaRPr>
+            </a:p>
+          </p:txBody>
+        </p:sp>
+        <p:sp>
+          <p:nvSpPr>
+            <p:cNvPr id="4" name="Rectangle 3">
+              <a:extLst>
+                <a:ext uri="{FF2B5EF4-FFF2-40B4-BE49-F238E27FC236}">
+                  <a16:creationId xmlns:a16="http://schemas.microsoft.com/office/drawing/2014/main" id="{6D72CBD4-CFD5-47F3-98CE-36B5BA92EF9D}"/>
+                </a:ext>
+              </a:extLst>
+            </p:cNvPr>
+            <p:cNvSpPr/>
+            <p:nvPr/>
+          </p:nvSpPr>
+          <p:spPr>
+            <a:xfrm>
+              <a:off x="6757554" y="2889174"/>
+              <a:ext cx="1498294" cy="539826"/>
+            </a:xfrm>
+            <a:prstGeom prst="rect">
+              <a:avLst/>
+            </a:prstGeom>
+            <a:noFill/>
+            <a:ln w="28575">
+              <a:solidFill>
+                <a:schemeClr val="bg1">
+                  <a:lumMod val="85000"/>
+                </a:schemeClr>
+              </a:solidFill>
+            </a:ln>
+          </p:spPr>
+          <p:style>
+            <a:lnRef idx="2">
+              <a:schemeClr val="accent1">
+                <a:shade val="50000"/>
+              </a:schemeClr>
+            </a:lnRef>
+            <a:fillRef idx="1">
+              <a:schemeClr val="accent1"/>
+            </a:fillRef>
+            <a:effectRef idx="0">
+              <a:schemeClr val="accent1"/>
+            </a:effectRef>
+            <a:fontRef idx="minor">
+              <a:schemeClr val="lt1"/>
+            </a:fontRef>
+          </p:style>
+          <p:txBody>
+            <a:bodyPr rtlCol="0" anchor="ctr"/>
+            <a:lstStyle/>
+            <a:p>
+              <a:pPr algn="ctr"/>
+              <a:r>
+                <a:rPr lang="en-DE" dirty="0">
+                  <a:solidFill>
+                    <a:schemeClr val="tx1"/>
+                  </a:solidFill>
+                </a:rPr>
+                <a:t>f3d83</a:t>
+              </a:r>
+              <a:endParaRPr lang="en-US" dirty="0">
+                <a:solidFill>
+                  <a:schemeClr val="tx1"/>
+                </a:solidFill>
+              </a:endParaRPr>
+            </a:p>
+          </p:txBody>
+        </p:sp>
+        <p:sp>
+          <p:nvSpPr>
+            <p:cNvPr id="5" name="Rectangle 4">
+              <a:extLst>
+                <a:ext uri="{FF2B5EF4-FFF2-40B4-BE49-F238E27FC236}">
+                  <a16:creationId xmlns:a16="http://schemas.microsoft.com/office/drawing/2014/main" id="{A5F75514-C4AB-43F3-87B4-A00D02A01452}"/>
+                </a:ext>
+              </a:extLst>
+            </p:cNvPr>
+            <p:cNvSpPr/>
+            <p:nvPr/>
+          </p:nvSpPr>
+          <p:spPr>
+            <a:xfrm>
+              <a:off x="3201402" y="3642142"/>
+              <a:ext cx="1498294" cy="539826"/>
+            </a:xfrm>
+            <a:prstGeom prst="rect">
+              <a:avLst/>
+            </a:prstGeom>
+            <a:solidFill>
+              <a:schemeClr val="accent1">
+                <a:lumMod val="60000"/>
+                <a:lumOff val="40000"/>
+              </a:schemeClr>
+            </a:solidFill>
+            <a:ln>
+              <a:noFill/>
+            </a:ln>
+          </p:spPr>
+          <p:style>
+            <a:lnRef idx="2">
+              <a:schemeClr val="accent1">
+                <a:shade val="50000"/>
+              </a:schemeClr>
+            </a:lnRef>
+            <a:fillRef idx="1">
+              <a:schemeClr val="accent1"/>
+            </a:fillRef>
+            <a:effectRef idx="0">
+              <a:schemeClr val="accent1"/>
+            </a:effectRef>
+            <a:fontRef idx="minor">
+              <a:schemeClr val="lt1"/>
+            </a:fontRef>
+          </p:style>
+          <p:txBody>
+            <a:bodyPr rtlCol="0" anchor="ctr"/>
+            <a:lstStyle/>
+            <a:p>
+              <a:pPr algn="ctr"/>
+              <a:r>
+                <a:rPr lang="en-DE" dirty="0">
+                  <a:solidFill>
+                    <a:schemeClr val="tx1"/>
+                  </a:solidFill>
+                </a:rPr>
+                <a:t>Snapshot A</a:t>
+              </a:r>
+              <a:endParaRPr lang="en-US" dirty="0">
+                <a:solidFill>
+                  <a:schemeClr val="tx1"/>
+                </a:solidFill>
+              </a:endParaRPr>
+            </a:p>
+          </p:txBody>
+        </p:sp>
+        <p:sp>
+          <p:nvSpPr>
+            <p:cNvPr id="6" name="Rectangle 5">
+              <a:extLst>
+                <a:ext uri="{FF2B5EF4-FFF2-40B4-BE49-F238E27FC236}">
+                  <a16:creationId xmlns:a16="http://schemas.microsoft.com/office/drawing/2014/main" id="{C6B4B3B9-C62A-4441-BB0A-DAA3A8ECAFEF}"/>
+                </a:ext>
+              </a:extLst>
+            </p:cNvPr>
+            <p:cNvSpPr/>
+            <p:nvPr/>
+          </p:nvSpPr>
+          <p:spPr>
+            <a:xfrm>
+              <a:off x="4979478" y="3642142"/>
+              <a:ext cx="1498294" cy="539826"/>
+            </a:xfrm>
+            <a:prstGeom prst="rect">
+              <a:avLst/>
+            </a:prstGeom>
+            <a:solidFill>
+              <a:schemeClr val="accent1">
+                <a:lumMod val="60000"/>
+                <a:lumOff val="40000"/>
+              </a:schemeClr>
+            </a:solidFill>
+            <a:ln>
+              <a:noFill/>
+            </a:ln>
+          </p:spPr>
+          <p:style>
+            <a:lnRef idx="2">
+              <a:schemeClr val="accent1">
+                <a:shade val="50000"/>
+              </a:schemeClr>
+            </a:lnRef>
+            <a:fillRef idx="1">
+              <a:schemeClr val="accent1"/>
+            </a:fillRef>
+            <a:effectRef idx="0">
+              <a:schemeClr val="accent1"/>
+            </a:effectRef>
+            <a:fontRef idx="minor">
+              <a:schemeClr val="lt1"/>
+            </a:fontRef>
+          </p:style>
+          <p:txBody>
+            <a:bodyPr rtlCol="0" anchor="ctr"/>
+            <a:lstStyle/>
+            <a:p>
+              <a:pPr algn="ctr"/>
+              <a:r>
+                <a:rPr lang="en-DE" dirty="0">
+                  <a:solidFill>
+                    <a:schemeClr val="tx1"/>
+                  </a:solidFill>
+                </a:rPr>
+                <a:t>Snapshot B</a:t>
+              </a:r>
+              <a:endParaRPr lang="en-US" dirty="0">
+                <a:solidFill>
+                  <a:schemeClr val="tx1"/>
+                </a:solidFill>
+              </a:endParaRPr>
+            </a:p>
+          </p:txBody>
+        </p:sp>
+        <p:sp>
+          <p:nvSpPr>
+            <p:cNvPr id="7" name="Rectangle 6">
+              <a:extLst>
+                <a:ext uri="{FF2B5EF4-FFF2-40B4-BE49-F238E27FC236}">
+                  <a16:creationId xmlns:a16="http://schemas.microsoft.com/office/drawing/2014/main" id="{4C8F08D1-5C6B-457F-A663-5F0ED9F16E69}"/>
+                </a:ext>
+              </a:extLst>
+            </p:cNvPr>
+            <p:cNvSpPr/>
+            <p:nvPr/>
+          </p:nvSpPr>
+          <p:spPr>
+            <a:xfrm>
+              <a:off x="6757554" y="3642142"/>
+              <a:ext cx="1498294" cy="539826"/>
+            </a:xfrm>
+            <a:prstGeom prst="rect">
+              <a:avLst/>
+            </a:prstGeom>
+            <a:solidFill>
+              <a:schemeClr val="accent1">
+                <a:lumMod val="60000"/>
+                <a:lumOff val="40000"/>
+              </a:schemeClr>
+            </a:solidFill>
+            <a:ln>
+              <a:noFill/>
+            </a:ln>
+          </p:spPr>
+          <p:style>
+            <a:lnRef idx="2">
+              <a:schemeClr val="accent1">
+                <a:shade val="50000"/>
+              </a:schemeClr>
+            </a:lnRef>
+            <a:fillRef idx="1">
+              <a:schemeClr val="accent1"/>
+            </a:fillRef>
+            <a:effectRef idx="0">
+              <a:schemeClr val="accent1"/>
+            </a:effectRef>
+            <a:fontRef idx="minor">
+              <a:schemeClr val="lt1"/>
+            </a:fontRef>
+          </p:style>
+          <p:txBody>
+            <a:bodyPr rtlCol="0" anchor="ctr"/>
+            <a:lstStyle/>
+            <a:p>
+              <a:pPr algn="ctr"/>
+              <a:r>
+                <a:rPr lang="en-DE" dirty="0">
+                  <a:solidFill>
+                    <a:schemeClr val="tx1"/>
+                  </a:solidFill>
+                </a:rPr>
+                <a:t>Snapshot C</a:t>
+              </a:r>
+              <a:endParaRPr lang="en-US" dirty="0">
+                <a:solidFill>
+                  <a:schemeClr val="tx1"/>
+                </a:solidFill>
+              </a:endParaRPr>
+            </a:p>
+          </p:txBody>
+        </p:sp>
+        <p:cxnSp>
+          <p:nvCxnSpPr>
+            <p:cNvPr id="8" name="Straight Arrow Connector 7">
+              <a:extLst>
+                <a:ext uri="{FF2B5EF4-FFF2-40B4-BE49-F238E27FC236}">
+                  <a16:creationId xmlns:a16="http://schemas.microsoft.com/office/drawing/2014/main" id="{D5D4610F-3970-4F7C-B26E-4352BA48A148}"/>
+                </a:ext>
+              </a:extLst>
+            </p:cNvPr>
+            <p:cNvCxnSpPr>
+              <a:cxnSpLocks/>
+              <a:stCxn id="3" idx="2"/>
+              <a:endCxn id="6" idx="0"/>
+            </p:cNvCxnSpPr>
+            <p:nvPr/>
+          </p:nvCxnSpPr>
+          <p:spPr>
+            <a:xfrm>
+              <a:off x="5728625" y="3429000"/>
+              <a:ext cx="0" cy="213142"/>
+            </a:xfrm>
+            <a:prstGeom prst="straightConnector1">
+              <a:avLst/>
+            </a:prstGeom>
+            <a:ln w="28575">
+              <a:solidFill>
+                <a:schemeClr val="bg1">
+                  <a:lumMod val="50000"/>
+                </a:schemeClr>
+              </a:solidFill>
+              <a:tailEnd type="triangle"/>
+            </a:ln>
+          </p:spPr>
+          <p:style>
+            <a:lnRef idx="1">
+              <a:schemeClr val="accent1"/>
+            </a:lnRef>
+            <a:fillRef idx="0">
+              <a:schemeClr val="accent1"/>
+            </a:fillRef>
+            <a:effectRef idx="0">
+              <a:schemeClr val="accent1"/>
+            </a:effectRef>
+            <a:fontRef idx="minor">
+              <a:schemeClr val="tx1"/>
+            </a:fontRef>
+          </p:style>
+        </p:cxnSp>
+        <p:cxnSp>
+          <p:nvCxnSpPr>
+            <p:cNvPr id="9" name="Straight Arrow Connector 8">
+              <a:extLst>
+                <a:ext uri="{FF2B5EF4-FFF2-40B4-BE49-F238E27FC236}">
+                  <a16:creationId xmlns:a16="http://schemas.microsoft.com/office/drawing/2014/main" id="{B769CF27-4B7C-4C87-A5D5-953B027728CF}"/>
+                </a:ext>
+              </a:extLst>
+            </p:cNvPr>
+            <p:cNvCxnSpPr>
+              <a:cxnSpLocks/>
+            </p:cNvCxnSpPr>
+            <p:nvPr/>
+          </p:nvCxnSpPr>
+          <p:spPr>
+            <a:xfrm>
+              <a:off x="7522645" y="3429000"/>
+              <a:ext cx="0" cy="213142"/>
+            </a:xfrm>
+            <a:prstGeom prst="straightConnector1">
+              <a:avLst/>
+            </a:prstGeom>
+            <a:ln w="28575">
+              <a:solidFill>
+                <a:schemeClr val="bg1">
+                  <a:lumMod val="50000"/>
+                </a:schemeClr>
+              </a:solidFill>
+              <a:tailEnd type="triangle"/>
+            </a:ln>
+          </p:spPr>
+          <p:style>
+            <a:lnRef idx="1">
+              <a:schemeClr val="accent1"/>
+            </a:lnRef>
+            <a:fillRef idx="0">
+              <a:schemeClr val="accent1"/>
+            </a:fillRef>
+            <a:effectRef idx="0">
+              <a:schemeClr val="accent1"/>
+            </a:effectRef>
+            <a:fontRef idx="minor">
+              <a:schemeClr val="tx1"/>
+            </a:fontRef>
+          </p:style>
+        </p:cxnSp>
+        <p:cxnSp>
+          <p:nvCxnSpPr>
+            <p:cNvPr id="10" name="Straight Arrow Connector 9">
+              <a:extLst>
+                <a:ext uri="{FF2B5EF4-FFF2-40B4-BE49-F238E27FC236}">
+                  <a16:creationId xmlns:a16="http://schemas.microsoft.com/office/drawing/2014/main" id="{15DEA7A1-6775-432E-9CD1-B5EC3799B423}"/>
+                </a:ext>
+              </a:extLst>
+            </p:cNvPr>
+            <p:cNvCxnSpPr>
+              <a:cxnSpLocks/>
+            </p:cNvCxnSpPr>
+            <p:nvPr/>
+          </p:nvCxnSpPr>
+          <p:spPr>
+            <a:xfrm>
+              <a:off x="3917432" y="3429000"/>
+              <a:ext cx="0" cy="213142"/>
+            </a:xfrm>
+            <a:prstGeom prst="straightConnector1">
+              <a:avLst/>
+            </a:prstGeom>
+            <a:ln w="28575">
+              <a:solidFill>
+                <a:schemeClr val="bg1">
+                  <a:lumMod val="50000"/>
+                </a:schemeClr>
+              </a:solidFill>
+              <a:tailEnd type="triangle"/>
+            </a:ln>
+          </p:spPr>
+          <p:style>
+            <a:lnRef idx="1">
+              <a:schemeClr val="accent1"/>
+            </a:lnRef>
+            <a:fillRef idx="0">
+              <a:schemeClr val="accent1"/>
+            </a:fillRef>
+            <a:effectRef idx="0">
+              <a:schemeClr val="accent1"/>
+            </a:effectRef>
+            <a:fontRef idx="minor">
+              <a:schemeClr val="tx1"/>
+            </a:fontRef>
+          </p:style>
+        </p:cxnSp>
+        <p:cxnSp>
+          <p:nvCxnSpPr>
+            <p:cNvPr id="11" name="Straight Arrow Connector 10">
+              <a:extLst>
+                <a:ext uri="{FF2B5EF4-FFF2-40B4-BE49-F238E27FC236}">
+                  <a16:creationId xmlns:a16="http://schemas.microsoft.com/office/drawing/2014/main" id="{13DBE92E-471D-40A5-94F3-3141B65C8174}"/>
+                </a:ext>
+              </a:extLst>
+            </p:cNvPr>
+            <p:cNvCxnSpPr>
+              <a:cxnSpLocks/>
+              <a:stCxn id="4" idx="1"/>
+              <a:endCxn id="3" idx="3"/>
+            </p:cNvCxnSpPr>
+            <p:nvPr/>
+          </p:nvCxnSpPr>
+          <p:spPr>
+            <a:xfrm flipH="1">
+              <a:off x="6477772" y="3159087"/>
+              <a:ext cx="279782" cy="0"/>
+            </a:xfrm>
+            <a:prstGeom prst="straightConnector1">
+              <a:avLst/>
+            </a:prstGeom>
+            <a:ln w="28575">
+              <a:solidFill>
+                <a:schemeClr val="bg1">
+                  <a:lumMod val="50000"/>
+                </a:schemeClr>
+              </a:solidFill>
+              <a:tailEnd type="triangle"/>
+            </a:ln>
+          </p:spPr>
+          <p:style>
+            <a:lnRef idx="1">
+              <a:schemeClr val="accent1"/>
+            </a:lnRef>
+            <a:fillRef idx="0">
+              <a:schemeClr val="accent1"/>
+            </a:fillRef>
+            <a:effectRef idx="0">
+              <a:schemeClr val="accent1"/>
+            </a:effectRef>
+            <a:fontRef idx="minor">
+              <a:schemeClr val="tx1"/>
+            </a:fontRef>
+          </p:style>
+        </p:cxnSp>
+        <p:cxnSp>
+          <p:nvCxnSpPr>
+            <p:cNvPr id="12" name="Straight Arrow Connector 11">
+              <a:extLst>
+                <a:ext uri="{FF2B5EF4-FFF2-40B4-BE49-F238E27FC236}">
+                  <a16:creationId xmlns:a16="http://schemas.microsoft.com/office/drawing/2014/main" id="{72923ACE-3215-46F0-9059-9C65249ABD97}"/>
+                </a:ext>
+              </a:extLst>
+            </p:cNvPr>
+            <p:cNvCxnSpPr>
+              <a:cxnSpLocks/>
+            </p:cNvCxnSpPr>
+            <p:nvPr/>
+          </p:nvCxnSpPr>
+          <p:spPr>
+            <a:xfrm flipH="1">
+              <a:off x="4699696" y="3159087"/>
+              <a:ext cx="279782" cy="0"/>
+            </a:xfrm>
+            <a:prstGeom prst="straightConnector1">
+              <a:avLst/>
+            </a:prstGeom>
+            <a:ln w="28575">
+              <a:solidFill>
+                <a:schemeClr val="bg1">
+                  <a:lumMod val="50000"/>
+                </a:schemeClr>
+              </a:solidFill>
+              <a:tailEnd type="triangle"/>
+            </a:ln>
+          </p:spPr>
+          <p:style>
+            <a:lnRef idx="1">
+              <a:schemeClr val="accent1"/>
+            </a:lnRef>
+            <a:fillRef idx="0">
+              <a:schemeClr val="accent1"/>
+            </a:fillRef>
+            <a:effectRef idx="0">
+              <a:schemeClr val="accent1"/>
+            </a:effectRef>
+            <a:fontRef idx="minor">
+              <a:schemeClr val="tx1"/>
+            </a:fontRef>
+          </p:style>
+        </p:cxnSp>
+        <p:sp>
+          <p:nvSpPr>
+            <p:cNvPr id="13" name="Oval 12">
+              <a:extLst>
+                <a:ext uri="{FF2B5EF4-FFF2-40B4-BE49-F238E27FC236}">
+                  <a16:creationId xmlns:a16="http://schemas.microsoft.com/office/drawing/2014/main" id="{D1CED551-D70F-431D-B515-0967F20C9FD0}"/>
+                </a:ext>
+              </a:extLst>
+            </p:cNvPr>
+            <p:cNvSpPr/>
+            <p:nvPr/>
+          </p:nvSpPr>
+          <p:spPr>
+            <a:xfrm>
+              <a:off x="6867780" y="2195972"/>
+              <a:ext cx="1241603" cy="480060"/>
+            </a:xfrm>
+            <a:prstGeom prst="ellipse">
+              <a:avLst/>
+            </a:prstGeom>
+          </p:spPr>
+          <p:style>
+            <a:lnRef idx="2">
+              <a:schemeClr val="accent2">
+                <a:shade val="50000"/>
+              </a:schemeClr>
+            </a:lnRef>
+            <a:fillRef idx="1">
+              <a:schemeClr val="accent2"/>
+            </a:fillRef>
+            <a:effectRef idx="0">
+              <a:schemeClr val="accent2"/>
+            </a:effectRef>
+            <a:fontRef idx="minor">
+              <a:schemeClr val="lt1"/>
+            </a:fontRef>
+          </p:style>
+          <p:txBody>
+            <a:bodyPr rtlCol="0" anchor="ctr"/>
+            <a:lstStyle/>
+            <a:p>
+              <a:pPr algn="ctr"/>
+              <a:r>
+                <a:rPr lang="en-DE" dirty="0"/>
+                <a:t>master</a:t>
+              </a:r>
+              <a:endParaRPr lang="en-US" dirty="0"/>
+            </a:p>
+          </p:txBody>
+        </p:sp>
+        <p:sp>
+          <p:nvSpPr>
+            <p:cNvPr id="14" name="Oval 13">
+              <a:extLst>
+                <a:ext uri="{FF2B5EF4-FFF2-40B4-BE49-F238E27FC236}">
+                  <a16:creationId xmlns:a16="http://schemas.microsoft.com/office/drawing/2014/main" id="{25244AB2-CEAC-45AC-8549-E9F115E91D61}"/>
+                </a:ext>
+              </a:extLst>
+            </p:cNvPr>
+            <p:cNvSpPr/>
+            <p:nvPr/>
+          </p:nvSpPr>
+          <p:spPr>
+            <a:xfrm>
+              <a:off x="6867781" y="1524185"/>
+              <a:ext cx="1241603" cy="480060"/>
+            </a:xfrm>
+            <a:prstGeom prst="ellipse">
+              <a:avLst/>
+            </a:prstGeom>
+          </p:spPr>
+          <p:style>
+            <a:lnRef idx="2">
+              <a:schemeClr val="accent4">
+                <a:shade val="50000"/>
+              </a:schemeClr>
+            </a:lnRef>
+            <a:fillRef idx="1">
+              <a:schemeClr val="accent4"/>
+            </a:fillRef>
+            <a:effectRef idx="0">
+              <a:schemeClr val="accent4"/>
+            </a:effectRef>
+            <a:fontRef idx="minor">
+              <a:schemeClr val="lt1"/>
+            </a:fontRef>
+          </p:style>
+          <p:txBody>
+            <a:bodyPr rtlCol="0" anchor="ctr"/>
+            <a:lstStyle/>
+            <a:p>
+              <a:pPr algn="ctr"/>
+              <a:r>
+                <a:rPr lang="en-DE" dirty="0"/>
+                <a:t>HEAD</a:t>
+              </a:r>
+              <a:endParaRPr lang="en-US" dirty="0"/>
+            </a:p>
+          </p:txBody>
+        </p:sp>
+        <p:cxnSp>
+          <p:nvCxnSpPr>
+            <p:cNvPr id="15" name="Straight Arrow Connector 14">
+              <a:extLst>
+                <a:ext uri="{FF2B5EF4-FFF2-40B4-BE49-F238E27FC236}">
+                  <a16:creationId xmlns:a16="http://schemas.microsoft.com/office/drawing/2014/main" id="{973D57FC-3A2D-4892-9F66-F4D19AE8C979}"/>
+                </a:ext>
+              </a:extLst>
+            </p:cNvPr>
+            <p:cNvCxnSpPr>
+              <a:cxnSpLocks/>
+            </p:cNvCxnSpPr>
+            <p:nvPr/>
+          </p:nvCxnSpPr>
+          <p:spPr>
+            <a:xfrm>
+              <a:off x="7502629" y="2676032"/>
+              <a:ext cx="0" cy="213142"/>
+            </a:xfrm>
+            <a:prstGeom prst="straightConnector1">
+              <a:avLst/>
+            </a:prstGeom>
+            <a:ln w="28575">
+              <a:solidFill>
+                <a:schemeClr val="bg1">
+                  <a:lumMod val="50000"/>
+                </a:schemeClr>
+              </a:solidFill>
+              <a:tailEnd type="triangle"/>
+            </a:ln>
+          </p:spPr>
+          <p:style>
+            <a:lnRef idx="1">
+              <a:schemeClr val="accent1"/>
+            </a:lnRef>
+            <a:fillRef idx="0">
+              <a:schemeClr val="accent1"/>
+            </a:fillRef>
+            <a:effectRef idx="0">
+              <a:schemeClr val="accent1"/>
+            </a:effectRef>
+            <a:fontRef idx="minor">
+              <a:schemeClr val="tx1"/>
+            </a:fontRef>
+          </p:style>
+        </p:cxnSp>
+        <p:cxnSp>
+          <p:nvCxnSpPr>
+            <p:cNvPr id="16" name="Straight Arrow Connector 15">
+              <a:extLst>
+                <a:ext uri="{FF2B5EF4-FFF2-40B4-BE49-F238E27FC236}">
+                  <a16:creationId xmlns:a16="http://schemas.microsoft.com/office/drawing/2014/main" id="{06E12D62-54D0-4721-AF9B-823EFEF64D5B}"/>
+                </a:ext>
+              </a:extLst>
+            </p:cNvPr>
+            <p:cNvCxnSpPr>
+              <a:cxnSpLocks/>
+            </p:cNvCxnSpPr>
+            <p:nvPr/>
+          </p:nvCxnSpPr>
+          <p:spPr>
+            <a:xfrm>
+              <a:off x="7492129" y="2004245"/>
+              <a:ext cx="0" cy="213142"/>
+            </a:xfrm>
+            <a:prstGeom prst="straightConnector1">
+              <a:avLst/>
+            </a:prstGeom>
+            <a:ln w="28575">
+              <a:solidFill>
+                <a:schemeClr val="bg1">
+                  <a:lumMod val="50000"/>
+                </a:schemeClr>
+              </a:solidFill>
+              <a:tailEnd type="triangle"/>
+            </a:ln>
+          </p:spPr>
+          <p:style>
+            <a:lnRef idx="1">
+              <a:schemeClr val="accent1"/>
+            </a:lnRef>
+            <a:fillRef idx="0">
+              <a:schemeClr val="accent1"/>
+            </a:fillRef>
+            <a:effectRef idx="0">
+              <a:schemeClr val="accent1"/>
+            </a:effectRef>
+            <a:fontRef idx="minor">
+              <a:schemeClr val="tx1"/>
+            </a:fontRef>
+          </p:style>
+        </p:cxnSp>
+      </p:grpSp>
+    </p:spTree>
+    <p:extLst>
+      <p:ext uri="{BB962C8B-B14F-4D97-AF65-F5344CB8AC3E}">
+        <p14:creationId xmlns:p14="http://schemas.microsoft.com/office/powerpoint/2010/main" val="2703007825"/>
+      </p:ext>
+    </p:extLst>
+  </p:cSld>
+  <p:clrMapOvr>
+    <a:masterClrMapping/>
+  </p:clrMapOvr>
+</p:sld>
+</file>
+
+<file path=ppt/slides/slide17.xml><?xml version="1.0" encoding="utf-8"?>
+<p:sld xmlns:a="http://schemas.openxmlformats.org/drawingml/2006/main" xmlns:r="http://schemas.openxmlformats.org/officeDocument/2006/relationships" xmlns:p="http://schemas.openxmlformats.org/presentationml/2006/main">
+  <p:cSld>
+    <p:spTree>
+      <p:nvGrpSpPr>
+        <p:cNvPr id="1" name=""/>
+        <p:cNvGrpSpPr/>
+        <p:nvPr/>
+      </p:nvGrpSpPr>
+      <p:grpSpPr>
+        <a:xfrm>
+          <a:off x="0" y="0"/>
+          <a:ext cx="0" cy="0"/>
+          <a:chOff x="0" y="0"/>
+          <a:chExt cx="0" cy="0"/>
+        </a:xfrm>
+      </p:grpSpPr>
+      <p:grpSp>
+        <p:nvGrpSpPr>
+          <p:cNvPr id="15" name="Group 14">
+            <a:extLst>
+              <a:ext uri="{FF2B5EF4-FFF2-40B4-BE49-F238E27FC236}">
+                <a16:creationId xmlns:a16="http://schemas.microsoft.com/office/drawing/2014/main" id="{82A19137-3AB1-4454-A471-600AD03278B0}"/>
+              </a:ext>
+            </a:extLst>
+          </p:cNvPr>
+          <p:cNvGrpSpPr/>
+          <p:nvPr/>
+        </p:nvGrpSpPr>
+        <p:grpSpPr>
+          <a:xfrm>
+            <a:off x="6528262" y="1752972"/>
+            <a:ext cx="5054446" cy="2598514"/>
+            <a:chOff x="6528262" y="1752972"/>
+            <a:chExt cx="5054446" cy="2598514"/>
+          </a:xfrm>
+        </p:grpSpPr>
+        <p:sp>
+          <p:nvSpPr>
+            <p:cNvPr id="2" name="Rectangle 1">
+              <a:extLst>
+                <a:ext uri="{FF2B5EF4-FFF2-40B4-BE49-F238E27FC236}">
+                  <a16:creationId xmlns:a16="http://schemas.microsoft.com/office/drawing/2014/main" id="{BD529194-D421-499E-9343-A7B656960024}"/>
+                </a:ext>
+              </a:extLst>
+            </p:cNvPr>
+            <p:cNvSpPr/>
+            <p:nvPr/>
+          </p:nvSpPr>
+          <p:spPr>
+            <a:xfrm>
+              <a:off x="6528262" y="3117961"/>
+              <a:ext cx="1498294" cy="539826"/>
+            </a:xfrm>
+            <a:prstGeom prst="rect">
+              <a:avLst/>
+            </a:prstGeom>
+            <a:solidFill>
+              <a:schemeClr val="bg1">
+                <a:lumMod val="85000"/>
+              </a:schemeClr>
+            </a:solidFill>
+            <a:ln>
+              <a:solidFill>
+                <a:schemeClr val="bg1">
+                  <a:lumMod val="85000"/>
+                </a:schemeClr>
+              </a:solidFill>
+            </a:ln>
+          </p:spPr>
+          <p:style>
+            <a:lnRef idx="2">
+              <a:schemeClr val="accent1">
+                <a:shade val="50000"/>
+              </a:schemeClr>
+            </a:lnRef>
+            <a:fillRef idx="1">
+              <a:schemeClr val="accent1"/>
+            </a:fillRef>
+            <a:effectRef idx="0">
+              <a:schemeClr val="accent1"/>
+            </a:effectRef>
+            <a:fontRef idx="minor">
+              <a:schemeClr val="lt1"/>
+            </a:fontRef>
+          </p:style>
+          <p:txBody>
+            <a:bodyPr rtlCol="0" anchor="ctr"/>
+            <a:lstStyle/>
+            <a:p>
+              <a:pPr algn="ctr"/>
+              <a:r>
+                <a:rPr lang="en-DE" dirty="0">
+                  <a:solidFill>
+                    <a:schemeClr val="tx1"/>
+                  </a:solidFill>
+                </a:rPr>
+                <a:t>89ca9</a:t>
+              </a:r>
+              <a:endParaRPr lang="en-US" dirty="0">
+                <a:solidFill>
+                  <a:schemeClr val="tx1"/>
+                </a:solidFill>
+              </a:endParaRPr>
+            </a:p>
+          </p:txBody>
+        </p:sp>
+        <p:sp>
+          <p:nvSpPr>
+            <p:cNvPr id="3" name="Rectangle 2">
+              <a:extLst>
+                <a:ext uri="{FF2B5EF4-FFF2-40B4-BE49-F238E27FC236}">
+                  <a16:creationId xmlns:a16="http://schemas.microsoft.com/office/drawing/2014/main" id="{EB01F40B-68B7-4B75-BFD6-CF62905DD0B4}"/>
+                </a:ext>
+              </a:extLst>
+            </p:cNvPr>
+            <p:cNvSpPr/>
+            <p:nvPr/>
+          </p:nvSpPr>
+          <p:spPr>
+            <a:xfrm>
+              <a:off x="8306338" y="3117961"/>
+              <a:ext cx="1498294" cy="539826"/>
+            </a:xfrm>
+            <a:prstGeom prst="rect">
+              <a:avLst/>
+            </a:prstGeom>
+            <a:solidFill>
+              <a:schemeClr val="bg1">
+                <a:lumMod val="85000"/>
+              </a:schemeClr>
+            </a:solidFill>
+            <a:ln>
+              <a:solidFill>
+                <a:schemeClr val="bg1">
+                  <a:lumMod val="85000"/>
+                </a:schemeClr>
+              </a:solidFill>
+            </a:ln>
+          </p:spPr>
+          <p:style>
+            <a:lnRef idx="2">
+              <a:schemeClr val="accent1">
+                <a:shade val="50000"/>
+              </a:schemeClr>
+            </a:lnRef>
+            <a:fillRef idx="1">
+              <a:schemeClr val="accent1"/>
+            </a:fillRef>
+            <a:effectRef idx="0">
+              <a:schemeClr val="accent1"/>
+            </a:effectRef>
+            <a:fontRef idx="minor">
+              <a:schemeClr val="lt1"/>
+            </a:fontRef>
+          </p:style>
+          <p:txBody>
+            <a:bodyPr rtlCol="0" anchor="ctr"/>
+            <a:lstStyle/>
+            <a:p>
+              <a:pPr algn="ctr"/>
+              <a:r>
+                <a:rPr lang="en-DE" dirty="0">
+                  <a:solidFill>
+                    <a:schemeClr val="tx1"/>
+                  </a:solidFill>
+                </a:rPr>
+                <a:t>7b4sa</a:t>
+              </a:r>
+              <a:endParaRPr lang="en-US" dirty="0">
+                <a:solidFill>
+                  <a:schemeClr val="tx1"/>
+                </a:solidFill>
+              </a:endParaRPr>
+            </a:p>
+          </p:txBody>
+        </p:sp>
+        <p:sp>
+          <p:nvSpPr>
+            <p:cNvPr id="4" name="Rectangle 3">
+              <a:extLst>
+                <a:ext uri="{FF2B5EF4-FFF2-40B4-BE49-F238E27FC236}">
+                  <a16:creationId xmlns:a16="http://schemas.microsoft.com/office/drawing/2014/main" id="{FC17753A-D37A-4FB5-9027-98F9B0D683BD}"/>
+                </a:ext>
+              </a:extLst>
+            </p:cNvPr>
+            <p:cNvSpPr/>
+            <p:nvPr/>
+          </p:nvSpPr>
+          <p:spPr>
+            <a:xfrm>
+              <a:off x="10084414" y="3117961"/>
+              <a:ext cx="1498294" cy="539826"/>
+            </a:xfrm>
+            <a:prstGeom prst="rect">
+              <a:avLst/>
+            </a:prstGeom>
+            <a:solidFill>
+              <a:schemeClr val="bg1">
+                <a:lumMod val="85000"/>
+              </a:schemeClr>
+            </a:solidFill>
+            <a:ln>
+              <a:solidFill>
+                <a:schemeClr val="bg1">
+                  <a:lumMod val="85000"/>
+                </a:schemeClr>
+              </a:solidFill>
+            </a:ln>
+          </p:spPr>
+          <p:style>
+            <a:lnRef idx="2">
+              <a:schemeClr val="accent1">
+                <a:shade val="50000"/>
+              </a:schemeClr>
+            </a:lnRef>
+            <a:fillRef idx="1">
+              <a:schemeClr val="accent1"/>
+            </a:fillRef>
+            <a:effectRef idx="0">
+              <a:schemeClr val="accent1"/>
+            </a:effectRef>
+            <a:fontRef idx="minor">
+              <a:schemeClr val="lt1"/>
+            </a:fontRef>
+          </p:style>
+          <p:txBody>
+            <a:bodyPr rtlCol="0" anchor="ctr"/>
+            <a:lstStyle/>
+            <a:p>
+              <a:pPr algn="ctr"/>
+              <a:r>
+                <a:rPr lang="en-DE" dirty="0">
+                  <a:solidFill>
+                    <a:schemeClr val="tx1"/>
+                  </a:solidFill>
+                </a:rPr>
+                <a:t>f3d83</a:t>
+              </a:r>
+              <a:endParaRPr lang="en-US" dirty="0">
+                <a:solidFill>
+                  <a:schemeClr val="tx1"/>
+                </a:solidFill>
+              </a:endParaRPr>
+            </a:p>
+          </p:txBody>
+        </p:sp>
+        <p:cxnSp>
+          <p:nvCxnSpPr>
+            <p:cNvPr id="5" name="Straight Arrow Connector 4">
+              <a:extLst>
+                <a:ext uri="{FF2B5EF4-FFF2-40B4-BE49-F238E27FC236}">
+                  <a16:creationId xmlns:a16="http://schemas.microsoft.com/office/drawing/2014/main" id="{E0149FD4-FCBA-4918-BED8-204570B6B688}"/>
+                </a:ext>
+              </a:extLst>
+            </p:cNvPr>
+            <p:cNvCxnSpPr>
+              <a:cxnSpLocks/>
+              <a:stCxn id="4" idx="1"/>
+              <a:endCxn id="3" idx="3"/>
+            </p:cNvCxnSpPr>
+            <p:nvPr/>
+          </p:nvCxnSpPr>
+          <p:spPr>
+            <a:xfrm flipH="1">
+              <a:off x="9804632" y="3387874"/>
+              <a:ext cx="279782" cy="0"/>
+            </a:xfrm>
+            <a:prstGeom prst="straightConnector1">
+              <a:avLst/>
+            </a:prstGeom>
+            <a:ln w="28575">
+              <a:solidFill>
+                <a:schemeClr val="bg1">
+                  <a:lumMod val="50000"/>
+                </a:schemeClr>
+              </a:solidFill>
+              <a:tailEnd type="triangle"/>
+            </a:ln>
+          </p:spPr>
+          <p:style>
+            <a:lnRef idx="1">
+              <a:schemeClr val="accent1"/>
+            </a:lnRef>
+            <a:fillRef idx="0">
+              <a:schemeClr val="accent1"/>
+            </a:fillRef>
+            <a:effectRef idx="0">
+              <a:schemeClr val="accent1"/>
+            </a:effectRef>
+            <a:fontRef idx="minor">
+              <a:schemeClr val="tx1"/>
+            </a:fontRef>
+          </p:style>
+        </p:cxnSp>
+        <p:cxnSp>
+          <p:nvCxnSpPr>
+            <p:cNvPr id="6" name="Straight Arrow Connector 5">
+              <a:extLst>
+                <a:ext uri="{FF2B5EF4-FFF2-40B4-BE49-F238E27FC236}">
+                  <a16:creationId xmlns:a16="http://schemas.microsoft.com/office/drawing/2014/main" id="{F99C6EAF-6BA1-4447-BADE-92BCF168DEF9}"/>
+                </a:ext>
+              </a:extLst>
+            </p:cNvPr>
+            <p:cNvCxnSpPr>
+              <a:cxnSpLocks/>
+            </p:cNvCxnSpPr>
+            <p:nvPr/>
+          </p:nvCxnSpPr>
+          <p:spPr>
+            <a:xfrm flipH="1">
+              <a:off x="8026556" y="3387874"/>
+              <a:ext cx="279782" cy="0"/>
+            </a:xfrm>
+            <a:prstGeom prst="straightConnector1">
+              <a:avLst/>
+            </a:prstGeom>
+            <a:ln w="28575">
+              <a:solidFill>
+                <a:schemeClr val="bg1">
+                  <a:lumMod val="50000"/>
+                </a:schemeClr>
+              </a:solidFill>
+              <a:tailEnd type="triangle"/>
+            </a:ln>
+          </p:spPr>
+          <p:style>
+            <a:lnRef idx="1">
+              <a:schemeClr val="accent1"/>
+            </a:lnRef>
+            <a:fillRef idx="0">
+              <a:schemeClr val="accent1"/>
+            </a:fillRef>
+            <a:effectRef idx="0">
+              <a:schemeClr val="accent1"/>
+            </a:effectRef>
+            <a:fontRef idx="minor">
+              <a:schemeClr val="tx1"/>
+            </a:fontRef>
+          </p:style>
+        </p:cxnSp>
+        <p:sp>
+          <p:nvSpPr>
+            <p:cNvPr id="7" name="Oval 6">
+              <a:extLst>
+                <a:ext uri="{FF2B5EF4-FFF2-40B4-BE49-F238E27FC236}">
+                  <a16:creationId xmlns:a16="http://schemas.microsoft.com/office/drawing/2014/main" id="{DBEFE5F0-E27B-404C-898E-70BE7CC4E035}"/>
+                </a:ext>
+              </a:extLst>
+            </p:cNvPr>
+            <p:cNvSpPr/>
+            <p:nvPr/>
+          </p:nvSpPr>
+          <p:spPr>
+            <a:xfrm>
+              <a:off x="10194640" y="2424759"/>
+              <a:ext cx="1241603" cy="480060"/>
+            </a:xfrm>
+            <a:prstGeom prst="ellipse">
+              <a:avLst/>
+            </a:prstGeom>
+          </p:spPr>
+          <p:style>
+            <a:lnRef idx="2">
+              <a:schemeClr val="accent2">
+                <a:shade val="50000"/>
+              </a:schemeClr>
+            </a:lnRef>
+            <a:fillRef idx="1">
+              <a:schemeClr val="accent2"/>
+            </a:fillRef>
+            <a:effectRef idx="0">
+              <a:schemeClr val="accent2"/>
+            </a:effectRef>
+            <a:fontRef idx="minor">
+              <a:schemeClr val="lt1"/>
+            </a:fontRef>
+          </p:style>
+          <p:txBody>
+            <a:bodyPr rtlCol="0" anchor="ctr"/>
+            <a:lstStyle/>
+            <a:p>
+              <a:pPr algn="ctr"/>
+              <a:r>
+                <a:rPr lang="en-DE" dirty="0"/>
+                <a:t>master</a:t>
+              </a:r>
+              <a:endParaRPr lang="en-US" dirty="0"/>
+            </a:p>
+          </p:txBody>
+        </p:sp>
+        <p:sp>
+          <p:nvSpPr>
+            <p:cNvPr id="8" name="Oval 7">
+              <a:extLst>
+                <a:ext uri="{FF2B5EF4-FFF2-40B4-BE49-F238E27FC236}">
+                  <a16:creationId xmlns:a16="http://schemas.microsoft.com/office/drawing/2014/main" id="{F8D54397-D723-4263-8D90-B429C55F2EAD}"/>
+                </a:ext>
+              </a:extLst>
+            </p:cNvPr>
+            <p:cNvSpPr/>
+            <p:nvPr/>
+          </p:nvSpPr>
+          <p:spPr>
+            <a:xfrm>
+              <a:off x="10194641" y="1752972"/>
+              <a:ext cx="1241603" cy="480060"/>
+            </a:xfrm>
+            <a:prstGeom prst="ellipse">
+              <a:avLst/>
+            </a:prstGeom>
+          </p:spPr>
+          <p:style>
+            <a:lnRef idx="2">
+              <a:schemeClr val="accent4">
+                <a:shade val="50000"/>
+              </a:schemeClr>
+            </a:lnRef>
+            <a:fillRef idx="1">
+              <a:schemeClr val="accent4"/>
+            </a:fillRef>
+            <a:effectRef idx="0">
+              <a:schemeClr val="accent4"/>
+            </a:effectRef>
+            <a:fontRef idx="minor">
+              <a:schemeClr val="lt1"/>
+            </a:fontRef>
+          </p:style>
+          <p:txBody>
+            <a:bodyPr rtlCol="0" anchor="ctr"/>
+            <a:lstStyle/>
+            <a:p>
+              <a:pPr algn="ctr"/>
+              <a:r>
+                <a:rPr lang="en-DE" dirty="0"/>
+                <a:t>HEAD</a:t>
+              </a:r>
+              <a:endParaRPr lang="en-US" dirty="0"/>
+            </a:p>
+          </p:txBody>
+        </p:sp>
+        <p:cxnSp>
+          <p:nvCxnSpPr>
+            <p:cNvPr id="9" name="Straight Arrow Connector 8">
+              <a:extLst>
+                <a:ext uri="{FF2B5EF4-FFF2-40B4-BE49-F238E27FC236}">
+                  <a16:creationId xmlns:a16="http://schemas.microsoft.com/office/drawing/2014/main" id="{748D1E36-2EB3-455B-9B10-7B4F56D185D2}"/>
+                </a:ext>
+              </a:extLst>
+            </p:cNvPr>
+            <p:cNvCxnSpPr>
+              <a:cxnSpLocks/>
+            </p:cNvCxnSpPr>
+            <p:nvPr/>
+          </p:nvCxnSpPr>
+          <p:spPr>
+            <a:xfrm>
+              <a:off x="10829489" y="2904819"/>
+              <a:ext cx="0" cy="213142"/>
+            </a:xfrm>
+            <a:prstGeom prst="straightConnector1">
+              <a:avLst/>
+            </a:prstGeom>
+            <a:ln w="28575">
+              <a:solidFill>
+                <a:schemeClr val="bg1">
+                  <a:lumMod val="50000"/>
+                </a:schemeClr>
+              </a:solidFill>
+              <a:tailEnd type="triangle"/>
+            </a:ln>
+          </p:spPr>
+          <p:style>
+            <a:lnRef idx="1">
+              <a:schemeClr val="accent1"/>
+            </a:lnRef>
+            <a:fillRef idx="0">
+              <a:schemeClr val="accent1"/>
+            </a:fillRef>
+            <a:effectRef idx="0">
+              <a:schemeClr val="accent1"/>
+            </a:effectRef>
+            <a:fontRef idx="minor">
+              <a:schemeClr val="tx1"/>
+            </a:fontRef>
+          </p:style>
+        </p:cxnSp>
+        <p:cxnSp>
+          <p:nvCxnSpPr>
+            <p:cNvPr id="10" name="Straight Arrow Connector 9">
+              <a:extLst>
+                <a:ext uri="{FF2B5EF4-FFF2-40B4-BE49-F238E27FC236}">
+                  <a16:creationId xmlns:a16="http://schemas.microsoft.com/office/drawing/2014/main" id="{771B6F8C-0194-4355-A7BD-905965F5E31E}"/>
+                </a:ext>
+              </a:extLst>
+            </p:cNvPr>
+            <p:cNvCxnSpPr>
+              <a:cxnSpLocks/>
+            </p:cNvCxnSpPr>
+            <p:nvPr/>
+          </p:nvCxnSpPr>
+          <p:spPr>
+            <a:xfrm>
+              <a:off x="10818989" y="2233032"/>
+              <a:ext cx="0" cy="213142"/>
+            </a:xfrm>
+            <a:prstGeom prst="straightConnector1">
+              <a:avLst/>
+            </a:prstGeom>
+            <a:ln w="28575">
+              <a:solidFill>
+                <a:schemeClr val="bg1">
+                  <a:lumMod val="50000"/>
+                </a:schemeClr>
+              </a:solidFill>
+              <a:tailEnd type="triangle"/>
+            </a:ln>
+          </p:spPr>
+          <p:style>
+            <a:lnRef idx="1">
+              <a:schemeClr val="accent1"/>
+            </a:lnRef>
+            <a:fillRef idx="0">
+              <a:schemeClr val="accent1"/>
+            </a:fillRef>
+            <a:effectRef idx="0">
+              <a:schemeClr val="accent1"/>
+            </a:effectRef>
+            <a:fontRef idx="minor">
+              <a:schemeClr val="tx1"/>
+            </a:fontRef>
+          </p:style>
+        </p:cxnSp>
+        <p:sp>
+          <p:nvSpPr>
+            <p:cNvPr id="11" name="Oval 10">
+              <a:extLst>
+                <a:ext uri="{FF2B5EF4-FFF2-40B4-BE49-F238E27FC236}">
+                  <a16:creationId xmlns:a16="http://schemas.microsoft.com/office/drawing/2014/main" id="{753A8071-7D11-4338-97F6-217192817111}"/>
+                </a:ext>
+              </a:extLst>
+            </p:cNvPr>
+            <p:cNvSpPr/>
+            <p:nvPr/>
+          </p:nvSpPr>
+          <p:spPr>
+            <a:xfrm>
+              <a:off x="10228703" y="3871426"/>
+              <a:ext cx="1241603" cy="480060"/>
+            </a:xfrm>
+            <a:prstGeom prst="ellipse">
+              <a:avLst/>
+            </a:prstGeom>
+            <a:solidFill>
+              <a:srgbClr val="7030A0"/>
+            </a:solidFill>
+            <a:ln>
+              <a:noFill/>
+            </a:ln>
+          </p:spPr>
+          <p:style>
+            <a:lnRef idx="2">
+              <a:schemeClr val="accent2">
+                <a:shade val="50000"/>
+              </a:schemeClr>
+            </a:lnRef>
+            <a:fillRef idx="1">
+              <a:schemeClr val="accent2"/>
+            </a:fillRef>
+            <a:effectRef idx="0">
+              <a:schemeClr val="accent2"/>
+            </a:effectRef>
+            <a:fontRef idx="minor">
+              <a:schemeClr val="lt1"/>
+            </a:fontRef>
+          </p:style>
+          <p:txBody>
+            <a:bodyPr rtlCol="0" anchor="ctr"/>
+            <a:lstStyle/>
+            <a:p>
+              <a:pPr algn="ctr"/>
+              <a:r>
+                <a:rPr lang="en-DE" sz="1400" dirty="0"/>
+                <a:t>change_alice</a:t>
+              </a:r>
+              <a:endParaRPr lang="en-US" sz="1400" dirty="0"/>
+            </a:p>
+          </p:txBody>
+        </p:sp>
+        <p:cxnSp>
+          <p:nvCxnSpPr>
+            <p:cNvPr id="12" name="Straight Arrow Connector 11">
+              <a:extLst>
+                <a:ext uri="{FF2B5EF4-FFF2-40B4-BE49-F238E27FC236}">
+                  <a16:creationId xmlns:a16="http://schemas.microsoft.com/office/drawing/2014/main" id="{84611340-9A7F-4B39-B51B-261C97AAD41F}"/>
+                </a:ext>
+              </a:extLst>
+            </p:cNvPr>
+            <p:cNvCxnSpPr>
+              <a:cxnSpLocks/>
+              <a:stCxn id="11" idx="0"/>
+            </p:cNvCxnSpPr>
+            <p:nvPr/>
+          </p:nvCxnSpPr>
+          <p:spPr>
+            <a:xfrm flipH="1" flipV="1">
+              <a:off x="10833561" y="3636055"/>
+              <a:ext cx="15944" cy="235371"/>
+            </a:xfrm>
+            <a:prstGeom prst="straightConnector1">
+              <a:avLst/>
+            </a:prstGeom>
+            <a:ln w="28575">
+              <a:solidFill>
+                <a:schemeClr val="bg1">
+                  <a:lumMod val="50000"/>
+                </a:schemeClr>
+              </a:solidFill>
+              <a:tailEnd type="triangle"/>
+            </a:ln>
+          </p:spPr>
+          <p:style>
+            <a:lnRef idx="1">
+              <a:schemeClr val="accent1"/>
+            </a:lnRef>
+            <a:fillRef idx="0">
+              <a:schemeClr val="accent1"/>
+            </a:fillRef>
+            <a:effectRef idx="0">
+              <a:schemeClr val="accent1"/>
+            </a:effectRef>
+            <a:fontRef idx="minor">
+              <a:schemeClr val="tx1"/>
+            </a:fontRef>
+          </p:style>
+        </p:cxnSp>
+        <p:sp>
+          <p:nvSpPr>
+            <p:cNvPr id="14" name="TextBox 13">
+              <a:extLst>
+                <a:ext uri="{FF2B5EF4-FFF2-40B4-BE49-F238E27FC236}">
+                  <a16:creationId xmlns:a16="http://schemas.microsoft.com/office/drawing/2014/main" id="{580AD429-915A-479A-983F-3184ED6BE381}"/>
+                </a:ext>
+              </a:extLst>
+            </p:cNvPr>
+            <p:cNvSpPr txBox="1"/>
+            <p:nvPr/>
+          </p:nvSpPr>
+          <p:spPr>
+            <a:xfrm>
+              <a:off x="7573516" y="3957567"/>
+              <a:ext cx="2600960" cy="307777"/>
+            </a:xfrm>
+            <a:prstGeom prst="rect">
+              <a:avLst/>
+            </a:prstGeom>
+            <a:solidFill>
+              <a:schemeClr val="bg1">
+                <a:lumMod val="95000"/>
+              </a:schemeClr>
+            </a:solidFill>
+          </p:spPr>
+          <p:txBody>
+            <a:bodyPr wrap="square" rtlCol="0">
+              <a:spAutoFit/>
+            </a:bodyPr>
+            <a:lstStyle/>
+            <a:p>
+              <a:pPr algn="ctr"/>
+              <a:r>
+                <a:rPr lang="de-DE" sz="1400" dirty="0" err="1">
+                  <a:latin typeface="Consolas" panose="020B0609020204030204" pitchFamily="49" charset="0"/>
+                </a:rPr>
+                <a:t>git</a:t>
+              </a:r>
+              <a:r>
+                <a:rPr lang="de-DE" sz="1400" dirty="0">
+                  <a:latin typeface="Consolas" panose="020B0609020204030204" pitchFamily="49" charset="0"/>
+                </a:rPr>
+                <a:t> </a:t>
+              </a:r>
+              <a:r>
+                <a:rPr lang="de-DE" sz="1400" dirty="0" err="1">
+                  <a:latin typeface="Consolas" panose="020B0609020204030204" pitchFamily="49" charset="0"/>
+                </a:rPr>
+                <a:t>branch</a:t>
+              </a:r>
+              <a:r>
+                <a:rPr lang="de-DE" sz="1400" dirty="0">
+                  <a:latin typeface="Consolas" panose="020B0609020204030204" pitchFamily="49" charset="0"/>
+                </a:rPr>
+                <a:t> </a:t>
+              </a:r>
+              <a:r>
+                <a:rPr lang="de-DE" sz="1400" dirty="0" err="1">
+                  <a:latin typeface="Consolas" panose="020B0609020204030204" pitchFamily="49" charset="0"/>
+                </a:rPr>
+                <a:t>change_alice</a:t>
+              </a:r>
+              <a:endParaRPr lang="en-GB" sz="1400" dirty="0">
+                <a:latin typeface="Consolas" panose="020B0609020204030204" pitchFamily="49" charset="0"/>
+              </a:endParaRPr>
+            </a:p>
+          </p:txBody>
+        </p:sp>
+      </p:grpSp>
+      <p:grpSp>
+        <p:nvGrpSpPr>
+          <p:cNvPr id="27" name="Group 26">
+            <a:extLst>
+              <a:ext uri="{FF2B5EF4-FFF2-40B4-BE49-F238E27FC236}">
+                <a16:creationId xmlns:a16="http://schemas.microsoft.com/office/drawing/2014/main" id="{4E6D3714-9C51-43E6-AD0F-3221707F9FDF}"/>
+              </a:ext>
+            </a:extLst>
+          </p:cNvPr>
+          <p:cNvGrpSpPr/>
+          <p:nvPr/>
+        </p:nvGrpSpPr>
+        <p:grpSpPr>
+          <a:xfrm>
+            <a:off x="1767656" y="806205"/>
+            <a:ext cx="7826411" cy="1061067"/>
+            <a:chOff x="1767656" y="806205"/>
+            <a:chExt cx="7826411" cy="1061067"/>
+          </a:xfrm>
+        </p:grpSpPr>
+        <p:grpSp>
+          <p:nvGrpSpPr>
+            <p:cNvPr id="16" name="Group 15">
+              <a:extLst>
+                <a:ext uri="{FF2B5EF4-FFF2-40B4-BE49-F238E27FC236}">
+                  <a16:creationId xmlns:a16="http://schemas.microsoft.com/office/drawing/2014/main" id="{6ABFE0C0-F069-44C3-8076-70A29EC027BA}"/>
+                </a:ext>
+              </a:extLst>
+            </p:cNvPr>
+            <p:cNvGrpSpPr/>
+            <p:nvPr/>
+          </p:nvGrpSpPr>
+          <p:grpSpPr>
+            <a:xfrm>
+              <a:off x="1767656" y="806205"/>
+              <a:ext cx="5293544" cy="1061067"/>
+              <a:chOff x="3240856" y="2739518"/>
+              <a:chExt cx="5293544" cy="1061067"/>
+            </a:xfrm>
+          </p:grpSpPr>
+          <p:sp>
+            <p:nvSpPr>
+              <p:cNvPr id="18" name="Rectangle 17">
+                <a:extLst>
+                  <a:ext uri="{FF2B5EF4-FFF2-40B4-BE49-F238E27FC236}">
+                    <a16:creationId xmlns:a16="http://schemas.microsoft.com/office/drawing/2014/main" id="{376B95DA-F333-47A7-91BB-F345AC92947E}"/>
+                  </a:ext>
+                </a:extLst>
+              </p:cNvPr>
+              <p:cNvSpPr/>
+              <p:nvPr/>
+            </p:nvSpPr>
+            <p:spPr>
+              <a:xfrm>
+                <a:off x="3489415" y="2739518"/>
+                <a:ext cx="5044985" cy="799075"/>
+              </a:xfrm>
+              <a:prstGeom prst="rect">
+                <a:avLst/>
+              </a:prstGeom>
+              <a:noFill/>
+              <a:ln>
+                <a:solidFill>
+                  <a:schemeClr val="tx1"/>
+                </a:solidFill>
+              </a:ln>
+            </p:spPr>
+            <p:style>
+              <a:lnRef idx="2">
+                <a:schemeClr val="accent1">
+                  <a:shade val="50000"/>
+                </a:schemeClr>
+              </a:lnRef>
+              <a:fillRef idx="1">
+                <a:schemeClr val="accent1"/>
+              </a:fillRef>
+              <a:effectRef idx="0">
+                <a:schemeClr val="accent1"/>
+              </a:effectRef>
+              <a:fontRef idx="minor">
+                <a:schemeClr val="lt1"/>
+              </a:fontRef>
+            </p:style>
+            <p:txBody>
+              <a:bodyPr rtlCol="0" anchor="ctr"/>
+              <a:lstStyle/>
+              <a:p>
+                <a:pPr algn="ctr"/>
+                <a:endParaRPr lang="en-US"/>
+              </a:p>
+            </p:txBody>
+          </p:sp>
+          <p:sp>
+            <p:nvSpPr>
+              <p:cNvPr id="19" name="TextBox 18">
+                <a:extLst>
+                  <a:ext uri="{FF2B5EF4-FFF2-40B4-BE49-F238E27FC236}">
+                    <a16:creationId xmlns:a16="http://schemas.microsoft.com/office/drawing/2014/main" id="{74B2C99D-9F39-4B29-9140-143A908FB896}"/>
+                  </a:ext>
+                </a:extLst>
+              </p:cNvPr>
+              <p:cNvSpPr txBox="1"/>
+              <p:nvPr/>
+            </p:nvSpPr>
+            <p:spPr>
+              <a:xfrm>
+                <a:off x="3240856" y="3523586"/>
+                <a:ext cx="1864100" cy="276999"/>
+              </a:xfrm>
+              <a:prstGeom prst="rect">
+                <a:avLst/>
+              </a:prstGeom>
+              <a:noFill/>
+            </p:spPr>
+            <p:txBody>
+              <a:bodyPr wrap="none" rtlCol="0">
+                <a:spAutoFit/>
+              </a:bodyPr>
+              <a:lstStyle/>
+              <a:p>
+                <a:r>
+                  <a:rPr lang="en-DE" sz="1200" dirty="0"/>
+                  <a:t>Development environment</a:t>
+                </a:r>
+                <a:endParaRPr lang="en-US" sz="1200" dirty="0"/>
+              </a:p>
+            </p:txBody>
+          </p:sp>
+          <p:sp>
+            <p:nvSpPr>
+              <p:cNvPr id="20" name="Rectangle 19">
+                <a:extLst>
+                  <a:ext uri="{FF2B5EF4-FFF2-40B4-BE49-F238E27FC236}">
+                    <a16:creationId xmlns:a16="http://schemas.microsoft.com/office/drawing/2014/main" id="{256B4A21-6684-497C-A3E7-2A53A54D72FF}"/>
+                  </a:ext>
+                </a:extLst>
+              </p:cNvPr>
+              <p:cNvSpPr/>
+              <p:nvPr/>
+            </p:nvSpPr>
+            <p:spPr>
+              <a:xfrm>
+                <a:off x="3609488" y="2866879"/>
+                <a:ext cx="1126836" cy="572654"/>
+              </a:xfrm>
+              <a:prstGeom prst="rect">
+                <a:avLst/>
+              </a:prstGeom>
+              <a:noFill/>
+              <a:ln w="38100">
+                <a:solidFill>
+                  <a:schemeClr val="accent2"/>
+                </a:solidFill>
+              </a:ln>
+            </p:spPr>
+            <p:style>
+              <a:lnRef idx="2">
+                <a:schemeClr val="accent1">
+                  <a:shade val="50000"/>
+                </a:schemeClr>
+              </a:lnRef>
+              <a:fillRef idx="1">
+                <a:schemeClr val="accent1"/>
+              </a:fillRef>
+              <a:effectRef idx="0">
+                <a:schemeClr val="accent1"/>
+              </a:effectRef>
+              <a:fontRef idx="minor">
+                <a:schemeClr val="lt1"/>
+              </a:fontRef>
+            </p:style>
+            <p:txBody>
+              <a:bodyPr rtlCol="0" anchor="ctr"/>
+              <a:lstStyle/>
+              <a:p>
+                <a:pPr algn="ctr"/>
+                <a:r>
+                  <a:rPr lang="en-DE" sz="1600" dirty="0">
+                    <a:solidFill>
+                      <a:schemeClr val="tx1"/>
+                    </a:solidFill>
+                  </a:rPr>
+                  <a:t>Working directory</a:t>
+                </a:r>
+                <a:endParaRPr lang="en-US" sz="1600" dirty="0">
+                  <a:solidFill>
+                    <a:schemeClr val="tx1"/>
+                  </a:solidFill>
+                </a:endParaRPr>
+              </a:p>
+            </p:txBody>
+          </p:sp>
+          <p:sp>
+            <p:nvSpPr>
+              <p:cNvPr id="21" name="Rectangle 20">
+                <a:extLst>
+                  <a:ext uri="{FF2B5EF4-FFF2-40B4-BE49-F238E27FC236}">
+                    <a16:creationId xmlns:a16="http://schemas.microsoft.com/office/drawing/2014/main" id="{4126712A-376A-4EC7-B1B9-A82DDF697CAC}"/>
+                  </a:ext>
+                </a:extLst>
+              </p:cNvPr>
+              <p:cNvSpPr/>
+              <p:nvPr/>
+            </p:nvSpPr>
+            <p:spPr>
+              <a:xfrm>
+                <a:off x="4888724" y="2866879"/>
+                <a:ext cx="1126836" cy="572654"/>
+              </a:xfrm>
+              <a:prstGeom prst="rect">
+                <a:avLst/>
+              </a:prstGeom>
+              <a:noFill/>
+              <a:ln w="38100">
+                <a:solidFill>
+                  <a:schemeClr val="accent5"/>
+                </a:solidFill>
+              </a:ln>
+            </p:spPr>
+            <p:style>
+              <a:lnRef idx="2">
+                <a:schemeClr val="accent1">
+                  <a:shade val="50000"/>
+                </a:schemeClr>
+              </a:lnRef>
+              <a:fillRef idx="1">
+                <a:schemeClr val="accent1"/>
+              </a:fillRef>
+              <a:effectRef idx="0">
+                <a:schemeClr val="accent1"/>
+              </a:effectRef>
+              <a:fontRef idx="minor">
+                <a:schemeClr val="lt1"/>
+              </a:fontRef>
+            </p:style>
+            <p:txBody>
+              <a:bodyPr rtlCol="0" anchor="ctr"/>
+              <a:lstStyle/>
+              <a:p>
+                <a:pPr algn="ctr"/>
+                <a:r>
+                  <a:rPr lang="en-DE" sz="1600" dirty="0">
+                    <a:solidFill>
+                      <a:schemeClr val="tx1"/>
+                    </a:solidFill>
+                  </a:rPr>
+                  <a:t>Staging area</a:t>
+                </a:r>
+                <a:endParaRPr lang="en-US" sz="1600" dirty="0">
+                  <a:solidFill>
+                    <a:schemeClr val="tx1"/>
+                  </a:solidFill>
+                </a:endParaRPr>
+              </a:p>
+            </p:txBody>
+          </p:sp>
+          <p:sp>
+            <p:nvSpPr>
+              <p:cNvPr id="22" name="Rectangle 21">
+                <a:extLst>
+                  <a:ext uri="{FF2B5EF4-FFF2-40B4-BE49-F238E27FC236}">
+                    <a16:creationId xmlns:a16="http://schemas.microsoft.com/office/drawing/2014/main" id="{4E1EE467-B5FA-4C12-BBC2-BD4456A75196}"/>
+                  </a:ext>
+                </a:extLst>
+              </p:cNvPr>
+              <p:cNvSpPr/>
+              <p:nvPr/>
+            </p:nvSpPr>
+            <p:spPr>
+              <a:xfrm>
+                <a:off x="6167960" y="2876115"/>
+                <a:ext cx="1126836" cy="572654"/>
+              </a:xfrm>
+              <a:prstGeom prst="rect">
+                <a:avLst/>
+              </a:prstGeom>
+              <a:noFill/>
+              <a:ln w="38100">
+                <a:solidFill>
+                  <a:schemeClr val="bg1">
+                    <a:lumMod val="75000"/>
+                  </a:schemeClr>
+                </a:solidFill>
+              </a:ln>
+            </p:spPr>
+            <p:style>
+              <a:lnRef idx="2">
+                <a:schemeClr val="accent1">
+                  <a:shade val="50000"/>
+                </a:schemeClr>
+              </a:lnRef>
+              <a:fillRef idx="1">
+                <a:schemeClr val="accent1"/>
+              </a:fillRef>
+              <a:effectRef idx="0">
+                <a:schemeClr val="accent1"/>
+              </a:effectRef>
+              <a:fontRef idx="minor">
+                <a:schemeClr val="lt1"/>
+              </a:fontRef>
+            </p:style>
+            <p:txBody>
+              <a:bodyPr rtlCol="0" anchor="ctr"/>
+              <a:lstStyle/>
+              <a:p>
+                <a:pPr algn="ctr"/>
+                <a:r>
+                  <a:rPr lang="en-DE" sz="1600" dirty="0">
+                    <a:solidFill>
+                      <a:schemeClr val="tx1"/>
+                    </a:solidFill>
+                  </a:rPr>
+                  <a:t>Local repository</a:t>
+                </a:r>
+                <a:endParaRPr lang="en-US" sz="1600" dirty="0">
+                  <a:solidFill>
+                    <a:schemeClr val="tx1"/>
+                  </a:solidFill>
+                </a:endParaRPr>
+              </a:p>
+            </p:txBody>
+          </p:sp>
+        </p:grpSp>
+        <p:sp>
+          <p:nvSpPr>
+            <p:cNvPr id="23" name="Rectangle 22">
+              <a:extLst>
+                <a:ext uri="{FF2B5EF4-FFF2-40B4-BE49-F238E27FC236}">
+                  <a16:creationId xmlns:a16="http://schemas.microsoft.com/office/drawing/2014/main" id="{4CCC1D20-E306-4F9A-8E67-62B2466698A5}"/>
+                </a:ext>
+              </a:extLst>
+            </p:cNvPr>
+            <p:cNvSpPr/>
+            <p:nvPr/>
+          </p:nvSpPr>
+          <p:spPr>
+            <a:xfrm>
+              <a:off x="5829909" y="942802"/>
+              <a:ext cx="1126836" cy="572654"/>
+            </a:xfrm>
+            <a:prstGeom prst="rect">
+              <a:avLst/>
+            </a:prstGeom>
+            <a:noFill/>
+            <a:ln w="38100">
+              <a:solidFill>
+                <a:schemeClr val="bg1">
+                  <a:lumMod val="75000"/>
+                </a:schemeClr>
+              </a:solidFill>
+            </a:ln>
+          </p:spPr>
+          <p:style>
+            <a:lnRef idx="2">
+              <a:schemeClr val="accent1">
+                <a:shade val="50000"/>
+              </a:schemeClr>
+            </a:lnRef>
+            <a:fillRef idx="1">
+              <a:schemeClr val="accent1"/>
+            </a:fillRef>
+            <a:effectRef idx="0">
+              <a:schemeClr val="accent1"/>
+            </a:effectRef>
+            <a:fontRef idx="minor">
+              <a:schemeClr val="lt1"/>
+            </a:fontRef>
+          </p:style>
+          <p:txBody>
+            <a:bodyPr rtlCol="0" anchor="ctr"/>
+            <a:lstStyle/>
+            <a:p>
+              <a:r>
+                <a:rPr lang="en-US" sz="1200" b="1" u="sng" dirty="0">
+                  <a:solidFill>
+                    <a:schemeClr val="tx1"/>
+                  </a:solidFill>
+                </a:rPr>
+                <a:t>Branches</a:t>
+              </a:r>
+            </a:p>
+            <a:p>
+              <a:r>
+                <a:rPr lang="en-US" sz="1200" dirty="0">
+                  <a:solidFill>
+                    <a:srgbClr val="00B050"/>
+                  </a:solidFill>
+                </a:rPr>
+                <a:t>*master</a:t>
+              </a:r>
+            </a:p>
+            <a:p>
+              <a:r>
+                <a:rPr lang="en-US" sz="1200" dirty="0" err="1">
+                  <a:solidFill>
+                    <a:schemeClr val="tx1"/>
+                  </a:solidFill>
+                </a:rPr>
+                <a:t>change_alice</a:t>
+              </a:r>
+              <a:endParaRPr lang="en-US" sz="1200" dirty="0">
+                <a:solidFill>
+                  <a:schemeClr val="tx1"/>
+                </a:solidFill>
+              </a:endParaRPr>
+            </a:p>
+          </p:txBody>
+        </p:sp>
+        <p:sp>
+          <p:nvSpPr>
+            <p:cNvPr id="24" name="Rectangle 23">
+              <a:extLst>
+                <a:ext uri="{FF2B5EF4-FFF2-40B4-BE49-F238E27FC236}">
+                  <a16:creationId xmlns:a16="http://schemas.microsoft.com/office/drawing/2014/main" id="{724BFC3D-E2FD-4815-A561-A10DE9415DF6}"/>
+                </a:ext>
+              </a:extLst>
+            </p:cNvPr>
+            <p:cNvSpPr/>
+            <p:nvPr/>
+          </p:nvSpPr>
+          <p:spPr>
+            <a:xfrm>
+              <a:off x="7340395" y="942802"/>
+              <a:ext cx="1126836" cy="572654"/>
+            </a:xfrm>
+            <a:prstGeom prst="rect">
+              <a:avLst/>
+            </a:prstGeom>
+            <a:noFill/>
+            <a:ln w="38100">
+              <a:solidFill>
+                <a:schemeClr val="bg1">
+                  <a:lumMod val="50000"/>
+                </a:schemeClr>
+              </a:solidFill>
+            </a:ln>
+          </p:spPr>
+          <p:style>
+            <a:lnRef idx="2">
+              <a:schemeClr val="accent1">
+                <a:shade val="50000"/>
+              </a:schemeClr>
+            </a:lnRef>
+            <a:fillRef idx="1">
+              <a:schemeClr val="accent1"/>
+            </a:fillRef>
+            <a:effectRef idx="0">
+              <a:schemeClr val="accent1"/>
+            </a:effectRef>
+            <a:fontRef idx="minor">
+              <a:schemeClr val="lt1"/>
+            </a:fontRef>
+          </p:style>
+          <p:txBody>
+            <a:bodyPr rtlCol="0" anchor="ctr"/>
+            <a:lstStyle/>
+            <a:p>
+              <a:pPr algn="ctr"/>
+              <a:r>
+                <a:rPr lang="en-GB" sz="1600" dirty="0">
+                  <a:solidFill>
+                    <a:schemeClr val="tx1"/>
+                  </a:solidFill>
+                </a:rPr>
+                <a:t>Remote</a:t>
+              </a:r>
+              <a:r>
+                <a:rPr lang="en-DE" sz="1600" dirty="0">
+                  <a:solidFill>
+                    <a:schemeClr val="tx1"/>
+                  </a:solidFill>
+                </a:rPr>
+                <a:t> repository</a:t>
+              </a:r>
+              <a:endParaRPr lang="en-US" sz="1600" dirty="0">
+                <a:solidFill>
+                  <a:schemeClr val="tx1"/>
+                </a:solidFill>
+              </a:endParaRPr>
+            </a:p>
+          </p:txBody>
+        </p:sp>
+        <p:sp>
+          <p:nvSpPr>
+            <p:cNvPr id="26" name="Rectangle 25">
+              <a:extLst>
+                <a:ext uri="{FF2B5EF4-FFF2-40B4-BE49-F238E27FC236}">
+                  <a16:creationId xmlns:a16="http://schemas.microsoft.com/office/drawing/2014/main" id="{920CC5C8-03A0-4B64-99DE-36CE9FEBA902}"/>
+                </a:ext>
+              </a:extLst>
+            </p:cNvPr>
+            <p:cNvSpPr/>
+            <p:nvPr/>
+          </p:nvSpPr>
+          <p:spPr>
+            <a:xfrm>
+              <a:off x="8467231" y="943726"/>
+              <a:ext cx="1126836" cy="572654"/>
+            </a:xfrm>
+            <a:prstGeom prst="rect">
+              <a:avLst/>
+            </a:prstGeom>
+            <a:noFill/>
+            <a:ln w="38100">
+              <a:solidFill>
+                <a:schemeClr val="bg1">
+                  <a:lumMod val="50000"/>
+                </a:schemeClr>
+              </a:solidFill>
+            </a:ln>
+          </p:spPr>
+          <p:style>
+            <a:lnRef idx="2">
+              <a:schemeClr val="accent1">
+                <a:shade val="50000"/>
+              </a:schemeClr>
+            </a:lnRef>
+            <a:fillRef idx="1">
+              <a:schemeClr val="accent1"/>
+            </a:fillRef>
+            <a:effectRef idx="0">
+              <a:schemeClr val="accent1"/>
+            </a:effectRef>
+            <a:fontRef idx="minor">
+              <a:schemeClr val="lt1"/>
+            </a:fontRef>
+          </p:style>
+          <p:txBody>
+            <a:bodyPr rtlCol="0" anchor="ctr"/>
+            <a:lstStyle/>
+            <a:p>
+              <a:r>
+                <a:rPr lang="en-US" sz="1200" b="1" u="sng" dirty="0">
+                  <a:solidFill>
+                    <a:schemeClr val="tx1"/>
+                  </a:solidFill>
+                </a:rPr>
+                <a:t>Branches</a:t>
+              </a:r>
+            </a:p>
+            <a:p>
+              <a:r>
+                <a:rPr lang="en-US" sz="1200" dirty="0">
+                  <a:solidFill>
+                    <a:schemeClr val="tx1"/>
+                  </a:solidFill>
+                </a:rPr>
+                <a:t>master</a:t>
+              </a:r>
+            </a:p>
+            <a:p>
+              <a:endParaRPr lang="en-US" sz="1200" dirty="0">
+                <a:solidFill>
+                  <a:schemeClr val="tx1"/>
+                </a:solidFill>
+              </a:endParaRPr>
+            </a:p>
+          </p:txBody>
+        </p:sp>
+      </p:grpSp>
+    </p:spTree>
+    <p:extLst>
+      <p:ext uri="{BB962C8B-B14F-4D97-AF65-F5344CB8AC3E}">
+        <p14:creationId xmlns:p14="http://schemas.microsoft.com/office/powerpoint/2010/main" val="1827964868"/>
+      </p:ext>
+    </p:extLst>
+  </p:cSld>
+  <p:clrMapOvr>
+    <a:masterClrMapping/>
+  </p:clrMapOvr>
+</p:sld>
+</file>
+
+<file path=ppt/slides/slide18.xml><?xml version="1.0" encoding="utf-8"?>
+<p:sld xmlns:a="http://schemas.openxmlformats.org/drawingml/2006/main" xmlns:r="http://schemas.openxmlformats.org/officeDocument/2006/relationships" xmlns:p="http://schemas.openxmlformats.org/presentationml/2006/main">
+  <p:cSld>
+    <p:spTree>
+      <p:nvGrpSpPr>
+        <p:cNvPr id="1" name=""/>
+        <p:cNvGrpSpPr/>
+        <p:nvPr/>
+      </p:nvGrpSpPr>
+      <p:grpSpPr>
+        <a:xfrm>
+          <a:off x="0" y="0"/>
+          <a:ext cx="0" cy="0"/>
+          <a:chOff x="0" y="0"/>
+          <a:chExt cx="0" cy="0"/>
+        </a:xfrm>
+      </p:grpSpPr>
+      <p:grpSp>
+        <p:nvGrpSpPr>
+          <p:cNvPr id="9" name="Group 8">
+            <a:extLst>
+              <a:ext uri="{FF2B5EF4-FFF2-40B4-BE49-F238E27FC236}">
+                <a16:creationId xmlns:a16="http://schemas.microsoft.com/office/drawing/2014/main" id="{D7D9EF1D-44AC-4B8D-B290-DA6849EAA351}"/>
+              </a:ext>
+            </a:extLst>
+          </p:cNvPr>
+          <p:cNvGrpSpPr/>
+          <p:nvPr/>
+        </p:nvGrpSpPr>
+        <p:grpSpPr>
+          <a:xfrm>
+            <a:off x="2589308" y="2518544"/>
+            <a:ext cx="5054446" cy="2620425"/>
+            <a:chOff x="6528262" y="2424759"/>
+            <a:chExt cx="5054446" cy="2620425"/>
+          </a:xfrm>
+        </p:grpSpPr>
+        <p:sp>
+          <p:nvSpPr>
+            <p:cNvPr id="10" name="Rectangle 9">
+              <a:extLst>
+                <a:ext uri="{FF2B5EF4-FFF2-40B4-BE49-F238E27FC236}">
+                  <a16:creationId xmlns:a16="http://schemas.microsoft.com/office/drawing/2014/main" id="{99EEE587-4F88-4604-B4B3-56A5B5F3857D}"/>
+                </a:ext>
+              </a:extLst>
+            </p:cNvPr>
+            <p:cNvSpPr/>
+            <p:nvPr/>
+          </p:nvSpPr>
+          <p:spPr>
+            <a:xfrm>
+              <a:off x="6528262" y="3117961"/>
+              <a:ext cx="1498294" cy="539826"/>
+            </a:xfrm>
+            <a:prstGeom prst="rect">
+              <a:avLst/>
+            </a:prstGeom>
+            <a:solidFill>
+              <a:schemeClr val="bg1">
+                <a:lumMod val="85000"/>
+              </a:schemeClr>
+            </a:solidFill>
+            <a:ln>
+              <a:solidFill>
+                <a:schemeClr val="bg1">
+                  <a:lumMod val="85000"/>
+                </a:schemeClr>
+              </a:solidFill>
+            </a:ln>
+          </p:spPr>
+          <p:style>
+            <a:lnRef idx="2">
+              <a:schemeClr val="accent1">
+                <a:shade val="50000"/>
+              </a:schemeClr>
+            </a:lnRef>
+            <a:fillRef idx="1">
+              <a:schemeClr val="accent1"/>
+            </a:fillRef>
+            <a:effectRef idx="0">
+              <a:schemeClr val="accent1"/>
+            </a:effectRef>
+            <a:fontRef idx="minor">
+              <a:schemeClr val="lt1"/>
+            </a:fontRef>
+          </p:style>
+          <p:txBody>
+            <a:bodyPr rtlCol="0" anchor="ctr"/>
+            <a:lstStyle/>
+            <a:p>
+              <a:pPr algn="ctr"/>
+              <a:r>
+                <a:rPr lang="en-DE" dirty="0">
+                  <a:solidFill>
+                    <a:schemeClr val="tx1"/>
+                  </a:solidFill>
+                </a:rPr>
+                <a:t>89ca9</a:t>
+              </a:r>
+              <a:endParaRPr lang="en-US" dirty="0">
+                <a:solidFill>
+                  <a:schemeClr val="tx1"/>
+                </a:solidFill>
+              </a:endParaRPr>
+            </a:p>
+          </p:txBody>
+        </p:sp>
+        <p:sp>
+          <p:nvSpPr>
+            <p:cNvPr id="11" name="Rectangle 10">
+              <a:extLst>
+                <a:ext uri="{FF2B5EF4-FFF2-40B4-BE49-F238E27FC236}">
+                  <a16:creationId xmlns:a16="http://schemas.microsoft.com/office/drawing/2014/main" id="{E57229DF-EE74-4561-A5ED-9A4C667B9069}"/>
+                </a:ext>
+              </a:extLst>
+            </p:cNvPr>
+            <p:cNvSpPr/>
+            <p:nvPr/>
+          </p:nvSpPr>
+          <p:spPr>
+            <a:xfrm>
+              <a:off x="8306338" y="3117961"/>
+              <a:ext cx="1498294" cy="539826"/>
+            </a:xfrm>
+            <a:prstGeom prst="rect">
+              <a:avLst/>
+            </a:prstGeom>
+            <a:solidFill>
+              <a:schemeClr val="bg1">
+                <a:lumMod val="85000"/>
+              </a:schemeClr>
+            </a:solidFill>
+            <a:ln>
+              <a:solidFill>
+                <a:schemeClr val="bg1">
+                  <a:lumMod val="85000"/>
+                </a:schemeClr>
+              </a:solidFill>
+            </a:ln>
+          </p:spPr>
+          <p:style>
+            <a:lnRef idx="2">
+              <a:schemeClr val="accent1">
+                <a:shade val="50000"/>
+              </a:schemeClr>
+            </a:lnRef>
+            <a:fillRef idx="1">
+              <a:schemeClr val="accent1"/>
+            </a:fillRef>
+            <a:effectRef idx="0">
+              <a:schemeClr val="accent1"/>
+            </a:effectRef>
+            <a:fontRef idx="minor">
+              <a:schemeClr val="lt1"/>
+            </a:fontRef>
+          </p:style>
+          <p:txBody>
+            <a:bodyPr rtlCol="0" anchor="ctr"/>
+            <a:lstStyle/>
+            <a:p>
+              <a:pPr algn="ctr"/>
+              <a:r>
+                <a:rPr lang="en-DE" dirty="0">
+                  <a:solidFill>
+                    <a:schemeClr val="tx1"/>
+                  </a:solidFill>
+                </a:rPr>
+                <a:t>7b4sa</a:t>
+              </a:r>
+              <a:endParaRPr lang="en-US" dirty="0">
+                <a:solidFill>
+                  <a:schemeClr val="tx1"/>
+                </a:solidFill>
+              </a:endParaRPr>
+            </a:p>
+          </p:txBody>
+        </p:sp>
+        <p:sp>
+          <p:nvSpPr>
+            <p:cNvPr id="12" name="Rectangle 11">
+              <a:extLst>
+                <a:ext uri="{FF2B5EF4-FFF2-40B4-BE49-F238E27FC236}">
+                  <a16:creationId xmlns:a16="http://schemas.microsoft.com/office/drawing/2014/main" id="{EB156F9A-1FBC-4787-B4BC-F862377C8BA1}"/>
+                </a:ext>
+              </a:extLst>
+            </p:cNvPr>
+            <p:cNvSpPr/>
+            <p:nvPr/>
+          </p:nvSpPr>
+          <p:spPr>
+            <a:xfrm>
+              <a:off x="10084414" y="3117961"/>
+              <a:ext cx="1498294" cy="539826"/>
+            </a:xfrm>
+            <a:prstGeom prst="rect">
+              <a:avLst/>
+            </a:prstGeom>
+            <a:solidFill>
+              <a:schemeClr val="bg1">
+                <a:lumMod val="85000"/>
+              </a:schemeClr>
+            </a:solidFill>
+            <a:ln>
+              <a:solidFill>
+                <a:schemeClr val="bg1">
+                  <a:lumMod val="85000"/>
+                </a:schemeClr>
+              </a:solidFill>
+            </a:ln>
+          </p:spPr>
+          <p:style>
+            <a:lnRef idx="2">
+              <a:schemeClr val="accent1">
+                <a:shade val="50000"/>
+              </a:schemeClr>
+            </a:lnRef>
+            <a:fillRef idx="1">
+              <a:schemeClr val="accent1"/>
+            </a:fillRef>
+            <a:effectRef idx="0">
+              <a:schemeClr val="accent1"/>
+            </a:effectRef>
+            <a:fontRef idx="minor">
+              <a:schemeClr val="lt1"/>
+            </a:fontRef>
+          </p:style>
+          <p:txBody>
+            <a:bodyPr rtlCol="0" anchor="ctr"/>
+            <a:lstStyle/>
+            <a:p>
+              <a:pPr algn="ctr"/>
+              <a:r>
+                <a:rPr lang="en-DE" dirty="0">
+                  <a:solidFill>
+                    <a:schemeClr val="tx1"/>
+                  </a:solidFill>
+                </a:rPr>
+                <a:t>f3d83</a:t>
+              </a:r>
+              <a:endParaRPr lang="en-US" dirty="0">
+                <a:solidFill>
+                  <a:schemeClr val="tx1"/>
+                </a:solidFill>
+              </a:endParaRPr>
+            </a:p>
+          </p:txBody>
+        </p:sp>
+        <p:cxnSp>
+          <p:nvCxnSpPr>
+            <p:cNvPr id="13" name="Straight Arrow Connector 12">
+              <a:extLst>
+                <a:ext uri="{FF2B5EF4-FFF2-40B4-BE49-F238E27FC236}">
+                  <a16:creationId xmlns:a16="http://schemas.microsoft.com/office/drawing/2014/main" id="{FED0D812-909A-4034-AA58-C1FB07E7992F}"/>
+                </a:ext>
+              </a:extLst>
+            </p:cNvPr>
+            <p:cNvCxnSpPr>
+              <a:cxnSpLocks/>
+              <a:stCxn id="12" idx="1"/>
+              <a:endCxn id="11" idx="3"/>
+            </p:cNvCxnSpPr>
+            <p:nvPr/>
+          </p:nvCxnSpPr>
+          <p:spPr>
+            <a:xfrm flipH="1">
+              <a:off x="9804632" y="3387874"/>
+              <a:ext cx="279782" cy="0"/>
+            </a:xfrm>
+            <a:prstGeom prst="straightConnector1">
+              <a:avLst/>
+            </a:prstGeom>
+            <a:ln w="28575">
+              <a:solidFill>
+                <a:schemeClr val="bg1">
+                  <a:lumMod val="50000"/>
+                </a:schemeClr>
+              </a:solidFill>
+              <a:tailEnd type="triangle"/>
+            </a:ln>
+          </p:spPr>
+          <p:style>
+            <a:lnRef idx="1">
+              <a:schemeClr val="accent1"/>
+            </a:lnRef>
+            <a:fillRef idx="0">
+              <a:schemeClr val="accent1"/>
+            </a:fillRef>
+            <a:effectRef idx="0">
+              <a:schemeClr val="accent1"/>
+            </a:effectRef>
+            <a:fontRef idx="minor">
+              <a:schemeClr val="tx1"/>
+            </a:fontRef>
+          </p:style>
+        </p:cxnSp>
+        <p:cxnSp>
+          <p:nvCxnSpPr>
+            <p:cNvPr id="14" name="Straight Arrow Connector 13">
+              <a:extLst>
+                <a:ext uri="{FF2B5EF4-FFF2-40B4-BE49-F238E27FC236}">
+                  <a16:creationId xmlns:a16="http://schemas.microsoft.com/office/drawing/2014/main" id="{2F017B97-B188-41A3-BD32-16B910AD2CA7}"/>
+                </a:ext>
+              </a:extLst>
+            </p:cNvPr>
+            <p:cNvCxnSpPr>
+              <a:cxnSpLocks/>
+            </p:cNvCxnSpPr>
+            <p:nvPr/>
+          </p:nvCxnSpPr>
+          <p:spPr>
+            <a:xfrm flipH="1">
+              <a:off x="8026556" y="3387874"/>
+              <a:ext cx="279782" cy="0"/>
+            </a:xfrm>
+            <a:prstGeom prst="straightConnector1">
+              <a:avLst/>
+            </a:prstGeom>
+            <a:ln w="28575">
+              <a:solidFill>
+                <a:schemeClr val="bg1">
+                  <a:lumMod val="50000"/>
+                </a:schemeClr>
+              </a:solidFill>
+              <a:tailEnd type="triangle"/>
+            </a:ln>
+          </p:spPr>
+          <p:style>
+            <a:lnRef idx="1">
+              <a:schemeClr val="accent1"/>
+            </a:lnRef>
+            <a:fillRef idx="0">
+              <a:schemeClr val="accent1"/>
+            </a:fillRef>
+            <a:effectRef idx="0">
+              <a:schemeClr val="accent1"/>
+            </a:effectRef>
+            <a:fontRef idx="minor">
+              <a:schemeClr val="tx1"/>
+            </a:fontRef>
+          </p:style>
+        </p:cxnSp>
+        <p:sp>
+          <p:nvSpPr>
+            <p:cNvPr id="15" name="Oval 14">
+              <a:extLst>
+                <a:ext uri="{FF2B5EF4-FFF2-40B4-BE49-F238E27FC236}">
+                  <a16:creationId xmlns:a16="http://schemas.microsoft.com/office/drawing/2014/main" id="{60373421-EE2D-489E-AD04-42BB6F3BCBC1}"/>
+                </a:ext>
+              </a:extLst>
+            </p:cNvPr>
+            <p:cNvSpPr/>
+            <p:nvPr/>
+          </p:nvSpPr>
+          <p:spPr>
+            <a:xfrm>
+              <a:off x="10194640" y="2424759"/>
+              <a:ext cx="1241603" cy="480060"/>
+            </a:xfrm>
+            <a:prstGeom prst="ellipse">
+              <a:avLst/>
+            </a:prstGeom>
+          </p:spPr>
+          <p:style>
+            <a:lnRef idx="2">
+              <a:schemeClr val="accent2">
+                <a:shade val="50000"/>
+              </a:schemeClr>
+            </a:lnRef>
+            <a:fillRef idx="1">
+              <a:schemeClr val="accent2"/>
+            </a:fillRef>
+            <a:effectRef idx="0">
+              <a:schemeClr val="accent2"/>
+            </a:effectRef>
+            <a:fontRef idx="minor">
+              <a:schemeClr val="lt1"/>
+            </a:fontRef>
+          </p:style>
+          <p:txBody>
+            <a:bodyPr rtlCol="0" anchor="ctr"/>
+            <a:lstStyle/>
+            <a:p>
+              <a:pPr algn="ctr"/>
+              <a:r>
+                <a:rPr lang="en-DE" dirty="0"/>
+                <a:t>master</a:t>
+              </a:r>
+              <a:endParaRPr lang="en-US" dirty="0"/>
+            </a:p>
+          </p:txBody>
+        </p:sp>
+        <p:sp>
+          <p:nvSpPr>
+            <p:cNvPr id="16" name="Oval 15">
+              <a:extLst>
+                <a:ext uri="{FF2B5EF4-FFF2-40B4-BE49-F238E27FC236}">
+                  <a16:creationId xmlns:a16="http://schemas.microsoft.com/office/drawing/2014/main" id="{81363F5F-8B36-4086-8E66-CDC9F685CC8C}"/>
+                </a:ext>
+              </a:extLst>
+            </p:cNvPr>
+            <p:cNvSpPr/>
+            <p:nvPr/>
+          </p:nvSpPr>
+          <p:spPr>
+            <a:xfrm>
+              <a:off x="10174476" y="4565124"/>
+              <a:ext cx="1241603" cy="480060"/>
+            </a:xfrm>
+            <a:prstGeom prst="ellipse">
+              <a:avLst/>
+            </a:prstGeom>
+          </p:spPr>
+          <p:style>
+            <a:lnRef idx="2">
+              <a:schemeClr val="accent4">
+                <a:shade val="50000"/>
+              </a:schemeClr>
+            </a:lnRef>
+            <a:fillRef idx="1">
+              <a:schemeClr val="accent4"/>
+            </a:fillRef>
+            <a:effectRef idx="0">
+              <a:schemeClr val="accent4"/>
+            </a:effectRef>
+            <a:fontRef idx="minor">
+              <a:schemeClr val="lt1"/>
+            </a:fontRef>
+          </p:style>
+          <p:txBody>
+            <a:bodyPr rtlCol="0" anchor="ctr"/>
+            <a:lstStyle/>
+            <a:p>
+              <a:pPr algn="ctr"/>
+              <a:r>
+                <a:rPr lang="en-DE" dirty="0"/>
+                <a:t>HEAD</a:t>
+              </a:r>
+              <a:endParaRPr lang="en-US" dirty="0"/>
+            </a:p>
+          </p:txBody>
+        </p:sp>
+        <p:cxnSp>
+          <p:nvCxnSpPr>
+            <p:cNvPr id="17" name="Straight Arrow Connector 16">
+              <a:extLst>
+                <a:ext uri="{FF2B5EF4-FFF2-40B4-BE49-F238E27FC236}">
+                  <a16:creationId xmlns:a16="http://schemas.microsoft.com/office/drawing/2014/main" id="{B4DD0091-2804-43A9-9F8D-33B912CF7499}"/>
+                </a:ext>
+              </a:extLst>
+            </p:cNvPr>
+            <p:cNvCxnSpPr>
+              <a:cxnSpLocks/>
+            </p:cNvCxnSpPr>
+            <p:nvPr/>
+          </p:nvCxnSpPr>
+          <p:spPr>
+            <a:xfrm>
+              <a:off x="10829489" y="2904819"/>
+              <a:ext cx="0" cy="213142"/>
+            </a:xfrm>
+            <a:prstGeom prst="straightConnector1">
+              <a:avLst/>
+            </a:prstGeom>
+            <a:ln w="28575">
+              <a:solidFill>
+                <a:schemeClr val="bg1">
+                  <a:lumMod val="50000"/>
+                </a:schemeClr>
+              </a:solidFill>
+              <a:tailEnd type="triangle"/>
+            </a:ln>
+          </p:spPr>
+          <p:style>
+            <a:lnRef idx="1">
+              <a:schemeClr val="accent1"/>
+            </a:lnRef>
+            <a:fillRef idx="0">
+              <a:schemeClr val="accent1"/>
+            </a:fillRef>
+            <a:effectRef idx="0">
+              <a:schemeClr val="accent1"/>
+            </a:effectRef>
+            <a:fontRef idx="minor">
+              <a:schemeClr val="tx1"/>
+            </a:fontRef>
+          </p:style>
+        </p:cxnSp>
+        <p:cxnSp>
+          <p:nvCxnSpPr>
+            <p:cNvPr id="18" name="Straight Arrow Connector 17">
+              <a:extLst>
+                <a:ext uri="{FF2B5EF4-FFF2-40B4-BE49-F238E27FC236}">
+                  <a16:creationId xmlns:a16="http://schemas.microsoft.com/office/drawing/2014/main" id="{C8B87831-ACE1-413C-9579-417188D276DA}"/>
+                </a:ext>
+              </a:extLst>
+            </p:cNvPr>
+            <p:cNvCxnSpPr>
+              <a:cxnSpLocks/>
+              <a:endCxn id="19" idx="4"/>
+            </p:cNvCxnSpPr>
+            <p:nvPr/>
+          </p:nvCxnSpPr>
+          <p:spPr>
+            <a:xfrm flipV="1">
+              <a:off x="10829489" y="4351486"/>
+              <a:ext cx="20016" cy="213638"/>
+            </a:xfrm>
+            <a:prstGeom prst="straightConnector1">
+              <a:avLst/>
+            </a:prstGeom>
+            <a:ln w="28575">
+              <a:solidFill>
+                <a:schemeClr val="bg1">
+                  <a:lumMod val="50000"/>
+                </a:schemeClr>
+              </a:solidFill>
+              <a:tailEnd type="triangle"/>
+            </a:ln>
+          </p:spPr>
+          <p:style>
+            <a:lnRef idx="1">
+              <a:schemeClr val="accent1"/>
+            </a:lnRef>
+            <a:fillRef idx="0">
+              <a:schemeClr val="accent1"/>
+            </a:fillRef>
+            <a:effectRef idx="0">
+              <a:schemeClr val="accent1"/>
+            </a:effectRef>
+            <a:fontRef idx="minor">
+              <a:schemeClr val="tx1"/>
+            </a:fontRef>
+          </p:style>
+        </p:cxnSp>
+        <p:sp>
+          <p:nvSpPr>
+            <p:cNvPr id="19" name="Oval 18">
+              <a:extLst>
+                <a:ext uri="{FF2B5EF4-FFF2-40B4-BE49-F238E27FC236}">
+                  <a16:creationId xmlns:a16="http://schemas.microsoft.com/office/drawing/2014/main" id="{CC919086-2214-44C0-A034-DFCCD42631D3}"/>
+                </a:ext>
+              </a:extLst>
+            </p:cNvPr>
+            <p:cNvSpPr/>
+            <p:nvPr/>
+          </p:nvSpPr>
+          <p:spPr>
+            <a:xfrm>
+              <a:off x="10228703" y="3871426"/>
+              <a:ext cx="1241603" cy="480060"/>
+            </a:xfrm>
+            <a:prstGeom prst="ellipse">
+              <a:avLst/>
+            </a:prstGeom>
+            <a:solidFill>
+              <a:srgbClr val="7030A0"/>
+            </a:solidFill>
+            <a:ln>
+              <a:noFill/>
+            </a:ln>
+          </p:spPr>
+          <p:style>
+            <a:lnRef idx="2">
+              <a:schemeClr val="accent2">
+                <a:shade val="50000"/>
+              </a:schemeClr>
+            </a:lnRef>
+            <a:fillRef idx="1">
+              <a:schemeClr val="accent2"/>
+            </a:fillRef>
+            <a:effectRef idx="0">
+              <a:schemeClr val="accent2"/>
+            </a:effectRef>
+            <a:fontRef idx="minor">
+              <a:schemeClr val="lt1"/>
+            </a:fontRef>
+          </p:style>
+          <p:txBody>
+            <a:bodyPr rtlCol="0" anchor="ctr"/>
+            <a:lstStyle/>
+            <a:p>
+              <a:pPr algn="ctr"/>
+              <a:r>
+                <a:rPr lang="en-DE" sz="1400" dirty="0"/>
+                <a:t>change_alice</a:t>
+              </a:r>
+              <a:endParaRPr lang="en-US" sz="1400" dirty="0"/>
+            </a:p>
+          </p:txBody>
+        </p:sp>
+        <p:cxnSp>
+          <p:nvCxnSpPr>
+            <p:cNvPr id="20" name="Straight Arrow Connector 19">
+              <a:extLst>
+                <a:ext uri="{FF2B5EF4-FFF2-40B4-BE49-F238E27FC236}">
+                  <a16:creationId xmlns:a16="http://schemas.microsoft.com/office/drawing/2014/main" id="{52763157-8FB0-4DED-9514-54377FA2BED3}"/>
+                </a:ext>
+              </a:extLst>
+            </p:cNvPr>
+            <p:cNvCxnSpPr>
+              <a:cxnSpLocks/>
+              <a:stCxn id="19" idx="0"/>
+            </p:cNvCxnSpPr>
+            <p:nvPr/>
+          </p:nvCxnSpPr>
+          <p:spPr>
+            <a:xfrm flipH="1" flipV="1">
+              <a:off x="10833561" y="3636055"/>
+              <a:ext cx="15944" cy="235371"/>
+            </a:xfrm>
+            <a:prstGeom prst="straightConnector1">
+              <a:avLst/>
+            </a:prstGeom>
+            <a:ln w="28575">
+              <a:solidFill>
+                <a:schemeClr val="bg1">
+                  <a:lumMod val="50000"/>
+                </a:schemeClr>
+              </a:solidFill>
+              <a:tailEnd type="triangle"/>
+            </a:ln>
+          </p:spPr>
+          <p:style>
+            <a:lnRef idx="1">
+              <a:schemeClr val="accent1"/>
+            </a:lnRef>
+            <a:fillRef idx="0">
+              <a:schemeClr val="accent1"/>
+            </a:fillRef>
+            <a:effectRef idx="0">
+              <a:schemeClr val="accent1"/>
+            </a:effectRef>
+            <a:fontRef idx="minor">
+              <a:schemeClr val="tx1"/>
+            </a:fontRef>
+          </p:style>
+        </p:cxnSp>
+        <p:sp>
+          <p:nvSpPr>
+            <p:cNvPr id="21" name="TextBox 20">
+              <a:extLst>
+                <a:ext uri="{FF2B5EF4-FFF2-40B4-BE49-F238E27FC236}">
+                  <a16:creationId xmlns:a16="http://schemas.microsoft.com/office/drawing/2014/main" id="{F0277D7C-DA3A-4679-87E1-CF8731E7553E}"/>
+                </a:ext>
+              </a:extLst>
+            </p:cNvPr>
+            <p:cNvSpPr txBox="1"/>
+            <p:nvPr/>
+          </p:nvSpPr>
+          <p:spPr>
+            <a:xfrm>
+              <a:off x="7413674" y="3957567"/>
+              <a:ext cx="2760802" cy="307777"/>
+            </a:xfrm>
+            <a:prstGeom prst="rect">
+              <a:avLst/>
+            </a:prstGeom>
+            <a:solidFill>
+              <a:schemeClr val="bg1">
+                <a:lumMod val="95000"/>
+              </a:schemeClr>
+            </a:solidFill>
+          </p:spPr>
+          <p:txBody>
+            <a:bodyPr wrap="square" rtlCol="0">
+              <a:spAutoFit/>
+            </a:bodyPr>
+            <a:lstStyle/>
+            <a:p>
+              <a:pPr algn="ctr"/>
+              <a:r>
+                <a:rPr lang="de-DE" sz="1400" dirty="0" err="1">
+                  <a:latin typeface="Consolas" panose="020B0609020204030204" pitchFamily="49" charset="0"/>
+                </a:rPr>
+                <a:t>git</a:t>
+              </a:r>
+              <a:r>
+                <a:rPr lang="de-DE" sz="1400" dirty="0">
+                  <a:latin typeface="Consolas" panose="020B0609020204030204" pitchFamily="49" charset="0"/>
+                </a:rPr>
+                <a:t> </a:t>
+              </a:r>
+              <a:r>
+                <a:rPr lang="de-DE" sz="1400" dirty="0" err="1">
+                  <a:latin typeface="Consolas" panose="020B0609020204030204" pitchFamily="49" charset="0"/>
+                </a:rPr>
+                <a:t>checkout</a:t>
+              </a:r>
+              <a:r>
+                <a:rPr lang="de-DE" sz="1400" dirty="0">
+                  <a:latin typeface="Consolas" panose="020B0609020204030204" pitchFamily="49" charset="0"/>
+                </a:rPr>
+                <a:t> </a:t>
+              </a:r>
+              <a:r>
+                <a:rPr lang="de-DE" sz="1400" dirty="0" err="1">
+                  <a:latin typeface="Consolas" panose="020B0609020204030204" pitchFamily="49" charset="0"/>
+                </a:rPr>
+                <a:t>change_alice</a:t>
+              </a:r>
+              <a:endParaRPr lang="en-GB" sz="1400" dirty="0">
+                <a:latin typeface="Consolas" panose="020B0609020204030204" pitchFamily="49" charset="0"/>
+              </a:endParaRPr>
+            </a:p>
+          </p:txBody>
+        </p:sp>
+      </p:grpSp>
+    </p:spTree>
+    <p:extLst>
+      <p:ext uri="{BB962C8B-B14F-4D97-AF65-F5344CB8AC3E}">
+        <p14:creationId xmlns:p14="http://schemas.microsoft.com/office/powerpoint/2010/main" val="748220382"/>
+      </p:ext>
+    </p:extLst>
+  </p:cSld>
+  <p:clrMapOvr>
+    <a:masterClrMapping/>
+  </p:clrMapOvr>
+</p:sld>
+</file>
+
+<file path=ppt/slides/slide19.xml><?xml version="1.0" encoding="utf-8"?>
+<p:sld xmlns:a="http://schemas.openxmlformats.org/drawingml/2006/main" xmlns:r="http://schemas.openxmlformats.org/officeDocument/2006/relationships" xmlns:p="http://schemas.openxmlformats.org/presentationml/2006/main">
+  <p:cSld>
+    <p:spTree>
+      <p:nvGrpSpPr>
+        <p:cNvPr id="1" name=""/>
+        <p:cNvGrpSpPr/>
+        <p:nvPr/>
+      </p:nvGrpSpPr>
+      <p:grpSpPr>
+        <a:xfrm>
+          <a:off x="0" y="0"/>
+          <a:ext cx="0" cy="0"/>
+          <a:chOff x="0" y="0"/>
+          <a:chExt cx="0" cy="0"/>
+        </a:xfrm>
+      </p:grpSpPr>
+      <p:grpSp>
+        <p:nvGrpSpPr>
+          <p:cNvPr id="16" name="Group 15">
+            <a:extLst>
+              <a:ext uri="{FF2B5EF4-FFF2-40B4-BE49-F238E27FC236}">
+                <a16:creationId xmlns:a16="http://schemas.microsoft.com/office/drawing/2014/main" id="{5C4BE2B7-5374-4D7A-8E3A-1BADF5D7ABDA}"/>
+              </a:ext>
+            </a:extLst>
+          </p:cNvPr>
+          <p:cNvGrpSpPr/>
+          <p:nvPr/>
+        </p:nvGrpSpPr>
+        <p:grpSpPr>
+          <a:xfrm>
+            <a:off x="1884887" y="2604286"/>
+            <a:ext cx="8045841" cy="2891952"/>
+            <a:chOff x="1884887" y="2604286"/>
+            <a:chExt cx="8045841" cy="2891952"/>
+          </a:xfrm>
+        </p:grpSpPr>
+        <p:grpSp>
+          <p:nvGrpSpPr>
+            <p:cNvPr id="2" name="Group 1">
+              <a:extLst>
+                <a:ext uri="{FF2B5EF4-FFF2-40B4-BE49-F238E27FC236}">
+                  <a16:creationId xmlns:a16="http://schemas.microsoft.com/office/drawing/2014/main" id="{2CF5B6D9-4070-491D-9EAA-2FDDDF440F80}"/>
+                </a:ext>
+              </a:extLst>
+            </p:cNvPr>
+            <p:cNvGrpSpPr/>
+            <p:nvPr/>
+          </p:nvGrpSpPr>
+          <p:grpSpPr>
+            <a:xfrm>
+              <a:off x="1884887" y="2604286"/>
+              <a:ext cx="7198153" cy="2709570"/>
+              <a:chOff x="1767656" y="-842298"/>
+              <a:chExt cx="7198153" cy="2709570"/>
+            </a:xfrm>
+          </p:grpSpPr>
+          <p:grpSp>
+            <p:nvGrpSpPr>
+              <p:cNvPr id="3" name="Group 2">
+                <a:extLst>
+                  <a:ext uri="{FF2B5EF4-FFF2-40B4-BE49-F238E27FC236}">
+                    <a16:creationId xmlns:a16="http://schemas.microsoft.com/office/drawing/2014/main" id="{42B272E1-DB67-427E-91F7-2F9E1EB6DAA1}"/>
+                  </a:ext>
+                </a:extLst>
+              </p:cNvPr>
+              <p:cNvGrpSpPr/>
+              <p:nvPr/>
+            </p:nvGrpSpPr>
+            <p:grpSpPr>
+              <a:xfrm>
+                <a:off x="1767656" y="806205"/>
+                <a:ext cx="7198153" cy="1061067"/>
+                <a:chOff x="3240856" y="2739518"/>
+                <a:chExt cx="7198153" cy="1061067"/>
+              </a:xfrm>
+            </p:grpSpPr>
+            <p:sp>
+              <p:nvSpPr>
+                <p:cNvPr id="7" name="Rectangle 6">
+                  <a:extLst>
+                    <a:ext uri="{FF2B5EF4-FFF2-40B4-BE49-F238E27FC236}">
+                      <a16:creationId xmlns:a16="http://schemas.microsoft.com/office/drawing/2014/main" id="{88911320-CED7-41D9-9B33-CA7C0424A8C1}"/>
+                    </a:ext>
+                  </a:extLst>
+                </p:cNvPr>
+                <p:cNvSpPr/>
+                <p:nvPr/>
+              </p:nvSpPr>
+              <p:spPr>
+                <a:xfrm>
+                  <a:off x="3489415" y="2739518"/>
+                  <a:ext cx="6949594" cy="799075"/>
+                </a:xfrm>
+                <a:prstGeom prst="rect">
+                  <a:avLst/>
+                </a:prstGeom>
+                <a:noFill/>
+                <a:ln>
+                  <a:solidFill>
+                    <a:schemeClr val="tx1"/>
+                  </a:solidFill>
+                </a:ln>
+              </p:spPr>
+              <p:style>
+                <a:lnRef idx="2">
+                  <a:schemeClr val="accent1">
+                    <a:shade val="50000"/>
+                  </a:schemeClr>
+                </a:lnRef>
+                <a:fillRef idx="1">
+                  <a:schemeClr val="accent1"/>
+                </a:fillRef>
+                <a:effectRef idx="0">
+                  <a:schemeClr val="accent1"/>
+                </a:effectRef>
+                <a:fontRef idx="minor">
+                  <a:schemeClr val="lt1"/>
+                </a:fontRef>
+              </p:style>
+              <p:txBody>
+                <a:bodyPr rtlCol="0" anchor="ctr"/>
+                <a:lstStyle/>
+                <a:p>
+                  <a:pPr algn="ctr"/>
+                  <a:endParaRPr lang="en-US" dirty="0"/>
+                </a:p>
+              </p:txBody>
+            </p:sp>
+            <p:sp>
+              <p:nvSpPr>
+                <p:cNvPr id="8" name="TextBox 7">
+                  <a:extLst>
+                    <a:ext uri="{FF2B5EF4-FFF2-40B4-BE49-F238E27FC236}">
+                      <a16:creationId xmlns:a16="http://schemas.microsoft.com/office/drawing/2014/main" id="{D3B47440-EA91-4C14-AE45-4EA3D0ABDE73}"/>
+                    </a:ext>
+                  </a:extLst>
+                </p:cNvPr>
+                <p:cNvSpPr txBox="1"/>
+                <p:nvPr/>
+              </p:nvSpPr>
+              <p:spPr>
+                <a:xfrm>
+                  <a:off x="3240856" y="3523586"/>
+                  <a:ext cx="1864100" cy="276999"/>
+                </a:xfrm>
+                <a:prstGeom prst="rect">
+                  <a:avLst/>
+                </a:prstGeom>
+                <a:noFill/>
+              </p:spPr>
+              <p:txBody>
+                <a:bodyPr wrap="none" rtlCol="0">
+                  <a:spAutoFit/>
+                </a:bodyPr>
+                <a:lstStyle/>
+                <a:p>
+                  <a:r>
+                    <a:rPr lang="en-DE" sz="1200" dirty="0"/>
+                    <a:t>Development environment</a:t>
+                  </a:r>
+                  <a:endParaRPr lang="en-US" sz="1200" dirty="0"/>
+                </a:p>
+              </p:txBody>
+            </p:sp>
+            <p:sp>
+              <p:nvSpPr>
+                <p:cNvPr id="9" name="Rectangle 8">
+                  <a:extLst>
+                    <a:ext uri="{FF2B5EF4-FFF2-40B4-BE49-F238E27FC236}">
+                      <a16:creationId xmlns:a16="http://schemas.microsoft.com/office/drawing/2014/main" id="{73C481DA-B0A5-4AF0-AC66-969B73AFDB6A}"/>
+                    </a:ext>
+                  </a:extLst>
+                </p:cNvPr>
+                <p:cNvSpPr/>
+                <p:nvPr/>
+              </p:nvSpPr>
+              <p:spPr>
+                <a:xfrm>
+                  <a:off x="3609488" y="2866879"/>
+                  <a:ext cx="1126836" cy="572654"/>
+                </a:xfrm>
+                <a:prstGeom prst="rect">
+                  <a:avLst/>
+                </a:prstGeom>
+                <a:noFill/>
+                <a:ln w="38100">
+                  <a:solidFill>
+                    <a:schemeClr val="accent2"/>
+                  </a:solidFill>
+                </a:ln>
+              </p:spPr>
+              <p:style>
+                <a:lnRef idx="2">
+                  <a:schemeClr val="accent1">
+                    <a:shade val="50000"/>
+                  </a:schemeClr>
+                </a:lnRef>
+                <a:fillRef idx="1">
+                  <a:schemeClr val="accent1"/>
+                </a:fillRef>
+                <a:effectRef idx="0">
+                  <a:schemeClr val="accent1"/>
+                </a:effectRef>
+                <a:fontRef idx="minor">
+                  <a:schemeClr val="lt1"/>
+                </a:fontRef>
+              </p:style>
+              <p:txBody>
+                <a:bodyPr rtlCol="0" anchor="ctr"/>
+                <a:lstStyle/>
+                <a:p>
+                  <a:pPr algn="ctr"/>
+                  <a:r>
+                    <a:rPr lang="en-DE" sz="1600" dirty="0">
+                      <a:solidFill>
+                        <a:schemeClr val="tx1"/>
+                      </a:solidFill>
+                    </a:rPr>
+                    <a:t>Working directory</a:t>
+                  </a:r>
+                  <a:endParaRPr lang="en-US" sz="1600" dirty="0">
+                    <a:solidFill>
+                      <a:schemeClr val="tx1"/>
+                    </a:solidFill>
+                  </a:endParaRPr>
+                </a:p>
+              </p:txBody>
+            </p:sp>
+            <p:sp>
+              <p:nvSpPr>
+                <p:cNvPr id="10" name="Rectangle 9">
+                  <a:extLst>
+                    <a:ext uri="{FF2B5EF4-FFF2-40B4-BE49-F238E27FC236}">
+                      <a16:creationId xmlns:a16="http://schemas.microsoft.com/office/drawing/2014/main" id="{AAC17951-3D55-4CF3-97D4-45A8605FEDCE}"/>
+                    </a:ext>
+                  </a:extLst>
+                </p:cNvPr>
+                <p:cNvSpPr/>
+                <p:nvPr/>
+              </p:nvSpPr>
+              <p:spPr>
+                <a:xfrm>
+                  <a:off x="4888724" y="2866879"/>
+                  <a:ext cx="1126836" cy="572654"/>
+                </a:xfrm>
+                <a:prstGeom prst="rect">
+                  <a:avLst/>
+                </a:prstGeom>
+                <a:noFill/>
+                <a:ln w="38100">
+                  <a:solidFill>
+                    <a:schemeClr val="accent5"/>
+                  </a:solidFill>
+                </a:ln>
+              </p:spPr>
+              <p:style>
+                <a:lnRef idx="2">
+                  <a:schemeClr val="accent1">
+                    <a:shade val="50000"/>
+                  </a:schemeClr>
+                </a:lnRef>
+                <a:fillRef idx="1">
+                  <a:schemeClr val="accent1"/>
+                </a:fillRef>
+                <a:effectRef idx="0">
+                  <a:schemeClr val="accent1"/>
+                </a:effectRef>
+                <a:fontRef idx="minor">
+                  <a:schemeClr val="lt1"/>
+                </a:fontRef>
+              </p:style>
+              <p:txBody>
+                <a:bodyPr rtlCol="0" anchor="ctr"/>
+                <a:lstStyle/>
+                <a:p>
+                  <a:pPr algn="ctr"/>
+                  <a:r>
+                    <a:rPr lang="en-DE" sz="1600" dirty="0">
+                      <a:solidFill>
+                        <a:schemeClr val="tx1"/>
+                      </a:solidFill>
+                    </a:rPr>
+                    <a:t>Staging area</a:t>
+                  </a:r>
+                  <a:endParaRPr lang="en-US" sz="1600" dirty="0">
+                    <a:solidFill>
+                      <a:schemeClr val="tx1"/>
+                    </a:solidFill>
+                  </a:endParaRPr>
+                </a:p>
+              </p:txBody>
+            </p:sp>
+            <p:sp>
+              <p:nvSpPr>
+                <p:cNvPr id="11" name="Rectangle 10">
+                  <a:extLst>
+                    <a:ext uri="{FF2B5EF4-FFF2-40B4-BE49-F238E27FC236}">
+                      <a16:creationId xmlns:a16="http://schemas.microsoft.com/office/drawing/2014/main" id="{D615F6E0-F4C7-48C3-9235-DCCCC69A38E5}"/>
+                    </a:ext>
+                  </a:extLst>
+                </p:cNvPr>
+                <p:cNvSpPr/>
+                <p:nvPr/>
+              </p:nvSpPr>
+              <p:spPr>
+                <a:xfrm>
+                  <a:off x="6167960" y="2876115"/>
+                  <a:ext cx="1126836" cy="572654"/>
+                </a:xfrm>
+                <a:prstGeom prst="rect">
+                  <a:avLst/>
+                </a:prstGeom>
+                <a:noFill/>
+                <a:ln w="38100">
+                  <a:solidFill>
+                    <a:schemeClr val="bg1">
+                      <a:lumMod val="75000"/>
+                    </a:schemeClr>
+                  </a:solidFill>
+                </a:ln>
+              </p:spPr>
+              <p:style>
+                <a:lnRef idx="2">
+                  <a:schemeClr val="accent1">
+                    <a:shade val="50000"/>
+                  </a:schemeClr>
+                </a:lnRef>
+                <a:fillRef idx="1">
+                  <a:schemeClr val="accent1"/>
+                </a:fillRef>
+                <a:effectRef idx="0">
+                  <a:schemeClr val="accent1"/>
+                </a:effectRef>
+                <a:fontRef idx="minor">
+                  <a:schemeClr val="lt1"/>
+                </a:fontRef>
+              </p:style>
+              <p:txBody>
+                <a:bodyPr rtlCol="0" anchor="ctr"/>
+                <a:lstStyle/>
+                <a:p>
+                  <a:pPr algn="ctr"/>
+                  <a:r>
+                    <a:rPr lang="en-DE" sz="1600" dirty="0">
+                      <a:solidFill>
+                        <a:schemeClr val="tx1"/>
+                      </a:solidFill>
+                    </a:rPr>
+                    <a:t>Local repository</a:t>
+                  </a:r>
+                  <a:endParaRPr lang="en-US" sz="1600" dirty="0">
+                    <a:solidFill>
+                      <a:schemeClr val="tx1"/>
+                    </a:solidFill>
+                  </a:endParaRPr>
+                </a:p>
+              </p:txBody>
+            </p:sp>
+          </p:grpSp>
+          <p:sp>
+            <p:nvSpPr>
+              <p:cNvPr id="4" name="Rectangle 3">
+                <a:extLst>
+                  <a:ext uri="{FF2B5EF4-FFF2-40B4-BE49-F238E27FC236}">
+                    <a16:creationId xmlns:a16="http://schemas.microsoft.com/office/drawing/2014/main" id="{F70F5F80-33DD-4B69-958A-CD6CFBED91C8}"/>
+                  </a:ext>
+                </a:extLst>
+              </p:cNvPr>
+              <p:cNvSpPr/>
+              <p:nvPr/>
+            </p:nvSpPr>
+            <p:spPr>
+              <a:xfrm>
+                <a:off x="5829909" y="942802"/>
+                <a:ext cx="1126836" cy="572654"/>
+              </a:xfrm>
+              <a:prstGeom prst="rect">
+                <a:avLst/>
+              </a:prstGeom>
+              <a:noFill/>
+              <a:ln w="38100">
+                <a:solidFill>
+                  <a:schemeClr val="bg1">
+                    <a:lumMod val="75000"/>
+                  </a:schemeClr>
+                </a:solidFill>
+              </a:ln>
+            </p:spPr>
+            <p:style>
+              <a:lnRef idx="2">
+                <a:schemeClr val="accent1">
+                  <a:shade val="50000"/>
+                </a:schemeClr>
+              </a:lnRef>
+              <a:fillRef idx="1">
+                <a:schemeClr val="accent1"/>
+              </a:fillRef>
+              <a:effectRef idx="0">
+                <a:schemeClr val="accent1"/>
+              </a:effectRef>
+              <a:fontRef idx="minor">
+                <a:schemeClr val="lt1"/>
+              </a:fontRef>
+            </p:style>
+            <p:txBody>
+              <a:bodyPr rtlCol="0" anchor="ctr"/>
+              <a:lstStyle/>
+              <a:p>
+                <a:r>
+                  <a:rPr lang="en-US" sz="1200" b="1" u="sng" dirty="0">
+                    <a:solidFill>
+                      <a:schemeClr val="tx1"/>
+                    </a:solidFill>
+                  </a:rPr>
+                  <a:t>Branches</a:t>
+                </a:r>
+              </a:p>
+              <a:p>
+                <a:r>
+                  <a:rPr lang="en-US" sz="1200" dirty="0">
+                    <a:solidFill>
+                      <a:schemeClr val="tx1"/>
+                    </a:solidFill>
+                  </a:rPr>
+                  <a:t>master</a:t>
+                </a:r>
+              </a:p>
+              <a:p>
+                <a:r>
+                  <a:rPr lang="en-US" sz="1200" dirty="0">
+                    <a:solidFill>
+                      <a:srgbClr val="00B050"/>
+                    </a:solidFill>
+                  </a:rPr>
+                  <a:t>*</a:t>
+                </a:r>
+                <a:r>
+                  <a:rPr lang="en-US" sz="1200" dirty="0" err="1">
+                    <a:solidFill>
+                      <a:srgbClr val="00B050"/>
+                    </a:solidFill>
+                  </a:rPr>
+                  <a:t>change_alice</a:t>
+                </a:r>
+                <a:endParaRPr lang="en-US" sz="1200" dirty="0">
+                  <a:solidFill>
+                    <a:srgbClr val="00B050"/>
+                  </a:solidFill>
+                </a:endParaRPr>
+              </a:p>
+            </p:txBody>
+          </p:sp>
+          <p:sp>
+            <p:nvSpPr>
+              <p:cNvPr id="5" name="Rectangle 4">
+                <a:extLst>
+                  <a:ext uri="{FF2B5EF4-FFF2-40B4-BE49-F238E27FC236}">
+                    <a16:creationId xmlns:a16="http://schemas.microsoft.com/office/drawing/2014/main" id="{373D26D0-75E1-4410-9D52-3E36D56A4608}"/>
+                  </a:ext>
+                </a:extLst>
+              </p:cNvPr>
+              <p:cNvSpPr/>
+              <p:nvPr/>
+            </p:nvSpPr>
+            <p:spPr>
+              <a:xfrm>
+                <a:off x="5751400" y="-842298"/>
+                <a:ext cx="1126836" cy="696789"/>
+              </a:xfrm>
+              <a:prstGeom prst="rect">
+                <a:avLst/>
+              </a:prstGeom>
+              <a:noFill/>
+              <a:ln w="38100">
+                <a:solidFill>
+                  <a:schemeClr val="bg1">
+                    <a:lumMod val="50000"/>
+                  </a:schemeClr>
+                </a:solidFill>
+              </a:ln>
+            </p:spPr>
+            <p:style>
+              <a:lnRef idx="2">
+                <a:schemeClr val="accent1">
+                  <a:shade val="50000"/>
+                </a:schemeClr>
+              </a:lnRef>
+              <a:fillRef idx="1">
+                <a:schemeClr val="accent1"/>
+              </a:fillRef>
+              <a:effectRef idx="0">
+                <a:schemeClr val="accent1"/>
+              </a:effectRef>
+              <a:fontRef idx="minor">
+                <a:schemeClr val="lt1"/>
+              </a:fontRef>
+            </p:style>
+            <p:txBody>
+              <a:bodyPr rtlCol="0" anchor="ctr"/>
+              <a:lstStyle/>
+              <a:p>
+                <a:pPr algn="ctr"/>
+                <a:r>
+                  <a:rPr lang="en-GB" sz="1600" dirty="0">
+                    <a:solidFill>
+                      <a:schemeClr val="tx1"/>
+                    </a:solidFill>
+                  </a:rPr>
+                  <a:t>Remote</a:t>
+                </a:r>
+                <a:r>
+                  <a:rPr lang="en-DE" sz="1600" dirty="0">
+                    <a:solidFill>
+                      <a:schemeClr val="tx1"/>
+                    </a:solidFill>
+                  </a:rPr>
+                  <a:t> repository</a:t>
+                </a:r>
+                <a:endParaRPr lang="en-US" sz="1600" dirty="0">
+                  <a:solidFill>
+                    <a:schemeClr val="tx1"/>
+                  </a:solidFill>
+                </a:endParaRPr>
+              </a:p>
+            </p:txBody>
+          </p:sp>
+          <p:sp>
+            <p:nvSpPr>
+              <p:cNvPr id="6" name="Rectangle 5">
+                <a:extLst>
+                  <a:ext uri="{FF2B5EF4-FFF2-40B4-BE49-F238E27FC236}">
+                    <a16:creationId xmlns:a16="http://schemas.microsoft.com/office/drawing/2014/main" id="{E5C6AB88-FA51-4EAB-B492-A54CD47201CF}"/>
+                  </a:ext>
+                </a:extLst>
+              </p:cNvPr>
+              <p:cNvSpPr/>
+              <p:nvPr/>
+            </p:nvSpPr>
+            <p:spPr>
+              <a:xfrm>
+                <a:off x="6878236" y="-841374"/>
+                <a:ext cx="1126836" cy="696789"/>
+              </a:xfrm>
+              <a:prstGeom prst="rect">
+                <a:avLst/>
+              </a:prstGeom>
+              <a:noFill/>
+              <a:ln w="38100">
+                <a:solidFill>
+                  <a:schemeClr val="bg1">
+                    <a:lumMod val="50000"/>
+                  </a:schemeClr>
+                </a:solidFill>
+              </a:ln>
+            </p:spPr>
+            <p:style>
+              <a:lnRef idx="2">
+                <a:schemeClr val="accent1">
+                  <a:shade val="50000"/>
+                </a:schemeClr>
+              </a:lnRef>
+              <a:fillRef idx="1">
+                <a:schemeClr val="accent1"/>
+              </a:fillRef>
+              <a:effectRef idx="0">
+                <a:schemeClr val="accent1"/>
+              </a:effectRef>
+              <a:fontRef idx="minor">
+                <a:schemeClr val="lt1"/>
+              </a:fontRef>
+            </p:style>
+            <p:txBody>
+              <a:bodyPr rtlCol="0" anchor="ctr"/>
+              <a:lstStyle/>
+              <a:p>
+                <a:r>
+                  <a:rPr lang="en-US" sz="1200" b="1" u="sng" dirty="0">
+                    <a:solidFill>
+                      <a:schemeClr val="tx1"/>
+                    </a:solidFill>
+                  </a:rPr>
+                  <a:t>Branches</a:t>
+                </a:r>
+              </a:p>
+              <a:p>
+                <a:r>
+                  <a:rPr lang="en-US" sz="1200" dirty="0">
+                    <a:solidFill>
+                      <a:schemeClr val="tx1"/>
+                    </a:solidFill>
+                  </a:rPr>
+                  <a:t>master</a:t>
+                </a:r>
+              </a:p>
+              <a:p>
+                <a:r>
+                  <a:rPr lang="en-US" sz="1200" dirty="0" err="1">
+                    <a:solidFill>
+                      <a:srgbClr val="7030A0"/>
+                    </a:solidFill>
+                  </a:rPr>
+                  <a:t>change_alice</a:t>
+                </a:r>
+                <a:endParaRPr lang="en-US" sz="1200" dirty="0">
+                  <a:solidFill>
+                    <a:srgbClr val="7030A0"/>
+                  </a:solidFill>
+                </a:endParaRPr>
+              </a:p>
+            </p:txBody>
+          </p:sp>
+        </p:grpSp>
+        <p:sp>
+          <p:nvSpPr>
+            <p:cNvPr id="12" name="Rectangle 11">
+              <a:extLst>
+                <a:ext uri="{FF2B5EF4-FFF2-40B4-BE49-F238E27FC236}">
+                  <a16:creationId xmlns:a16="http://schemas.microsoft.com/office/drawing/2014/main" id="{AE3912C9-F82B-423C-BEAE-55BB35DE6EAA}"/>
+                </a:ext>
+              </a:extLst>
+            </p:cNvPr>
+            <p:cNvSpPr/>
+            <p:nvPr/>
+          </p:nvSpPr>
+          <p:spPr>
+            <a:xfrm>
+              <a:off x="7065662" y="4389386"/>
+              <a:ext cx="1551709" cy="572654"/>
+            </a:xfrm>
+            <a:prstGeom prst="rect">
+              <a:avLst/>
+            </a:prstGeom>
+            <a:noFill/>
+            <a:ln w="38100">
+              <a:solidFill>
+                <a:schemeClr val="bg1">
+                  <a:lumMod val="75000"/>
+                </a:schemeClr>
+              </a:solidFill>
+            </a:ln>
+          </p:spPr>
+          <p:style>
+            <a:lnRef idx="2">
+              <a:schemeClr val="accent1">
+                <a:shade val="50000"/>
+              </a:schemeClr>
+            </a:lnRef>
+            <a:fillRef idx="1">
+              <a:schemeClr val="accent1"/>
+            </a:fillRef>
+            <a:effectRef idx="0">
+              <a:schemeClr val="accent1"/>
+            </a:effectRef>
+            <a:fontRef idx="minor">
+              <a:schemeClr val="lt1"/>
+            </a:fontRef>
+          </p:style>
+          <p:txBody>
+            <a:bodyPr rtlCol="0" anchor="ctr"/>
+            <a:lstStyle/>
+            <a:p>
+              <a:r>
+                <a:rPr lang="en-US" sz="1200" b="1" u="sng" dirty="0">
+                  <a:solidFill>
+                    <a:schemeClr val="tx1"/>
+                  </a:solidFill>
+                </a:rPr>
+                <a:t>Remotes</a:t>
+              </a:r>
+            </a:p>
+            <a:p>
+              <a:r>
+                <a:rPr lang="en-US" sz="1200" dirty="0">
+                  <a:solidFill>
+                    <a:schemeClr val="tx1"/>
+                  </a:solidFill>
+                </a:rPr>
+                <a:t>origin/master</a:t>
+              </a:r>
+            </a:p>
+            <a:p>
+              <a:r>
+                <a:rPr lang="en-US" sz="1200" dirty="0">
+                  <a:solidFill>
+                    <a:srgbClr val="7030A0"/>
+                  </a:solidFill>
+                </a:rPr>
+                <a:t>origin/</a:t>
+              </a:r>
+              <a:r>
+                <a:rPr lang="en-US" sz="1200" dirty="0" err="1">
+                  <a:solidFill>
+                    <a:srgbClr val="7030A0"/>
+                  </a:solidFill>
+                </a:rPr>
+                <a:t>change_alice</a:t>
+              </a:r>
+              <a:endParaRPr lang="en-US" sz="1200" dirty="0">
+                <a:solidFill>
+                  <a:srgbClr val="7030A0"/>
+                </a:solidFill>
+              </a:endParaRPr>
+            </a:p>
+          </p:txBody>
+        </p:sp>
+        <p:cxnSp>
+          <p:nvCxnSpPr>
+            <p:cNvPr id="13" name="Straight Arrow Connector 12">
+              <a:extLst>
+                <a:ext uri="{FF2B5EF4-FFF2-40B4-BE49-F238E27FC236}">
+                  <a16:creationId xmlns:a16="http://schemas.microsoft.com/office/drawing/2014/main" id="{E16075DD-E716-4EDB-8788-FD17C8C4A74E}"/>
+                </a:ext>
+              </a:extLst>
+            </p:cNvPr>
+            <p:cNvCxnSpPr>
+              <a:cxnSpLocks/>
+            </p:cNvCxnSpPr>
+            <p:nvPr/>
+          </p:nvCxnSpPr>
+          <p:spPr>
+            <a:xfrm>
+              <a:off x="6906903" y="4869401"/>
+              <a:ext cx="273299" cy="0"/>
+            </a:xfrm>
+            <a:prstGeom prst="straightConnector1">
+              <a:avLst/>
+            </a:prstGeom>
+            <a:ln w="28575">
+              <a:solidFill>
+                <a:srgbClr val="7030A0"/>
+              </a:solidFill>
+              <a:headEnd type="triangle"/>
+              <a:tailEnd type="triangle"/>
+            </a:ln>
+          </p:spPr>
+          <p:style>
+            <a:lnRef idx="1">
+              <a:schemeClr val="accent1"/>
+            </a:lnRef>
+            <a:fillRef idx="0">
+              <a:schemeClr val="accent1"/>
+            </a:fillRef>
+            <a:effectRef idx="0">
+              <a:schemeClr val="accent1"/>
+            </a:effectRef>
+            <a:fontRef idx="minor">
+              <a:schemeClr val="tx1"/>
+            </a:fontRef>
+          </p:style>
+        </p:cxnSp>
+        <p:cxnSp>
+          <p:nvCxnSpPr>
+            <p:cNvPr id="14" name="Straight Arrow Connector 13">
+              <a:extLst>
+                <a:ext uri="{FF2B5EF4-FFF2-40B4-BE49-F238E27FC236}">
+                  <a16:creationId xmlns:a16="http://schemas.microsoft.com/office/drawing/2014/main" id="{7C9326D9-7D4D-4ECB-A5D9-41468AEAAB8E}"/>
+                </a:ext>
+              </a:extLst>
+            </p:cNvPr>
+            <p:cNvCxnSpPr>
+              <a:cxnSpLocks/>
+            </p:cNvCxnSpPr>
+            <p:nvPr/>
+          </p:nvCxnSpPr>
+          <p:spPr>
+            <a:xfrm>
+              <a:off x="7849004" y="3166870"/>
+              <a:ext cx="360276" cy="1598170"/>
+            </a:xfrm>
+            <a:prstGeom prst="straightConnector1">
+              <a:avLst/>
+            </a:prstGeom>
+            <a:ln w="28575">
+              <a:solidFill>
+                <a:srgbClr val="7030A0"/>
+              </a:solidFill>
+              <a:headEnd type="triangle"/>
+              <a:tailEnd type="triangle"/>
+            </a:ln>
+          </p:spPr>
+          <p:style>
+            <a:lnRef idx="1">
+              <a:schemeClr val="accent1"/>
+            </a:lnRef>
+            <a:fillRef idx="0">
+              <a:schemeClr val="accent1"/>
+            </a:fillRef>
+            <a:effectRef idx="0">
+              <a:schemeClr val="accent1"/>
+            </a:effectRef>
+            <a:fontRef idx="minor">
+              <a:schemeClr val="tx1"/>
+            </a:fontRef>
+          </p:style>
+        </p:cxnSp>
+        <p:sp>
+          <p:nvSpPr>
+            <p:cNvPr id="15" name="TextBox 14">
+              <a:extLst>
+                <a:ext uri="{FF2B5EF4-FFF2-40B4-BE49-F238E27FC236}">
+                  <a16:creationId xmlns:a16="http://schemas.microsoft.com/office/drawing/2014/main" id="{6247FCAC-9E59-4FDB-9B1C-743F746F1563}"/>
+                </a:ext>
+              </a:extLst>
+            </p:cNvPr>
+            <p:cNvSpPr txBox="1"/>
+            <p:nvPr/>
+          </p:nvSpPr>
+          <p:spPr>
+            <a:xfrm>
+              <a:off x="5187041" y="5188461"/>
+              <a:ext cx="4743687" cy="307777"/>
+            </a:xfrm>
+            <a:prstGeom prst="rect">
+              <a:avLst/>
+            </a:prstGeom>
+            <a:solidFill>
+              <a:schemeClr val="bg1">
+                <a:lumMod val="95000"/>
+              </a:schemeClr>
+            </a:solidFill>
+          </p:spPr>
+          <p:txBody>
+            <a:bodyPr wrap="square" rtlCol="0">
+              <a:spAutoFit/>
+            </a:bodyPr>
+            <a:lstStyle/>
+            <a:p>
+              <a:pPr algn="ctr"/>
+              <a:r>
+                <a:rPr lang="de-DE" sz="1400" dirty="0" err="1">
+                  <a:latin typeface="Consolas" panose="020B0609020204030204" pitchFamily="49" charset="0"/>
+                </a:rPr>
+                <a:t>git</a:t>
+              </a:r>
+              <a:r>
+                <a:rPr lang="de-DE" sz="1400" dirty="0">
+                  <a:latin typeface="Consolas" panose="020B0609020204030204" pitchFamily="49" charset="0"/>
+                </a:rPr>
+                <a:t> push --set-</a:t>
+              </a:r>
+              <a:r>
+                <a:rPr lang="de-DE" sz="1400" dirty="0" err="1">
+                  <a:latin typeface="Consolas" panose="020B0609020204030204" pitchFamily="49" charset="0"/>
+                </a:rPr>
+                <a:t>upstream</a:t>
+              </a:r>
+              <a:r>
+                <a:rPr lang="de-DE" sz="1400" dirty="0">
+                  <a:latin typeface="Consolas" panose="020B0609020204030204" pitchFamily="49" charset="0"/>
+                </a:rPr>
+                <a:t> </a:t>
+              </a:r>
+              <a:r>
+                <a:rPr lang="de-DE" sz="1400" dirty="0" err="1">
+                  <a:latin typeface="Consolas" panose="020B0609020204030204" pitchFamily="49" charset="0"/>
+                </a:rPr>
+                <a:t>origin</a:t>
+              </a:r>
+              <a:r>
+                <a:rPr lang="de-DE" sz="1400" dirty="0">
+                  <a:latin typeface="Consolas" panose="020B0609020204030204" pitchFamily="49" charset="0"/>
+                </a:rPr>
+                <a:t> </a:t>
+              </a:r>
+              <a:r>
+                <a:rPr lang="de-DE" sz="1400" dirty="0" err="1">
+                  <a:latin typeface="Consolas" panose="020B0609020204030204" pitchFamily="49" charset="0"/>
+                </a:rPr>
+                <a:t>change_alice</a:t>
+              </a:r>
+              <a:endParaRPr lang="en-GB" sz="1400" dirty="0">
+                <a:latin typeface="Consolas" panose="020B0609020204030204" pitchFamily="49" charset="0"/>
+              </a:endParaRPr>
+            </a:p>
+          </p:txBody>
+        </p:sp>
+      </p:grpSp>
+    </p:spTree>
+    <p:extLst>
+      <p:ext uri="{BB962C8B-B14F-4D97-AF65-F5344CB8AC3E}">
+        <p14:creationId xmlns:p14="http://schemas.microsoft.com/office/powerpoint/2010/main" val="788834359"/>
       </p:ext>
     </p:extLst>
   </p:cSld>
@@ -8268,6 +12087,4246 @@
     <p:extLst>
       <p:ext uri="{BB962C8B-B14F-4D97-AF65-F5344CB8AC3E}">
         <p14:creationId xmlns:p14="http://schemas.microsoft.com/office/powerpoint/2010/main" val="2979581435"/>
+      </p:ext>
+    </p:extLst>
+  </p:cSld>
+  <p:clrMapOvr>
+    <a:masterClrMapping/>
+  </p:clrMapOvr>
+</p:sld>
+</file>
+
+<file path=ppt/slides/slide20.xml><?xml version="1.0" encoding="utf-8"?>
+<p:sld xmlns:a="http://schemas.openxmlformats.org/drawingml/2006/main" xmlns:r="http://schemas.openxmlformats.org/officeDocument/2006/relationships" xmlns:p="http://schemas.openxmlformats.org/presentationml/2006/main">
+  <p:cSld>
+    <p:spTree>
+      <p:nvGrpSpPr>
+        <p:cNvPr id="1" name=""/>
+        <p:cNvGrpSpPr/>
+        <p:nvPr/>
+      </p:nvGrpSpPr>
+      <p:grpSpPr>
+        <a:xfrm>
+          <a:off x="0" y="0"/>
+          <a:ext cx="0" cy="0"/>
+          <a:chOff x="0" y="0"/>
+          <a:chExt cx="0" cy="0"/>
+        </a:xfrm>
+      </p:grpSpPr>
+      <p:grpSp>
+        <p:nvGrpSpPr>
+          <p:cNvPr id="33" name="Group 32">
+            <a:extLst>
+              <a:ext uri="{FF2B5EF4-FFF2-40B4-BE49-F238E27FC236}">
+                <a16:creationId xmlns:a16="http://schemas.microsoft.com/office/drawing/2014/main" id="{BD0A2D36-BCEA-459A-81FF-82BF51171AF4}"/>
+              </a:ext>
+            </a:extLst>
+          </p:cNvPr>
+          <p:cNvGrpSpPr/>
+          <p:nvPr/>
+        </p:nvGrpSpPr>
+        <p:grpSpPr>
+          <a:xfrm>
+            <a:off x="1130808" y="1110418"/>
+            <a:ext cx="9649270" cy="4160486"/>
+            <a:chOff x="838200" y="2573458"/>
+            <a:chExt cx="9649270" cy="4160486"/>
+          </a:xfrm>
+        </p:grpSpPr>
+        <p:sp>
+          <p:nvSpPr>
+            <p:cNvPr id="2" name="Rectangle 1">
+              <a:extLst>
+                <a:ext uri="{FF2B5EF4-FFF2-40B4-BE49-F238E27FC236}">
+                  <a16:creationId xmlns:a16="http://schemas.microsoft.com/office/drawing/2014/main" id="{42F925EE-A0FC-4A41-B966-D8AD2C5B8460}"/>
+                </a:ext>
+              </a:extLst>
+            </p:cNvPr>
+            <p:cNvSpPr/>
+            <p:nvPr/>
+          </p:nvSpPr>
+          <p:spPr>
+            <a:xfrm>
+              <a:off x="2140527" y="3266660"/>
+              <a:ext cx="1498294" cy="539826"/>
+            </a:xfrm>
+            <a:prstGeom prst="rect">
+              <a:avLst/>
+            </a:prstGeom>
+            <a:solidFill>
+              <a:schemeClr val="bg1">
+                <a:lumMod val="85000"/>
+              </a:schemeClr>
+            </a:solidFill>
+            <a:ln>
+              <a:solidFill>
+                <a:schemeClr val="bg1">
+                  <a:lumMod val="85000"/>
+                </a:schemeClr>
+              </a:solidFill>
+            </a:ln>
+          </p:spPr>
+          <p:style>
+            <a:lnRef idx="2">
+              <a:schemeClr val="accent1">
+                <a:shade val="50000"/>
+              </a:schemeClr>
+            </a:lnRef>
+            <a:fillRef idx="1">
+              <a:schemeClr val="accent1"/>
+            </a:fillRef>
+            <a:effectRef idx="0">
+              <a:schemeClr val="accent1"/>
+            </a:effectRef>
+            <a:fontRef idx="minor">
+              <a:schemeClr val="lt1"/>
+            </a:fontRef>
+          </p:style>
+          <p:txBody>
+            <a:bodyPr rtlCol="0" anchor="ctr"/>
+            <a:lstStyle/>
+            <a:p>
+              <a:pPr algn="ctr"/>
+              <a:r>
+                <a:rPr lang="en-DE" dirty="0">
+                  <a:solidFill>
+                    <a:schemeClr val="tx1"/>
+                  </a:solidFill>
+                </a:rPr>
+                <a:t>89ca9</a:t>
+              </a:r>
+              <a:endParaRPr lang="en-US" dirty="0">
+                <a:solidFill>
+                  <a:schemeClr val="tx1"/>
+                </a:solidFill>
+              </a:endParaRPr>
+            </a:p>
+          </p:txBody>
+        </p:sp>
+        <p:sp>
+          <p:nvSpPr>
+            <p:cNvPr id="3" name="Rectangle 2">
+              <a:extLst>
+                <a:ext uri="{FF2B5EF4-FFF2-40B4-BE49-F238E27FC236}">
+                  <a16:creationId xmlns:a16="http://schemas.microsoft.com/office/drawing/2014/main" id="{0DCB3DC5-881E-4B3E-A156-D3F7CD99BB81}"/>
+                </a:ext>
+              </a:extLst>
+            </p:cNvPr>
+            <p:cNvSpPr/>
+            <p:nvPr/>
+          </p:nvSpPr>
+          <p:spPr>
+            <a:xfrm>
+              <a:off x="3918603" y="3266660"/>
+              <a:ext cx="1498294" cy="539826"/>
+            </a:xfrm>
+            <a:prstGeom prst="rect">
+              <a:avLst/>
+            </a:prstGeom>
+            <a:solidFill>
+              <a:schemeClr val="bg1">
+                <a:lumMod val="85000"/>
+              </a:schemeClr>
+            </a:solidFill>
+            <a:ln>
+              <a:solidFill>
+                <a:schemeClr val="bg1">
+                  <a:lumMod val="85000"/>
+                </a:schemeClr>
+              </a:solidFill>
+            </a:ln>
+          </p:spPr>
+          <p:style>
+            <a:lnRef idx="2">
+              <a:schemeClr val="accent1">
+                <a:shade val="50000"/>
+              </a:schemeClr>
+            </a:lnRef>
+            <a:fillRef idx="1">
+              <a:schemeClr val="accent1"/>
+            </a:fillRef>
+            <a:effectRef idx="0">
+              <a:schemeClr val="accent1"/>
+            </a:effectRef>
+            <a:fontRef idx="minor">
+              <a:schemeClr val="lt1"/>
+            </a:fontRef>
+          </p:style>
+          <p:txBody>
+            <a:bodyPr rtlCol="0" anchor="ctr"/>
+            <a:lstStyle/>
+            <a:p>
+              <a:pPr algn="ctr"/>
+              <a:r>
+                <a:rPr lang="en-DE" dirty="0">
+                  <a:solidFill>
+                    <a:schemeClr val="tx1"/>
+                  </a:solidFill>
+                </a:rPr>
+                <a:t>7b4sa</a:t>
+              </a:r>
+              <a:endParaRPr lang="en-US" dirty="0">
+                <a:solidFill>
+                  <a:schemeClr val="tx1"/>
+                </a:solidFill>
+              </a:endParaRPr>
+            </a:p>
+          </p:txBody>
+        </p:sp>
+        <p:sp>
+          <p:nvSpPr>
+            <p:cNvPr id="4" name="Rectangle 3">
+              <a:extLst>
+                <a:ext uri="{FF2B5EF4-FFF2-40B4-BE49-F238E27FC236}">
+                  <a16:creationId xmlns:a16="http://schemas.microsoft.com/office/drawing/2014/main" id="{3840A156-A594-435B-9D60-34D3B68A2FDA}"/>
+                </a:ext>
+              </a:extLst>
+            </p:cNvPr>
+            <p:cNvSpPr/>
+            <p:nvPr/>
+          </p:nvSpPr>
+          <p:spPr>
+            <a:xfrm>
+              <a:off x="5696679" y="3266660"/>
+              <a:ext cx="1498294" cy="539826"/>
+            </a:xfrm>
+            <a:prstGeom prst="rect">
+              <a:avLst/>
+            </a:prstGeom>
+            <a:solidFill>
+              <a:schemeClr val="bg1">
+                <a:lumMod val="85000"/>
+              </a:schemeClr>
+            </a:solidFill>
+            <a:ln>
+              <a:solidFill>
+                <a:schemeClr val="bg1">
+                  <a:lumMod val="85000"/>
+                </a:schemeClr>
+              </a:solidFill>
+            </a:ln>
+          </p:spPr>
+          <p:style>
+            <a:lnRef idx="2">
+              <a:schemeClr val="accent1">
+                <a:shade val="50000"/>
+              </a:schemeClr>
+            </a:lnRef>
+            <a:fillRef idx="1">
+              <a:schemeClr val="accent1"/>
+            </a:fillRef>
+            <a:effectRef idx="0">
+              <a:schemeClr val="accent1"/>
+            </a:effectRef>
+            <a:fontRef idx="minor">
+              <a:schemeClr val="lt1"/>
+            </a:fontRef>
+          </p:style>
+          <p:txBody>
+            <a:bodyPr rtlCol="0" anchor="ctr"/>
+            <a:lstStyle/>
+            <a:p>
+              <a:pPr algn="ctr"/>
+              <a:r>
+                <a:rPr lang="en-DE" dirty="0">
+                  <a:solidFill>
+                    <a:schemeClr val="tx1"/>
+                  </a:solidFill>
+                </a:rPr>
+                <a:t>f3d83</a:t>
+              </a:r>
+              <a:endParaRPr lang="en-US" dirty="0">
+                <a:solidFill>
+                  <a:schemeClr val="tx1"/>
+                </a:solidFill>
+              </a:endParaRPr>
+            </a:p>
+          </p:txBody>
+        </p:sp>
+        <p:cxnSp>
+          <p:nvCxnSpPr>
+            <p:cNvPr id="5" name="Straight Arrow Connector 4">
+              <a:extLst>
+                <a:ext uri="{FF2B5EF4-FFF2-40B4-BE49-F238E27FC236}">
+                  <a16:creationId xmlns:a16="http://schemas.microsoft.com/office/drawing/2014/main" id="{937C0383-5EFA-4FB9-98F7-7FD28F5101FE}"/>
+                </a:ext>
+              </a:extLst>
+            </p:cNvPr>
+            <p:cNvCxnSpPr>
+              <a:cxnSpLocks/>
+              <a:stCxn id="4" idx="1"/>
+              <a:endCxn id="3" idx="3"/>
+            </p:cNvCxnSpPr>
+            <p:nvPr/>
+          </p:nvCxnSpPr>
+          <p:spPr>
+            <a:xfrm flipH="1">
+              <a:off x="5416897" y="3536573"/>
+              <a:ext cx="279782" cy="0"/>
+            </a:xfrm>
+            <a:prstGeom prst="straightConnector1">
+              <a:avLst/>
+            </a:prstGeom>
+            <a:ln w="28575">
+              <a:solidFill>
+                <a:schemeClr val="bg1">
+                  <a:lumMod val="50000"/>
+                </a:schemeClr>
+              </a:solidFill>
+              <a:tailEnd type="triangle"/>
+            </a:ln>
+          </p:spPr>
+          <p:style>
+            <a:lnRef idx="1">
+              <a:schemeClr val="accent1"/>
+            </a:lnRef>
+            <a:fillRef idx="0">
+              <a:schemeClr val="accent1"/>
+            </a:fillRef>
+            <a:effectRef idx="0">
+              <a:schemeClr val="accent1"/>
+            </a:effectRef>
+            <a:fontRef idx="minor">
+              <a:schemeClr val="tx1"/>
+            </a:fontRef>
+          </p:style>
+        </p:cxnSp>
+        <p:cxnSp>
+          <p:nvCxnSpPr>
+            <p:cNvPr id="6" name="Straight Arrow Connector 5">
+              <a:extLst>
+                <a:ext uri="{FF2B5EF4-FFF2-40B4-BE49-F238E27FC236}">
+                  <a16:creationId xmlns:a16="http://schemas.microsoft.com/office/drawing/2014/main" id="{4C8A0901-5D87-44B5-8828-1488EE386197}"/>
+                </a:ext>
+              </a:extLst>
+            </p:cNvPr>
+            <p:cNvCxnSpPr>
+              <a:cxnSpLocks/>
+            </p:cNvCxnSpPr>
+            <p:nvPr/>
+          </p:nvCxnSpPr>
+          <p:spPr>
+            <a:xfrm flipH="1">
+              <a:off x="3638821" y="3536573"/>
+              <a:ext cx="279782" cy="0"/>
+            </a:xfrm>
+            <a:prstGeom prst="straightConnector1">
+              <a:avLst/>
+            </a:prstGeom>
+            <a:ln w="28575">
+              <a:solidFill>
+                <a:schemeClr val="bg1">
+                  <a:lumMod val="50000"/>
+                </a:schemeClr>
+              </a:solidFill>
+              <a:tailEnd type="triangle"/>
+            </a:ln>
+          </p:spPr>
+          <p:style>
+            <a:lnRef idx="1">
+              <a:schemeClr val="accent1"/>
+            </a:lnRef>
+            <a:fillRef idx="0">
+              <a:schemeClr val="accent1"/>
+            </a:fillRef>
+            <a:effectRef idx="0">
+              <a:schemeClr val="accent1"/>
+            </a:effectRef>
+            <a:fontRef idx="minor">
+              <a:schemeClr val="tx1"/>
+            </a:fontRef>
+          </p:style>
+        </p:cxnSp>
+        <p:sp>
+          <p:nvSpPr>
+            <p:cNvPr id="7" name="Oval 6">
+              <a:extLst>
+                <a:ext uri="{FF2B5EF4-FFF2-40B4-BE49-F238E27FC236}">
+                  <a16:creationId xmlns:a16="http://schemas.microsoft.com/office/drawing/2014/main" id="{DF54AEF9-3386-4057-8364-8760E4BC82E6}"/>
+                </a:ext>
+              </a:extLst>
+            </p:cNvPr>
+            <p:cNvSpPr/>
+            <p:nvPr/>
+          </p:nvSpPr>
+          <p:spPr>
+            <a:xfrm>
+              <a:off x="5806905" y="2573458"/>
+              <a:ext cx="1241603" cy="480060"/>
+            </a:xfrm>
+            <a:prstGeom prst="ellipse">
+              <a:avLst/>
+            </a:prstGeom>
+          </p:spPr>
+          <p:style>
+            <a:lnRef idx="2">
+              <a:schemeClr val="accent2">
+                <a:shade val="50000"/>
+              </a:schemeClr>
+            </a:lnRef>
+            <a:fillRef idx="1">
+              <a:schemeClr val="accent2"/>
+            </a:fillRef>
+            <a:effectRef idx="0">
+              <a:schemeClr val="accent2"/>
+            </a:effectRef>
+            <a:fontRef idx="minor">
+              <a:schemeClr val="lt1"/>
+            </a:fontRef>
+          </p:style>
+          <p:txBody>
+            <a:bodyPr rtlCol="0" anchor="ctr"/>
+            <a:lstStyle/>
+            <a:p>
+              <a:pPr algn="ctr"/>
+              <a:r>
+                <a:rPr lang="en-DE" dirty="0"/>
+                <a:t>master</a:t>
+              </a:r>
+              <a:endParaRPr lang="en-US" dirty="0"/>
+            </a:p>
+          </p:txBody>
+        </p:sp>
+        <p:cxnSp>
+          <p:nvCxnSpPr>
+            <p:cNvPr id="8" name="Straight Arrow Connector 7">
+              <a:extLst>
+                <a:ext uri="{FF2B5EF4-FFF2-40B4-BE49-F238E27FC236}">
+                  <a16:creationId xmlns:a16="http://schemas.microsoft.com/office/drawing/2014/main" id="{AB32C403-D490-40C5-B4FC-A143ED5FB5CC}"/>
+                </a:ext>
+              </a:extLst>
+            </p:cNvPr>
+            <p:cNvCxnSpPr>
+              <a:cxnSpLocks/>
+            </p:cNvCxnSpPr>
+            <p:nvPr/>
+          </p:nvCxnSpPr>
+          <p:spPr>
+            <a:xfrm>
+              <a:off x="6441754" y="3053518"/>
+              <a:ext cx="0" cy="213142"/>
+            </a:xfrm>
+            <a:prstGeom prst="straightConnector1">
+              <a:avLst/>
+            </a:prstGeom>
+            <a:ln w="28575">
+              <a:solidFill>
+                <a:schemeClr val="bg1">
+                  <a:lumMod val="50000"/>
+                </a:schemeClr>
+              </a:solidFill>
+              <a:tailEnd type="triangle"/>
+            </a:ln>
+          </p:spPr>
+          <p:style>
+            <a:lnRef idx="1">
+              <a:schemeClr val="accent1"/>
+            </a:lnRef>
+            <a:fillRef idx="0">
+              <a:schemeClr val="accent1"/>
+            </a:fillRef>
+            <a:effectRef idx="0">
+              <a:schemeClr val="accent1"/>
+            </a:effectRef>
+            <a:fontRef idx="minor">
+              <a:schemeClr val="tx1"/>
+            </a:fontRef>
+          </p:style>
+        </p:cxnSp>
+        <p:sp>
+          <p:nvSpPr>
+            <p:cNvPr id="9" name="Oval 8">
+              <a:extLst>
+                <a:ext uri="{FF2B5EF4-FFF2-40B4-BE49-F238E27FC236}">
+                  <a16:creationId xmlns:a16="http://schemas.microsoft.com/office/drawing/2014/main" id="{35CCBD3A-CCBB-41CC-9EA6-CC289138B85A}"/>
+                </a:ext>
+              </a:extLst>
+            </p:cNvPr>
+            <p:cNvSpPr/>
+            <p:nvPr/>
+          </p:nvSpPr>
+          <p:spPr>
+            <a:xfrm>
+              <a:off x="7754767" y="4034902"/>
+              <a:ext cx="1241603" cy="480060"/>
+            </a:xfrm>
+            <a:prstGeom prst="ellipse">
+              <a:avLst/>
+            </a:prstGeom>
+            <a:solidFill>
+              <a:srgbClr val="7030A0"/>
+            </a:solidFill>
+            <a:ln>
+              <a:noFill/>
+            </a:ln>
+          </p:spPr>
+          <p:style>
+            <a:lnRef idx="2">
+              <a:schemeClr val="accent2">
+                <a:shade val="50000"/>
+              </a:schemeClr>
+            </a:lnRef>
+            <a:fillRef idx="1">
+              <a:schemeClr val="accent2"/>
+            </a:fillRef>
+            <a:effectRef idx="0">
+              <a:schemeClr val="accent2"/>
+            </a:effectRef>
+            <a:fontRef idx="minor">
+              <a:schemeClr val="lt1"/>
+            </a:fontRef>
+          </p:style>
+          <p:txBody>
+            <a:bodyPr rtlCol="0" anchor="ctr"/>
+            <a:lstStyle/>
+            <a:p>
+              <a:pPr algn="ctr"/>
+              <a:r>
+                <a:rPr lang="en-DE" sz="1400" dirty="0"/>
+                <a:t>change_alice</a:t>
+              </a:r>
+              <a:endParaRPr lang="en-US" sz="1400" dirty="0"/>
+            </a:p>
+          </p:txBody>
+        </p:sp>
+        <p:cxnSp>
+          <p:nvCxnSpPr>
+            <p:cNvPr id="10" name="Straight Arrow Connector 9">
+              <a:extLst>
+                <a:ext uri="{FF2B5EF4-FFF2-40B4-BE49-F238E27FC236}">
+                  <a16:creationId xmlns:a16="http://schemas.microsoft.com/office/drawing/2014/main" id="{38DE2C68-B98E-4F7E-9BBD-981734E9F7A1}"/>
+                </a:ext>
+              </a:extLst>
+            </p:cNvPr>
+            <p:cNvCxnSpPr>
+              <a:cxnSpLocks/>
+              <a:stCxn id="9" idx="0"/>
+            </p:cNvCxnSpPr>
+            <p:nvPr/>
+          </p:nvCxnSpPr>
+          <p:spPr>
+            <a:xfrm flipH="1" flipV="1">
+              <a:off x="8359625" y="3799531"/>
+              <a:ext cx="15944" cy="235371"/>
+            </a:xfrm>
+            <a:prstGeom prst="straightConnector1">
+              <a:avLst/>
+            </a:prstGeom>
+            <a:ln w="28575">
+              <a:solidFill>
+                <a:schemeClr val="bg1">
+                  <a:lumMod val="50000"/>
+                </a:schemeClr>
+              </a:solidFill>
+              <a:tailEnd type="triangle"/>
+            </a:ln>
+          </p:spPr>
+          <p:style>
+            <a:lnRef idx="1">
+              <a:schemeClr val="accent1"/>
+            </a:lnRef>
+            <a:fillRef idx="0">
+              <a:schemeClr val="accent1"/>
+            </a:fillRef>
+            <a:effectRef idx="0">
+              <a:schemeClr val="accent1"/>
+            </a:effectRef>
+            <a:fontRef idx="minor">
+              <a:schemeClr val="tx1"/>
+            </a:fontRef>
+          </p:style>
+        </p:cxnSp>
+        <p:sp>
+          <p:nvSpPr>
+            <p:cNvPr id="12" name="Rectangle 11">
+              <a:extLst>
+                <a:ext uri="{FF2B5EF4-FFF2-40B4-BE49-F238E27FC236}">
+                  <a16:creationId xmlns:a16="http://schemas.microsoft.com/office/drawing/2014/main" id="{E20575CF-CB3C-41B2-A6FA-6B5E7CA9622D}"/>
+                </a:ext>
+              </a:extLst>
+            </p:cNvPr>
+            <p:cNvSpPr/>
+            <p:nvPr/>
+          </p:nvSpPr>
+          <p:spPr>
+            <a:xfrm>
+              <a:off x="7578155" y="3266660"/>
+              <a:ext cx="1498294" cy="539826"/>
+            </a:xfrm>
+            <a:prstGeom prst="rect">
+              <a:avLst/>
+            </a:prstGeom>
+            <a:solidFill>
+              <a:schemeClr val="bg1">
+                <a:lumMod val="85000"/>
+              </a:schemeClr>
+            </a:solidFill>
+            <a:ln>
+              <a:solidFill>
+                <a:schemeClr val="bg1">
+                  <a:lumMod val="85000"/>
+                </a:schemeClr>
+              </a:solidFill>
+            </a:ln>
+          </p:spPr>
+          <p:style>
+            <a:lnRef idx="2">
+              <a:schemeClr val="accent1">
+                <a:shade val="50000"/>
+              </a:schemeClr>
+            </a:lnRef>
+            <a:fillRef idx="1">
+              <a:schemeClr val="accent1"/>
+            </a:fillRef>
+            <a:effectRef idx="0">
+              <a:schemeClr val="accent1"/>
+            </a:effectRef>
+            <a:fontRef idx="minor">
+              <a:schemeClr val="lt1"/>
+            </a:fontRef>
+          </p:style>
+          <p:txBody>
+            <a:bodyPr rtlCol="0" anchor="ctr"/>
+            <a:lstStyle/>
+            <a:p>
+              <a:pPr algn="ctr"/>
+              <a:r>
+                <a:rPr lang="en-DE" dirty="0">
+                  <a:solidFill>
+                    <a:schemeClr val="tx1"/>
+                  </a:solidFill>
+                </a:rPr>
+                <a:t>07d83</a:t>
+              </a:r>
+              <a:endParaRPr lang="en-US" dirty="0">
+                <a:solidFill>
+                  <a:schemeClr val="tx1"/>
+                </a:solidFill>
+              </a:endParaRPr>
+            </a:p>
+          </p:txBody>
+        </p:sp>
+        <p:cxnSp>
+          <p:nvCxnSpPr>
+            <p:cNvPr id="13" name="Straight Arrow Connector 12">
+              <a:extLst>
+                <a:ext uri="{FF2B5EF4-FFF2-40B4-BE49-F238E27FC236}">
+                  <a16:creationId xmlns:a16="http://schemas.microsoft.com/office/drawing/2014/main" id="{1166AE02-739C-47C1-817F-26011A790F36}"/>
+                </a:ext>
+              </a:extLst>
+            </p:cNvPr>
+            <p:cNvCxnSpPr>
+              <a:cxnSpLocks/>
+              <a:stCxn id="12" idx="1"/>
+            </p:cNvCxnSpPr>
+            <p:nvPr/>
+          </p:nvCxnSpPr>
+          <p:spPr>
+            <a:xfrm flipH="1" flipV="1">
+              <a:off x="7194973" y="3530952"/>
+              <a:ext cx="383182" cy="5621"/>
+            </a:xfrm>
+            <a:prstGeom prst="straightConnector1">
+              <a:avLst/>
+            </a:prstGeom>
+            <a:ln w="28575">
+              <a:solidFill>
+                <a:schemeClr val="bg1">
+                  <a:lumMod val="50000"/>
+                </a:schemeClr>
+              </a:solidFill>
+              <a:tailEnd type="triangle"/>
+            </a:ln>
+          </p:spPr>
+          <p:style>
+            <a:lnRef idx="1">
+              <a:schemeClr val="accent1"/>
+            </a:lnRef>
+            <a:fillRef idx="0">
+              <a:schemeClr val="accent1"/>
+            </a:fillRef>
+            <a:effectRef idx="0">
+              <a:schemeClr val="accent1"/>
+            </a:effectRef>
+            <a:fontRef idx="minor">
+              <a:schemeClr val="tx1"/>
+            </a:fontRef>
+          </p:style>
+        </p:cxnSp>
+        <p:sp>
+          <p:nvSpPr>
+            <p:cNvPr id="14" name="Rectangle 13">
+              <a:extLst>
+                <a:ext uri="{FF2B5EF4-FFF2-40B4-BE49-F238E27FC236}">
+                  <a16:creationId xmlns:a16="http://schemas.microsoft.com/office/drawing/2014/main" id="{768F2985-E9F1-4CB4-B3CA-83E0A32AFC57}"/>
+                </a:ext>
+              </a:extLst>
+            </p:cNvPr>
+            <p:cNvSpPr/>
+            <p:nvPr/>
+          </p:nvSpPr>
+          <p:spPr>
+            <a:xfrm>
+              <a:off x="838200" y="5485642"/>
+              <a:ext cx="1498294" cy="539826"/>
+            </a:xfrm>
+            <a:prstGeom prst="rect">
+              <a:avLst/>
+            </a:prstGeom>
+            <a:solidFill>
+              <a:schemeClr val="bg1">
+                <a:lumMod val="85000"/>
+              </a:schemeClr>
+            </a:solidFill>
+            <a:ln>
+              <a:solidFill>
+                <a:schemeClr val="bg1">
+                  <a:lumMod val="85000"/>
+                </a:schemeClr>
+              </a:solidFill>
+            </a:ln>
+          </p:spPr>
+          <p:style>
+            <a:lnRef idx="2">
+              <a:schemeClr val="accent1">
+                <a:shade val="50000"/>
+              </a:schemeClr>
+            </a:lnRef>
+            <a:fillRef idx="1">
+              <a:schemeClr val="accent1"/>
+            </a:fillRef>
+            <a:effectRef idx="0">
+              <a:schemeClr val="accent1"/>
+            </a:effectRef>
+            <a:fontRef idx="minor">
+              <a:schemeClr val="lt1"/>
+            </a:fontRef>
+          </p:style>
+          <p:txBody>
+            <a:bodyPr rtlCol="0" anchor="ctr"/>
+            <a:lstStyle/>
+            <a:p>
+              <a:pPr algn="ctr"/>
+              <a:r>
+                <a:rPr lang="en-DE" dirty="0">
+                  <a:solidFill>
+                    <a:schemeClr val="tx1"/>
+                  </a:solidFill>
+                </a:rPr>
+                <a:t>89ca9</a:t>
+              </a:r>
+              <a:endParaRPr lang="en-US" dirty="0">
+                <a:solidFill>
+                  <a:schemeClr val="tx1"/>
+                </a:solidFill>
+              </a:endParaRPr>
+            </a:p>
+          </p:txBody>
+        </p:sp>
+        <p:sp>
+          <p:nvSpPr>
+            <p:cNvPr id="15" name="Rectangle 14">
+              <a:extLst>
+                <a:ext uri="{FF2B5EF4-FFF2-40B4-BE49-F238E27FC236}">
+                  <a16:creationId xmlns:a16="http://schemas.microsoft.com/office/drawing/2014/main" id="{CD698A1D-E20F-4812-B3B7-12F937D48ACF}"/>
+                </a:ext>
+              </a:extLst>
+            </p:cNvPr>
+            <p:cNvSpPr/>
+            <p:nvPr/>
+          </p:nvSpPr>
+          <p:spPr>
+            <a:xfrm>
+              <a:off x="2616276" y="5485642"/>
+              <a:ext cx="1498294" cy="539826"/>
+            </a:xfrm>
+            <a:prstGeom prst="rect">
+              <a:avLst/>
+            </a:prstGeom>
+            <a:solidFill>
+              <a:schemeClr val="bg1">
+                <a:lumMod val="85000"/>
+              </a:schemeClr>
+            </a:solidFill>
+            <a:ln>
+              <a:solidFill>
+                <a:schemeClr val="bg1">
+                  <a:lumMod val="85000"/>
+                </a:schemeClr>
+              </a:solidFill>
+            </a:ln>
+          </p:spPr>
+          <p:style>
+            <a:lnRef idx="2">
+              <a:schemeClr val="accent1">
+                <a:shade val="50000"/>
+              </a:schemeClr>
+            </a:lnRef>
+            <a:fillRef idx="1">
+              <a:schemeClr val="accent1"/>
+            </a:fillRef>
+            <a:effectRef idx="0">
+              <a:schemeClr val="accent1"/>
+            </a:effectRef>
+            <a:fontRef idx="minor">
+              <a:schemeClr val="lt1"/>
+            </a:fontRef>
+          </p:style>
+          <p:txBody>
+            <a:bodyPr rtlCol="0" anchor="ctr"/>
+            <a:lstStyle/>
+            <a:p>
+              <a:pPr algn="ctr"/>
+              <a:r>
+                <a:rPr lang="en-DE" dirty="0">
+                  <a:solidFill>
+                    <a:schemeClr val="tx1"/>
+                  </a:solidFill>
+                </a:rPr>
+                <a:t>7b4sa</a:t>
+              </a:r>
+              <a:endParaRPr lang="en-US" dirty="0">
+                <a:solidFill>
+                  <a:schemeClr val="tx1"/>
+                </a:solidFill>
+              </a:endParaRPr>
+            </a:p>
+          </p:txBody>
+        </p:sp>
+        <p:sp>
+          <p:nvSpPr>
+            <p:cNvPr id="16" name="Rectangle 15">
+              <a:extLst>
+                <a:ext uri="{FF2B5EF4-FFF2-40B4-BE49-F238E27FC236}">
+                  <a16:creationId xmlns:a16="http://schemas.microsoft.com/office/drawing/2014/main" id="{69546A29-CB9A-416F-952D-DA6402A6A4F0}"/>
+                </a:ext>
+              </a:extLst>
+            </p:cNvPr>
+            <p:cNvSpPr/>
+            <p:nvPr/>
+          </p:nvSpPr>
+          <p:spPr>
+            <a:xfrm>
+              <a:off x="4394352" y="5485642"/>
+              <a:ext cx="1498294" cy="539826"/>
+            </a:xfrm>
+            <a:prstGeom prst="rect">
+              <a:avLst/>
+            </a:prstGeom>
+            <a:solidFill>
+              <a:schemeClr val="bg1">
+                <a:lumMod val="85000"/>
+              </a:schemeClr>
+            </a:solidFill>
+            <a:ln>
+              <a:solidFill>
+                <a:schemeClr val="bg1">
+                  <a:lumMod val="85000"/>
+                </a:schemeClr>
+              </a:solidFill>
+            </a:ln>
+          </p:spPr>
+          <p:style>
+            <a:lnRef idx="2">
+              <a:schemeClr val="accent1">
+                <a:shade val="50000"/>
+              </a:schemeClr>
+            </a:lnRef>
+            <a:fillRef idx="1">
+              <a:schemeClr val="accent1"/>
+            </a:fillRef>
+            <a:effectRef idx="0">
+              <a:schemeClr val="accent1"/>
+            </a:effectRef>
+            <a:fontRef idx="minor">
+              <a:schemeClr val="lt1"/>
+            </a:fontRef>
+          </p:style>
+          <p:txBody>
+            <a:bodyPr rtlCol="0" anchor="ctr"/>
+            <a:lstStyle/>
+            <a:p>
+              <a:pPr algn="ctr"/>
+              <a:r>
+                <a:rPr lang="en-DE" dirty="0">
+                  <a:solidFill>
+                    <a:schemeClr val="tx1"/>
+                  </a:solidFill>
+                </a:rPr>
+                <a:t>f3d83</a:t>
+              </a:r>
+              <a:endParaRPr lang="en-US" dirty="0">
+                <a:solidFill>
+                  <a:schemeClr val="tx1"/>
+                </a:solidFill>
+              </a:endParaRPr>
+            </a:p>
+          </p:txBody>
+        </p:sp>
+        <p:cxnSp>
+          <p:nvCxnSpPr>
+            <p:cNvPr id="17" name="Straight Arrow Connector 16">
+              <a:extLst>
+                <a:ext uri="{FF2B5EF4-FFF2-40B4-BE49-F238E27FC236}">
+                  <a16:creationId xmlns:a16="http://schemas.microsoft.com/office/drawing/2014/main" id="{9AFB029D-7D2C-4907-95E7-B1A3B3D7AF7C}"/>
+                </a:ext>
+              </a:extLst>
+            </p:cNvPr>
+            <p:cNvCxnSpPr>
+              <a:cxnSpLocks/>
+              <a:stCxn id="16" idx="1"/>
+              <a:endCxn id="15" idx="3"/>
+            </p:cNvCxnSpPr>
+            <p:nvPr/>
+          </p:nvCxnSpPr>
+          <p:spPr>
+            <a:xfrm flipH="1">
+              <a:off x="4114570" y="5755555"/>
+              <a:ext cx="279782" cy="0"/>
+            </a:xfrm>
+            <a:prstGeom prst="straightConnector1">
+              <a:avLst/>
+            </a:prstGeom>
+            <a:ln w="28575">
+              <a:solidFill>
+                <a:schemeClr val="bg1">
+                  <a:lumMod val="50000"/>
+                </a:schemeClr>
+              </a:solidFill>
+              <a:tailEnd type="triangle"/>
+            </a:ln>
+          </p:spPr>
+          <p:style>
+            <a:lnRef idx="1">
+              <a:schemeClr val="accent1"/>
+            </a:lnRef>
+            <a:fillRef idx="0">
+              <a:schemeClr val="accent1"/>
+            </a:fillRef>
+            <a:effectRef idx="0">
+              <a:schemeClr val="accent1"/>
+            </a:effectRef>
+            <a:fontRef idx="minor">
+              <a:schemeClr val="tx1"/>
+            </a:fontRef>
+          </p:style>
+        </p:cxnSp>
+        <p:cxnSp>
+          <p:nvCxnSpPr>
+            <p:cNvPr id="18" name="Straight Arrow Connector 17">
+              <a:extLst>
+                <a:ext uri="{FF2B5EF4-FFF2-40B4-BE49-F238E27FC236}">
+                  <a16:creationId xmlns:a16="http://schemas.microsoft.com/office/drawing/2014/main" id="{2F74BB37-599C-4F4E-A15B-90AA41396CA8}"/>
+                </a:ext>
+              </a:extLst>
+            </p:cNvPr>
+            <p:cNvCxnSpPr>
+              <a:cxnSpLocks/>
+            </p:cNvCxnSpPr>
+            <p:nvPr/>
+          </p:nvCxnSpPr>
+          <p:spPr>
+            <a:xfrm flipH="1">
+              <a:off x="2336494" y="5755555"/>
+              <a:ext cx="279782" cy="0"/>
+            </a:xfrm>
+            <a:prstGeom prst="straightConnector1">
+              <a:avLst/>
+            </a:prstGeom>
+            <a:ln w="28575">
+              <a:solidFill>
+                <a:schemeClr val="bg1">
+                  <a:lumMod val="50000"/>
+                </a:schemeClr>
+              </a:solidFill>
+              <a:tailEnd type="triangle"/>
+            </a:ln>
+          </p:spPr>
+          <p:style>
+            <a:lnRef idx="1">
+              <a:schemeClr val="accent1"/>
+            </a:lnRef>
+            <a:fillRef idx="0">
+              <a:schemeClr val="accent1"/>
+            </a:fillRef>
+            <a:effectRef idx="0">
+              <a:schemeClr val="accent1"/>
+            </a:effectRef>
+            <a:fontRef idx="minor">
+              <a:schemeClr val="tx1"/>
+            </a:fontRef>
+          </p:style>
+        </p:cxnSp>
+        <p:sp>
+          <p:nvSpPr>
+            <p:cNvPr id="19" name="Oval 18">
+              <a:extLst>
+                <a:ext uri="{FF2B5EF4-FFF2-40B4-BE49-F238E27FC236}">
+                  <a16:creationId xmlns:a16="http://schemas.microsoft.com/office/drawing/2014/main" id="{7CCDB6DD-3F33-4CD8-A43F-D4A3C9ABC2B2}"/>
+                </a:ext>
+              </a:extLst>
+            </p:cNvPr>
+            <p:cNvSpPr/>
+            <p:nvPr/>
+          </p:nvSpPr>
+          <p:spPr>
+            <a:xfrm>
+              <a:off x="6452440" y="4793232"/>
+              <a:ext cx="1241603" cy="480060"/>
+            </a:xfrm>
+            <a:prstGeom prst="ellipse">
+              <a:avLst/>
+            </a:prstGeom>
+          </p:spPr>
+          <p:style>
+            <a:lnRef idx="2">
+              <a:schemeClr val="accent2">
+                <a:shade val="50000"/>
+              </a:schemeClr>
+            </a:lnRef>
+            <a:fillRef idx="1">
+              <a:schemeClr val="accent2"/>
+            </a:fillRef>
+            <a:effectRef idx="0">
+              <a:schemeClr val="accent2"/>
+            </a:effectRef>
+            <a:fontRef idx="minor">
+              <a:schemeClr val="lt1"/>
+            </a:fontRef>
+          </p:style>
+          <p:txBody>
+            <a:bodyPr rtlCol="0" anchor="ctr"/>
+            <a:lstStyle/>
+            <a:p>
+              <a:pPr algn="ctr"/>
+              <a:r>
+                <a:rPr lang="en-DE" dirty="0"/>
+                <a:t>master</a:t>
+              </a:r>
+              <a:endParaRPr lang="en-US" dirty="0"/>
+            </a:p>
+          </p:txBody>
+        </p:sp>
+        <p:cxnSp>
+          <p:nvCxnSpPr>
+            <p:cNvPr id="20" name="Straight Arrow Connector 19">
+              <a:extLst>
+                <a:ext uri="{FF2B5EF4-FFF2-40B4-BE49-F238E27FC236}">
+                  <a16:creationId xmlns:a16="http://schemas.microsoft.com/office/drawing/2014/main" id="{9BA492C3-269B-4C7D-B2F0-FDEF8AFCDCA8}"/>
+                </a:ext>
+              </a:extLst>
+            </p:cNvPr>
+            <p:cNvCxnSpPr>
+              <a:cxnSpLocks/>
+            </p:cNvCxnSpPr>
+            <p:nvPr/>
+          </p:nvCxnSpPr>
+          <p:spPr>
+            <a:xfrm>
+              <a:off x="7087289" y="5273292"/>
+              <a:ext cx="0" cy="213142"/>
+            </a:xfrm>
+            <a:prstGeom prst="straightConnector1">
+              <a:avLst/>
+            </a:prstGeom>
+            <a:ln w="28575">
+              <a:solidFill>
+                <a:schemeClr val="bg1">
+                  <a:lumMod val="50000"/>
+                </a:schemeClr>
+              </a:solidFill>
+              <a:tailEnd type="triangle"/>
+            </a:ln>
+          </p:spPr>
+          <p:style>
+            <a:lnRef idx="1">
+              <a:schemeClr val="accent1"/>
+            </a:lnRef>
+            <a:fillRef idx="0">
+              <a:schemeClr val="accent1"/>
+            </a:fillRef>
+            <a:effectRef idx="0">
+              <a:schemeClr val="accent1"/>
+            </a:effectRef>
+            <a:fontRef idx="minor">
+              <a:schemeClr val="tx1"/>
+            </a:fontRef>
+          </p:style>
+        </p:cxnSp>
+        <p:sp>
+          <p:nvSpPr>
+            <p:cNvPr id="21" name="Oval 20">
+              <a:extLst>
+                <a:ext uri="{FF2B5EF4-FFF2-40B4-BE49-F238E27FC236}">
+                  <a16:creationId xmlns:a16="http://schemas.microsoft.com/office/drawing/2014/main" id="{333E1E17-547D-40C7-8D94-87E5F7BA5ADB}"/>
+                </a:ext>
+              </a:extLst>
+            </p:cNvPr>
+            <p:cNvSpPr/>
+            <p:nvPr/>
+          </p:nvSpPr>
+          <p:spPr>
+            <a:xfrm>
+              <a:off x="6452440" y="6253884"/>
+              <a:ext cx="1241603" cy="480060"/>
+            </a:xfrm>
+            <a:prstGeom prst="ellipse">
+              <a:avLst/>
+            </a:prstGeom>
+            <a:solidFill>
+              <a:srgbClr val="7030A0"/>
+            </a:solidFill>
+            <a:ln>
+              <a:noFill/>
+            </a:ln>
+          </p:spPr>
+          <p:style>
+            <a:lnRef idx="2">
+              <a:schemeClr val="accent2">
+                <a:shade val="50000"/>
+              </a:schemeClr>
+            </a:lnRef>
+            <a:fillRef idx="1">
+              <a:schemeClr val="accent2"/>
+            </a:fillRef>
+            <a:effectRef idx="0">
+              <a:schemeClr val="accent2"/>
+            </a:effectRef>
+            <a:fontRef idx="minor">
+              <a:schemeClr val="lt1"/>
+            </a:fontRef>
+          </p:style>
+          <p:txBody>
+            <a:bodyPr rtlCol="0" anchor="ctr"/>
+            <a:lstStyle/>
+            <a:p>
+              <a:pPr algn="ctr"/>
+              <a:r>
+                <a:rPr lang="en-DE" sz="1400" dirty="0"/>
+                <a:t>change_alice</a:t>
+              </a:r>
+              <a:endParaRPr lang="en-US" sz="1400" dirty="0"/>
+            </a:p>
+          </p:txBody>
+        </p:sp>
+        <p:cxnSp>
+          <p:nvCxnSpPr>
+            <p:cNvPr id="22" name="Straight Arrow Connector 21">
+              <a:extLst>
+                <a:ext uri="{FF2B5EF4-FFF2-40B4-BE49-F238E27FC236}">
+                  <a16:creationId xmlns:a16="http://schemas.microsoft.com/office/drawing/2014/main" id="{77FFE046-753A-4EB3-A602-0409972B7E1E}"/>
+                </a:ext>
+              </a:extLst>
+            </p:cNvPr>
+            <p:cNvCxnSpPr>
+              <a:cxnSpLocks/>
+              <a:stCxn id="21" idx="0"/>
+            </p:cNvCxnSpPr>
+            <p:nvPr/>
+          </p:nvCxnSpPr>
+          <p:spPr>
+            <a:xfrm flipH="1" flipV="1">
+              <a:off x="7057298" y="6018513"/>
+              <a:ext cx="15944" cy="235371"/>
+            </a:xfrm>
+            <a:prstGeom prst="straightConnector1">
+              <a:avLst/>
+            </a:prstGeom>
+            <a:ln w="28575">
+              <a:solidFill>
+                <a:schemeClr val="bg1">
+                  <a:lumMod val="50000"/>
+                </a:schemeClr>
+              </a:solidFill>
+              <a:tailEnd type="triangle"/>
+            </a:ln>
+          </p:spPr>
+          <p:style>
+            <a:lnRef idx="1">
+              <a:schemeClr val="accent1"/>
+            </a:lnRef>
+            <a:fillRef idx="0">
+              <a:schemeClr val="accent1"/>
+            </a:fillRef>
+            <a:effectRef idx="0">
+              <a:schemeClr val="accent1"/>
+            </a:effectRef>
+            <a:fontRef idx="minor">
+              <a:schemeClr val="tx1"/>
+            </a:fontRef>
+          </p:style>
+        </p:cxnSp>
+        <p:sp>
+          <p:nvSpPr>
+            <p:cNvPr id="23" name="Rectangle 22">
+              <a:extLst>
+                <a:ext uri="{FF2B5EF4-FFF2-40B4-BE49-F238E27FC236}">
+                  <a16:creationId xmlns:a16="http://schemas.microsoft.com/office/drawing/2014/main" id="{18D5DA7B-84C3-4434-A060-BC338E1130E9}"/>
+                </a:ext>
+              </a:extLst>
+            </p:cNvPr>
+            <p:cNvSpPr/>
+            <p:nvPr/>
+          </p:nvSpPr>
+          <p:spPr>
+            <a:xfrm>
+              <a:off x="6275828" y="5485642"/>
+              <a:ext cx="1498294" cy="539826"/>
+            </a:xfrm>
+            <a:prstGeom prst="rect">
+              <a:avLst/>
+            </a:prstGeom>
+            <a:solidFill>
+              <a:schemeClr val="bg1">
+                <a:lumMod val="85000"/>
+              </a:schemeClr>
+            </a:solidFill>
+            <a:ln>
+              <a:solidFill>
+                <a:schemeClr val="bg1">
+                  <a:lumMod val="85000"/>
+                </a:schemeClr>
+              </a:solidFill>
+            </a:ln>
+          </p:spPr>
+          <p:style>
+            <a:lnRef idx="2">
+              <a:schemeClr val="accent1">
+                <a:shade val="50000"/>
+              </a:schemeClr>
+            </a:lnRef>
+            <a:fillRef idx="1">
+              <a:schemeClr val="accent1"/>
+            </a:fillRef>
+            <a:effectRef idx="0">
+              <a:schemeClr val="accent1"/>
+            </a:effectRef>
+            <a:fontRef idx="minor">
+              <a:schemeClr val="lt1"/>
+            </a:fontRef>
+          </p:style>
+          <p:txBody>
+            <a:bodyPr rtlCol="0" anchor="ctr"/>
+            <a:lstStyle/>
+            <a:p>
+              <a:pPr algn="ctr"/>
+              <a:r>
+                <a:rPr lang="en-DE" dirty="0">
+                  <a:solidFill>
+                    <a:schemeClr val="tx1"/>
+                  </a:solidFill>
+                </a:rPr>
+                <a:t>07d83</a:t>
+              </a:r>
+              <a:endParaRPr lang="en-US" dirty="0">
+                <a:solidFill>
+                  <a:schemeClr val="tx1"/>
+                </a:solidFill>
+              </a:endParaRPr>
+            </a:p>
+          </p:txBody>
+        </p:sp>
+        <p:cxnSp>
+          <p:nvCxnSpPr>
+            <p:cNvPr id="24" name="Straight Arrow Connector 23">
+              <a:extLst>
+                <a:ext uri="{FF2B5EF4-FFF2-40B4-BE49-F238E27FC236}">
+                  <a16:creationId xmlns:a16="http://schemas.microsoft.com/office/drawing/2014/main" id="{7F02D730-4EC2-4493-B321-20530216D07A}"/>
+                </a:ext>
+              </a:extLst>
+            </p:cNvPr>
+            <p:cNvCxnSpPr>
+              <a:cxnSpLocks/>
+              <a:stCxn id="23" idx="1"/>
+            </p:cNvCxnSpPr>
+            <p:nvPr/>
+          </p:nvCxnSpPr>
+          <p:spPr>
+            <a:xfrm flipH="1" flipV="1">
+              <a:off x="5892646" y="5749934"/>
+              <a:ext cx="383182" cy="5621"/>
+            </a:xfrm>
+            <a:prstGeom prst="straightConnector1">
+              <a:avLst/>
+            </a:prstGeom>
+            <a:ln w="28575">
+              <a:solidFill>
+                <a:schemeClr val="bg1">
+                  <a:lumMod val="50000"/>
+                </a:schemeClr>
+              </a:solidFill>
+              <a:tailEnd type="triangle"/>
+            </a:ln>
+          </p:spPr>
+          <p:style>
+            <a:lnRef idx="1">
+              <a:schemeClr val="accent1"/>
+            </a:lnRef>
+            <a:fillRef idx="0">
+              <a:schemeClr val="accent1"/>
+            </a:fillRef>
+            <a:effectRef idx="0">
+              <a:schemeClr val="accent1"/>
+            </a:effectRef>
+            <a:fontRef idx="minor">
+              <a:schemeClr val="tx1"/>
+            </a:fontRef>
+          </p:style>
+        </p:cxnSp>
+        <p:sp>
+          <p:nvSpPr>
+            <p:cNvPr id="25" name="TextBox 24">
+              <a:extLst>
+                <a:ext uri="{FF2B5EF4-FFF2-40B4-BE49-F238E27FC236}">
+                  <a16:creationId xmlns:a16="http://schemas.microsoft.com/office/drawing/2014/main" id="{79FCAD15-619B-44AF-8E51-53EDFC007790}"/>
+                </a:ext>
+              </a:extLst>
+            </p:cNvPr>
+            <p:cNvSpPr txBox="1"/>
+            <p:nvPr/>
+          </p:nvSpPr>
+          <p:spPr>
+            <a:xfrm>
+              <a:off x="8096356" y="4968706"/>
+              <a:ext cx="2391114" cy="307777"/>
+            </a:xfrm>
+            <a:prstGeom prst="rect">
+              <a:avLst/>
+            </a:prstGeom>
+            <a:solidFill>
+              <a:schemeClr val="bg1">
+                <a:lumMod val="95000"/>
+              </a:schemeClr>
+            </a:solidFill>
+          </p:spPr>
+          <p:txBody>
+            <a:bodyPr wrap="square" rtlCol="0">
+              <a:spAutoFit/>
+            </a:bodyPr>
+            <a:lstStyle/>
+            <a:p>
+              <a:pPr algn="ctr"/>
+              <a:r>
+                <a:rPr lang="de-DE" sz="1400" dirty="0" err="1">
+                  <a:latin typeface="Consolas" panose="020B0609020204030204" pitchFamily="49" charset="0"/>
+                </a:rPr>
+                <a:t>git</a:t>
+              </a:r>
+              <a:r>
+                <a:rPr lang="de-DE" sz="1400" dirty="0">
+                  <a:latin typeface="Consolas" panose="020B0609020204030204" pitchFamily="49" charset="0"/>
+                </a:rPr>
+                <a:t> </a:t>
+              </a:r>
+              <a:r>
+                <a:rPr lang="de-DE" sz="1400" dirty="0" err="1">
+                  <a:latin typeface="Consolas" panose="020B0609020204030204" pitchFamily="49" charset="0"/>
+                </a:rPr>
+                <a:t>merge</a:t>
+              </a:r>
+              <a:r>
+                <a:rPr lang="de-DE" sz="1400" dirty="0">
+                  <a:latin typeface="Consolas" panose="020B0609020204030204" pitchFamily="49" charset="0"/>
+                </a:rPr>
+                <a:t> </a:t>
+              </a:r>
+              <a:r>
+                <a:rPr lang="de-DE" sz="1400" dirty="0" err="1">
+                  <a:latin typeface="Consolas" panose="020B0609020204030204" pitchFamily="49" charset="0"/>
+                </a:rPr>
+                <a:t>change_alice</a:t>
+              </a:r>
+              <a:endParaRPr lang="en-GB" sz="1400" dirty="0">
+                <a:latin typeface="Consolas" panose="020B0609020204030204" pitchFamily="49" charset="0"/>
+              </a:endParaRPr>
+            </a:p>
+          </p:txBody>
+        </p:sp>
+      </p:grpSp>
+    </p:spTree>
+    <p:extLst>
+      <p:ext uri="{BB962C8B-B14F-4D97-AF65-F5344CB8AC3E}">
+        <p14:creationId xmlns:p14="http://schemas.microsoft.com/office/powerpoint/2010/main" val="4259386221"/>
+      </p:ext>
+    </p:extLst>
+  </p:cSld>
+  <p:clrMapOvr>
+    <a:masterClrMapping/>
+  </p:clrMapOvr>
+</p:sld>
+</file>
+
+<file path=ppt/slides/slide21.xml><?xml version="1.0" encoding="utf-8"?>
+<p:sld xmlns:a="http://schemas.openxmlformats.org/drawingml/2006/main" xmlns:r="http://schemas.openxmlformats.org/officeDocument/2006/relationships" xmlns:p="http://schemas.openxmlformats.org/presentationml/2006/main">
+  <p:cSld>
+    <p:spTree>
+      <p:nvGrpSpPr>
+        <p:cNvPr id="1" name=""/>
+        <p:cNvGrpSpPr/>
+        <p:nvPr/>
+      </p:nvGrpSpPr>
+      <p:grpSpPr>
+        <a:xfrm>
+          <a:off x="0" y="0"/>
+          <a:ext cx="0" cy="0"/>
+          <a:chOff x="0" y="0"/>
+          <a:chExt cx="0" cy="0"/>
+        </a:xfrm>
+      </p:grpSpPr>
+      <p:grpSp>
+        <p:nvGrpSpPr>
+          <p:cNvPr id="24" name="Group 23">
+            <a:extLst>
+              <a:ext uri="{FF2B5EF4-FFF2-40B4-BE49-F238E27FC236}">
+                <a16:creationId xmlns:a16="http://schemas.microsoft.com/office/drawing/2014/main" id="{3E600E1E-DEAE-42A9-AF80-8FDF3D30D5C5}"/>
+              </a:ext>
+            </a:extLst>
+          </p:cNvPr>
+          <p:cNvGrpSpPr/>
+          <p:nvPr/>
+        </p:nvGrpSpPr>
+        <p:grpSpPr>
+          <a:xfrm>
+            <a:off x="838200" y="2761673"/>
+            <a:ext cx="7081377" cy="2894479"/>
+            <a:chOff x="838200" y="2761673"/>
+            <a:chExt cx="7081377" cy="2894479"/>
+          </a:xfrm>
+        </p:grpSpPr>
+        <p:sp>
+          <p:nvSpPr>
+            <p:cNvPr id="2" name="Rectangle 1">
+              <a:extLst>
+                <a:ext uri="{FF2B5EF4-FFF2-40B4-BE49-F238E27FC236}">
+                  <a16:creationId xmlns:a16="http://schemas.microsoft.com/office/drawing/2014/main" id="{E6FD479B-FFD4-4D26-9DAD-AF88765DA8C7}"/>
+                </a:ext>
+              </a:extLst>
+            </p:cNvPr>
+            <p:cNvSpPr/>
+            <p:nvPr/>
+          </p:nvSpPr>
+          <p:spPr>
+            <a:xfrm>
+              <a:off x="838200" y="3647412"/>
+              <a:ext cx="1130035" cy="395496"/>
+            </a:xfrm>
+            <a:prstGeom prst="rect">
+              <a:avLst/>
+            </a:prstGeom>
+            <a:solidFill>
+              <a:schemeClr val="bg1">
+                <a:lumMod val="85000"/>
+              </a:schemeClr>
+            </a:solidFill>
+            <a:ln>
+              <a:solidFill>
+                <a:schemeClr val="bg1">
+                  <a:lumMod val="85000"/>
+                </a:schemeClr>
+              </a:solidFill>
+            </a:ln>
+          </p:spPr>
+          <p:style>
+            <a:lnRef idx="2">
+              <a:schemeClr val="accent1">
+                <a:shade val="50000"/>
+              </a:schemeClr>
+            </a:lnRef>
+            <a:fillRef idx="1">
+              <a:schemeClr val="accent1"/>
+            </a:fillRef>
+            <a:effectRef idx="0">
+              <a:schemeClr val="accent1"/>
+            </a:effectRef>
+            <a:fontRef idx="minor">
+              <a:schemeClr val="lt1"/>
+            </a:fontRef>
+          </p:style>
+          <p:txBody>
+            <a:bodyPr rtlCol="0" anchor="ctr"/>
+            <a:lstStyle/>
+            <a:p>
+              <a:pPr algn="ctr"/>
+              <a:r>
+                <a:rPr lang="en-DE" sz="1600" dirty="0">
+                  <a:solidFill>
+                    <a:schemeClr val="tx1"/>
+                  </a:solidFill>
+                </a:rPr>
+                <a:t>89ca9</a:t>
+              </a:r>
+              <a:endParaRPr lang="en-US" sz="1600" dirty="0">
+                <a:solidFill>
+                  <a:schemeClr val="tx1"/>
+                </a:solidFill>
+              </a:endParaRPr>
+            </a:p>
+          </p:txBody>
+        </p:sp>
+        <p:sp>
+          <p:nvSpPr>
+            <p:cNvPr id="3" name="Rectangle 2">
+              <a:extLst>
+                <a:ext uri="{FF2B5EF4-FFF2-40B4-BE49-F238E27FC236}">
+                  <a16:creationId xmlns:a16="http://schemas.microsoft.com/office/drawing/2014/main" id="{D1E2DEDE-FFA5-466E-A77C-A61BB96B6C7A}"/>
+                </a:ext>
+              </a:extLst>
+            </p:cNvPr>
+            <p:cNvSpPr/>
+            <p:nvPr/>
+          </p:nvSpPr>
+          <p:spPr>
+            <a:xfrm>
+              <a:off x="2248008" y="3647412"/>
+              <a:ext cx="1130035" cy="395496"/>
+            </a:xfrm>
+            <a:prstGeom prst="rect">
+              <a:avLst/>
+            </a:prstGeom>
+            <a:solidFill>
+              <a:schemeClr val="bg1">
+                <a:lumMod val="85000"/>
+              </a:schemeClr>
+            </a:solidFill>
+            <a:ln>
+              <a:solidFill>
+                <a:schemeClr val="bg1">
+                  <a:lumMod val="85000"/>
+                </a:schemeClr>
+              </a:solidFill>
+            </a:ln>
+          </p:spPr>
+          <p:style>
+            <a:lnRef idx="2">
+              <a:schemeClr val="accent1">
+                <a:shade val="50000"/>
+              </a:schemeClr>
+            </a:lnRef>
+            <a:fillRef idx="1">
+              <a:schemeClr val="accent1"/>
+            </a:fillRef>
+            <a:effectRef idx="0">
+              <a:schemeClr val="accent1"/>
+            </a:effectRef>
+            <a:fontRef idx="minor">
+              <a:schemeClr val="lt1"/>
+            </a:fontRef>
+          </p:style>
+          <p:txBody>
+            <a:bodyPr rtlCol="0" anchor="ctr"/>
+            <a:lstStyle/>
+            <a:p>
+              <a:pPr algn="ctr"/>
+              <a:r>
+                <a:rPr lang="en-DE" sz="1600" dirty="0">
+                  <a:solidFill>
+                    <a:schemeClr val="tx1"/>
+                  </a:solidFill>
+                </a:rPr>
+                <a:t>7b4sa</a:t>
+              </a:r>
+              <a:endParaRPr lang="en-US" sz="1600" dirty="0">
+                <a:solidFill>
+                  <a:schemeClr val="tx1"/>
+                </a:solidFill>
+              </a:endParaRPr>
+            </a:p>
+          </p:txBody>
+        </p:sp>
+        <p:sp>
+          <p:nvSpPr>
+            <p:cNvPr id="4" name="Rectangle 3">
+              <a:extLst>
+                <a:ext uri="{FF2B5EF4-FFF2-40B4-BE49-F238E27FC236}">
+                  <a16:creationId xmlns:a16="http://schemas.microsoft.com/office/drawing/2014/main" id="{C017E190-60D2-4C18-8CB9-D473B4FA534A}"/>
+                </a:ext>
+              </a:extLst>
+            </p:cNvPr>
+            <p:cNvSpPr/>
+            <p:nvPr/>
+          </p:nvSpPr>
+          <p:spPr>
+            <a:xfrm>
+              <a:off x="3656408" y="3657798"/>
+              <a:ext cx="1130035" cy="395496"/>
+            </a:xfrm>
+            <a:prstGeom prst="rect">
+              <a:avLst/>
+            </a:prstGeom>
+            <a:solidFill>
+              <a:schemeClr val="bg1">
+                <a:lumMod val="85000"/>
+              </a:schemeClr>
+            </a:solidFill>
+            <a:ln>
+              <a:solidFill>
+                <a:schemeClr val="bg1">
+                  <a:lumMod val="85000"/>
+                </a:schemeClr>
+              </a:solidFill>
+            </a:ln>
+          </p:spPr>
+          <p:style>
+            <a:lnRef idx="2">
+              <a:schemeClr val="accent1">
+                <a:shade val="50000"/>
+              </a:schemeClr>
+            </a:lnRef>
+            <a:fillRef idx="1">
+              <a:schemeClr val="accent1"/>
+            </a:fillRef>
+            <a:effectRef idx="0">
+              <a:schemeClr val="accent1"/>
+            </a:effectRef>
+            <a:fontRef idx="minor">
+              <a:schemeClr val="lt1"/>
+            </a:fontRef>
+          </p:style>
+          <p:txBody>
+            <a:bodyPr rtlCol="0" anchor="ctr"/>
+            <a:lstStyle/>
+            <a:p>
+              <a:pPr algn="ctr"/>
+              <a:r>
+                <a:rPr lang="en-DE" sz="1600" dirty="0">
+                  <a:solidFill>
+                    <a:schemeClr val="tx1"/>
+                  </a:solidFill>
+                </a:rPr>
+                <a:t>f3d83</a:t>
+              </a:r>
+              <a:endParaRPr lang="en-US" sz="1600" dirty="0">
+                <a:solidFill>
+                  <a:schemeClr val="tx1"/>
+                </a:solidFill>
+              </a:endParaRPr>
+            </a:p>
+          </p:txBody>
+        </p:sp>
+        <p:cxnSp>
+          <p:nvCxnSpPr>
+            <p:cNvPr id="5" name="Straight Arrow Connector 4">
+              <a:extLst>
+                <a:ext uri="{FF2B5EF4-FFF2-40B4-BE49-F238E27FC236}">
+                  <a16:creationId xmlns:a16="http://schemas.microsoft.com/office/drawing/2014/main" id="{1D7B2FE6-6DA7-48D1-B6C1-58DCC3DCC782}"/>
+                </a:ext>
+              </a:extLst>
+            </p:cNvPr>
+            <p:cNvCxnSpPr>
+              <a:cxnSpLocks/>
+              <a:stCxn id="4" idx="1"/>
+              <a:endCxn id="3" idx="3"/>
+            </p:cNvCxnSpPr>
+            <p:nvPr/>
+          </p:nvCxnSpPr>
+          <p:spPr>
+            <a:xfrm flipH="1" flipV="1">
+              <a:off x="3378043" y="3845160"/>
+              <a:ext cx="278365" cy="10386"/>
+            </a:xfrm>
+            <a:prstGeom prst="straightConnector1">
+              <a:avLst/>
+            </a:prstGeom>
+            <a:ln w="28575">
+              <a:solidFill>
+                <a:schemeClr val="bg1">
+                  <a:lumMod val="50000"/>
+                </a:schemeClr>
+              </a:solidFill>
+              <a:tailEnd type="triangle"/>
+            </a:ln>
+          </p:spPr>
+          <p:style>
+            <a:lnRef idx="1">
+              <a:schemeClr val="accent1"/>
+            </a:lnRef>
+            <a:fillRef idx="0">
+              <a:schemeClr val="accent1"/>
+            </a:fillRef>
+            <a:effectRef idx="0">
+              <a:schemeClr val="accent1"/>
+            </a:effectRef>
+            <a:fontRef idx="minor">
+              <a:schemeClr val="tx1"/>
+            </a:fontRef>
+          </p:style>
+        </p:cxnSp>
+        <p:cxnSp>
+          <p:nvCxnSpPr>
+            <p:cNvPr id="6" name="Straight Arrow Connector 5">
+              <a:extLst>
+                <a:ext uri="{FF2B5EF4-FFF2-40B4-BE49-F238E27FC236}">
+                  <a16:creationId xmlns:a16="http://schemas.microsoft.com/office/drawing/2014/main" id="{607B77A6-FB4E-4E30-B778-7CF5517FEC24}"/>
+                </a:ext>
+              </a:extLst>
+            </p:cNvPr>
+            <p:cNvCxnSpPr>
+              <a:cxnSpLocks/>
+              <a:stCxn id="3" idx="1"/>
+              <a:endCxn id="2" idx="3"/>
+            </p:cNvCxnSpPr>
+            <p:nvPr/>
+          </p:nvCxnSpPr>
+          <p:spPr>
+            <a:xfrm flipH="1">
+              <a:off x="1968235" y="3845160"/>
+              <a:ext cx="279773" cy="0"/>
+            </a:xfrm>
+            <a:prstGeom prst="straightConnector1">
+              <a:avLst/>
+            </a:prstGeom>
+            <a:ln w="28575">
+              <a:solidFill>
+                <a:schemeClr val="bg1">
+                  <a:lumMod val="50000"/>
+                </a:schemeClr>
+              </a:solidFill>
+              <a:tailEnd type="triangle"/>
+            </a:ln>
+          </p:spPr>
+          <p:style>
+            <a:lnRef idx="1">
+              <a:schemeClr val="accent1"/>
+            </a:lnRef>
+            <a:fillRef idx="0">
+              <a:schemeClr val="accent1"/>
+            </a:fillRef>
+            <a:effectRef idx="0">
+              <a:schemeClr val="accent1"/>
+            </a:effectRef>
+            <a:fontRef idx="minor">
+              <a:schemeClr val="tx1"/>
+            </a:fontRef>
+          </p:style>
+        </p:cxnSp>
+        <p:sp>
+          <p:nvSpPr>
+            <p:cNvPr id="7" name="Oval 6">
+              <a:extLst>
+                <a:ext uri="{FF2B5EF4-FFF2-40B4-BE49-F238E27FC236}">
+                  <a16:creationId xmlns:a16="http://schemas.microsoft.com/office/drawing/2014/main" id="{3CCAE368-2E5E-4145-9FCF-8C32816A3271}"/>
+                </a:ext>
+              </a:extLst>
+            </p:cNvPr>
+            <p:cNvSpPr/>
+            <p:nvPr/>
+          </p:nvSpPr>
+          <p:spPr>
+            <a:xfrm>
+              <a:off x="3686255" y="2953709"/>
+              <a:ext cx="1130035" cy="402944"/>
+            </a:xfrm>
+            <a:prstGeom prst="ellipse">
+              <a:avLst/>
+            </a:prstGeom>
+          </p:spPr>
+          <p:style>
+            <a:lnRef idx="2">
+              <a:schemeClr val="accent2">
+                <a:shade val="50000"/>
+              </a:schemeClr>
+            </a:lnRef>
+            <a:fillRef idx="1">
+              <a:schemeClr val="accent2"/>
+            </a:fillRef>
+            <a:effectRef idx="0">
+              <a:schemeClr val="accent2"/>
+            </a:effectRef>
+            <a:fontRef idx="minor">
+              <a:schemeClr val="lt1"/>
+            </a:fontRef>
+          </p:style>
+          <p:txBody>
+            <a:bodyPr rtlCol="0" anchor="ctr"/>
+            <a:lstStyle/>
+            <a:p>
+              <a:pPr algn="ctr"/>
+              <a:r>
+                <a:rPr lang="en-DE" sz="1600" dirty="0"/>
+                <a:t>master</a:t>
+              </a:r>
+              <a:endParaRPr lang="en-US" sz="1600" dirty="0"/>
+            </a:p>
+          </p:txBody>
+        </p:sp>
+        <p:cxnSp>
+          <p:nvCxnSpPr>
+            <p:cNvPr id="8" name="Straight Arrow Connector 7">
+              <a:extLst>
+                <a:ext uri="{FF2B5EF4-FFF2-40B4-BE49-F238E27FC236}">
+                  <a16:creationId xmlns:a16="http://schemas.microsoft.com/office/drawing/2014/main" id="{270A6ADE-EBF0-4A0B-92CD-482A2C705D73}"/>
+                </a:ext>
+              </a:extLst>
+            </p:cNvPr>
+            <p:cNvCxnSpPr>
+              <a:cxnSpLocks/>
+              <a:stCxn id="7" idx="4"/>
+              <a:endCxn id="4" idx="0"/>
+            </p:cNvCxnSpPr>
+            <p:nvPr/>
+          </p:nvCxnSpPr>
+          <p:spPr>
+            <a:xfrm flipH="1">
+              <a:off x="4221426" y="3356653"/>
+              <a:ext cx="29847" cy="301145"/>
+            </a:xfrm>
+            <a:prstGeom prst="straightConnector1">
+              <a:avLst/>
+            </a:prstGeom>
+            <a:ln w="28575">
+              <a:solidFill>
+                <a:schemeClr val="bg1">
+                  <a:lumMod val="50000"/>
+                </a:schemeClr>
+              </a:solidFill>
+              <a:tailEnd type="triangle"/>
+            </a:ln>
+          </p:spPr>
+          <p:style>
+            <a:lnRef idx="1">
+              <a:schemeClr val="accent1"/>
+            </a:lnRef>
+            <a:fillRef idx="0">
+              <a:schemeClr val="accent1"/>
+            </a:fillRef>
+            <a:effectRef idx="0">
+              <a:schemeClr val="accent1"/>
+            </a:effectRef>
+            <a:fontRef idx="minor">
+              <a:schemeClr val="tx1"/>
+            </a:fontRef>
+          </p:style>
+        </p:cxnSp>
+        <p:sp>
+          <p:nvSpPr>
+            <p:cNvPr id="9" name="Oval 8">
+              <a:extLst>
+                <a:ext uri="{FF2B5EF4-FFF2-40B4-BE49-F238E27FC236}">
+                  <a16:creationId xmlns:a16="http://schemas.microsoft.com/office/drawing/2014/main" id="{CA66D148-E9DB-469E-B313-4CE86F6DD800}"/>
+                </a:ext>
+              </a:extLst>
+            </p:cNvPr>
+            <p:cNvSpPr/>
+            <p:nvPr/>
+          </p:nvSpPr>
+          <p:spPr>
+            <a:xfrm>
+              <a:off x="3693607" y="5199402"/>
+              <a:ext cx="1061595" cy="456750"/>
+            </a:xfrm>
+            <a:prstGeom prst="ellipse">
+              <a:avLst/>
+            </a:prstGeom>
+            <a:solidFill>
+              <a:srgbClr val="7030A0"/>
+            </a:solidFill>
+            <a:ln>
+              <a:noFill/>
+            </a:ln>
+          </p:spPr>
+          <p:style>
+            <a:lnRef idx="2">
+              <a:schemeClr val="accent2">
+                <a:shade val="50000"/>
+              </a:schemeClr>
+            </a:lnRef>
+            <a:fillRef idx="1">
+              <a:schemeClr val="accent2"/>
+            </a:fillRef>
+            <a:effectRef idx="0">
+              <a:schemeClr val="accent2"/>
+            </a:effectRef>
+            <a:fontRef idx="minor">
+              <a:schemeClr val="lt1"/>
+            </a:fontRef>
+          </p:style>
+          <p:txBody>
+            <a:bodyPr rtlCol="0" anchor="ctr"/>
+            <a:lstStyle/>
+            <a:p>
+              <a:pPr algn="ctr"/>
+              <a:r>
+                <a:rPr lang="en-DE" sz="1200" dirty="0"/>
+                <a:t>change_alice</a:t>
+              </a:r>
+              <a:endParaRPr lang="en-US" sz="1200" dirty="0"/>
+            </a:p>
+          </p:txBody>
+        </p:sp>
+        <p:cxnSp>
+          <p:nvCxnSpPr>
+            <p:cNvPr id="10" name="Straight Arrow Connector 9">
+              <a:extLst>
+                <a:ext uri="{FF2B5EF4-FFF2-40B4-BE49-F238E27FC236}">
+                  <a16:creationId xmlns:a16="http://schemas.microsoft.com/office/drawing/2014/main" id="{7DE632B4-11CE-47B2-A0CC-4E4FEB57B1CE}"/>
+                </a:ext>
+              </a:extLst>
+            </p:cNvPr>
+            <p:cNvCxnSpPr>
+              <a:cxnSpLocks/>
+              <a:stCxn id="9" idx="0"/>
+              <a:endCxn id="11" idx="2"/>
+            </p:cNvCxnSpPr>
+            <p:nvPr/>
+          </p:nvCxnSpPr>
+          <p:spPr>
+            <a:xfrm flipH="1" flipV="1">
+              <a:off x="4190185" y="4953597"/>
+              <a:ext cx="34220" cy="245805"/>
+            </a:xfrm>
+            <a:prstGeom prst="straightConnector1">
+              <a:avLst/>
+            </a:prstGeom>
+            <a:ln w="28575">
+              <a:solidFill>
+                <a:schemeClr val="bg1">
+                  <a:lumMod val="50000"/>
+                </a:schemeClr>
+              </a:solidFill>
+              <a:tailEnd type="triangle"/>
+            </a:ln>
+          </p:spPr>
+          <p:style>
+            <a:lnRef idx="1">
+              <a:schemeClr val="accent1"/>
+            </a:lnRef>
+            <a:fillRef idx="0">
+              <a:schemeClr val="accent1"/>
+            </a:fillRef>
+            <a:effectRef idx="0">
+              <a:schemeClr val="accent1"/>
+            </a:effectRef>
+            <a:fontRef idx="minor">
+              <a:schemeClr val="tx1"/>
+            </a:fontRef>
+          </p:style>
+        </p:cxnSp>
+        <p:sp>
+          <p:nvSpPr>
+            <p:cNvPr id="11" name="Rectangle 10">
+              <a:extLst>
+                <a:ext uri="{FF2B5EF4-FFF2-40B4-BE49-F238E27FC236}">
+                  <a16:creationId xmlns:a16="http://schemas.microsoft.com/office/drawing/2014/main" id="{90FB529E-4EFD-4E36-9651-12ADB405EEB7}"/>
+                </a:ext>
+              </a:extLst>
+            </p:cNvPr>
+            <p:cNvSpPr/>
+            <p:nvPr/>
+          </p:nvSpPr>
+          <p:spPr>
+            <a:xfrm>
+              <a:off x="3625167" y="4558101"/>
+              <a:ext cx="1130035" cy="395496"/>
+            </a:xfrm>
+            <a:prstGeom prst="rect">
+              <a:avLst/>
+            </a:prstGeom>
+            <a:solidFill>
+              <a:schemeClr val="bg1">
+                <a:lumMod val="85000"/>
+              </a:schemeClr>
+            </a:solidFill>
+            <a:ln>
+              <a:solidFill>
+                <a:schemeClr val="bg1">
+                  <a:lumMod val="85000"/>
+                </a:schemeClr>
+              </a:solidFill>
+            </a:ln>
+          </p:spPr>
+          <p:style>
+            <a:lnRef idx="2">
+              <a:schemeClr val="accent1">
+                <a:shade val="50000"/>
+              </a:schemeClr>
+            </a:lnRef>
+            <a:fillRef idx="1">
+              <a:schemeClr val="accent1"/>
+            </a:fillRef>
+            <a:effectRef idx="0">
+              <a:schemeClr val="accent1"/>
+            </a:effectRef>
+            <a:fontRef idx="minor">
+              <a:schemeClr val="lt1"/>
+            </a:fontRef>
+          </p:style>
+          <p:txBody>
+            <a:bodyPr rtlCol="0" anchor="ctr"/>
+            <a:lstStyle/>
+            <a:p>
+              <a:pPr algn="ctr"/>
+              <a:r>
+                <a:rPr lang="en-DE" sz="1600" dirty="0">
+                  <a:solidFill>
+                    <a:schemeClr val="tx1"/>
+                  </a:solidFill>
+                </a:rPr>
+                <a:t>07d83</a:t>
+              </a:r>
+              <a:endParaRPr lang="en-US" sz="1600" dirty="0">
+                <a:solidFill>
+                  <a:schemeClr val="tx1"/>
+                </a:solidFill>
+              </a:endParaRPr>
+            </a:p>
+          </p:txBody>
+        </p:sp>
+        <p:cxnSp>
+          <p:nvCxnSpPr>
+            <p:cNvPr id="12" name="Straight Arrow Connector 11">
+              <a:extLst>
+                <a:ext uri="{FF2B5EF4-FFF2-40B4-BE49-F238E27FC236}">
+                  <a16:creationId xmlns:a16="http://schemas.microsoft.com/office/drawing/2014/main" id="{55D27DC3-950F-469B-AC16-CA897796FE17}"/>
+                </a:ext>
+              </a:extLst>
+            </p:cNvPr>
+            <p:cNvCxnSpPr>
+              <a:cxnSpLocks/>
+              <a:stCxn id="11" idx="1"/>
+              <a:endCxn id="3" idx="3"/>
+            </p:cNvCxnSpPr>
+            <p:nvPr/>
+          </p:nvCxnSpPr>
+          <p:spPr>
+            <a:xfrm flipH="1" flipV="1">
+              <a:off x="3378043" y="3845160"/>
+              <a:ext cx="247124" cy="910689"/>
+            </a:xfrm>
+            <a:prstGeom prst="straightConnector1">
+              <a:avLst/>
+            </a:prstGeom>
+            <a:ln w="28575">
+              <a:solidFill>
+                <a:schemeClr val="bg1">
+                  <a:lumMod val="50000"/>
+                </a:schemeClr>
+              </a:solidFill>
+              <a:tailEnd type="triangle"/>
+            </a:ln>
+          </p:spPr>
+          <p:style>
+            <a:lnRef idx="1">
+              <a:schemeClr val="accent1"/>
+            </a:lnRef>
+            <a:fillRef idx="0">
+              <a:schemeClr val="accent1"/>
+            </a:fillRef>
+            <a:effectRef idx="0">
+              <a:schemeClr val="accent1"/>
+            </a:effectRef>
+            <a:fontRef idx="minor">
+              <a:schemeClr val="tx1"/>
+            </a:fontRef>
+          </p:style>
+        </p:cxnSp>
+        <p:sp>
+          <p:nvSpPr>
+            <p:cNvPr id="13" name="TextBox 12">
+              <a:extLst>
+                <a:ext uri="{FF2B5EF4-FFF2-40B4-BE49-F238E27FC236}">
+                  <a16:creationId xmlns:a16="http://schemas.microsoft.com/office/drawing/2014/main" id="{8FF7D379-040D-484F-9421-E1392AA97C12}"/>
+                </a:ext>
+              </a:extLst>
+            </p:cNvPr>
+            <p:cNvSpPr txBox="1"/>
+            <p:nvPr/>
+          </p:nvSpPr>
+          <p:spPr>
+            <a:xfrm>
+              <a:off x="2445053" y="3134578"/>
+              <a:ext cx="992482" cy="523220"/>
+            </a:xfrm>
+            <a:prstGeom prst="rect">
+              <a:avLst/>
+            </a:prstGeom>
+            <a:noFill/>
+          </p:spPr>
+          <p:txBody>
+            <a:bodyPr wrap="square" rtlCol="0">
+              <a:spAutoFit/>
+            </a:bodyPr>
+            <a:lstStyle/>
+            <a:p>
+              <a:r>
+                <a:rPr lang="en-DE" sz="1400" dirty="0">
+                  <a:solidFill>
+                    <a:schemeClr val="accent1"/>
+                  </a:solidFill>
+                </a:rPr>
+                <a:t>common ancestor</a:t>
+              </a:r>
+              <a:endParaRPr lang="en-US" sz="1400" dirty="0">
+                <a:solidFill>
+                  <a:schemeClr val="accent1"/>
+                </a:solidFill>
+              </a:endParaRPr>
+            </a:p>
+          </p:txBody>
+        </p:sp>
+        <p:sp>
+          <p:nvSpPr>
+            <p:cNvPr id="14" name="TextBox 13">
+              <a:extLst>
+                <a:ext uri="{FF2B5EF4-FFF2-40B4-BE49-F238E27FC236}">
+                  <a16:creationId xmlns:a16="http://schemas.microsoft.com/office/drawing/2014/main" id="{C8972162-AD61-47DC-AE1D-294213375505}"/>
+                </a:ext>
+              </a:extLst>
+            </p:cNvPr>
+            <p:cNvSpPr txBox="1"/>
+            <p:nvPr/>
+          </p:nvSpPr>
+          <p:spPr>
+            <a:xfrm>
+              <a:off x="4786443" y="3593936"/>
+              <a:ext cx="815424" cy="523220"/>
+            </a:xfrm>
+            <a:prstGeom prst="rect">
+              <a:avLst/>
+            </a:prstGeom>
+            <a:noFill/>
+          </p:spPr>
+          <p:txBody>
+            <a:bodyPr wrap="square" rtlCol="0">
+              <a:spAutoFit/>
+            </a:bodyPr>
+            <a:lstStyle/>
+            <a:p>
+              <a:r>
+                <a:rPr lang="en-DE" sz="1400" dirty="0">
+                  <a:solidFill>
+                    <a:schemeClr val="accent1"/>
+                  </a:solidFill>
+                </a:rPr>
+                <a:t>changed Bob.txt</a:t>
+              </a:r>
+              <a:endParaRPr lang="en-US" sz="1400" dirty="0">
+                <a:solidFill>
+                  <a:schemeClr val="accent1"/>
+                </a:solidFill>
+              </a:endParaRPr>
+            </a:p>
+          </p:txBody>
+        </p:sp>
+        <p:sp>
+          <p:nvSpPr>
+            <p:cNvPr id="15" name="TextBox 14">
+              <a:extLst>
+                <a:ext uri="{FF2B5EF4-FFF2-40B4-BE49-F238E27FC236}">
+                  <a16:creationId xmlns:a16="http://schemas.microsoft.com/office/drawing/2014/main" id="{51A125EA-FF5A-4930-BFDB-904F83708630}"/>
+                </a:ext>
+              </a:extLst>
+            </p:cNvPr>
+            <p:cNvSpPr txBox="1"/>
+            <p:nvPr/>
+          </p:nvSpPr>
+          <p:spPr>
+            <a:xfrm>
+              <a:off x="4816290" y="4516102"/>
+              <a:ext cx="815424" cy="523220"/>
+            </a:xfrm>
+            <a:prstGeom prst="rect">
+              <a:avLst/>
+            </a:prstGeom>
+            <a:noFill/>
+          </p:spPr>
+          <p:txBody>
+            <a:bodyPr wrap="square" rtlCol="0">
+              <a:spAutoFit/>
+            </a:bodyPr>
+            <a:lstStyle/>
+            <a:p>
+              <a:r>
+                <a:rPr lang="en-DE" sz="1400" dirty="0">
+                  <a:solidFill>
+                    <a:schemeClr val="accent1"/>
+                  </a:solidFill>
+                </a:rPr>
+                <a:t>changed Alice.txt</a:t>
+              </a:r>
+              <a:endParaRPr lang="en-US" sz="1400" dirty="0">
+                <a:solidFill>
+                  <a:schemeClr val="accent1"/>
+                </a:solidFill>
+              </a:endParaRPr>
+            </a:p>
+          </p:txBody>
+        </p:sp>
+        <p:sp>
+          <p:nvSpPr>
+            <p:cNvPr id="16" name="Rectangle 15">
+              <a:extLst>
+                <a:ext uri="{FF2B5EF4-FFF2-40B4-BE49-F238E27FC236}">
+                  <a16:creationId xmlns:a16="http://schemas.microsoft.com/office/drawing/2014/main" id="{9115FC96-82B2-41D1-A88D-AA2C71D136E1}"/>
+                </a:ext>
+              </a:extLst>
+            </p:cNvPr>
+            <p:cNvSpPr/>
+            <p:nvPr/>
+          </p:nvSpPr>
+          <p:spPr>
+            <a:xfrm>
+              <a:off x="4873114" y="3667237"/>
+              <a:ext cx="717359" cy="1509691"/>
+            </a:xfrm>
+            <a:prstGeom prst="rect">
+              <a:avLst/>
+            </a:prstGeom>
+            <a:solidFill>
+              <a:schemeClr val="bg1"/>
+            </a:solidFill>
+            <a:ln>
+              <a:noFill/>
+            </a:ln>
+          </p:spPr>
+          <p:style>
+            <a:lnRef idx="2">
+              <a:schemeClr val="accent1">
+                <a:shade val="50000"/>
+              </a:schemeClr>
+            </a:lnRef>
+            <a:fillRef idx="1">
+              <a:schemeClr val="accent1"/>
+            </a:fillRef>
+            <a:effectRef idx="0">
+              <a:schemeClr val="accent1"/>
+            </a:effectRef>
+            <a:fontRef idx="minor">
+              <a:schemeClr val="lt1"/>
+            </a:fontRef>
+          </p:style>
+          <p:txBody>
+            <a:bodyPr rtlCol="0" anchor="ctr"/>
+            <a:lstStyle/>
+            <a:p>
+              <a:pPr algn="ctr"/>
+              <a:endParaRPr lang="en-US"/>
+            </a:p>
+          </p:txBody>
+        </p:sp>
+        <p:sp>
+          <p:nvSpPr>
+            <p:cNvPr id="17" name="TextBox 16">
+              <a:extLst>
+                <a:ext uri="{FF2B5EF4-FFF2-40B4-BE49-F238E27FC236}">
+                  <a16:creationId xmlns:a16="http://schemas.microsoft.com/office/drawing/2014/main" id="{58A709BE-5190-40F2-8889-4617A42F5CB0}"/>
+                </a:ext>
+              </a:extLst>
+            </p:cNvPr>
+            <p:cNvSpPr txBox="1"/>
+            <p:nvPr/>
+          </p:nvSpPr>
+          <p:spPr>
+            <a:xfrm>
+              <a:off x="6838420" y="3605804"/>
+              <a:ext cx="1081157" cy="584775"/>
+            </a:xfrm>
+            <a:prstGeom prst="rect">
+              <a:avLst/>
+            </a:prstGeom>
+            <a:noFill/>
+          </p:spPr>
+          <p:txBody>
+            <a:bodyPr wrap="square" rtlCol="0">
+              <a:spAutoFit/>
+            </a:bodyPr>
+            <a:lstStyle/>
+            <a:p>
+              <a:r>
+                <a:rPr lang="en-DE" sz="1600" dirty="0">
+                  <a:solidFill>
+                    <a:schemeClr val="accent1"/>
+                  </a:solidFill>
+                </a:rPr>
+                <a:t>Merge commit</a:t>
+              </a:r>
+              <a:endParaRPr lang="en-US" sz="1600" dirty="0">
+                <a:solidFill>
+                  <a:schemeClr val="accent1"/>
+                </a:solidFill>
+              </a:endParaRPr>
+            </a:p>
+          </p:txBody>
+        </p:sp>
+        <p:sp>
+          <p:nvSpPr>
+            <p:cNvPr id="18" name="Rectangle 17">
+              <a:extLst>
+                <a:ext uri="{FF2B5EF4-FFF2-40B4-BE49-F238E27FC236}">
+                  <a16:creationId xmlns:a16="http://schemas.microsoft.com/office/drawing/2014/main" id="{E3964DBE-2DBB-467C-ABC7-186D5C173BA0}"/>
+                </a:ext>
+              </a:extLst>
+            </p:cNvPr>
+            <p:cNvSpPr/>
+            <p:nvPr/>
+          </p:nvSpPr>
+          <p:spPr>
+            <a:xfrm>
+              <a:off x="3428706" y="2761673"/>
+              <a:ext cx="1699491" cy="885739"/>
+            </a:xfrm>
+            <a:prstGeom prst="rect">
+              <a:avLst/>
+            </a:prstGeom>
+            <a:solidFill>
+              <a:schemeClr val="bg1"/>
+            </a:solidFill>
+            <a:ln>
+              <a:noFill/>
+            </a:ln>
+          </p:spPr>
+          <p:style>
+            <a:lnRef idx="2">
+              <a:schemeClr val="accent1">
+                <a:shade val="50000"/>
+              </a:schemeClr>
+            </a:lnRef>
+            <a:fillRef idx="1">
+              <a:schemeClr val="accent1"/>
+            </a:fillRef>
+            <a:effectRef idx="0">
+              <a:schemeClr val="accent1"/>
+            </a:effectRef>
+            <a:fontRef idx="minor">
+              <a:schemeClr val="lt1"/>
+            </a:fontRef>
+          </p:style>
+          <p:txBody>
+            <a:bodyPr rtlCol="0" anchor="ctr"/>
+            <a:lstStyle/>
+            <a:p>
+              <a:pPr algn="ctr"/>
+              <a:endParaRPr lang="en-US"/>
+            </a:p>
+          </p:txBody>
+        </p:sp>
+        <p:sp>
+          <p:nvSpPr>
+            <p:cNvPr id="19" name="Oval 18">
+              <a:extLst>
+                <a:ext uri="{FF2B5EF4-FFF2-40B4-BE49-F238E27FC236}">
+                  <a16:creationId xmlns:a16="http://schemas.microsoft.com/office/drawing/2014/main" id="{AEF8878F-A8E3-4FB1-8DAF-D92CE4FF038F}"/>
+                </a:ext>
+              </a:extLst>
+            </p:cNvPr>
+            <p:cNvSpPr/>
+            <p:nvPr/>
+          </p:nvSpPr>
+          <p:spPr>
+            <a:xfrm>
+              <a:off x="5747781" y="2971584"/>
+              <a:ext cx="1130035" cy="402944"/>
+            </a:xfrm>
+            <a:prstGeom prst="ellipse">
+              <a:avLst/>
+            </a:prstGeom>
+          </p:spPr>
+          <p:style>
+            <a:lnRef idx="2">
+              <a:schemeClr val="accent2">
+                <a:shade val="50000"/>
+              </a:schemeClr>
+            </a:lnRef>
+            <a:fillRef idx="1">
+              <a:schemeClr val="accent2"/>
+            </a:fillRef>
+            <a:effectRef idx="0">
+              <a:schemeClr val="accent2"/>
+            </a:effectRef>
+            <a:fontRef idx="minor">
+              <a:schemeClr val="lt1"/>
+            </a:fontRef>
+          </p:style>
+          <p:txBody>
+            <a:bodyPr rtlCol="0" anchor="ctr"/>
+            <a:lstStyle/>
+            <a:p>
+              <a:pPr algn="ctr"/>
+              <a:r>
+                <a:rPr lang="en-DE" sz="1600" dirty="0"/>
+                <a:t>master</a:t>
+              </a:r>
+              <a:endParaRPr lang="en-US" sz="1600" dirty="0"/>
+            </a:p>
+          </p:txBody>
+        </p:sp>
+        <p:cxnSp>
+          <p:nvCxnSpPr>
+            <p:cNvPr id="20" name="Straight Arrow Connector 19">
+              <a:extLst>
+                <a:ext uri="{FF2B5EF4-FFF2-40B4-BE49-F238E27FC236}">
+                  <a16:creationId xmlns:a16="http://schemas.microsoft.com/office/drawing/2014/main" id="{1B83242C-0A67-42A6-9615-D02E5AE1E78D}"/>
+                </a:ext>
+              </a:extLst>
+            </p:cNvPr>
+            <p:cNvCxnSpPr>
+              <a:cxnSpLocks/>
+              <a:stCxn id="19" idx="4"/>
+              <a:endCxn id="23" idx="0"/>
+            </p:cNvCxnSpPr>
+            <p:nvPr/>
+          </p:nvCxnSpPr>
+          <p:spPr>
+            <a:xfrm flipH="1">
+              <a:off x="6273403" y="3374528"/>
+              <a:ext cx="39396" cy="292709"/>
+            </a:xfrm>
+            <a:prstGeom prst="straightConnector1">
+              <a:avLst/>
+            </a:prstGeom>
+            <a:ln w="28575">
+              <a:solidFill>
+                <a:schemeClr val="bg1">
+                  <a:lumMod val="50000"/>
+                </a:schemeClr>
+              </a:solidFill>
+              <a:tailEnd type="triangle"/>
+            </a:ln>
+          </p:spPr>
+          <p:style>
+            <a:lnRef idx="1">
+              <a:schemeClr val="accent1"/>
+            </a:lnRef>
+            <a:fillRef idx="0">
+              <a:schemeClr val="accent1"/>
+            </a:fillRef>
+            <a:effectRef idx="0">
+              <a:schemeClr val="accent1"/>
+            </a:effectRef>
+            <a:fontRef idx="minor">
+              <a:schemeClr val="tx1"/>
+            </a:fontRef>
+          </p:style>
+        </p:cxnSp>
+        <p:cxnSp>
+          <p:nvCxnSpPr>
+            <p:cNvPr id="21" name="Straight Arrow Connector 20">
+              <a:extLst>
+                <a:ext uri="{FF2B5EF4-FFF2-40B4-BE49-F238E27FC236}">
+                  <a16:creationId xmlns:a16="http://schemas.microsoft.com/office/drawing/2014/main" id="{EBA23267-05C0-4C09-8FA1-E39BEA444729}"/>
+                </a:ext>
+              </a:extLst>
+            </p:cNvPr>
+            <p:cNvCxnSpPr>
+              <a:cxnSpLocks/>
+              <a:stCxn id="23" idx="1"/>
+              <a:endCxn id="4" idx="3"/>
+            </p:cNvCxnSpPr>
+            <p:nvPr/>
+          </p:nvCxnSpPr>
+          <p:spPr>
+            <a:xfrm flipH="1" flipV="1">
+              <a:off x="4786443" y="3855546"/>
+              <a:ext cx="921942" cy="9439"/>
+            </a:xfrm>
+            <a:prstGeom prst="straightConnector1">
+              <a:avLst/>
+            </a:prstGeom>
+            <a:ln w="28575">
+              <a:solidFill>
+                <a:schemeClr val="bg1">
+                  <a:lumMod val="50000"/>
+                </a:schemeClr>
+              </a:solidFill>
+              <a:tailEnd type="triangle"/>
+            </a:ln>
+          </p:spPr>
+          <p:style>
+            <a:lnRef idx="1">
+              <a:schemeClr val="accent1"/>
+            </a:lnRef>
+            <a:fillRef idx="0">
+              <a:schemeClr val="accent1"/>
+            </a:fillRef>
+            <a:effectRef idx="0">
+              <a:schemeClr val="accent1"/>
+            </a:effectRef>
+            <a:fontRef idx="minor">
+              <a:schemeClr val="tx1"/>
+            </a:fontRef>
+          </p:style>
+        </p:cxnSp>
+        <p:cxnSp>
+          <p:nvCxnSpPr>
+            <p:cNvPr id="22" name="Straight Arrow Connector 21">
+              <a:extLst>
+                <a:ext uri="{FF2B5EF4-FFF2-40B4-BE49-F238E27FC236}">
+                  <a16:creationId xmlns:a16="http://schemas.microsoft.com/office/drawing/2014/main" id="{F4C42E8C-7131-4DFE-B791-D0E3F43093AC}"/>
+                </a:ext>
+              </a:extLst>
+            </p:cNvPr>
+            <p:cNvCxnSpPr>
+              <a:cxnSpLocks/>
+              <a:stCxn id="23" idx="1"/>
+              <a:endCxn id="11" idx="3"/>
+            </p:cNvCxnSpPr>
+            <p:nvPr/>
+          </p:nvCxnSpPr>
+          <p:spPr>
+            <a:xfrm flipH="1">
+              <a:off x="4755202" y="3864985"/>
+              <a:ext cx="953183" cy="890864"/>
+            </a:xfrm>
+            <a:prstGeom prst="straightConnector1">
+              <a:avLst/>
+            </a:prstGeom>
+            <a:ln w="28575">
+              <a:solidFill>
+                <a:schemeClr val="bg1">
+                  <a:lumMod val="50000"/>
+                </a:schemeClr>
+              </a:solidFill>
+              <a:tailEnd type="triangle"/>
+            </a:ln>
+          </p:spPr>
+          <p:style>
+            <a:lnRef idx="1">
+              <a:schemeClr val="accent1"/>
+            </a:lnRef>
+            <a:fillRef idx="0">
+              <a:schemeClr val="accent1"/>
+            </a:fillRef>
+            <a:effectRef idx="0">
+              <a:schemeClr val="accent1"/>
+            </a:effectRef>
+            <a:fontRef idx="minor">
+              <a:schemeClr val="tx1"/>
+            </a:fontRef>
+          </p:style>
+        </p:cxnSp>
+        <p:sp>
+          <p:nvSpPr>
+            <p:cNvPr id="23" name="Rectangle 22">
+              <a:extLst>
+                <a:ext uri="{FF2B5EF4-FFF2-40B4-BE49-F238E27FC236}">
+                  <a16:creationId xmlns:a16="http://schemas.microsoft.com/office/drawing/2014/main" id="{05262A95-51D1-4578-A05A-975A1D2423ED}"/>
+                </a:ext>
+              </a:extLst>
+            </p:cNvPr>
+            <p:cNvSpPr/>
+            <p:nvPr/>
+          </p:nvSpPr>
+          <p:spPr>
+            <a:xfrm>
+              <a:off x="5708385" y="3667237"/>
+              <a:ext cx="1130035" cy="395496"/>
+            </a:xfrm>
+            <a:prstGeom prst="rect">
+              <a:avLst/>
+            </a:prstGeom>
+            <a:solidFill>
+              <a:schemeClr val="bg1">
+                <a:lumMod val="85000"/>
+              </a:schemeClr>
+            </a:solidFill>
+            <a:ln>
+              <a:solidFill>
+                <a:schemeClr val="bg1">
+                  <a:lumMod val="85000"/>
+                </a:schemeClr>
+              </a:solidFill>
+            </a:ln>
+          </p:spPr>
+          <p:style>
+            <a:lnRef idx="2">
+              <a:schemeClr val="accent1">
+                <a:shade val="50000"/>
+              </a:schemeClr>
+            </a:lnRef>
+            <a:fillRef idx="1">
+              <a:schemeClr val="accent1"/>
+            </a:fillRef>
+            <a:effectRef idx="0">
+              <a:schemeClr val="accent1"/>
+            </a:effectRef>
+            <a:fontRef idx="minor">
+              <a:schemeClr val="lt1"/>
+            </a:fontRef>
+          </p:style>
+          <p:txBody>
+            <a:bodyPr rtlCol="0" anchor="ctr"/>
+            <a:lstStyle/>
+            <a:p>
+              <a:pPr algn="ctr"/>
+              <a:r>
+                <a:rPr lang="en-DE" sz="1600" dirty="0">
+                  <a:solidFill>
+                    <a:schemeClr val="tx1"/>
+                  </a:solidFill>
+                </a:rPr>
+                <a:t>7ba83d</a:t>
+              </a:r>
+              <a:endParaRPr lang="en-US" sz="1600" dirty="0">
+                <a:solidFill>
+                  <a:schemeClr val="tx1"/>
+                </a:solidFill>
+              </a:endParaRPr>
+            </a:p>
+          </p:txBody>
+        </p:sp>
+      </p:grpSp>
+    </p:spTree>
+    <p:extLst>
+      <p:ext uri="{BB962C8B-B14F-4D97-AF65-F5344CB8AC3E}">
+        <p14:creationId xmlns:p14="http://schemas.microsoft.com/office/powerpoint/2010/main" val="3106913755"/>
+      </p:ext>
+    </p:extLst>
+  </p:cSld>
+  <p:clrMapOvr>
+    <a:masterClrMapping/>
+  </p:clrMapOvr>
+</p:sld>
+</file>
+
+<file path=ppt/slides/slide22.xml><?xml version="1.0" encoding="utf-8"?>
+<p:sld xmlns:a="http://schemas.openxmlformats.org/drawingml/2006/main" xmlns:r="http://schemas.openxmlformats.org/officeDocument/2006/relationships" xmlns:p="http://schemas.openxmlformats.org/presentationml/2006/main">
+  <p:cSld>
+    <p:spTree>
+      <p:nvGrpSpPr>
+        <p:cNvPr id="1" name=""/>
+        <p:cNvGrpSpPr/>
+        <p:nvPr/>
+      </p:nvGrpSpPr>
+      <p:grpSpPr>
+        <a:xfrm>
+          <a:off x="0" y="0"/>
+          <a:ext cx="0" cy="0"/>
+          <a:chOff x="0" y="0"/>
+          <a:chExt cx="0" cy="0"/>
+        </a:xfrm>
+      </p:grpSpPr>
+      <p:grpSp>
+        <p:nvGrpSpPr>
+          <p:cNvPr id="2" name="Group 1">
+            <a:extLst>
+              <a:ext uri="{FF2B5EF4-FFF2-40B4-BE49-F238E27FC236}">
+                <a16:creationId xmlns:a16="http://schemas.microsoft.com/office/drawing/2014/main" id="{E7C98119-734A-4A52-812C-ADB4C7C08832}"/>
+              </a:ext>
+            </a:extLst>
+          </p:cNvPr>
+          <p:cNvGrpSpPr/>
+          <p:nvPr/>
+        </p:nvGrpSpPr>
+        <p:grpSpPr>
+          <a:xfrm>
+            <a:off x="1702007" y="1983024"/>
+            <a:ext cx="7282387" cy="2709570"/>
+            <a:chOff x="1884887" y="2604286"/>
+            <a:chExt cx="7282387" cy="2709570"/>
+          </a:xfrm>
+        </p:grpSpPr>
+        <p:grpSp>
+          <p:nvGrpSpPr>
+            <p:cNvPr id="3" name="Group 2">
+              <a:extLst>
+                <a:ext uri="{FF2B5EF4-FFF2-40B4-BE49-F238E27FC236}">
+                  <a16:creationId xmlns:a16="http://schemas.microsoft.com/office/drawing/2014/main" id="{1A1C2651-937C-40F9-8F16-7E343B0BA569}"/>
+                </a:ext>
+              </a:extLst>
+            </p:cNvPr>
+            <p:cNvGrpSpPr/>
+            <p:nvPr/>
+          </p:nvGrpSpPr>
+          <p:grpSpPr>
+            <a:xfrm>
+              <a:off x="1884887" y="2604286"/>
+              <a:ext cx="7198153" cy="2709570"/>
+              <a:chOff x="1767656" y="-842298"/>
+              <a:chExt cx="7198153" cy="2709570"/>
+            </a:xfrm>
+          </p:grpSpPr>
+          <p:grpSp>
+            <p:nvGrpSpPr>
+              <p:cNvPr id="8" name="Group 7">
+                <a:extLst>
+                  <a:ext uri="{FF2B5EF4-FFF2-40B4-BE49-F238E27FC236}">
+                    <a16:creationId xmlns:a16="http://schemas.microsoft.com/office/drawing/2014/main" id="{DE11460B-6860-49C0-B372-8BDDDDDCD6F0}"/>
+                  </a:ext>
+                </a:extLst>
+              </p:cNvPr>
+              <p:cNvGrpSpPr/>
+              <p:nvPr/>
+            </p:nvGrpSpPr>
+            <p:grpSpPr>
+              <a:xfrm>
+                <a:off x="1767656" y="806205"/>
+                <a:ext cx="7198153" cy="1061067"/>
+                <a:chOff x="3240856" y="2739518"/>
+                <a:chExt cx="7198153" cy="1061067"/>
+              </a:xfrm>
+            </p:grpSpPr>
+            <p:sp>
+              <p:nvSpPr>
+                <p:cNvPr id="12" name="Rectangle 11">
+                  <a:extLst>
+                    <a:ext uri="{FF2B5EF4-FFF2-40B4-BE49-F238E27FC236}">
+                      <a16:creationId xmlns:a16="http://schemas.microsoft.com/office/drawing/2014/main" id="{4B7D059A-14F3-48F2-8528-BB7762B34C42}"/>
+                    </a:ext>
+                  </a:extLst>
+                </p:cNvPr>
+                <p:cNvSpPr/>
+                <p:nvPr/>
+              </p:nvSpPr>
+              <p:spPr>
+                <a:xfrm>
+                  <a:off x="3489415" y="2739518"/>
+                  <a:ext cx="6949594" cy="799075"/>
+                </a:xfrm>
+                <a:prstGeom prst="rect">
+                  <a:avLst/>
+                </a:prstGeom>
+                <a:noFill/>
+                <a:ln>
+                  <a:solidFill>
+                    <a:schemeClr val="tx1"/>
+                  </a:solidFill>
+                </a:ln>
+              </p:spPr>
+              <p:style>
+                <a:lnRef idx="2">
+                  <a:schemeClr val="accent1">
+                    <a:shade val="50000"/>
+                  </a:schemeClr>
+                </a:lnRef>
+                <a:fillRef idx="1">
+                  <a:schemeClr val="accent1"/>
+                </a:fillRef>
+                <a:effectRef idx="0">
+                  <a:schemeClr val="accent1"/>
+                </a:effectRef>
+                <a:fontRef idx="minor">
+                  <a:schemeClr val="lt1"/>
+                </a:fontRef>
+              </p:style>
+              <p:txBody>
+                <a:bodyPr rtlCol="0" anchor="ctr"/>
+                <a:lstStyle/>
+                <a:p>
+                  <a:pPr algn="ctr"/>
+                  <a:endParaRPr lang="en-US" dirty="0"/>
+                </a:p>
+              </p:txBody>
+            </p:sp>
+            <p:sp>
+              <p:nvSpPr>
+                <p:cNvPr id="13" name="TextBox 12">
+                  <a:extLst>
+                    <a:ext uri="{FF2B5EF4-FFF2-40B4-BE49-F238E27FC236}">
+                      <a16:creationId xmlns:a16="http://schemas.microsoft.com/office/drawing/2014/main" id="{7554369F-0167-4852-BEE6-7EA981E7B6AE}"/>
+                    </a:ext>
+                  </a:extLst>
+                </p:cNvPr>
+                <p:cNvSpPr txBox="1"/>
+                <p:nvPr/>
+              </p:nvSpPr>
+              <p:spPr>
+                <a:xfrm>
+                  <a:off x="3240856" y="3523586"/>
+                  <a:ext cx="1864100" cy="276999"/>
+                </a:xfrm>
+                <a:prstGeom prst="rect">
+                  <a:avLst/>
+                </a:prstGeom>
+                <a:noFill/>
+              </p:spPr>
+              <p:txBody>
+                <a:bodyPr wrap="none" rtlCol="0">
+                  <a:spAutoFit/>
+                </a:bodyPr>
+                <a:lstStyle/>
+                <a:p>
+                  <a:r>
+                    <a:rPr lang="en-DE" sz="1200" dirty="0"/>
+                    <a:t>Development environment</a:t>
+                  </a:r>
+                  <a:endParaRPr lang="en-US" sz="1200" dirty="0"/>
+                </a:p>
+              </p:txBody>
+            </p:sp>
+            <p:sp>
+              <p:nvSpPr>
+                <p:cNvPr id="14" name="Rectangle 13">
+                  <a:extLst>
+                    <a:ext uri="{FF2B5EF4-FFF2-40B4-BE49-F238E27FC236}">
+                      <a16:creationId xmlns:a16="http://schemas.microsoft.com/office/drawing/2014/main" id="{EF29313B-54AC-4715-9028-BC8420090E0E}"/>
+                    </a:ext>
+                  </a:extLst>
+                </p:cNvPr>
+                <p:cNvSpPr/>
+                <p:nvPr/>
+              </p:nvSpPr>
+              <p:spPr>
+                <a:xfrm>
+                  <a:off x="3609488" y="2866879"/>
+                  <a:ext cx="1126836" cy="572654"/>
+                </a:xfrm>
+                <a:prstGeom prst="rect">
+                  <a:avLst/>
+                </a:prstGeom>
+                <a:noFill/>
+                <a:ln w="38100">
+                  <a:solidFill>
+                    <a:schemeClr val="accent2"/>
+                  </a:solidFill>
+                </a:ln>
+              </p:spPr>
+              <p:style>
+                <a:lnRef idx="2">
+                  <a:schemeClr val="accent1">
+                    <a:shade val="50000"/>
+                  </a:schemeClr>
+                </a:lnRef>
+                <a:fillRef idx="1">
+                  <a:schemeClr val="accent1"/>
+                </a:fillRef>
+                <a:effectRef idx="0">
+                  <a:schemeClr val="accent1"/>
+                </a:effectRef>
+                <a:fontRef idx="minor">
+                  <a:schemeClr val="lt1"/>
+                </a:fontRef>
+              </p:style>
+              <p:txBody>
+                <a:bodyPr rtlCol="0" anchor="ctr"/>
+                <a:lstStyle/>
+                <a:p>
+                  <a:pPr algn="ctr"/>
+                  <a:r>
+                    <a:rPr lang="en-DE" sz="1600" dirty="0">
+                      <a:solidFill>
+                        <a:schemeClr val="tx1"/>
+                      </a:solidFill>
+                    </a:rPr>
+                    <a:t>Working directory</a:t>
+                  </a:r>
+                  <a:endParaRPr lang="en-US" sz="1600" dirty="0">
+                    <a:solidFill>
+                      <a:schemeClr val="tx1"/>
+                    </a:solidFill>
+                  </a:endParaRPr>
+                </a:p>
+              </p:txBody>
+            </p:sp>
+            <p:sp>
+              <p:nvSpPr>
+                <p:cNvPr id="15" name="Rectangle 14">
+                  <a:extLst>
+                    <a:ext uri="{FF2B5EF4-FFF2-40B4-BE49-F238E27FC236}">
+                      <a16:creationId xmlns:a16="http://schemas.microsoft.com/office/drawing/2014/main" id="{92C53D9A-3543-43AC-B360-1593947A1098}"/>
+                    </a:ext>
+                  </a:extLst>
+                </p:cNvPr>
+                <p:cNvSpPr/>
+                <p:nvPr/>
+              </p:nvSpPr>
+              <p:spPr>
+                <a:xfrm>
+                  <a:off x="4888724" y="2866879"/>
+                  <a:ext cx="1126836" cy="572654"/>
+                </a:xfrm>
+                <a:prstGeom prst="rect">
+                  <a:avLst/>
+                </a:prstGeom>
+                <a:noFill/>
+                <a:ln w="38100">
+                  <a:solidFill>
+                    <a:schemeClr val="accent5"/>
+                  </a:solidFill>
+                </a:ln>
+              </p:spPr>
+              <p:style>
+                <a:lnRef idx="2">
+                  <a:schemeClr val="accent1">
+                    <a:shade val="50000"/>
+                  </a:schemeClr>
+                </a:lnRef>
+                <a:fillRef idx="1">
+                  <a:schemeClr val="accent1"/>
+                </a:fillRef>
+                <a:effectRef idx="0">
+                  <a:schemeClr val="accent1"/>
+                </a:effectRef>
+                <a:fontRef idx="minor">
+                  <a:schemeClr val="lt1"/>
+                </a:fontRef>
+              </p:style>
+              <p:txBody>
+                <a:bodyPr rtlCol="0" anchor="ctr"/>
+                <a:lstStyle/>
+                <a:p>
+                  <a:pPr algn="ctr"/>
+                  <a:r>
+                    <a:rPr lang="en-DE" sz="1600" dirty="0">
+                      <a:solidFill>
+                        <a:schemeClr val="tx1"/>
+                      </a:solidFill>
+                    </a:rPr>
+                    <a:t>Staging area</a:t>
+                  </a:r>
+                  <a:endParaRPr lang="en-US" sz="1600" dirty="0">
+                    <a:solidFill>
+                      <a:schemeClr val="tx1"/>
+                    </a:solidFill>
+                  </a:endParaRPr>
+                </a:p>
+              </p:txBody>
+            </p:sp>
+            <p:sp>
+              <p:nvSpPr>
+                <p:cNvPr id="16" name="Rectangle 15">
+                  <a:extLst>
+                    <a:ext uri="{FF2B5EF4-FFF2-40B4-BE49-F238E27FC236}">
+                      <a16:creationId xmlns:a16="http://schemas.microsoft.com/office/drawing/2014/main" id="{59B5E3EE-3BB0-4A1A-9C07-686AFFEE013C}"/>
+                    </a:ext>
+                  </a:extLst>
+                </p:cNvPr>
+                <p:cNvSpPr/>
+                <p:nvPr/>
+              </p:nvSpPr>
+              <p:spPr>
+                <a:xfrm>
+                  <a:off x="6167960" y="2876115"/>
+                  <a:ext cx="1126836" cy="572654"/>
+                </a:xfrm>
+                <a:prstGeom prst="rect">
+                  <a:avLst/>
+                </a:prstGeom>
+                <a:noFill/>
+                <a:ln w="38100">
+                  <a:solidFill>
+                    <a:schemeClr val="bg1">
+                      <a:lumMod val="75000"/>
+                    </a:schemeClr>
+                  </a:solidFill>
+                </a:ln>
+              </p:spPr>
+              <p:style>
+                <a:lnRef idx="2">
+                  <a:schemeClr val="accent1">
+                    <a:shade val="50000"/>
+                  </a:schemeClr>
+                </a:lnRef>
+                <a:fillRef idx="1">
+                  <a:schemeClr val="accent1"/>
+                </a:fillRef>
+                <a:effectRef idx="0">
+                  <a:schemeClr val="accent1"/>
+                </a:effectRef>
+                <a:fontRef idx="minor">
+                  <a:schemeClr val="lt1"/>
+                </a:fontRef>
+              </p:style>
+              <p:txBody>
+                <a:bodyPr rtlCol="0" anchor="ctr"/>
+                <a:lstStyle/>
+                <a:p>
+                  <a:pPr algn="ctr"/>
+                  <a:r>
+                    <a:rPr lang="en-DE" sz="1600" dirty="0">
+                      <a:solidFill>
+                        <a:schemeClr val="tx1"/>
+                      </a:solidFill>
+                    </a:rPr>
+                    <a:t>Local repository</a:t>
+                  </a:r>
+                  <a:endParaRPr lang="en-US" sz="1600" dirty="0">
+                    <a:solidFill>
+                      <a:schemeClr val="tx1"/>
+                    </a:solidFill>
+                  </a:endParaRPr>
+                </a:p>
+              </p:txBody>
+            </p:sp>
+          </p:grpSp>
+          <p:sp>
+            <p:nvSpPr>
+              <p:cNvPr id="9" name="Rectangle 8">
+                <a:extLst>
+                  <a:ext uri="{FF2B5EF4-FFF2-40B4-BE49-F238E27FC236}">
+                    <a16:creationId xmlns:a16="http://schemas.microsoft.com/office/drawing/2014/main" id="{0D619A7B-CA51-4BEA-A338-77A9B5C8EF21}"/>
+                  </a:ext>
+                </a:extLst>
+              </p:cNvPr>
+              <p:cNvSpPr/>
+              <p:nvPr/>
+            </p:nvSpPr>
+            <p:spPr>
+              <a:xfrm>
+                <a:off x="5829909" y="942802"/>
+                <a:ext cx="1126836" cy="572654"/>
+              </a:xfrm>
+              <a:prstGeom prst="rect">
+                <a:avLst/>
+              </a:prstGeom>
+              <a:noFill/>
+              <a:ln w="38100">
+                <a:solidFill>
+                  <a:schemeClr val="bg1">
+                    <a:lumMod val="75000"/>
+                  </a:schemeClr>
+                </a:solidFill>
+              </a:ln>
+            </p:spPr>
+            <p:style>
+              <a:lnRef idx="2">
+                <a:schemeClr val="accent1">
+                  <a:shade val="50000"/>
+                </a:schemeClr>
+              </a:lnRef>
+              <a:fillRef idx="1">
+                <a:schemeClr val="accent1"/>
+              </a:fillRef>
+              <a:effectRef idx="0">
+                <a:schemeClr val="accent1"/>
+              </a:effectRef>
+              <a:fontRef idx="minor">
+                <a:schemeClr val="lt1"/>
+              </a:fontRef>
+            </p:style>
+            <p:txBody>
+              <a:bodyPr rtlCol="0" anchor="ctr"/>
+              <a:lstStyle/>
+              <a:p>
+                <a:r>
+                  <a:rPr lang="en-US" sz="1200" b="1" u="sng" dirty="0">
+                    <a:solidFill>
+                      <a:schemeClr val="tx1"/>
+                    </a:solidFill>
+                  </a:rPr>
+                  <a:t>Branches</a:t>
+                </a:r>
+              </a:p>
+              <a:p>
+                <a:r>
+                  <a:rPr lang="en-US" sz="1200" dirty="0">
+                    <a:solidFill>
+                      <a:schemeClr val="tx1"/>
+                    </a:solidFill>
+                  </a:rPr>
+                  <a:t>master</a:t>
+                </a:r>
+              </a:p>
+              <a:p>
+                <a:endParaRPr lang="en-US" sz="1200" dirty="0">
+                  <a:solidFill>
+                    <a:srgbClr val="00B050"/>
+                  </a:solidFill>
+                </a:endParaRPr>
+              </a:p>
+            </p:txBody>
+          </p:sp>
+          <p:sp>
+            <p:nvSpPr>
+              <p:cNvPr id="10" name="Rectangle 9">
+                <a:extLst>
+                  <a:ext uri="{FF2B5EF4-FFF2-40B4-BE49-F238E27FC236}">
+                    <a16:creationId xmlns:a16="http://schemas.microsoft.com/office/drawing/2014/main" id="{FC8E0673-4804-407F-8983-5A50C18535B6}"/>
+                  </a:ext>
+                </a:extLst>
+              </p:cNvPr>
+              <p:cNvSpPr/>
+              <p:nvPr/>
+            </p:nvSpPr>
+            <p:spPr>
+              <a:xfrm>
+                <a:off x="5751400" y="-842298"/>
+                <a:ext cx="1126836" cy="696789"/>
+              </a:xfrm>
+              <a:prstGeom prst="rect">
+                <a:avLst/>
+              </a:prstGeom>
+              <a:noFill/>
+              <a:ln w="38100">
+                <a:solidFill>
+                  <a:schemeClr val="bg1">
+                    <a:lumMod val="50000"/>
+                  </a:schemeClr>
+                </a:solidFill>
+              </a:ln>
+            </p:spPr>
+            <p:style>
+              <a:lnRef idx="2">
+                <a:schemeClr val="accent1">
+                  <a:shade val="50000"/>
+                </a:schemeClr>
+              </a:lnRef>
+              <a:fillRef idx="1">
+                <a:schemeClr val="accent1"/>
+              </a:fillRef>
+              <a:effectRef idx="0">
+                <a:schemeClr val="accent1"/>
+              </a:effectRef>
+              <a:fontRef idx="minor">
+                <a:schemeClr val="lt1"/>
+              </a:fontRef>
+            </p:style>
+            <p:txBody>
+              <a:bodyPr rtlCol="0" anchor="ctr"/>
+              <a:lstStyle/>
+              <a:p>
+                <a:pPr algn="ctr"/>
+                <a:r>
+                  <a:rPr lang="en-GB" sz="1600" dirty="0">
+                    <a:solidFill>
+                      <a:schemeClr val="tx1"/>
+                    </a:solidFill>
+                  </a:rPr>
+                  <a:t>Remote</a:t>
+                </a:r>
+                <a:r>
+                  <a:rPr lang="en-DE" sz="1600" dirty="0">
+                    <a:solidFill>
+                      <a:schemeClr val="tx1"/>
+                    </a:solidFill>
+                  </a:rPr>
+                  <a:t> repository</a:t>
+                </a:r>
+                <a:endParaRPr lang="en-US" sz="1600" dirty="0">
+                  <a:solidFill>
+                    <a:schemeClr val="tx1"/>
+                  </a:solidFill>
+                </a:endParaRPr>
+              </a:p>
+            </p:txBody>
+          </p:sp>
+          <p:sp>
+            <p:nvSpPr>
+              <p:cNvPr id="11" name="Rectangle 10">
+                <a:extLst>
+                  <a:ext uri="{FF2B5EF4-FFF2-40B4-BE49-F238E27FC236}">
+                    <a16:creationId xmlns:a16="http://schemas.microsoft.com/office/drawing/2014/main" id="{2D8C063F-4517-4B5D-94AF-819ADE93F1C8}"/>
+                  </a:ext>
+                </a:extLst>
+              </p:cNvPr>
+              <p:cNvSpPr/>
+              <p:nvPr/>
+            </p:nvSpPr>
+            <p:spPr>
+              <a:xfrm>
+                <a:off x="6878236" y="-841374"/>
+                <a:ext cx="1126836" cy="696789"/>
+              </a:xfrm>
+              <a:prstGeom prst="rect">
+                <a:avLst/>
+              </a:prstGeom>
+              <a:noFill/>
+              <a:ln w="38100">
+                <a:solidFill>
+                  <a:schemeClr val="bg1">
+                    <a:lumMod val="50000"/>
+                  </a:schemeClr>
+                </a:solidFill>
+              </a:ln>
+            </p:spPr>
+            <p:style>
+              <a:lnRef idx="2">
+                <a:schemeClr val="accent1">
+                  <a:shade val="50000"/>
+                </a:schemeClr>
+              </a:lnRef>
+              <a:fillRef idx="1">
+                <a:schemeClr val="accent1"/>
+              </a:fillRef>
+              <a:effectRef idx="0">
+                <a:schemeClr val="accent1"/>
+              </a:effectRef>
+              <a:fontRef idx="minor">
+                <a:schemeClr val="lt1"/>
+              </a:fontRef>
+            </p:style>
+            <p:txBody>
+              <a:bodyPr rtlCol="0" anchor="ctr"/>
+              <a:lstStyle/>
+              <a:p>
+                <a:r>
+                  <a:rPr lang="en-US" sz="1200" b="1" u="sng" dirty="0">
+                    <a:solidFill>
+                      <a:schemeClr val="tx1"/>
+                    </a:solidFill>
+                  </a:rPr>
+                  <a:t>Branches</a:t>
+                </a:r>
+              </a:p>
+              <a:p>
+                <a:r>
+                  <a:rPr lang="en-US" sz="1200" dirty="0">
+                    <a:solidFill>
+                      <a:schemeClr val="tx1"/>
+                    </a:solidFill>
+                  </a:rPr>
+                  <a:t>master</a:t>
+                </a:r>
+              </a:p>
+              <a:p>
+                <a:r>
+                  <a:rPr lang="en-US" sz="1200" dirty="0" err="1">
+                    <a:solidFill>
+                      <a:srgbClr val="7030A0"/>
+                    </a:solidFill>
+                  </a:rPr>
+                  <a:t>new_feature</a:t>
+                </a:r>
+                <a:endParaRPr lang="en-US" sz="1200" dirty="0">
+                  <a:solidFill>
+                    <a:srgbClr val="7030A0"/>
+                  </a:solidFill>
+                </a:endParaRPr>
+              </a:p>
+            </p:txBody>
+          </p:sp>
+        </p:grpSp>
+        <p:sp>
+          <p:nvSpPr>
+            <p:cNvPr id="4" name="Rectangle 3">
+              <a:extLst>
+                <a:ext uri="{FF2B5EF4-FFF2-40B4-BE49-F238E27FC236}">
+                  <a16:creationId xmlns:a16="http://schemas.microsoft.com/office/drawing/2014/main" id="{5FEA05C9-7033-4F10-9471-4166D641354B}"/>
+                </a:ext>
+              </a:extLst>
+            </p:cNvPr>
+            <p:cNvSpPr/>
+            <p:nvPr/>
+          </p:nvSpPr>
+          <p:spPr>
+            <a:xfrm>
+              <a:off x="7065662" y="4389386"/>
+              <a:ext cx="1551709" cy="572654"/>
+            </a:xfrm>
+            <a:prstGeom prst="rect">
+              <a:avLst/>
+            </a:prstGeom>
+            <a:noFill/>
+            <a:ln w="38100">
+              <a:solidFill>
+                <a:schemeClr val="bg1">
+                  <a:lumMod val="75000"/>
+                </a:schemeClr>
+              </a:solidFill>
+            </a:ln>
+          </p:spPr>
+          <p:style>
+            <a:lnRef idx="2">
+              <a:schemeClr val="accent1">
+                <a:shade val="50000"/>
+              </a:schemeClr>
+            </a:lnRef>
+            <a:fillRef idx="1">
+              <a:schemeClr val="accent1"/>
+            </a:fillRef>
+            <a:effectRef idx="0">
+              <a:schemeClr val="accent1"/>
+            </a:effectRef>
+            <a:fontRef idx="minor">
+              <a:schemeClr val="lt1"/>
+            </a:fontRef>
+          </p:style>
+          <p:txBody>
+            <a:bodyPr rtlCol="0" anchor="ctr"/>
+            <a:lstStyle/>
+            <a:p>
+              <a:r>
+                <a:rPr lang="en-US" sz="1200" b="1" u="sng" dirty="0">
+                  <a:solidFill>
+                    <a:schemeClr val="tx1"/>
+                  </a:solidFill>
+                </a:rPr>
+                <a:t>Remotes</a:t>
+              </a:r>
+            </a:p>
+            <a:p>
+              <a:r>
+                <a:rPr lang="en-US" sz="1200" dirty="0">
+                  <a:solidFill>
+                    <a:schemeClr val="tx1"/>
+                  </a:solidFill>
+                </a:rPr>
+                <a:t>origin/master</a:t>
+              </a:r>
+            </a:p>
+            <a:p>
+              <a:r>
+                <a:rPr lang="en-US" sz="1200" dirty="0">
+                  <a:solidFill>
+                    <a:srgbClr val="7030A0"/>
+                  </a:solidFill>
+                </a:rPr>
+                <a:t>origin/</a:t>
+              </a:r>
+              <a:r>
+                <a:rPr lang="en-US" sz="1200" dirty="0" err="1">
+                  <a:solidFill>
+                    <a:srgbClr val="7030A0"/>
+                  </a:solidFill>
+                </a:rPr>
+                <a:t>new_feature</a:t>
+              </a:r>
+              <a:endParaRPr lang="en-US" sz="1200" dirty="0">
+                <a:solidFill>
+                  <a:srgbClr val="7030A0"/>
+                </a:solidFill>
+              </a:endParaRPr>
+            </a:p>
+          </p:txBody>
+        </p:sp>
+        <p:cxnSp>
+          <p:nvCxnSpPr>
+            <p:cNvPr id="6" name="Straight Arrow Connector 5">
+              <a:extLst>
+                <a:ext uri="{FF2B5EF4-FFF2-40B4-BE49-F238E27FC236}">
+                  <a16:creationId xmlns:a16="http://schemas.microsoft.com/office/drawing/2014/main" id="{E2739EC7-6071-4A5C-9031-E28325A44FA9}"/>
+                </a:ext>
+              </a:extLst>
+            </p:cNvPr>
+            <p:cNvCxnSpPr>
+              <a:cxnSpLocks/>
+            </p:cNvCxnSpPr>
+            <p:nvPr/>
+          </p:nvCxnSpPr>
+          <p:spPr>
+            <a:xfrm>
+              <a:off x="7849004" y="3166870"/>
+              <a:ext cx="360276" cy="1598170"/>
+            </a:xfrm>
+            <a:prstGeom prst="straightConnector1">
+              <a:avLst/>
+            </a:prstGeom>
+            <a:ln w="28575">
+              <a:solidFill>
+                <a:srgbClr val="7030A0"/>
+              </a:solidFill>
+              <a:headEnd type="triangle"/>
+              <a:tailEnd type="triangle"/>
+            </a:ln>
+          </p:spPr>
+          <p:style>
+            <a:lnRef idx="1">
+              <a:schemeClr val="accent1"/>
+            </a:lnRef>
+            <a:fillRef idx="0">
+              <a:schemeClr val="accent1"/>
+            </a:fillRef>
+            <a:effectRef idx="0">
+              <a:schemeClr val="accent1"/>
+            </a:effectRef>
+            <a:fontRef idx="minor">
+              <a:schemeClr val="tx1"/>
+            </a:fontRef>
+          </p:style>
+        </p:cxnSp>
+        <p:sp>
+          <p:nvSpPr>
+            <p:cNvPr id="7" name="TextBox 6">
+              <a:extLst>
+                <a:ext uri="{FF2B5EF4-FFF2-40B4-BE49-F238E27FC236}">
+                  <a16:creationId xmlns:a16="http://schemas.microsoft.com/office/drawing/2014/main" id="{3FF8265D-BC59-4A45-8C4B-140DE61AE598}"/>
+                </a:ext>
+              </a:extLst>
+            </p:cNvPr>
+            <p:cNvSpPr txBox="1"/>
+            <p:nvPr/>
+          </p:nvSpPr>
+          <p:spPr>
+            <a:xfrm>
+              <a:off x="8040438" y="3572364"/>
+              <a:ext cx="1126836" cy="307777"/>
+            </a:xfrm>
+            <a:prstGeom prst="rect">
+              <a:avLst/>
+            </a:prstGeom>
+            <a:solidFill>
+              <a:schemeClr val="bg1">
+                <a:lumMod val="95000"/>
+              </a:schemeClr>
+            </a:solidFill>
+          </p:spPr>
+          <p:txBody>
+            <a:bodyPr wrap="square" rtlCol="0">
+              <a:spAutoFit/>
+            </a:bodyPr>
+            <a:lstStyle/>
+            <a:p>
+              <a:pPr algn="ctr"/>
+              <a:r>
+                <a:rPr lang="de-DE" sz="1400" dirty="0" err="1">
+                  <a:latin typeface="Consolas" panose="020B0609020204030204" pitchFamily="49" charset="0"/>
+                </a:rPr>
+                <a:t>git</a:t>
+              </a:r>
+              <a:r>
+                <a:rPr lang="de-DE" sz="1400" dirty="0">
+                  <a:latin typeface="Consolas" panose="020B0609020204030204" pitchFamily="49" charset="0"/>
+                </a:rPr>
+                <a:t> </a:t>
+              </a:r>
+              <a:r>
+                <a:rPr lang="de-DE" sz="1400" dirty="0" err="1">
+                  <a:latin typeface="Consolas" panose="020B0609020204030204" pitchFamily="49" charset="0"/>
+                </a:rPr>
+                <a:t>fetch</a:t>
+              </a:r>
+              <a:endParaRPr lang="en-GB" sz="1400" dirty="0">
+                <a:latin typeface="Consolas" panose="020B0609020204030204" pitchFamily="49" charset="0"/>
+              </a:endParaRPr>
+            </a:p>
+          </p:txBody>
+        </p:sp>
+      </p:grpSp>
+    </p:spTree>
+    <p:extLst>
+      <p:ext uri="{BB962C8B-B14F-4D97-AF65-F5344CB8AC3E}">
+        <p14:creationId xmlns:p14="http://schemas.microsoft.com/office/powerpoint/2010/main" val="3119207586"/>
+      </p:ext>
+    </p:extLst>
+  </p:cSld>
+  <p:clrMapOvr>
+    <a:masterClrMapping/>
+  </p:clrMapOvr>
+</p:sld>
+</file>
+
+<file path=ppt/slides/slide23.xml><?xml version="1.0" encoding="utf-8"?>
+<p:sld xmlns:a="http://schemas.openxmlformats.org/drawingml/2006/main" xmlns:r="http://schemas.openxmlformats.org/officeDocument/2006/relationships" xmlns:p="http://schemas.openxmlformats.org/presentationml/2006/main">
+  <p:cSld>
+    <p:spTree>
+      <p:nvGrpSpPr>
+        <p:cNvPr id="1" name=""/>
+        <p:cNvGrpSpPr/>
+        <p:nvPr/>
+      </p:nvGrpSpPr>
+      <p:grpSpPr>
+        <a:xfrm>
+          <a:off x="0" y="0"/>
+          <a:ext cx="0" cy="0"/>
+          <a:chOff x="0" y="0"/>
+          <a:chExt cx="0" cy="0"/>
+        </a:xfrm>
+      </p:grpSpPr>
+      <p:grpSp>
+        <p:nvGrpSpPr>
+          <p:cNvPr id="2" name="Group 1">
+            <a:extLst>
+              <a:ext uri="{FF2B5EF4-FFF2-40B4-BE49-F238E27FC236}">
+                <a16:creationId xmlns:a16="http://schemas.microsoft.com/office/drawing/2014/main" id="{E7C98119-734A-4A52-812C-ADB4C7C08832}"/>
+              </a:ext>
+            </a:extLst>
+          </p:cNvPr>
+          <p:cNvGrpSpPr/>
+          <p:nvPr/>
+        </p:nvGrpSpPr>
+        <p:grpSpPr>
+          <a:xfrm>
+            <a:off x="1702007" y="1983024"/>
+            <a:ext cx="7282387" cy="2709570"/>
+            <a:chOff x="1884887" y="2604286"/>
+            <a:chExt cx="7282387" cy="2709570"/>
+          </a:xfrm>
+        </p:grpSpPr>
+        <p:grpSp>
+          <p:nvGrpSpPr>
+            <p:cNvPr id="3" name="Group 2">
+              <a:extLst>
+                <a:ext uri="{FF2B5EF4-FFF2-40B4-BE49-F238E27FC236}">
+                  <a16:creationId xmlns:a16="http://schemas.microsoft.com/office/drawing/2014/main" id="{1A1C2651-937C-40F9-8F16-7E343B0BA569}"/>
+                </a:ext>
+              </a:extLst>
+            </p:cNvPr>
+            <p:cNvGrpSpPr/>
+            <p:nvPr/>
+          </p:nvGrpSpPr>
+          <p:grpSpPr>
+            <a:xfrm>
+              <a:off x="1884887" y="2604286"/>
+              <a:ext cx="7198153" cy="2709570"/>
+              <a:chOff x="1767656" y="-842298"/>
+              <a:chExt cx="7198153" cy="2709570"/>
+            </a:xfrm>
+          </p:grpSpPr>
+          <p:grpSp>
+            <p:nvGrpSpPr>
+              <p:cNvPr id="8" name="Group 7">
+                <a:extLst>
+                  <a:ext uri="{FF2B5EF4-FFF2-40B4-BE49-F238E27FC236}">
+                    <a16:creationId xmlns:a16="http://schemas.microsoft.com/office/drawing/2014/main" id="{DE11460B-6860-49C0-B372-8BDDDDDCD6F0}"/>
+                  </a:ext>
+                </a:extLst>
+              </p:cNvPr>
+              <p:cNvGrpSpPr/>
+              <p:nvPr/>
+            </p:nvGrpSpPr>
+            <p:grpSpPr>
+              <a:xfrm>
+                <a:off x="1767656" y="806205"/>
+                <a:ext cx="7198153" cy="1061067"/>
+                <a:chOff x="3240856" y="2739518"/>
+                <a:chExt cx="7198153" cy="1061067"/>
+              </a:xfrm>
+            </p:grpSpPr>
+            <p:sp>
+              <p:nvSpPr>
+                <p:cNvPr id="12" name="Rectangle 11">
+                  <a:extLst>
+                    <a:ext uri="{FF2B5EF4-FFF2-40B4-BE49-F238E27FC236}">
+                      <a16:creationId xmlns:a16="http://schemas.microsoft.com/office/drawing/2014/main" id="{4B7D059A-14F3-48F2-8528-BB7762B34C42}"/>
+                    </a:ext>
+                  </a:extLst>
+                </p:cNvPr>
+                <p:cNvSpPr/>
+                <p:nvPr/>
+              </p:nvSpPr>
+              <p:spPr>
+                <a:xfrm>
+                  <a:off x="3489415" y="2739518"/>
+                  <a:ext cx="6949594" cy="799075"/>
+                </a:xfrm>
+                <a:prstGeom prst="rect">
+                  <a:avLst/>
+                </a:prstGeom>
+                <a:noFill/>
+                <a:ln>
+                  <a:solidFill>
+                    <a:schemeClr val="tx1"/>
+                  </a:solidFill>
+                </a:ln>
+              </p:spPr>
+              <p:style>
+                <a:lnRef idx="2">
+                  <a:schemeClr val="accent1">
+                    <a:shade val="50000"/>
+                  </a:schemeClr>
+                </a:lnRef>
+                <a:fillRef idx="1">
+                  <a:schemeClr val="accent1"/>
+                </a:fillRef>
+                <a:effectRef idx="0">
+                  <a:schemeClr val="accent1"/>
+                </a:effectRef>
+                <a:fontRef idx="minor">
+                  <a:schemeClr val="lt1"/>
+                </a:fontRef>
+              </p:style>
+              <p:txBody>
+                <a:bodyPr rtlCol="0" anchor="ctr"/>
+                <a:lstStyle/>
+                <a:p>
+                  <a:pPr algn="ctr"/>
+                  <a:endParaRPr lang="en-US" dirty="0"/>
+                </a:p>
+              </p:txBody>
+            </p:sp>
+            <p:sp>
+              <p:nvSpPr>
+                <p:cNvPr id="13" name="TextBox 12">
+                  <a:extLst>
+                    <a:ext uri="{FF2B5EF4-FFF2-40B4-BE49-F238E27FC236}">
+                      <a16:creationId xmlns:a16="http://schemas.microsoft.com/office/drawing/2014/main" id="{7554369F-0167-4852-BEE6-7EA981E7B6AE}"/>
+                    </a:ext>
+                  </a:extLst>
+                </p:cNvPr>
+                <p:cNvSpPr txBox="1"/>
+                <p:nvPr/>
+              </p:nvSpPr>
+              <p:spPr>
+                <a:xfrm>
+                  <a:off x="3240856" y="3523586"/>
+                  <a:ext cx="1864100" cy="276999"/>
+                </a:xfrm>
+                <a:prstGeom prst="rect">
+                  <a:avLst/>
+                </a:prstGeom>
+                <a:noFill/>
+              </p:spPr>
+              <p:txBody>
+                <a:bodyPr wrap="none" rtlCol="0">
+                  <a:spAutoFit/>
+                </a:bodyPr>
+                <a:lstStyle/>
+                <a:p>
+                  <a:r>
+                    <a:rPr lang="en-DE" sz="1200" dirty="0"/>
+                    <a:t>Development environment</a:t>
+                  </a:r>
+                  <a:endParaRPr lang="en-US" sz="1200" dirty="0"/>
+                </a:p>
+              </p:txBody>
+            </p:sp>
+            <p:sp>
+              <p:nvSpPr>
+                <p:cNvPr id="14" name="Rectangle 13">
+                  <a:extLst>
+                    <a:ext uri="{FF2B5EF4-FFF2-40B4-BE49-F238E27FC236}">
+                      <a16:creationId xmlns:a16="http://schemas.microsoft.com/office/drawing/2014/main" id="{EF29313B-54AC-4715-9028-BC8420090E0E}"/>
+                    </a:ext>
+                  </a:extLst>
+                </p:cNvPr>
+                <p:cNvSpPr/>
+                <p:nvPr/>
+              </p:nvSpPr>
+              <p:spPr>
+                <a:xfrm>
+                  <a:off x="3609488" y="2866879"/>
+                  <a:ext cx="1126836" cy="572654"/>
+                </a:xfrm>
+                <a:prstGeom prst="rect">
+                  <a:avLst/>
+                </a:prstGeom>
+                <a:noFill/>
+                <a:ln w="38100">
+                  <a:solidFill>
+                    <a:schemeClr val="accent2"/>
+                  </a:solidFill>
+                </a:ln>
+              </p:spPr>
+              <p:style>
+                <a:lnRef idx="2">
+                  <a:schemeClr val="accent1">
+                    <a:shade val="50000"/>
+                  </a:schemeClr>
+                </a:lnRef>
+                <a:fillRef idx="1">
+                  <a:schemeClr val="accent1"/>
+                </a:fillRef>
+                <a:effectRef idx="0">
+                  <a:schemeClr val="accent1"/>
+                </a:effectRef>
+                <a:fontRef idx="minor">
+                  <a:schemeClr val="lt1"/>
+                </a:fontRef>
+              </p:style>
+              <p:txBody>
+                <a:bodyPr rtlCol="0" anchor="ctr"/>
+                <a:lstStyle/>
+                <a:p>
+                  <a:pPr algn="ctr"/>
+                  <a:r>
+                    <a:rPr lang="en-DE" sz="1600" dirty="0">
+                      <a:solidFill>
+                        <a:schemeClr val="tx1"/>
+                      </a:solidFill>
+                    </a:rPr>
+                    <a:t>Working directory</a:t>
+                  </a:r>
+                  <a:endParaRPr lang="en-US" sz="1600" dirty="0">
+                    <a:solidFill>
+                      <a:schemeClr val="tx1"/>
+                    </a:solidFill>
+                  </a:endParaRPr>
+                </a:p>
+              </p:txBody>
+            </p:sp>
+            <p:sp>
+              <p:nvSpPr>
+                <p:cNvPr id="15" name="Rectangle 14">
+                  <a:extLst>
+                    <a:ext uri="{FF2B5EF4-FFF2-40B4-BE49-F238E27FC236}">
+                      <a16:creationId xmlns:a16="http://schemas.microsoft.com/office/drawing/2014/main" id="{92C53D9A-3543-43AC-B360-1593947A1098}"/>
+                    </a:ext>
+                  </a:extLst>
+                </p:cNvPr>
+                <p:cNvSpPr/>
+                <p:nvPr/>
+              </p:nvSpPr>
+              <p:spPr>
+                <a:xfrm>
+                  <a:off x="4888724" y="2866879"/>
+                  <a:ext cx="1126836" cy="572654"/>
+                </a:xfrm>
+                <a:prstGeom prst="rect">
+                  <a:avLst/>
+                </a:prstGeom>
+                <a:noFill/>
+                <a:ln w="38100">
+                  <a:solidFill>
+                    <a:schemeClr val="accent5"/>
+                  </a:solidFill>
+                </a:ln>
+              </p:spPr>
+              <p:style>
+                <a:lnRef idx="2">
+                  <a:schemeClr val="accent1">
+                    <a:shade val="50000"/>
+                  </a:schemeClr>
+                </a:lnRef>
+                <a:fillRef idx="1">
+                  <a:schemeClr val="accent1"/>
+                </a:fillRef>
+                <a:effectRef idx="0">
+                  <a:schemeClr val="accent1"/>
+                </a:effectRef>
+                <a:fontRef idx="minor">
+                  <a:schemeClr val="lt1"/>
+                </a:fontRef>
+              </p:style>
+              <p:txBody>
+                <a:bodyPr rtlCol="0" anchor="ctr"/>
+                <a:lstStyle/>
+                <a:p>
+                  <a:pPr algn="ctr"/>
+                  <a:r>
+                    <a:rPr lang="en-DE" sz="1600" dirty="0">
+                      <a:solidFill>
+                        <a:schemeClr val="tx1"/>
+                      </a:solidFill>
+                    </a:rPr>
+                    <a:t>Staging area</a:t>
+                  </a:r>
+                  <a:endParaRPr lang="en-US" sz="1600" dirty="0">
+                    <a:solidFill>
+                      <a:schemeClr val="tx1"/>
+                    </a:solidFill>
+                  </a:endParaRPr>
+                </a:p>
+              </p:txBody>
+            </p:sp>
+            <p:sp>
+              <p:nvSpPr>
+                <p:cNvPr id="16" name="Rectangle 15">
+                  <a:extLst>
+                    <a:ext uri="{FF2B5EF4-FFF2-40B4-BE49-F238E27FC236}">
+                      <a16:creationId xmlns:a16="http://schemas.microsoft.com/office/drawing/2014/main" id="{59B5E3EE-3BB0-4A1A-9C07-686AFFEE013C}"/>
+                    </a:ext>
+                  </a:extLst>
+                </p:cNvPr>
+                <p:cNvSpPr/>
+                <p:nvPr/>
+              </p:nvSpPr>
+              <p:spPr>
+                <a:xfrm>
+                  <a:off x="6167960" y="2876115"/>
+                  <a:ext cx="1126836" cy="572654"/>
+                </a:xfrm>
+                <a:prstGeom prst="rect">
+                  <a:avLst/>
+                </a:prstGeom>
+                <a:noFill/>
+                <a:ln w="38100">
+                  <a:solidFill>
+                    <a:schemeClr val="bg1">
+                      <a:lumMod val="75000"/>
+                    </a:schemeClr>
+                  </a:solidFill>
+                </a:ln>
+              </p:spPr>
+              <p:style>
+                <a:lnRef idx="2">
+                  <a:schemeClr val="accent1">
+                    <a:shade val="50000"/>
+                  </a:schemeClr>
+                </a:lnRef>
+                <a:fillRef idx="1">
+                  <a:schemeClr val="accent1"/>
+                </a:fillRef>
+                <a:effectRef idx="0">
+                  <a:schemeClr val="accent1"/>
+                </a:effectRef>
+                <a:fontRef idx="minor">
+                  <a:schemeClr val="lt1"/>
+                </a:fontRef>
+              </p:style>
+              <p:txBody>
+                <a:bodyPr rtlCol="0" anchor="ctr"/>
+                <a:lstStyle/>
+                <a:p>
+                  <a:pPr algn="ctr"/>
+                  <a:r>
+                    <a:rPr lang="en-DE" sz="1600" dirty="0">
+                      <a:solidFill>
+                        <a:schemeClr val="tx1"/>
+                      </a:solidFill>
+                    </a:rPr>
+                    <a:t>Local repository</a:t>
+                  </a:r>
+                  <a:endParaRPr lang="en-US" sz="1600" dirty="0">
+                    <a:solidFill>
+                      <a:schemeClr val="tx1"/>
+                    </a:solidFill>
+                  </a:endParaRPr>
+                </a:p>
+              </p:txBody>
+            </p:sp>
+          </p:grpSp>
+          <p:sp>
+            <p:nvSpPr>
+              <p:cNvPr id="9" name="Rectangle 8">
+                <a:extLst>
+                  <a:ext uri="{FF2B5EF4-FFF2-40B4-BE49-F238E27FC236}">
+                    <a16:creationId xmlns:a16="http://schemas.microsoft.com/office/drawing/2014/main" id="{0D619A7B-CA51-4BEA-A338-77A9B5C8EF21}"/>
+                  </a:ext>
+                </a:extLst>
+              </p:cNvPr>
+              <p:cNvSpPr/>
+              <p:nvPr/>
+            </p:nvSpPr>
+            <p:spPr>
+              <a:xfrm>
+                <a:off x="5829909" y="942802"/>
+                <a:ext cx="1126836" cy="572654"/>
+              </a:xfrm>
+              <a:prstGeom prst="rect">
+                <a:avLst/>
+              </a:prstGeom>
+              <a:noFill/>
+              <a:ln w="38100">
+                <a:solidFill>
+                  <a:schemeClr val="bg1">
+                    <a:lumMod val="75000"/>
+                  </a:schemeClr>
+                </a:solidFill>
+              </a:ln>
+            </p:spPr>
+            <p:style>
+              <a:lnRef idx="2">
+                <a:schemeClr val="accent1">
+                  <a:shade val="50000"/>
+                </a:schemeClr>
+              </a:lnRef>
+              <a:fillRef idx="1">
+                <a:schemeClr val="accent1"/>
+              </a:fillRef>
+              <a:effectRef idx="0">
+                <a:schemeClr val="accent1"/>
+              </a:effectRef>
+              <a:fontRef idx="minor">
+                <a:schemeClr val="lt1"/>
+              </a:fontRef>
+            </p:style>
+            <p:txBody>
+              <a:bodyPr rtlCol="0" anchor="ctr"/>
+              <a:lstStyle/>
+              <a:p>
+                <a:r>
+                  <a:rPr lang="en-US" sz="1200" b="1" u="sng" dirty="0">
+                    <a:solidFill>
+                      <a:schemeClr val="tx1"/>
+                    </a:solidFill>
+                  </a:rPr>
+                  <a:t>Branches</a:t>
+                </a:r>
+              </a:p>
+              <a:p>
+                <a:r>
+                  <a:rPr lang="en-US" sz="1200" dirty="0">
+                    <a:solidFill>
+                      <a:schemeClr val="tx1"/>
+                    </a:solidFill>
+                  </a:rPr>
+                  <a:t>master</a:t>
+                </a:r>
+              </a:p>
+              <a:p>
+                <a:r>
+                  <a:rPr lang="en-US" sz="1200" dirty="0" err="1">
+                    <a:solidFill>
+                      <a:srgbClr val="7030A0"/>
+                    </a:solidFill>
+                  </a:rPr>
+                  <a:t>new_feature</a:t>
+                </a:r>
+                <a:endParaRPr lang="en-US" sz="1200" dirty="0">
+                  <a:solidFill>
+                    <a:srgbClr val="00B050"/>
+                  </a:solidFill>
+                </a:endParaRPr>
+              </a:p>
+            </p:txBody>
+          </p:sp>
+          <p:sp>
+            <p:nvSpPr>
+              <p:cNvPr id="10" name="Rectangle 9">
+                <a:extLst>
+                  <a:ext uri="{FF2B5EF4-FFF2-40B4-BE49-F238E27FC236}">
+                    <a16:creationId xmlns:a16="http://schemas.microsoft.com/office/drawing/2014/main" id="{FC8E0673-4804-407F-8983-5A50C18535B6}"/>
+                  </a:ext>
+                </a:extLst>
+              </p:cNvPr>
+              <p:cNvSpPr/>
+              <p:nvPr/>
+            </p:nvSpPr>
+            <p:spPr>
+              <a:xfrm>
+                <a:off x="5751400" y="-842298"/>
+                <a:ext cx="1126836" cy="696789"/>
+              </a:xfrm>
+              <a:prstGeom prst="rect">
+                <a:avLst/>
+              </a:prstGeom>
+              <a:noFill/>
+              <a:ln w="38100">
+                <a:solidFill>
+                  <a:schemeClr val="bg1">
+                    <a:lumMod val="50000"/>
+                  </a:schemeClr>
+                </a:solidFill>
+              </a:ln>
+            </p:spPr>
+            <p:style>
+              <a:lnRef idx="2">
+                <a:schemeClr val="accent1">
+                  <a:shade val="50000"/>
+                </a:schemeClr>
+              </a:lnRef>
+              <a:fillRef idx="1">
+                <a:schemeClr val="accent1"/>
+              </a:fillRef>
+              <a:effectRef idx="0">
+                <a:schemeClr val="accent1"/>
+              </a:effectRef>
+              <a:fontRef idx="minor">
+                <a:schemeClr val="lt1"/>
+              </a:fontRef>
+            </p:style>
+            <p:txBody>
+              <a:bodyPr rtlCol="0" anchor="ctr"/>
+              <a:lstStyle/>
+              <a:p>
+                <a:pPr algn="ctr"/>
+                <a:r>
+                  <a:rPr lang="en-GB" sz="1600" dirty="0">
+                    <a:solidFill>
+                      <a:schemeClr val="tx1"/>
+                    </a:solidFill>
+                  </a:rPr>
+                  <a:t>Remote</a:t>
+                </a:r>
+                <a:r>
+                  <a:rPr lang="en-DE" sz="1600" dirty="0">
+                    <a:solidFill>
+                      <a:schemeClr val="tx1"/>
+                    </a:solidFill>
+                  </a:rPr>
+                  <a:t> repository</a:t>
+                </a:r>
+                <a:endParaRPr lang="en-US" sz="1600" dirty="0">
+                  <a:solidFill>
+                    <a:schemeClr val="tx1"/>
+                  </a:solidFill>
+                </a:endParaRPr>
+              </a:p>
+            </p:txBody>
+          </p:sp>
+          <p:sp>
+            <p:nvSpPr>
+              <p:cNvPr id="11" name="Rectangle 10">
+                <a:extLst>
+                  <a:ext uri="{FF2B5EF4-FFF2-40B4-BE49-F238E27FC236}">
+                    <a16:creationId xmlns:a16="http://schemas.microsoft.com/office/drawing/2014/main" id="{2D8C063F-4517-4B5D-94AF-819ADE93F1C8}"/>
+                  </a:ext>
+                </a:extLst>
+              </p:cNvPr>
+              <p:cNvSpPr/>
+              <p:nvPr/>
+            </p:nvSpPr>
+            <p:spPr>
+              <a:xfrm>
+                <a:off x="6878236" y="-841374"/>
+                <a:ext cx="1126836" cy="696789"/>
+              </a:xfrm>
+              <a:prstGeom prst="rect">
+                <a:avLst/>
+              </a:prstGeom>
+              <a:noFill/>
+              <a:ln w="38100">
+                <a:solidFill>
+                  <a:schemeClr val="bg1">
+                    <a:lumMod val="50000"/>
+                  </a:schemeClr>
+                </a:solidFill>
+              </a:ln>
+            </p:spPr>
+            <p:style>
+              <a:lnRef idx="2">
+                <a:schemeClr val="accent1">
+                  <a:shade val="50000"/>
+                </a:schemeClr>
+              </a:lnRef>
+              <a:fillRef idx="1">
+                <a:schemeClr val="accent1"/>
+              </a:fillRef>
+              <a:effectRef idx="0">
+                <a:schemeClr val="accent1"/>
+              </a:effectRef>
+              <a:fontRef idx="minor">
+                <a:schemeClr val="lt1"/>
+              </a:fontRef>
+            </p:style>
+            <p:txBody>
+              <a:bodyPr rtlCol="0" anchor="ctr"/>
+              <a:lstStyle/>
+              <a:p>
+                <a:r>
+                  <a:rPr lang="en-US" sz="1200" b="1" u="sng" dirty="0">
+                    <a:solidFill>
+                      <a:schemeClr val="tx1"/>
+                    </a:solidFill>
+                  </a:rPr>
+                  <a:t>Branches</a:t>
+                </a:r>
+              </a:p>
+              <a:p>
+                <a:r>
+                  <a:rPr lang="en-US" sz="1200" dirty="0">
+                    <a:solidFill>
+                      <a:schemeClr val="tx1"/>
+                    </a:solidFill>
+                  </a:rPr>
+                  <a:t>master</a:t>
+                </a:r>
+              </a:p>
+              <a:p>
+                <a:r>
+                  <a:rPr lang="en-US" sz="1200" dirty="0" err="1">
+                    <a:solidFill>
+                      <a:srgbClr val="7030A0"/>
+                    </a:solidFill>
+                  </a:rPr>
+                  <a:t>new_feature</a:t>
+                </a:r>
+                <a:endParaRPr lang="en-US" sz="1200" dirty="0">
+                  <a:solidFill>
+                    <a:srgbClr val="7030A0"/>
+                  </a:solidFill>
+                </a:endParaRPr>
+              </a:p>
+            </p:txBody>
+          </p:sp>
+        </p:grpSp>
+        <p:sp>
+          <p:nvSpPr>
+            <p:cNvPr id="4" name="Rectangle 3">
+              <a:extLst>
+                <a:ext uri="{FF2B5EF4-FFF2-40B4-BE49-F238E27FC236}">
+                  <a16:creationId xmlns:a16="http://schemas.microsoft.com/office/drawing/2014/main" id="{5FEA05C9-7033-4F10-9471-4166D641354B}"/>
+                </a:ext>
+              </a:extLst>
+            </p:cNvPr>
+            <p:cNvSpPr/>
+            <p:nvPr/>
+          </p:nvSpPr>
+          <p:spPr>
+            <a:xfrm>
+              <a:off x="7065662" y="4389386"/>
+              <a:ext cx="1551709" cy="572654"/>
+            </a:xfrm>
+            <a:prstGeom prst="rect">
+              <a:avLst/>
+            </a:prstGeom>
+            <a:noFill/>
+            <a:ln w="38100">
+              <a:solidFill>
+                <a:schemeClr val="bg1">
+                  <a:lumMod val="75000"/>
+                </a:schemeClr>
+              </a:solidFill>
+            </a:ln>
+          </p:spPr>
+          <p:style>
+            <a:lnRef idx="2">
+              <a:schemeClr val="accent1">
+                <a:shade val="50000"/>
+              </a:schemeClr>
+            </a:lnRef>
+            <a:fillRef idx="1">
+              <a:schemeClr val="accent1"/>
+            </a:fillRef>
+            <a:effectRef idx="0">
+              <a:schemeClr val="accent1"/>
+            </a:effectRef>
+            <a:fontRef idx="minor">
+              <a:schemeClr val="lt1"/>
+            </a:fontRef>
+          </p:style>
+          <p:txBody>
+            <a:bodyPr rtlCol="0" anchor="ctr"/>
+            <a:lstStyle/>
+            <a:p>
+              <a:r>
+                <a:rPr lang="en-US" sz="1200" b="1" u="sng" dirty="0">
+                  <a:solidFill>
+                    <a:schemeClr val="tx1"/>
+                  </a:solidFill>
+                </a:rPr>
+                <a:t>Remotes</a:t>
+              </a:r>
+            </a:p>
+            <a:p>
+              <a:r>
+                <a:rPr lang="en-US" sz="1200" dirty="0">
+                  <a:solidFill>
+                    <a:schemeClr val="tx1"/>
+                  </a:solidFill>
+                </a:rPr>
+                <a:t>origin/master</a:t>
+              </a:r>
+            </a:p>
+            <a:p>
+              <a:r>
+                <a:rPr lang="en-US" sz="1200" dirty="0">
+                  <a:solidFill>
+                    <a:srgbClr val="7030A0"/>
+                  </a:solidFill>
+                </a:rPr>
+                <a:t>origin/</a:t>
+              </a:r>
+              <a:r>
+                <a:rPr lang="en-US" sz="1200" dirty="0" err="1">
+                  <a:solidFill>
+                    <a:srgbClr val="7030A0"/>
+                  </a:solidFill>
+                </a:rPr>
+                <a:t>new_feature</a:t>
+              </a:r>
+              <a:endParaRPr lang="en-US" sz="1200" dirty="0">
+                <a:solidFill>
+                  <a:srgbClr val="7030A0"/>
+                </a:solidFill>
+              </a:endParaRPr>
+            </a:p>
+          </p:txBody>
+        </p:sp>
+        <p:cxnSp>
+          <p:nvCxnSpPr>
+            <p:cNvPr id="5" name="Straight Arrow Connector 4">
+              <a:extLst>
+                <a:ext uri="{FF2B5EF4-FFF2-40B4-BE49-F238E27FC236}">
+                  <a16:creationId xmlns:a16="http://schemas.microsoft.com/office/drawing/2014/main" id="{9C21A6DD-6D99-4D86-A20A-7324645D9457}"/>
+                </a:ext>
+              </a:extLst>
+            </p:cNvPr>
+            <p:cNvCxnSpPr>
+              <a:cxnSpLocks/>
+            </p:cNvCxnSpPr>
+            <p:nvPr/>
+          </p:nvCxnSpPr>
+          <p:spPr>
+            <a:xfrm>
+              <a:off x="6906903" y="4869401"/>
+              <a:ext cx="273299" cy="0"/>
+            </a:xfrm>
+            <a:prstGeom prst="straightConnector1">
+              <a:avLst/>
+            </a:prstGeom>
+            <a:ln w="28575">
+              <a:solidFill>
+                <a:srgbClr val="7030A0"/>
+              </a:solidFill>
+              <a:headEnd type="triangle"/>
+              <a:tailEnd type="triangle"/>
+            </a:ln>
+          </p:spPr>
+          <p:style>
+            <a:lnRef idx="1">
+              <a:schemeClr val="accent1"/>
+            </a:lnRef>
+            <a:fillRef idx="0">
+              <a:schemeClr val="accent1"/>
+            </a:fillRef>
+            <a:effectRef idx="0">
+              <a:schemeClr val="accent1"/>
+            </a:effectRef>
+            <a:fontRef idx="minor">
+              <a:schemeClr val="tx1"/>
+            </a:fontRef>
+          </p:style>
+        </p:cxnSp>
+        <p:cxnSp>
+          <p:nvCxnSpPr>
+            <p:cNvPr id="6" name="Straight Arrow Connector 5">
+              <a:extLst>
+                <a:ext uri="{FF2B5EF4-FFF2-40B4-BE49-F238E27FC236}">
+                  <a16:creationId xmlns:a16="http://schemas.microsoft.com/office/drawing/2014/main" id="{E2739EC7-6071-4A5C-9031-E28325A44FA9}"/>
+                </a:ext>
+              </a:extLst>
+            </p:cNvPr>
+            <p:cNvCxnSpPr>
+              <a:cxnSpLocks/>
+            </p:cNvCxnSpPr>
+            <p:nvPr/>
+          </p:nvCxnSpPr>
+          <p:spPr>
+            <a:xfrm>
+              <a:off x="7849004" y="3166870"/>
+              <a:ext cx="360276" cy="1598170"/>
+            </a:xfrm>
+            <a:prstGeom prst="straightConnector1">
+              <a:avLst/>
+            </a:prstGeom>
+            <a:ln w="28575">
+              <a:solidFill>
+                <a:srgbClr val="7030A0"/>
+              </a:solidFill>
+              <a:headEnd type="triangle"/>
+              <a:tailEnd type="triangle"/>
+            </a:ln>
+          </p:spPr>
+          <p:style>
+            <a:lnRef idx="1">
+              <a:schemeClr val="accent1"/>
+            </a:lnRef>
+            <a:fillRef idx="0">
+              <a:schemeClr val="accent1"/>
+            </a:fillRef>
+            <a:effectRef idx="0">
+              <a:schemeClr val="accent1"/>
+            </a:effectRef>
+            <a:fontRef idx="minor">
+              <a:schemeClr val="tx1"/>
+            </a:fontRef>
+          </p:style>
+        </p:cxnSp>
+        <p:sp>
+          <p:nvSpPr>
+            <p:cNvPr id="7" name="TextBox 6">
+              <a:extLst>
+                <a:ext uri="{FF2B5EF4-FFF2-40B4-BE49-F238E27FC236}">
+                  <a16:creationId xmlns:a16="http://schemas.microsoft.com/office/drawing/2014/main" id="{3FF8265D-BC59-4A45-8C4B-140DE61AE598}"/>
+                </a:ext>
+              </a:extLst>
+            </p:cNvPr>
+            <p:cNvSpPr txBox="1"/>
+            <p:nvPr/>
+          </p:nvSpPr>
+          <p:spPr>
+            <a:xfrm>
+              <a:off x="8040438" y="3572364"/>
+              <a:ext cx="1126836" cy="307777"/>
+            </a:xfrm>
+            <a:prstGeom prst="rect">
+              <a:avLst/>
+            </a:prstGeom>
+            <a:solidFill>
+              <a:schemeClr val="bg1">
+                <a:lumMod val="95000"/>
+              </a:schemeClr>
+            </a:solidFill>
+          </p:spPr>
+          <p:txBody>
+            <a:bodyPr wrap="square" rtlCol="0">
+              <a:spAutoFit/>
+            </a:bodyPr>
+            <a:lstStyle/>
+            <a:p>
+              <a:pPr algn="ctr"/>
+              <a:r>
+                <a:rPr lang="de-DE" sz="1400" dirty="0" err="1">
+                  <a:latin typeface="Consolas" panose="020B0609020204030204" pitchFamily="49" charset="0"/>
+                </a:rPr>
+                <a:t>git</a:t>
+              </a:r>
+              <a:r>
+                <a:rPr lang="de-DE" sz="1400" dirty="0">
+                  <a:latin typeface="Consolas" panose="020B0609020204030204" pitchFamily="49" charset="0"/>
+                </a:rPr>
+                <a:t> pull</a:t>
+              </a:r>
+              <a:endParaRPr lang="en-GB" sz="1400" dirty="0">
+                <a:latin typeface="Consolas" panose="020B0609020204030204" pitchFamily="49" charset="0"/>
+              </a:endParaRPr>
+            </a:p>
+          </p:txBody>
+        </p:sp>
+      </p:grpSp>
+    </p:spTree>
+    <p:extLst>
+      <p:ext uri="{BB962C8B-B14F-4D97-AF65-F5344CB8AC3E}">
+        <p14:creationId xmlns:p14="http://schemas.microsoft.com/office/powerpoint/2010/main" val="3776596341"/>
       </p:ext>
     </p:extLst>
   </p:cSld>

--- a/slides/img/images.pptx
+++ b/slides/img/images.pptx
@@ -5,7 +5,7 @@
     <p:sldMasterId id="2147483648" r:id="rId1"/>
   </p:sldMasterIdLst>
   <p:notesMasterIdLst>
-    <p:notesMasterId r:id="rId25"/>
+    <p:notesMasterId r:id="rId29"/>
   </p:notesMasterIdLst>
   <p:sldIdLst>
     <p:sldId id="256" r:id="rId2"/>
@@ -24,13 +24,17 @@
     <p:sldId id="272" r:id="rId15"/>
     <p:sldId id="273" r:id="rId16"/>
     <p:sldId id="274" r:id="rId17"/>
-    <p:sldId id="275" r:id="rId18"/>
-    <p:sldId id="276" r:id="rId19"/>
-    <p:sldId id="277" r:id="rId20"/>
-    <p:sldId id="278" r:id="rId21"/>
-    <p:sldId id="279" r:id="rId22"/>
-    <p:sldId id="280" r:id="rId23"/>
-    <p:sldId id="281" r:id="rId24"/>
+    <p:sldId id="283" r:id="rId18"/>
+    <p:sldId id="275" r:id="rId19"/>
+    <p:sldId id="276" r:id="rId20"/>
+    <p:sldId id="277" r:id="rId21"/>
+    <p:sldId id="278" r:id="rId22"/>
+    <p:sldId id="284" r:id="rId23"/>
+    <p:sldId id="279" r:id="rId24"/>
+    <p:sldId id="285" r:id="rId25"/>
+    <p:sldId id="280" r:id="rId26"/>
+    <p:sldId id="281" r:id="rId27"/>
+    <p:sldId id="282" r:id="rId28"/>
   </p:sldIdLst>
   <p:sldSz cx="12192000" cy="6858000"/>
   <p:notesSz cx="6858000" cy="9144000"/>
@@ -178,6 +182,7 @@
         <p14:section name="git branch" id="{D4B73BCA-A021-46BF-9A51-B09CD2FA2F79}">
           <p14:sldIdLst>
             <p14:sldId id="274"/>
+            <p14:sldId id="283"/>
             <p14:sldId id="275"/>
           </p14:sldIdLst>
         </p14:section>
@@ -190,13 +195,16 @@
         <p14:section name="merging" id="{69E3DB46-DB4F-4E05-AB1C-B66239A992F5}">
           <p14:sldIdLst>
             <p14:sldId id="278"/>
+            <p14:sldId id="284"/>
             <p14:sldId id="279"/>
+            <p14:sldId id="285"/>
           </p14:sldIdLst>
         </p14:section>
         <p14:section name="git fetch" id="{561A8E72-7FE0-46EA-A938-59D64BA47A56}">
           <p14:sldIdLst>
             <p14:sldId id="280"/>
             <p14:sldId id="281"/>
+            <p14:sldId id="282"/>
           </p14:sldIdLst>
         </p14:section>
       </p14:sectionLst>
@@ -290,7 +298,7 @@
           <a:p>
             <a:fld id="{3488AE72-DCFF-4992-988B-F75514123319}" type="datetimeFigureOut">
               <a:rPr lang="en-GB" smtClean="0"/>
-              <a:t>07/12/2021</a:t>
+              <a:t>09/12/2021</a:t>
             </a:fld>
             <a:endParaRPr lang="en-GB"/>
           </a:p>
@@ -707,7 +715,7 @@
           <a:p>
             <a:fld id="{FF40C812-6B70-4976-9693-155482B7EF62}" type="datetimeFigureOut">
               <a:rPr lang="en-GB" smtClean="0"/>
-              <a:t>07/12/2021</a:t>
+              <a:t>09/12/2021</a:t>
             </a:fld>
             <a:endParaRPr lang="en-GB"/>
           </a:p>
@@ -907,7 +915,7 @@
           <a:p>
             <a:fld id="{FF40C812-6B70-4976-9693-155482B7EF62}" type="datetimeFigureOut">
               <a:rPr lang="en-GB" smtClean="0"/>
-              <a:t>07/12/2021</a:t>
+              <a:t>09/12/2021</a:t>
             </a:fld>
             <a:endParaRPr lang="en-GB"/>
           </a:p>
@@ -1117,7 +1125,7 @@
           <a:p>
             <a:fld id="{FF40C812-6B70-4976-9693-155482B7EF62}" type="datetimeFigureOut">
               <a:rPr lang="en-GB" smtClean="0"/>
-              <a:t>07/12/2021</a:t>
+              <a:t>09/12/2021</a:t>
             </a:fld>
             <a:endParaRPr lang="en-GB"/>
           </a:p>
@@ -1317,7 +1325,7 @@
           <a:p>
             <a:fld id="{FF40C812-6B70-4976-9693-155482B7EF62}" type="datetimeFigureOut">
               <a:rPr lang="en-GB" smtClean="0"/>
-              <a:t>07/12/2021</a:t>
+              <a:t>09/12/2021</a:t>
             </a:fld>
             <a:endParaRPr lang="en-GB"/>
           </a:p>
@@ -1593,7 +1601,7 @@
           <a:p>
             <a:fld id="{FF40C812-6B70-4976-9693-155482B7EF62}" type="datetimeFigureOut">
               <a:rPr lang="en-GB" smtClean="0"/>
-              <a:t>07/12/2021</a:t>
+              <a:t>09/12/2021</a:t>
             </a:fld>
             <a:endParaRPr lang="en-GB"/>
           </a:p>
@@ -1861,7 +1869,7 @@
           <a:p>
             <a:fld id="{FF40C812-6B70-4976-9693-155482B7EF62}" type="datetimeFigureOut">
               <a:rPr lang="en-GB" smtClean="0"/>
-              <a:t>07/12/2021</a:t>
+              <a:t>09/12/2021</a:t>
             </a:fld>
             <a:endParaRPr lang="en-GB"/>
           </a:p>
@@ -2276,7 +2284,7 @@
           <a:p>
             <a:fld id="{FF40C812-6B70-4976-9693-155482B7EF62}" type="datetimeFigureOut">
               <a:rPr lang="en-GB" smtClean="0"/>
-              <a:t>07/12/2021</a:t>
+              <a:t>09/12/2021</a:t>
             </a:fld>
             <a:endParaRPr lang="en-GB"/>
           </a:p>
@@ -2418,7 +2426,7 @@
           <a:p>
             <a:fld id="{FF40C812-6B70-4976-9693-155482B7EF62}" type="datetimeFigureOut">
               <a:rPr lang="en-GB" smtClean="0"/>
-              <a:t>07/12/2021</a:t>
+              <a:t>09/12/2021</a:t>
             </a:fld>
             <a:endParaRPr lang="en-GB"/>
           </a:p>
@@ -2531,7 +2539,7 @@
           <a:p>
             <a:fld id="{FF40C812-6B70-4976-9693-155482B7EF62}" type="datetimeFigureOut">
               <a:rPr lang="en-GB" smtClean="0"/>
-              <a:t>07/12/2021</a:t>
+              <a:t>09/12/2021</a:t>
             </a:fld>
             <a:endParaRPr lang="en-GB"/>
           </a:p>
@@ -2844,7 +2852,7 @@
           <a:p>
             <a:fld id="{FF40C812-6B70-4976-9693-155482B7EF62}" type="datetimeFigureOut">
               <a:rPr lang="en-GB" smtClean="0"/>
-              <a:t>07/12/2021</a:t>
+              <a:t>09/12/2021</a:t>
             </a:fld>
             <a:endParaRPr lang="en-GB"/>
           </a:p>
@@ -3133,7 +3141,7 @@
           <a:p>
             <a:fld id="{FF40C812-6B70-4976-9693-155482B7EF62}" type="datetimeFigureOut">
               <a:rPr lang="en-GB" smtClean="0"/>
-              <a:t>07/12/2021</a:t>
+              <a:t>09/12/2021</a:t>
             </a:fld>
             <a:endParaRPr lang="en-GB"/>
           </a:p>
@@ -3376,7 +3384,7 @@
           <a:p>
             <a:fld id="{FF40C812-6B70-4976-9693-155482B7EF62}" type="datetimeFigureOut">
               <a:rPr lang="en-GB" smtClean="0"/>
-              <a:t>07/12/2021</a:t>
+              <a:t>09/12/2021</a:t>
             </a:fld>
             <a:endParaRPr lang="en-GB"/>
           </a:p>
@@ -8267,10 +8275,10 @@
         </p:nvGrpSpPr>
         <p:grpSpPr>
           <a:xfrm>
-            <a:off x="3201402" y="1524185"/>
-            <a:ext cx="5054446" cy="2657783"/>
-            <a:chOff x="3201402" y="1524185"/>
-            <a:chExt cx="5054446" cy="2657783"/>
+            <a:off x="3201402" y="2889174"/>
+            <a:ext cx="5054446" cy="1292794"/>
+            <a:chOff x="3201402" y="2889174"/>
+            <a:chExt cx="5054446" cy="1292794"/>
           </a:xfrm>
         </p:grpSpPr>
         <p:sp>
@@ -8906,12 +8914,696 @@
             </a:fontRef>
           </p:style>
         </p:cxnSp>
+      </p:grpSp>
+    </p:spTree>
+    <p:extLst>
+      <p:ext uri="{BB962C8B-B14F-4D97-AF65-F5344CB8AC3E}">
+        <p14:creationId xmlns:p14="http://schemas.microsoft.com/office/powerpoint/2010/main" val="2703007825"/>
+      </p:ext>
+    </p:extLst>
+  </p:cSld>
+  <p:clrMapOvr>
+    <a:masterClrMapping/>
+  </p:clrMapOvr>
+</p:sld>
+</file>
+
+<file path=ppt/slides/slide17.xml><?xml version="1.0" encoding="utf-8"?>
+<p:sld xmlns:a="http://schemas.openxmlformats.org/drawingml/2006/main" xmlns:r="http://schemas.openxmlformats.org/officeDocument/2006/relationships" xmlns:p="http://schemas.openxmlformats.org/presentationml/2006/main">
+  <p:cSld>
+    <p:spTree>
+      <p:nvGrpSpPr>
+        <p:cNvPr id="1" name=""/>
+        <p:cNvGrpSpPr/>
+        <p:nvPr/>
+      </p:nvGrpSpPr>
+      <p:grpSpPr>
+        <a:xfrm>
+          <a:off x="0" y="0"/>
+          <a:ext cx="0" cy="0"/>
+          <a:chOff x="0" y="0"/>
+          <a:chExt cx="0" cy="0"/>
+        </a:xfrm>
+      </p:grpSpPr>
+      <p:grpSp>
+        <p:nvGrpSpPr>
+          <p:cNvPr id="2" name="Group 1">
+            <a:extLst>
+              <a:ext uri="{FF2B5EF4-FFF2-40B4-BE49-F238E27FC236}">
+                <a16:creationId xmlns:a16="http://schemas.microsoft.com/office/drawing/2014/main" id="{C28F3194-D83A-447A-B4BA-5C2ED0549B93}"/>
+              </a:ext>
+            </a:extLst>
+          </p:cNvPr>
+          <p:cNvGrpSpPr/>
+          <p:nvPr/>
+        </p:nvGrpSpPr>
+        <p:grpSpPr>
+          <a:xfrm>
+            <a:off x="3201402" y="1524185"/>
+            <a:ext cx="5054446" cy="2657783"/>
+            <a:chOff x="3201402" y="1524185"/>
+            <a:chExt cx="5054446" cy="2657783"/>
+          </a:xfrm>
+        </p:grpSpPr>
         <p:sp>
           <p:nvSpPr>
-            <p:cNvPr id="13" name="Oval 12">
+            <p:cNvPr id="3" name="Rectangle 2">
               <a:extLst>
                 <a:ext uri="{FF2B5EF4-FFF2-40B4-BE49-F238E27FC236}">
-                  <a16:creationId xmlns:a16="http://schemas.microsoft.com/office/drawing/2014/main" id="{D1CED551-D70F-431D-B515-0967F20C9FD0}"/>
+                  <a16:creationId xmlns:a16="http://schemas.microsoft.com/office/drawing/2014/main" id="{A3EC58B0-E4D8-4430-9A53-5F35B7933765}"/>
+                </a:ext>
+              </a:extLst>
+            </p:cNvPr>
+            <p:cNvSpPr/>
+            <p:nvPr/>
+          </p:nvSpPr>
+          <p:spPr>
+            <a:xfrm>
+              <a:off x="3201402" y="2889174"/>
+              <a:ext cx="1498294" cy="539826"/>
+            </a:xfrm>
+            <a:prstGeom prst="rect">
+              <a:avLst/>
+            </a:prstGeom>
+            <a:noFill/>
+            <a:ln w="28575">
+              <a:solidFill>
+                <a:schemeClr val="bg1">
+                  <a:lumMod val="85000"/>
+                </a:schemeClr>
+              </a:solidFill>
+            </a:ln>
+          </p:spPr>
+          <p:style>
+            <a:lnRef idx="2">
+              <a:schemeClr val="accent1">
+                <a:shade val="50000"/>
+              </a:schemeClr>
+            </a:lnRef>
+            <a:fillRef idx="1">
+              <a:schemeClr val="accent1"/>
+            </a:fillRef>
+            <a:effectRef idx="0">
+              <a:schemeClr val="accent1"/>
+            </a:effectRef>
+            <a:fontRef idx="minor">
+              <a:schemeClr val="lt1"/>
+            </a:fontRef>
+          </p:style>
+          <p:txBody>
+            <a:bodyPr rtlCol="0" anchor="ctr"/>
+            <a:lstStyle/>
+            <a:p>
+              <a:pPr algn="ctr"/>
+              <a:r>
+                <a:rPr lang="en-DE" dirty="0">
+                  <a:solidFill>
+                    <a:schemeClr val="tx1"/>
+                  </a:solidFill>
+                </a:rPr>
+                <a:t>89ca9</a:t>
+              </a:r>
+              <a:endParaRPr lang="en-US" dirty="0">
+                <a:solidFill>
+                  <a:schemeClr val="tx1"/>
+                </a:solidFill>
+              </a:endParaRPr>
+            </a:p>
+          </p:txBody>
+        </p:sp>
+        <p:sp>
+          <p:nvSpPr>
+            <p:cNvPr id="4" name="Rectangle 3">
+              <a:extLst>
+                <a:ext uri="{FF2B5EF4-FFF2-40B4-BE49-F238E27FC236}">
+                  <a16:creationId xmlns:a16="http://schemas.microsoft.com/office/drawing/2014/main" id="{838011AC-FA61-497D-A02D-AA5C0D71E26F}"/>
+                </a:ext>
+              </a:extLst>
+            </p:cNvPr>
+            <p:cNvSpPr/>
+            <p:nvPr/>
+          </p:nvSpPr>
+          <p:spPr>
+            <a:xfrm>
+              <a:off x="4979478" y="2889174"/>
+              <a:ext cx="1498294" cy="539826"/>
+            </a:xfrm>
+            <a:prstGeom prst="rect">
+              <a:avLst/>
+            </a:prstGeom>
+            <a:noFill/>
+            <a:ln w="28575">
+              <a:solidFill>
+                <a:schemeClr val="bg1">
+                  <a:lumMod val="85000"/>
+                </a:schemeClr>
+              </a:solidFill>
+            </a:ln>
+          </p:spPr>
+          <p:style>
+            <a:lnRef idx="2">
+              <a:schemeClr val="accent1">
+                <a:shade val="50000"/>
+              </a:schemeClr>
+            </a:lnRef>
+            <a:fillRef idx="1">
+              <a:schemeClr val="accent1"/>
+            </a:fillRef>
+            <a:effectRef idx="0">
+              <a:schemeClr val="accent1"/>
+            </a:effectRef>
+            <a:fontRef idx="minor">
+              <a:schemeClr val="lt1"/>
+            </a:fontRef>
+          </p:style>
+          <p:txBody>
+            <a:bodyPr rtlCol="0" anchor="ctr"/>
+            <a:lstStyle/>
+            <a:p>
+              <a:pPr algn="ctr"/>
+              <a:r>
+                <a:rPr lang="en-DE" dirty="0">
+                  <a:solidFill>
+                    <a:schemeClr val="tx1"/>
+                  </a:solidFill>
+                </a:rPr>
+                <a:t>7b4sa</a:t>
+              </a:r>
+              <a:endParaRPr lang="en-US" dirty="0">
+                <a:solidFill>
+                  <a:schemeClr val="tx1"/>
+                </a:solidFill>
+              </a:endParaRPr>
+            </a:p>
+          </p:txBody>
+        </p:sp>
+        <p:sp>
+          <p:nvSpPr>
+            <p:cNvPr id="5" name="Rectangle 4">
+              <a:extLst>
+                <a:ext uri="{FF2B5EF4-FFF2-40B4-BE49-F238E27FC236}">
+                  <a16:creationId xmlns:a16="http://schemas.microsoft.com/office/drawing/2014/main" id="{0EF11FF9-FE19-4C52-97C1-B42D5CD3B8E9}"/>
+                </a:ext>
+              </a:extLst>
+            </p:cNvPr>
+            <p:cNvSpPr/>
+            <p:nvPr/>
+          </p:nvSpPr>
+          <p:spPr>
+            <a:xfrm>
+              <a:off x="6757554" y="2889174"/>
+              <a:ext cx="1498294" cy="539826"/>
+            </a:xfrm>
+            <a:prstGeom prst="rect">
+              <a:avLst/>
+            </a:prstGeom>
+            <a:noFill/>
+            <a:ln w="28575">
+              <a:solidFill>
+                <a:schemeClr val="bg1">
+                  <a:lumMod val="85000"/>
+                </a:schemeClr>
+              </a:solidFill>
+            </a:ln>
+          </p:spPr>
+          <p:style>
+            <a:lnRef idx="2">
+              <a:schemeClr val="accent1">
+                <a:shade val="50000"/>
+              </a:schemeClr>
+            </a:lnRef>
+            <a:fillRef idx="1">
+              <a:schemeClr val="accent1"/>
+            </a:fillRef>
+            <a:effectRef idx="0">
+              <a:schemeClr val="accent1"/>
+            </a:effectRef>
+            <a:fontRef idx="minor">
+              <a:schemeClr val="lt1"/>
+            </a:fontRef>
+          </p:style>
+          <p:txBody>
+            <a:bodyPr rtlCol="0" anchor="ctr"/>
+            <a:lstStyle/>
+            <a:p>
+              <a:pPr algn="ctr"/>
+              <a:r>
+                <a:rPr lang="en-DE" dirty="0">
+                  <a:solidFill>
+                    <a:schemeClr val="tx1"/>
+                  </a:solidFill>
+                </a:rPr>
+                <a:t>f3d83</a:t>
+              </a:r>
+              <a:endParaRPr lang="en-US" dirty="0">
+                <a:solidFill>
+                  <a:schemeClr val="tx1"/>
+                </a:solidFill>
+              </a:endParaRPr>
+            </a:p>
+          </p:txBody>
+        </p:sp>
+        <p:sp>
+          <p:nvSpPr>
+            <p:cNvPr id="6" name="Rectangle 5">
+              <a:extLst>
+                <a:ext uri="{FF2B5EF4-FFF2-40B4-BE49-F238E27FC236}">
+                  <a16:creationId xmlns:a16="http://schemas.microsoft.com/office/drawing/2014/main" id="{680581C4-F22E-47A3-B7C2-508F52496603}"/>
+                </a:ext>
+              </a:extLst>
+            </p:cNvPr>
+            <p:cNvSpPr/>
+            <p:nvPr/>
+          </p:nvSpPr>
+          <p:spPr>
+            <a:xfrm>
+              <a:off x="3201402" y="3642142"/>
+              <a:ext cx="1498294" cy="539826"/>
+            </a:xfrm>
+            <a:prstGeom prst="rect">
+              <a:avLst/>
+            </a:prstGeom>
+            <a:solidFill>
+              <a:schemeClr val="accent1">
+                <a:lumMod val="60000"/>
+                <a:lumOff val="40000"/>
+              </a:schemeClr>
+            </a:solidFill>
+            <a:ln>
+              <a:noFill/>
+            </a:ln>
+          </p:spPr>
+          <p:style>
+            <a:lnRef idx="2">
+              <a:schemeClr val="accent1">
+                <a:shade val="50000"/>
+              </a:schemeClr>
+            </a:lnRef>
+            <a:fillRef idx="1">
+              <a:schemeClr val="accent1"/>
+            </a:fillRef>
+            <a:effectRef idx="0">
+              <a:schemeClr val="accent1"/>
+            </a:effectRef>
+            <a:fontRef idx="minor">
+              <a:schemeClr val="lt1"/>
+            </a:fontRef>
+          </p:style>
+          <p:txBody>
+            <a:bodyPr rtlCol="0" anchor="ctr"/>
+            <a:lstStyle/>
+            <a:p>
+              <a:pPr algn="ctr"/>
+              <a:r>
+                <a:rPr lang="en-DE" dirty="0">
+                  <a:solidFill>
+                    <a:schemeClr val="tx1"/>
+                  </a:solidFill>
+                </a:rPr>
+                <a:t>Snapshot A</a:t>
+              </a:r>
+              <a:endParaRPr lang="en-US" dirty="0">
+                <a:solidFill>
+                  <a:schemeClr val="tx1"/>
+                </a:solidFill>
+              </a:endParaRPr>
+            </a:p>
+          </p:txBody>
+        </p:sp>
+        <p:sp>
+          <p:nvSpPr>
+            <p:cNvPr id="7" name="Rectangle 6">
+              <a:extLst>
+                <a:ext uri="{FF2B5EF4-FFF2-40B4-BE49-F238E27FC236}">
+                  <a16:creationId xmlns:a16="http://schemas.microsoft.com/office/drawing/2014/main" id="{BE236F5D-F1BB-46B0-9F51-B5634C5F0B8A}"/>
+                </a:ext>
+              </a:extLst>
+            </p:cNvPr>
+            <p:cNvSpPr/>
+            <p:nvPr/>
+          </p:nvSpPr>
+          <p:spPr>
+            <a:xfrm>
+              <a:off x="4979478" y="3642142"/>
+              <a:ext cx="1498294" cy="539826"/>
+            </a:xfrm>
+            <a:prstGeom prst="rect">
+              <a:avLst/>
+            </a:prstGeom>
+            <a:solidFill>
+              <a:schemeClr val="accent1">
+                <a:lumMod val="60000"/>
+                <a:lumOff val="40000"/>
+              </a:schemeClr>
+            </a:solidFill>
+            <a:ln>
+              <a:noFill/>
+            </a:ln>
+          </p:spPr>
+          <p:style>
+            <a:lnRef idx="2">
+              <a:schemeClr val="accent1">
+                <a:shade val="50000"/>
+              </a:schemeClr>
+            </a:lnRef>
+            <a:fillRef idx="1">
+              <a:schemeClr val="accent1"/>
+            </a:fillRef>
+            <a:effectRef idx="0">
+              <a:schemeClr val="accent1"/>
+            </a:effectRef>
+            <a:fontRef idx="minor">
+              <a:schemeClr val="lt1"/>
+            </a:fontRef>
+          </p:style>
+          <p:txBody>
+            <a:bodyPr rtlCol="0" anchor="ctr"/>
+            <a:lstStyle/>
+            <a:p>
+              <a:pPr algn="ctr"/>
+              <a:r>
+                <a:rPr lang="en-DE" dirty="0">
+                  <a:solidFill>
+                    <a:schemeClr val="tx1"/>
+                  </a:solidFill>
+                </a:rPr>
+                <a:t>Snapshot B</a:t>
+              </a:r>
+              <a:endParaRPr lang="en-US" dirty="0">
+                <a:solidFill>
+                  <a:schemeClr val="tx1"/>
+                </a:solidFill>
+              </a:endParaRPr>
+            </a:p>
+          </p:txBody>
+        </p:sp>
+        <p:sp>
+          <p:nvSpPr>
+            <p:cNvPr id="8" name="Rectangle 7">
+              <a:extLst>
+                <a:ext uri="{FF2B5EF4-FFF2-40B4-BE49-F238E27FC236}">
+                  <a16:creationId xmlns:a16="http://schemas.microsoft.com/office/drawing/2014/main" id="{9EFFDE2F-DF79-4316-B892-A9D347DA53D6}"/>
+                </a:ext>
+              </a:extLst>
+            </p:cNvPr>
+            <p:cNvSpPr/>
+            <p:nvPr/>
+          </p:nvSpPr>
+          <p:spPr>
+            <a:xfrm>
+              <a:off x="6757554" y="3642142"/>
+              <a:ext cx="1498294" cy="539826"/>
+            </a:xfrm>
+            <a:prstGeom prst="rect">
+              <a:avLst/>
+            </a:prstGeom>
+            <a:solidFill>
+              <a:schemeClr val="accent1">
+                <a:lumMod val="60000"/>
+                <a:lumOff val="40000"/>
+              </a:schemeClr>
+            </a:solidFill>
+            <a:ln>
+              <a:noFill/>
+            </a:ln>
+          </p:spPr>
+          <p:style>
+            <a:lnRef idx="2">
+              <a:schemeClr val="accent1">
+                <a:shade val="50000"/>
+              </a:schemeClr>
+            </a:lnRef>
+            <a:fillRef idx="1">
+              <a:schemeClr val="accent1"/>
+            </a:fillRef>
+            <a:effectRef idx="0">
+              <a:schemeClr val="accent1"/>
+            </a:effectRef>
+            <a:fontRef idx="minor">
+              <a:schemeClr val="lt1"/>
+            </a:fontRef>
+          </p:style>
+          <p:txBody>
+            <a:bodyPr rtlCol="0" anchor="ctr"/>
+            <a:lstStyle/>
+            <a:p>
+              <a:pPr algn="ctr"/>
+              <a:r>
+                <a:rPr lang="en-DE" dirty="0">
+                  <a:solidFill>
+                    <a:schemeClr val="tx1"/>
+                  </a:solidFill>
+                </a:rPr>
+                <a:t>Snapshot C</a:t>
+              </a:r>
+              <a:endParaRPr lang="en-US" dirty="0">
+                <a:solidFill>
+                  <a:schemeClr val="tx1"/>
+                </a:solidFill>
+              </a:endParaRPr>
+            </a:p>
+          </p:txBody>
+        </p:sp>
+        <p:cxnSp>
+          <p:nvCxnSpPr>
+            <p:cNvPr id="9" name="Straight Arrow Connector 8">
+              <a:extLst>
+                <a:ext uri="{FF2B5EF4-FFF2-40B4-BE49-F238E27FC236}">
+                  <a16:creationId xmlns:a16="http://schemas.microsoft.com/office/drawing/2014/main" id="{4977B653-11B4-4486-B7B6-671AF35588DF}"/>
+                </a:ext>
+              </a:extLst>
+            </p:cNvPr>
+            <p:cNvCxnSpPr>
+              <a:cxnSpLocks/>
+              <a:stCxn id="4" idx="2"/>
+              <a:endCxn id="7" idx="0"/>
+            </p:cNvCxnSpPr>
+            <p:nvPr/>
+          </p:nvCxnSpPr>
+          <p:spPr>
+            <a:xfrm>
+              <a:off x="5728625" y="3429000"/>
+              <a:ext cx="0" cy="213142"/>
+            </a:xfrm>
+            <a:prstGeom prst="straightConnector1">
+              <a:avLst/>
+            </a:prstGeom>
+            <a:ln w="28575">
+              <a:solidFill>
+                <a:schemeClr val="bg1">
+                  <a:lumMod val="50000"/>
+                </a:schemeClr>
+              </a:solidFill>
+              <a:tailEnd type="triangle"/>
+            </a:ln>
+          </p:spPr>
+          <p:style>
+            <a:lnRef idx="1">
+              <a:schemeClr val="accent1"/>
+            </a:lnRef>
+            <a:fillRef idx="0">
+              <a:schemeClr val="accent1"/>
+            </a:fillRef>
+            <a:effectRef idx="0">
+              <a:schemeClr val="accent1"/>
+            </a:effectRef>
+            <a:fontRef idx="minor">
+              <a:schemeClr val="tx1"/>
+            </a:fontRef>
+          </p:style>
+        </p:cxnSp>
+        <p:cxnSp>
+          <p:nvCxnSpPr>
+            <p:cNvPr id="10" name="Straight Arrow Connector 9">
+              <a:extLst>
+                <a:ext uri="{FF2B5EF4-FFF2-40B4-BE49-F238E27FC236}">
+                  <a16:creationId xmlns:a16="http://schemas.microsoft.com/office/drawing/2014/main" id="{BFFD753A-FBDB-48D7-9071-D3A812108A91}"/>
+                </a:ext>
+              </a:extLst>
+            </p:cNvPr>
+            <p:cNvCxnSpPr>
+              <a:cxnSpLocks/>
+            </p:cNvCxnSpPr>
+            <p:nvPr/>
+          </p:nvCxnSpPr>
+          <p:spPr>
+            <a:xfrm>
+              <a:off x="7522645" y="3429000"/>
+              <a:ext cx="0" cy="213142"/>
+            </a:xfrm>
+            <a:prstGeom prst="straightConnector1">
+              <a:avLst/>
+            </a:prstGeom>
+            <a:ln w="28575">
+              <a:solidFill>
+                <a:schemeClr val="bg1">
+                  <a:lumMod val="50000"/>
+                </a:schemeClr>
+              </a:solidFill>
+              <a:tailEnd type="triangle"/>
+            </a:ln>
+          </p:spPr>
+          <p:style>
+            <a:lnRef idx="1">
+              <a:schemeClr val="accent1"/>
+            </a:lnRef>
+            <a:fillRef idx="0">
+              <a:schemeClr val="accent1"/>
+            </a:fillRef>
+            <a:effectRef idx="0">
+              <a:schemeClr val="accent1"/>
+            </a:effectRef>
+            <a:fontRef idx="minor">
+              <a:schemeClr val="tx1"/>
+            </a:fontRef>
+          </p:style>
+        </p:cxnSp>
+        <p:cxnSp>
+          <p:nvCxnSpPr>
+            <p:cNvPr id="11" name="Straight Arrow Connector 10">
+              <a:extLst>
+                <a:ext uri="{FF2B5EF4-FFF2-40B4-BE49-F238E27FC236}">
+                  <a16:creationId xmlns:a16="http://schemas.microsoft.com/office/drawing/2014/main" id="{45879AF2-535A-43D4-B457-08EB23C8018B}"/>
+                </a:ext>
+              </a:extLst>
+            </p:cNvPr>
+            <p:cNvCxnSpPr>
+              <a:cxnSpLocks/>
+            </p:cNvCxnSpPr>
+            <p:nvPr/>
+          </p:nvCxnSpPr>
+          <p:spPr>
+            <a:xfrm>
+              <a:off x="3917432" y="3429000"/>
+              <a:ext cx="0" cy="213142"/>
+            </a:xfrm>
+            <a:prstGeom prst="straightConnector1">
+              <a:avLst/>
+            </a:prstGeom>
+            <a:ln w="28575">
+              <a:solidFill>
+                <a:schemeClr val="bg1">
+                  <a:lumMod val="50000"/>
+                </a:schemeClr>
+              </a:solidFill>
+              <a:tailEnd type="triangle"/>
+            </a:ln>
+          </p:spPr>
+          <p:style>
+            <a:lnRef idx="1">
+              <a:schemeClr val="accent1"/>
+            </a:lnRef>
+            <a:fillRef idx="0">
+              <a:schemeClr val="accent1"/>
+            </a:fillRef>
+            <a:effectRef idx="0">
+              <a:schemeClr val="accent1"/>
+            </a:effectRef>
+            <a:fontRef idx="minor">
+              <a:schemeClr val="tx1"/>
+            </a:fontRef>
+          </p:style>
+        </p:cxnSp>
+        <p:cxnSp>
+          <p:nvCxnSpPr>
+            <p:cNvPr id="12" name="Straight Arrow Connector 11">
+              <a:extLst>
+                <a:ext uri="{FF2B5EF4-FFF2-40B4-BE49-F238E27FC236}">
+                  <a16:creationId xmlns:a16="http://schemas.microsoft.com/office/drawing/2014/main" id="{441030A5-D9B5-44DC-9F34-6BDAAA5B9D18}"/>
+                </a:ext>
+              </a:extLst>
+            </p:cNvPr>
+            <p:cNvCxnSpPr>
+              <a:cxnSpLocks/>
+              <a:stCxn id="5" idx="1"/>
+              <a:endCxn id="4" idx="3"/>
+            </p:cNvCxnSpPr>
+            <p:nvPr/>
+          </p:nvCxnSpPr>
+          <p:spPr>
+            <a:xfrm flipH="1">
+              <a:off x="6477772" y="3159087"/>
+              <a:ext cx="279782" cy="0"/>
+            </a:xfrm>
+            <a:prstGeom prst="straightConnector1">
+              <a:avLst/>
+            </a:prstGeom>
+            <a:ln w="28575">
+              <a:solidFill>
+                <a:schemeClr val="bg1">
+                  <a:lumMod val="50000"/>
+                </a:schemeClr>
+              </a:solidFill>
+              <a:tailEnd type="triangle"/>
+            </a:ln>
+          </p:spPr>
+          <p:style>
+            <a:lnRef idx="1">
+              <a:schemeClr val="accent1"/>
+            </a:lnRef>
+            <a:fillRef idx="0">
+              <a:schemeClr val="accent1"/>
+            </a:fillRef>
+            <a:effectRef idx="0">
+              <a:schemeClr val="accent1"/>
+            </a:effectRef>
+            <a:fontRef idx="minor">
+              <a:schemeClr val="tx1"/>
+            </a:fontRef>
+          </p:style>
+        </p:cxnSp>
+        <p:cxnSp>
+          <p:nvCxnSpPr>
+            <p:cNvPr id="13" name="Straight Arrow Connector 12">
+              <a:extLst>
+                <a:ext uri="{FF2B5EF4-FFF2-40B4-BE49-F238E27FC236}">
+                  <a16:creationId xmlns:a16="http://schemas.microsoft.com/office/drawing/2014/main" id="{98DE139E-9EC9-4E68-AAE4-639A86FD6BD8}"/>
+                </a:ext>
+              </a:extLst>
+            </p:cNvPr>
+            <p:cNvCxnSpPr>
+              <a:cxnSpLocks/>
+            </p:cNvCxnSpPr>
+            <p:nvPr/>
+          </p:nvCxnSpPr>
+          <p:spPr>
+            <a:xfrm flipH="1">
+              <a:off x="4699696" y="3159087"/>
+              <a:ext cx="279782" cy="0"/>
+            </a:xfrm>
+            <a:prstGeom prst="straightConnector1">
+              <a:avLst/>
+            </a:prstGeom>
+            <a:ln w="28575">
+              <a:solidFill>
+                <a:schemeClr val="bg1">
+                  <a:lumMod val="50000"/>
+                </a:schemeClr>
+              </a:solidFill>
+              <a:tailEnd type="triangle"/>
+            </a:ln>
+          </p:spPr>
+          <p:style>
+            <a:lnRef idx="1">
+              <a:schemeClr val="accent1"/>
+            </a:lnRef>
+            <a:fillRef idx="0">
+              <a:schemeClr val="accent1"/>
+            </a:fillRef>
+            <a:effectRef idx="0">
+              <a:schemeClr val="accent1"/>
+            </a:effectRef>
+            <a:fontRef idx="minor">
+              <a:schemeClr val="tx1"/>
+            </a:fontRef>
+          </p:style>
+        </p:cxnSp>
+        <p:sp>
+          <p:nvSpPr>
+            <p:cNvPr id="14" name="Oval 13">
+              <a:extLst>
+                <a:ext uri="{FF2B5EF4-FFF2-40B4-BE49-F238E27FC236}">
+                  <a16:creationId xmlns:a16="http://schemas.microsoft.com/office/drawing/2014/main" id="{2AF51638-E76A-424C-A75F-D39C854F03ED}"/>
                 </a:ext>
               </a:extLst>
             </p:cNvPr>
@@ -8949,8 +9641,8 @@
             <a:p>
               <a:pPr algn="ctr"/>
               <a:r>
-                <a:rPr lang="en-DE" dirty="0"/>
-                <a:t>master</a:t>
+                <a:rPr lang="de-DE" dirty="0" err="1"/>
+                <a:t>main</a:t>
               </a:r>
               <a:endParaRPr lang="en-US" dirty="0"/>
             </a:p>
@@ -8958,10 +9650,10 @@
         </p:sp>
         <p:sp>
           <p:nvSpPr>
-            <p:cNvPr id="14" name="Oval 13">
+            <p:cNvPr id="15" name="Oval 14">
               <a:extLst>
                 <a:ext uri="{FF2B5EF4-FFF2-40B4-BE49-F238E27FC236}">
-                  <a16:creationId xmlns:a16="http://schemas.microsoft.com/office/drawing/2014/main" id="{25244AB2-CEAC-45AC-8549-E9F115E91D61}"/>
+                  <a16:creationId xmlns:a16="http://schemas.microsoft.com/office/drawing/2014/main" id="{C91FB4F7-901E-4BB5-BADE-02840014F8D3}"/>
                 </a:ext>
               </a:extLst>
             </p:cNvPr>
@@ -9008,10 +9700,10 @@
         </p:sp>
         <p:cxnSp>
           <p:nvCxnSpPr>
-            <p:cNvPr id="15" name="Straight Arrow Connector 14">
+            <p:cNvPr id="16" name="Straight Arrow Connector 15">
               <a:extLst>
                 <a:ext uri="{FF2B5EF4-FFF2-40B4-BE49-F238E27FC236}">
-                  <a16:creationId xmlns:a16="http://schemas.microsoft.com/office/drawing/2014/main" id="{973D57FC-3A2D-4892-9F66-F4D19AE8C979}"/>
+                  <a16:creationId xmlns:a16="http://schemas.microsoft.com/office/drawing/2014/main" id="{C90E6B76-BBF2-4E6C-A974-3B8C3D4F570C}"/>
                 </a:ext>
               </a:extLst>
             </p:cNvPr>
@@ -9054,10 +9746,10 @@
         </p:cxnSp>
         <p:cxnSp>
           <p:nvCxnSpPr>
-            <p:cNvPr id="16" name="Straight Arrow Connector 15">
+            <p:cNvPr id="17" name="Straight Arrow Connector 16">
               <a:extLst>
                 <a:ext uri="{FF2B5EF4-FFF2-40B4-BE49-F238E27FC236}">
-                  <a16:creationId xmlns:a16="http://schemas.microsoft.com/office/drawing/2014/main" id="{06E12D62-54D0-4721-AF9B-823EFEF64D5B}"/>
+                  <a16:creationId xmlns:a16="http://schemas.microsoft.com/office/drawing/2014/main" id="{E43B2F78-EF9C-43A3-9BFC-0E64725A548B}"/>
                 </a:ext>
               </a:extLst>
             </p:cNvPr>
@@ -9102,7 +9794,7 @@
     </p:spTree>
     <p:extLst>
       <p:ext uri="{BB962C8B-B14F-4D97-AF65-F5344CB8AC3E}">
-        <p14:creationId xmlns:p14="http://schemas.microsoft.com/office/powerpoint/2010/main" val="2703007825"/>
+        <p14:creationId xmlns:p14="http://schemas.microsoft.com/office/powerpoint/2010/main" val="3172336606"/>
       </p:ext>
     </p:extLst>
   </p:cSld>
@@ -9112,7 +9804,7 @@
 </p:sld>
 </file>
 
-<file path=ppt/slides/slide17.xml><?xml version="1.0" encoding="utf-8"?>
+<file path=ppt/slides/slide18.xml><?xml version="1.0" encoding="utf-8"?>
 <p:sld xmlns:a="http://schemas.openxmlformats.org/drawingml/2006/main" xmlns:r="http://schemas.openxmlformats.org/officeDocument/2006/relationships" xmlns:p="http://schemas.openxmlformats.org/presentationml/2006/main">
   <p:cSld>
     <p:spTree>
@@ -9496,8 +10188,8 @@
             <a:p>
               <a:pPr algn="ctr"/>
               <a:r>
-                <a:rPr lang="en-DE" dirty="0"/>
-                <a:t>master</a:t>
+                <a:rPr lang="de-DE" dirty="0" err="1"/>
+                <a:t>main</a:t>
               </a:r>
               <a:endParaRPr lang="en-US" dirty="0"/>
             </a:p>
@@ -10206,7 +10898,7 @@
                     <a:srgbClr val="00B050"/>
                   </a:solidFill>
                 </a:rPr>
-                <a:t>*master</a:t>
+                <a:t>*main</a:t>
               </a:r>
             </a:p>
             <a:p>
@@ -10365,7 +11057,7 @@
                     <a:schemeClr val="tx1"/>
                   </a:solidFill>
                 </a:rPr>
-                <a:t>master</a:t>
+                <a:t>main</a:t>
               </a:r>
             </a:p>
             <a:p>
@@ -10391,7 +11083,7 @@
 </p:sld>
 </file>
 
-<file path=ppt/slides/slide18.xml><?xml version="1.0" encoding="utf-8"?>
+<file path=ppt/slides/slide19.xml><?xml version="1.0" encoding="utf-8"?>
 <p:sld xmlns:a="http://schemas.openxmlformats.org/drawingml/2006/main" xmlns:r="http://schemas.openxmlformats.org/officeDocument/2006/relationships" xmlns:p="http://schemas.openxmlformats.org/presentationml/2006/main">
   <p:cSld>
     <p:spTree>
@@ -10775,8 +11467,8 @@
             <a:p>
               <a:pPr algn="ctr"/>
               <a:r>
-                <a:rPr lang="en-DE" dirty="0"/>
-                <a:t>master</a:t>
+                <a:rPr lang="de-DE" dirty="0" err="1"/>
+                <a:t>main</a:t>
               </a:r>
               <a:endParaRPr lang="en-US" dirty="0"/>
             </a:p>
@@ -11111,7 +11803,101 @@
 </p:sld>
 </file>
 
-<file path=ppt/slides/slide19.xml><?xml version="1.0" encoding="utf-8"?>
+<file path=ppt/slides/slide2.xml><?xml version="1.0" encoding="utf-8"?>
+<p:sld xmlns:a="http://schemas.openxmlformats.org/drawingml/2006/main" xmlns:r="http://schemas.openxmlformats.org/officeDocument/2006/relationships" xmlns:p="http://schemas.openxmlformats.org/presentationml/2006/main">
+  <p:cSld>
+    <p:spTree>
+      <p:nvGrpSpPr>
+        <p:cNvPr id="1" name=""/>
+        <p:cNvGrpSpPr/>
+        <p:nvPr/>
+      </p:nvGrpSpPr>
+      <p:grpSpPr>
+        <a:xfrm>
+          <a:off x="0" y="0"/>
+          <a:ext cx="0" cy="0"/>
+          <a:chOff x="0" y="0"/>
+          <a:chExt cx="0" cy="0"/>
+        </a:xfrm>
+      </p:grpSpPr>
+      <p:sp>
+        <p:nvSpPr>
+          <p:cNvPr id="2" name="Rectangle 1">
+            <a:extLst>
+              <a:ext uri="{FF2B5EF4-FFF2-40B4-BE49-F238E27FC236}">
+                <a16:creationId xmlns:a16="http://schemas.microsoft.com/office/drawing/2014/main" id="{F309741D-3AA0-43DB-863A-B75289B847E8}"/>
+              </a:ext>
+            </a:extLst>
+          </p:cNvPr>
+          <p:cNvSpPr/>
+          <p:nvPr/>
+        </p:nvSpPr>
+        <p:spPr>
+          <a:xfrm>
+            <a:off x="4983685" y="2110731"/>
+            <a:ext cx="1126836" cy="572654"/>
+          </a:xfrm>
+          <a:prstGeom prst="rect">
+            <a:avLst/>
+          </a:prstGeom>
+          <a:noFill/>
+          <a:ln w="38100">
+            <a:solidFill>
+              <a:schemeClr val="accent2"/>
+            </a:solidFill>
+          </a:ln>
+        </p:spPr>
+        <p:style>
+          <a:lnRef idx="2">
+            <a:schemeClr val="accent1">
+              <a:shade val="50000"/>
+            </a:schemeClr>
+          </a:lnRef>
+          <a:fillRef idx="1">
+            <a:schemeClr val="accent1"/>
+          </a:fillRef>
+          <a:effectRef idx="0">
+            <a:schemeClr val="accent1"/>
+          </a:effectRef>
+          <a:fontRef idx="minor">
+            <a:schemeClr val="lt1"/>
+          </a:fontRef>
+        </p:style>
+        <p:txBody>
+          <a:bodyPr rtlCol="0" anchor="ctr"/>
+          <a:lstStyle/>
+          <a:p>
+            <a:pPr algn="ctr"/>
+            <a:r>
+              <a:rPr lang="en-DE" sz="1600" dirty="0">
+                <a:solidFill>
+                  <a:schemeClr val="tx1"/>
+                </a:solidFill>
+              </a:rPr>
+              <a:t>Working directory</a:t>
+            </a:r>
+            <a:endParaRPr lang="en-US" sz="1600" dirty="0">
+              <a:solidFill>
+                <a:schemeClr val="tx1"/>
+              </a:solidFill>
+            </a:endParaRPr>
+          </a:p>
+        </p:txBody>
+      </p:sp>
+    </p:spTree>
+    <p:extLst>
+      <p:ext uri="{BB962C8B-B14F-4D97-AF65-F5344CB8AC3E}">
+        <p14:creationId xmlns:p14="http://schemas.microsoft.com/office/powerpoint/2010/main" val="2979581435"/>
+      </p:ext>
+    </p:extLst>
+  </p:cSld>
+  <p:clrMapOvr>
+    <a:masterClrMapping/>
+  </p:clrMapOvr>
+</p:sld>
+</file>
+
+<file path=ppt/slides/slide20.xml><?xml version="1.0" encoding="utf-8"?>
 <p:sld xmlns:a="http://schemas.openxmlformats.org/drawingml/2006/main" xmlns:r="http://schemas.openxmlformats.org/officeDocument/2006/relationships" xmlns:p="http://schemas.openxmlformats.org/presentationml/2006/main">
   <p:cSld>
     <p:spTree>
@@ -11142,10 +11928,10 @@
         </p:nvGrpSpPr>
         <p:grpSpPr>
           <a:xfrm>
-            <a:off x="1884887" y="2604286"/>
-            <a:ext cx="8045841" cy="2891952"/>
-            <a:chOff x="1884887" y="2604286"/>
-            <a:chExt cx="8045841" cy="2891952"/>
+            <a:off x="1884887" y="3229126"/>
+            <a:ext cx="8045841" cy="2267112"/>
+            <a:chOff x="1884887" y="3229126"/>
+            <a:chExt cx="8045841" cy="2267112"/>
           </a:xfrm>
         </p:grpSpPr>
         <p:grpSp>
@@ -11162,10 +11948,10 @@
           </p:nvGrpSpPr>
           <p:grpSpPr>
             <a:xfrm>
-              <a:off x="1884887" y="2604286"/>
-              <a:ext cx="7198153" cy="2709570"/>
-              <a:chOff x="1767656" y="-842298"/>
-              <a:chExt cx="7198153" cy="2709570"/>
+              <a:off x="1884887" y="3229126"/>
+              <a:ext cx="7198153" cy="2084730"/>
+              <a:chOff x="1767656" y="-217458"/>
+              <a:chExt cx="7198153" cy="2084730"/>
             </a:xfrm>
           </p:grpSpPr>
           <p:grpSp>
@@ -11536,7 +12322,7 @@
                       <a:schemeClr val="tx1"/>
                     </a:solidFill>
                   </a:rPr>
-                  <a:t>master</a:t>
+                  <a:t>main</a:t>
                 </a:r>
               </a:p>
               <a:p>
@@ -11578,7 +12364,7 @@
             </p:nvSpPr>
             <p:spPr>
               <a:xfrm>
-                <a:off x="5751400" y="-842298"/>
+                <a:off x="5751400" y="-217458"/>
                 <a:ext cx="1126836" cy="696789"/>
               </a:xfrm>
               <a:prstGeom prst="rect">
@@ -11652,7 +12438,7 @@
             </p:nvSpPr>
             <p:spPr>
               <a:xfrm>
-                <a:off x="6878236" y="-841374"/>
+                <a:off x="6878236" y="-216534"/>
                 <a:ext cx="1126836" cy="696789"/>
               </a:xfrm>
               <a:prstGeom prst="rect">
@@ -11703,7 +12489,7 @@
                       <a:schemeClr val="tx1"/>
                     </a:solidFill>
                   </a:rPr>
-                  <a:t>master</a:t>
+                  <a:t>main</a:t>
                 </a:r>
               </a:p>
               <a:p>
@@ -11789,7 +12575,7 @@
                     <a:schemeClr val="tx1"/>
                   </a:solidFill>
                 </a:rPr>
-                <a:t>origin/master</a:t>
+                <a:t>origin/main</a:t>
               </a:r>
             </a:p>
             <a:p>
@@ -11878,8 +12664,8 @@
           </p:nvCxnSpPr>
           <p:spPr>
             <a:xfrm>
-              <a:off x="7849004" y="3166870"/>
-              <a:ext cx="360276" cy="1598170"/>
+              <a:off x="7947660" y="3733800"/>
+              <a:ext cx="261620" cy="1031240"/>
             </a:xfrm>
             <a:prstGeom prst="straightConnector1">
               <a:avLst/>
@@ -12002,101 +12788,7 @@
 </p:sld>
 </file>
 
-<file path=ppt/slides/slide2.xml><?xml version="1.0" encoding="utf-8"?>
-<p:sld xmlns:a="http://schemas.openxmlformats.org/drawingml/2006/main" xmlns:r="http://schemas.openxmlformats.org/officeDocument/2006/relationships" xmlns:p="http://schemas.openxmlformats.org/presentationml/2006/main">
-  <p:cSld>
-    <p:spTree>
-      <p:nvGrpSpPr>
-        <p:cNvPr id="1" name=""/>
-        <p:cNvGrpSpPr/>
-        <p:nvPr/>
-      </p:nvGrpSpPr>
-      <p:grpSpPr>
-        <a:xfrm>
-          <a:off x="0" y="0"/>
-          <a:ext cx="0" cy="0"/>
-          <a:chOff x="0" y="0"/>
-          <a:chExt cx="0" cy="0"/>
-        </a:xfrm>
-      </p:grpSpPr>
-      <p:sp>
-        <p:nvSpPr>
-          <p:cNvPr id="2" name="Rectangle 1">
-            <a:extLst>
-              <a:ext uri="{FF2B5EF4-FFF2-40B4-BE49-F238E27FC236}">
-                <a16:creationId xmlns:a16="http://schemas.microsoft.com/office/drawing/2014/main" id="{F309741D-3AA0-43DB-863A-B75289B847E8}"/>
-              </a:ext>
-            </a:extLst>
-          </p:cNvPr>
-          <p:cNvSpPr/>
-          <p:nvPr/>
-        </p:nvSpPr>
-        <p:spPr>
-          <a:xfrm>
-            <a:off x="4983685" y="2110731"/>
-            <a:ext cx="1126836" cy="572654"/>
-          </a:xfrm>
-          <a:prstGeom prst="rect">
-            <a:avLst/>
-          </a:prstGeom>
-          <a:noFill/>
-          <a:ln w="38100">
-            <a:solidFill>
-              <a:schemeClr val="accent2"/>
-            </a:solidFill>
-          </a:ln>
-        </p:spPr>
-        <p:style>
-          <a:lnRef idx="2">
-            <a:schemeClr val="accent1">
-              <a:shade val="50000"/>
-            </a:schemeClr>
-          </a:lnRef>
-          <a:fillRef idx="1">
-            <a:schemeClr val="accent1"/>
-          </a:fillRef>
-          <a:effectRef idx="0">
-            <a:schemeClr val="accent1"/>
-          </a:effectRef>
-          <a:fontRef idx="minor">
-            <a:schemeClr val="lt1"/>
-          </a:fontRef>
-        </p:style>
-        <p:txBody>
-          <a:bodyPr rtlCol="0" anchor="ctr"/>
-          <a:lstStyle/>
-          <a:p>
-            <a:pPr algn="ctr"/>
-            <a:r>
-              <a:rPr lang="en-DE" sz="1600" dirty="0">
-                <a:solidFill>
-                  <a:schemeClr val="tx1"/>
-                </a:solidFill>
-              </a:rPr>
-              <a:t>Working directory</a:t>
-            </a:r>
-            <a:endParaRPr lang="en-US" sz="1600" dirty="0">
-              <a:solidFill>
-                <a:schemeClr val="tx1"/>
-              </a:solidFill>
-            </a:endParaRPr>
-          </a:p>
-        </p:txBody>
-      </p:sp>
-    </p:spTree>
-    <p:extLst>
-      <p:ext uri="{BB962C8B-B14F-4D97-AF65-F5344CB8AC3E}">
-        <p14:creationId xmlns:p14="http://schemas.microsoft.com/office/powerpoint/2010/main" val="2979581435"/>
-      </p:ext>
-    </p:extLst>
-  </p:cSld>
-  <p:clrMapOvr>
-    <a:masterClrMapping/>
-  </p:clrMapOvr>
-</p:sld>
-</file>
-
-<file path=ppt/slides/slide20.xml><?xml version="1.0" encoding="utf-8"?>
+<file path=ppt/slides/slide21.xml><?xml version="1.0" encoding="utf-8"?>
 <p:sld xmlns:a="http://schemas.openxmlformats.org/drawingml/2006/main" xmlns:r="http://schemas.openxmlformats.org/officeDocument/2006/relationships" xmlns:p="http://schemas.openxmlformats.org/presentationml/2006/main">
   <p:cSld>
     <p:spTree>
@@ -12481,7 +13173,11 @@
               <a:pPr algn="ctr"/>
               <a:r>
                 <a:rPr lang="en-DE" dirty="0"/>
-                <a:t>master</a:t>
+                <a:t>ma</a:t>
+              </a:r>
+              <a:r>
+                <a:rPr lang="de-DE" dirty="0"/>
+                <a:t>in</a:t>
               </a:r>
               <a:endParaRPr lang="en-US" dirty="0"/>
             </a:p>
@@ -13100,8 +13796,8 @@
             <a:p>
               <a:pPr algn="ctr"/>
               <a:r>
-                <a:rPr lang="en-DE" dirty="0"/>
-                <a:t>master</a:t>
+                <a:rPr lang="de-DE" dirty="0" err="1"/>
+                <a:t>main</a:t>
               </a:r>
               <a:endParaRPr lang="en-US" dirty="0"/>
             </a:p>
@@ -13456,7 +14152,1392 @@
 </p:sld>
 </file>
 
-<file path=ppt/slides/slide21.xml><?xml version="1.0" encoding="utf-8"?>
+<file path=ppt/slides/slide22.xml><?xml version="1.0" encoding="utf-8"?>
+<p:sld xmlns:a="http://schemas.openxmlformats.org/drawingml/2006/main" xmlns:r="http://schemas.openxmlformats.org/officeDocument/2006/relationships" xmlns:p="http://schemas.openxmlformats.org/presentationml/2006/main">
+  <p:cSld>
+    <p:spTree>
+      <p:nvGrpSpPr>
+        <p:cNvPr id="1" name=""/>
+        <p:cNvGrpSpPr/>
+        <p:nvPr/>
+      </p:nvGrpSpPr>
+      <p:grpSpPr>
+        <a:xfrm>
+          <a:off x="0" y="0"/>
+          <a:ext cx="0" cy="0"/>
+          <a:chOff x="0" y="0"/>
+          <a:chExt cx="0" cy="0"/>
+        </a:xfrm>
+      </p:grpSpPr>
+      <p:grpSp>
+        <p:nvGrpSpPr>
+          <p:cNvPr id="11" name="Group 10">
+            <a:extLst>
+              <a:ext uri="{FF2B5EF4-FFF2-40B4-BE49-F238E27FC236}">
+                <a16:creationId xmlns:a16="http://schemas.microsoft.com/office/drawing/2014/main" id="{79E6552F-E4C9-4975-9B74-64790C8DD13B}"/>
+              </a:ext>
+            </a:extLst>
+          </p:cNvPr>
+          <p:cNvGrpSpPr/>
+          <p:nvPr/>
+        </p:nvGrpSpPr>
+        <p:grpSpPr>
+          <a:xfrm>
+            <a:off x="2433135" y="1110418"/>
+            <a:ext cx="6935922" cy="1941504"/>
+            <a:chOff x="2433135" y="1110418"/>
+            <a:chExt cx="6935922" cy="1941504"/>
+          </a:xfrm>
+        </p:grpSpPr>
+        <p:sp>
+          <p:nvSpPr>
+            <p:cNvPr id="2" name="Rectangle 1">
+              <a:extLst>
+                <a:ext uri="{FF2B5EF4-FFF2-40B4-BE49-F238E27FC236}">
+                  <a16:creationId xmlns:a16="http://schemas.microsoft.com/office/drawing/2014/main" id="{42F925EE-A0FC-4A41-B966-D8AD2C5B8460}"/>
+                </a:ext>
+              </a:extLst>
+            </p:cNvPr>
+            <p:cNvSpPr/>
+            <p:nvPr/>
+          </p:nvSpPr>
+          <p:spPr>
+            <a:xfrm>
+              <a:off x="2433135" y="1803620"/>
+              <a:ext cx="1498294" cy="539826"/>
+            </a:xfrm>
+            <a:prstGeom prst="rect">
+              <a:avLst/>
+            </a:prstGeom>
+            <a:solidFill>
+              <a:schemeClr val="bg1">
+                <a:lumMod val="85000"/>
+              </a:schemeClr>
+            </a:solidFill>
+            <a:ln>
+              <a:solidFill>
+                <a:schemeClr val="bg1">
+                  <a:lumMod val="85000"/>
+                </a:schemeClr>
+              </a:solidFill>
+            </a:ln>
+          </p:spPr>
+          <p:style>
+            <a:lnRef idx="2">
+              <a:schemeClr val="accent1">
+                <a:shade val="50000"/>
+              </a:schemeClr>
+            </a:lnRef>
+            <a:fillRef idx="1">
+              <a:schemeClr val="accent1"/>
+            </a:fillRef>
+            <a:effectRef idx="0">
+              <a:schemeClr val="accent1"/>
+            </a:effectRef>
+            <a:fontRef idx="minor">
+              <a:schemeClr val="lt1"/>
+            </a:fontRef>
+          </p:style>
+          <p:txBody>
+            <a:bodyPr rtlCol="0" anchor="ctr"/>
+            <a:lstStyle/>
+            <a:p>
+              <a:pPr algn="ctr"/>
+              <a:r>
+                <a:rPr lang="en-DE" dirty="0">
+                  <a:solidFill>
+                    <a:schemeClr val="tx1"/>
+                  </a:solidFill>
+                </a:rPr>
+                <a:t>89ca9</a:t>
+              </a:r>
+              <a:endParaRPr lang="en-US" dirty="0">
+                <a:solidFill>
+                  <a:schemeClr val="tx1"/>
+                </a:solidFill>
+              </a:endParaRPr>
+            </a:p>
+          </p:txBody>
+        </p:sp>
+        <p:sp>
+          <p:nvSpPr>
+            <p:cNvPr id="3" name="Rectangle 2">
+              <a:extLst>
+                <a:ext uri="{FF2B5EF4-FFF2-40B4-BE49-F238E27FC236}">
+                  <a16:creationId xmlns:a16="http://schemas.microsoft.com/office/drawing/2014/main" id="{0DCB3DC5-881E-4B3E-A156-D3F7CD99BB81}"/>
+                </a:ext>
+              </a:extLst>
+            </p:cNvPr>
+            <p:cNvSpPr/>
+            <p:nvPr/>
+          </p:nvSpPr>
+          <p:spPr>
+            <a:xfrm>
+              <a:off x="4211211" y="1803620"/>
+              <a:ext cx="1498294" cy="539826"/>
+            </a:xfrm>
+            <a:prstGeom prst="rect">
+              <a:avLst/>
+            </a:prstGeom>
+            <a:solidFill>
+              <a:schemeClr val="bg1">
+                <a:lumMod val="85000"/>
+              </a:schemeClr>
+            </a:solidFill>
+            <a:ln>
+              <a:solidFill>
+                <a:schemeClr val="bg1">
+                  <a:lumMod val="85000"/>
+                </a:schemeClr>
+              </a:solidFill>
+            </a:ln>
+          </p:spPr>
+          <p:style>
+            <a:lnRef idx="2">
+              <a:schemeClr val="accent1">
+                <a:shade val="50000"/>
+              </a:schemeClr>
+            </a:lnRef>
+            <a:fillRef idx="1">
+              <a:schemeClr val="accent1"/>
+            </a:fillRef>
+            <a:effectRef idx="0">
+              <a:schemeClr val="accent1"/>
+            </a:effectRef>
+            <a:fontRef idx="minor">
+              <a:schemeClr val="lt1"/>
+            </a:fontRef>
+          </p:style>
+          <p:txBody>
+            <a:bodyPr rtlCol="0" anchor="ctr"/>
+            <a:lstStyle/>
+            <a:p>
+              <a:pPr algn="ctr"/>
+              <a:r>
+                <a:rPr lang="en-DE" dirty="0">
+                  <a:solidFill>
+                    <a:schemeClr val="tx1"/>
+                  </a:solidFill>
+                </a:rPr>
+                <a:t>7b4sa</a:t>
+              </a:r>
+              <a:endParaRPr lang="en-US" dirty="0">
+                <a:solidFill>
+                  <a:schemeClr val="tx1"/>
+                </a:solidFill>
+              </a:endParaRPr>
+            </a:p>
+          </p:txBody>
+        </p:sp>
+        <p:sp>
+          <p:nvSpPr>
+            <p:cNvPr id="4" name="Rectangle 3">
+              <a:extLst>
+                <a:ext uri="{FF2B5EF4-FFF2-40B4-BE49-F238E27FC236}">
+                  <a16:creationId xmlns:a16="http://schemas.microsoft.com/office/drawing/2014/main" id="{3840A156-A594-435B-9D60-34D3B68A2FDA}"/>
+                </a:ext>
+              </a:extLst>
+            </p:cNvPr>
+            <p:cNvSpPr/>
+            <p:nvPr/>
+          </p:nvSpPr>
+          <p:spPr>
+            <a:xfrm>
+              <a:off x="5989287" y="1803620"/>
+              <a:ext cx="1498294" cy="539826"/>
+            </a:xfrm>
+            <a:prstGeom prst="rect">
+              <a:avLst/>
+            </a:prstGeom>
+            <a:solidFill>
+              <a:schemeClr val="bg1">
+                <a:lumMod val="85000"/>
+              </a:schemeClr>
+            </a:solidFill>
+            <a:ln>
+              <a:solidFill>
+                <a:schemeClr val="bg1">
+                  <a:lumMod val="85000"/>
+                </a:schemeClr>
+              </a:solidFill>
+            </a:ln>
+          </p:spPr>
+          <p:style>
+            <a:lnRef idx="2">
+              <a:schemeClr val="accent1">
+                <a:shade val="50000"/>
+              </a:schemeClr>
+            </a:lnRef>
+            <a:fillRef idx="1">
+              <a:schemeClr val="accent1"/>
+            </a:fillRef>
+            <a:effectRef idx="0">
+              <a:schemeClr val="accent1"/>
+            </a:effectRef>
+            <a:fontRef idx="minor">
+              <a:schemeClr val="lt1"/>
+            </a:fontRef>
+          </p:style>
+          <p:txBody>
+            <a:bodyPr rtlCol="0" anchor="ctr"/>
+            <a:lstStyle/>
+            <a:p>
+              <a:pPr algn="ctr"/>
+              <a:r>
+                <a:rPr lang="en-DE" dirty="0">
+                  <a:solidFill>
+                    <a:schemeClr val="tx1"/>
+                  </a:solidFill>
+                </a:rPr>
+                <a:t>f3d83</a:t>
+              </a:r>
+              <a:endParaRPr lang="en-US" dirty="0">
+                <a:solidFill>
+                  <a:schemeClr val="tx1"/>
+                </a:solidFill>
+              </a:endParaRPr>
+            </a:p>
+          </p:txBody>
+        </p:sp>
+        <p:cxnSp>
+          <p:nvCxnSpPr>
+            <p:cNvPr id="5" name="Straight Arrow Connector 4">
+              <a:extLst>
+                <a:ext uri="{FF2B5EF4-FFF2-40B4-BE49-F238E27FC236}">
+                  <a16:creationId xmlns:a16="http://schemas.microsoft.com/office/drawing/2014/main" id="{937C0383-5EFA-4FB9-98F7-7FD28F5101FE}"/>
+                </a:ext>
+              </a:extLst>
+            </p:cNvPr>
+            <p:cNvCxnSpPr>
+              <a:cxnSpLocks/>
+              <a:stCxn id="4" idx="1"/>
+              <a:endCxn id="3" idx="3"/>
+            </p:cNvCxnSpPr>
+            <p:nvPr/>
+          </p:nvCxnSpPr>
+          <p:spPr>
+            <a:xfrm flipH="1">
+              <a:off x="5709505" y="2073533"/>
+              <a:ext cx="279782" cy="0"/>
+            </a:xfrm>
+            <a:prstGeom prst="straightConnector1">
+              <a:avLst/>
+            </a:prstGeom>
+            <a:ln w="28575">
+              <a:solidFill>
+                <a:schemeClr val="bg1">
+                  <a:lumMod val="50000"/>
+                </a:schemeClr>
+              </a:solidFill>
+              <a:tailEnd type="triangle"/>
+            </a:ln>
+          </p:spPr>
+          <p:style>
+            <a:lnRef idx="1">
+              <a:schemeClr val="accent1"/>
+            </a:lnRef>
+            <a:fillRef idx="0">
+              <a:schemeClr val="accent1"/>
+            </a:fillRef>
+            <a:effectRef idx="0">
+              <a:schemeClr val="accent1"/>
+            </a:effectRef>
+            <a:fontRef idx="minor">
+              <a:schemeClr val="tx1"/>
+            </a:fontRef>
+          </p:style>
+        </p:cxnSp>
+        <p:cxnSp>
+          <p:nvCxnSpPr>
+            <p:cNvPr id="6" name="Straight Arrow Connector 5">
+              <a:extLst>
+                <a:ext uri="{FF2B5EF4-FFF2-40B4-BE49-F238E27FC236}">
+                  <a16:creationId xmlns:a16="http://schemas.microsoft.com/office/drawing/2014/main" id="{4C8A0901-5D87-44B5-8828-1488EE386197}"/>
+                </a:ext>
+              </a:extLst>
+            </p:cNvPr>
+            <p:cNvCxnSpPr>
+              <a:cxnSpLocks/>
+            </p:cNvCxnSpPr>
+            <p:nvPr/>
+          </p:nvCxnSpPr>
+          <p:spPr>
+            <a:xfrm flipH="1">
+              <a:off x="3931429" y="2073533"/>
+              <a:ext cx="279782" cy="0"/>
+            </a:xfrm>
+            <a:prstGeom prst="straightConnector1">
+              <a:avLst/>
+            </a:prstGeom>
+            <a:ln w="28575">
+              <a:solidFill>
+                <a:schemeClr val="bg1">
+                  <a:lumMod val="50000"/>
+                </a:schemeClr>
+              </a:solidFill>
+              <a:tailEnd type="triangle"/>
+            </a:ln>
+          </p:spPr>
+          <p:style>
+            <a:lnRef idx="1">
+              <a:schemeClr val="accent1"/>
+            </a:lnRef>
+            <a:fillRef idx="0">
+              <a:schemeClr val="accent1"/>
+            </a:fillRef>
+            <a:effectRef idx="0">
+              <a:schemeClr val="accent1"/>
+            </a:effectRef>
+            <a:fontRef idx="minor">
+              <a:schemeClr val="tx1"/>
+            </a:fontRef>
+          </p:style>
+        </p:cxnSp>
+        <p:sp>
+          <p:nvSpPr>
+            <p:cNvPr id="7" name="Oval 6">
+              <a:extLst>
+                <a:ext uri="{FF2B5EF4-FFF2-40B4-BE49-F238E27FC236}">
+                  <a16:creationId xmlns:a16="http://schemas.microsoft.com/office/drawing/2014/main" id="{DF54AEF9-3386-4057-8364-8760E4BC82E6}"/>
+                </a:ext>
+              </a:extLst>
+            </p:cNvPr>
+            <p:cNvSpPr/>
+            <p:nvPr/>
+          </p:nvSpPr>
+          <p:spPr>
+            <a:xfrm>
+              <a:off x="6099513" y="1110418"/>
+              <a:ext cx="1241603" cy="480060"/>
+            </a:xfrm>
+            <a:prstGeom prst="ellipse">
+              <a:avLst/>
+            </a:prstGeom>
+          </p:spPr>
+          <p:style>
+            <a:lnRef idx="2">
+              <a:schemeClr val="accent2">
+                <a:shade val="50000"/>
+              </a:schemeClr>
+            </a:lnRef>
+            <a:fillRef idx="1">
+              <a:schemeClr val="accent2"/>
+            </a:fillRef>
+            <a:effectRef idx="0">
+              <a:schemeClr val="accent2"/>
+            </a:effectRef>
+            <a:fontRef idx="minor">
+              <a:schemeClr val="lt1"/>
+            </a:fontRef>
+          </p:style>
+          <p:txBody>
+            <a:bodyPr rtlCol="0" anchor="ctr"/>
+            <a:lstStyle/>
+            <a:p>
+              <a:pPr algn="ctr"/>
+              <a:r>
+                <a:rPr lang="en-DE" dirty="0"/>
+                <a:t>ma</a:t>
+              </a:r>
+              <a:r>
+                <a:rPr lang="de-DE" dirty="0"/>
+                <a:t>in</a:t>
+              </a:r>
+              <a:endParaRPr lang="en-US" dirty="0"/>
+            </a:p>
+          </p:txBody>
+        </p:sp>
+        <p:cxnSp>
+          <p:nvCxnSpPr>
+            <p:cNvPr id="8" name="Straight Arrow Connector 7">
+              <a:extLst>
+                <a:ext uri="{FF2B5EF4-FFF2-40B4-BE49-F238E27FC236}">
+                  <a16:creationId xmlns:a16="http://schemas.microsoft.com/office/drawing/2014/main" id="{AB32C403-D490-40C5-B4FC-A143ED5FB5CC}"/>
+                </a:ext>
+              </a:extLst>
+            </p:cNvPr>
+            <p:cNvCxnSpPr>
+              <a:cxnSpLocks/>
+            </p:cNvCxnSpPr>
+            <p:nvPr/>
+          </p:nvCxnSpPr>
+          <p:spPr>
+            <a:xfrm>
+              <a:off x="6734362" y="1590478"/>
+              <a:ext cx="0" cy="213142"/>
+            </a:xfrm>
+            <a:prstGeom prst="straightConnector1">
+              <a:avLst/>
+            </a:prstGeom>
+            <a:ln w="28575">
+              <a:solidFill>
+                <a:schemeClr val="bg1">
+                  <a:lumMod val="50000"/>
+                </a:schemeClr>
+              </a:solidFill>
+              <a:tailEnd type="triangle"/>
+            </a:ln>
+          </p:spPr>
+          <p:style>
+            <a:lnRef idx="1">
+              <a:schemeClr val="accent1"/>
+            </a:lnRef>
+            <a:fillRef idx="0">
+              <a:schemeClr val="accent1"/>
+            </a:fillRef>
+            <a:effectRef idx="0">
+              <a:schemeClr val="accent1"/>
+            </a:effectRef>
+            <a:fontRef idx="minor">
+              <a:schemeClr val="tx1"/>
+            </a:fontRef>
+          </p:style>
+        </p:cxnSp>
+        <p:sp>
+          <p:nvSpPr>
+            <p:cNvPr id="9" name="Oval 8">
+              <a:extLst>
+                <a:ext uri="{FF2B5EF4-FFF2-40B4-BE49-F238E27FC236}">
+                  <a16:creationId xmlns:a16="http://schemas.microsoft.com/office/drawing/2014/main" id="{35CCBD3A-CCBB-41CC-9EA6-CC289138B85A}"/>
+                </a:ext>
+              </a:extLst>
+            </p:cNvPr>
+            <p:cNvSpPr/>
+            <p:nvPr/>
+          </p:nvSpPr>
+          <p:spPr>
+            <a:xfrm>
+              <a:off x="8047375" y="2571862"/>
+              <a:ext cx="1241603" cy="480060"/>
+            </a:xfrm>
+            <a:prstGeom prst="ellipse">
+              <a:avLst/>
+            </a:prstGeom>
+            <a:solidFill>
+              <a:srgbClr val="7030A0"/>
+            </a:solidFill>
+            <a:ln>
+              <a:noFill/>
+            </a:ln>
+          </p:spPr>
+          <p:style>
+            <a:lnRef idx="2">
+              <a:schemeClr val="accent2">
+                <a:shade val="50000"/>
+              </a:schemeClr>
+            </a:lnRef>
+            <a:fillRef idx="1">
+              <a:schemeClr val="accent2"/>
+            </a:fillRef>
+            <a:effectRef idx="0">
+              <a:schemeClr val="accent2"/>
+            </a:effectRef>
+            <a:fontRef idx="minor">
+              <a:schemeClr val="lt1"/>
+            </a:fontRef>
+          </p:style>
+          <p:txBody>
+            <a:bodyPr rtlCol="0" anchor="ctr"/>
+            <a:lstStyle/>
+            <a:p>
+              <a:pPr algn="ctr"/>
+              <a:r>
+                <a:rPr lang="en-DE" sz="1400" dirty="0"/>
+                <a:t>change_alice</a:t>
+              </a:r>
+              <a:endParaRPr lang="en-US" sz="1400" dirty="0"/>
+            </a:p>
+          </p:txBody>
+        </p:sp>
+        <p:cxnSp>
+          <p:nvCxnSpPr>
+            <p:cNvPr id="10" name="Straight Arrow Connector 9">
+              <a:extLst>
+                <a:ext uri="{FF2B5EF4-FFF2-40B4-BE49-F238E27FC236}">
+                  <a16:creationId xmlns:a16="http://schemas.microsoft.com/office/drawing/2014/main" id="{38DE2C68-B98E-4F7E-9BBD-981734E9F7A1}"/>
+                </a:ext>
+              </a:extLst>
+            </p:cNvPr>
+            <p:cNvCxnSpPr>
+              <a:cxnSpLocks/>
+              <a:stCxn id="9" idx="0"/>
+            </p:cNvCxnSpPr>
+            <p:nvPr/>
+          </p:nvCxnSpPr>
+          <p:spPr>
+            <a:xfrm flipH="1" flipV="1">
+              <a:off x="8652233" y="2336491"/>
+              <a:ext cx="15944" cy="235371"/>
+            </a:xfrm>
+            <a:prstGeom prst="straightConnector1">
+              <a:avLst/>
+            </a:prstGeom>
+            <a:ln w="28575">
+              <a:solidFill>
+                <a:schemeClr val="bg1">
+                  <a:lumMod val="50000"/>
+                </a:schemeClr>
+              </a:solidFill>
+              <a:tailEnd type="triangle"/>
+            </a:ln>
+          </p:spPr>
+          <p:style>
+            <a:lnRef idx="1">
+              <a:schemeClr val="accent1"/>
+            </a:lnRef>
+            <a:fillRef idx="0">
+              <a:schemeClr val="accent1"/>
+            </a:fillRef>
+            <a:effectRef idx="0">
+              <a:schemeClr val="accent1"/>
+            </a:effectRef>
+            <a:fontRef idx="minor">
+              <a:schemeClr val="tx1"/>
+            </a:fontRef>
+          </p:style>
+        </p:cxnSp>
+        <p:sp>
+          <p:nvSpPr>
+            <p:cNvPr id="12" name="Rectangle 11">
+              <a:extLst>
+                <a:ext uri="{FF2B5EF4-FFF2-40B4-BE49-F238E27FC236}">
+                  <a16:creationId xmlns:a16="http://schemas.microsoft.com/office/drawing/2014/main" id="{E20575CF-CB3C-41B2-A6FA-6B5E7CA9622D}"/>
+                </a:ext>
+              </a:extLst>
+            </p:cNvPr>
+            <p:cNvSpPr/>
+            <p:nvPr/>
+          </p:nvSpPr>
+          <p:spPr>
+            <a:xfrm>
+              <a:off x="7870763" y="1803620"/>
+              <a:ext cx="1498294" cy="539826"/>
+            </a:xfrm>
+            <a:prstGeom prst="rect">
+              <a:avLst/>
+            </a:prstGeom>
+            <a:solidFill>
+              <a:schemeClr val="bg1">
+                <a:lumMod val="85000"/>
+              </a:schemeClr>
+            </a:solidFill>
+            <a:ln>
+              <a:solidFill>
+                <a:schemeClr val="bg1">
+                  <a:lumMod val="85000"/>
+                </a:schemeClr>
+              </a:solidFill>
+            </a:ln>
+          </p:spPr>
+          <p:style>
+            <a:lnRef idx="2">
+              <a:schemeClr val="accent1">
+                <a:shade val="50000"/>
+              </a:schemeClr>
+            </a:lnRef>
+            <a:fillRef idx="1">
+              <a:schemeClr val="accent1"/>
+            </a:fillRef>
+            <a:effectRef idx="0">
+              <a:schemeClr val="accent1"/>
+            </a:effectRef>
+            <a:fontRef idx="minor">
+              <a:schemeClr val="lt1"/>
+            </a:fontRef>
+          </p:style>
+          <p:txBody>
+            <a:bodyPr rtlCol="0" anchor="ctr"/>
+            <a:lstStyle/>
+            <a:p>
+              <a:pPr algn="ctr"/>
+              <a:r>
+                <a:rPr lang="en-DE" dirty="0">
+                  <a:solidFill>
+                    <a:schemeClr val="tx1"/>
+                  </a:solidFill>
+                </a:rPr>
+                <a:t>07d83</a:t>
+              </a:r>
+              <a:endParaRPr lang="en-US" dirty="0">
+                <a:solidFill>
+                  <a:schemeClr val="tx1"/>
+                </a:solidFill>
+              </a:endParaRPr>
+            </a:p>
+          </p:txBody>
+        </p:sp>
+        <p:cxnSp>
+          <p:nvCxnSpPr>
+            <p:cNvPr id="13" name="Straight Arrow Connector 12">
+              <a:extLst>
+                <a:ext uri="{FF2B5EF4-FFF2-40B4-BE49-F238E27FC236}">
+                  <a16:creationId xmlns:a16="http://schemas.microsoft.com/office/drawing/2014/main" id="{1166AE02-739C-47C1-817F-26011A790F36}"/>
+                </a:ext>
+              </a:extLst>
+            </p:cNvPr>
+            <p:cNvCxnSpPr>
+              <a:cxnSpLocks/>
+              <a:stCxn id="12" idx="1"/>
+            </p:cNvCxnSpPr>
+            <p:nvPr/>
+          </p:nvCxnSpPr>
+          <p:spPr>
+            <a:xfrm flipH="1" flipV="1">
+              <a:off x="7487581" y="2067912"/>
+              <a:ext cx="383182" cy="5621"/>
+            </a:xfrm>
+            <a:prstGeom prst="straightConnector1">
+              <a:avLst/>
+            </a:prstGeom>
+            <a:ln w="28575">
+              <a:solidFill>
+                <a:schemeClr val="bg1">
+                  <a:lumMod val="50000"/>
+                </a:schemeClr>
+              </a:solidFill>
+              <a:tailEnd type="triangle"/>
+            </a:ln>
+          </p:spPr>
+          <p:style>
+            <a:lnRef idx="1">
+              <a:schemeClr val="accent1"/>
+            </a:lnRef>
+            <a:fillRef idx="0">
+              <a:schemeClr val="accent1"/>
+            </a:fillRef>
+            <a:effectRef idx="0">
+              <a:schemeClr val="accent1"/>
+            </a:effectRef>
+            <a:fontRef idx="minor">
+              <a:schemeClr val="tx1"/>
+            </a:fontRef>
+          </p:style>
+        </p:cxnSp>
+      </p:grpSp>
+      <p:grpSp>
+        <p:nvGrpSpPr>
+          <p:cNvPr id="26" name="Group 25">
+            <a:extLst>
+              <a:ext uri="{FF2B5EF4-FFF2-40B4-BE49-F238E27FC236}">
+                <a16:creationId xmlns:a16="http://schemas.microsoft.com/office/drawing/2014/main" id="{40AC1E66-0950-4A48-B04B-806131759A52}"/>
+              </a:ext>
+            </a:extLst>
+          </p:cNvPr>
+          <p:cNvGrpSpPr/>
+          <p:nvPr/>
+        </p:nvGrpSpPr>
+        <p:grpSpPr>
+          <a:xfrm>
+            <a:off x="1130808" y="3330192"/>
+            <a:ext cx="9649270" cy="1940712"/>
+            <a:chOff x="1130808" y="3330192"/>
+            <a:chExt cx="9649270" cy="1940712"/>
+          </a:xfrm>
+        </p:grpSpPr>
+        <p:sp>
+          <p:nvSpPr>
+            <p:cNvPr id="14" name="Rectangle 13">
+              <a:extLst>
+                <a:ext uri="{FF2B5EF4-FFF2-40B4-BE49-F238E27FC236}">
+                  <a16:creationId xmlns:a16="http://schemas.microsoft.com/office/drawing/2014/main" id="{768F2985-E9F1-4CB4-B3CA-83E0A32AFC57}"/>
+                </a:ext>
+              </a:extLst>
+            </p:cNvPr>
+            <p:cNvSpPr/>
+            <p:nvPr/>
+          </p:nvSpPr>
+          <p:spPr>
+            <a:xfrm>
+              <a:off x="1130808" y="4022602"/>
+              <a:ext cx="1498294" cy="539826"/>
+            </a:xfrm>
+            <a:prstGeom prst="rect">
+              <a:avLst/>
+            </a:prstGeom>
+            <a:solidFill>
+              <a:schemeClr val="bg1">
+                <a:lumMod val="85000"/>
+              </a:schemeClr>
+            </a:solidFill>
+            <a:ln>
+              <a:solidFill>
+                <a:schemeClr val="bg1">
+                  <a:lumMod val="85000"/>
+                </a:schemeClr>
+              </a:solidFill>
+            </a:ln>
+          </p:spPr>
+          <p:style>
+            <a:lnRef idx="2">
+              <a:schemeClr val="accent1">
+                <a:shade val="50000"/>
+              </a:schemeClr>
+            </a:lnRef>
+            <a:fillRef idx="1">
+              <a:schemeClr val="accent1"/>
+            </a:fillRef>
+            <a:effectRef idx="0">
+              <a:schemeClr val="accent1"/>
+            </a:effectRef>
+            <a:fontRef idx="minor">
+              <a:schemeClr val="lt1"/>
+            </a:fontRef>
+          </p:style>
+          <p:txBody>
+            <a:bodyPr rtlCol="0" anchor="ctr"/>
+            <a:lstStyle/>
+            <a:p>
+              <a:pPr algn="ctr"/>
+              <a:r>
+                <a:rPr lang="en-DE" dirty="0">
+                  <a:solidFill>
+                    <a:schemeClr val="tx1"/>
+                  </a:solidFill>
+                </a:rPr>
+                <a:t>89ca9</a:t>
+              </a:r>
+              <a:endParaRPr lang="en-US" dirty="0">
+                <a:solidFill>
+                  <a:schemeClr val="tx1"/>
+                </a:solidFill>
+              </a:endParaRPr>
+            </a:p>
+          </p:txBody>
+        </p:sp>
+        <p:sp>
+          <p:nvSpPr>
+            <p:cNvPr id="15" name="Rectangle 14">
+              <a:extLst>
+                <a:ext uri="{FF2B5EF4-FFF2-40B4-BE49-F238E27FC236}">
+                  <a16:creationId xmlns:a16="http://schemas.microsoft.com/office/drawing/2014/main" id="{CD698A1D-E20F-4812-B3B7-12F937D48ACF}"/>
+                </a:ext>
+              </a:extLst>
+            </p:cNvPr>
+            <p:cNvSpPr/>
+            <p:nvPr/>
+          </p:nvSpPr>
+          <p:spPr>
+            <a:xfrm>
+              <a:off x="2908884" y="4022602"/>
+              <a:ext cx="1498294" cy="539826"/>
+            </a:xfrm>
+            <a:prstGeom prst="rect">
+              <a:avLst/>
+            </a:prstGeom>
+            <a:solidFill>
+              <a:schemeClr val="bg1">
+                <a:lumMod val="85000"/>
+              </a:schemeClr>
+            </a:solidFill>
+            <a:ln>
+              <a:solidFill>
+                <a:schemeClr val="bg1">
+                  <a:lumMod val="85000"/>
+                </a:schemeClr>
+              </a:solidFill>
+            </a:ln>
+          </p:spPr>
+          <p:style>
+            <a:lnRef idx="2">
+              <a:schemeClr val="accent1">
+                <a:shade val="50000"/>
+              </a:schemeClr>
+            </a:lnRef>
+            <a:fillRef idx="1">
+              <a:schemeClr val="accent1"/>
+            </a:fillRef>
+            <a:effectRef idx="0">
+              <a:schemeClr val="accent1"/>
+            </a:effectRef>
+            <a:fontRef idx="minor">
+              <a:schemeClr val="lt1"/>
+            </a:fontRef>
+          </p:style>
+          <p:txBody>
+            <a:bodyPr rtlCol="0" anchor="ctr"/>
+            <a:lstStyle/>
+            <a:p>
+              <a:pPr algn="ctr"/>
+              <a:r>
+                <a:rPr lang="en-DE" dirty="0">
+                  <a:solidFill>
+                    <a:schemeClr val="tx1"/>
+                  </a:solidFill>
+                </a:rPr>
+                <a:t>7b4sa</a:t>
+              </a:r>
+              <a:endParaRPr lang="en-US" dirty="0">
+                <a:solidFill>
+                  <a:schemeClr val="tx1"/>
+                </a:solidFill>
+              </a:endParaRPr>
+            </a:p>
+          </p:txBody>
+        </p:sp>
+        <p:sp>
+          <p:nvSpPr>
+            <p:cNvPr id="16" name="Rectangle 15">
+              <a:extLst>
+                <a:ext uri="{FF2B5EF4-FFF2-40B4-BE49-F238E27FC236}">
+                  <a16:creationId xmlns:a16="http://schemas.microsoft.com/office/drawing/2014/main" id="{69546A29-CB9A-416F-952D-DA6402A6A4F0}"/>
+                </a:ext>
+              </a:extLst>
+            </p:cNvPr>
+            <p:cNvSpPr/>
+            <p:nvPr/>
+          </p:nvSpPr>
+          <p:spPr>
+            <a:xfrm>
+              <a:off x="4686960" y="4022602"/>
+              <a:ext cx="1498294" cy="539826"/>
+            </a:xfrm>
+            <a:prstGeom prst="rect">
+              <a:avLst/>
+            </a:prstGeom>
+            <a:solidFill>
+              <a:schemeClr val="bg1">
+                <a:lumMod val="85000"/>
+              </a:schemeClr>
+            </a:solidFill>
+            <a:ln>
+              <a:solidFill>
+                <a:schemeClr val="bg1">
+                  <a:lumMod val="85000"/>
+                </a:schemeClr>
+              </a:solidFill>
+            </a:ln>
+          </p:spPr>
+          <p:style>
+            <a:lnRef idx="2">
+              <a:schemeClr val="accent1">
+                <a:shade val="50000"/>
+              </a:schemeClr>
+            </a:lnRef>
+            <a:fillRef idx="1">
+              <a:schemeClr val="accent1"/>
+            </a:fillRef>
+            <a:effectRef idx="0">
+              <a:schemeClr val="accent1"/>
+            </a:effectRef>
+            <a:fontRef idx="minor">
+              <a:schemeClr val="lt1"/>
+            </a:fontRef>
+          </p:style>
+          <p:txBody>
+            <a:bodyPr rtlCol="0" anchor="ctr"/>
+            <a:lstStyle/>
+            <a:p>
+              <a:pPr algn="ctr"/>
+              <a:r>
+                <a:rPr lang="en-DE" dirty="0">
+                  <a:solidFill>
+                    <a:schemeClr val="tx1"/>
+                  </a:solidFill>
+                </a:rPr>
+                <a:t>f3d83</a:t>
+              </a:r>
+              <a:endParaRPr lang="en-US" dirty="0">
+                <a:solidFill>
+                  <a:schemeClr val="tx1"/>
+                </a:solidFill>
+              </a:endParaRPr>
+            </a:p>
+          </p:txBody>
+        </p:sp>
+        <p:cxnSp>
+          <p:nvCxnSpPr>
+            <p:cNvPr id="17" name="Straight Arrow Connector 16">
+              <a:extLst>
+                <a:ext uri="{FF2B5EF4-FFF2-40B4-BE49-F238E27FC236}">
+                  <a16:creationId xmlns:a16="http://schemas.microsoft.com/office/drawing/2014/main" id="{9AFB029D-7D2C-4907-95E7-B1A3B3D7AF7C}"/>
+                </a:ext>
+              </a:extLst>
+            </p:cNvPr>
+            <p:cNvCxnSpPr>
+              <a:cxnSpLocks/>
+              <a:stCxn id="16" idx="1"/>
+              <a:endCxn id="15" idx="3"/>
+            </p:cNvCxnSpPr>
+            <p:nvPr/>
+          </p:nvCxnSpPr>
+          <p:spPr>
+            <a:xfrm flipH="1">
+              <a:off x="4407178" y="4292515"/>
+              <a:ext cx="279782" cy="0"/>
+            </a:xfrm>
+            <a:prstGeom prst="straightConnector1">
+              <a:avLst/>
+            </a:prstGeom>
+            <a:ln w="28575">
+              <a:solidFill>
+                <a:schemeClr val="bg1">
+                  <a:lumMod val="50000"/>
+                </a:schemeClr>
+              </a:solidFill>
+              <a:tailEnd type="triangle"/>
+            </a:ln>
+          </p:spPr>
+          <p:style>
+            <a:lnRef idx="1">
+              <a:schemeClr val="accent1"/>
+            </a:lnRef>
+            <a:fillRef idx="0">
+              <a:schemeClr val="accent1"/>
+            </a:fillRef>
+            <a:effectRef idx="0">
+              <a:schemeClr val="accent1"/>
+            </a:effectRef>
+            <a:fontRef idx="minor">
+              <a:schemeClr val="tx1"/>
+            </a:fontRef>
+          </p:style>
+        </p:cxnSp>
+        <p:cxnSp>
+          <p:nvCxnSpPr>
+            <p:cNvPr id="18" name="Straight Arrow Connector 17">
+              <a:extLst>
+                <a:ext uri="{FF2B5EF4-FFF2-40B4-BE49-F238E27FC236}">
+                  <a16:creationId xmlns:a16="http://schemas.microsoft.com/office/drawing/2014/main" id="{2F74BB37-599C-4F4E-A15B-90AA41396CA8}"/>
+                </a:ext>
+              </a:extLst>
+            </p:cNvPr>
+            <p:cNvCxnSpPr>
+              <a:cxnSpLocks/>
+            </p:cNvCxnSpPr>
+            <p:nvPr/>
+          </p:nvCxnSpPr>
+          <p:spPr>
+            <a:xfrm flipH="1">
+              <a:off x="2629102" y="4292515"/>
+              <a:ext cx="279782" cy="0"/>
+            </a:xfrm>
+            <a:prstGeom prst="straightConnector1">
+              <a:avLst/>
+            </a:prstGeom>
+            <a:ln w="28575">
+              <a:solidFill>
+                <a:schemeClr val="bg1">
+                  <a:lumMod val="50000"/>
+                </a:schemeClr>
+              </a:solidFill>
+              <a:tailEnd type="triangle"/>
+            </a:ln>
+          </p:spPr>
+          <p:style>
+            <a:lnRef idx="1">
+              <a:schemeClr val="accent1"/>
+            </a:lnRef>
+            <a:fillRef idx="0">
+              <a:schemeClr val="accent1"/>
+            </a:fillRef>
+            <a:effectRef idx="0">
+              <a:schemeClr val="accent1"/>
+            </a:effectRef>
+            <a:fontRef idx="minor">
+              <a:schemeClr val="tx1"/>
+            </a:fontRef>
+          </p:style>
+        </p:cxnSp>
+        <p:sp>
+          <p:nvSpPr>
+            <p:cNvPr id="19" name="Oval 18">
+              <a:extLst>
+                <a:ext uri="{FF2B5EF4-FFF2-40B4-BE49-F238E27FC236}">
+                  <a16:creationId xmlns:a16="http://schemas.microsoft.com/office/drawing/2014/main" id="{7CCDB6DD-3F33-4CD8-A43F-D4A3C9ABC2B2}"/>
+                </a:ext>
+              </a:extLst>
+            </p:cNvPr>
+            <p:cNvSpPr/>
+            <p:nvPr/>
+          </p:nvSpPr>
+          <p:spPr>
+            <a:xfrm>
+              <a:off x="6745048" y="3330192"/>
+              <a:ext cx="1241603" cy="480060"/>
+            </a:xfrm>
+            <a:prstGeom prst="ellipse">
+              <a:avLst/>
+            </a:prstGeom>
+          </p:spPr>
+          <p:style>
+            <a:lnRef idx="2">
+              <a:schemeClr val="accent2">
+                <a:shade val="50000"/>
+              </a:schemeClr>
+            </a:lnRef>
+            <a:fillRef idx="1">
+              <a:schemeClr val="accent2"/>
+            </a:fillRef>
+            <a:effectRef idx="0">
+              <a:schemeClr val="accent2"/>
+            </a:effectRef>
+            <a:fontRef idx="minor">
+              <a:schemeClr val="lt1"/>
+            </a:fontRef>
+          </p:style>
+          <p:txBody>
+            <a:bodyPr rtlCol="0" anchor="ctr"/>
+            <a:lstStyle/>
+            <a:p>
+              <a:pPr algn="ctr"/>
+              <a:r>
+                <a:rPr lang="de-DE" dirty="0" err="1"/>
+                <a:t>main</a:t>
+              </a:r>
+              <a:endParaRPr lang="en-US" dirty="0"/>
+            </a:p>
+          </p:txBody>
+        </p:sp>
+        <p:cxnSp>
+          <p:nvCxnSpPr>
+            <p:cNvPr id="20" name="Straight Arrow Connector 19">
+              <a:extLst>
+                <a:ext uri="{FF2B5EF4-FFF2-40B4-BE49-F238E27FC236}">
+                  <a16:creationId xmlns:a16="http://schemas.microsoft.com/office/drawing/2014/main" id="{9BA492C3-269B-4C7D-B2F0-FDEF8AFCDCA8}"/>
+                </a:ext>
+              </a:extLst>
+            </p:cNvPr>
+            <p:cNvCxnSpPr>
+              <a:cxnSpLocks/>
+            </p:cNvCxnSpPr>
+            <p:nvPr/>
+          </p:nvCxnSpPr>
+          <p:spPr>
+            <a:xfrm>
+              <a:off x="7379897" y="3810252"/>
+              <a:ext cx="0" cy="213142"/>
+            </a:xfrm>
+            <a:prstGeom prst="straightConnector1">
+              <a:avLst/>
+            </a:prstGeom>
+            <a:ln w="28575">
+              <a:solidFill>
+                <a:schemeClr val="bg1">
+                  <a:lumMod val="50000"/>
+                </a:schemeClr>
+              </a:solidFill>
+              <a:tailEnd type="triangle"/>
+            </a:ln>
+          </p:spPr>
+          <p:style>
+            <a:lnRef idx="1">
+              <a:schemeClr val="accent1"/>
+            </a:lnRef>
+            <a:fillRef idx="0">
+              <a:schemeClr val="accent1"/>
+            </a:fillRef>
+            <a:effectRef idx="0">
+              <a:schemeClr val="accent1"/>
+            </a:effectRef>
+            <a:fontRef idx="minor">
+              <a:schemeClr val="tx1"/>
+            </a:fontRef>
+          </p:style>
+        </p:cxnSp>
+        <p:sp>
+          <p:nvSpPr>
+            <p:cNvPr id="21" name="Oval 20">
+              <a:extLst>
+                <a:ext uri="{FF2B5EF4-FFF2-40B4-BE49-F238E27FC236}">
+                  <a16:creationId xmlns:a16="http://schemas.microsoft.com/office/drawing/2014/main" id="{333E1E17-547D-40C7-8D94-87E5F7BA5ADB}"/>
+                </a:ext>
+              </a:extLst>
+            </p:cNvPr>
+            <p:cNvSpPr/>
+            <p:nvPr/>
+          </p:nvSpPr>
+          <p:spPr>
+            <a:xfrm>
+              <a:off x="6745048" y="4790844"/>
+              <a:ext cx="1241603" cy="480060"/>
+            </a:xfrm>
+            <a:prstGeom prst="ellipse">
+              <a:avLst/>
+            </a:prstGeom>
+            <a:solidFill>
+              <a:srgbClr val="7030A0"/>
+            </a:solidFill>
+            <a:ln>
+              <a:noFill/>
+            </a:ln>
+          </p:spPr>
+          <p:style>
+            <a:lnRef idx="2">
+              <a:schemeClr val="accent2">
+                <a:shade val="50000"/>
+              </a:schemeClr>
+            </a:lnRef>
+            <a:fillRef idx="1">
+              <a:schemeClr val="accent2"/>
+            </a:fillRef>
+            <a:effectRef idx="0">
+              <a:schemeClr val="accent2"/>
+            </a:effectRef>
+            <a:fontRef idx="minor">
+              <a:schemeClr val="lt1"/>
+            </a:fontRef>
+          </p:style>
+          <p:txBody>
+            <a:bodyPr rtlCol="0" anchor="ctr"/>
+            <a:lstStyle/>
+            <a:p>
+              <a:pPr algn="ctr"/>
+              <a:r>
+                <a:rPr lang="en-DE" sz="1400" dirty="0"/>
+                <a:t>change_alice</a:t>
+              </a:r>
+              <a:endParaRPr lang="en-US" sz="1400" dirty="0"/>
+            </a:p>
+          </p:txBody>
+        </p:sp>
+        <p:cxnSp>
+          <p:nvCxnSpPr>
+            <p:cNvPr id="22" name="Straight Arrow Connector 21">
+              <a:extLst>
+                <a:ext uri="{FF2B5EF4-FFF2-40B4-BE49-F238E27FC236}">
+                  <a16:creationId xmlns:a16="http://schemas.microsoft.com/office/drawing/2014/main" id="{77FFE046-753A-4EB3-A602-0409972B7E1E}"/>
+                </a:ext>
+              </a:extLst>
+            </p:cNvPr>
+            <p:cNvCxnSpPr>
+              <a:cxnSpLocks/>
+              <a:stCxn id="21" idx="0"/>
+            </p:cNvCxnSpPr>
+            <p:nvPr/>
+          </p:nvCxnSpPr>
+          <p:spPr>
+            <a:xfrm flipH="1" flipV="1">
+              <a:off x="7349906" y="4555473"/>
+              <a:ext cx="15944" cy="235371"/>
+            </a:xfrm>
+            <a:prstGeom prst="straightConnector1">
+              <a:avLst/>
+            </a:prstGeom>
+            <a:ln w="28575">
+              <a:solidFill>
+                <a:schemeClr val="bg1">
+                  <a:lumMod val="50000"/>
+                </a:schemeClr>
+              </a:solidFill>
+              <a:tailEnd type="triangle"/>
+            </a:ln>
+          </p:spPr>
+          <p:style>
+            <a:lnRef idx="1">
+              <a:schemeClr val="accent1"/>
+            </a:lnRef>
+            <a:fillRef idx="0">
+              <a:schemeClr val="accent1"/>
+            </a:fillRef>
+            <a:effectRef idx="0">
+              <a:schemeClr val="accent1"/>
+            </a:effectRef>
+            <a:fontRef idx="minor">
+              <a:schemeClr val="tx1"/>
+            </a:fontRef>
+          </p:style>
+        </p:cxnSp>
+        <p:sp>
+          <p:nvSpPr>
+            <p:cNvPr id="23" name="Rectangle 22">
+              <a:extLst>
+                <a:ext uri="{FF2B5EF4-FFF2-40B4-BE49-F238E27FC236}">
+                  <a16:creationId xmlns:a16="http://schemas.microsoft.com/office/drawing/2014/main" id="{18D5DA7B-84C3-4434-A060-BC338E1130E9}"/>
+                </a:ext>
+              </a:extLst>
+            </p:cNvPr>
+            <p:cNvSpPr/>
+            <p:nvPr/>
+          </p:nvSpPr>
+          <p:spPr>
+            <a:xfrm>
+              <a:off x="6568436" y="4022602"/>
+              <a:ext cx="1498294" cy="539826"/>
+            </a:xfrm>
+            <a:prstGeom prst="rect">
+              <a:avLst/>
+            </a:prstGeom>
+            <a:solidFill>
+              <a:schemeClr val="bg1">
+                <a:lumMod val="85000"/>
+              </a:schemeClr>
+            </a:solidFill>
+            <a:ln>
+              <a:solidFill>
+                <a:schemeClr val="bg1">
+                  <a:lumMod val="85000"/>
+                </a:schemeClr>
+              </a:solidFill>
+            </a:ln>
+          </p:spPr>
+          <p:style>
+            <a:lnRef idx="2">
+              <a:schemeClr val="accent1">
+                <a:shade val="50000"/>
+              </a:schemeClr>
+            </a:lnRef>
+            <a:fillRef idx="1">
+              <a:schemeClr val="accent1"/>
+            </a:fillRef>
+            <a:effectRef idx="0">
+              <a:schemeClr val="accent1"/>
+            </a:effectRef>
+            <a:fontRef idx="minor">
+              <a:schemeClr val="lt1"/>
+            </a:fontRef>
+          </p:style>
+          <p:txBody>
+            <a:bodyPr rtlCol="0" anchor="ctr"/>
+            <a:lstStyle/>
+            <a:p>
+              <a:pPr algn="ctr"/>
+              <a:r>
+                <a:rPr lang="en-DE" dirty="0">
+                  <a:solidFill>
+                    <a:schemeClr val="tx1"/>
+                  </a:solidFill>
+                </a:rPr>
+                <a:t>07d83</a:t>
+              </a:r>
+              <a:endParaRPr lang="en-US" dirty="0">
+                <a:solidFill>
+                  <a:schemeClr val="tx1"/>
+                </a:solidFill>
+              </a:endParaRPr>
+            </a:p>
+          </p:txBody>
+        </p:sp>
+        <p:cxnSp>
+          <p:nvCxnSpPr>
+            <p:cNvPr id="24" name="Straight Arrow Connector 23">
+              <a:extLst>
+                <a:ext uri="{FF2B5EF4-FFF2-40B4-BE49-F238E27FC236}">
+                  <a16:creationId xmlns:a16="http://schemas.microsoft.com/office/drawing/2014/main" id="{7F02D730-4EC2-4493-B321-20530216D07A}"/>
+                </a:ext>
+              </a:extLst>
+            </p:cNvPr>
+            <p:cNvCxnSpPr>
+              <a:cxnSpLocks/>
+              <a:stCxn id="23" idx="1"/>
+            </p:cNvCxnSpPr>
+            <p:nvPr/>
+          </p:nvCxnSpPr>
+          <p:spPr>
+            <a:xfrm flipH="1" flipV="1">
+              <a:off x="6185254" y="4286894"/>
+              <a:ext cx="383182" cy="5621"/>
+            </a:xfrm>
+            <a:prstGeom prst="straightConnector1">
+              <a:avLst/>
+            </a:prstGeom>
+            <a:ln w="28575">
+              <a:solidFill>
+                <a:schemeClr val="bg1">
+                  <a:lumMod val="50000"/>
+                </a:schemeClr>
+              </a:solidFill>
+              <a:tailEnd type="triangle"/>
+            </a:ln>
+          </p:spPr>
+          <p:style>
+            <a:lnRef idx="1">
+              <a:schemeClr val="accent1"/>
+            </a:lnRef>
+            <a:fillRef idx="0">
+              <a:schemeClr val="accent1"/>
+            </a:fillRef>
+            <a:effectRef idx="0">
+              <a:schemeClr val="accent1"/>
+            </a:effectRef>
+            <a:fontRef idx="minor">
+              <a:schemeClr val="tx1"/>
+            </a:fontRef>
+          </p:style>
+        </p:cxnSp>
+        <p:sp>
+          <p:nvSpPr>
+            <p:cNvPr id="25" name="TextBox 24">
+              <a:extLst>
+                <a:ext uri="{FF2B5EF4-FFF2-40B4-BE49-F238E27FC236}">
+                  <a16:creationId xmlns:a16="http://schemas.microsoft.com/office/drawing/2014/main" id="{79FCAD15-619B-44AF-8E51-53EDFC007790}"/>
+                </a:ext>
+              </a:extLst>
+            </p:cNvPr>
+            <p:cNvSpPr txBox="1"/>
+            <p:nvPr/>
+          </p:nvSpPr>
+          <p:spPr>
+            <a:xfrm>
+              <a:off x="8388964" y="3505666"/>
+              <a:ext cx="2391114" cy="307777"/>
+            </a:xfrm>
+            <a:prstGeom prst="rect">
+              <a:avLst/>
+            </a:prstGeom>
+            <a:solidFill>
+              <a:schemeClr val="bg1">
+                <a:lumMod val="95000"/>
+              </a:schemeClr>
+            </a:solidFill>
+          </p:spPr>
+          <p:txBody>
+            <a:bodyPr wrap="square" rtlCol="0">
+              <a:spAutoFit/>
+            </a:bodyPr>
+            <a:lstStyle/>
+            <a:p>
+              <a:pPr algn="ctr"/>
+              <a:r>
+                <a:rPr lang="de-DE" sz="1400" dirty="0" err="1">
+                  <a:latin typeface="Consolas" panose="020B0609020204030204" pitchFamily="49" charset="0"/>
+                </a:rPr>
+                <a:t>git</a:t>
+              </a:r>
+              <a:r>
+                <a:rPr lang="de-DE" sz="1400" dirty="0">
+                  <a:latin typeface="Consolas" panose="020B0609020204030204" pitchFamily="49" charset="0"/>
+                </a:rPr>
+                <a:t> </a:t>
+              </a:r>
+              <a:r>
+                <a:rPr lang="de-DE" sz="1400" dirty="0" err="1">
+                  <a:latin typeface="Consolas" panose="020B0609020204030204" pitchFamily="49" charset="0"/>
+                </a:rPr>
+                <a:t>merge</a:t>
+              </a:r>
+              <a:r>
+                <a:rPr lang="de-DE" sz="1400" dirty="0">
+                  <a:latin typeface="Consolas" panose="020B0609020204030204" pitchFamily="49" charset="0"/>
+                </a:rPr>
+                <a:t> </a:t>
+              </a:r>
+              <a:r>
+                <a:rPr lang="de-DE" sz="1400" dirty="0" err="1">
+                  <a:latin typeface="Consolas" panose="020B0609020204030204" pitchFamily="49" charset="0"/>
+                </a:rPr>
+                <a:t>change_alice</a:t>
+              </a:r>
+              <a:endParaRPr lang="en-GB" sz="1400" dirty="0">
+                <a:latin typeface="Consolas" panose="020B0609020204030204" pitchFamily="49" charset="0"/>
+              </a:endParaRPr>
+            </a:p>
+          </p:txBody>
+        </p:sp>
+      </p:grpSp>
+    </p:spTree>
+    <p:extLst>
+      <p:ext uri="{BB962C8B-B14F-4D97-AF65-F5344CB8AC3E}">
+        <p14:creationId xmlns:p14="http://schemas.microsoft.com/office/powerpoint/2010/main" val="2841581859"/>
+      </p:ext>
+    </p:extLst>
+  </p:cSld>
+  <p:clrMapOvr>
+    <a:masterClrMapping/>
+  </p:clrMapOvr>
+</p:sld>
+</file>
+
+<file path=ppt/slides/slide23.xml><?xml version="1.0" encoding="utf-8"?>
 <p:sld xmlns:a="http://schemas.openxmlformats.org/drawingml/2006/main" xmlns:r="http://schemas.openxmlformats.org/officeDocument/2006/relationships" xmlns:p="http://schemas.openxmlformats.org/presentationml/2006/main">
   <p:cSld>
     <p:spTree>
@@ -14443,7 +16524,11 @@
               <a:pPr algn="ctr"/>
               <a:r>
                 <a:rPr lang="en-DE" sz="1600" dirty="0"/>
-                <a:t>master</a:t>
+                <a:t>ma</a:t>
+              </a:r>
+              <a:r>
+                <a:rPr lang="de-DE" sz="1600" dirty="0"/>
+                <a:t>in</a:t>
               </a:r>
               <a:endParaRPr lang="en-US" sz="1600" dirty="0"/>
             </a:p>
@@ -14677,7 +16762,1021 @@
 </p:sld>
 </file>
 
-<file path=ppt/slides/slide22.xml><?xml version="1.0" encoding="utf-8"?>
+<file path=ppt/slides/slide24.xml><?xml version="1.0" encoding="utf-8"?>
+<p:sld xmlns:a="http://schemas.openxmlformats.org/drawingml/2006/main" xmlns:r="http://schemas.openxmlformats.org/officeDocument/2006/relationships" xmlns:p="http://schemas.openxmlformats.org/presentationml/2006/main">
+  <p:cSld>
+    <p:spTree>
+      <p:nvGrpSpPr>
+        <p:cNvPr id="1" name=""/>
+        <p:cNvGrpSpPr/>
+        <p:nvPr/>
+      </p:nvGrpSpPr>
+      <p:grpSpPr>
+        <a:xfrm>
+          <a:off x="0" y="0"/>
+          <a:ext cx="0" cy="0"/>
+          <a:chOff x="0" y="0"/>
+          <a:chExt cx="0" cy="0"/>
+        </a:xfrm>
+      </p:grpSpPr>
+      <p:grpSp>
+        <p:nvGrpSpPr>
+          <p:cNvPr id="24" name="Group 23">
+            <a:extLst>
+              <a:ext uri="{FF2B5EF4-FFF2-40B4-BE49-F238E27FC236}">
+                <a16:creationId xmlns:a16="http://schemas.microsoft.com/office/drawing/2014/main" id="{3E600E1E-DEAE-42A9-AF80-8FDF3D30D5C5}"/>
+              </a:ext>
+            </a:extLst>
+          </p:cNvPr>
+          <p:cNvGrpSpPr/>
+          <p:nvPr/>
+        </p:nvGrpSpPr>
+        <p:grpSpPr>
+          <a:xfrm>
+            <a:off x="838200" y="2761673"/>
+            <a:ext cx="4793514" cy="2894479"/>
+            <a:chOff x="838200" y="2761673"/>
+            <a:chExt cx="4793514" cy="2894479"/>
+          </a:xfrm>
+        </p:grpSpPr>
+        <p:sp>
+          <p:nvSpPr>
+            <p:cNvPr id="2" name="Rectangle 1">
+              <a:extLst>
+                <a:ext uri="{FF2B5EF4-FFF2-40B4-BE49-F238E27FC236}">
+                  <a16:creationId xmlns:a16="http://schemas.microsoft.com/office/drawing/2014/main" id="{E6FD479B-FFD4-4D26-9DAD-AF88765DA8C7}"/>
+                </a:ext>
+              </a:extLst>
+            </p:cNvPr>
+            <p:cNvSpPr/>
+            <p:nvPr/>
+          </p:nvSpPr>
+          <p:spPr>
+            <a:xfrm>
+              <a:off x="838200" y="3647412"/>
+              <a:ext cx="1130035" cy="395496"/>
+            </a:xfrm>
+            <a:prstGeom prst="rect">
+              <a:avLst/>
+            </a:prstGeom>
+            <a:solidFill>
+              <a:schemeClr val="bg1">
+                <a:lumMod val="85000"/>
+              </a:schemeClr>
+            </a:solidFill>
+            <a:ln>
+              <a:solidFill>
+                <a:schemeClr val="bg1">
+                  <a:lumMod val="85000"/>
+                </a:schemeClr>
+              </a:solidFill>
+            </a:ln>
+          </p:spPr>
+          <p:style>
+            <a:lnRef idx="2">
+              <a:schemeClr val="accent1">
+                <a:shade val="50000"/>
+              </a:schemeClr>
+            </a:lnRef>
+            <a:fillRef idx="1">
+              <a:schemeClr val="accent1"/>
+            </a:fillRef>
+            <a:effectRef idx="0">
+              <a:schemeClr val="accent1"/>
+            </a:effectRef>
+            <a:fontRef idx="minor">
+              <a:schemeClr val="lt1"/>
+            </a:fontRef>
+          </p:style>
+          <p:txBody>
+            <a:bodyPr rtlCol="0" anchor="ctr"/>
+            <a:lstStyle/>
+            <a:p>
+              <a:pPr algn="ctr"/>
+              <a:r>
+                <a:rPr lang="en-DE" sz="1600" dirty="0">
+                  <a:solidFill>
+                    <a:schemeClr val="tx1"/>
+                  </a:solidFill>
+                </a:rPr>
+                <a:t>89ca9</a:t>
+              </a:r>
+              <a:endParaRPr lang="en-US" sz="1600" dirty="0">
+                <a:solidFill>
+                  <a:schemeClr val="tx1"/>
+                </a:solidFill>
+              </a:endParaRPr>
+            </a:p>
+          </p:txBody>
+        </p:sp>
+        <p:sp>
+          <p:nvSpPr>
+            <p:cNvPr id="3" name="Rectangle 2">
+              <a:extLst>
+                <a:ext uri="{FF2B5EF4-FFF2-40B4-BE49-F238E27FC236}">
+                  <a16:creationId xmlns:a16="http://schemas.microsoft.com/office/drawing/2014/main" id="{D1E2DEDE-FFA5-466E-A77C-A61BB96B6C7A}"/>
+                </a:ext>
+              </a:extLst>
+            </p:cNvPr>
+            <p:cNvSpPr/>
+            <p:nvPr/>
+          </p:nvSpPr>
+          <p:spPr>
+            <a:xfrm>
+              <a:off x="2248008" y="3647412"/>
+              <a:ext cx="1130035" cy="395496"/>
+            </a:xfrm>
+            <a:prstGeom prst="rect">
+              <a:avLst/>
+            </a:prstGeom>
+            <a:solidFill>
+              <a:schemeClr val="bg1">
+                <a:lumMod val="85000"/>
+              </a:schemeClr>
+            </a:solidFill>
+            <a:ln>
+              <a:solidFill>
+                <a:schemeClr val="bg1">
+                  <a:lumMod val="85000"/>
+                </a:schemeClr>
+              </a:solidFill>
+            </a:ln>
+          </p:spPr>
+          <p:style>
+            <a:lnRef idx="2">
+              <a:schemeClr val="accent1">
+                <a:shade val="50000"/>
+              </a:schemeClr>
+            </a:lnRef>
+            <a:fillRef idx="1">
+              <a:schemeClr val="accent1"/>
+            </a:fillRef>
+            <a:effectRef idx="0">
+              <a:schemeClr val="accent1"/>
+            </a:effectRef>
+            <a:fontRef idx="minor">
+              <a:schemeClr val="lt1"/>
+            </a:fontRef>
+          </p:style>
+          <p:txBody>
+            <a:bodyPr rtlCol="0" anchor="ctr"/>
+            <a:lstStyle/>
+            <a:p>
+              <a:pPr algn="ctr"/>
+              <a:r>
+                <a:rPr lang="en-DE" sz="1600" dirty="0">
+                  <a:solidFill>
+                    <a:schemeClr val="tx1"/>
+                  </a:solidFill>
+                </a:rPr>
+                <a:t>7b4sa</a:t>
+              </a:r>
+              <a:endParaRPr lang="en-US" sz="1600" dirty="0">
+                <a:solidFill>
+                  <a:schemeClr val="tx1"/>
+                </a:solidFill>
+              </a:endParaRPr>
+            </a:p>
+          </p:txBody>
+        </p:sp>
+        <p:sp>
+          <p:nvSpPr>
+            <p:cNvPr id="4" name="Rectangle 3">
+              <a:extLst>
+                <a:ext uri="{FF2B5EF4-FFF2-40B4-BE49-F238E27FC236}">
+                  <a16:creationId xmlns:a16="http://schemas.microsoft.com/office/drawing/2014/main" id="{C017E190-60D2-4C18-8CB9-D473B4FA534A}"/>
+                </a:ext>
+              </a:extLst>
+            </p:cNvPr>
+            <p:cNvSpPr/>
+            <p:nvPr/>
+          </p:nvSpPr>
+          <p:spPr>
+            <a:xfrm>
+              <a:off x="3656408" y="3657798"/>
+              <a:ext cx="1130035" cy="395496"/>
+            </a:xfrm>
+            <a:prstGeom prst="rect">
+              <a:avLst/>
+            </a:prstGeom>
+            <a:solidFill>
+              <a:schemeClr val="bg1">
+                <a:lumMod val="85000"/>
+              </a:schemeClr>
+            </a:solidFill>
+            <a:ln>
+              <a:solidFill>
+                <a:schemeClr val="bg1">
+                  <a:lumMod val="85000"/>
+                </a:schemeClr>
+              </a:solidFill>
+            </a:ln>
+          </p:spPr>
+          <p:style>
+            <a:lnRef idx="2">
+              <a:schemeClr val="accent1">
+                <a:shade val="50000"/>
+              </a:schemeClr>
+            </a:lnRef>
+            <a:fillRef idx="1">
+              <a:schemeClr val="accent1"/>
+            </a:fillRef>
+            <a:effectRef idx="0">
+              <a:schemeClr val="accent1"/>
+            </a:effectRef>
+            <a:fontRef idx="minor">
+              <a:schemeClr val="lt1"/>
+            </a:fontRef>
+          </p:style>
+          <p:txBody>
+            <a:bodyPr rtlCol="0" anchor="ctr"/>
+            <a:lstStyle/>
+            <a:p>
+              <a:pPr algn="ctr"/>
+              <a:r>
+                <a:rPr lang="en-DE" sz="1600" dirty="0">
+                  <a:solidFill>
+                    <a:schemeClr val="tx1"/>
+                  </a:solidFill>
+                </a:rPr>
+                <a:t>f3d83</a:t>
+              </a:r>
+              <a:endParaRPr lang="en-US" sz="1600" dirty="0">
+                <a:solidFill>
+                  <a:schemeClr val="tx1"/>
+                </a:solidFill>
+              </a:endParaRPr>
+            </a:p>
+          </p:txBody>
+        </p:sp>
+        <p:cxnSp>
+          <p:nvCxnSpPr>
+            <p:cNvPr id="5" name="Straight Arrow Connector 4">
+              <a:extLst>
+                <a:ext uri="{FF2B5EF4-FFF2-40B4-BE49-F238E27FC236}">
+                  <a16:creationId xmlns:a16="http://schemas.microsoft.com/office/drawing/2014/main" id="{1D7B2FE6-6DA7-48D1-B6C1-58DCC3DCC782}"/>
+                </a:ext>
+              </a:extLst>
+            </p:cNvPr>
+            <p:cNvCxnSpPr>
+              <a:cxnSpLocks/>
+              <a:stCxn id="4" idx="1"/>
+              <a:endCxn id="3" idx="3"/>
+            </p:cNvCxnSpPr>
+            <p:nvPr/>
+          </p:nvCxnSpPr>
+          <p:spPr>
+            <a:xfrm flipH="1" flipV="1">
+              <a:off x="3378043" y="3845160"/>
+              <a:ext cx="278365" cy="10386"/>
+            </a:xfrm>
+            <a:prstGeom prst="straightConnector1">
+              <a:avLst/>
+            </a:prstGeom>
+            <a:ln w="28575">
+              <a:solidFill>
+                <a:schemeClr val="bg1">
+                  <a:lumMod val="50000"/>
+                </a:schemeClr>
+              </a:solidFill>
+              <a:tailEnd type="triangle"/>
+            </a:ln>
+          </p:spPr>
+          <p:style>
+            <a:lnRef idx="1">
+              <a:schemeClr val="accent1"/>
+            </a:lnRef>
+            <a:fillRef idx="0">
+              <a:schemeClr val="accent1"/>
+            </a:fillRef>
+            <a:effectRef idx="0">
+              <a:schemeClr val="accent1"/>
+            </a:effectRef>
+            <a:fontRef idx="minor">
+              <a:schemeClr val="tx1"/>
+            </a:fontRef>
+          </p:style>
+        </p:cxnSp>
+        <p:cxnSp>
+          <p:nvCxnSpPr>
+            <p:cNvPr id="6" name="Straight Arrow Connector 5">
+              <a:extLst>
+                <a:ext uri="{FF2B5EF4-FFF2-40B4-BE49-F238E27FC236}">
+                  <a16:creationId xmlns:a16="http://schemas.microsoft.com/office/drawing/2014/main" id="{607B77A6-FB4E-4E30-B778-7CF5517FEC24}"/>
+                </a:ext>
+              </a:extLst>
+            </p:cNvPr>
+            <p:cNvCxnSpPr>
+              <a:cxnSpLocks/>
+              <a:stCxn id="3" idx="1"/>
+              <a:endCxn id="2" idx="3"/>
+            </p:cNvCxnSpPr>
+            <p:nvPr/>
+          </p:nvCxnSpPr>
+          <p:spPr>
+            <a:xfrm flipH="1">
+              <a:off x="1968235" y="3845160"/>
+              <a:ext cx="279773" cy="0"/>
+            </a:xfrm>
+            <a:prstGeom prst="straightConnector1">
+              <a:avLst/>
+            </a:prstGeom>
+            <a:ln w="28575">
+              <a:solidFill>
+                <a:schemeClr val="bg1">
+                  <a:lumMod val="50000"/>
+                </a:schemeClr>
+              </a:solidFill>
+              <a:tailEnd type="triangle"/>
+            </a:ln>
+          </p:spPr>
+          <p:style>
+            <a:lnRef idx="1">
+              <a:schemeClr val="accent1"/>
+            </a:lnRef>
+            <a:fillRef idx="0">
+              <a:schemeClr val="accent1"/>
+            </a:fillRef>
+            <a:effectRef idx="0">
+              <a:schemeClr val="accent1"/>
+            </a:effectRef>
+            <a:fontRef idx="minor">
+              <a:schemeClr val="tx1"/>
+            </a:fontRef>
+          </p:style>
+        </p:cxnSp>
+        <p:sp>
+          <p:nvSpPr>
+            <p:cNvPr id="7" name="Oval 6">
+              <a:extLst>
+                <a:ext uri="{FF2B5EF4-FFF2-40B4-BE49-F238E27FC236}">
+                  <a16:creationId xmlns:a16="http://schemas.microsoft.com/office/drawing/2014/main" id="{3CCAE368-2E5E-4145-9FCF-8C32816A3271}"/>
+                </a:ext>
+              </a:extLst>
+            </p:cNvPr>
+            <p:cNvSpPr/>
+            <p:nvPr/>
+          </p:nvSpPr>
+          <p:spPr>
+            <a:xfrm>
+              <a:off x="3686255" y="2953709"/>
+              <a:ext cx="1130035" cy="402944"/>
+            </a:xfrm>
+            <a:prstGeom prst="ellipse">
+              <a:avLst/>
+            </a:prstGeom>
+          </p:spPr>
+          <p:style>
+            <a:lnRef idx="2">
+              <a:schemeClr val="accent2">
+                <a:shade val="50000"/>
+              </a:schemeClr>
+            </a:lnRef>
+            <a:fillRef idx="1">
+              <a:schemeClr val="accent2"/>
+            </a:fillRef>
+            <a:effectRef idx="0">
+              <a:schemeClr val="accent2"/>
+            </a:effectRef>
+            <a:fontRef idx="minor">
+              <a:schemeClr val="lt1"/>
+            </a:fontRef>
+          </p:style>
+          <p:txBody>
+            <a:bodyPr rtlCol="0" anchor="ctr"/>
+            <a:lstStyle/>
+            <a:p>
+              <a:pPr algn="ctr"/>
+              <a:r>
+                <a:rPr lang="en-DE" sz="1600" dirty="0"/>
+                <a:t>master</a:t>
+              </a:r>
+              <a:endParaRPr lang="en-US" sz="1600" dirty="0"/>
+            </a:p>
+          </p:txBody>
+        </p:sp>
+        <p:cxnSp>
+          <p:nvCxnSpPr>
+            <p:cNvPr id="8" name="Straight Arrow Connector 7">
+              <a:extLst>
+                <a:ext uri="{FF2B5EF4-FFF2-40B4-BE49-F238E27FC236}">
+                  <a16:creationId xmlns:a16="http://schemas.microsoft.com/office/drawing/2014/main" id="{270A6ADE-EBF0-4A0B-92CD-482A2C705D73}"/>
+                </a:ext>
+              </a:extLst>
+            </p:cNvPr>
+            <p:cNvCxnSpPr>
+              <a:cxnSpLocks/>
+              <a:stCxn id="7" idx="4"/>
+              <a:endCxn id="4" idx="0"/>
+            </p:cNvCxnSpPr>
+            <p:nvPr/>
+          </p:nvCxnSpPr>
+          <p:spPr>
+            <a:xfrm flipH="1">
+              <a:off x="4221426" y="3356653"/>
+              <a:ext cx="29847" cy="301145"/>
+            </a:xfrm>
+            <a:prstGeom prst="straightConnector1">
+              <a:avLst/>
+            </a:prstGeom>
+            <a:ln w="28575">
+              <a:solidFill>
+                <a:schemeClr val="bg1">
+                  <a:lumMod val="50000"/>
+                </a:schemeClr>
+              </a:solidFill>
+              <a:tailEnd type="triangle"/>
+            </a:ln>
+          </p:spPr>
+          <p:style>
+            <a:lnRef idx="1">
+              <a:schemeClr val="accent1"/>
+            </a:lnRef>
+            <a:fillRef idx="0">
+              <a:schemeClr val="accent1"/>
+            </a:fillRef>
+            <a:effectRef idx="0">
+              <a:schemeClr val="accent1"/>
+            </a:effectRef>
+            <a:fontRef idx="minor">
+              <a:schemeClr val="tx1"/>
+            </a:fontRef>
+          </p:style>
+        </p:cxnSp>
+        <p:sp>
+          <p:nvSpPr>
+            <p:cNvPr id="9" name="Oval 8">
+              <a:extLst>
+                <a:ext uri="{FF2B5EF4-FFF2-40B4-BE49-F238E27FC236}">
+                  <a16:creationId xmlns:a16="http://schemas.microsoft.com/office/drawing/2014/main" id="{CA66D148-E9DB-469E-B313-4CE86F6DD800}"/>
+                </a:ext>
+              </a:extLst>
+            </p:cNvPr>
+            <p:cNvSpPr/>
+            <p:nvPr/>
+          </p:nvSpPr>
+          <p:spPr>
+            <a:xfrm>
+              <a:off x="3693607" y="5199402"/>
+              <a:ext cx="1061595" cy="456750"/>
+            </a:xfrm>
+            <a:prstGeom prst="ellipse">
+              <a:avLst/>
+            </a:prstGeom>
+            <a:solidFill>
+              <a:srgbClr val="7030A0"/>
+            </a:solidFill>
+            <a:ln>
+              <a:noFill/>
+            </a:ln>
+          </p:spPr>
+          <p:style>
+            <a:lnRef idx="2">
+              <a:schemeClr val="accent2">
+                <a:shade val="50000"/>
+              </a:schemeClr>
+            </a:lnRef>
+            <a:fillRef idx="1">
+              <a:schemeClr val="accent2"/>
+            </a:fillRef>
+            <a:effectRef idx="0">
+              <a:schemeClr val="accent2"/>
+            </a:effectRef>
+            <a:fontRef idx="minor">
+              <a:schemeClr val="lt1"/>
+            </a:fontRef>
+          </p:style>
+          <p:txBody>
+            <a:bodyPr rtlCol="0" anchor="ctr"/>
+            <a:lstStyle/>
+            <a:p>
+              <a:pPr algn="ctr"/>
+              <a:r>
+                <a:rPr lang="en-DE" sz="1200" dirty="0"/>
+                <a:t>change_alice</a:t>
+              </a:r>
+              <a:endParaRPr lang="en-US" sz="1200" dirty="0"/>
+            </a:p>
+          </p:txBody>
+        </p:sp>
+        <p:cxnSp>
+          <p:nvCxnSpPr>
+            <p:cNvPr id="10" name="Straight Arrow Connector 9">
+              <a:extLst>
+                <a:ext uri="{FF2B5EF4-FFF2-40B4-BE49-F238E27FC236}">
+                  <a16:creationId xmlns:a16="http://schemas.microsoft.com/office/drawing/2014/main" id="{7DE632B4-11CE-47B2-A0CC-4E4FEB57B1CE}"/>
+                </a:ext>
+              </a:extLst>
+            </p:cNvPr>
+            <p:cNvCxnSpPr>
+              <a:cxnSpLocks/>
+              <a:stCxn id="9" idx="0"/>
+              <a:endCxn id="11" idx="2"/>
+            </p:cNvCxnSpPr>
+            <p:nvPr/>
+          </p:nvCxnSpPr>
+          <p:spPr>
+            <a:xfrm flipH="1" flipV="1">
+              <a:off x="4190185" y="4953597"/>
+              <a:ext cx="34220" cy="245805"/>
+            </a:xfrm>
+            <a:prstGeom prst="straightConnector1">
+              <a:avLst/>
+            </a:prstGeom>
+            <a:ln w="28575">
+              <a:solidFill>
+                <a:schemeClr val="bg1">
+                  <a:lumMod val="50000"/>
+                </a:schemeClr>
+              </a:solidFill>
+              <a:tailEnd type="triangle"/>
+            </a:ln>
+          </p:spPr>
+          <p:style>
+            <a:lnRef idx="1">
+              <a:schemeClr val="accent1"/>
+            </a:lnRef>
+            <a:fillRef idx="0">
+              <a:schemeClr val="accent1"/>
+            </a:fillRef>
+            <a:effectRef idx="0">
+              <a:schemeClr val="accent1"/>
+            </a:effectRef>
+            <a:fontRef idx="minor">
+              <a:schemeClr val="tx1"/>
+            </a:fontRef>
+          </p:style>
+        </p:cxnSp>
+        <p:sp>
+          <p:nvSpPr>
+            <p:cNvPr id="11" name="Rectangle 10">
+              <a:extLst>
+                <a:ext uri="{FF2B5EF4-FFF2-40B4-BE49-F238E27FC236}">
+                  <a16:creationId xmlns:a16="http://schemas.microsoft.com/office/drawing/2014/main" id="{90FB529E-4EFD-4E36-9651-12ADB405EEB7}"/>
+                </a:ext>
+              </a:extLst>
+            </p:cNvPr>
+            <p:cNvSpPr/>
+            <p:nvPr/>
+          </p:nvSpPr>
+          <p:spPr>
+            <a:xfrm>
+              <a:off x="3625167" y="4558101"/>
+              <a:ext cx="1130035" cy="395496"/>
+            </a:xfrm>
+            <a:prstGeom prst="rect">
+              <a:avLst/>
+            </a:prstGeom>
+            <a:solidFill>
+              <a:schemeClr val="bg1">
+                <a:lumMod val="85000"/>
+              </a:schemeClr>
+            </a:solidFill>
+            <a:ln>
+              <a:solidFill>
+                <a:schemeClr val="bg1">
+                  <a:lumMod val="85000"/>
+                </a:schemeClr>
+              </a:solidFill>
+            </a:ln>
+          </p:spPr>
+          <p:style>
+            <a:lnRef idx="2">
+              <a:schemeClr val="accent1">
+                <a:shade val="50000"/>
+              </a:schemeClr>
+            </a:lnRef>
+            <a:fillRef idx="1">
+              <a:schemeClr val="accent1"/>
+            </a:fillRef>
+            <a:effectRef idx="0">
+              <a:schemeClr val="accent1"/>
+            </a:effectRef>
+            <a:fontRef idx="minor">
+              <a:schemeClr val="lt1"/>
+            </a:fontRef>
+          </p:style>
+          <p:txBody>
+            <a:bodyPr rtlCol="0" anchor="ctr"/>
+            <a:lstStyle/>
+            <a:p>
+              <a:pPr algn="ctr"/>
+              <a:r>
+                <a:rPr lang="en-DE" sz="1600" dirty="0">
+                  <a:solidFill>
+                    <a:schemeClr val="tx1"/>
+                  </a:solidFill>
+                </a:rPr>
+                <a:t>07d83</a:t>
+              </a:r>
+              <a:endParaRPr lang="en-US" sz="1600" dirty="0">
+                <a:solidFill>
+                  <a:schemeClr val="tx1"/>
+                </a:solidFill>
+              </a:endParaRPr>
+            </a:p>
+          </p:txBody>
+        </p:sp>
+        <p:cxnSp>
+          <p:nvCxnSpPr>
+            <p:cNvPr id="12" name="Straight Arrow Connector 11">
+              <a:extLst>
+                <a:ext uri="{FF2B5EF4-FFF2-40B4-BE49-F238E27FC236}">
+                  <a16:creationId xmlns:a16="http://schemas.microsoft.com/office/drawing/2014/main" id="{55D27DC3-950F-469B-AC16-CA897796FE17}"/>
+                </a:ext>
+              </a:extLst>
+            </p:cNvPr>
+            <p:cNvCxnSpPr>
+              <a:cxnSpLocks/>
+              <a:stCxn id="11" idx="1"/>
+              <a:endCxn id="3" idx="3"/>
+            </p:cNvCxnSpPr>
+            <p:nvPr/>
+          </p:nvCxnSpPr>
+          <p:spPr>
+            <a:xfrm flipH="1" flipV="1">
+              <a:off x="3378043" y="3845160"/>
+              <a:ext cx="247124" cy="910689"/>
+            </a:xfrm>
+            <a:prstGeom prst="straightConnector1">
+              <a:avLst/>
+            </a:prstGeom>
+            <a:ln w="28575">
+              <a:solidFill>
+                <a:schemeClr val="bg1">
+                  <a:lumMod val="50000"/>
+                </a:schemeClr>
+              </a:solidFill>
+              <a:tailEnd type="triangle"/>
+            </a:ln>
+          </p:spPr>
+          <p:style>
+            <a:lnRef idx="1">
+              <a:schemeClr val="accent1"/>
+            </a:lnRef>
+            <a:fillRef idx="0">
+              <a:schemeClr val="accent1"/>
+            </a:fillRef>
+            <a:effectRef idx="0">
+              <a:schemeClr val="accent1"/>
+            </a:effectRef>
+            <a:fontRef idx="minor">
+              <a:schemeClr val="tx1"/>
+            </a:fontRef>
+          </p:style>
+        </p:cxnSp>
+        <p:sp>
+          <p:nvSpPr>
+            <p:cNvPr id="13" name="TextBox 12">
+              <a:extLst>
+                <a:ext uri="{FF2B5EF4-FFF2-40B4-BE49-F238E27FC236}">
+                  <a16:creationId xmlns:a16="http://schemas.microsoft.com/office/drawing/2014/main" id="{8FF7D379-040D-484F-9421-E1392AA97C12}"/>
+                </a:ext>
+              </a:extLst>
+            </p:cNvPr>
+            <p:cNvSpPr txBox="1"/>
+            <p:nvPr/>
+          </p:nvSpPr>
+          <p:spPr>
+            <a:xfrm>
+              <a:off x="2445053" y="3134578"/>
+              <a:ext cx="992482" cy="523220"/>
+            </a:xfrm>
+            <a:prstGeom prst="rect">
+              <a:avLst/>
+            </a:prstGeom>
+            <a:noFill/>
+          </p:spPr>
+          <p:txBody>
+            <a:bodyPr wrap="square" rtlCol="0">
+              <a:spAutoFit/>
+            </a:bodyPr>
+            <a:lstStyle/>
+            <a:p>
+              <a:r>
+                <a:rPr lang="en-DE" sz="1400" dirty="0">
+                  <a:solidFill>
+                    <a:schemeClr val="accent1"/>
+                  </a:solidFill>
+                </a:rPr>
+                <a:t>common ancestor</a:t>
+              </a:r>
+              <a:endParaRPr lang="en-US" sz="1400" dirty="0">
+                <a:solidFill>
+                  <a:schemeClr val="accent1"/>
+                </a:solidFill>
+              </a:endParaRPr>
+            </a:p>
+          </p:txBody>
+        </p:sp>
+        <p:sp>
+          <p:nvSpPr>
+            <p:cNvPr id="14" name="TextBox 13">
+              <a:extLst>
+                <a:ext uri="{FF2B5EF4-FFF2-40B4-BE49-F238E27FC236}">
+                  <a16:creationId xmlns:a16="http://schemas.microsoft.com/office/drawing/2014/main" id="{C8972162-AD61-47DC-AE1D-294213375505}"/>
+                </a:ext>
+              </a:extLst>
+            </p:cNvPr>
+            <p:cNvSpPr txBox="1"/>
+            <p:nvPr/>
+          </p:nvSpPr>
+          <p:spPr>
+            <a:xfrm>
+              <a:off x="4786443" y="3593936"/>
+              <a:ext cx="815424" cy="523220"/>
+            </a:xfrm>
+            <a:prstGeom prst="rect">
+              <a:avLst/>
+            </a:prstGeom>
+            <a:noFill/>
+          </p:spPr>
+          <p:txBody>
+            <a:bodyPr wrap="square" rtlCol="0">
+              <a:spAutoFit/>
+            </a:bodyPr>
+            <a:lstStyle/>
+            <a:p>
+              <a:r>
+                <a:rPr lang="en-DE" sz="1400" dirty="0">
+                  <a:solidFill>
+                    <a:schemeClr val="accent1"/>
+                  </a:solidFill>
+                </a:rPr>
+                <a:t>changed Bob.txt</a:t>
+              </a:r>
+              <a:endParaRPr lang="en-US" sz="1400" dirty="0">
+                <a:solidFill>
+                  <a:schemeClr val="accent1"/>
+                </a:solidFill>
+              </a:endParaRPr>
+            </a:p>
+          </p:txBody>
+        </p:sp>
+        <p:sp>
+          <p:nvSpPr>
+            <p:cNvPr id="15" name="TextBox 14">
+              <a:extLst>
+                <a:ext uri="{FF2B5EF4-FFF2-40B4-BE49-F238E27FC236}">
+                  <a16:creationId xmlns:a16="http://schemas.microsoft.com/office/drawing/2014/main" id="{51A125EA-FF5A-4930-BFDB-904F83708630}"/>
+                </a:ext>
+              </a:extLst>
+            </p:cNvPr>
+            <p:cNvSpPr txBox="1"/>
+            <p:nvPr/>
+          </p:nvSpPr>
+          <p:spPr>
+            <a:xfrm>
+              <a:off x="4816290" y="4516102"/>
+              <a:ext cx="815424" cy="523220"/>
+            </a:xfrm>
+            <a:prstGeom prst="rect">
+              <a:avLst/>
+            </a:prstGeom>
+            <a:noFill/>
+          </p:spPr>
+          <p:txBody>
+            <a:bodyPr wrap="square" rtlCol="0">
+              <a:spAutoFit/>
+            </a:bodyPr>
+            <a:lstStyle/>
+            <a:p>
+              <a:r>
+                <a:rPr lang="en-DE" sz="1400" dirty="0">
+                  <a:solidFill>
+                    <a:schemeClr val="accent1"/>
+                  </a:solidFill>
+                </a:rPr>
+                <a:t>changed Alice.txt</a:t>
+              </a:r>
+              <a:endParaRPr lang="en-US" sz="1400" dirty="0">
+                <a:solidFill>
+                  <a:schemeClr val="accent1"/>
+                </a:solidFill>
+              </a:endParaRPr>
+            </a:p>
+          </p:txBody>
+        </p:sp>
+        <p:sp>
+          <p:nvSpPr>
+            <p:cNvPr id="16" name="Rectangle 15">
+              <a:extLst>
+                <a:ext uri="{FF2B5EF4-FFF2-40B4-BE49-F238E27FC236}">
+                  <a16:creationId xmlns:a16="http://schemas.microsoft.com/office/drawing/2014/main" id="{9115FC96-82B2-41D1-A88D-AA2C71D136E1}"/>
+                </a:ext>
+              </a:extLst>
+            </p:cNvPr>
+            <p:cNvSpPr/>
+            <p:nvPr/>
+          </p:nvSpPr>
+          <p:spPr>
+            <a:xfrm>
+              <a:off x="4873114" y="3667237"/>
+              <a:ext cx="717359" cy="1509691"/>
+            </a:xfrm>
+            <a:prstGeom prst="rect">
+              <a:avLst/>
+            </a:prstGeom>
+            <a:solidFill>
+              <a:schemeClr val="bg1"/>
+            </a:solidFill>
+            <a:ln>
+              <a:noFill/>
+            </a:ln>
+          </p:spPr>
+          <p:style>
+            <a:lnRef idx="2">
+              <a:schemeClr val="accent1">
+                <a:shade val="50000"/>
+              </a:schemeClr>
+            </a:lnRef>
+            <a:fillRef idx="1">
+              <a:schemeClr val="accent1"/>
+            </a:fillRef>
+            <a:effectRef idx="0">
+              <a:schemeClr val="accent1"/>
+            </a:effectRef>
+            <a:fontRef idx="minor">
+              <a:schemeClr val="lt1"/>
+            </a:fontRef>
+          </p:style>
+          <p:txBody>
+            <a:bodyPr rtlCol="0" anchor="ctr"/>
+            <a:lstStyle/>
+            <a:p>
+              <a:pPr algn="ctr"/>
+              <a:endParaRPr lang="en-US"/>
+            </a:p>
+          </p:txBody>
+        </p:sp>
+        <p:sp>
+          <p:nvSpPr>
+            <p:cNvPr id="18" name="Rectangle 17">
+              <a:extLst>
+                <a:ext uri="{FF2B5EF4-FFF2-40B4-BE49-F238E27FC236}">
+                  <a16:creationId xmlns:a16="http://schemas.microsoft.com/office/drawing/2014/main" id="{E3964DBE-2DBB-467C-ABC7-186D5C173BA0}"/>
+                </a:ext>
+              </a:extLst>
+            </p:cNvPr>
+            <p:cNvSpPr/>
+            <p:nvPr/>
+          </p:nvSpPr>
+          <p:spPr>
+            <a:xfrm>
+              <a:off x="3428706" y="2761673"/>
+              <a:ext cx="1699491" cy="885739"/>
+            </a:xfrm>
+            <a:prstGeom prst="rect">
+              <a:avLst/>
+            </a:prstGeom>
+            <a:solidFill>
+              <a:schemeClr val="bg1"/>
+            </a:solidFill>
+            <a:ln>
+              <a:noFill/>
+            </a:ln>
+          </p:spPr>
+          <p:style>
+            <a:lnRef idx="2">
+              <a:schemeClr val="accent1">
+                <a:shade val="50000"/>
+              </a:schemeClr>
+            </a:lnRef>
+            <a:fillRef idx="1">
+              <a:schemeClr val="accent1"/>
+            </a:fillRef>
+            <a:effectRef idx="0">
+              <a:schemeClr val="accent1"/>
+            </a:effectRef>
+            <a:fontRef idx="minor">
+              <a:schemeClr val="lt1"/>
+            </a:fontRef>
+          </p:style>
+          <p:txBody>
+            <a:bodyPr rtlCol="0" anchor="ctr"/>
+            <a:lstStyle/>
+            <a:p>
+              <a:pPr algn="ctr"/>
+              <a:endParaRPr lang="en-US"/>
+            </a:p>
+          </p:txBody>
+        </p:sp>
+        <p:sp>
+          <p:nvSpPr>
+            <p:cNvPr id="19" name="Oval 18">
+              <a:extLst>
+                <a:ext uri="{FF2B5EF4-FFF2-40B4-BE49-F238E27FC236}">
+                  <a16:creationId xmlns:a16="http://schemas.microsoft.com/office/drawing/2014/main" id="{AEF8878F-A8E3-4FB1-8DAF-D92CE4FF038F}"/>
+                </a:ext>
+              </a:extLst>
+            </p:cNvPr>
+            <p:cNvSpPr/>
+            <p:nvPr/>
+          </p:nvSpPr>
+          <p:spPr>
+            <a:xfrm>
+              <a:off x="3743721" y="2971584"/>
+              <a:ext cx="1130035" cy="402944"/>
+            </a:xfrm>
+            <a:prstGeom prst="ellipse">
+              <a:avLst/>
+            </a:prstGeom>
+          </p:spPr>
+          <p:style>
+            <a:lnRef idx="2">
+              <a:schemeClr val="accent2">
+                <a:shade val="50000"/>
+              </a:schemeClr>
+            </a:lnRef>
+            <a:fillRef idx="1">
+              <a:schemeClr val="accent2"/>
+            </a:fillRef>
+            <a:effectRef idx="0">
+              <a:schemeClr val="accent2"/>
+            </a:effectRef>
+            <a:fontRef idx="minor">
+              <a:schemeClr val="lt1"/>
+            </a:fontRef>
+          </p:style>
+          <p:txBody>
+            <a:bodyPr rtlCol="0" anchor="ctr"/>
+            <a:lstStyle/>
+            <a:p>
+              <a:pPr algn="ctr"/>
+              <a:r>
+                <a:rPr lang="en-DE" sz="1600" dirty="0"/>
+                <a:t>ma</a:t>
+              </a:r>
+              <a:r>
+                <a:rPr lang="de-DE" sz="1600" dirty="0"/>
+                <a:t>in</a:t>
+              </a:r>
+              <a:endParaRPr lang="en-US" sz="1600" dirty="0"/>
+            </a:p>
+          </p:txBody>
+        </p:sp>
+        <p:cxnSp>
+          <p:nvCxnSpPr>
+            <p:cNvPr id="20" name="Straight Arrow Connector 19">
+              <a:extLst>
+                <a:ext uri="{FF2B5EF4-FFF2-40B4-BE49-F238E27FC236}">
+                  <a16:creationId xmlns:a16="http://schemas.microsoft.com/office/drawing/2014/main" id="{1B83242C-0A67-42A6-9615-D02E5AE1E78D}"/>
+                </a:ext>
+              </a:extLst>
+            </p:cNvPr>
+            <p:cNvCxnSpPr>
+              <a:cxnSpLocks/>
+              <a:stCxn id="19" idx="4"/>
+            </p:cNvCxnSpPr>
+            <p:nvPr/>
+          </p:nvCxnSpPr>
+          <p:spPr>
+            <a:xfrm flipH="1">
+              <a:off x="4269343" y="3374528"/>
+              <a:ext cx="39396" cy="292709"/>
+            </a:xfrm>
+            <a:prstGeom prst="straightConnector1">
+              <a:avLst/>
+            </a:prstGeom>
+            <a:ln w="28575">
+              <a:solidFill>
+                <a:schemeClr val="bg1">
+                  <a:lumMod val="50000"/>
+                </a:schemeClr>
+              </a:solidFill>
+              <a:tailEnd type="triangle"/>
+            </a:ln>
+          </p:spPr>
+          <p:style>
+            <a:lnRef idx="1">
+              <a:schemeClr val="accent1"/>
+            </a:lnRef>
+            <a:fillRef idx="0">
+              <a:schemeClr val="accent1"/>
+            </a:fillRef>
+            <a:effectRef idx="0">
+              <a:schemeClr val="accent1"/>
+            </a:effectRef>
+            <a:fontRef idx="minor">
+              <a:schemeClr val="tx1"/>
+            </a:fontRef>
+          </p:style>
+        </p:cxnSp>
+      </p:grpSp>
+    </p:spTree>
+    <p:extLst>
+      <p:ext uri="{BB962C8B-B14F-4D97-AF65-F5344CB8AC3E}">
+        <p14:creationId xmlns:p14="http://schemas.microsoft.com/office/powerpoint/2010/main" val="1690505501"/>
+      </p:ext>
+    </p:extLst>
+  </p:cSld>
+  <p:clrMapOvr>
+    <a:masterClrMapping/>
+  </p:clrMapOvr>
+</p:sld>
+</file>
+
+<file path=ppt/slides/slide25.xml><?xml version="1.0" encoding="utf-8"?>
 <p:sld xmlns:a="http://schemas.openxmlformats.org/drawingml/2006/main" xmlns:r="http://schemas.openxmlformats.org/officeDocument/2006/relationships" xmlns:p="http://schemas.openxmlformats.org/presentationml/2006/main">
   <p:cSld>
     <p:spTree>
@@ -14708,10 +17807,10 @@
         </p:nvGrpSpPr>
         <p:grpSpPr>
           <a:xfrm>
-            <a:off x="1702007" y="1983024"/>
-            <a:ext cx="7282387" cy="2709570"/>
-            <a:chOff x="1884887" y="2604286"/>
-            <a:chExt cx="7282387" cy="2709570"/>
+            <a:off x="1702007" y="2592624"/>
+            <a:ext cx="7324691" cy="2099970"/>
+            <a:chOff x="1884887" y="3213886"/>
+            <a:chExt cx="7324691" cy="2099970"/>
           </a:xfrm>
         </p:grpSpPr>
         <p:grpSp>
@@ -14728,10 +17827,10 @@
           </p:nvGrpSpPr>
           <p:grpSpPr>
             <a:xfrm>
-              <a:off x="1884887" y="2604286"/>
-              <a:ext cx="7198153" cy="2709570"/>
-              <a:chOff x="1767656" y="-842298"/>
-              <a:chExt cx="7198153" cy="2709570"/>
+              <a:off x="1884887" y="3213886"/>
+              <a:ext cx="7198153" cy="2099970"/>
+              <a:chOff x="1767656" y="-232698"/>
+              <a:chExt cx="7198153" cy="2099970"/>
             </a:xfrm>
           </p:grpSpPr>
           <p:grpSp>
@@ -15102,7 +18201,7 @@
                       <a:schemeClr val="tx1"/>
                     </a:solidFill>
                   </a:rPr>
-                  <a:t>master</a:t>
+                  <a:t>main</a:t>
                 </a:r>
               </a:p>
               <a:p>
@@ -15128,7 +18227,7 @@
             </p:nvSpPr>
             <p:spPr>
               <a:xfrm>
-                <a:off x="5751400" y="-842298"/>
+                <a:off x="5751400" y="-232698"/>
                 <a:ext cx="1126836" cy="696789"/>
               </a:xfrm>
               <a:prstGeom prst="rect">
@@ -15202,7 +18301,7 @@
             </p:nvSpPr>
             <p:spPr>
               <a:xfrm>
-                <a:off x="6878236" y="-841374"/>
+                <a:off x="6878236" y="-231774"/>
                 <a:ext cx="1126836" cy="696789"/>
               </a:xfrm>
               <a:prstGeom prst="rect">
@@ -15253,7 +18352,7 @@
                       <a:schemeClr val="tx1"/>
                     </a:solidFill>
                   </a:rPr>
-                  <a:t>master</a:t>
+                  <a:t>main</a:t>
                 </a:r>
               </a:p>
               <a:p>
@@ -15339,7 +18438,7 @@
                     <a:schemeClr val="tx1"/>
                   </a:solidFill>
                 </a:rPr>
-                <a:t>origin/master</a:t>
+                <a:t>origin/main</a:t>
               </a:r>
             </a:p>
             <a:p>
@@ -15383,8 +18482,8 @@
           </p:nvCxnSpPr>
           <p:spPr>
             <a:xfrm>
-              <a:off x="7849004" y="3166870"/>
-              <a:ext cx="360276" cy="1598170"/>
+              <a:off x="7898171" y="3847735"/>
+              <a:ext cx="311109" cy="917305"/>
             </a:xfrm>
             <a:prstGeom prst="straightConnector1">
               <a:avLst/>
@@ -15426,7 +18525,7 @@
           </p:nvSpPr>
           <p:spPr>
             <a:xfrm>
-              <a:off x="8040438" y="3572364"/>
+              <a:off x="8082742" y="3973505"/>
               <a:ext cx="1126836" cy="307777"/>
             </a:xfrm>
             <a:prstGeom prst="rect">
@@ -15483,7 +18582,7 @@
 </p:sld>
 </file>
 
-<file path=ppt/slides/slide23.xml><?xml version="1.0" encoding="utf-8"?>
+<file path=ppt/slides/slide26.xml><?xml version="1.0" encoding="utf-8"?>
 <p:sld xmlns:a="http://schemas.openxmlformats.org/drawingml/2006/main" xmlns:r="http://schemas.openxmlformats.org/officeDocument/2006/relationships" xmlns:p="http://schemas.openxmlformats.org/presentationml/2006/main">
   <p:cSld>
     <p:spTree>
@@ -15514,10 +18613,10 @@
         </p:nvGrpSpPr>
         <p:grpSpPr>
           <a:xfrm>
-            <a:off x="1702007" y="1983024"/>
-            <a:ext cx="7282387" cy="2709570"/>
-            <a:chOff x="1884887" y="2604286"/>
-            <a:chExt cx="7282387" cy="2709570"/>
+            <a:off x="1702007" y="2661204"/>
+            <a:ext cx="7241642" cy="2031390"/>
+            <a:chOff x="1884887" y="3282466"/>
+            <a:chExt cx="7241642" cy="2031390"/>
           </a:xfrm>
         </p:grpSpPr>
         <p:grpSp>
@@ -15534,10 +18633,10 @@
           </p:nvGrpSpPr>
           <p:grpSpPr>
             <a:xfrm>
-              <a:off x="1884887" y="2604286"/>
-              <a:ext cx="7198153" cy="2709570"/>
-              <a:chOff x="1767656" y="-842298"/>
-              <a:chExt cx="7198153" cy="2709570"/>
+              <a:off x="1884887" y="3282466"/>
+              <a:ext cx="7198153" cy="2031390"/>
+              <a:chOff x="1767656" y="-164118"/>
+              <a:chExt cx="7198153" cy="2031390"/>
             </a:xfrm>
           </p:grpSpPr>
           <p:grpSp>
@@ -15908,7 +19007,7 @@
                       <a:schemeClr val="tx1"/>
                     </a:solidFill>
                   </a:rPr>
-                  <a:t>master</a:t>
+                  <a:t>main</a:t>
                 </a:r>
               </a:p>
               <a:p>
@@ -15942,7 +19041,7 @@
             </p:nvSpPr>
             <p:spPr>
               <a:xfrm>
-                <a:off x="5751400" y="-842298"/>
+                <a:off x="5751400" y="-164118"/>
                 <a:ext cx="1126836" cy="696789"/>
               </a:xfrm>
               <a:prstGeom prst="rect">
@@ -16016,7 +19115,7 @@
             </p:nvSpPr>
             <p:spPr>
               <a:xfrm>
-                <a:off x="6878236" y="-841374"/>
+                <a:off x="6878236" y="-163194"/>
                 <a:ext cx="1126836" cy="696789"/>
               </a:xfrm>
               <a:prstGeom prst="rect">
@@ -16067,7 +19166,7 @@
                       <a:schemeClr val="tx1"/>
                     </a:solidFill>
                   </a:rPr>
-                  <a:t>master</a:t>
+                  <a:t>main</a:t>
                 </a:r>
               </a:p>
               <a:p>
@@ -16153,7 +19252,7 @@
                     <a:schemeClr val="tx1"/>
                   </a:solidFill>
                 </a:rPr>
-                <a:t>origin/master</a:t>
+                <a:t>origin/main</a:t>
               </a:r>
             </a:p>
             <a:p>
@@ -16242,8 +19341,8 @@
           </p:nvCxnSpPr>
           <p:spPr>
             <a:xfrm>
-              <a:off x="7849004" y="3166870"/>
-              <a:ext cx="360276" cy="1598170"/>
+              <a:off x="7898171" y="3847735"/>
+              <a:ext cx="311109" cy="917305"/>
             </a:xfrm>
             <a:prstGeom prst="straightConnector1">
               <a:avLst/>
@@ -16285,7 +19384,7 @@
           </p:nvSpPr>
           <p:spPr>
             <a:xfrm>
-              <a:off x="8040438" y="3572364"/>
+              <a:off x="7999693" y="3953325"/>
               <a:ext cx="1126836" cy="307777"/>
             </a:xfrm>
             <a:prstGeom prst="rect">
@@ -16327,6 +19426,3790 @@
     <p:extLst>
       <p:ext uri="{BB962C8B-B14F-4D97-AF65-F5344CB8AC3E}">
         <p14:creationId xmlns:p14="http://schemas.microsoft.com/office/powerpoint/2010/main" val="3776596341"/>
+      </p:ext>
+    </p:extLst>
+  </p:cSld>
+  <p:clrMapOvr>
+    <a:masterClrMapping/>
+  </p:clrMapOvr>
+</p:sld>
+</file>
+
+<file path=ppt/slides/slide27.xml><?xml version="1.0" encoding="utf-8"?>
+<p:sld xmlns:a="http://schemas.openxmlformats.org/drawingml/2006/main" xmlns:r="http://schemas.openxmlformats.org/officeDocument/2006/relationships" xmlns:p="http://schemas.openxmlformats.org/presentationml/2006/main">
+  <p:cSld>
+    <p:spTree>
+      <p:nvGrpSpPr>
+        <p:cNvPr id="1" name=""/>
+        <p:cNvGrpSpPr/>
+        <p:nvPr/>
+      </p:nvGrpSpPr>
+      <p:grpSpPr>
+        <a:xfrm>
+          <a:off x="0" y="0"/>
+          <a:ext cx="0" cy="0"/>
+          <a:chOff x="0" y="0"/>
+          <a:chExt cx="0" cy="0"/>
+        </a:xfrm>
+      </p:grpSpPr>
+      <p:grpSp>
+        <p:nvGrpSpPr>
+          <p:cNvPr id="25" name="Group 24">
+            <a:extLst>
+              <a:ext uri="{FF2B5EF4-FFF2-40B4-BE49-F238E27FC236}">
+                <a16:creationId xmlns:a16="http://schemas.microsoft.com/office/drawing/2014/main" id="{9DE39842-CC0C-4694-A39F-75720BC2AEEF}"/>
+              </a:ext>
+            </a:extLst>
+          </p:cNvPr>
+          <p:cNvGrpSpPr/>
+          <p:nvPr/>
+        </p:nvGrpSpPr>
+        <p:grpSpPr>
+          <a:xfrm>
+            <a:off x="1093941" y="1276920"/>
+            <a:ext cx="1537500" cy="4304159"/>
+            <a:chOff x="3114344" y="1176893"/>
+            <a:chExt cx="1537500" cy="4304159"/>
+          </a:xfrm>
+        </p:grpSpPr>
+        <p:cxnSp>
+          <p:nvCxnSpPr>
+            <p:cNvPr id="3" name="Straight Connector 2">
+              <a:extLst>
+                <a:ext uri="{FF2B5EF4-FFF2-40B4-BE49-F238E27FC236}">
+                  <a16:creationId xmlns:a16="http://schemas.microsoft.com/office/drawing/2014/main" id="{A08724D5-B4F7-4CEE-838C-DE571C284851}"/>
+                </a:ext>
+              </a:extLst>
+            </p:cNvPr>
+            <p:cNvCxnSpPr/>
+            <p:nvPr/>
+          </p:nvCxnSpPr>
+          <p:spPr>
+            <a:xfrm>
+              <a:off x="3228639" y="1653540"/>
+              <a:ext cx="0" cy="3792071"/>
+            </a:xfrm>
+            <a:prstGeom prst="line">
+              <a:avLst/>
+            </a:prstGeom>
+            <a:ln w="57150"/>
+          </p:spPr>
+          <p:style>
+            <a:lnRef idx="1">
+              <a:schemeClr val="accent1"/>
+            </a:lnRef>
+            <a:fillRef idx="0">
+              <a:schemeClr val="accent1"/>
+            </a:fillRef>
+            <a:effectRef idx="0">
+              <a:schemeClr val="accent1"/>
+            </a:effectRef>
+            <a:fontRef idx="minor">
+              <a:schemeClr val="tx1"/>
+            </a:fontRef>
+          </p:style>
+        </p:cxnSp>
+        <p:sp>
+          <p:nvSpPr>
+            <p:cNvPr id="5" name="Oval 4">
+              <a:extLst>
+                <a:ext uri="{FF2B5EF4-FFF2-40B4-BE49-F238E27FC236}">
+                  <a16:creationId xmlns:a16="http://schemas.microsoft.com/office/drawing/2014/main" id="{A91783E8-2690-4D20-ABF1-858853B9ACD1}"/>
+                </a:ext>
+              </a:extLst>
+            </p:cNvPr>
+            <p:cNvSpPr/>
+            <p:nvPr/>
+          </p:nvSpPr>
+          <p:spPr>
+            <a:xfrm>
+              <a:off x="3125772" y="5229860"/>
+              <a:ext cx="205734" cy="190500"/>
+            </a:xfrm>
+            <a:prstGeom prst="ellipse">
+              <a:avLst/>
+            </a:prstGeom>
+            <a:solidFill>
+              <a:srgbClr val="92D050"/>
+            </a:solidFill>
+            <a:ln>
+              <a:noFill/>
+            </a:ln>
+          </p:spPr>
+          <p:style>
+            <a:lnRef idx="2">
+              <a:schemeClr val="accent1">
+                <a:shade val="50000"/>
+              </a:schemeClr>
+            </a:lnRef>
+            <a:fillRef idx="1">
+              <a:schemeClr val="accent1"/>
+            </a:fillRef>
+            <a:effectRef idx="0">
+              <a:schemeClr val="accent1"/>
+            </a:effectRef>
+            <a:fontRef idx="minor">
+              <a:schemeClr val="lt1"/>
+            </a:fontRef>
+          </p:style>
+          <p:txBody>
+            <a:bodyPr rtlCol="0" anchor="ctr"/>
+            <a:lstStyle/>
+            <a:p>
+              <a:pPr algn="ctr"/>
+              <a:endParaRPr lang="en-GB"/>
+            </a:p>
+          </p:txBody>
+        </p:sp>
+        <p:sp>
+          <p:nvSpPr>
+            <p:cNvPr id="12" name="Oval 11">
+              <a:extLst>
+                <a:ext uri="{FF2B5EF4-FFF2-40B4-BE49-F238E27FC236}">
+                  <a16:creationId xmlns:a16="http://schemas.microsoft.com/office/drawing/2014/main" id="{0D0AA2C9-6F87-448F-9360-6E9B45476230}"/>
+                </a:ext>
+              </a:extLst>
+            </p:cNvPr>
+            <p:cNvSpPr/>
+            <p:nvPr/>
+          </p:nvSpPr>
+          <p:spPr>
+            <a:xfrm>
+              <a:off x="3125772" y="4702810"/>
+              <a:ext cx="205734" cy="190500"/>
+            </a:xfrm>
+            <a:prstGeom prst="ellipse">
+              <a:avLst/>
+            </a:prstGeom>
+            <a:solidFill>
+              <a:srgbClr val="92D050"/>
+            </a:solidFill>
+            <a:ln>
+              <a:noFill/>
+            </a:ln>
+          </p:spPr>
+          <p:style>
+            <a:lnRef idx="2">
+              <a:schemeClr val="accent1">
+                <a:shade val="50000"/>
+              </a:schemeClr>
+            </a:lnRef>
+            <a:fillRef idx="1">
+              <a:schemeClr val="accent1"/>
+            </a:fillRef>
+            <a:effectRef idx="0">
+              <a:schemeClr val="accent1"/>
+            </a:effectRef>
+            <a:fontRef idx="minor">
+              <a:schemeClr val="lt1"/>
+            </a:fontRef>
+          </p:style>
+          <p:txBody>
+            <a:bodyPr rtlCol="0" anchor="ctr"/>
+            <a:lstStyle/>
+            <a:p>
+              <a:pPr algn="ctr"/>
+              <a:endParaRPr lang="en-GB"/>
+            </a:p>
+          </p:txBody>
+        </p:sp>
+        <p:sp>
+          <p:nvSpPr>
+            <p:cNvPr id="13" name="Oval 12">
+              <a:extLst>
+                <a:ext uri="{FF2B5EF4-FFF2-40B4-BE49-F238E27FC236}">
+                  <a16:creationId xmlns:a16="http://schemas.microsoft.com/office/drawing/2014/main" id="{C84D17C2-086F-493E-8AA1-B94736971518}"/>
+                </a:ext>
+              </a:extLst>
+            </p:cNvPr>
+            <p:cNvSpPr/>
+            <p:nvPr/>
+          </p:nvSpPr>
+          <p:spPr>
+            <a:xfrm>
+              <a:off x="3118450" y="4175760"/>
+              <a:ext cx="205734" cy="190500"/>
+            </a:xfrm>
+            <a:prstGeom prst="ellipse">
+              <a:avLst/>
+            </a:prstGeom>
+            <a:solidFill>
+              <a:srgbClr val="92D050"/>
+            </a:solidFill>
+            <a:ln>
+              <a:noFill/>
+            </a:ln>
+          </p:spPr>
+          <p:style>
+            <a:lnRef idx="2">
+              <a:schemeClr val="accent1">
+                <a:shade val="50000"/>
+              </a:schemeClr>
+            </a:lnRef>
+            <a:fillRef idx="1">
+              <a:schemeClr val="accent1"/>
+            </a:fillRef>
+            <a:effectRef idx="0">
+              <a:schemeClr val="accent1"/>
+            </a:effectRef>
+            <a:fontRef idx="minor">
+              <a:schemeClr val="lt1"/>
+            </a:fontRef>
+          </p:style>
+          <p:txBody>
+            <a:bodyPr rtlCol="0" anchor="ctr"/>
+            <a:lstStyle/>
+            <a:p>
+              <a:pPr algn="ctr"/>
+              <a:endParaRPr lang="en-GB"/>
+            </a:p>
+          </p:txBody>
+        </p:sp>
+        <p:sp>
+          <p:nvSpPr>
+            <p:cNvPr id="14" name="Oval 13">
+              <a:extLst>
+                <a:ext uri="{FF2B5EF4-FFF2-40B4-BE49-F238E27FC236}">
+                  <a16:creationId xmlns:a16="http://schemas.microsoft.com/office/drawing/2014/main" id="{6E4E3EEA-8572-4C93-A4B2-548E11A8A3E0}"/>
+                </a:ext>
+              </a:extLst>
+            </p:cNvPr>
+            <p:cNvSpPr/>
+            <p:nvPr/>
+          </p:nvSpPr>
+          <p:spPr>
+            <a:xfrm>
+              <a:off x="3114344" y="3644900"/>
+              <a:ext cx="205734" cy="190500"/>
+            </a:xfrm>
+            <a:prstGeom prst="ellipse">
+              <a:avLst/>
+            </a:prstGeom>
+            <a:solidFill>
+              <a:srgbClr val="FFC000"/>
+            </a:solidFill>
+            <a:ln>
+              <a:noFill/>
+            </a:ln>
+          </p:spPr>
+          <p:style>
+            <a:lnRef idx="2">
+              <a:schemeClr val="accent1">
+                <a:shade val="50000"/>
+              </a:schemeClr>
+            </a:lnRef>
+            <a:fillRef idx="1">
+              <a:schemeClr val="accent1"/>
+            </a:fillRef>
+            <a:effectRef idx="0">
+              <a:schemeClr val="accent1"/>
+            </a:effectRef>
+            <a:fontRef idx="minor">
+              <a:schemeClr val="lt1"/>
+            </a:fontRef>
+          </p:style>
+          <p:txBody>
+            <a:bodyPr rtlCol="0" anchor="ctr"/>
+            <a:lstStyle/>
+            <a:p>
+              <a:pPr algn="ctr"/>
+              <a:endParaRPr lang="en-GB"/>
+            </a:p>
+          </p:txBody>
+        </p:sp>
+        <p:sp>
+          <p:nvSpPr>
+            <p:cNvPr id="15" name="Oval 14">
+              <a:extLst>
+                <a:ext uri="{FF2B5EF4-FFF2-40B4-BE49-F238E27FC236}">
+                  <a16:creationId xmlns:a16="http://schemas.microsoft.com/office/drawing/2014/main" id="{79BEF233-8BD2-468C-BEFB-B8EADA66841C}"/>
+                </a:ext>
+              </a:extLst>
+            </p:cNvPr>
+            <p:cNvSpPr/>
+            <p:nvPr/>
+          </p:nvSpPr>
+          <p:spPr>
+            <a:xfrm>
+              <a:off x="3114344" y="2590165"/>
+              <a:ext cx="205734" cy="190500"/>
+            </a:xfrm>
+            <a:prstGeom prst="ellipse">
+              <a:avLst/>
+            </a:prstGeom>
+            <a:solidFill>
+              <a:srgbClr val="FFC000"/>
+            </a:solidFill>
+            <a:ln>
+              <a:noFill/>
+            </a:ln>
+          </p:spPr>
+          <p:style>
+            <a:lnRef idx="2">
+              <a:schemeClr val="accent1">
+                <a:shade val="50000"/>
+              </a:schemeClr>
+            </a:lnRef>
+            <a:fillRef idx="1">
+              <a:schemeClr val="accent1"/>
+            </a:fillRef>
+            <a:effectRef idx="0">
+              <a:schemeClr val="accent1"/>
+            </a:effectRef>
+            <a:fontRef idx="minor">
+              <a:schemeClr val="lt1"/>
+            </a:fontRef>
+          </p:style>
+          <p:txBody>
+            <a:bodyPr rtlCol="0" anchor="ctr"/>
+            <a:lstStyle/>
+            <a:p>
+              <a:pPr algn="ctr"/>
+              <a:endParaRPr lang="en-GB"/>
+            </a:p>
+          </p:txBody>
+        </p:sp>
+        <p:sp>
+          <p:nvSpPr>
+            <p:cNvPr id="16" name="Oval 15">
+              <a:extLst>
+                <a:ext uri="{FF2B5EF4-FFF2-40B4-BE49-F238E27FC236}">
+                  <a16:creationId xmlns:a16="http://schemas.microsoft.com/office/drawing/2014/main" id="{399327E7-8A74-4DF1-953A-D7766E604BA5}"/>
+                </a:ext>
+              </a:extLst>
+            </p:cNvPr>
+            <p:cNvSpPr/>
+            <p:nvPr/>
+          </p:nvSpPr>
+          <p:spPr>
+            <a:xfrm>
+              <a:off x="3115767" y="3121025"/>
+              <a:ext cx="205734" cy="190500"/>
+            </a:xfrm>
+            <a:prstGeom prst="ellipse">
+              <a:avLst/>
+            </a:prstGeom>
+            <a:solidFill>
+              <a:srgbClr val="92D050"/>
+            </a:solidFill>
+            <a:ln>
+              <a:noFill/>
+            </a:ln>
+          </p:spPr>
+          <p:style>
+            <a:lnRef idx="2">
+              <a:schemeClr val="accent1">
+                <a:shade val="50000"/>
+              </a:schemeClr>
+            </a:lnRef>
+            <a:fillRef idx="1">
+              <a:schemeClr val="accent1"/>
+            </a:fillRef>
+            <a:effectRef idx="0">
+              <a:schemeClr val="accent1"/>
+            </a:effectRef>
+            <a:fontRef idx="minor">
+              <a:schemeClr val="lt1"/>
+            </a:fontRef>
+          </p:style>
+          <p:txBody>
+            <a:bodyPr rtlCol="0" anchor="ctr"/>
+            <a:lstStyle/>
+            <a:p>
+              <a:pPr algn="ctr"/>
+              <a:endParaRPr lang="en-GB"/>
+            </a:p>
+          </p:txBody>
+        </p:sp>
+        <p:sp>
+          <p:nvSpPr>
+            <p:cNvPr id="17" name="Oval 16">
+              <a:extLst>
+                <a:ext uri="{FF2B5EF4-FFF2-40B4-BE49-F238E27FC236}">
+                  <a16:creationId xmlns:a16="http://schemas.microsoft.com/office/drawing/2014/main" id="{789AB9F2-EE93-4B5D-BBBD-1AB807C23060}"/>
+                </a:ext>
+              </a:extLst>
+            </p:cNvPr>
+            <p:cNvSpPr/>
+            <p:nvPr/>
+          </p:nvSpPr>
+          <p:spPr>
+            <a:xfrm>
+              <a:off x="3125772" y="2066290"/>
+              <a:ext cx="205734" cy="190500"/>
+            </a:xfrm>
+            <a:prstGeom prst="ellipse">
+              <a:avLst/>
+            </a:prstGeom>
+            <a:solidFill>
+              <a:srgbClr val="92D050"/>
+            </a:solidFill>
+            <a:ln>
+              <a:noFill/>
+            </a:ln>
+          </p:spPr>
+          <p:style>
+            <a:lnRef idx="2">
+              <a:schemeClr val="accent1">
+                <a:shade val="50000"/>
+              </a:schemeClr>
+            </a:lnRef>
+            <a:fillRef idx="1">
+              <a:schemeClr val="accent1"/>
+            </a:fillRef>
+            <a:effectRef idx="0">
+              <a:schemeClr val="accent1"/>
+            </a:effectRef>
+            <a:fontRef idx="minor">
+              <a:schemeClr val="lt1"/>
+            </a:fontRef>
+          </p:style>
+          <p:txBody>
+            <a:bodyPr rtlCol="0" anchor="ctr"/>
+            <a:lstStyle/>
+            <a:p>
+              <a:pPr algn="ctr"/>
+              <a:endParaRPr lang="en-GB"/>
+            </a:p>
+          </p:txBody>
+        </p:sp>
+        <p:sp>
+          <p:nvSpPr>
+            <p:cNvPr id="18" name="Oval 17">
+              <a:extLst>
+                <a:ext uri="{FF2B5EF4-FFF2-40B4-BE49-F238E27FC236}">
+                  <a16:creationId xmlns:a16="http://schemas.microsoft.com/office/drawing/2014/main" id="{C308611C-790A-4511-A965-7C3F84890023}"/>
+                </a:ext>
+              </a:extLst>
+            </p:cNvPr>
+            <p:cNvSpPr/>
+            <p:nvPr/>
+          </p:nvSpPr>
+          <p:spPr>
+            <a:xfrm>
+              <a:off x="3125772" y="1546225"/>
+              <a:ext cx="205734" cy="190500"/>
+            </a:xfrm>
+            <a:prstGeom prst="ellipse">
+              <a:avLst/>
+            </a:prstGeom>
+            <a:solidFill>
+              <a:srgbClr val="92D050"/>
+            </a:solidFill>
+            <a:ln>
+              <a:noFill/>
+            </a:ln>
+          </p:spPr>
+          <p:style>
+            <a:lnRef idx="2">
+              <a:schemeClr val="accent1">
+                <a:shade val="50000"/>
+              </a:schemeClr>
+            </a:lnRef>
+            <a:fillRef idx="1">
+              <a:schemeClr val="accent1"/>
+            </a:fillRef>
+            <a:effectRef idx="0">
+              <a:schemeClr val="accent1"/>
+            </a:effectRef>
+            <a:fontRef idx="minor">
+              <a:schemeClr val="lt1"/>
+            </a:fontRef>
+          </p:style>
+          <p:txBody>
+            <a:bodyPr rtlCol="0" anchor="ctr"/>
+            <a:lstStyle/>
+            <a:p>
+              <a:pPr algn="ctr"/>
+              <a:endParaRPr lang="en-GB"/>
+            </a:p>
+          </p:txBody>
+        </p:sp>
+        <p:sp>
+          <p:nvSpPr>
+            <p:cNvPr id="19" name="TextBox 18">
+              <a:extLst>
+                <a:ext uri="{FF2B5EF4-FFF2-40B4-BE49-F238E27FC236}">
+                  <a16:creationId xmlns:a16="http://schemas.microsoft.com/office/drawing/2014/main" id="{5383F0D7-CF43-40B8-A7CE-1006EAD047C0}"/>
+                </a:ext>
+              </a:extLst>
+            </p:cNvPr>
+            <p:cNvSpPr txBox="1"/>
+            <p:nvPr/>
+          </p:nvSpPr>
+          <p:spPr>
+            <a:xfrm>
+              <a:off x="3384064" y="1176893"/>
+              <a:ext cx="794041" cy="369332"/>
+            </a:xfrm>
+            <a:prstGeom prst="rect">
+              <a:avLst/>
+            </a:prstGeom>
+            <a:noFill/>
+          </p:spPr>
+          <p:txBody>
+            <a:bodyPr wrap="square" rtlCol="0">
+              <a:spAutoFit/>
+            </a:bodyPr>
+            <a:lstStyle/>
+            <a:p>
+              <a:r>
+                <a:rPr lang="en-GB" dirty="0">
+                  <a:solidFill>
+                    <a:srgbClr val="0070C0"/>
+                  </a:solidFill>
+                </a:rPr>
+                <a:t>main</a:t>
+              </a:r>
+            </a:p>
+          </p:txBody>
+        </p:sp>
+        <p:cxnSp>
+          <p:nvCxnSpPr>
+            <p:cNvPr id="20" name="Straight Connector 19">
+              <a:extLst>
+                <a:ext uri="{FF2B5EF4-FFF2-40B4-BE49-F238E27FC236}">
+                  <a16:creationId xmlns:a16="http://schemas.microsoft.com/office/drawing/2014/main" id="{BA1BB581-D70A-4385-BC11-B240E0843B57}"/>
+                </a:ext>
+              </a:extLst>
+            </p:cNvPr>
+            <p:cNvCxnSpPr>
+              <a:cxnSpLocks/>
+            </p:cNvCxnSpPr>
+            <p:nvPr/>
+          </p:nvCxnSpPr>
+          <p:spPr>
+            <a:xfrm flipH="1">
+              <a:off x="3228639" y="1456690"/>
+              <a:ext cx="450850" cy="532130"/>
+            </a:xfrm>
+            <a:prstGeom prst="line">
+              <a:avLst/>
+            </a:prstGeom>
+            <a:ln w="6350"/>
+          </p:spPr>
+          <p:style>
+            <a:lnRef idx="1">
+              <a:schemeClr val="accent1"/>
+            </a:lnRef>
+            <a:fillRef idx="0">
+              <a:schemeClr val="accent1"/>
+            </a:fillRef>
+            <a:effectRef idx="0">
+              <a:schemeClr val="accent1"/>
+            </a:effectRef>
+            <a:fontRef idx="minor">
+              <a:schemeClr val="tx1"/>
+            </a:fontRef>
+          </p:style>
+        </p:cxnSp>
+        <p:sp>
+          <p:nvSpPr>
+            <p:cNvPr id="23" name="TextBox 22">
+              <a:extLst>
+                <a:ext uri="{FF2B5EF4-FFF2-40B4-BE49-F238E27FC236}">
+                  <a16:creationId xmlns:a16="http://schemas.microsoft.com/office/drawing/2014/main" id="{105CA360-A9A2-4C83-86C4-F35DD470CFC0}"/>
+                </a:ext>
+              </a:extLst>
+            </p:cNvPr>
+            <p:cNvSpPr txBox="1"/>
+            <p:nvPr/>
+          </p:nvSpPr>
+          <p:spPr>
+            <a:xfrm>
+              <a:off x="3281778" y="5142498"/>
+              <a:ext cx="1370066" cy="338554"/>
+            </a:xfrm>
+            <a:prstGeom prst="rect">
+              <a:avLst/>
+            </a:prstGeom>
+            <a:noFill/>
+          </p:spPr>
+          <p:txBody>
+            <a:bodyPr wrap="square" rtlCol="0">
+              <a:spAutoFit/>
+            </a:bodyPr>
+            <a:lstStyle/>
+            <a:p>
+              <a:r>
+                <a:rPr lang="en-GB" sz="1600" dirty="0">
+                  <a:solidFill>
+                    <a:srgbClr val="92D050"/>
+                  </a:solidFill>
+                </a:rPr>
+                <a:t>my commits</a:t>
+              </a:r>
+            </a:p>
+          </p:txBody>
+        </p:sp>
+        <p:sp>
+          <p:nvSpPr>
+            <p:cNvPr id="24" name="TextBox 23">
+              <a:extLst>
+                <a:ext uri="{FF2B5EF4-FFF2-40B4-BE49-F238E27FC236}">
+                  <a16:creationId xmlns:a16="http://schemas.microsoft.com/office/drawing/2014/main" id="{A554D545-5DB0-4FEE-BAA5-5E2E7207E20E}"/>
+                </a:ext>
+              </a:extLst>
+            </p:cNvPr>
+            <p:cNvSpPr txBox="1"/>
+            <p:nvPr/>
+          </p:nvSpPr>
+          <p:spPr>
+            <a:xfrm>
+              <a:off x="3281778" y="3481630"/>
+              <a:ext cx="1370066" cy="584775"/>
+            </a:xfrm>
+            <a:prstGeom prst="rect">
+              <a:avLst/>
+            </a:prstGeom>
+            <a:noFill/>
+          </p:spPr>
+          <p:txBody>
+            <a:bodyPr wrap="square" rtlCol="0">
+              <a:spAutoFit/>
+            </a:bodyPr>
+            <a:lstStyle/>
+            <a:p>
+              <a:r>
+                <a:rPr lang="en-GB" sz="1600" dirty="0">
+                  <a:solidFill>
+                    <a:srgbClr val="FFC000"/>
+                  </a:solidFill>
+                </a:rPr>
+                <a:t>my friend’s commits</a:t>
+              </a:r>
+            </a:p>
+          </p:txBody>
+        </p:sp>
+      </p:grpSp>
+      <p:grpSp>
+        <p:nvGrpSpPr>
+          <p:cNvPr id="51" name="Group 50">
+            <a:extLst>
+              <a:ext uri="{FF2B5EF4-FFF2-40B4-BE49-F238E27FC236}">
+                <a16:creationId xmlns:a16="http://schemas.microsoft.com/office/drawing/2014/main" id="{56C3AAD8-4B18-486E-8991-5DD09630353B}"/>
+              </a:ext>
+            </a:extLst>
+          </p:cNvPr>
+          <p:cNvGrpSpPr/>
+          <p:nvPr/>
+        </p:nvGrpSpPr>
+        <p:grpSpPr>
+          <a:xfrm>
+            <a:off x="2512043" y="1347470"/>
+            <a:ext cx="3804917" cy="4233609"/>
+            <a:chOff x="5273044" y="1091501"/>
+            <a:chExt cx="3804917" cy="4233609"/>
+          </a:xfrm>
+        </p:grpSpPr>
+        <p:cxnSp>
+          <p:nvCxnSpPr>
+            <p:cNvPr id="60" name="Straight Connector 59">
+              <a:extLst>
+                <a:ext uri="{FF2B5EF4-FFF2-40B4-BE49-F238E27FC236}">
+                  <a16:creationId xmlns:a16="http://schemas.microsoft.com/office/drawing/2014/main" id="{3B528B6A-A63C-4C82-A848-8B3504FA413E}"/>
+                </a:ext>
+              </a:extLst>
+            </p:cNvPr>
+            <p:cNvCxnSpPr>
+              <a:cxnSpLocks/>
+            </p:cNvCxnSpPr>
+            <p:nvPr/>
+          </p:nvCxnSpPr>
+          <p:spPr>
+            <a:xfrm>
+              <a:off x="7343439" y="3661675"/>
+              <a:ext cx="302559" cy="255163"/>
+            </a:xfrm>
+            <a:prstGeom prst="line">
+              <a:avLst/>
+            </a:prstGeom>
+            <a:ln w="57150">
+              <a:solidFill>
+                <a:srgbClr val="92D050"/>
+              </a:solidFill>
+            </a:ln>
+          </p:spPr>
+          <p:style>
+            <a:lnRef idx="1">
+              <a:schemeClr val="accent1"/>
+            </a:lnRef>
+            <a:fillRef idx="0">
+              <a:schemeClr val="accent1"/>
+            </a:fillRef>
+            <a:effectRef idx="0">
+              <a:schemeClr val="accent1"/>
+            </a:effectRef>
+            <a:fontRef idx="minor">
+              <a:schemeClr val="tx1"/>
+            </a:fontRef>
+          </p:style>
+        </p:cxnSp>
+        <p:cxnSp>
+          <p:nvCxnSpPr>
+            <p:cNvPr id="61" name="Straight Connector 60">
+              <a:extLst>
+                <a:ext uri="{FF2B5EF4-FFF2-40B4-BE49-F238E27FC236}">
+                  <a16:creationId xmlns:a16="http://schemas.microsoft.com/office/drawing/2014/main" id="{7127F292-B945-43E0-A2CB-42536691A07D}"/>
+                </a:ext>
+              </a:extLst>
+            </p:cNvPr>
+            <p:cNvCxnSpPr/>
+            <p:nvPr/>
+          </p:nvCxnSpPr>
+          <p:spPr>
+            <a:xfrm>
+              <a:off x="7343439" y="1533039"/>
+              <a:ext cx="0" cy="3792071"/>
+            </a:xfrm>
+            <a:prstGeom prst="line">
+              <a:avLst/>
+            </a:prstGeom>
+            <a:ln w="57150"/>
+          </p:spPr>
+          <p:style>
+            <a:lnRef idx="1">
+              <a:schemeClr val="accent1"/>
+            </a:lnRef>
+            <a:fillRef idx="0">
+              <a:schemeClr val="accent1"/>
+            </a:fillRef>
+            <a:effectRef idx="0">
+              <a:schemeClr val="accent1"/>
+            </a:effectRef>
+            <a:fontRef idx="minor">
+              <a:schemeClr val="tx1"/>
+            </a:fontRef>
+          </p:style>
+        </p:cxnSp>
+        <p:cxnSp>
+          <p:nvCxnSpPr>
+            <p:cNvPr id="63" name="Straight Connector 62">
+              <a:extLst>
+                <a:ext uri="{FF2B5EF4-FFF2-40B4-BE49-F238E27FC236}">
+                  <a16:creationId xmlns:a16="http://schemas.microsoft.com/office/drawing/2014/main" id="{F07E98DF-BC03-4815-9A40-AB47908DC54D}"/>
+                </a:ext>
+              </a:extLst>
+            </p:cNvPr>
+            <p:cNvCxnSpPr>
+              <a:cxnSpLocks/>
+            </p:cNvCxnSpPr>
+            <p:nvPr/>
+          </p:nvCxnSpPr>
+          <p:spPr>
+            <a:xfrm flipH="1">
+              <a:off x="6855759" y="2461260"/>
+              <a:ext cx="487680" cy="502920"/>
+            </a:xfrm>
+            <a:prstGeom prst="line">
+              <a:avLst/>
+            </a:prstGeom>
+            <a:ln w="57150">
+              <a:solidFill>
+                <a:srgbClr val="FFC000"/>
+              </a:solidFill>
+            </a:ln>
+          </p:spPr>
+          <p:style>
+            <a:lnRef idx="1">
+              <a:schemeClr val="accent1"/>
+            </a:lnRef>
+            <a:fillRef idx="0">
+              <a:schemeClr val="accent1"/>
+            </a:fillRef>
+            <a:effectRef idx="0">
+              <a:schemeClr val="accent1"/>
+            </a:effectRef>
+            <a:fontRef idx="minor">
+              <a:schemeClr val="tx1"/>
+            </a:fontRef>
+          </p:style>
+        </p:cxnSp>
+        <p:cxnSp>
+          <p:nvCxnSpPr>
+            <p:cNvPr id="64" name="Straight Connector 63">
+              <a:extLst>
+                <a:ext uri="{FF2B5EF4-FFF2-40B4-BE49-F238E27FC236}">
+                  <a16:creationId xmlns:a16="http://schemas.microsoft.com/office/drawing/2014/main" id="{5B12DA31-459E-4A66-BA68-B024A4F1782D}"/>
+                </a:ext>
+              </a:extLst>
+            </p:cNvPr>
+            <p:cNvCxnSpPr>
+              <a:cxnSpLocks/>
+            </p:cNvCxnSpPr>
+            <p:nvPr/>
+          </p:nvCxnSpPr>
+          <p:spPr>
+            <a:xfrm>
+              <a:off x="7645998" y="3901598"/>
+              <a:ext cx="0" cy="1399042"/>
+            </a:xfrm>
+            <a:prstGeom prst="line">
+              <a:avLst/>
+            </a:prstGeom>
+            <a:ln w="57150">
+              <a:solidFill>
+                <a:srgbClr val="92D050"/>
+              </a:solidFill>
+            </a:ln>
+          </p:spPr>
+          <p:style>
+            <a:lnRef idx="1">
+              <a:schemeClr val="accent1"/>
+            </a:lnRef>
+            <a:fillRef idx="0">
+              <a:schemeClr val="accent1"/>
+            </a:fillRef>
+            <a:effectRef idx="0">
+              <a:schemeClr val="accent1"/>
+            </a:effectRef>
+            <a:fontRef idx="minor">
+              <a:schemeClr val="tx1"/>
+            </a:fontRef>
+          </p:style>
+        </p:cxnSp>
+        <p:cxnSp>
+          <p:nvCxnSpPr>
+            <p:cNvPr id="65" name="Straight Connector 64">
+              <a:extLst>
+                <a:ext uri="{FF2B5EF4-FFF2-40B4-BE49-F238E27FC236}">
+                  <a16:creationId xmlns:a16="http://schemas.microsoft.com/office/drawing/2014/main" id="{27C1A831-4FBD-466F-B35C-4E56454F2817}"/>
+                </a:ext>
+              </a:extLst>
+            </p:cNvPr>
+            <p:cNvCxnSpPr>
+              <a:cxnSpLocks/>
+            </p:cNvCxnSpPr>
+            <p:nvPr/>
+          </p:nvCxnSpPr>
+          <p:spPr>
+            <a:xfrm>
+              <a:off x="6855759" y="2933002"/>
+              <a:ext cx="0" cy="1986131"/>
+            </a:xfrm>
+            <a:prstGeom prst="line">
+              <a:avLst/>
+            </a:prstGeom>
+            <a:ln w="57150">
+              <a:solidFill>
+                <a:srgbClr val="FFC000"/>
+              </a:solidFill>
+            </a:ln>
+          </p:spPr>
+          <p:style>
+            <a:lnRef idx="1">
+              <a:schemeClr val="accent1"/>
+            </a:lnRef>
+            <a:fillRef idx="0">
+              <a:schemeClr val="accent1"/>
+            </a:fillRef>
+            <a:effectRef idx="0">
+              <a:schemeClr val="accent1"/>
+            </a:effectRef>
+            <a:fontRef idx="minor">
+              <a:schemeClr val="tx1"/>
+            </a:fontRef>
+          </p:style>
+        </p:cxnSp>
+        <p:cxnSp>
+          <p:nvCxnSpPr>
+            <p:cNvPr id="66" name="Straight Connector 65">
+              <a:extLst>
+                <a:ext uri="{FF2B5EF4-FFF2-40B4-BE49-F238E27FC236}">
+                  <a16:creationId xmlns:a16="http://schemas.microsoft.com/office/drawing/2014/main" id="{25DB440E-92D2-473B-B849-385323020622}"/>
+                </a:ext>
+              </a:extLst>
+            </p:cNvPr>
+            <p:cNvCxnSpPr>
+              <a:cxnSpLocks/>
+            </p:cNvCxnSpPr>
+            <p:nvPr/>
+          </p:nvCxnSpPr>
+          <p:spPr>
+            <a:xfrm>
+              <a:off x="7343439" y="1877785"/>
+              <a:ext cx="302559" cy="255163"/>
+            </a:xfrm>
+            <a:prstGeom prst="line">
+              <a:avLst/>
+            </a:prstGeom>
+            <a:ln w="57150">
+              <a:solidFill>
+                <a:srgbClr val="92D050"/>
+              </a:solidFill>
+            </a:ln>
+          </p:spPr>
+          <p:style>
+            <a:lnRef idx="1">
+              <a:schemeClr val="accent1"/>
+            </a:lnRef>
+            <a:fillRef idx="0">
+              <a:schemeClr val="accent1"/>
+            </a:fillRef>
+            <a:effectRef idx="0">
+              <a:schemeClr val="accent1"/>
+            </a:effectRef>
+            <a:fontRef idx="minor">
+              <a:schemeClr val="tx1"/>
+            </a:fontRef>
+          </p:style>
+        </p:cxnSp>
+        <p:cxnSp>
+          <p:nvCxnSpPr>
+            <p:cNvPr id="67" name="Straight Connector 66">
+              <a:extLst>
+                <a:ext uri="{FF2B5EF4-FFF2-40B4-BE49-F238E27FC236}">
+                  <a16:creationId xmlns:a16="http://schemas.microsoft.com/office/drawing/2014/main" id="{1B06B956-A9D4-4426-8079-CA5A0E522C0E}"/>
+                </a:ext>
+              </a:extLst>
+            </p:cNvPr>
+            <p:cNvCxnSpPr>
+              <a:cxnSpLocks/>
+            </p:cNvCxnSpPr>
+            <p:nvPr/>
+          </p:nvCxnSpPr>
+          <p:spPr>
+            <a:xfrm>
+              <a:off x="7645998" y="2117708"/>
+              <a:ext cx="0" cy="579772"/>
+            </a:xfrm>
+            <a:prstGeom prst="line">
+              <a:avLst/>
+            </a:prstGeom>
+            <a:ln w="57150">
+              <a:solidFill>
+                <a:srgbClr val="92D050"/>
+              </a:solidFill>
+            </a:ln>
+          </p:spPr>
+          <p:style>
+            <a:lnRef idx="1">
+              <a:schemeClr val="accent1"/>
+            </a:lnRef>
+            <a:fillRef idx="0">
+              <a:schemeClr val="accent1"/>
+            </a:fillRef>
+            <a:effectRef idx="0">
+              <a:schemeClr val="accent1"/>
+            </a:effectRef>
+            <a:fontRef idx="minor">
+              <a:schemeClr val="tx1"/>
+            </a:fontRef>
+          </p:style>
+        </p:cxnSp>
+        <p:sp>
+          <p:nvSpPr>
+            <p:cNvPr id="68" name="Oval 67">
+              <a:extLst>
+                <a:ext uri="{FF2B5EF4-FFF2-40B4-BE49-F238E27FC236}">
+                  <a16:creationId xmlns:a16="http://schemas.microsoft.com/office/drawing/2014/main" id="{1BD8C725-BB2A-470B-840D-044A13E9BF60}"/>
+                </a:ext>
+              </a:extLst>
+            </p:cNvPr>
+            <p:cNvSpPr/>
+            <p:nvPr/>
+          </p:nvSpPr>
+          <p:spPr>
+            <a:xfrm>
+              <a:off x="7551889" y="5067965"/>
+              <a:ext cx="205734" cy="190500"/>
+            </a:xfrm>
+            <a:prstGeom prst="ellipse">
+              <a:avLst/>
+            </a:prstGeom>
+            <a:solidFill>
+              <a:srgbClr val="92D050"/>
+            </a:solidFill>
+            <a:ln>
+              <a:noFill/>
+            </a:ln>
+          </p:spPr>
+          <p:style>
+            <a:lnRef idx="2">
+              <a:schemeClr val="accent1">
+                <a:shade val="50000"/>
+              </a:schemeClr>
+            </a:lnRef>
+            <a:fillRef idx="1">
+              <a:schemeClr val="accent1"/>
+            </a:fillRef>
+            <a:effectRef idx="0">
+              <a:schemeClr val="accent1"/>
+            </a:effectRef>
+            <a:fontRef idx="minor">
+              <a:schemeClr val="lt1"/>
+            </a:fontRef>
+          </p:style>
+          <p:txBody>
+            <a:bodyPr rtlCol="0" anchor="ctr"/>
+            <a:lstStyle/>
+            <a:p>
+              <a:pPr algn="ctr"/>
+              <a:endParaRPr lang="en-GB"/>
+            </a:p>
+          </p:txBody>
+        </p:sp>
+        <p:sp>
+          <p:nvSpPr>
+            <p:cNvPr id="69" name="TextBox 68">
+              <a:extLst>
+                <a:ext uri="{FF2B5EF4-FFF2-40B4-BE49-F238E27FC236}">
+                  <a16:creationId xmlns:a16="http://schemas.microsoft.com/office/drawing/2014/main" id="{8D9D19D8-E699-4C4D-9E3A-329189A7A760}"/>
+                </a:ext>
+              </a:extLst>
+            </p:cNvPr>
+            <p:cNvSpPr txBox="1"/>
+            <p:nvPr/>
+          </p:nvSpPr>
+          <p:spPr>
+            <a:xfrm>
+              <a:off x="7707895" y="4980603"/>
+              <a:ext cx="1370066" cy="338554"/>
+            </a:xfrm>
+            <a:prstGeom prst="rect">
+              <a:avLst/>
+            </a:prstGeom>
+            <a:noFill/>
+          </p:spPr>
+          <p:txBody>
+            <a:bodyPr wrap="square" rtlCol="0">
+              <a:spAutoFit/>
+            </a:bodyPr>
+            <a:lstStyle/>
+            <a:p>
+              <a:r>
+                <a:rPr lang="en-GB" sz="1600" dirty="0">
+                  <a:solidFill>
+                    <a:srgbClr val="92D050"/>
+                  </a:solidFill>
+                </a:rPr>
+                <a:t>my commits</a:t>
+              </a:r>
+            </a:p>
+          </p:txBody>
+        </p:sp>
+        <p:sp>
+          <p:nvSpPr>
+            <p:cNvPr id="70" name="Oval 69">
+              <a:extLst>
+                <a:ext uri="{FF2B5EF4-FFF2-40B4-BE49-F238E27FC236}">
+                  <a16:creationId xmlns:a16="http://schemas.microsoft.com/office/drawing/2014/main" id="{6BE179B5-18DE-4A8D-A066-6E4A9905B553}"/>
+                </a:ext>
+              </a:extLst>
+            </p:cNvPr>
+            <p:cNvSpPr/>
+            <p:nvPr/>
+          </p:nvSpPr>
+          <p:spPr>
+            <a:xfrm>
+              <a:off x="7543131" y="4629803"/>
+              <a:ext cx="205734" cy="190500"/>
+            </a:xfrm>
+            <a:prstGeom prst="ellipse">
+              <a:avLst/>
+            </a:prstGeom>
+            <a:solidFill>
+              <a:srgbClr val="92D050"/>
+            </a:solidFill>
+            <a:ln>
+              <a:noFill/>
+            </a:ln>
+          </p:spPr>
+          <p:style>
+            <a:lnRef idx="2">
+              <a:schemeClr val="accent1">
+                <a:shade val="50000"/>
+              </a:schemeClr>
+            </a:lnRef>
+            <a:fillRef idx="1">
+              <a:schemeClr val="accent1"/>
+            </a:fillRef>
+            <a:effectRef idx="0">
+              <a:schemeClr val="accent1"/>
+            </a:effectRef>
+            <a:fontRef idx="minor">
+              <a:schemeClr val="lt1"/>
+            </a:fontRef>
+          </p:style>
+          <p:txBody>
+            <a:bodyPr rtlCol="0" anchor="ctr"/>
+            <a:lstStyle/>
+            <a:p>
+              <a:pPr algn="ctr"/>
+              <a:endParaRPr lang="en-GB"/>
+            </a:p>
+          </p:txBody>
+        </p:sp>
+        <p:sp>
+          <p:nvSpPr>
+            <p:cNvPr id="71" name="Oval 70">
+              <a:extLst>
+                <a:ext uri="{FF2B5EF4-FFF2-40B4-BE49-F238E27FC236}">
+                  <a16:creationId xmlns:a16="http://schemas.microsoft.com/office/drawing/2014/main" id="{16269B3A-2CF9-4E12-9D91-24BDF2A3573B}"/>
+                </a:ext>
+              </a:extLst>
+            </p:cNvPr>
+            <p:cNvSpPr/>
+            <p:nvPr/>
+          </p:nvSpPr>
+          <p:spPr>
+            <a:xfrm>
+              <a:off x="7543131" y="4164500"/>
+              <a:ext cx="205734" cy="190500"/>
+            </a:xfrm>
+            <a:prstGeom prst="ellipse">
+              <a:avLst/>
+            </a:prstGeom>
+            <a:solidFill>
+              <a:srgbClr val="92D050"/>
+            </a:solidFill>
+            <a:ln>
+              <a:noFill/>
+            </a:ln>
+          </p:spPr>
+          <p:style>
+            <a:lnRef idx="2">
+              <a:schemeClr val="accent1">
+                <a:shade val="50000"/>
+              </a:schemeClr>
+            </a:lnRef>
+            <a:fillRef idx="1">
+              <a:schemeClr val="accent1"/>
+            </a:fillRef>
+            <a:effectRef idx="0">
+              <a:schemeClr val="accent1"/>
+            </a:effectRef>
+            <a:fontRef idx="minor">
+              <a:schemeClr val="lt1"/>
+            </a:fontRef>
+          </p:style>
+          <p:txBody>
+            <a:bodyPr rtlCol="0" anchor="ctr"/>
+            <a:lstStyle/>
+            <a:p>
+              <a:pPr algn="ctr"/>
+              <a:endParaRPr lang="en-GB"/>
+            </a:p>
+          </p:txBody>
+        </p:sp>
+        <p:sp>
+          <p:nvSpPr>
+            <p:cNvPr id="72" name="Oval 71">
+              <a:extLst>
+                <a:ext uri="{FF2B5EF4-FFF2-40B4-BE49-F238E27FC236}">
+                  <a16:creationId xmlns:a16="http://schemas.microsoft.com/office/drawing/2014/main" id="{2DD461ED-6A35-4021-86BA-13674677CEE2}"/>
+                </a:ext>
+              </a:extLst>
+            </p:cNvPr>
+            <p:cNvSpPr/>
+            <p:nvPr/>
+          </p:nvSpPr>
+          <p:spPr>
+            <a:xfrm>
+              <a:off x="7543131" y="2515112"/>
+              <a:ext cx="205734" cy="190500"/>
+            </a:xfrm>
+            <a:prstGeom prst="ellipse">
+              <a:avLst/>
+            </a:prstGeom>
+            <a:solidFill>
+              <a:srgbClr val="92D050"/>
+            </a:solidFill>
+            <a:ln>
+              <a:noFill/>
+            </a:ln>
+          </p:spPr>
+          <p:style>
+            <a:lnRef idx="2">
+              <a:schemeClr val="accent1">
+                <a:shade val="50000"/>
+              </a:schemeClr>
+            </a:lnRef>
+            <a:fillRef idx="1">
+              <a:schemeClr val="accent1"/>
+            </a:fillRef>
+            <a:effectRef idx="0">
+              <a:schemeClr val="accent1"/>
+            </a:effectRef>
+            <a:fontRef idx="minor">
+              <a:schemeClr val="lt1"/>
+            </a:fontRef>
+          </p:style>
+          <p:txBody>
+            <a:bodyPr rtlCol="0" anchor="ctr"/>
+            <a:lstStyle/>
+            <a:p>
+              <a:pPr algn="ctr"/>
+              <a:endParaRPr lang="en-GB"/>
+            </a:p>
+          </p:txBody>
+        </p:sp>
+        <p:sp>
+          <p:nvSpPr>
+            <p:cNvPr id="73" name="Oval 72">
+              <a:extLst>
+                <a:ext uri="{FF2B5EF4-FFF2-40B4-BE49-F238E27FC236}">
+                  <a16:creationId xmlns:a16="http://schemas.microsoft.com/office/drawing/2014/main" id="{EFD48D84-4967-4B0C-8CDE-7C5CFD3C5D5D}"/>
+                </a:ext>
+              </a:extLst>
+            </p:cNvPr>
+            <p:cNvSpPr/>
+            <p:nvPr/>
+          </p:nvSpPr>
+          <p:spPr>
+            <a:xfrm>
+              <a:off x="7543131" y="2109401"/>
+              <a:ext cx="205734" cy="190500"/>
+            </a:xfrm>
+            <a:prstGeom prst="ellipse">
+              <a:avLst/>
+            </a:prstGeom>
+            <a:solidFill>
+              <a:srgbClr val="92D050"/>
+            </a:solidFill>
+            <a:ln>
+              <a:noFill/>
+            </a:ln>
+          </p:spPr>
+          <p:style>
+            <a:lnRef idx="2">
+              <a:schemeClr val="accent1">
+                <a:shade val="50000"/>
+              </a:schemeClr>
+            </a:lnRef>
+            <a:fillRef idx="1">
+              <a:schemeClr val="accent1"/>
+            </a:fillRef>
+            <a:effectRef idx="0">
+              <a:schemeClr val="accent1"/>
+            </a:effectRef>
+            <a:fontRef idx="minor">
+              <a:schemeClr val="lt1"/>
+            </a:fontRef>
+          </p:style>
+          <p:txBody>
+            <a:bodyPr rtlCol="0" anchor="ctr"/>
+            <a:lstStyle/>
+            <a:p>
+              <a:pPr algn="ctr"/>
+              <a:endParaRPr lang="en-GB"/>
+            </a:p>
+          </p:txBody>
+        </p:sp>
+        <p:sp>
+          <p:nvSpPr>
+            <p:cNvPr id="74" name="Oval 73">
+              <a:extLst>
+                <a:ext uri="{FF2B5EF4-FFF2-40B4-BE49-F238E27FC236}">
+                  <a16:creationId xmlns:a16="http://schemas.microsoft.com/office/drawing/2014/main" id="{072ABAE9-159E-45FF-AF13-4183725E7DB9}"/>
+                </a:ext>
+              </a:extLst>
+            </p:cNvPr>
+            <p:cNvSpPr/>
+            <p:nvPr/>
+          </p:nvSpPr>
+          <p:spPr>
+            <a:xfrm>
+              <a:off x="6752892" y="4641630"/>
+              <a:ext cx="205734" cy="190500"/>
+            </a:xfrm>
+            <a:prstGeom prst="ellipse">
+              <a:avLst/>
+            </a:prstGeom>
+            <a:solidFill>
+              <a:srgbClr val="FFC000"/>
+            </a:solidFill>
+            <a:ln>
+              <a:noFill/>
+            </a:ln>
+          </p:spPr>
+          <p:style>
+            <a:lnRef idx="2">
+              <a:schemeClr val="accent1">
+                <a:shade val="50000"/>
+              </a:schemeClr>
+            </a:lnRef>
+            <a:fillRef idx="1">
+              <a:schemeClr val="accent1"/>
+            </a:fillRef>
+            <a:effectRef idx="0">
+              <a:schemeClr val="accent1"/>
+            </a:effectRef>
+            <a:fontRef idx="minor">
+              <a:schemeClr val="lt1"/>
+            </a:fontRef>
+          </p:style>
+          <p:txBody>
+            <a:bodyPr rtlCol="0" anchor="ctr"/>
+            <a:lstStyle/>
+            <a:p>
+              <a:pPr algn="ctr"/>
+              <a:endParaRPr lang="en-GB"/>
+            </a:p>
+          </p:txBody>
+        </p:sp>
+        <p:sp>
+          <p:nvSpPr>
+            <p:cNvPr id="75" name="TextBox 74">
+              <a:extLst>
+                <a:ext uri="{FF2B5EF4-FFF2-40B4-BE49-F238E27FC236}">
+                  <a16:creationId xmlns:a16="http://schemas.microsoft.com/office/drawing/2014/main" id="{E0B7F7B5-79D1-49E1-93E7-09B45C336930}"/>
+                </a:ext>
+              </a:extLst>
+            </p:cNvPr>
+            <p:cNvSpPr txBox="1"/>
+            <p:nvPr/>
+          </p:nvSpPr>
+          <p:spPr>
+            <a:xfrm>
+              <a:off x="5661660" y="4456032"/>
+              <a:ext cx="1112643" cy="584775"/>
+            </a:xfrm>
+            <a:prstGeom prst="rect">
+              <a:avLst/>
+            </a:prstGeom>
+            <a:noFill/>
+          </p:spPr>
+          <p:txBody>
+            <a:bodyPr wrap="square" rtlCol="0">
+              <a:spAutoFit/>
+            </a:bodyPr>
+            <a:lstStyle/>
+            <a:p>
+              <a:pPr algn="r"/>
+              <a:r>
+                <a:rPr lang="en-GB" sz="1600" dirty="0">
+                  <a:solidFill>
+                    <a:srgbClr val="FFC000"/>
+                  </a:solidFill>
+                </a:rPr>
+                <a:t>my friend’s commits</a:t>
+              </a:r>
+            </a:p>
+          </p:txBody>
+        </p:sp>
+        <p:sp>
+          <p:nvSpPr>
+            <p:cNvPr id="76" name="Oval 75">
+              <a:extLst>
+                <a:ext uri="{FF2B5EF4-FFF2-40B4-BE49-F238E27FC236}">
+                  <a16:creationId xmlns:a16="http://schemas.microsoft.com/office/drawing/2014/main" id="{7D625A1F-4DF9-41F4-B6CB-D1908CD08624}"/>
+                </a:ext>
+              </a:extLst>
+            </p:cNvPr>
+            <p:cNvSpPr/>
+            <p:nvPr/>
+          </p:nvSpPr>
+          <p:spPr>
+            <a:xfrm>
+              <a:off x="6752892" y="4215259"/>
+              <a:ext cx="205734" cy="190500"/>
+            </a:xfrm>
+            <a:prstGeom prst="ellipse">
+              <a:avLst/>
+            </a:prstGeom>
+            <a:solidFill>
+              <a:srgbClr val="FFC000"/>
+            </a:solidFill>
+            <a:ln>
+              <a:noFill/>
+            </a:ln>
+          </p:spPr>
+          <p:style>
+            <a:lnRef idx="2">
+              <a:schemeClr val="accent1">
+                <a:shade val="50000"/>
+              </a:schemeClr>
+            </a:lnRef>
+            <a:fillRef idx="1">
+              <a:schemeClr val="accent1"/>
+            </a:fillRef>
+            <a:effectRef idx="0">
+              <a:schemeClr val="accent1"/>
+            </a:effectRef>
+            <a:fontRef idx="minor">
+              <a:schemeClr val="lt1"/>
+            </a:fontRef>
+          </p:style>
+          <p:txBody>
+            <a:bodyPr rtlCol="0" anchor="ctr"/>
+            <a:lstStyle/>
+            <a:p>
+              <a:pPr algn="ctr"/>
+              <a:endParaRPr lang="en-GB"/>
+            </a:p>
+          </p:txBody>
+        </p:sp>
+        <p:sp>
+          <p:nvSpPr>
+            <p:cNvPr id="77" name="Oval 76">
+              <a:extLst>
+                <a:ext uri="{FF2B5EF4-FFF2-40B4-BE49-F238E27FC236}">
+                  <a16:creationId xmlns:a16="http://schemas.microsoft.com/office/drawing/2014/main" id="{BDD1C272-DAC2-4200-81E1-54EB9E1C5344}"/>
+                </a:ext>
+              </a:extLst>
+            </p:cNvPr>
+            <p:cNvSpPr/>
+            <p:nvPr/>
+          </p:nvSpPr>
+          <p:spPr>
+            <a:xfrm>
+              <a:off x="6751956" y="3788888"/>
+              <a:ext cx="205734" cy="190500"/>
+            </a:xfrm>
+            <a:prstGeom prst="ellipse">
+              <a:avLst/>
+            </a:prstGeom>
+            <a:solidFill>
+              <a:srgbClr val="FFC000"/>
+            </a:solidFill>
+            <a:ln>
+              <a:noFill/>
+            </a:ln>
+          </p:spPr>
+          <p:style>
+            <a:lnRef idx="2">
+              <a:schemeClr val="accent1">
+                <a:shade val="50000"/>
+              </a:schemeClr>
+            </a:lnRef>
+            <a:fillRef idx="1">
+              <a:schemeClr val="accent1"/>
+            </a:fillRef>
+            <a:effectRef idx="0">
+              <a:schemeClr val="accent1"/>
+            </a:effectRef>
+            <a:fontRef idx="minor">
+              <a:schemeClr val="lt1"/>
+            </a:fontRef>
+          </p:style>
+          <p:txBody>
+            <a:bodyPr rtlCol="0" anchor="ctr"/>
+            <a:lstStyle/>
+            <a:p>
+              <a:pPr algn="ctr"/>
+              <a:endParaRPr lang="en-GB"/>
+            </a:p>
+          </p:txBody>
+        </p:sp>
+        <p:sp>
+          <p:nvSpPr>
+            <p:cNvPr id="78" name="Oval 77">
+              <a:extLst>
+                <a:ext uri="{FF2B5EF4-FFF2-40B4-BE49-F238E27FC236}">
+                  <a16:creationId xmlns:a16="http://schemas.microsoft.com/office/drawing/2014/main" id="{9C7F9431-ED8E-436B-BE7D-4028FA0F71C8}"/>
+                </a:ext>
+              </a:extLst>
+            </p:cNvPr>
+            <p:cNvSpPr/>
+            <p:nvPr/>
+          </p:nvSpPr>
+          <p:spPr>
+            <a:xfrm>
+              <a:off x="6748594" y="3362517"/>
+              <a:ext cx="205734" cy="190500"/>
+            </a:xfrm>
+            <a:prstGeom prst="ellipse">
+              <a:avLst/>
+            </a:prstGeom>
+            <a:solidFill>
+              <a:srgbClr val="FFC000"/>
+            </a:solidFill>
+            <a:ln>
+              <a:noFill/>
+            </a:ln>
+          </p:spPr>
+          <p:style>
+            <a:lnRef idx="2">
+              <a:schemeClr val="accent1">
+                <a:shade val="50000"/>
+              </a:schemeClr>
+            </a:lnRef>
+            <a:fillRef idx="1">
+              <a:schemeClr val="accent1"/>
+            </a:fillRef>
+            <a:effectRef idx="0">
+              <a:schemeClr val="accent1"/>
+            </a:effectRef>
+            <a:fontRef idx="minor">
+              <a:schemeClr val="lt1"/>
+            </a:fontRef>
+          </p:style>
+          <p:txBody>
+            <a:bodyPr rtlCol="0" anchor="ctr"/>
+            <a:lstStyle/>
+            <a:p>
+              <a:pPr algn="ctr"/>
+              <a:endParaRPr lang="en-GB"/>
+            </a:p>
+          </p:txBody>
+        </p:sp>
+        <p:sp>
+          <p:nvSpPr>
+            <p:cNvPr id="79" name="Oval 78">
+              <a:extLst>
+                <a:ext uri="{FF2B5EF4-FFF2-40B4-BE49-F238E27FC236}">
+                  <a16:creationId xmlns:a16="http://schemas.microsoft.com/office/drawing/2014/main" id="{9063A8D3-66CC-454A-87B4-25B52B512978}"/>
+                </a:ext>
+              </a:extLst>
+            </p:cNvPr>
+            <p:cNvSpPr/>
+            <p:nvPr/>
+          </p:nvSpPr>
+          <p:spPr>
+            <a:xfrm>
+              <a:off x="6755278" y="2986865"/>
+              <a:ext cx="205734" cy="190500"/>
+            </a:xfrm>
+            <a:prstGeom prst="ellipse">
+              <a:avLst/>
+            </a:prstGeom>
+            <a:solidFill>
+              <a:srgbClr val="FFC000"/>
+            </a:solidFill>
+            <a:ln>
+              <a:noFill/>
+            </a:ln>
+          </p:spPr>
+          <p:style>
+            <a:lnRef idx="2">
+              <a:schemeClr val="accent1">
+                <a:shade val="50000"/>
+              </a:schemeClr>
+            </a:lnRef>
+            <a:fillRef idx="1">
+              <a:schemeClr val="accent1"/>
+            </a:fillRef>
+            <a:effectRef idx="0">
+              <a:schemeClr val="accent1"/>
+            </a:effectRef>
+            <a:fontRef idx="minor">
+              <a:schemeClr val="lt1"/>
+            </a:fontRef>
+          </p:style>
+          <p:txBody>
+            <a:bodyPr rtlCol="0" anchor="ctr"/>
+            <a:lstStyle/>
+            <a:p>
+              <a:pPr algn="ctr"/>
+              <a:endParaRPr lang="en-GB"/>
+            </a:p>
+          </p:txBody>
+        </p:sp>
+        <p:sp>
+          <p:nvSpPr>
+            <p:cNvPr id="80" name="Oval 79">
+              <a:extLst>
+                <a:ext uri="{FF2B5EF4-FFF2-40B4-BE49-F238E27FC236}">
+                  <a16:creationId xmlns:a16="http://schemas.microsoft.com/office/drawing/2014/main" id="{8B224138-B191-469F-B1E6-1961CA462514}"/>
+                </a:ext>
+              </a:extLst>
+            </p:cNvPr>
+            <p:cNvSpPr/>
+            <p:nvPr/>
+          </p:nvSpPr>
+          <p:spPr>
+            <a:xfrm>
+              <a:off x="7240571" y="1806650"/>
+              <a:ext cx="205734" cy="190500"/>
+            </a:xfrm>
+            <a:prstGeom prst="ellipse">
+              <a:avLst/>
+            </a:prstGeom>
+            <a:solidFill>
+              <a:srgbClr val="0070C0"/>
+            </a:solidFill>
+            <a:ln>
+              <a:noFill/>
+            </a:ln>
+          </p:spPr>
+          <p:style>
+            <a:lnRef idx="2">
+              <a:schemeClr val="accent1">
+                <a:shade val="50000"/>
+              </a:schemeClr>
+            </a:lnRef>
+            <a:fillRef idx="1">
+              <a:schemeClr val="accent1"/>
+            </a:fillRef>
+            <a:effectRef idx="0">
+              <a:schemeClr val="accent1"/>
+            </a:effectRef>
+            <a:fontRef idx="minor">
+              <a:schemeClr val="lt1"/>
+            </a:fontRef>
+          </p:style>
+          <p:txBody>
+            <a:bodyPr rtlCol="0" anchor="ctr"/>
+            <a:lstStyle/>
+            <a:p>
+              <a:pPr algn="ctr"/>
+              <a:endParaRPr lang="en-GB"/>
+            </a:p>
+          </p:txBody>
+        </p:sp>
+        <p:sp>
+          <p:nvSpPr>
+            <p:cNvPr id="81" name="Oval 80">
+              <a:extLst>
+                <a:ext uri="{FF2B5EF4-FFF2-40B4-BE49-F238E27FC236}">
+                  <a16:creationId xmlns:a16="http://schemas.microsoft.com/office/drawing/2014/main" id="{0AEA9166-52D6-49FF-964A-A15DCB146204}"/>
+                </a:ext>
+              </a:extLst>
+            </p:cNvPr>
+            <p:cNvSpPr/>
+            <p:nvPr/>
+          </p:nvSpPr>
+          <p:spPr>
+            <a:xfrm>
+              <a:off x="7237676" y="3612405"/>
+              <a:ext cx="205734" cy="190500"/>
+            </a:xfrm>
+            <a:prstGeom prst="ellipse">
+              <a:avLst/>
+            </a:prstGeom>
+            <a:solidFill>
+              <a:srgbClr val="0070C0"/>
+            </a:solidFill>
+            <a:ln>
+              <a:noFill/>
+            </a:ln>
+          </p:spPr>
+          <p:style>
+            <a:lnRef idx="2">
+              <a:schemeClr val="accent1">
+                <a:shade val="50000"/>
+              </a:schemeClr>
+            </a:lnRef>
+            <a:fillRef idx="1">
+              <a:schemeClr val="accent1"/>
+            </a:fillRef>
+            <a:effectRef idx="0">
+              <a:schemeClr val="accent1"/>
+            </a:effectRef>
+            <a:fontRef idx="minor">
+              <a:schemeClr val="lt1"/>
+            </a:fontRef>
+          </p:style>
+          <p:txBody>
+            <a:bodyPr rtlCol="0" anchor="ctr"/>
+            <a:lstStyle/>
+            <a:p>
+              <a:pPr algn="ctr"/>
+              <a:endParaRPr lang="en-GB"/>
+            </a:p>
+          </p:txBody>
+        </p:sp>
+        <p:sp>
+          <p:nvSpPr>
+            <p:cNvPr id="82" name="Oval 81">
+              <a:extLst>
+                <a:ext uri="{FF2B5EF4-FFF2-40B4-BE49-F238E27FC236}">
+                  <a16:creationId xmlns:a16="http://schemas.microsoft.com/office/drawing/2014/main" id="{3C29334C-6008-4E04-A7F5-F501ACA6654D}"/>
+                </a:ext>
+              </a:extLst>
+            </p:cNvPr>
+            <p:cNvSpPr/>
+            <p:nvPr/>
+          </p:nvSpPr>
+          <p:spPr>
+            <a:xfrm>
+              <a:off x="7237676" y="2415536"/>
+              <a:ext cx="205734" cy="190500"/>
+            </a:xfrm>
+            <a:prstGeom prst="ellipse">
+              <a:avLst/>
+            </a:prstGeom>
+            <a:solidFill>
+              <a:srgbClr val="0070C0"/>
+            </a:solidFill>
+            <a:ln>
+              <a:noFill/>
+            </a:ln>
+          </p:spPr>
+          <p:style>
+            <a:lnRef idx="2">
+              <a:schemeClr val="accent1">
+                <a:shade val="50000"/>
+              </a:schemeClr>
+            </a:lnRef>
+            <a:fillRef idx="1">
+              <a:schemeClr val="accent1"/>
+            </a:fillRef>
+            <a:effectRef idx="0">
+              <a:schemeClr val="accent1"/>
+            </a:effectRef>
+            <a:fontRef idx="minor">
+              <a:schemeClr val="lt1"/>
+            </a:fontRef>
+          </p:style>
+          <p:txBody>
+            <a:bodyPr rtlCol="0" anchor="ctr"/>
+            <a:lstStyle/>
+            <a:p>
+              <a:pPr algn="ctr"/>
+              <a:endParaRPr lang="en-GB"/>
+            </a:p>
+          </p:txBody>
+        </p:sp>
+        <p:sp>
+          <p:nvSpPr>
+            <p:cNvPr id="83" name="TextBox 82">
+              <a:extLst>
+                <a:ext uri="{FF2B5EF4-FFF2-40B4-BE49-F238E27FC236}">
+                  <a16:creationId xmlns:a16="http://schemas.microsoft.com/office/drawing/2014/main" id="{64E96CA0-EFC2-4561-A015-F25E66C4D9D4}"/>
+                </a:ext>
+              </a:extLst>
+            </p:cNvPr>
+            <p:cNvSpPr txBox="1"/>
+            <p:nvPr/>
+          </p:nvSpPr>
+          <p:spPr>
+            <a:xfrm>
+              <a:off x="7536963" y="1091501"/>
+              <a:ext cx="794041" cy="369332"/>
+            </a:xfrm>
+            <a:prstGeom prst="rect">
+              <a:avLst/>
+            </a:prstGeom>
+            <a:noFill/>
+          </p:spPr>
+          <p:txBody>
+            <a:bodyPr wrap="square" rtlCol="0">
+              <a:spAutoFit/>
+            </a:bodyPr>
+            <a:lstStyle/>
+            <a:p>
+              <a:r>
+                <a:rPr lang="en-GB" dirty="0">
+                  <a:solidFill>
+                    <a:srgbClr val="0070C0"/>
+                  </a:solidFill>
+                </a:rPr>
+                <a:t>main</a:t>
+              </a:r>
+            </a:p>
+          </p:txBody>
+        </p:sp>
+        <p:cxnSp>
+          <p:nvCxnSpPr>
+            <p:cNvPr id="84" name="Straight Connector 83">
+              <a:extLst>
+                <a:ext uri="{FF2B5EF4-FFF2-40B4-BE49-F238E27FC236}">
+                  <a16:creationId xmlns:a16="http://schemas.microsoft.com/office/drawing/2014/main" id="{BC0B6770-4262-4C0E-8231-03348688A6CB}"/>
+                </a:ext>
+              </a:extLst>
+            </p:cNvPr>
+            <p:cNvCxnSpPr>
+              <a:cxnSpLocks/>
+            </p:cNvCxnSpPr>
+            <p:nvPr/>
+          </p:nvCxnSpPr>
+          <p:spPr>
+            <a:xfrm flipH="1">
+              <a:off x="7369106" y="1371298"/>
+              <a:ext cx="463282" cy="341630"/>
+            </a:xfrm>
+            <a:prstGeom prst="line">
+              <a:avLst/>
+            </a:prstGeom>
+            <a:ln w="6350"/>
+          </p:spPr>
+          <p:style>
+            <a:lnRef idx="1">
+              <a:schemeClr val="accent1"/>
+            </a:lnRef>
+            <a:fillRef idx="0">
+              <a:schemeClr val="accent1"/>
+            </a:fillRef>
+            <a:effectRef idx="0">
+              <a:schemeClr val="accent1"/>
+            </a:effectRef>
+            <a:fontRef idx="minor">
+              <a:schemeClr val="tx1"/>
+            </a:fontRef>
+          </p:style>
+        </p:cxnSp>
+        <p:sp>
+          <p:nvSpPr>
+            <p:cNvPr id="85" name="TextBox 84">
+              <a:extLst>
+                <a:ext uri="{FF2B5EF4-FFF2-40B4-BE49-F238E27FC236}">
+                  <a16:creationId xmlns:a16="http://schemas.microsoft.com/office/drawing/2014/main" id="{1BB77007-CE5B-479E-8B8C-8322C49112B6}"/>
+                </a:ext>
+              </a:extLst>
+            </p:cNvPr>
+            <p:cNvSpPr txBox="1"/>
+            <p:nvPr/>
+          </p:nvSpPr>
+          <p:spPr>
+            <a:xfrm>
+              <a:off x="7671664" y="1646988"/>
+              <a:ext cx="1370066" cy="369332"/>
+            </a:xfrm>
+            <a:prstGeom prst="rect">
+              <a:avLst/>
+            </a:prstGeom>
+            <a:noFill/>
+          </p:spPr>
+          <p:txBody>
+            <a:bodyPr wrap="square" rtlCol="0">
+              <a:spAutoFit/>
+            </a:bodyPr>
+            <a:lstStyle/>
+            <a:p>
+              <a:r>
+                <a:rPr lang="en-GB" dirty="0">
+                  <a:solidFill>
+                    <a:srgbClr val="92D050"/>
+                  </a:solidFill>
+                </a:rPr>
+                <a:t>my_branch2</a:t>
+              </a:r>
+            </a:p>
+          </p:txBody>
+        </p:sp>
+        <p:cxnSp>
+          <p:nvCxnSpPr>
+            <p:cNvPr id="86" name="Straight Connector 85">
+              <a:extLst>
+                <a:ext uri="{FF2B5EF4-FFF2-40B4-BE49-F238E27FC236}">
+                  <a16:creationId xmlns:a16="http://schemas.microsoft.com/office/drawing/2014/main" id="{E5AD00C4-1E18-44B5-8241-C8D10DCE783A}"/>
+                </a:ext>
+              </a:extLst>
+            </p:cNvPr>
+            <p:cNvCxnSpPr>
+              <a:cxnSpLocks/>
+            </p:cNvCxnSpPr>
+            <p:nvPr/>
+          </p:nvCxnSpPr>
+          <p:spPr>
+            <a:xfrm flipH="1">
+              <a:off x="7653065" y="1955841"/>
+              <a:ext cx="450850" cy="532130"/>
+            </a:xfrm>
+            <a:prstGeom prst="line">
+              <a:avLst/>
+            </a:prstGeom>
+            <a:ln w="6350">
+              <a:solidFill>
+                <a:srgbClr val="92D050"/>
+              </a:solidFill>
+            </a:ln>
+          </p:spPr>
+          <p:style>
+            <a:lnRef idx="1">
+              <a:schemeClr val="accent1"/>
+            </a:lnRef>
+            <a:fillRef idx="0">
+              <a:schemeClr val="accent1"/>
+            </a:fillRef>
+            <a:effectRef idx="0">
+              <a:schemeClr val="accent1"/>
+            </a:effectRef>
+            <a:fontRef idx="minor">
+              <a:schemeClr val="tx1"/>
+            </a:fontRef>
+          </p:style>
+        </p:cxnSp>
+        <p:sp>
+          <p:nvSpPr>
+            <p:cNvPr id="87" name="TextBox 86">
+              <a:extLst>
+                <a:ext uri="{FF2B5EF4-FFF2-40B4-BE49-F238E27FC236}">
+                  <a16:creationId xmlns:a16="http://schemas.microsoft.com/office/drawing/2014/main" id="{C6DCC2F5-23F5-42C8-BCB8-664CC173A195}"/>
+                </a:ext>
+              </a:extLst>
+            </p:cNvPr>
+            <p:cNvSpPr txBox="1"/>
+            <p:nvPr/>
+          </p:nvSpPr>
+          <p:spPr>
+            <a:xfrm>
+              <a:off x="7681219" y="3071816"/>
+              <a:ext cx="1370066" cy="369332"/>
+            </a:xfrm>
+            <a:prstGeom prst="rect">
+              <a:avLst/>
+            </a:prstGeom>
+            <a:noFill/>
+          </p:spPr>
+          <p:txBody>
+            <a:bodyPr wrap="square" rtlCol="0">
+              <a:spAutoFit/>
+            </a:bodyPr>
+            <a:lstStyle/>
+            <a:p>
+              <a:r>
+                <a:rPr lang="en-GB" dirty="0">
+                  <a:solidFill>
+                    <a:srgbClr val="92D050"/>
+                  </a:solidFill>
+                </a:rPr>
+                <a:t>my_branch1</a:t>
+              </a:r>
+            </a:p>
+          </p:txBody>
+        </p:sp>
+        <p:cxnSp>
+          <p:nvCxnSpPr>
+            <p:cNvPr id="88" name="Straight Connector 87">
+              <a:extLst>
+                <a:ext uri="{FF2B5EF4-FFF2-40B4-BE49-F238E27FC236}">
+                  <a16:creationId xmlns:a16="http://schemas.microsoft.com/office/drawing/2014/main" id="{ED77D162-8BC7-460D-90CD-EA8A020837DD}"/>
+                </a:ext>
+              </a:extLst>
+            </p:cNvPr>
+            <p:cNvCxnSpPr>
+              <a:cxnSpLocks/>
+            </p:cNvCxnSpPr>
+            <p:nvPr/>
+          </p:nvCxnSpPr>
+          <p:spPr>
+            <a:xfrm flipH="1">
+              <a:off x="7662620" y="3380669"/>
+              <a:ext cx="450850" cy="532130"/>
+            </a:xfrm>
+            <a:prstGeom prst="line">
+              <a:avLst/>
+            </a:prstGeom>
+            <a:ln w="6350">
+              <a:solidFill>
+                <a:srgbClr val="92D050"/>
+              </a:solidFill>
+            </a:ln>
+          </p:spPr>
+          <p:style>
+            <a:lnRef idx="1">
+              <a:schemeClr val="accent1"/>
+            </a:lnRef>
+            <a:fillRef idx="0">
+              <a:schemeClr val="accent1"/>
+            </a:fillRef>
+            <a:effectRef idx="0">
+              <a:schemeClr val="accent1"/>
+            </a:effectRef>
+            <a:fontRef idx="minor">
+              <a:schemeClr val="tx1"/>
+            </a:fontRef>
+          </p:style>
+        </p:cxnSp>
+        <p:sp>
+          <p:nvSpPr>
+            <p:cNvPr id="89" name="TextBox 88">
+              <a:extLst>
+                <a:ext uri="{FF2B5EF4-FFF2-40B4-BE49-F238E27FC236}">
+                  <a16:creationId xmlns:a16="http://schemas.microsoft.com/office/drawing/2014/main" id="{4C8C3016-C555-4662-96D6-68092E3D16C1}"/>
+                </a:ext>
+              </a:extLst>
+            </p:cNvPr>
+            <p:cNvSpPr txBox="1"/>
+            <p:nvPr/>
+          </p:nvSpPr>
+          <p:spPr>
+            <a:xfrm>
+              <a:off x="5273044" y="2223165"/>
+              <a:ext cx="1550150" cy="369332"/>
+            </a:xfrm>
+            <a:prstGeom prst="rect">
+              <a:avLst/>
+            </a:prstGeom>
+            <a:noFill/>
+          </p:spPr>
+          <p:txBody>
+            <a:bodyPr wrap="square" rtlCol="0">
+              <a:spAutoFit/>
+            </a:bodyPr>
+            <a:lstStyle/>
+            <a:p>
+              <a:r>
+                <a:rPr lang="en-GB" dirty="0" err="1">
+                  <a:solidFill>
+                    <a:srgbClr val="FFC000"/>
+                  </a:solidFill>
+                </a:rPr>
+                <a:t>friend_branch</a:t>
+              </a:r>
+              <a:endParaRPr lang="en-GB" dirty="0">
+                <a:solidFill>
+                  <a:srgbClr val="FFC000"/>
+                </a:solidFill>
+              </a:endParaRPr>
+            </a:p>
+          </p:txBody>
+        </p:sp>
+        <p:cxnSp>
+          <p:nvCxnSpPr>
+            <p:cNvPr id="90" name="Straight Connector 89">
+              <a:extLst>
+                <a:ext uri="{FF2B5EF4-FFF2-40B4-BE49-F238E27FC236}">
+                  <a16:creationId xmlns:a16="http://schemas.microsoft.com/office/drawing/2014/main" id="{33BC4F95-9CD6-45A1-BB53-AC27CC19A7A0}"/>
+                </a:ext>
+              </a:extLst>
+            </p:cNvPr>
+            <p:cNvCxnSpPr>
+              <a:cxnSpLocks/>
+            </p:cNvCxnSpPr>
+            <p:nvPr/>
+          </p:nvCxnSpPr>
+          <p:spPr>
+            <a:xfrm>
+              <a:off x="6485412" y="2561619"/>
+              <a:ext cx="433084" cy="308343"/>
+            </a:xfrm>
+            <a:prstGeom prst="line">
+              <a:avLst/>
+            </a:prstGeom>
+            <a:ln w="6350">
+              <a:solidFill>
+                <a:srgbClr val="FFC000"/>
+              </a:solidFill>
+            </a:ln>
+          </p:spPr>
+          <p:style>
+            <a:lnRef idx="1">
+              <a:schemeClr val="accent1"/>
+            </a:lnRef>
+            <a:fillRef idx="0">
+              <a:schemeClr val="accent1"/>
+            </a:fillRef>
+            <a:effectRef idx="0">
+              <a:schemeClr val="accent1"/>
+            </a:effectRef>
+            <a:fontRef idx="minor">
+              <a:schemeClr val="tx1"/>
+            </a:fontRef>
+          </p:style>
+        </p:cxnSp>
+      </p:grpSp>
+      <p:grpSp>
+        <p:nvGrpSpPr>
+          <p:cNvPr id="6" name="Group 5">
+            <a:extLst>
+              <a:ext uri="{FF2B5EF4-FFF2-40B4-BE49-F238E27FC236}">
+                <a16:creationId xmlns:a16="http://schemas.microsoft.com/office/drawing/2014/main" id="{E31FA954-4966-438A-9DEC-900B6CE677A2}"/>
+              </a:ext>
+            </a:extLst>
+          </p:cNvPr>
+          <p:cNvGrpSpPr/>
+          <p:nvPr/>
+        </p:nvGrpSpPr>
+        <p:grpSpPr>
+          <a:xfrm>
+            <a:off x="7059276" y="1341517"/>
+            <a:ext cx="3864701" cy="4233609"/>
+            <a:chOff x="7059276" y="1341517"/>
+            <a:chExt cx="3864701" cy="4233609"/>
+          </a:xfrm>
+        </p:grpSpPr>
+        <p:grpSp>
+          <p:nvGrpSpPr>
+            <p:cNvPr id="62" name="Group 61">
+              <a:extLst>
+                <a:ext uri="{FF2B5EF4-FFF2-40B4-BE49-F238E27FC236}">
+                  <a16:creationId xmlns:a16="http://schemas.microsoft.com/office/drawing/2014/main" id="{02B737C5-1ADF-4E4B-B1AC-363B98E9BEFC}"/>
+                </a:ext>
+              </a:extLst>
+            </p:cNvPr>
+            <p:cNvGrpSpPr/>
+            <p:nvPr/>
+          </p:nvGrpSpPr>
+          <p:grpSpPr>
+            <a:xfrm>
+              <a:off x="7059276" y="1341517"/>
+              <a:ext cx="3804917" cy="4233609"/>
+              <a:chOff x="5273044" y="1091501"/>
+              <a:chExt cx="3804917" cy="4233609"/>
+            </a:xfrm>
+          </p:grpSpPr>
+          <p:cxnSp>
+            <p:nvCxnSpPr>
+              <p:cNvPr id="7" name="Straight Connector 6">
+                <a:extLst>
+                  <a:ext uri="{FF2B5EF4-FFF2-40B4-BE49-F238E27FC236}">
+                    <a16:creationId xmlns:a16="http://schemas.microsoft.com/office/drawing/2014/main" id="{17C22F2D-DDE6-46F3-8319-DFEB7E690243}"/>
+                  </a:ext>
+                </a:extLst>
+              </p:cNvPr>
+              <p:cNvCxnSpPr>
+                <a:cxnSpLocks/>
+              </p:cNvCxnSpPr>
+              <p:nvPr/>
+            </p:nvCxnSpPr>
+            <p:spPr>
+              <a:xfrm>
+                <a:off x="7343439" y="3661675"/>
+                <a:ext cx="302559" cy="255163"/>
+              </a:xfrm>
+              <a:prstGeom prst="line">
+                <a:avLst/>
+              </a:prstGeom>
+              <a:ln w="57150">
+                <a:solidFill>
+                  <a:srgbClr val="92D050"/>
+                </a:solidFill>
+              </a:ln>
+            </p:spPr>
+            <p:style>
+              <a:lnRef idx="1">
+                <a:schemeClr val="accent1"/>
+              </a:lnRef>
+              <a:fillRef idx="0">
+                <a:schemeClr val="accent1"/>
+              </a:fillRef>
+              <a:effectRef idx="0">
+                <a:schemeClr val="accent1"/>
+              </a:effectRef>
+              <a:fontRef idx="minor">
+                <a:schemeClr val="tx1"/>
+              </a:fontRef>
+            </p:style>
+          </p:cxnSp>
+          <p:cxnSp>
+            <p:nvCxnSpPr>
+              <p:cNvPr id="4" name="Straight Connector 3">
+                <a:extLst>
+                  <a:ext uri="{FF2B5EF4-FFF2-40B4-BE49-F238E27FC236}">
+                    <a16:creationId xmlns:a16="http://schemas.microsoft.com/office/drawing/2014/main" id="{48571FD3-526A-4897-B589-0AF72B6B8B47}"/>
+                  </a:ext>
+                </a:extLst>
+              </p:cNvPr>
+              <p:cNvCxnSpPr/>
+              <p:nvPr/>
+            </p:nvCxnSpPr>
+            <p:spPr>
+              <a:xfrm>
+                <a:off x="7343439" y="1533039"/>
+                <a:ext cx="0" cy="3792071"/>
+              </a:xfrm>
+              <a:prstGeom prst="line">
+                <a:avLst/>
+              </a:prstGeom>
+              <a:ln w="57150"/>
+            </p:spPr>
+            <p:style>
+              <a:lnRef idx="1">
+                <a:schemeClr val="accent1"/>
+              </a:lnRef>
+              <a:fillRef idx="0">
+                <a:schemeClr val="accent1"/>
+              </a:fillRef>
+              <a:effectRef idx="0">
+                <a:schemeClr val="accent1"/>
+              </a:effectRef>
+              <a:fontRef idx="minor">
+                <a:schemeClr val="tx1"/>
+              </a:fontRef>
+            </p:style>
+          </p:cxnSp>
+          <p:cxnSp>
+            <p:nvCxnSpPr>
+              <p:cNvPr id="8" name="Straight Connector 7">
+                <a:extLst>
+                  <a:ext uri="{FF2B5EF4-FFF2-40B4-BE49-F238E27FC236}">
+                    <a16:creationId xmlns:a16="http://schemas.microsoft.com/office/drawing/2014/main" id="{6F069331-47F1-47AE-A3B4-B3615F86C269}"/>
+                  </a:ext>
+                </a:extLst>
+              </p:cNvPr>
+              <p:cNvCxnSpPr>
+                <a:cxnSpLocks/>
+              </p:cNvCxnSpPr>
+              <p:nvPr/>
+            </p:nvCxnSpPr>
+            <p:spPr>
+              <a:xfrm flipH="1">
+                <a:off x="6855759" y="2461260"/>
+                <a:ext cx="487680" cy="502920"/>
+              </a:xfrm>
+              <a:prstGeom prst="line">
+                <a:avLst/>
+              </a:prstGeom>
+              <a:ln w="57150">
+                <a:solidFill>
+                  <a:srgbClr val="FFC000"/>
+                </a:solidFill>
+              </a:ln>
+            </p:spPr>
+            <p:style>
+              <a:lnRef idx="1">
+                <a:schemeClr val="accent1"/>
+              </a:lnRef>
+              <a:fillRef idx="0">
+                <a:schemeClr val="accent1"/>
+              </a:fillRef>
+              <a:effectRef idx="0">
+                <a:schemeClr val="accent1"/>
+              </a:effectRef>
+              <a:fontRef idx="minor">
+                <a:schemeClr val="tx1"/>
+              </a:fontRef>
+            </p:style>
+          </p:cxnSp>
+          <p:cxnSp>
+            <p:nvCxnSpPr>
+              <p:cNvPr id="9" name="Straight Connector 8">
+                <a:extLst>
+                  <a:ext uri="{FF2B5EF4-FFF2-40B4-BE49-F238E27FC236}">
+                    <a16:creationId xmlns:a16="http://schemas.microsoft.com/office/drawing/2014/main" id="{A60B27E5-06B8-4B72-8C48-29FD030783B1}"/>
+                  </a:ext>
+                </a:extLst>
+              </p:cNvPr>
+              <p:cNvCxnSpPr>
+                <a:cxnSpLocks/>
+              </p:cNvCxnSpPr>
+              <p:nvPr/>
+            </p:nvCxnSpPr>
+            <p:spPr>
+              <a:xfrm>
+                <a:off x="7645998" y="3901598"/>
+                <a:ext cx="0" cy="1399042"/>
+              </a:xfrm>
+              <a:prstGeom prst="line">
+                <a:avLst/>
+              </a:prstGeom>
+              <a:ln w="57150">
+                <a:solidFill>
+                  <a:srgbClr val="92D050"/>
+                </a:solidFill>
+              </a:ln>
+            </p:spPr>
+            <p:style>
+              <a:lnRef idx="1">
+                <a:schemeClr val="accent1"/>
+              </a:lnRef>
+              <a:fillRef idx="0">
+                <a:schemeClr val="accent1"/>
+              </a:fillRef>
+              <a:effectRef idx="0">
+                <a:schemeClr val="accent1"/>
+              </a:effectRef>
+              <a:fontRef idx="minor">
+                <a:schemeClr val="tx1"/>
+              </a:fontRef>
+            </p:style>
+          </p:cxnSp>
+          <p:cxnSp>
+            <p:nvCxnSpPr>
+              <p:cNvPr id="10" name="Straight Connector 9">
+                <a:extLst>
+                  <a:ext uri="{FF2B5EF4-FFF2-40B4-BE49-F238E27FC236}">
+                    <a16:creationId xmlns:a16="http://schemas.microsoft.com/office/drawing/2014/main" id="{32FFA977-CE2B-4308-904B-22C0CD2C1256}"/>
+                  </a:ext>
+                </a:extLst>
+              </p:cNvPr>
+              <p:cNvCxnSpPr>
+                <a:cxnSpLocks/>
+              </p:cNvCxnSpPr>
+              <p:nvPr/>
+            </p:nvCxnSpPr>
+            <p:spPr>
+              <a:xfrm>
+                <a:off x="6855759" y="2933002"/>
+                <a:ext cx="0" cy="1986131"/>
+              </a:xfrm>
+              <a:prstGeom prst="line">
+                <a:avLst/>
+              </a:prstGeom>
+              <a:ln w="57150">
+                <a:solidFill>
+                  <a:srgbClr val="FFC000"/>
+                </a:solidFill>
+              </a:ln>
+            </p:spPr>
+            <p:style>
+              <a:lnRef idx="1">
+                <a:schemeClr val="accent1"/>
+              </a:lnRef>
+              <a:fillRef idx="0">
+                <a:schemeClr val="accent1"/>
+              </a:fillRef>
+              <a:effectRef idx="0">
+                <a:schemeClr val="accent1"/>
+              </a:effectRef>
+              <a:fontRef idx="minor">
+                <a:schemeClr val="tx1"/>
+              </a:fontRef>
+            </p:style>
+          </p:cxnSp>
+          <p:cxnSp>
+            <p:nvCxnSpPr>
+              <p:cNvPr id="33" name="Straight Connector 32">
+                <a:extLst>
+                  <a:ext uri="{FF2B5EF4-FFF2-40B4-BE49-F238E27FC236}">
+                    <a16:creationId xmlns:a16="http://schemas.microsoft.com/office/drawing/2014/main" id="{6899587C-2B86-48CD-87EB-7F6CAB9151D4}"/>
+                  </a:ext>
+                </a:extLst>
+              </p:cNvPr>
+              <p:cNvCxnSpPr>
+                <a:cxnSpLocks/>
+              </p:cNvCxnSpPr>
+              <p:nvPr/>
+            </p:nvCxnSpPr>
+            <p:spPr>
+              <a:xfrm>
+                <a:off x="7343439" y="1877785"/>
+                <a:ext cx="302559" cy="255163"/>
+              </a:xfrm>
+              <a:prstGeom prst="line">
+                <a:avLst/>
+              </a:prstGeom>
+              <a:ln w="57150">
+                <a:solidFill>
+                  <a:srgbClr val="92D050"/>
+                </a:solidFill>
+              </a:ln>
+            </p:spPr>
+            <p:style>
+              <a:lnRef idx="1">
+                <a:schemeClr val="accent1"/>
+              </a:lnRef>
+              <a:fillRef idx="0">
+                <a:schemeClr val="accent1"/>
+              </a:fillRef>
+              <a:effectRef idx="0">
+                <a:schemeClr val="accent1"/>
+              </a:effectRef>
+              <a:fontRef idx="minor">
+                <a:schemeClr val="tx1"/>
+              </a:fontRef>
+            </p:style>
+          </p:cxnSp>
+          <p:cxnSp>
+            <p:nvCxnSpPr>
+              <p:cNvPr id="34" name="Straight Connector 33">
+                <a:extLst>
+                  <a:ext uri="{FF2B5EF4-FFF2-40B4-BE49-F238E27FC236}">
+                    <a16:creationId xmlns:a16="http://schemas.microsoft.com/office/drawing/2014/main" id="{30C34C19-17E2-452D-B6C0-759EB99C7079}"/>
+                  </a:ext>
+                </a:extLst>
+              </p:cNvPr>
+              <p:cNvCxnSpPr>
+                <a:cxnSpLocks/>
+              </p:cNvCxnSpPr>
+              <p:nvPr/>
+            </p:nvCxnSpPr>
+            <p:spPr>
+              <a:xfrm>
+                <a:off x="7645998" y="2117708"/>
+                <a:ext cx="0" cy="579772"/>
+              </a:xfrm>
+              <a:prstGeom prst="line">
+                <a:avLst/>
+              </a:prstGeom>
+              <a:ln w="57150">
+                <a:solidFill>
+                  <a:srgbClr val="92D050"/>
+                </a:solidFill>
+              </a:ln>
+            </p:spPr>
+            <p:style>
+              <a:lnRef idx="1">
+                <a:schemeClr val="accent1"/>
+              </a:lnRef>
+              <a:fillRef idx="0">
+                <a:schemeClr val="accent1"/>
+              </a:fillRef>
+              <a:effectRef idx="0">
+                <a:schemeClr val="accent1"/>
+              </a:effectRef>
+              <a:fontRef idx="minor">
+                <a:schemeClr val="tx1"/>
+              </a:fontRef>
+            </p:style>
+          </p:cxnSp>
+          <p:sp>
+            <p:nvSpPr>
+              <p:cNvPr id="37" name="Oval 36">
+                <a:extLst>
+                  <a:ext uri="{FF2B5EF4-FFF2-40B4-BE49-F238E27FC236}">
+                    <a16:creationId xmlns:a16="http://schemas.microsoft.com/office/drawing/2014/main" id="{0C40C3D6-D422-4EC7-85F6-D779F759EA2B}"/>
+                  </a:ext>
+                </a:extLst>
+              </p:cNvPr>
+              <p:cNvSpPr/>
+              <p:nvPr/>
+            </p:nvSpPr>
+            <p:spPr>
+              <a:xfrm>
+                <a:off x="7551889" y="5067965"/>
+                <a:ext cx="205734" cy="190500"/>
+              </a:xfrm>
+              <a:prstGeom prst="ellipse">
+                <a:avLst/>
+              </a:prstGeom>
+              <a:solidFill>
+                <a:srgbClr val="92D050"/>
+              </a:solidFill>
+              <a:ln>
+                <a:noFill/>
+              </a:ln>
+            </p:spPr>
+            <p:style>
+              <a:lnRef idx="2">
+                <a:schemeClr val="accent1">
+                  <a:shade val="50000"/>
+                </a:schemeClr>
+              </a:lnRef>
+              <a:fillRef idx="1">
+                <a:schemeClr val="accent1"/>
+              </a:fillRef>
+              <a:effectRef idx="0">
+                <a:schemeClr val="accent1"/>
+              </a:effectRef>
+              <a:fontRef idx="minor">
+                <a:schemeClr val="lt1"/>
+              </a:fontRef>
+            </p:style>
+            <p:txBody>
+              <a:bodyPr rtlCol="0" anchor="ctr"/>
+              <a:lstStyle/>
+              <a:p>
+                <a:pPr algn="ctr"/>
+                <a:endParaRPr lang="en-GB"/>
+              </a:p>
+            </p:txBody>
+          </p:sp>
+          <p:sp>
+            <p:nvSpPr>
+              <p:cNvPr id="38" name="TextBox 37">
+                <a:extLst>
+                  <a:ext uri="{FF2B5EF4-FFF2-40B4-BE49-F238E27FC236}">
+                    <a16:creationId xmlns:a16="http://schemas.microsoft.com/office/drawing/2014/main" id="{35F7FEFC-F4D7-4876-9122-C8A44127164E}"/>
+                  </a:ext>
+                </a:extLst>
+              </p:cNvPr>
+              <p:cNvSpPr txBox="1"/>
+              <p:nvPr/>
+            </p:nvSpPr>
+            <p:spPr>
+              <a:xfrm>
+                <a:off x="7707895" y="4980603"/>
+                <a:ext cx="1370066" cy="338554"/>
+              </a:xfrm>
+              <a:prstGeom prst="rect">
+                <a:avLst/>
+              </a:prstGeom>
+              <a:noFill/>
+            </p:spPr>
+            <p:txBody>
+              <a:bodyPr wrap="square" rtlCol="0">
+                <a:spAutoFit/>
+              </a:bodyPr>
+              <a:lstStyle/>
+              <a:p>
+                <a:r>
+                  <a:rPr lang="en-GB" sz="1600" dirty="0">
+                    <a:solidFill>
+                      <a:srgbClr val="92D050"/>
+                    </a:solidFill>
+                  </a:rPr>
+                  <a:t>my commits</a:t>
+                </a:r>
+              </a:p>
+            </p:txBody>
+          </p:sp>
+          <p:sp>
+            <p:nvSpPr>
+              <p:cNvPr id="39" name="Oval 38">
+                <a:extLst>
+                  <a:ext uri="{FF2B5EF4-FFF2-40B4-BE49-F238E27FC236}">
+                    <a16:creationId xmlns:a16="http://schemas.microsoft.com/office/drawing/2014/main" id="{2ABBD4AC-E0E6-44C4-A854-1E76FCFA624F}"/>
+                  </a:ext>
+                </a:extLst>
+              </p:cNvPr>
+              <p:cNvSpPr/>
+              <p:nvPr/>
+            </p:nvSpPr>
+            <p:spPr>
+              <a:xfrm>
+                <a:off x="7543131" y="4629803"/>
+                <a:ext cx="205734" cy="190500"/>
+              </a:xfrm>
+              <a:prstGeom prst="ellipse">
+                <a:avLst/>
+              </a:prstGeom>
+              <a:solidFill>
+                <a:srgbClr val="92D050"/>
+              </a:solidFill>
+              <a:ln>
+                <a:noFill/>
+              </a:ln>
+            </p:spPr>
+            <p:style>
+              <a:lnRef idx="2">
+                <a:schemeClr val="accent1">
+                  <a:shade val="50000"/>
+                </a:schemeClr>
+              </a:lnRef>
+              <a:fillRef idx="1">
+                <a:schemeClr val="accent1"/>
+              </a:fillRef>
+              <a:effectRef idx="0">
+                <a:schemeClr val="accent1"/>
+              </a:effectRef>
+              <a:fontRef idx="minor">
+                <a:schemeClr val="lt1"/>
+              </a:fontRef>
+            </p:style>
+            <p:txBody>
+              <a:bodyPr rtlCol="0" anchor="ctr"/>
+              <a:lstStyle/>
+              <a:p>
+                <a:pPr algn="ctr"/>
+                <a:endParaRPr lang="en-GB"/>
+              </a:p>
+            </p:txBody>
+          </p:sp>
+          <p:sp>
+            <p:nvSpPr>
+              <p:cNvPr id="40" name="Oval 39">
+                <a:extLst>
+                  <a:ext uri="{FF2B5EF4-FFF2-40B4-BE49-F238E27FC236}">
+                    <a16:creationId xmlns:a16="http://schemas.microsoft.com/office/drawing/2014/main" id="{293552C8-5D5E-4388-A3E7-63A644C53C12}"/>
+                  </a:ext>
+                </a:extLst>
+              </p:cNvPr>
+              <p:cNvSpPr/>
+              <p:nvPr/>
+            </p:nvSpPr>
+            <p:spPr>
+              <a:xfrm>
+                <a:off x="7543131" y="4164500"/>
+                <a:ext cx="205734" cy="190500"/>
+              </a:xfrm>
+              <a:prstGeom prst="ellipse">
+                <a:avLst/>
+              </a:prstGeom>
+              <a:solidFill>
+                <a:srgbClr val="92D050"/>
+              </a:solidFill>
+              <a:ln>
+                <a:noFill/>
+              </a:ln>
+            </p:spPr>
+            <p:style>
+              <a:lnRef idx="2">
+                <a:schemeClr val="accent1">
+                  <a:shade val="50000"/>
+                </a:schemeClr>
+              </a:lnRef>
+              <a:fillRef idx="1">
+                <a:schemeClr val="accent1"/>
+              </a:fillRef>
+              <a:effectRef idx="0">
+                <a:schemeClr val="accent1"/>
+              </a:effectRef>
+              <a:fontRef idx="minor">
+                <a:schemeClr val="lt1"/>
+              </a:fontRef>
+            </p:style>
+            <p:txBody>
+              <a:bodyPr rtlCol="0" anchor="ctr"/>
+              <a:lstStyle/>
+              <a:p>
+                <a:pPr algn="ctr"/>
+                <a:endParaRPr lang="en-GB"/>
+              </a:p>
+            </p:txBody>
+          </p:sp>
+          <p:sp>
+            <p:nvSpPr>
+              <p:cNvPr id="41" name="Oval 40">
+                <a:extLst>
+                  <a:ext uri="{FF2B5EF4-FFF2-40B4-BE49-F238E27FC236}">
+                    <a16:creationId xmlns:a16="http://schemas.microsoft.com/office/drawing/2014/main" id="{E730B112-27FA-4032-B5CD-BE2314930342}"/>
+                  </a:ext>
+                </a:extLst>
+              </p:cNvPr>
+              <p:cNvSpPr/>
+              <p:nvPr/>
+            </p:nvSpPr>
+            <p:spPr>
+              <a:xfrm>
+                <a:off x="7543131" y="2515112"/>
+                <a:ext cx="205734" cy="190500"/>
+              </a:xfrm>
+              <a:prstGeom prst="ellipse">
+                <a:avLst/>
+              </a:prstGeom>
+              <a:solidFill>
+                <a:srgbClr val="92D050"/>
+              </a:solidFill>
+              <a:ln>
+                <a:noFill/>
+              </a:ln>
+            </p:spPr>
+            <p:style>
+              <a:lnRef idx="2">
+                <a:schemeClr val="accent1">
+                  <a:shade val="50000"/>
+                </a:schemeClr>
+              </a:lnRef>
+              <a:fillRef idx="1">
+                <a:schemeClr val="accent1"/>
+              </a:fillRef>
+              <a:effectRef idx="0">
+                <a:schemeClr val="accent1"/>
+              </a:effectRef>
+              <a:fontRef idx="minor">
+                <a:schemeClr val="lt1"/>
+              </a:fontRef>
+            </p:style>
+            <p:txBody>
+              <a:bodyPr rtlCol="0" anchor="ctr"/>
+              <a:lstStyle/>
+              <a:p>
+                <a:pPr algn="ctr"/>
+                <a:endParaRPr lang="en-GB"/>
+              </a:p>
+            </p:txBody>
+          </p:sp>
+          <p:sp>
+            <p:nvSpPr>
+              <p:cNvPr id="42" name="Oval 41">
+                <a:extLst>
+                  <a:ext uri="{FF2B5EF4-FFF2-40B4-BE49-F238E27FC236}">
+                    <a16:creationId xmlns:a16="http://schemas.microsoft.com/office/drawing/2014/main" id="{479B5176-C0FD-4494-ABE8-2592201382F5}"/>
+                  </a:ext>
+                </a:extLst>
+              </p:cNvPr>
+              <p:cNvSpPr/>
+              <p:nvPr/>
+            </p:nvSpPr>
+            <p:spPr>
+              <a:xfrm>
+                <a:off x="7543131" y="2109401"/>
+                <a:ext cx="205734" cy="190500"/>
+              </a:xfrm>
+              <a:prstGeom prst="ellipse">
+                <a:avLst/>
+              </a:prstGeom>
+              <a:solidFill>
+                <a:srgbClr val="92D050"/>
+              </a:solidFill>
+              <a:ln>
+                <a:noFill/>
+              </a:ln>
+            </p:spPr>
+            <p:style>
+              <a:lnRef idx="2">
+                <a:schemeClr val="accent1">
+                  <a:shade val="50000"/>
+                </a:schemeClr>
+              </a:lnRef>
+              <a:fillRef idx="1">
+                <a:schemeClr val="accent1"/>
+              </a:fillRef>
+              <a:effectRef idx="0">
+                <a:schemeClr val="accent1"/>
+              </a:effectRef>
+              <a:fontRef idx="minor">
+                <a:schemeClr val="lt1"/>
+              </a:fontRef>
+            </p:style>
+            <p:txBody>
+              <a:bodyPr rtlCol="0" anchor="ctr"/>
+              <a:lstStyle/>
+              <a:p>
+                <a:pPr algn="ctr"/>
+                <a:endParaRPr lang="en-GB"/>
+              </a:p>
+            </p:txBody>
+          </p:sp>
+          <p:sp>
+            <p:nvSpPr>
+              <p:cNvPr id="43" name="Oval 42">
+                <a:extLst>
+                  <a:ext uri="{FF2B5EF4-FFF2-40B4-BE49-F238E27FC236}">
+                    <a16:creationId xmlns:a16="http://schemas.microsoft.com/office/drawing/2014/main" id="{C6186384-8783-410F-A3D0-7C7EBF649D27}"/>
+                  </a:ext>
+                </a:extLst>
+              </p:cNvPr>
+              <p:cNvSpPr/>
+              <p:nvPr/>
+            </p:nvSpPr>
+            <p:spPr>
+              <a:xfrm>
+                <a:off x="6752892" y="4641630"/>
+                <a:ext cx="205734" cy="190500"/>
+              </a:xfrm>
+              <a:prstGeom prst="ellipse">
+                <a:avLst/>
+              </a:prstGeom>
+              <a:solidFill>
+                <a:srgbClr val="FFC000"/>
+              </a:solidFill>
+              <a:ln>
+                <a:noFill/>
+              </a:ln>
+            </p:spPr>
+            <p:style>
+              <a:lnRef idx="2">
+                <a:schemeClr val="accent1">
+                  <a:shade val="50000"/>
+                </a:schemeClr>
+              </a:lnRef>
+              <a:fillRef idx="1">
+                <a:schemeClr val="accent1"/>
+              </a:fillRef>
+              <a:effectRef idx="0">
+                <a:schemeClr val="accent1"/>
+              </a:effectRef>
+              <a:fontRef idx="minor">
+                <a:schemeClr val="lt1"/>
+              </a:fontRef>
+            </p:style>
+            <p:txBody>
+              <a:bodyPr rtlCol="0" anchor="ctr"/>
+              <a:lstStyle/>
+              <a:p>
+                <a:pPr algn="ctr"/>
+                <a:endParaRPr lang="en-GB"/>
+              </a:p>
+            </p:txBody>
+          </p:sp>
+          <p:sp>
+            <p:nvSpPr>
+              <p:cNvPr id="44" name="TextBox 43">
+                <a:extLst>
+                  <a:ext uri="{FF2B5EF4-FFF2-40B4-BE49-F238E27FC236}">
+                    <a16:creationId xmlns:a16="http://schemas.microsoft.com/office/drawing/2014/main" id="{B542B5A4-CFEF-4081-BDC4-6D895AD5B310}"/>
+                  </a:ext>
+                </a:extLst>
+              </p:cNvPr>
+              <p:cNvSpPr txBox="1"/>
+              <p:nvPr/>
+            </p:nvSpPr>
+            <p:spPr>
+              <a:xfrm>
+                <a:off x="5661660" y="4456032"/>
+                <a:ext cx="1112643" cy="584775"/>
+              </a:xfrm>
+              <a:prstGeom prst="rect">
+                <a:avLst/>
+              </a:prstGeom>
+              <a:noFill/>
+            </p:spPr>
+            <p:txBody>
+              <a:bodyPr wrap="square" rtlCol="0">
+                <a:spAutoFit/>
+              </a:bodyPr>
+              <a:lstStyle/>
+              <a:p>
+                <a:pPr algn="r"/>
+                <a:r>
+                  <a:rPr lang="en-GB" sz="1600" dirty="0">
+                    <a:solidFill>
+                      <a:srgbClr val="FFC000"/>
+                    </a:solidFill>
+                  </a:rPr>
+                  <a:t>my friend’s commits</a:t>
+                </a:r>
+              </a:p>
+            </p:txBody>
+          </p:sp>
+          <p:sp>
+            <p:nvSpPr>
+              <p:cNvPr id="45" name="Oval 44">
+                <a:extLst>
+                  <a:ext uri="{FF2B5EF4-FFF2-40B4-BE49-F238E27FC236}">
+                    <a16:creationId xmlns:a16="http://schemas.microsoft.com/office/drawing/2014/main" id="{2DA9214B-00DF-4151-B244-4F1059656E9D}"/>
+                  </a:ext>
+                </a:extLst>
+              </p:cNvPr>
+              <p:cNvSpPr/>
+              <p:nvPr/>
+            </p:nvSpPr>
+            <p:spPr>
+              <a:xfrm>
+                <a:off x="6752892" y="4215259"/>
+                <a:ext cx="205734" cy="190500"/>
+              </a:xfrm>
+              <a:prstGeom prst="ellipse">
+                <a:avLst/>
+              </a:prstGeom>
+              <a:solidFill>
+                <a:srgbClr val="FFC000"/>
+              </a:solidFill>
+              <a:ln>
+                <a:noFill/>
+              </a:ln>
+            </p:spPr>
+            <p:style>
+              <a:lnRef idx="2">
+                <a:schemeClr val="accent1">
+                  <a:shade val="50000"/>
+                </a:schemeClr>
+              </a:lnRef>
+              <a:fillRef idx="1">
+                <a:schemeClr val="accent1"/>
+              </a:fillRef>
+              <a:effectRef idx="0">
+                <a:schemeClr val="accent1"/>
+              </a:effectRef>
+              <a:fontRef idx="minor">
+                <a:schemeClr val="lt1"/>
+              </a:fontRef>
+            </p:style>
+            <p:txBody>
+              <a:bodyPr rtlCol="0" anchor="ctr"/>
+              <a:lstStyle/>
+              <a:p>
+                <a:pPr algn="ctr"/>
+                <a:endParaRPr lang="en-GB"/>
+              </a:p>
+            </p:txBody>
+          </p:sp>
+          <p:sp>
+            <p:nvSpPr>
+              <p:cNvPr id="46" name="Oval 45">
+                <a:extLst>
+                  <a:ext uri="{FF2B5EF4-FFF2-40B4-BE49-F238E27FC236}">
+                    <a16:creationId xmlns:a16="http://schemas.microsoft.com/office/drawing/2014/main" id="{891FB2BB-D5B6-411B-A9CB-BCF7D1825F93}"/>
+                  </a:ext>
+                </a:extLst>
+              </p:cNvPr>
+              <p:cNvSpPr/>
+              <p:nvPr/>
+            </p:nvSpPr>
+            <p:spPr>
+              <a:xfrm>
+                <a:off x="6751956" y="3788888"/>
+                <a:ext cx="205734" cy="190500"/>
+              </a:xfrm>
+              <a:prstGeom prst="ellipse">
+                <a:avLst/>
+              </a:prstGeom>
+              <a:solidFill>
+                <a:srgbClr val="FFC000"/>
+              </a:solidFill>
+              <a:ln>
+                <a:noFill/>
+              </a:ln>
+            </p:spPr>
+            <p:style>
+              <a:lnRef idx="2">
+                <a:schemeClr val="accent1">
+                  <a:shade val="50000"/>
+                </a:schemeClr>
+              </a:lnRef>
+              <a:fillRef idx="1">
+                <a:schemeClr val="accent1"/>
+              </a:fillRef>
+              <a:effectRef idx="0">
+                <a:schemeClr val="accent1"/>
+              </a:effectRef>
+              <a:fontRef idx="minor">
+                <a:schemeClr val="lt1"/>
+              </a:fontRef>
+            </p:style>
+            <p:txBody>
+              <a:bodyPr rtlCol="0" anchor="ctr"/>
+              <a:lstStyle/>
+              <a:p>
+                <a:pPr algn="ctr"/>
+                <a:endParaRPr lang="en-GB"/>
+              </a:p>
+            </p:txBody>
+          </p:sp>
+          <p:sp>
+            <p:nvSpPr>
+              <p:cNvPr id="47" name="Oval 46">
+                <a:extLst>
+                  <a:ext uri="{FF2B5EF4-FFF2-40B4-BE49-F238E27FC236}">
+                    <a16:creationId xmlns:a16="http://schemas.microsoft.com/office/drawing/2014/main" id="{D05EFA67-7BDC-4F29-B71B-26109E0F73A5}"/>
+                  </a:ext>
+                </a:extLst>
+              </p:cNvPr>
+              <p:cNvSpPr/>
+              <p:nvPr/>
+            </p:nvSpPr>
+            <p:spPr>
+              <a:xfrm>
+                <a:off x="6748594" y="3362517"/>
+                <a:ext cx="205734" cy="190500"/>
+              </a:xfrm>
+              <a:prstGeom prst="ellipse">
+                <a:avLst/>
+              </a:prstGeom>
+              <a:solidFill>
+                <a:srgbClr val="FFC000"/>
+              </a:solidFill>
+              <a:ln>
+                <a:noFill/>
+              </a:ln>
+            </p:spPr>
+            <p:style>
+              <a:lnRef idx="2">
+                <a:schemeClr val="accent1">
+                  <a:shade val="50000"/>
+                </a:schemeClr>
+              </a:lnRef>
+              <a:fillRef idx="1">
+                <a:schemeClr val="accent1"/>
+              </a:fillRef>
+              <a:effectRef idx="0">
+                <a:schemeClr val="accent1"/>
+              </a:effectRef>
+              <a:fontRef idx="minor">
+                <a:schemeClr val="lt1"/>
+              </a:fontRef>
+            </p:style>
+            <p:txBody>
+              <a:bodyPr rtlCol="0" anchor="ctr"/>
+              <a:lstStyle/>
+              <a:p>
+                <a:pPr algn="ctr"/>
+                <a:endParaRPr lang="en-GB"/>
+              </a:p>
+            </p:txBody>
+          </p:sp>
+          <p:sp>
+            <p:nvSpPr>
+              <p:cNvPr id="48" name="Oval 47">
+                <a:extLst>
+                  <a:ext uri="{FF2B5EF4-FFF2-40B4-BE49-F238E27FC236}">
+                    <a16:creationId xmlns:a16="http://schemas.microsoft.com/office/drawing/2014/main" id="{7D56F3CC-2D15-4662-BE0C-3D3914EB8BA6}"/>
+                  </a:ext>
+                </a:extLst>
+              </p:cNvPr>
+              <p:cNvSpPr/>
+              <p:nvPr/>
+            </p:nvSpPr>
+            <p:spPr>
+              <a:xfrm>
+                <a:off x="6755278" y="2986865"/>
+                <a:ext cx="205734" cy="190500"/>
+              </a:xfrm>
+              <a:prstGeom prst="ellipse">
+                <a:avLst/>
+              </a:prstGeom>
+              <a:solidFill>
+                <a:srgbClr val="FFC000"/>
+              </a:solidFill>
+              <a:ln>
+                <a:noFill/>
+              </a:ln>
+            </p:spPr>
+            <p:style>
+              <a:lnRef idx="2">
+                <a:schemeClr val="accent1">
+                  <a:shade val="50000"/>
+                </a:schemeClr>
+              </a:lnRef>
+              <a:fillRef idx="1">
+                <a:schemeClr val="accent1"/>
+              </a:fillRef>
+              <a:effectRef idx="0">
+                <a:schemeClr val="accent1"/>
+              </a:effectRef>
+              <a:fontRef idx="minor">
+                <a:schemeClr val="lt1"/>
+              </a:fontRef>
+            </p:style>
+            <p:txBody>
+              <a:bodyPr rtlCol="0" anchor="ctr"/>
+              <a:lstStyle/>
+              <a:p>
+                <a:pPr algn="ctr"/>
+                <a:endParaRPr lang="en-GB"/>
+              </a:p>
+            </p:txBody>
+          </p:sp>
+          <p:sp>
+            <p:nvSpPr>
+              <p:cNvPr id="11" name="Oval 10">
+                <a:extLst>
+                  <a:ext uri="{FF2B5EF4-FFF2-40B4-BE49-F238E27FC236}">
+                    <a16:creationId xmlns:a16="http://schemas.microsoft.com/office/drawing/2014/main" id="{BF9F21DB-725A-40E5-9C2B-516A75D89F5C}"/>
+                  </a:ext>
+                </a:extLst>
+              </p:cNvPr>
+              <p:cNvSpPr/>
+              <p:nvPr/>
+            </p:nvSpPr>
+            <p:spPr>
+              <a:xfrm>
+                <a:off x="7240571" y="1806650"/>
+                <a:ext cx="205734" cy="190500"/>
+              </a:xfrm>
+              <a:prstGeom prst="ellipse">
+                <a:avLst/>
+              </a:prstGeom>
+              <a:solidFill>
+                <a:srgbClr val="0070C0"/>
+              </a:solidFill>
+              <a:ln>
+                <a:noFill/>
+              </a:ln>
+            </p:spPr>
+            <p:style>
+              <a:lnRef idx="2">
+                <a:schemeClr val="accent1">
+                  <a:shade val="50000"/>
+                </a:schemeClr>
+              </a:lnRef>
+              <a:fillRef idx="1">
+                <a:schemeClr val="accent1"/>
+              </a:fillRef>
+              <a:effectRef idx="0">
+                <a:schemeClr val="accent1"/>
+              </a:effectRef>
+              <a:fontRef idx="minor">
+                <a:schemeClr val="lt1"/>
+              </a:fontRef>
+            </p:style>
+            <p:txBody>
+              <a:bodyPr rtlCol="0" anchor="ctr"/>
+              <a:lstStyle/>
+              <a:p>
+                <a:pPr algn="ctr"/>
+                <a:endParaRPr lang="en-GB"/>
+              </a:p>
+            </p:txBody>
+          </p:sp>
+          <p:sp>
+            <p:nvSpPr>
+              <p:cNvPr id="49" name="Oval 48">
+                <a:extLst>
+                  <a:ext uri="{FF2B5EF4-FFF2-40B4-BE49-F238E27FC236}">
+                    <a16:creationId xmlns:a16="http://schemas.microsoft.com/office/drawing/2014/main" id="{84E10BC4-B376-4CF5-8F5D-33049C044203}"/>
+                  </a:ext>
+                </a:extLst>
+              </p:cNvPr>
+              <p:cNvSpPr/>
+              <p:nvPr/>
+            </p:nvSpPr>
+            <p:spPr>
+              <a:xfrm>
+                <a:off x="7237676" y="3612405"/>
+                <a:ext cx="205734" cy="190500"/>
+              </a:xfrm>
+              <a:prstGeom prst="ellipse">
+                <a:avLst/>
+              </a:prstGeom>
+              <a:solidFill>
+                <a:srgbClr val="0070C0"/>
+              </a:solidFill>
+              <a:ln>
+                <a:noFill/>
+              </a:ln>
+            </p:spPr>
+            <p:style>
+              <a:lnRef idx="2">
+                <a:schemeClr val="accent1">
+                  <a:shade val="50000"/>
+                </a:schemeClr>
+              </a:lnRef>
+              <a:fillRef idx="1">
+                <a:schemeClr val="accent1"/>
+              </a:fillRef>
+              <a:effectRef idx="0">
+                <a:schemeClr val="accent1"/>
+              </a:effectRef>
+              <a:fontRef idx="minor">
+                <a:schemeClr val="lt1"/>
+              </a:fontRef>
+            </p:style>
+            <p:txBody>
+              <a:bodyPr rtlCol="0" anchor="ctr"/>
+              <a:lstStyle/>
+              <a:p>
+                <a:pPr algn="ctr"/>
+                <a:endParaRPr lang="en-GB"/>
+              </a:p>
+            </p:txBody>
+          </p:sp>
+          <p:sp>
+            <p:nvSpPr>
+              <p:cNvPr id="50" name="Oval 49">
+                <a:extLst>
+                  <a:ext uri="{FF2B5EF4-FFF2-40B4-BE49-F238E27FC236}">
+                    <a16:creationId xmlns:a16="http://schemas.microsoft.com/office/drawing/2014/main" id="{249EDA11-A1CD-41F4-A6D1-E9E9D249DE5A}"/>
+                  </a:ext>
+                </a:extLst>
+              </p:cNvPr>
+              <p:cNvSpPr/>
+              <p:nvPr/>
+            </p:nvSpPr>
+            <p:spPr>
+              <a:xfrm>
+                <a:off x="7237676" y="2415536"/>
+                <a:ext cx="205734" cy="190500"/>
+              </a:xfrm>
+              <a:prstGeom prst="ellipse">
+                <a:avLst/>
+              </a:prstGeom>
+              <a:solidFill>
+                <a:srgbClr val="0070C0"/>
+              </a:solidFill>
+              <a:ln>
+                <a:noFill/>
+              </a:ln>
+            </p:spPr>
+            <p:style>
+              <a:lnRef idx="2">
+                <a:schemeClr val="accent1">
+                  <a:shade val="50000"/>
+                </a:schemeClr>
+              </a:lnRef>
+              <a:fillRef idx="1">
+                <a:schemeClr val="accent1"/>
+              </a:fillRef>
+              <a:effectRef idx="0">
+                <a:schemeClr val="accent1"/>
+              </a:effectRef>
+              <a:fontRef idx="minor">
+                <a:schemeClr val="lt1"/>
+              </a:fontRef>
+            </p:style>
+            <p:txBody>
+              <a:bodyPr rtlCol="0" anchor="ctr"/>
+              <a:lstStyle/>
+              <a:p>
+                <a:pPr algn="ctr"/>
+                <a:endParaRPr lang="en-GB"/>
+              </a:p>
+            </p:txBody>
+          </p:sp>
+          <p:sp>
+            <p:nvSpPr>
+              <p:cNvPr id="52" name="TextBox 51">
+                <a:extLst>
+                  <a:ext uri="{FF2B5EF4-FFF2-40B4-BE49-F238E27FC236}">
+                    <a16:creationId xmlns:a16="http://schemas.microsoft.com/office/drawing/2014/main" id="{AE7E6FF4-D578-4021-9567-B71F6D63D567}"/>
+                  </a:ext>
+                </a:extLst>
+              </p:cNvPr>
+              <p:cNvSpPr txBox="1"/>
+              <p:nvPr/>
+            </p:nvSpPr>
+            <p:spPr>
+              <a:xfrm>
+                <a:off x="7536963" y="1091501"/>
+                <a:ext cx="794041" cy="369332"/>
+              </a:xfrm>
+              <a:prstGeom prst="rect">
+                <a:avLst/>
+              </a:prstGeom>
+              <a:noFill/>
+            </p:spPr>
+            <p:txBody>
+              <a:bodyPr wrap="square" rtlCol="0">
+                <a:spAutoFit/>
+              </a:bodyPr>
+              <a:lstStyle/>
+              <a:p>
+                <a:r>
+                  <a:rPr lang="en-GB" dirty="0">
+                    <a:solidFill>
+                      <a:srgbClr val="0070C0"/>
+                    </a:solidFill>
+                  </a:rPr>
+                  <a:t>main</a:t>
+                </a:r>
+              </a:p>
+            </p:txBody>
+          </p:sp>
+          <p:cxnSp>
+            <p:nvCxnSpPr>
+              <p:cNvPr id="53" name="Straight Connector 52">
+                <a:extLst>
+                  <a:ext uri="{FF2B5EF4-FFF2-40B4-BE49-F238E27FC236}">
+                    <a16:creationId xmlns:a16="http://schemas.microsoft.com/office/drawing/2014/main" id="{302BB7C5-780B-4BD1-A26A-DA88D83F8660}"/>
+                  </a:ext>
+                </a:extLst>
+              </p:cNvPr>
+              <p:cNvCxnSpPr>
+                <a:cxnSpLocks/>
+              </p:cNvCxnSpPr>
+              <p:nvPr/>
+            </p:nvCxnSpPr>
+            <p:spPr>
+              <a:xfrm flipH="1">
+                <a:off x="7369106" y="1371298"/>
+                <a:ext cx="463282" cy="341630"/>
+              </a:xfrm>
+              <a:prstGeom prst="line">
+                <a:avLst/>
+              </a:prstGeom>
+              <a:ln w="6350"/>
+            </p:spPr>
+            <p:style>
+              <a:lnRef idx="1">
+                <a:schemeClr val="accent1"/>
+              </a:lnRef>
+              <a:fillRef idx="0">
+                <a:schemeClr val="accent1"/>
+              </a:fillRef>
+              <a:effectRef idx="0">
+                <a:schemeClr val="accent1"/>
+              </a:effectRef>
+              <a:fontRef idx="minor">
+                <a:schemeClr val="tx1"/>
+              </a:fontRef>
+            </p:style>
+          </p:cxnSp>
+          <p:sp>
+            <p:nvSpPr>
+              <p:cNvPr id="54" name="TextBox 53">
+                <a:extLst>
+                  <a:ext uri="{FF2B5EF4-FFF2-40B4-BE49-F238E27FC236}">
+                    <a16:creationId xmlns:a16="http://schemas.microsoft.com/office/drawing/2014/main" id="{05DC74E4-BFF2-44CC-9B42-369104393982}"/>
+                  </a:ext>
+                </a:extLst>
+              </p:cNvPr>
+              <p:cNvSpPr txBox="1"/>
+              <p:nvPr/>
+            </p:nvSpPr>
+            <p:spPr>
+              <a:xfrm>
+                <a:off x="7671664" y="1646988"/>
+                <a:ext cx="1370066" cy="369332"/>
+              </a:xfrm>
+              <a:prstGeom prst="rect">
+                <a:avLst/>
+              </a:prstGeom>
+              <a:noFill/>
+            </p:spPr>
+            <p:txBody>
+              <a:bodyPr wrap="square" rtlCol="0">
+                <a:spAutoFit/>
+              </a:bodyPr>
+              <a:lstStyle/>
+              <a:p>
+                <a:r>
+                  <a:rPr lang="en-GB" dirty="0">
+                    <a:solidFill>
+                      <a:srgbClr val="92D050"/>
+                    </a:solidFill>
+                  </a:rPr>
+                  <a:t>my_branch2</a:t>
+                </a:r>
+              </a:p>
+            </p:txBody>
+          </p:sp>
+          <p:cxnSp>
+            <p:nvCxnSpPr>
+              <p:cNvPr id="55" name="Straight Connector 54">
+                <a:extLst>
+                  <a:ext uri="{FF2B5EF4-FFF2-40B4-BE49-F238E27FC236}">
+                    <a16:creationId xmlns:a16="http://schemas.microsoft.com/office/drawing/2014/main" id="{9720B490-685B-49F3-B73D-CB14397206BA}"/>
+                  </a:ext>
+                </a:extLst>
+              </p:cNvPr>
+              <p:cNvCxnSpPr>
+                <a:cxnSpLocks/>
+              </p:cNvCxnSpPr>
+              <p:nvPr/>
+            </p:nvCxnSpPr>
+            <p:spPr>
+              <a:xfrm flipH="1">
+                <a:off x="7653065" y="1955841"/>
+                <a:ext cx="450850" cy="532130"/>
+              </a:xfrm>
+              <a:prstGeom prst="line">
+                <a:avLst/>
+              </a:prstGeom>
+              <a:ln w="6350">
+                <a:solidFill>
+                  <a:srgbClr val="92D050"/>
+                </a:solidFill>
+              </a:ln>
+            </p:spPr>
+            <p:style>
+              <a:lnRef idx="1">
+                <a:schemeClr val="accent1"/>
+              </a:lnRef>
+              <a:fillRef idx="0">
+                <a:schemeClr val="accent1"/>
+              </a:fillRef>
+              <a:effectRef idx="0">
+                <a:schemeClr val="accent1"/>
+              </a:effectRef>
+              <a:fontRef idx="minor">
+                <a:schemeClr val="tx1"/>
+              </a:fontRef>
+            </p:style>
+          </p:cxnSp>
+          <p:sp>
+            <p:nvSpPr>
+              <p:cNvPr id="56" name="TextBox 55">
+                <a:extLst>
+                  <a:ext uri="{FF2B5EF4-FFF2-40B4-BE49-F238E27FC236}">
+                    <a16:creationId xmlns:a16="http://schemas.microsoft.com/office/drawing/2014/main" id="{B50D99CB-7FF9-4250-B01E-3E6D5FF16108}"/>
+                  </a:ext>
+                </a:extLst>
+              </p:cNvPr>
+              <p:cNvSpPr txBox="1"/>
+              <p:nvPr/>
+            </p:nvSpPr>
+            <p:spPr>
+              <a:xfrm>
+                <a:off x="7681219" y="3071816"/>
+                <a:ext cx="1370066" cy="369332"/>
+              </a:xfrm>
+              <a:prstGeom prst="rect">
+                <a:avLst/>
+              </a:prstGeom>
+              <a:noFill/>
+            </p:spPr>
+            <p:txBody>
+              <a:bodyPr wrap="square" rtlCol="0">
+                <a:spAutoFit/>
+              </a:bodyPr>
+              <a:lstStyle/>
+              <a:p>
+                <a:r>
+                  <a:rPr lang="en-GB" dirty="0">
+                    <a:solidFill>
+                      <a:srgbClr val="92D050"/>
+                    </a:solidFill>
+                  </a:rPr>
+                  <a:t>my_branch1</a:t>
+                </a:r>
+              </a:p>
+            </p:txBody>
+          </p:sp>
+          <p:cxnSp>
+            <p:nvCxnSpPr>
+              <p:cNvPr id="57" name="Straight Connector 56">
+                <a:extLst>
+                  <a:ext uri="{FF2B5EF4-FFF2-40B4-BE49-F238E27FC236}">
+                    <a16:creationId xmlns:a16="http://schemas.microsoft.com/office/drawing/2014/main" id="{325A1134-44DD-450B-9225-02EF9407B63E}"/>
+                  </a:ext>
+                </a:extLst>
+              </p:cNvPr>
+              <p:cNvCxnSpPr>
+                <a:cxnSpLocks/>
+              </p:cNvCxnSpPr>
+              <p:nvPr/>
+            </p:nvCxnSpPr>
+            <p:spPr>
+              <a:xfrm flipH="1">
+                <a:off x="7662620" y="3380669"/>
+                <a:ext cx="450850" cy="532130"/>
+              </a:xfrm>
+              <a:prstGeom prst="line">
+                <a:avLst/>
+              </a:prstGeom>
+              <a:ln w="6350">
+                <a:solidFill>
+                  <a:srgbClr val="92D050"/>
+                </a:solidFill>
+              </a:ln>
+            </p:spPr>
+            <p:style>
+              <a:lnRef idx="1">
+                <a:schemeClr val="accent1"/>
+              </a:lnRef>
+              <a:fillRef idx="0">
+                <a:schemeClr val="accent1"/>
+              </a:fillRef>
+              <a:effectRef idx="0">
+                <a:schemeClr val="accent1"/>
+              </a:effectRef>
+              <a:fontRef idx="minor">
+                <a:schemeClr val="tx1"/>
+              </a:fontRef>
+            </p:style>
+          </p:cxnSp>
+          <p:sp>
+            <p:nvSpPr>
+              <p:cNvPr id="58" name="TextBox 57">
+                <a:extLst>
+                  <a:ext uri="{FF2B5EF4-FFF2-40B4-BE49-F238E27FC236}">
+                    <a16:creationId xmlns:a16="http://schemas.microsoft.com/office/drawing/2014/main" id="{1E571DD5-97C5-418A-AD5A-7E80E2D131EB}"/>
+                  </a:ext>
+                </a:extLst>
+              </p:cNvPr>
+              <p:cNvSpPr txBox="1"/>
+              <p:nvPr/>
+            </p:nvSpPr>
+            <p:spPr>
+              <a:xfrm>
+                <a:off x="5273044" y="2223165"/>
+                <a:ext cx="1550150" cy="369332"/>
+              </a:xfrm>
+              <a:prstGeom prst="rect">
+                <a:avLst/>
+              </a:prstGeom>
+              <a:noFill/>
+            </p:spPr>
+            <p:txBody>
+              <a:bodyPr wrap="square" rtlCol="0">
+                <a:spAutoFit/>
+              </a:bodyPr>
+              <a:lstStyle/>
+              <a:p>
+                <a:r>
+                  <a:rPr lang="en-GB" dirty="0" err="1">
+                    <a:solidFill>
+                      <a:srgbClr val="FFC000"/>
+                    </a:solidFill>
+                  </a:rPr>
+                  <a:t>friend_branch</a:t>
+                </a:r>
+                <a:endParaRPr lang="en-GB" dirty="0">
+                  <a:solidFill>
+                    <a:srgbClr val="FFC000"/>
+                  </a:solidFill>
+                </a:endParaRPr>
+              </a:p>
+            </p:txBody>
+          </p:sp>
+          <p:cxnSp>
+            <p:nvCxnSpPr>
+              <p:cNvPr id="59" name="Straight Connector 58">
+                <a:extLst>
+                  <a:ext uri="{FF2B5EF4-FFF2-40B4-BE49-F238E27FC236}">
+                    <a16:creationId xmlns:a16="http://schemas.microsoft.com/office/drawing/2014/main" id="{A1366AA4-F8BF-4644-9532-D47E8A13F827}"/>
+                  </a:ext>
+                </a:extLst>
+              </p:cNvPr>
+              <p:cNvCxnSpPr>
+                <a:cxnSpLocks/>
+              </p:cNvCxnSpPr>
+              <p:nvPr/>
+            </p:nvCxnSpPr>
+            <p:spPr>
+              <a:xfrm>
+                <a:off x="6485412" y="2561619"/>
+                <a:ext cx="433084" cy="308343"/>
+              </a:xfrm>
+              <a:prstGeom prst="line">
+                <a:avLst/>
+              </a:prstGeom>
+              <a:ln w="6350">
+                <a:solidFill>
+                  <a:srgbClr val="FFC000"/>
+                </a:solidFill>
+              </a:ln>
+            </p:spPr>
+            <p:style>
+              <a:lnRef idx="1">
+                <a:schemeClr val="accent1"/>
+              </a:lnRef>
+              <a:fillRef idx="0">
+                <a:schemeClr val="accent1"/>
+              </a:fillRef>
+              <a:effectRef idx="0">
+                <a:schemeClr val="accent1"/>
+              </a:effectRef>
+              <a:fontRef idx="minor">
+                <a:schemeClr val="tx1"/>
+              </a:fontRef>
+            </p:style>
+          </p:cxnSp>
+        </p:grpSp>
+        <p:sp>
+          <p:nvSpPr>
+            <p:cNvPr id="2" name="Rectangle 1">
+              <a:extLst>
+                <a:ext uri="{FF2B5EF4-FFF2-40B4-BE49-F238E27FC236}">
+                  <a16:creationId xmlns:a16="http://schemas.microsoft.com/office/drawing/2014/main" id="{1FAC1635-4177-486A-A7C5-781CB39B0F25}"/>
+                </a:ext>
+              </a:extLst>
+            </p:cNvPr>
+            <p:cNvSpPr/>
+            <p:nvPr/>
+          </p:nvSpPr>
+          <p:spPr>
+            <a:xfrm>
+              <a:off x="8886741" y="1941386"/>
+              <a:ext cx="648355" cy="400053"/>
+            </a:xfrm>
+            <a:prstGeom prst="rect">
+              <a:avLst/>
+            </a:prstGeom>
+            <a:noFill/>
+            <a:ln>
+              <a:solidFill>
+                <a:srgbClr val="7030A0"/>
+              </a:solidFill>
+            </a:ln>
+          </p:spPr>
+          <p:style>
+            <a:lnRef idx="2">
+              <a:schemeClr val="accent1">
+                <a:shade val="50000"/>
+              </a:schemeClr>
+            </a:lnRef>
+            <a:fillRef idx="1">
+              <a:schemeClr val="accent1"/>
+            </a:fillRef>
+            <a:effectRef idx="0">
+              <a:schemeClr val="accent1"/>
+            </a:effectRef>
+            <a:fontRef idx="minor">
+              <a:schemeClr val="lt1"/>
+            </a:fontRef>
+          </p:style>
+          <p:txBody>
+            <a:bodyPr rtlCol="0" anchor="ctr"/>
+            <a:lstStyle/>
+            <a:p>
+              <a:pPr algn="ctr"/>
+              <a:endParaRPr lang="en-GB"/>
+            </a:p>
+          </p:txBody>
+        </p:sp>
+        <p:sp>
+          <p:nvSpPr>
+            <p:cNvPr id="91" name="Rectangle 90">
+              <a:extLst>
+                <a:ext uri="{FF2B5EF4-FFF2-40B4-BE49-F238E27FC236}">
+                  <a16:creationId xmlns:a16="http://schemas.microsoft.com/office/drawing/2014/main" id="{DCD96766-2213-485F-964B-2045C50DA88D}"/>
+                </a:ext>
+              </a:extLst>
+            </p:cNvPr>
+            <p:cNvSpPr/>
+            <p:nvPr/>
+          </p:nvSpPr>
+          <p:spPr>
+            <a:xfrm>
+              <a:off x="8609426" y="2566809"/>
+              <a:ext cx="696528" cy="593524"/>
+            </a:xfrm>
+            <a:prstGeom prst="rect">
+              <a:avLst/>
+            </a:prstGeom>
+            <a:noFill/>
+            <a:ln>
+              <a:solidFill>
+                <a:srgbClr val="7030A0"/>
+              </a:solidFill>
+            </a:ln>
+          </p:spPr>
+          <p:style>
+            <a:lnRef idx="2">
+              <a:schemeClr val="accent1">
+                <a:shade val="50000"/>
+              </a:schemeClr>
+            </a:lnRef>
+            <a:fillRef idx="1">
+              <a:schemeClr val="accent1"/>
+            </a:fillRef>
+            <a:effectRef idx="0">
+              <a:schemeClr val="accent1"/>
+            </a:effectRef>
+            <a:fontRef idx="minor">
+              <a:schemeClr val="lt1"/>
+            </a:fontRef>
+          </p:style>
+          <p:txBody>
+            <a:bodyPr rtlCol="0" anchor="ctr"/>
+            <a:lstStyle/>
+            <a:p>
+              <a:pPr algn="ctr"/>
+              <a:endParaRPr lang="en-GB"/>
+            </a:p>
+          </p:txBody>
+        </p:sp>
+        <p:sp>
+          <p:nvSpPr>
+            <p:cNvPr id="92" name="Rectangle 91">
+              <a:extLst>
+                <a:ext uri="{FF2B5EF4-FFF2-40B4-BE49-F238E27FC236}">
+                  <a16:creationId xmlns:a16="http://schemas.microsoft.com/office/drawing/2014/main" id="{7D1C4237-8464-488F-996F-6A1A06AA1ACC}"/>
+                </a:ext>
+              </a:extLst>
+            </p:cNvPr>
+            <p:cNvSpPr/>
+            <p:nvPr/>
+          </p:nvSpPr>
+          <p:spPr>
+            <a:xfrm>
+              <a:off x="8908368" y="3770756"/>
+              <a:ext cx="710252" cy="552359"/>
+            </a:xfrm>
+            <a:prstGeom prst="rect">
+              <a:avLst/>
+            </a:prstGeom>
+            <a:noFill/>
+            <a:ln>
+              <a:solidFill>
+                <a:srgbClr val="7030A0"/>
+              </a:solidFill>
+            </a:ln>
+          </p:spPr>
+          <p:style>
+            <a:lnRef idx="2">
+              <a:schemeClr val="accent1">
+                <a:shade val="50000"/>
+              </a:schemeClr>
+            </a:lnRef>
+            <a:fillRef idx="1">
+              <a:schemeClr val="accent1"/>
+            </a:fillRef>
+            <a:effectRef idx="0">
+              <a:schemeClr val="accent1"/>
+            </a:effectRef>
+            <a:fontRef idx="minor">
+              <a:schemeClr val="lt1"/>
+            </a:fontRef>
+          </p:style>
+          <p:txBody>
+            <a:bodyPr rtlCol="0" anchor="ctr"/>
+            <a:lstStyle/>
+            <a:p>
+              <a:pPr algn="ctr"/>
+              <a:endParaRPr lang="en-GB"/>
+            </a:p>
+          </p:txBody>
+        </p:sp>
+        <p:pic>
+          <p:nvPicPr>
+            <p:cNvPr id="93" name="Picture 92" descr="A close up of a logo&#10;&#10;Description automatically generated">
+              <a:extLst>
+                <a:ext uri="{FF2B5EF4-FFF2-40B4-BE49-F238E27FC236}">
+                  <a16:creationId xmlns:a16="http://schemas.microsoft.com/office/drawing/2014/main" id="{E27147AF-B814-4161-8679-176580906A77}"/>
+                </a:ext>
+              </a:extLst>
+            </p:cNvPr>
+            <p:cNvPicPr>
+              <a:picLocks noChangeAspect="1"/>
+            </p:cNvPicPr>
+            <p:nvPr/>
+          </p:nvPicPr>
+          <p:blipFill>
+            <a:blip r:embed="rId2">
+              <a:extLst>
+                <a:ext uri="{28A0092B-C50C-407E-A947-70E740481C1C}">
+                  <a14:useLocalDpi xmlns:a14="http://schemas.microsoft.com/office/drawing/2010/main" val="0"/>
+                </a:ext>
+              </a:extLst>
+            </a:blip>
+            <a:stretch>
+              <a:fillRect/>
+            </a:stretch>
+          </p:blipFill>
+          <p:spPr>
+            <a:xfrm>
+              <a:off x="9260025" y="3624206"/>
+              <a:ext cx="338554" cy="338554"/>
+            </a:xfrm>
+            <a:prstGeom prst="rect">
+              <a:avLst/>
+            </a:prstGeom>
+          </p:spPr>
+        </p:pic>
+        <p:pic>
+          <p:nvPicPr>
+            <p:cNvPr id="94" name="Picture 93" descr="A close up of a logo&#10;&#10;Description automatically generated">
+              <a:extLst>
+                <a:ext uri="{FF2B5EF4-FFF2-40B4-BE49-F238E27FC236}">
+                  <a16:creationId xmlns:a16="http://schemas.microsoft.com/office/drawing/2014/main" id="{B3205E4C-5846-4D9A-81BA-B0EC0401F35D}"/>
+                </a:ext>
+              </a:extLst>
+            </p:cNvPr>
+            <p:cNvPicPr>
+              <a:picLocks noChangeAspect="1"/>
+            </p:cNvPicPr>
+            <p:nvPr/>
+          </p:nvPicPr>
+          <p:blipFill>
+            <a:blip r:embed="rId2">
+              <a:extLst>
+                <a:ext uri="{28A0092B-C50C-407E-A947-70E740481C1C}">
+                  <a14:useLocalDpi xmlns:a14="http://schemas.microsoft.com/office/drawing/2010/main" val="0"/>
+                </a:ext>
+              </a:extLst>
+            </a:blip>
+            <a:stretch>
+              <a:fillRect/>
+            </a:stretch>
+          </p:blipFill>
+          <p:spPr>
+            <a:xfrm>
+              <a:off x="8659453" y="2397532"/>
+              <a:ext cx="338554" cy="338554"/>
+            </a:xfrm>
+            <a:prstGeom prst="rect">
+              <a:avLst/>
+            </a:prstGeom>
+          </p:spPr>
+        </p:pic>
+        <p:pic>
+          <p:nvPicPr>
+            <p:cNvPr id="95" name="Picture 94" descr="A close up of a logo&#10;&#10;Description automatically generated">
+              <a:extLst>
+                <a:ext uri="{FF2B5EF4-FFF2-40B4-BE49-F238E27FC236}">
+                  <a16:creationId xmlns:a16="http://schemas.microsoft.com/office/drawing/2014/main" id="{3EA15965-C3EC-4335-9F1A-064B97189526}"/>
+                </a:ext>
+              </a:extLst>
+            </p:cNvPr>
+            <p:cNvPicPr>
+              <a:picLocks noChangeAspect="1"/>
+            </p:cNvPicPr>
+            <p:nvPr/>
+          </p:nvPicPr>
+          <p:blipFill>
+            <a:blip r:embed="rId2">
+              <a:extLst>
+                <a:ext uri="{28A0092B-C50C-407E-A947-70E740481C1C}">
+                  <a14:useLocalDpi xmlns:a14="http://schemas.microsoft.com/office/drawing/2010/main" val="0"/>
+                </a:ext>
+              </a:extLst>
+            </a:blip>
+            <a:stretch>
+              <a:fillRect/>
+            </a:stretch>
+          </p:blipFill>
+          <p:spPr>
+            <a:xfrm>
+              <a:off x="8740560" y="1802858"/>
+              <a:ext cx="338554" cy="338554"/>
+            </a:xfrm>
+            <a:prstGeom prst="rect">
+              <a:avLst/>
+            </a:prstGeom>
+          </p:spPr>
+        </p:pic>
+        <p:sp>
+          <p:nvSpPr>
+            <p:cNvPr id="96" name="TextBox 95">
+              <a:extLst>
+                <a:ext uri="{FF2B5EF4-FFF2-40B4-BE49-F238E27FC236}">
+                  <a16:creationId xmlns:a16="http://schemas.microsoft.com/office/drawing/2014/main" id="{EF4EE99B-24C3-4CA6-B1E1-B383EADE42A5}"/>
+                </a:ext>
+              </a:extLst>
+            </p:cNvPr>
+            <p:cNvSpPr txBox="1"/>
+            <p:nvPr/>
+          </p:nvSpPr>
+          <p:spPr>
+            <a:xfrm>
+              <a:off x="9553915" y="3908457"/>
+              <a:ext cx="1370062" cy="369332"/>
+            </a:xfrm>
+            <a:prstGeom prst="rect">
+              <a:avLst/>
+            </a:prstGeom>
+            <a:noFill/>
+          </p:spPr>
+          <p:txBody>
+            <a:bodyPr wrap="square" rtlCol="0">
+              <a:spAutoFit/>
+            </a:bodyPr>
+            <a:lstStyle/>
+            <a:p>
+              <a:r>
+                <a:rPr lang="en-GB" dirty="0">
+                  <a:solidFill>
+                    <a:srgbClr val="7030A0"/>
+                  </a:solidFill>
+                </a:rPr>
+                <a:t>pull request</a:t>
+              </a:r>
+            </a:p>
+          </p:txBody>
+        </p:sp>
+      </p:grpSp>
+    </p:spTree>
+    <p:extLst>
+      <p:ext uri="{BB962C8B-B14F-4D97-AF65-F5344CB8AC3E}">
+        <p14:creationId xmlns:p14="http://schemas.microsoft.com/office/powerpoint/2010/main" val="3199350092"/>
       </p:ext>
     </p:extLst>
   </p:cSld>

--- a/slides/img/images.pptx
+++ b/slides/img/images.pptx
@@ -5,7 +5,7 @@
     <p:sldMasterId id="2147483648" r:id="rId1"/>
   </p:sldMasterIdLst>
   <p:notesMasterIdLst>
-    <p:notesMasterId r:id="rId29"/>
+    <p:notesMasterId r:id="rId35"/>
   </p:notesMasterIdLst>
   <p:sldIdLst>
     <p:sldId id="256" r:id="rId2"/>
@@ -35,6 +35,12 @@
     <p:sldId id="280" r:id="rId26"/>
     <p:sldId id="281" r:id="rId27"/>
     <p:sldId id="282" r:id="rId28"/>
+    <p:sldId id="286" r:id="rId29"/>
+    <p:sldId id="287" r:id="rId30"/>
+    <p:sldId id="288" r:id="rId31"/>
+    <p:sldId id="289" r:id="rId32"/>
+    <p:sldId id="290" r:id="rId33"/>
+    <p:sldId id="291" r:id="rId34"/>
   </p:sldIdLst>
   <p:sldSz cx="12192000" cy="6858000"/>
   <p:notesSz cx="6858000" cy="9144000"/>
@@ -205,6 +211,12 @@
             <p14:sldId id="280"/>
             <p14:sldId id="281"/>
             <p14:sldId id="282"/>
+            <p14:sldId id="286"/>
+            <p14:sldId id="287"/>
+            <p14:sldId id="288"/>
+            <p14:sldId id="289"/>
+            <p14:sldId id="290"/>
+            <p14:sldId id="291"/>
           </p14:sldIdLst>
         </p14:section>
       </p14:sectionLst>
@@ -23219,6 +23231,542 @@
 </p:sld>
 </file>
 
+<file path=ppt/slides/slide28.xml><?xml version="1.0" encoding="utf-8"?>
+<p:sld xmlns:a="http://schemas.openxmlformats.org/drawingml/2006/main" xmlns:r="http://schemas.openxmlformats.org/officeDocument/2006/relationships" xmlns:p="http://schemas.openxmlformats.org/presentationml/2006/main">
+  <p:cSld>
+    <p:spTree>
+      <p:nvGrpSpPr>
+        <p:cNvPr id="1" name=""/>
+        <p:cNvGrpSpPr/>
+        <p:nvPr/>
+      </p:nvGrpSpPr>
+      <p:grpSpPr>
+        <a:xfrm>
+          <a:off x="0" y="0"/>
+          <a:ext cx="0" cy="0"/>
+          <a:chOff x="0" y="0"/>
+          <a:chExt cx="0" cy="0"/>
+        </a:xfrm>
+      </p:grpSpPr>
+      <p:grpSp>
+        <p:nvGrpSpPr>
+          <p:cNvPr id="14" name="Group 13">
+            <a:extLst>
+              <a:ext uri="{FF2B5EF4-FFF2-40B4-BE49-F238E27FC236}">
+                <a16:creationId xmlns:a16="http://schemas.microsoft.com/office/drawing/2014/main" id="{1CA8FDCF-902F-43C1-BD80-F3AF8EE35828}"/>
+              </a:ext>
+            </a:extLst>
+          </p:cNvPr>
+          <p:cNvGrpSpPr/>
+          <p:nvPr/>
+        </p:nvGrpSpPr>
+        <p:grpSpPr>
+          <a:xfrm>
+            <a:off x="1481500" y="1511894"/>
+            <a:ext cx="8849376" cy="3834211"/>
+            <a:chOff x="1481500" y="1511894"/>
+            <a:chExt cx="8849376" cy="3834211"/>
+          </a:xfrm>
+        </p:grpSpPr>
+        <p:pic>
+          <p:nvPicPr>
+            <p:cNvPr id="3" name="Picture 2">
+              <a:extLst>
+                <a:ext uri="{FF2B5EF4-FFF2-40B4-BE49-F238E27FC236}">
+                  <a16:creationId xmlns:a16="http://schemas.microsoft.com/office/drawing/2014/main" id="{176552C4-C144-4E1A-8C7D-D766D8465619}"/>
+                </a:ext>
+              </a:extLst>
+            </p:cNvPr>
+            <p:cNvPicPr>
+              <a:picLocks noChangeAspect="1"/>
+            </p:cNvPicPr>
+            <p:nvPr/>
+          </p:nvPicPr>
+          <p:blipFill>
+            <a:blip r:embed="rId2">
+              <a:extLst>
+                <a:ext uri="{28A0092B-C50C-407E-A947-70E740481C1C}">
+                  <a14:useLocalDpi xmlns:a14="http://schemas.microsoft.com/office/drawing/2010/main" val="0"/>
+                </a:ext>
+              </a:extLst>
+            </a:blip>
+            <a:stretch>
+              <a:fillRect/>
+            </a:stretch>
+          </p:blipFill>
+          <p:spPr>
+            <a:xfrm>
+              <a:off x="6096000" y="1511894"/>
+              <a:ext cx="4234876" cy="3834211"/>
+            </a:xfrm>
+            <a:prstGeom prst="rect">
+              <a:avLst/>
+            </a:prstGeom>
+          </p:spPr>
+        </p:pic>
+        <p:pic>
+          <p:nvPicPr>
+            <p:cNvPr id="5" name="Picture 4">
+              <a:extLst>
+                <a:ext uri="{FF2B5EF4-FFF2-40B4-BE49-F238E27FC236}">
+                  <a16:creationId xmlns:a16="http://schemas.microsoft.com/office/drawing/2014/main" id="{E4631729-4B8B-4D86-8969-24787022CD92}"/>
+                </a:ext>
+              </a:extLst>
+            </p:cNvPr>
+            <p:cNvPicPr>
+              <a:picLocks noChangeAspect="1"/>
+            </p:cNvPicPr>
+            <p:nvPr/>
+          </p:nvPicPr>
+          <p:blipFill>
+            <a:blip r:embed="rId3">
+              <a:extLst>
+                <a:ext uri="{28A0092B-C50C-407E-A947-70E740481C1C}">
+                  <a14:useLocalDpi xmlns:a14="http://schemas.microsoft.com/office/drawing/2010/main" val="0"/>
+                </a:ext>
+              </a:extLst>
+            </a:blip>
+            <a:stretch>
+              <a:fillRect/>
+            </a:stretch>
+          </p:blipFill>
+          <p:spPr>
+            <a:xfrm>
+              <a:off x="1481500" y="2245488"/>
+              <a:ext cx="4120699" cy="2210765"/>
+            </a:xfrm>
+            <a:prstGeom prst="rect">
+              <a:avLst/>
+            </a:prstGeom>
+          </p:spPr>
+        </p:pic>
+        <p:sp>
+          <p:nvSpPr>
+            <p:cNvPr id="6" name="Rectangle 5">
+              <a:extLst>
+                <a:ext uri="{FF2B5EF4-FFF2-40B4-BE49-F238E27FC236}">
+                  <a16:creationId xmlns:a16="http://schemas.microsoft.com/office/drawing/2014/main" id="{22415685-38F1-4679-AA2F-27FCB6444DD4}"/>
+                </a:ext>
+              </a:extLst>
+            </p:cNvPr>
+            <p:cNvSpPr/>
+            <p:nvPr/>
+          </p:nvSpPr>
+          <p:spPr>
+            <a:xfrm>
+              <a:off x="1481500" y="2519680"/>
+              <a:ext cx="560660" cy="213360"/>
+            </a:xfrm>
+            <a:prstGeom prst="rect">
+              <a:avLst/>
+            </a:prstGeom>
+            <a:noFill/>
+            <a:ln>
+              <a:solidFill>
+                <a:srgbClr val="FF0000"/>
+              </a:solidFill>
+            </a:ln>
+          </p:spPr>
+          <p:style>
+            <a:lnRef idx="2">
+              <a:schemeClr val="accent1">
+                <a:shade val="50000"/>
+              </a:schemeClr>
+            </a:lnRef>
+            <a:fillRef idx="1">
+              <a:schemeClr val="accent1"/>
+            </a:fillRef>
+            <a:effectRef idx="0">
+              <a:schemeClr val="accent1"/>
+            </a:effectRef>
+            <a:fontRef idx="minor">
+              <a:schemeClr val="lt1"/>
+            </a:fontRef>
+          </p:style>
+          <p:txBody>
+            <a:bodyPr rtlCol="0" anchor="ctr"/>
+            <a:lstStyle/>
+            <a:p>
+              <a:pPr algn="ctr"/>
+              <a:endParaRPr lang="en-GB" dirty="0"/>
+            </a:p>
+          </p:txBody>
+        </p:sp>
+        <p:cxnSp>
+          <p:nvCxnSpPr>
+            <p:cNvPr id="9" name="Straight Arrow Connector 8">
+              <a:extLst>
+                <a:ext uri="{FF2B5EF4-FFF2-40B4-BE49-F238E27FC236}">
+                  <a16:creationId xmlns:a16="http://schemas.microsoft.com/office/drawing/2014/main" id="{4372B0D4-88DD-459E-BF2B-5F78009BFFA6}"/>
+                </a:ext>
+              </a:extLst>
+            </p:cNvPr>
+            <p:cNvCxnSpPr>
+              <a:cxnSpLocks/>
+            </p:cNvCxnSpPr>
+            <p:nvPr/>
+          </p:nvCxnSpPr>
+          <p:spPr>
+            <a:xfrm>
+              <a:off x="5699760" y="1879600"/>
+              <a:ext cx="704100" cy="365888"/>
+            </a:xfrm>
+            <a:prstGeom prst="straightConnector1">
+              <a:avLst/>
+            </a:prstGeom>
+            <a:ln w="28575">
+              <a:solidFill>
+                <a:srgbClr val="FF0000"/>
+              </a:solidFill>
+              <a:tailEnd type="triangle"/>
+            </a:ln>
+          </p:spPr>
+          <p:style>
+            <a:lnRef idx="1">
+              <a:schemeClr val="accent1"/>
+            </a:lnRef>
+            <a:fillRef idx="0">
+              <a:schemeClr val="accent1"/>
+            </a:fillRef>
+            <a:effectRef idx="0">
+              <a:schemeClr val="accent1"/>
+            </a:effectRef>
+            <a:fontRef idx="minor">
+              <a:schemeClr val="tx1"/>
+            </a:fontRef>
+          </p:style>
+        </p:cxnSp>
+        <p:sp>
+          <p:nvSpPr>
+            <p:cNvPr id="11" name="TextBox 10">
+              <a:extLst>
+                <a:ext uri="{FF2B5EF4-FFF2-40B4-BE49-F238E27FC236}">
+                  <a16:creationId xmlns:a16="http://schemas.microsoft.com/office/drawing/2014/main" id="{02B26E68-46EE-42CA-9442-2B07216FA9D0}"/>
+                </a:ext>
+              </a:extLst>
+            </p:cNvPr>
+            <p:cNvSpPr txBox="1"/>
+            <p:nvPr/>
+          </p:nvSpPr>
+          <p:spPr>
+            <a:xfrm>
+              <a:off x="4511040" y="1565325"/>
+              <a:ext cx="1584960" cy="369332"/>
+            </a:xfrm>
+            <a:prstGeom prst="rect">
+              <a:avLst/>
+            </a:prstGeom>
+            <a:noFill/>
+          </p:spPr>
+          <p:txBody>
+            <a:bodyPr wrap="square" rtlCol="0">
+              <a:spAutoFit/>
+            </a:bodyPr>
+            <a:lstStyle/>
+            <a:p>
+              <a:r>
+                <a:rPr lang="de-DE" dirty="0" err="1"/>
+                <a:t>Changed</a:t>
+              </a:r>
+              <a:r>
+                <a:rPr lang="de-DE" dirty="0"/>
+                <a:t> </a:t>
+              </a:r>
+              <a:r>
+                <a:rPr lang="de-DE" dirty="0" err="1"/>
+                <a:t>files</a:t>
+              </a:r>
+              <a:endParaRPr lang="en-GB" dirty="0"/>
+            </a:p>
+          </p:txBody>
+        </p:sp>
+        <p:cxnSp>
+          <p:nvCxnSpPr>
+            <p:cNvPr id="12" name="Straight Arrow Connector 11">
+              <a:extLst>
+                <a:ext uri="{FF2B5EF4-FFF2-40B4-BE49-F238E27FC236}">
+                  <a16:creationId xmlns:a16="http://schemas.microsoft.com/office/drawing/2014/main" id="{A47AF3B7-90C9-40F8-B17E-EB4965CAE616}"/>
+                </a:ext>
+              </a:extLst>
+            </p:cNvPr>
+            <p:cNvCxnSpPr>
+              <a:cxnSpLocks/>
+            </p:cNvCxnSpPr>
+            <p:nvPr/>
+          </p:nvCxnSpPr>
+          <p:spPr>
+            <a:xfrm>
+              <a:off x="5699760" y="4770528"/>
+              <a:ext cx="704100" cy="365888"/>
+            </a:xfrm>
+            <a:prstGeom prst="straightConnector1">
+              <a:avLst/>
+            </a:prstGeom>
+            <a:ln w="28575">
+              <a:solidFill>
+                <a:srgbClr val="FF0000"/>
+              </a:solidFill>
+              <a:tailEnd type="triangle"/>
+            </a:ln>
+          </p:spPr>
+          <p:style>
+            <a:lnRef idx="1">
+              <a:schemeClr val="accent1"/>
+            </a:lnRef>
+            <a:fillRef idx="0">
+              <a:schemeClr val="accent1"/>
+            </a:fillRef>
+            <a:effectRef idx="0">
+              <a:schemeClr val="accent1"/>
+            </a:effectRef>
+            <a:fontRef idx="minor">
+              <a:schemeClr val="tx1"/>
+            </a:fontRef>
+          </p:style>
+        </p:cxnSp>
+        <p:sp>
+          <p:nvSpPr>
+            <p:cNvPr id="13" name="TextBox 12">
+              <a:extLst>
+                <a:ext uri="{FF2B5EF4-FFF2-40B4-BE49-F238E27FC236}">
+                  <a16:creationId xmlns:a16="http://schemas.microsoft.com/office/drawing/2014/main" id="{E3C97CFE-64C7-4C41-A591-1874B03A290F}"/>
+                </a:ext>
+              </a:extLst>
+            </p:cNvPr>
+            <p:cNvSpPr txBox="1"/>
+            <p:nvPr/>
+          </p:nvSpPr>
+          <p:spPr>
+            <a:xfrm>
+              <a:off x="4818900" y="4466286"/>
+              <a:ext cx="1584960" cy="369332"/>
+            </a:xfrm>
+            <a:prstGeom prst="rect">
+              <a:avLst/>
+            </a:prstGeom>
+            <a:noFill/>
+          </p:spPr>
+          <p:txBody>
+            <a:bodyPr wrap="square" rtlCol="0">
+              <a:spAutoFit/>
+            </a:bodyPr>
+            <a:lstStyle/>
+            <a:p>
+              <a:r>
+                <a:rPr lang="de-DE" dirty="0" err="1"/>
+                <a:t>Changes</a:t>
+              </a:r>
+              <a:endParaRPr lang="en-GB" dirty="0"/>
+            </a:p>
+          </p:txBody>
+        </p:sp>
+      </p:grpSp>
+    </p:spTree>
+    <p:extLst>
+      <p:ext uri="{BB962C8B-B14F-4D97-AF65-F5344CB8AC3E}">
+        <p14:creationId xmlns:p14="http://schemas.microsoft.com/office/powerpoint/2010/main" val="2690676524"/>
+      </p:ext>
+    </p:extLst>
+  </p:cSld>
+  <p:clrMapOvr>
+    <a:masterClrMapping/>
+  </p:clrMapOvr>
+</p:sld>
+</file>
+
+<file path=ppt/slides/slide29.xml><?xml version="1.0" encoding="utf-8"?>
+<p:sld xmlns:a="http://schemas.openxmlformats.org/drawingml/2006/main" xmlns:r="http://schemas.openxmlformats.org/officeDocument/2006/relationships" xmlns:p="http://schemas.openxmlformats.org/presentationml/2006/main">
+  <p:cSld>
+    <p:spTree>
+      <p:nvGrpSpPr>
+        <p:cNvPr id="1" name=""/>
+        <p:cNvGrpSpPr/>
+        <p:nvPr/>
+      </p:nvGrpSpPr>
+      <p:grpSpPr>
+        <a:xfrm>
+          <a:off x="0" y="0"/>
+          <a:ext cx="0" cy="0"/>
+          <a:chOff x="0" y="0"/>
+          <a:chExt cx="0" cy="0"/>
+        </a:xfrm>
+      </p:grpSpPr>
+      <p:grpSp>
+        <p:nvGrpSpPr>
+          <p:cNvPr id="5" name="Group 4">
+            <a:extLst>
+              <a:ext uri="{FF2B5EF4-FFF2-40B4-BE49-F238E27FC236}">
+                <a16:creationId xmlns:a16="http://schemas.microsoft.com/office/drawing/2014/main" id="{DA1AA7F6-7FB3-4E20-B807-E3C3986BDEB4}"/>
+              </a:ext>
+            </a:extLst>
+          </p:cNvPr>
+          <p:cNvGrpSpPr/>
+          <p:nvPr/>
+        </p:nvGrpSpPr>
+        <p:grpSpPr>
+          <a:xfrm>
+            <a:off x="2448560" y="1464398"/>
+            <a:ext cx="6273530" cy="4530001"/>
+            <a:chOff x="2448560" y="1464398"/>
+            <a:chExt cx="6273530" cy="4530001"/>
+          </a:xfrm>
+        </p:grpSpPr>
+        <p:pic>
+          <p:nvPicPr>
+            <p:cNvPr id="2" name="Picture 1">
+              <a:extLst>
+                <a:ext uri="{FF2B5EF4-FFF2-40B4-BE49-F238E27FC236}">
+                  <a16:creationId xmlns:a16="http://schemas.microsoft.com/office/drawing/2014/main" id="{BFEB9BB5-893F-49F3-9AB9-AE89DF2159C6}"/>
+                </a:ext>
+              </a:extLst>
+            </p:cNvPr>
+            <p:cNvPicPr>
+              <a:picLocks noChangeAspect="1"/>
+            </p:cNvPicPr>
+            <p:nvPr/>
+          </p:nvPicPr>
+          <p:blipFill>
+            <a:blip r:embed="rId2"/>
+            <a:stretch>
+              <a:fillRect/>
+            </a:stretch>
+          </p:blipFill>
+          <p:spPr>
+            <a:xfrm>
+              <a:off x="3835239" y="1554480"/>
+              <a:ext cx="4886851" cy="4439919"/>
+            </a:xfrm>
+            <a:prstGeom prst="rect">
+              <a:avLst/>
+            </a:prstGeom>
+          </p:spPr>
+        </p:pic>
+        <p:cxnSp>
+          <p:nvCxnSpPr>
+            <p:cNvPr id="3" name="Straight Arrow Connector 2">
+              <a:extLst>
+                <a:ext uri="{FF2B5EF4-FFF2-40B4-BE49-F238E27FC236}">
+                  <a16:creationId xmlns:a16="http://schemas.microsoft.com/office/drawing/2014/main" id="{7E786048-BCDA-47ED-BAD8-0E38C7A92AF6}"/>
+                </a:ext>
+              </a:extLst>
+            </p:cNvPr>
+            <p:cNvCxnSpPr>
+              <a:cxnSpLocks/>
+            </p:cNvCxnSpPr>
+            <p:nvPr/>
+          </p:nvCxnSpPr>
+          <p:spPr>
+            <a:xfrm>
+              <a:off x="3241040" y="2021840"/>
+              <a:ext cx="704100" cy="365888"/>
+            </a:xfrm>
+            <a:prstGeom prst="straightConnector1">
+              <a:avLst/>
+            </a:prstGeom>
+            <a:ln w="28575">
+              <a:solidFill>
+                <a:srgbClr val="FF0000"/>
+              </a:solidFill>
+              <a:tailEnd type="triangle"/>
+            </a:ln>
+          </p:spPr>
+          <p:style>
+            <a:lnRef idx="1">
+              <a:schemeClr val="accent1"/>
+            </a:lnRef>
+            <a:fillRef idx="0">
+              <a:schemeClr val="accent1"/>
+            </a:fillRef>
+            <a:effectRef idx="0">
+              <a:schemeClr val="accent1"/>
+            </a:effectRef>
+            <a:fontRef idx="minor">
+              <a:schemeClr val="tx1"/>
+            </a:fontRef>
+          </p:style>
+        </p:cxnSp>
+        <p:sp>
+          <p:nvSpPr>
+            <p:cNvPr id="4" name="TextBox 3">
+              <a:extLst>
+                <a:ext uri="{FF2B5EF4-FFF2-40B4-BE49-F238E27FC236}">
+                  <a16:creationId xmlns:a16="http://schemas.microsoft.com/office/drawing/2014/main" id="{D1C7E4BA-D467-4A83-A12C-8488D0DA537C}"/>
+                </a:ext>
+              </a:extLst>
+            </p:cNvPr>
+            <p:cNvSpPr txBox="1"/>
+            <p:nvPr/>
+          </p:nvSpPr>
+          <p:spPr>
+            <a:xfrm>
+              <a:off x="2448560" y="1464398"/>
+              <a:ext cx="1584960" cy="923330"/>
+            </a:xfrm>
+            <a:prstGeom prst="rect">
+              <a:avLst/>
+            </a:prstGeom>
+            <a:noFill/>
+          </p:spPr>
+          <p:txBody>
+            <a:bodyPr wrap="square" rtlCol="0">
+              <a:spAutoFit/>
+            </a:bodyPr>
+            <a:lstStyle/>
+            <a:p>
+              <a:r>
+                <a:rPr lang="de-DE" dirty="0"/>
+                <a:t>Stage </a:t>
+              </a:r>
+              <a:r>
+                <a:rPr lang="de-DE" dirty="0" err="1"/>
+                <a:t>file</a:t>
+              </a:r>
+              <a:r>
+                <a:rPr lang="de-DE" dirty="0"/>
+                <a:t> </a:t>
+              </a:r>
+              <a:r>
+                <a:rPr lang="de-DE" dirty="0" err="1"/>
+                <a:t>by</a:t>
+              </a:r>
+              <a:r>
+                <a:rPr lang="de-DE" dirty="0"/>
+                <a:t> </a:t>
+              </a:r>
+              <a:r>
+                <a:rPr lang="de-DE" dirty="0" err="1"/>
+                <a:t>checking</a:t>
+              </a:r>
+              <a:r>
+                <a:rPr lang="de-DE" dirty="0"/>
+                <a:t> </a:t>
+              </a:r>
+              <a:r>
+                <a:rPr lang="de-DE" dirty="0" err="1"/>
+                <a:t>the</a:t>
+              </a:r>
+              <a:r>
+                <a:rPr lang="de-DE" dirty="0"/>
+                <a:t> box</a:t>
+              </a:r>
+              <a:endParaRPr lang="en-GB" dirty="0"/>
+            </a:p>
+          </p:txBody>
+        </p:sp>
+      </p:grpSp>
+    </p:spTree>
+    <p:extLst>
+      <p:ext uri="{BB962C8B-B14F-4D97-AF65-F5344CB8AC3E}">
+        <p14:creationId xmlns:p14="http://schemas.microsoft.com/office/powerpoint/2010/main" val="2521117792"/>
+      </p:ext>
+    </p:extLst>
+  </p:cSld>
+  <p:clrMapOvr>
+    <a:masterClrMapping/>
+  </p:clrMapOvr>
+</p:sld>
+</file>
+
 <file path=ppt/slides/slide3.xml><?xml version="1.0" encoding="utf-8"?>
 <p:sld xmlns:a="http://schemas.openxmlformats.org/drawingml/2006/main" xmlns:r="http://schemas.openxmlformats.org/officeDocument/2006/relationships" xmlns:p="http://schemas.openxmlformats.org/presentationml/2006/main">
   <p:cSld>
@@ -23728,6 +24276,1016 @@
     <p:extLst>
       <p:ext uri="{BB962C8B-B14F-4D97-AF65-F5344CB8AC3E}">
         <p14:creationId xmlns:p14="http://schemas.microsoft.com/office/powerpoint/2010/main" val="798703967"/>
+      </p:ext>
+    </p:extLst>
+  </p:cSld>
+  <p:clrMapOvr>
+    <a:masterClrMapping/>
+  </p:clrMapOvr>
+</p:sld>
+</file>
+
+<file path=ppt/slides/slide30.xml><?xml version="1.0" encoding="utf-8"?>
+<p:sld xmlns:a="http://schemas.openxmlformats.org/drawingml/2006/main" xmlns:r="http://schemas.openxmlformats.org/officeDocument/2006/relationships" xmlns:p="http://schemas.openxmlformats.org/presentationml/2006/main">
+  <p:cSld>
+    <p:spTree>
+      <p:nvGrpSpPr>
+        <p:cNvPr id="1" name=""/>
+        <p:cNvGrpSpPr/>
+        <p:nvPr/>
+      </p:nvGrpSpPr>
+      <p:grpSpPr>
+        <a:xfrm>
+          <a:off x="0" y="0"/>
+          <a:ext cx="0" cy="0"/>
+          <a:chOff x="0" y="0"/>
+          <a:chExt cx="0" cy="0"/>
+        </a:xfrm>
+      </p:grpSpPr>
+      <p:grpSp>
+        <p:nvGrpSpPr>
+          <p:cNvPr id="10" name="Group 9">
+            <a:extLst>
+              <a:ext uri="{FF2B5EF4-FFF2-40B4-BE49-F238E27FC236}">
+                <a16:creationId xmlns:a16="http://schemas.microsoft.com/office/drawing/2014/main" id="{D3FD0C54-4447-49EE-BDD8-E89E1281A2A8}"/>
+              </a:ext>
+            </a:extLst>
+          </p:cNvPr>
+          <p:cNvGrpSpPr/>
+          <p:nvPr/>
+        </p:nvGrpSpPr>
+        <p:grpSpPr>
+          <a:xfrm>
+            <a:off x="2722880" y="896547"/>
+            <a:ext cx="7407653" cy="5064905"/>
+            <a:chOff x="2722880" y="896547"/>
+            <a:chExt cx="7407653" cy="5064905"/>
+          </a:xfrm>
+        </p:grpSpPr>
+        <p:pic>
+          <p:nvPicPr>
+            <p:cNvPr id="2" name="Picture 1">
+              <a:extLst>
+                <a:ext uri="{FF2B5EF4-FFF2-40B4-BE49-F238E27FC236}">
+                  <a16:creationId xmlns:a16="http://schemas.microsoft.com/office/drawing/2014/main" id="{2E1E9112-1637-4D69-B6E5-E4089D00E793}"/>
+                </a:ext>
+              </a:extLst>
+            </p:cNvPr>
+            <p:cNvPicPr>
+              <a:picLocks noChangeAspect="1"/>
+            </p:cNvPicPr>
+            <p:nvPr/>
+          </p:nvPicPr>
+          <p:blipFill>
+            <a:blip r:embed="rId2"/>
+            <a:stretch>
+              <a:fillRect/>
+            </a:stretch>
+          </p:blipFill>
+          <p:spPr>
+            <a:xfrm>
+              <a:off x="2722880" y="896547"/>
+              <a:ext cx="5630666" cy="5064905"/>
+            </a:xfrm>
+            <a:prstGeom prst="rect">
+              <a:avLst/>
+            </a:prstGeom>
+          </p:spPr>
+        </p:pic>
+        <p:sp>
+          <p:nvSpPr>
+            <p:cNvPr id="3" name="TextBox 2">
+              <a:extLst>
+                <a:ext uri="{FF2B5EF4-FFF2-40B4-BE49-F238E27FC236}">
+                  <a16:creationId xmlns:a16="http://schemas.microsoft.com/office/drawing/2014/main" id="{DB40F3B9-8934-4D74-8495-A9960CBF1312}"/>
+                </a:ext>
+              </a:extLst>
+            </p:cNvPr>
+            <p:cNvSpPr txBox="1"/>
+            <p:nvPr/>
+          </p:nvSpPr>
+          <p:spPr>
+            <a:xfrm>
+              <a:off x="8545573" y="1815795"/>
+              <a:ext cx="1584960" cy="646331"/>
+            </a:xfrm>
+            <a:prstGeom prst="rect">
+              <a:avLst/>
+            </a:prstGeom>
+            <a:noFill/>
+          </p:spPr>
+          <p:txBody>
+            <a:bodyPr wrap="square" rtlCol="0">
+              <a:spAutoFit/>
+            </a:bodyPr>
+            <a:lstStyle/>
+            <a:p>
+              <a:r>
+                <a:rPr lang="de-DE" dirty="0"/>
+                <a:t>Commit </a:t>
+              </a:r>
+              <a:r>
+                <a:rPr lang="de-DE" dirty="0" err="1"/>
+                <a:t>message</a:t>
+              </a:r>
+              <a:endParaRPr lang="en-GB" dirty="0"/>
+            </a:p>
+          </p:txBody>
+        </p:sp>
+        <p:cxnSp>
+          <p:nvCxnSpPr>
+            <p:cNvPr id="4" name="Straight Arrow Connector 3">
+              <a:extLst>
+                <a:ext uri="{FF2B5EF4-FFF2-40B4-BE49-F238E27FC236}">
+                  <a16:creationId xmlns:a16="http://schemas.microsoft.com/office/drawing/2014/main" id="{08E4DE13-CBFD-45FB-BB3A-113E0F4C1DFF}"/>
+                </a:ext>
+              </a:extLst>
+            </p:cNvPr>
+            <p:cNvCxnSpPr>
+              <a:cxnSpLocks/>
+            </p:cNvCxnSpPr>
+            <p:nvPr/>
+          </p:nvCxnSpPr>
+          <p:spPr>
+            <a:xfrm flipH="1" flipV="1">
+              <a:off x="7326373" y="1662423"/>
+              <a:ext cx="1219200" cy="461665"/>
+            </a:xfrm>
+            <a:prstGeom prst="straightConnector1">
+              <a:avLst/>
+            </a:prstGeom>
+            <a:ln w="28575">
+              <a:solidFill>
+                <a:srgbClr val="FF0000"/>
+              </a:solidFill>
+              <a:tailEnd type="triangle"/>
+            </a:ln>
+          </p:spPr>
+          <p:style>
+            <a:lnRef idx="1">
+              <a:schemeClr val="accent1"/>
+            </a:lnRef>
+            <a:fillRef idx="0">
+              <a:schemeClr val="accent1"/>
+            </a:fillRef>
+            <a:effectRef idx="0">
+              <a:schemeClr val="accent1"/>
+            </a:effectRef>
+            <a:fontRef idx="minor">
+              <a:schemeClr val="tx1"/>
+            </a:fontRef>
+          </p:style>
+        </p:cxnSp>
+        <p:sp>
+          <p:nvSpPr>
+            <p:cNvPr id="7" name="TextBox 6">
+              <a:extLst>
+                <a:ext uri="{FF2B5EF4-FFF2-40B4-BE49-F238E27FC236}">
+                  <a16:creationId xmlns:a16="http://schemas.microsoft.com/office/drawing/2014/main" id="{BF687254-232C-49FD-BC22-B95F4C137826}"/>
+                </a:ext>
+              </a:extLst>
+            </p:cNvPr>
+            <p:cNvSpPr txBox="1"/>
+            <p:nvPr/>
+          </p:nvSpPr>
+          <p:spPr>
+            <a:xfrm>
+              <a:off x="8686800" y="2820182"/>
+              <a:ext cx="924560" cy="646331"/>
+            </a:xfrm>
+            <a:prstGeom prst="rect">
+              <a:avLst/>
+            </a:prstGeom>
+            <a:noFill/>
+          </p:spPr>
+          <p:txBody>
+            <a:bodyPr wrap="square" rtlCol="0">
+              <a:spAutoFit/>
+            </a:bodyPr>
+            <a:lstStyle/>
+            <a:p>
+              <a:r>
+                <a:rPr lang="de-DE" dirty="0"/>
+                <a:t>Click </a:t>
+              </a:r>
+              <a:r>
+                <a:rPr lang="de-DE" dirty="0" err="1"/>
+                <a:t>to</a:t>
+              </a:r>
+              <a:r>
+                <a:rPr lang="de-DE" dirty="0"/>
+                <a:t> </a:t>
+              </a:r>
+              <a:r>
+                <a:rPr lang="de-DE" dirty="0" err="1"/>
+                <a:t>commit</a:t>
+              </a:r>
+              <a:endParaRPr lang="en-GB" dirty="0"/>
+            </a:p>
+          </p:txBody>
+        </p:sp>
+        <p:cxnSp>
+          <p:nvCxnSpPr>
+            <p:cNvPr id="8" name="Straight Arrow Connector 7">
+              <a:extLst>
+                <a:ext uri="{FF2B5EF4-FFF2-40B4-BE49-F238E27FC236}">
+                  <a16:creationId xmlns:a16="http://schemas.microsoft.com/office/drawing/2014/main" id="{B921925A-0B5F-4274-88C3-A7923C5D9108}"/>
+                </a:ext>
+              </a:extLst>
+            </p:cNvPr>
+            <p:cNvCxnSpPr>
+              <a:cxnSpLocks/>
+            </p:cNvCxnSpPr>
+            <p:nvPr/>
+          </p:nvCxnSpPr>
+          <p:spPr>
+            <a:xfrm flipH="1" flipV="1">
+              <a:off x="8128000" y="2889964"/>
+              <a:ext cx="609600" cy="253384"/>
+            </a:xfrm>
+            <a:prstGeom prst="straightConnector1">
+              <a:avLst/>
+            </a:prstGeom>
+            <a:ln w="28575">
+              <a:solidFill>
+                <a:srgbClr val="FF0000"/>
+              </a:solidFill>
+              <a:tailEnd type="triangle"/>
+            </a:ln>
+          </p:spPr>
+          <p:style>
+            <a:lnRef idx="1">
+              <a:schemeClr val="accent1"/>
+            </a:lnRef>
+            <a:fillRef idx="0">
+              <a:schemeClr val="accent1"/>
+            </a:fillRef>
+            <a:effectRef idx="0">
+              <a:schemeClr val="accent1"/>
+            </a:effectRef>
+            <a:fontRef idx="minor">
+              <a:schemeClr val="tx1"/>
+            </a:fontRef>
+          </p:style>
+        </p:cxnSp>
+      </p:grpSp>
+    </p:spTree>
+    <p:extLst>
+      <p:ext uri="{BB962C8B-B14F-4D97-AF65-F5344CB8AC3E}">
+        <p14:creationId xmlns:p14="http://schemas.microsoft.com/office/powerpoint/2010/main" val="2316820686"/>
+      </p:ext>
+    </p:extLst>
+  </p:cSld>
+  <p:clrMapOvr>
+    <a:masterClrMapping/>
+  </p:clrMapOvr>
+</p:sld>
+</file>
+
+<file path=ppt/slides/slide31.xml><?xml version="1.0" encoding="utf-8"?>
+<p:sld xmlns:a="http://schemas.openxmlformats.org/drawingml/2006/main" xmlns:r="http://schemas.openxmlformats.org/officeDocument/2006/relationships" xmlns:p="http://schemas.openxmlformats.org/presentationml/2006/main">
+  <p:cSld>
+    <p:spTree>
+      <p:nvGrpSpPr>
+        <p:cNvPr id="1" name=""/>
+        <p:cNvGrpSpPr/>
+        <p:nvPr/>
+      </p:nvGrpSpPr>
+      <p:grpSpPr>
+        <a:xfrm>
+          <a:off x="0" y="0"/>
+          <a:ext cx="0" cy="0"/>
+          <a:chOff x="0" y="0"/>
+          <a:chExt cx="0" cy="0"/>
+        </a:xfrm>
+      </p:grpSpPr>
+      <p:grpSp>
+        <p:nvGrpSpPr>
+          <p:cNvPr id="11" name="Group 10">
+            <a:extLst>
+              <a:ext uri="{FF2B5EF4-FFF2-40B4-BE49-F238E27FC236}">
+                <a16:creationId xmlns:a16="http://schemas.microsoft.com/office/drawing/2014/main" id="{10A67C33-4B1D-45B6-9067-D3B1143787F8}"/>
+              </a:ext>
+            </a:extLst>
+          </p:cNvPr>
+          <p:cNvGrpSpPr/>
+          <p:nvPr/>
+        </p:nvGrpSpPr>
+        <p:grpSpPr>
+          <a:xfrm>
+            <a:off x="1481500" y="1652508"/>
+            <a:ext cx="4120699" cy="2803745"/>
+            <a:chOff x="1481500" y="1652508"/>
+            <a:chExt cx="4120699" cy="2803745"/>
+          </a:xfrm>
+        </p:grpSpPr>
+        <p:pic>
+          <p:nvPicPr>
+            <p:cNvPr id="2" name="Picture 1">
+              <a:extLst>
+                <a:ext uri="{FF2B5EF4-FFF2-40B4-BE49-F238E27FC236}">
+                  <a16:creationId xmlns:a16="http://schemas.microsoft.com/office/drawing/2014/main" id="{5C84E7AF-57DA-4B19-8294-73B6B31243F5}"/>
+                </a:ext>
+              </a:extLst>
+            </p:cNvPr>
+            <p:cNvPicPr>
+              <a:picLocks noChangeAspect="1"/>
+            </p:cNvPicPr>
+            <p:nvPr/>
+          </p:nvPicPr>
+          <p:blipFill>
+            <a:blip r:embed="rId2">
+              <a:extLst>
+                <a:ext uri="{28A0092B-C50C-407E-A947-70E740481C1C}">
+                  <a14:useLocalDpi xmlns:a14="http://schemas.microsoft.com/office/drawing/2010/main" val="0"/>
+                </a:ext>
+              </a:extLst>
+            </a:blip>
+            <a:stretch>
+              <a:fillRect/>
+            </a:stretch>
+          </p:blipFill>
+          <p:spPr>
+            <a:xfrm>
+              <a:off x="1481500" y="2245488"/>
+              <a:ext cx="4120699" cy="2210765"/>
+            </a:xfrm>
+            <a:prstGeom prst="rect">
+              <a:avLst/>
+            </a:prstGeom>
+          </p:spPr>
+        </p:pic>
+        <p:sp>
+          <p:nvSpPr>
+            <p:cNvPr id="3" name="TextBox 2">
+              <a:extLst>
+                <a:ext uri="{FF2B5EF4-FFF2-40B4-BE49-F238E27FC236}">
+                  <a16:creationId xmlns:a16="http://schemas.microsoft.com/office/drawing/2014/main" id="{7CB9BBD6-7E24-4D81-AA29-5ECAB509FA54}"/>
+                </a:ext>
+              </a:extLst>
+            </p:cNvPr>
+            <p:cNvSpPr txBox="1"/>
+            <p:nvPr/>
+          </p:nvSpPr>
+          <p:spPr>
+            <a:xfrm>
+              <a:off x="2642613" y="1652508"/>
+              <a:ext cx="598427" cy="369332"/>
+            </a:xfrm>
+            <a:prstGeom prst="rect">
+              <a:avLst/>
+            </a:prstGeom>
+            <a:noFill/>
+          </p:spPr>
+          <p:txBody>
+            <a:bodyPr wrap="square" rtlCol="0">
+              <a:spAutoFit/>
+            </a:bodyPr>
+            <a:lstStyle/>
+            <a:p>
+              <a:r>
+                <a:rPr lang="de-DE" dirty="0"/>
+                <a:t>pull</a:t>
+              </a:r>
+              <a:endParaRPr lang="en-GB" dirty="0"/>
+            </a:p>
+          </p:txBody>
+        </p:sp>
+        <p:cxnSp>
+          <p:nvCxnSpPr>
+            <p:cNvPr id="4" name="Straight Arrow Connector 3">
+              <a:extLst>
+                <a:ext uri="{FF2B5EF4-FFF2-40B4-BE49-F238E27FC236}">
+                  <a16:creationId xmlns:a16="http://schemas.microsoft.com/office/drawing/2014/main" id="{E8CFB5FF-9FAD-4E08-A595-7E5207BED0F8}"/>
+                </a:ext>
+              </a:extLst>
+            </p:cNvPr>
+            <p:cNvCxnSpPr>
+              <a:cxnSpLocks/>
+            </p:cNvCxnSpPr>
+            <p:nvPr/>
+          </p:nvCxnSpPr>
+          <p:spPr>
+            <a:xfrm>
+              <a:off x="2865120" y="2021840"/>
+              <a:ext cx="1" cy="518160"/>
+            </a:xfrm>
+            <a:prstGeom prst="straightConnector1">
+              <a:avLst/>
+            </a:prstGeom>
+            <a:ln w="28575">
+              <a:solidFill>
+                <a:srgbClr val="FF0000"/>
+              </a:solidFill>
+              <a:tailEnd type="triangle"/>
+            </a:ln>
+          </p:spPr>
+          <p:style>
+            <a:lnRef idx="1">
+              <a:schemeClr val="accent1"/>
+            </a:lnRef>
+            <a:fillRef idx="0">
+              <a:schemeClr val="accent1"/>
+            </a:fillRef>
+            <a:effectRef idx="0">
+              <a:schemeClr val="accent1"/>
+            </a:effectRef>
+            <a:fontRef idx="minor">
+              <a:schemeClr val="tx1"/>
+            </a:fontRef>
+          </p:style>
+        </p:cxnSp>
+        <p:sp>
+          <p:nvSpPr>
+            <p:cNvPr id="7" name="TextBox 6">
+              <a:extLst>
+                <a:ext uri="{FF2B5EF4-FFF2-40B4-BE49-F238E27FC236}">
+                  <a16:creationId xmlns:a16="http://schemas.microsoft.com/office/drawing/2014/main" id="{2ADE50C1-C92B-4637-89EB-C74776618069}"/>
+                </a:ext>
+              </a:extLst>
+            </p:cNvPr>
+            <p:cNvSpPr txBox="1"/>
+            <p:nvPr/>
+          </p:nvSpPr>
+          <p:spPr>
+            <a:xfrm>
+              <a:off x="3422885" y="1652508"/>
+              <a:ext cx="675127" cy="369332"/>
+            </a:xfrm>
+            <a:prstGeom prst="rect">
+              <a:avLst/>
+            </a:prstGeom>
+            <a:noFill/>
+          </p:spPr>
+          <p:txBody>
+            <a:bodyPr wrap="square" rtlCol="0">
+              <a:spAutoFit/>
+            </a:bodyPr>
+            <a:lstStyle/>
+            <a:p>
+              <a:r>
+                <a:rPr lang="de-DE" dirty="0"/>
+                <a:t>push</a:t>
+              </a:r>
+              <a:endParaRPr lang="en-GB" dirty="0"/>
+            </a:p>
+          </p:txBody>
+        </p:sp>
+        <p:cxnSp>
+          <p:nvCxnSpPr>
+            <p:cNvPr id="8" name="Straight Arrow Connector 7">
+              <a:extLst>
+                <a:ext uri="{FF2B5EF4-FFF2-40B4-BE49-F238E27FC236}">
+                  <a16:creationId xmlns:a16="http://schemas.microsoft.com/office/drawing/2014/main" id="{8F8D2104-6347-47B0-92DB-CF06CA2F943B}"/>
+                </a:ext>
+              </a:extLst>
+            </p:cNvPr>
+            <p:cNvCxnSpPr>
+              <a:cxnSpLocks/>
+            </p:cNvCxnSpPr>
+            <p:nvPr/>
+          </p:nvCxnSpPr>
+          <p:spPr>
+            <a:xfrm flipH="1">
+              <a:off x="3241040" y="2021840"/>
+              <a:ext cx="304800" cy="518160"/>
+            </a:xfrm>
+            <a:prstGeom prst="straightConnector1">
+              <a:avLst/>
+            </a:prstGeom>
+            <a:ln w="28575">
+              <a:solidFill>
+                <a:srgbClr val="FF0000"/>
+              </a:solidFill>
+              <a:tailEnd type="triangle"/>
+            </a:ln>
+          </p:spPr>
+          <p:style>
+            <a:lnRef idx="1">
+              <a:schemeClr val="accent1"/>
+            </a:lnRef>
+            <a:fillRef idx="0">
+              <a:schemeClr val="accent1"/>
+            </a:fillRef>
+            <a:effectRef idx="0">
+              <a:schemeClr val="accent1"/>
+            </a:effectRef>
+            <a:fontRef idx="minor">
+              <a:schemeClr val="tx1"/>
+            </a:fontRef>
+          </p:style>
+        </p:cxnSp>
+      </p:grpSp>
+    </p:spTree>
+    <p:extLst>
+      <p:ext uri="{BB962C8B-B14F-4D97-AF65-F5344CB8AC3E}">
+        <p14:creationId xmlns:p14="http://schemas.microsoft.com/office/powerpoint/2010/main" val="786729443"/>
+      </p:ext>
+    </p:extLst>
+  </p:cSld>
+  <p:clrMapOvr>
+    <a:masterClrMapping/>
+  </p:clrMapOvr>
+</p:sld>
+</file>
+
+<file path=ppt/slides/slide32.xml><?xml version="1.0" encoding="utf-8"?>
+<p:sld xmlns:a="http://schemas.openxmlformats.org/drawingml/2006/main" xmlns:r="http://schemas.openxmlformats.org/officeDocument/2006/relationships" xmlns:p="http://schemas.openxmlformats.org/presentationml/2006/main">
+  <p:cSld>
+    <p:spTree>
+      <p:nvGrpSpPr>
+        <p:cNvPr id="1" name=""/>
+        <p:cNvGrpSpPr/>
+        <p:nvPr/>
+      </p:nvGrpSpPr>
+      <p:grpSpPr>
+        <a:xfrm>
+          <a:off x="0" y="0"/>
+          <a:ext cx="0" cy="0"/>
+          <a:chOff x="0" y="0"/>
+          <a:chExt cx="0" cy="0"/>
+        </a:xfrm>
+      </p:grpSpPr>
+      <p:grpSp>
+        <p:nvGrpSpPr>
+          <p:cNvPr id="6" name="Group 5">
+            <a:extLst>
+              <a:ext uri="{FF2B5EF4-FFF2-40B4-BE49-F238E27FC236}">
+                <a16:creationId xmlns:a16="http://schemas.microsoft.com/office/drawing/2014/main" id="{06F47320-E33D-4B1D-9DC0-460FF47D85A1}"/>
+              </a:ext>
+            </a:extLst>
+          </p:cNvPr>
+          <p:cNvGrpSpPr/>
+          <p:nvPr/>
+        </p:nvGrpSpPr>
+        <p:grpSpPr>
+          <a:xfrm>
+            <a:off x="871900" y="856214"/>
+            <a:ext cx="9561150" cy="4802905"/>
+            <a:chOff x="871900" y="856214"/>
+            <a:chExt cx="9561150" cy="4802905"/>
+          </a:xfrm>
+        </p:grpSpPr>
+        <p:pic>
+          <p:nvPicPr>
+            <p:cNvPr id="2" name="Picture 1">
+              <a:extLst>
+                <a:ext uri="{FF2B5EF4-FFF2-40B4-BE49-F238E27FC236}">
+                  <a16:creationId xmlns:a16="http://schemas.microsoft.com/office/drawing/2014/main" id="{3D8C0C2B-F40D-4C6A-A2F3-87850F5694C1}"/>
+                </a:ext>
+              </a:extLst>
+            </p:cNvPr>
+            <p:cNvPicPr>
+              <a:picLocks noChangeAspect="1"/>
+            </p:cNvPicPr>
+            <p:nvPr/>
+          </p:nvPicPr>
+          <p:blipFill>
+            <a:blip r:embed="rId2"/>
+            <a:stretch>
+              <a:fillRect/>
+            </a:stretch>
+          </p:blipFill>
+          <p:spPr>
+            <a:xfrm>
+              <a:off x="5140960" y="856214"/>
+              <a:ext cx="5292090" cy="4802905"/>
+            </a:xfrm>
+            <a:prstGeom prst="rect">
+              <a:avLst/>
+            </a:prstGeom>
+          </p:spPr>
+        </p:pic>
+        <p:pic>
+          <p:nvPicPr>
+            <p:cNvPr id="3" name="Picture 2">
+              <a:extLst>
+                <a:ext uri="{FF2B5EF4-FFF2-40B4-BE49-F238E27FC236}">
+                  <a16:creationId xmlns:a16="http://schemas.microsoft.com/office/drawing/2014/main" id="{07DB02BC-507F-4D01-9022-B93264AA2D03}"/>
+                </a:ext>
+              </a:extLst>
+            </p:cNvPr>
+            <p:cNvPicPr>
+              <a:picLocks noChangeAspect="1"/>
+            </p:cNvPicPr>
+            <p:nvPr/>
+          </p:nvPicPr>
+          <p:blipFill>
+            <a:blip r:embed="rId3">
+              <a:extLst>
+                <a:ext uri="{28A0092B-C50C-407E-A947-70E740481C1C}">
+                  <a14:useLocalDpi xmlns:a14="http://schemas.microsoft.com/office/drawing/2010/main" val="0"/>
+                </a:ext>
+              </a:extLst>
+            </a:blip>
+            <a:stretch>
+              <a:fillRect/>
+            </a:stretch>
+          </p:blipFill>
+          <p:spPr>
+            <a:xfrm>
+              <a:off x="871900" y="2540128"/>
+              <a:ext cx="4120699" cy="2210765"/>
+            </a:xfrm>
+            <a:prstGeom prst="rect">
+              <a:avLst/>
+            </a:prstGeom>
+          </p:spPr>
+        </p:pic>
+        <p:sp>
+          <p:nvSpPr>
+            <p:cNvPr id="5" name="Rectangle 4">
+              <a:extLst>
+                <a:ext uri="{FF2B5EF4-FFF2-40B4-BE49-F238E27FC236}">
+                  <a16:creationId xmlns:a16="http://schemas.microsoft.com/office/drawing/2014/main" id="{979F2AAC-0186-42A0-81A4-800A832377B8}"/>
+                </a:ext>
+              </a:extLst>
+            </p:cNvPr>
+            <p:cNvSpPr/>
+            <p:nvPr/>
+          </p:nvSpPr>
+          <p:spPr>
+            <a:xfrm>
+              <a:off x="2722880" y="2783840"/>
+              <a:ext cx="264160" cy="264160"/>
+            </a:xfrm>
+            <a:prstGeom prst="rect">
+              <a:avLst/>
+            </a:prstGeom>
+            <a:noFill/>
+            <a:ln>
+              <a:solidFill>
+                <a:srgbClr val="FF0000"/>
+              </a:solidFill>
+            </a:ln>
+          </p:spPr>
+          <p:style>
+            <a:lnRef idx="2">
+              <a:schemeClr val="accent1">
+                <a:shade val="50000"/>
+              </a:schemeClr>
+            </a:lnRef>
+            <a:fillRef idx="1">
+              <a:schemeClr val="accent1"/>
+            </a:fillRef>
+            <a:effectRef idx="0">
+              <a:schemeClr val="accent1"/>
+            </a:effectRef>
+            <a:fontRef idx="minor">
+              <a:schemeClr val="lt1"/>
+            </a:fontRef>
+          </p:style>
+          <p:txBody>
+            <a:bodyPr rtlCol="0" anchor="ctr"/>
+            <a:lstStyle/>
+            <a:p>
+              <a:pPr algn="ctr"/>
+              <a:endParaRPr lang="en-GB" dirty="0"/>
+            </a:p>
+          </p:txBody>
+        </p:sp>
+      </p:grpSp>
+    </p:spTree>
+    <p:extLst>
+      <p:ext uri="{BB962C8B-B14F-4D97-AF65-F5344CB8AC3E}">
+        <p14:creationId xmlns:p14="http://schemas.microsoft.com/office/powerpoint/2010/main" val="1893868562"/>
+      </p:ext>
+    </p:extLst>
+  </p:cSld>
+  <p:clrMapOvr>
+    <a:masterClrMapping/>
+  </p:clrMapOvr>
+</p:sld>
+</file>
+
+<file path=ppt/slides/slide33.xml><?xml version="1.0" encoding="utf-8"?>
+<p:sld xmlns:a="http://schemas.openxmlformats.org/drawingml/2006/main" xmlns:r="http://schemas.openxmlformats.org/officeDocument/2006/relationships" xmlns:p="http://schemas.openxmlformats.org/presentationml/2006/main">
+  <p:cSld>
+    <p:spTree>
+      <p:nvGrpSpPr>
+        <p:cNvPr id="1" name=""/>
+        <p:cNvGrpSpPr/>
+        <p:nvPr/>
+      </p:nvGrpSpPr>
+      <p:grpSpPr>
+        <a:xfrm>
+          <a:off x="0" y="0"/>
+          <a:ext cx="0" cy="0"/>
+          <a:chOff x="0" y="0"/>
+          <a:chExt cx="0" cy="0"/>
+        </a:xfrm>
+      </p:grpSpPr>
+      <p:grpSp>
+        <p:nvGrpSpPr>
+          <p:cNvPr id="8" name="Group 7">
+            <a:extLst>
+              <a:ext uri="{FF2B5EF4-FFF2-40B4-BE49-F238E27FC236}">
+                <a16:creationId xmlns:a16="http://schemas.microsoft.com/office/drawing/2014/main" id="{D6897CFD-DF23-4709-B93B-62B2D7E49686}"/>
+              </a:ext>
+            </a:extLst>
+          </p:cNvPr>
+          <p:cNvGrpSpPr/>
+          <p:nvPr/>
+        </p:nvGrpSpPr>
+        <p:grpSpPr>
+          <a:xfrm>
+            <a:off x="2828469" y="1368532"/>
+            <a:ext cx="8035499" cy="3565628"/>
+            <a:chOff x="2828469" y="1368532"/>
+            <a:chExt cx="8035499" cy="3565628"/>
+          </a:xfrm>
+        </p:grpSpPr>
+        <p:pic>
+          <p:nvPicPr>
+            <p:cNvPr id="2" name="Picture 1">
+              <a:extLst>
+                <a:ext uri="{FF2B5EF4-FFF2-40B4-BE49-F238E27FC236}">
+                  <a16:creationId xmlns:a16="http://schemas.microsoft.com/office/drawing/2014/main" id="{C5219DFD-8E29-428E-885E-11AC47C1302C}"/>
+                </a:ext>
+              </a:extLst>
+            </p:cNvPr>
+            <p:cNvPicPr>
+              <a:picLocks noChangeAspect="1"/>
+            </p:cNvPicPr>
+            <p:nvPr/>
+          </p:nvPicPr>
+          <p:blipFill>
+            <a:blip r:embed="rId2"/>
+            <a:stretch>
+              <a:fillRect/>
+            </a:stretch>
+          </p:blipFill>
+          <p:spPr>
+            <a:xfrm>
+              <a:off x="2828469" y="1923840"/>
+              <a:ext cx="6535062" cy="3010320"/>
+            </a:xfrm>
+            <a:prstGeom prst="rect">
+              <a:avLst/>
+            </a:prstGeom>
+          </p:spPr>
+        </p:pic>
+        <p:sp>
+          <p:nvSpPr>
+            <p:cNvPr id="3" name="Rectangle 2">
+              <a:extLst>
+                <a:ext uri="{FF2B5EF4-FFF2-40B4-BE49-F238E27FC236}">
+                  <a16:creationId xmlns:a16="http://schemas.microsoft.com/office/drawing/2014/main" id="{E0F5E140-C0C2-4D41-AABE-7DE2062BCEE5}"/>
+                </a:ext>
+              </a:extLst>
+            </p:cNvPr>
+            <p:cNvSpPr/>
+            <p:nvPr/>
+          </p:nvSpPr>
+          <p:spPr>
+            <a:xfrm>
+              <a:off x="7772400" y="2286000"/>
+              <a:ext cx="264160" cy="264160"/>
+            </a:xfrm>
+            <a:prstGeom prst="rect">
+              <a:avLst/>
+            </a:prstGeom>
+            <a:noFill/>
+            <a:ln>
+              <a:solidFill>
+                <a:srgbClr val="FF0000"/>
+              </a:solidFill>
+            </a:ln>
+          </p:spPr>
+          <p:style>
+            <a:lnRef idx="2">
+              <a:schemeClr val="accent1">
+                <a:shade val="50000"/>
+              </a:schemeClr>
+            </a:lnRef>
+            <a:fillRef idx="1">
+              <a:schemeClr val="accent1"/>
+            </a:fillRef>
+            <a:effectRef idx="0">
+              <a:schemeClr val="accent1"/>
+            </a:effectRef>
+            <a:fontRef idx="minor">
+              <a:schemeClr val="lt1"/>
+            </a:fontRef>
+          </p:style>
+          <p:txBody>
+            <a:bodyPr rtlCol="0" anchor="ctr"/>
+            <a:lstStyle/>
+            <a:p>
+              <a:pPr algn="ctr"/>
+              <a:endParaRPr lang="en-GB" dirty="0"/>
+            </a:p>
+          </p:txBody>
+        </p:sp>
+        <p:sp>
+          <p:nvSpPr>
+            <p:cNvPr id="4" name="TextBox 3">
+              <a:extLst>
+                <a:ext uri="{FF2B5EF4-FFF2-40B4-BE49-F238E27FC236}">
+                  <a16:creationId xmlns:a16="http://schemas.microsoft.com/office/drawing/2014/main" id="{3CED39BA-936E-4C38-9FF6-32CB985D9D2C}"/>
+                </a:ext>
+              </a:extLst>
+            </p:cNvPr>
+            <p:cNvSpPr txBox="1"/>
+            <p:nvPr/>
+          </p:nvSpPr>
+          <p:spPr>
+            <a:xfrm>
+              <a:off x="8803092" y="1461869"/>
+              <a:ext cx="2060876" cy="646331"/>
+            </a:xfrm>
+            <a:prstGeom prst="rect">
+              <a:avLst/>
+            </a:prstGeom>
+            <a:noFill/>
+          </p:spPr>
+          <p:txBody>
+            <a:bodyPr wrap="square" rtlCol="0">
+              <a:spAutoFit/>
+            </a:bodyPr>
+            <a:lstStyle/>
+            <a:p>
+              <a:r>
+                <a:rPr lang="de-DE" dirty="0"/>
+                <a:t>The </a:t>
+              </a:r>
+              <a:r>
+                <a:rPr lang="de-DE" dirty="0" err="1"/>
+                <a:t>branch</a:t>
+              </a:r>
+              <a:r>
+                <a:rPr lang="de-DE" dirty="0"/>
+                <a:t> </a:t>
+              </a:r>
+              <a:r>
+                <a:rPr lang="de-DE" dirty="0" err="1"/>
+                <a:t>that</a:t>
+              </a:r>
+              <a:r>
+                <a:rPr lang="de-DE" dirty="0"/>
+                <a:t> </a:t>
+              </a:r>
+              <a:r>
+                <a:rPr lang="de-DE" dirty="0" err="1"/>
+                <a:t>is</a:t>
+              </a:r>
+              <a:r>
+                <a:rPr lang="de-DE" dirty="0"/>
+                <a:t> </a:t>
+              </a:r>
+              <a:r>
+                <a:rPr lang="de-DE" dirty="0" err="1"/>
+                <a:t>checked</a:t>
+              </a:r>
+              <a:r>
+                <a:rPr lang="de-DE" dirty="0"/>
+                <a:t> out</a:t>
+              </a:r>
+              <a:endParaRPr lang="en-GB" dirty="0"/>
+            </a:p>
+          </p:txBody>
+        </p:sp>
+        <p:cxnSp>
+          <p:nvCxnSpPr>
+            <p:cNvPr id="5" name="Straight Arrow Connector 4">
+              <a:extLst>
+                <a:ext uri="{FF2B5EF4-FFF2-40B4-BE49-F238E27FC236}">
+                  <a16:creationId xmlns:a16="http://schemas.microsoft.com/office/drawing/2014/main" id="{968D56DA-7F0D-4A41-9D27-60C1DE9F9F5D}"/>
+                </a:ext>
+              </a:extLst>
+            </p:cNvPr>
+            <p:cNvCxnSpPr>
+              <a:cxnSpLocks/>
+            </p:cNvCxnSpPr>
+            <p:nvPr/>
+          </p:nvCxnSpPr>
+          <p:spPr>
+            <a:xfrm flipH="1">
+              <a:off x="8506559" y="1849120"/>
+              <a:ext cx="304800" cy="518160"/>
+            </a:xfrm>
+            <a:prstGeom prst="straightConnector1">
+              <a:avLst/>
+            </a:prstGeom>
+            <a:ln w="28575">
+              <a:solidFill>
+                <a:srgbClr val="FF0000"/>
+              </a:solidFill>
+              <a:tailEnd type="triangle"/>
+            </a:ln>
+          </p:spPr>
+          <p:style>
+            <a:lnRef idx="1">
+              <a:schemeClr val="accent1"/>
+            </a:lnRef>
+            <a:fillRef idx="0">
+              <a:schemeClr val="accent1"/>
+            </a:fillRef>
+            <a:effectRef idx="0">
+              <a:schemeClr val="accent1"/>
+            </a:effectRef>
+            <a:fontRef idx="minor">
+              <a:schemeClr val="tx1"/>
+            </a:fontRef>
+          </p:style>
+        </p:cxnSp>
+        <p:sp>
+          <p:nvSpPr>
+            <p:cNvPr id="6" name="TextBox 5">
+              <a:extLst>
+                <a:ext uri="{FF2B5EF4-FFF2-40B4-BE49-F238E27FC236}">
+                  <a16:creationId xmlns:a16="http://schemas.microsoft.com/office/drawing/2014/main" id="{3FCD863D-5CB8-4398-B16D-43C8EA06C165}"/>
+                </a:ext>
+              </a:extLst>
+            </p:cNvPr>
+            <p:cNvSpPr txBox="1"/>
+            <p:nvPr/>
+          </p:nvSpPr>
+          <p:spPr>
+            <a:xfrm>
+              <a:off x="6874042" y="1368532"/>
+              <a:ext cx="2060876" cy="369332"/>
+            </a:xfrm>
+            <a:prstGeom prst="rect">
+              <a:avLst/>
+            </a:prstGeom>
+            <a:noFill/>
+          </p:spPr>
+          <p:txBody>
+            <a:bodyPr wrap="square" rtlCol="0">
+              <a:spAutoFit/>
+            </a:bodyPr>
+            <a:lstStyle/>
+            <a:p>
+              <a:r>
+                <a:rPr lang="de-DE" dirty="0"/>
+                <a:t>Create </a:t>
+              </a:r>
+              <a:r>
+                <a:rPr lang="de-DE" dirty="0" err="1"/>
+                <a:t>new</a:t>
+              </a:r>
+              <a:r>
+                <a:rPr lang="de-DE" dirty="0"/>
+                <a:t> </a:t>
+              </a:r>
+              <a:r>
+                <a:rPr lang="de-DE" dirty="0" err="1"/>
+                <a:t>branch</a:t>
+              </a:r>
+              <a:endParaRPr lang="en-GB" dirty="0"/>
+            </a:p>
+          </p:txBody>
+        </p:sp>
+        <p:cxnSp>
+          <p:nvCxnSpPr>
+            <p:cNvPr id="7" name="Straight Arrow Connector 6">
+              <a:extLst>
+                <a:ext uri="{FF2B5EF4-FFF2-40B4-BE49-F238E27FC236}">
+                  <a16:creationId xmlns:a16="http://schemas.microsoft.com/office/drawing/2014/main" id="{3F5E9A24-EE3D-477F-A0D8-5A3D51424B32}"/>
+                </a:ext>
+              </a:extLst>
+            </p:cNvPr>
+            <p:cNvCxnSpPr>
+              <a:cxnSpLocks/>
+            </p:cNvCxnSpPr>
+            <p:nvPr/>
+          </p:nvCxnSpPr>
+          <p:spPr>
+            <a:xfrm flipH="1">
+              <a:off x="7886799" y="1716300"/>
+              <a:ext cx="304800" cy="518160"/>
+            </a:xfrm>
+            <a:prstGeom prst="straightConnector1">
+              <a:avLst/>
+            </a:prstGeom>
+            <a:ln w="28575">
+              <a:solidFill>
+                <a:srgbClr val="FF0000"/>
+              </a:solidFill>
+              <a:tailEnd type="triangle"/>
+            </a:ln>
+          </p:spPr>
+          <p:style>
+            <a:lnRef idx="1">
+              <a:schemeClr val="accent1"/>
+            </a:lnRef>
+            <a:fillRef idx="0">
+              <a:schemeClr val="accent1"/>
+            </a:fillRef>
+            <a:effectRef idx="0">
+              <a:schemeClr val="accent1"/>
+            </a:effectRef>
+            <a:fontRef idx="minor">
+              <a:schemeClr val="tx1"/>
+            </a:fontRef>
+          </p:style>
+        </p:cxnSp>
+      </p:grpSp>
+    </p:spTree>
+    <p:extLst>
+      <p:ext uri="{BB962C8B-B14F-4D97-AF65-F5344CB8AC3E}">
+        <p14:creationId xmlns:p14="http://schemas.microsoft.com/office/powerpoint/2010/main" val="966575171"/>
       </p:ext>
     </p:extLst>
   </p:cSld>

--- a/slides/img/images.pptx
+++ b/slides/img/images.pptx
@@ -5,7 +5,7 @@
     <p:sldMasterId id="2147483648" r:id="rId1"/>
   </p:sldMasterIdLst>
   <p:notesMasterIdLst>
-    <p:notesMasterId r:id="rId35"/>
+    <p:notesMasterId r:id="rId36"/>
   </p:notesMasterIdLst>
   <p:sldIdLst>
     <p:sldId id="256" r:id="rId2"/>
@@ -28,19 +28,20 @@
     <p:sldId id="275" r:id="rId19"/>
     <p:sldId id="276" r:id="rId20"/>
     <p:sldId id="277" r:id="rId21"/>
-    <p:sldId id="278" r:id="rId22"/>
-    <p:sldId id="284" r:id="rId23"/>
-    <p:sldId id="279" r:id="rId24"/>
-    <p:sldId id="285" r:id="rId25"/>
-    <p:sldId id="280" r:id="rId26"/>
-    <p:sldId id="281" r:id="rId27"/>
-    <p:sldId id="282" r:id="rId28"/>
-    <p:sldId id="286" r:id="rId29"/>
-    <p:sldId id="287" r:id="rId30"/>
-    <p:sldId id="288" r:id="rId31"/>
-    <p:sldId id="289" r:id="rId32"/>
-    <p:sldId id="290" r:id="rId33"/>
-    <p:sldId id="291" r:id="rId34"/>
+    <p:sldId id="292" r:id="rId22"/>
+    <p:sldId id="278" r:id="rId23"/>
+    <p:sldId id="284" r:id="rId24"/>
+    <p:sldId id="279" r:id="rId25"/>
+    <p:sldId id="285" r:id="rId26"/>
+    <p:sldId id="280" r:id="rId27"/>
+    <p:sldId id="281" r:id="rId28"/>
+    <p:sldId id="282" r:id="rId29"/>
+    <p:sldId id="286" r:id="rId30"/>
+    <p:sldId id="287" r:id="rId31"/>
+    <p:sldId id="288" r:id="rId32"/>
+    <p:sldId id="289" r:id="rId33"/>
+    <p:sldId id="290" r:id="rId34"/>
+    <p:sldId id="291" r:id="rId35"/>
   </p:sldIdLst>
   <p:sldSz cx="12192000" cy="6858000"/>
   <p:notesSz cx="6858000" cy="9144000"/>
@@ -196,6 +197,7 @@
           <p14:sldIdLst>
             <p14:sldId id="276"/>
             <p14:sldId id="277"/>
+            <p14:sldId id="292"/>
           </p14:sldIdLst>
         </p14:section>
         <p14:section name="merging" id="{69E3DB46-DB4F-4E05-AB1C-B66239A992F5}">
@@ -310,7 +312,7 @@
           <a:p>
             <a:fld id="{3488AE72-DCFF-4992-988B-F75514123319}" type="datetimeFigureOut">
               <a:rPr lang="en-GB" smtClean="0"/>
-              <a:t>09/12/2021</a:t>
+              <a:t>13/12/2021</a:t>
             </a:fld>
             <a:endParaRPr lang="en-GB"/>
           </a:p>
@@ -727,7 +729,7 @@
           <a:p>
             <a:fld id="{FF40C812-6B70-4976-9693-155482B7EF62}" type="datetimeFigureOut">
               <a:rPr lang="en-GB" smtClean="0"/>
-              <a:t>09/12/2021</a:t>
+              <a:t>13/12/2021</a:t>
             </a:fld>
             <a:endParaRPr lang="en-GB"/>
           </a:p>
@@ -927,7 +929,7 @@
           <a:p>
             <a:fld id="{FF40C812-6B70-4976-9693-155482B7EF62}" type="datetimeFigureOut">
               <a:rPr lang="en-GB" smtClean="0"/>
-              <a:t>09/12/2021</a:t>
+              <a:t>13/12/2021</a:t>
             </a:fld>
             <a:endParaRPr lang="en-GB"/>
           </a:p>
@@ -1137,7 +1139,7 @@
           <a:p>
             <a:fld id="{FF40C812-6B70-4976-9693-155482B7EF62}" type="datetimeFigureOut">
               <a:rPr lang="en-GB" smtClean="0"/>
-              <a:t>09/12/2021</a:t>
+              <a:t>13/12/2021</a:t>
             </a:fld>
             <a:endParaRPr lang="en-GB"/>
           </a:p>
@@ -1337,7 +1339,7 @@
           <a:p>
             <a:fld id="{FF40C812-6B70-4976-9693-155482B7EF62}" type="datetimeFigureOut">
               <a:rPr lang="en-GB" smtClean="0"/>
-              <a:t>09/12/2021</a:t>
+              <a:t>13/12/2021</a:t>
             </a:fld>
             <a:endParaRPr lang="en-GB"/>
           </a:p>
@@ -1613,7 +1615,7 @@
           <a:p>
             <a:fld id="{FF40C812-6B70-4976-9693-155482B7EF62}" type="datetimeFigureOut">
               <a:rPr lang="en-GB" smtClean="0"/>
-              <a:t>09/12/2021</a:t>
+              <a:t>13/12/2021</a:t>
             </a:fld>
             <a:endParaRPr lang="en-GB"/>
           </a:p>
@@ -1881,7 +1883,7 @@
           <a:p>
             <a:fld id="{FF40C812-6B70-4976-9693-155482B7EF62}" type="datetimeFigureOut">
               <a:rPr lang="en-GB" smtClean="0"/>
-              <a:t>09/12/2021</a:t>
+              <a:t>13/12/2021</a:t>
             </a:fld>
             <a:endParaRPr lang="en-GB"/>
           </a:p>
@@ -2296,7 +2298,7 @@
           <a:p>
             <a:fld id="{FF40C812-6B70-4976-9693-155482B7EF62}" type="datetimeFigureOut">
               <a:rPr lang="en-GB" smtClean="0"/>
-              <a:t>09/12/2021</a:t>
+              <a:t>13/12/2021</a:t>
             </a:fld>
             <a:endParaRPr lang="en-GB"/>
           </a:p>
@@ -2438,7 +2440,7 @@
           <a:p>
             <a:fld id="{FF40C812-6B70-4976-9693-155482B7EF62}" type="datetimeFigureOut">
               <a:rPr lang="en-GB" smtClean="0"/>
-              <a:t>09/12/2021</a:t>
+              <a:t>13/12/2021</a:t>
             </a:fld>
             <a:endParaRPr lang="en-GB"/>
           </a:p>
@@ -2551,7 +2553,7 @@
           <a:p>
             <a:fld id="{FF40C812-6B70-4976-9693-155482B7EF62}" type="datetimeFigureOut">
               <a:rPr lang="en-GB" smtClean="0"/>
-              <a:t>09/12/2021</a:t>
+              <a:t>13/12/2021</a:t>
             </a:fld>
             <a:endParaRPr lang="en-GB"/>
           </a:p>
@@ -2864,7 +2866,7 @@
           <a:p>
             <a:fld id="{FF40C812-6B70-4976-9693-155482B7EF62}" type="datetimeFigureOut">
               <a:rPr lang="en-GB" smtClean="0"/>
-              <a:t>09/12/2021</a:t>
+              <a:t>13/12/2021</a:t>
             </a:fld>
             <a:endParaRPr lang="en-GB"/>
           </a:p>
@@ -3153,7 +3155,7 @@
           <a:p>
             <a:fld id="{FF40C812-6B70-4976-9693-155482B7EF62}" type="datetimeFigureOut">
               <a:rPr lang="en-GB" smtClean="0"/>
-              <a:t>09/12/2021</a:t>
+              <a:t>13/12/2021</a:t>
             </a:fld>
             <a:endParaRPr lang="en-GB"/>
           </a:p>
@@ -3396,7 +3398,7 @@
           <a:p>
             <a:fld id="{FF40C812-6B70-4976-9693-155482B7EF62}" type="datetimeFigureOut">
               <a:rPr lang="en-GB" smtClean="0"/>
-              <a:t>09/12/2021</a:t>
+              <a:t>13/12/2021</a:t>
             </a:fld>
             <a:endParaRPr lang="en-GB"/>
           </a:p>
@@ -12819,6 +12821,897 @@
       </p:grpSpPr>
       <p:grpSp>
         <p:nvGrpSpPr>
+          <p:cNvPr id="16" name="Group 15">
+            <a:extLst>
+              <a:ext uri="{FF2B5EF4-FFF2-40B4-BE49-F238E27FC236}">
+                <a16:creationId xmlns:a16="http://schemas.microsoft.com/office/drawing/2014/main" id="{5C4BE2B7-5374-4D7A-8E3A-1BADF5D7ABDA}"/>
+              </a:ext>
+            </a:extLst>
+          </p:cNvPr>
+          <p:cNvGrpSpPr/>
+          <p:nvPr/>
+        </p:nvGrpSpPr>
+        <p:grpSpPr>
+          <a:xfrm>
+            <a:off x="1884887" y="3229126"/>
+            <a:ext cx="8045841" cy="2267112"/>
+            <a:chOff x="1884887" y="3229126"/>
+            <a:chExt cx="8045841" cy="2267112"/>
+          </a:xfrm>
+        </p:grpSpPr>
+        <p:grpSp>
+          <p:nvGrpSpPr>
+            <p:cNvPr id="2" name="Group 1">
+              <a:extLst>
+                <a:ext uri="{FF2B5EF4-FFF2-40B4-BE49-F238E27FC236}">
+                  <a16:creationId xmlns:a16="http://schemas.microsoft.com/office/drawing/2014/main" id="{2CF5B6D9-4070-491D-9EAA-2FDDDF440F80}"/>
+                </a:ext>
+              </a:extLst>
+            </p:cNvPr>
+            <p:cNvGrpSpPr/>
+            <p:nvPr/>
+          </p:nvGrpSpPr>
+          <p:grpSpPr>
+            <a:xfrm>
+              <a:off x="1884887" y="3229126"/>
+              <a:ext cx="7198153" cy="2084730"/>
+              <a:chOff x="1767656" y="-217458"/>
+              <a:chExt cx="7198153" cy="2084730"/>
+            </a:xfrm>
+          </p:grpSpPr>
+          <p:grpSp>
+            <p:nvGrpSpPr>
+              <p:cNvPr id="3" name="Group 2">
+                <a:extLst>
+                  <a:ext uri="{FF2B5EF4-FFF2-40B4-BE49-F238E27FC236}">
+                    <a16:creationId xmlns:a16="http://schemas.microsoft.com/office/drawing/2014/main" id="{42B272E1-DB67-427E-91F7-2F9E1EB6DAA1}"/>
+                  </a:ext>
+                </a:extLst>
+              </p:cNvPr>
+              <p:cNvGrpSpPr/>
+              <p:nvPr/>
+            </p:nvGrpSpPr>
+            <p:grpSpPr>
+              <a:xfrm>
+                <a:off x="1767656" y="806205"/>
+                <a:ext cx="7198153" cy="1061067"/>
+                <a:chOff x="3240856" y="2739518"/>
+                <a:chExt cx="7198153" cy="1061067"/>
+              </a:xfrm>
+            </p:grpSpPr>
+            <p:sp>
+              <p:nvSpPr>
+                <p:cNvPr id="7" name="Rectangle 6">
+                  <a:extLst>
+                    <a:ext uri="{FF2B5EF4-FFF2-40B4-BE49-F238E27FC236}">
+                      <a16:creationId xmlns:a16="http://schemas.microsoft.com/office/drawing/2014/main" id="{88911320-CED7-41D9-9B33-CA7C0424A8C1}"/>
+                    </a:ext>
+                  </a:extLst>
+                </p:cNvPr>
+                <p:cNvSpPr/>
+                <p:nvPr/>
+              </p:nvSpPr>
+              <p:spPr>
+                <a:xfrm>
+                  <a:off x="3489415" y="2739518"/>
+                  <a:ext cx="6949594" cy="799075"/>
+                </a:xfrm>
+                <a:prstGeom prst="rect">
+                  <a:avLst/>
+                </a:prstGeom>
+                <a:noFill/>
+                <a:ln>
+                  <a:solidFill>
+                    <a:schemeClr val="tx1"/>
+                  </a:solidFill>
+                </a:ln>
+              </p:spPr>
+              <p:style>
+                <a:lnRef idx="2">
+                  <a:schemeClr val="accent1">
+                    <a:shade val="50000"/>
+                  </a:schemeClr>
+                </a:lnRef>
+                <a:fillRef idx="1">
+                  <a:schemeClr val="accent1"/>
+                </a:fillRef>
+                <a:effectRef idx="0">
+                  <a:schemeClr val="accent1"/>
+                </a:effectRef>
+                <a:fontRef idx="minor">
+                  <a:schemeClr val="lt1"/>
+                </a:fontRef>
+              </p:style>
+              <p:txBody>
+                <a:bodyPr rtlCol="0" anchor="ctr"/>
+                <a:lstStyle/>
+                <a:p>
+                  <a:pPr algn="ctr"/>
+                  <a:endParaRPr lang="en-US" dirty="0"/>
+                </a:p>
+              </p:txBody>
+            </p:sp>
+            <p:sp>
+              <p:nvSpPr>
+                <p:cNvPr id="8" name="TextBox 7">
+                  <a:extLst>
+                    <a:ext uri="{FF2B5EF4-FFF2-40B4-BE49-F238E27FC236}">
+                      <a16:creationId xmlns:a16="http://schemas.microsoft.com/office/drawing/2014/main" id="{D3B47440-EA91-4C14-AE45-4EA3D0ABDE73}"/>
+                    </a:ext>
+                  </a:extLst>
+                </p:cNvPr>
+                <p:cNvSpPr txBox="1"/>
+                <p:nvPr/>
+              </p:nvSpPr>
+              <p:spPr>
+                <a:xfrm>
+                  <a:off x="3240856" y="3523586"/>
+                  <a:ext cx="1864100" cy="276999"/>
+                </a:xfrm>
+                <a:prstGeom prst="rect">
+                  <a:avLst/>
+                </a:prstGeom>
+                <a:noFill/>
+              </p:spPr>
+              <p:txBody>
+                <a:bodyPr wrap="none" rtlCol="0">
+                  <a:spAutoFit/>
+                </a:bodyPr>
+                <a:lstStyle/>
+                <a:p>
+                  <a:r>
+                    <a:rPr lang="en-DE" sz="1200" dirty="0"/>
+                    <a:t>Development environment</a:t>
+                  </a:r>
+                  <a:endParaRPr lang="en-US" sz="1200" dirty="0"/>
+                </a:p>
+              </p:txBody>
+            </p:sp>
+            <p:sp>
+              <p:nvSpPr>
+                <p:cNvPr id="9" name="Rectangle 8">
+                  <a:extLst>
+                    <a:ext uri="{FF2B5EF4-FFF2-40B4-BE49-F238E27FC236}">
+                      <a16:creationId xmlns:a16="http://schemas.microsoft.com/office/drawing/2014/main" id="{73C481DA-B0A5-4AF0-AC66-969B73AFDB6A}"/>
+                    </a:ext>
+                  </a:extLst>
+                </p:cNvPr>
+                <p:cNvSpPr/>
+                <p:nvPr/>
+              </p:nvSpPr>
+              <p:spPr>
+                <a:xfrm>
+                  <a:off x="3609488" y="2866879"/>
+                  <a:ext cx="1126836" cy="572654"/>
+                </a:xfrm>
+                <a:prstGeom prst="rect">
+                  <a:avLst/>
+                </a:prstGeom>
+                <a:noFill/>
+                <a:ln w="38100">
+                  <a:solidFill>
+                    <a:schemeClr val="accent2"/>
+                  </a:solidFill>
+                </a:ln>
+              </p:spPr>
+              <p:style>
+                <a:lnRef idx="2">
+                  <a:schemeClr val="accent1">
+                    <a:shade val="50000"/>
+                  </a:schemeClr>
+                </a:lnRef>
+                <a:fillRef idx="1">
+                  <a:schemeClr val="accent1"/>
+                </a:fillRef>
+                <a:effectRef idx="0">
+                  <a:schemeClr val="accent1"/>
+                </a:effectRef>
+                <a:fontRef idx="minor">
+                  <a:schemeClr val="lt1"/>
+                </a:fontRef>
+              </p:style>
+              <p:txBody>
+                <a:bodyPr rtlCol="0" anchor="ctr"/>
+                <a:lstStyle/>
+                <a:p>
+                  <a:pPr algn="ctr"/>
+                  <a:r>
+                    <a:rPr lang="en-DE" sz="1600" dirty="0">
+                      <a:solidFill>
+                        <a:schemeClr val="tx1"/>
+                      </a:solidFill>
+                    </a:rPr>
+                    <a:t>Working directory</a:t>
+                  </a:r>
+                  <a:endParaRPr lang="en-US" sz="1600" dirty="0">
+                    <a:solidFill>
+                      <a:schemeClr val="tx1"/>
+                    </a:solidFill>
+                  </a:endParaRPr>
+                </a:p>
+              </p:txBody>
+            </p:sp>
+            <p:sp>
+              <p:nvSpPr>
+                <p:cNvPr id="10" name="Rectangle 9">
+                  <a:extLst>
+                    <a:ext uri="{FF2B5EF4-FFF2-40B4-BE49-F238E27FC236}">
+                      <a16:creationId xmlns:a16="http://schemas.microsoft.com/office/drawing/2014/main" id="{AAC17951-3D55-4CF3-97D4-45A8605FEDCE}"/>
+                    </a:ext>
+                  </a:extLst>
+                </p:cNvPr>
+                <p:cNvSpPr/>
+                <p:nvPr/>
+              </p:nvSpPr>
+              <p:spPr>
+                <a:xfrm>
+                  <a:off x="4888724" y="2866879"/>
+                  <a:ext cx="1126836" cy="572654"/>
+                </a:xfrm>
+                <a:prstGeom prst="rect">
+                  <a:avLst/>
+                </a:prstGeom>
+                <a:noFill/>
+                <a:ln w="38100">
+                  <a:solidFill>
+                    <a:schemeClr val="accent5"/>
+                  </a:solidFill>
+                </a:ln>
+              </p:spPr>
+              <p:style>
+                <a:lnRef idx="2">
+                  <a:schemeClr val="accent1">
+                    <a:shade val="50000"/>
+                  </a:schemeClr>
+                </a:lnRef>
+                <a:fillRef idx="1">
+                  <a:schemeClr val="accent1"/>
+                </a:fillRef>
+                <a:effectRef idx="0">
+                  <a:schemeClr val="accent1"/>
+                </a:effectRef>
+                <a:fontRef idx="minor">
+                  <a:schemeClr val="lt1"/>
+                </a:fontRef>
+              </p:style>
+              <p:txBody>
+                <a:bodyPr rtlCol="0" anchor="ctr"/>
+                <a:lstStyle/>
+                <a:p>
+                  <a:pPr algn="ctr"/>
+                  <a:r>
+                    <a:rPr lang="en-DE" sz="1600" dirty="0">
+                      <a:solidFill>
+                        <a:schemeClr val="tx1"/>
+                      </a:solidFill>
+                    </a:rPr>
+                    <a:t>Staging area</a:t>
+                  </a:r>
+                  <a:endParaRPr lang="en-US" sz="1600" dirty="0">
+                    <a:solidFill>
+                      <a:schemeClr val="tx1"/>
+                    </a:solidFill>
+                  </a:endParaRPr>
+                </a:p>
+              </p:txBody>
+            </p:sp>
+            <p:sp>
+              <p:nvSpPr>
+                <p:cNvPr id="11" name="Rectangle 10">
+                  <a:extLst>
+                    <a:ext uri="{FF2B5EF4-FFF2-40B4-BE49-F238E27FC236}">
+                      <a16:creationId xmlns:a16="http://schemas.microsoft.com/office/drawing/2014/main" id="{D615F6E0-F4C7-48C3-9235-DCCCC69A38E5}"/>
+                    </a:ext>
+                  </a:extLst>
+                </p:cNvPr>
+                <p:cNvSpPr/>
+                <p:nvPr/>
+              </p:nvSpPr>
+              <p:spPr>
+                <a:xfrm>
+                  <a:off x="6167960" y="2876115"/>
+                  <a:ext cx="1126836" cy="572654"/>
+                </a:xfrm>
+                <a:prstGeom prst="rect">
+                  <a:avLst/>
+                </a:prstGeom>
+                <a:noFill/>
+                <a:ln w="38100">
+                  <a:solidFill>
+                    <a:schemeClr val="bg1">
+                      <a:lumMod val="75000"/>
+                    </a:schemeClr>
+                  </a:solidFill>
+                </a:ln>
+              </p:spPr>
+              <p:style>
+                <a:lnRef idx="2">
+                  <a:schemeClr val="accent1">
+                    <a:shade val="50000"/>
+                  </a:schemeClr>
+                </a:lnRef>
+                <a:fillRef idx="1">
+                  <a:schemeClr val="accent1"/>
+                </a:fillRef>
+                <a:effectRef idx="0">
+                  <a:schemeClr val="accent1"/>
+                </a:effectRef>
+                <a:fontRef idx="minor">
+                  <a:schemeClr val="lt1"/>
+                </a:fontRef>
+              </p:style>
+              <p:txBody>
+                <a:bodyPr rtlCol="0" anchor="ctr"/>
+                <a:lstStyle/>
+                <a:p>
+                  <a:pPr algn="ctr"/>
+                  <a:r>
+                    <a:rPr lang="en-DE" sz="1600" dirty="0">
+                      <a:solidFill>
+                        <a:schemeClr val="tx1"/>
+                      </a:solidFill>
+                    </a:rPr>
+                    <a:t>Local repository</a:t>
+                  </a:r>
+                  <a:endParaRPr lang="en-US" sz="1600" dirty="0">
+                    <a:solidFill>
+                      <a:schemeClr val="tx1"/>
+                    </a:solidFill>
+                  </a:endParaRPr>
+                </a:p>
+              </p:txBody>
+            </p:sp>
+          </p:grpSp>
+          <p:sp>
+            <p:nvSpPr>
+              <p:cNvPr id="4" name="Rectangle 3">
+                <a:extLst>
+                  <a:ext uri="{FF2B5EF4-FFF2-40B4-BE49-F238E27FC236}">
+                    <a16:creationId xmlns:a16="http://schemas.microsoft.com/office/drawing/2014/main" id="{F70F5F80-33DD-4B69-958A-CD6CFBED91C8}"/>
+                  </a:ext>
+                </a:extLst>
+              </p:cNvPr>
+              <p:cNvSpPr/>
+              <p:nvPr/>
+            </p:nvSpPr>
+            <p:spPr>
+              <a:xfrm>
+                <a:off x="5829909" y="942802"/>
+                <a:ext cx="1126836" cy="572654"/>
+              </a:xfrm>
+              <a:prstGeom prst="rect">
+                <a:avLst/>
+              </a:prstGeom>
+              <a:noFill/>
+              <a:ln w="38100">
+                <a:solidFill>
+                  <a:schemeClr val="bg1">
+                    <a:lumMod val="75000"/>
+                  </a:schemeClr>
+                </a:solidFill>
+              </a:ln>
+            </p:spPr>
+            <p:style>
+              <a:lnRef idx="2">
+                <a:schemeClr val="accent1">
+                  <a:shade val="50000"/>
+                </a:schemeClr>
+              </a:lnRef>
+              <a:fillRef idx="1">
+                <a:schemeClr val="accent1"/>
+              </a:fillRef>
+              <a:effectRef idx="0">
+                <a:schemeClr val="accent1"/>
+              </a:effectRef>
+              <a:fontRef idx="minor">
+                <a:schemeClr val="lt1"/>
+              </a:fontRef>
+            </p:style>
+            <p:txBody>
+              <a:bodyPr rtlCol="0" anchor="ctr"/>
+              <a:lstStyle/>
+              <a:p>
+                <a:r>
+                  <a:rPr lang="en-US" sz="1200" b="1" u="sng" dirty="0">
+                    <a:solidFill>
+                      <a:schemeClr val="tx1"/>
+                    </a:solidFill>
+                  </a:rPr>
+                  <a:t>Branches</a:t>
+                </a:r>
+              </a:p>
+              <a:p>
+                <a:r>
+                  <a:rPr lang="en-US" sz="1200" dirty="0">
+                    <a:solidFill>
+                      <a:schemeClr val="tx1"/>
+                    </a:solidFill>
+                  </a:rPr>
+                  <a:t>main</a:t>
+                </a:r>
+              </a:p>
+              <a:p>
+                <a:r>
+                  <a:rPr lang="en-US" sz="1200" dirty="0">
+                    <a:solidFill>
+                      <a:srgbClr val="00B050"/>
+                    </a:solidFill>
+                  </a:rPr>
+                  <a:t>*</a:t>
+                </a:r>
+                <a:r>
+                  <a:rPr lang="en-US" sz="1200" dirty="0" err="1">
+                    <a:solidFill>
+                      <a:srgbClr val="00B050"/>
+                    </a:solidFill>
+                  </a:rPr>
+                  <a:t>change_alice</a:t>
+                </a:r>
+                <a:endParaRPr lang="en-US" sz="1200" dirty="0">
+                  <a:solidFill>
+                    <a:srgbClr val="00B050"/>
+                  </a:solidFill>
+                </a:endParaRPr>
+              </a:p>
+            </p:txBody>
+          </p:sp>
+          <p:sp>
+            <p:nvSpPr>
+              <p:cNvPr id="5" name="Rectangle 4">
+                <a:extLst>
+                  <a:ext uri="{FF2B5EF4-FFF2-40B4-BE49-F238E27FC236}">
+                    <a16:creationId xmlns:a16="http://schemas.microsoft.com/office/drawing/2014/main" id="{373D26D0-75E1-4410-9D52-3E36D56A4608}"/>
+                  </a:ext>
+                </a:extLst>
+              </p:cNvPr>
+              <p:cNvSpPr/>
+              <p:nvPr/>
+            </p:nvSpPr>
+            <p:spPr>
+              <a:xfrm>
+                <a:off x="5751400" y="-217458"/>
+                <a:ext cx="1126836" cy="696789"/>
+              </a:xfrm>
+              <a:prstGeom prst="rect">
+                <a:avLst/>
+              </a:prstGeom>
+              <a:noFill/>
+              <a:ln w="38100">
+                <a:solidFill>
+                  <a:schemeClr val="bg1">
+                    <a:lumMod val="50000"/>
+                  </a:schemeClr>
+                </a:solidFill>
+              </a:ln>
+            </p:spPr>
+            <p:style>
+              <a:lnRef idx="2">
+                <a:schemeClr val="accent1">
+                  <a:shade val="50000"/>
+                </a:schemeClr>
+              </a:lnRef>
+              <a:fillRef idx="1">
+                <a:schemeClr val="accent1"/>
+              </a:fillRef>
+              <a:effectRef idx="0">
+                <a:schemeClr val="accent1"/>
+              </a:effectRef>
+              <a:fontRef idx="minor">
+                <a:schemeClr val="lt1"/>
+              </a:fontRef>
+            </p:style>
+            <p:txBody>
+              <a:bodyPr rtlCol="0" anchor="ctr"/>
+              <a:lstStyle/>
+              <a:p>
+                <a:pPr algn="ctr"/>
+                <a:r>
+                  <a:rPr lang="en-GB" sz="1600" dirty="0">
+                    <a:solidFill>
+                      <a:schemeClr val="tx1"/>
+                    </a:solidFill>
+                  </a:rPr>
+                  <a:t>Remote</a:t>
+                </a:r>
+                <a:r>
+                  <a:rPr lang="en-DE" sz="1600" dirty="0">
+                    <a:solidFill>
+                      <a:schemeClr val="tx1"/>
+                    </a:solidFill>
+                  </a:rPr>
+                  <a:t> repository</a:t>
+                </a:r>
+                <a:endParaRPr lang="en-US" sz="1600" dirty="0">
+                  <a:solidFill>
+                    <a:schemeClr val="tx1"/>
+                  </a:solidFill>
+                </a:endParaRPr>
+              </a:p>
+            </p:txBody>
+          </p:sp>
+          <p:sp>
+            <p:nvSpPr>
+              <p:cNvPr id="6" name="Rectangle 5">
+                <a:extLst>
+                  <a:ext uri="{FF2B5EF4-FFF2-40B4-BE49-F238E27FC236}">
+                    <a16:creationId xmlns:a16="http://schemas.microsoft.com/office/drawing/2014/main" id="{E5C6AB88-FA51-4EAB-B492-A54CD47201CF}"/>
+                  </a:ext>
+                </a:extLst>
+              </p:cNvPr>
+              <p:cNvSpPr/>
+              <p:nvPr/>
+            </p:nvSpPr>
+            <p:spPr>
+              <a:xfrm>
+                <a:off x="6878236" y="-216534"/>
+                <a:ext cx="1126836" cy="696789"/>
+              </a:xfrm>
+              <a:prstGeom prst="rect">
+                <a:avLst/>
+              </a:prstGeom>
+              <a:noFill/>
+              <a:ln w="38100">
+                <a:solidFill>
+                  <a:schemeClr val="bg1">
+                    <a:lumMod val="50000"/>
+                  </a:schemeClr>
+                </a:solidFill>
+              </a:ln>
+            </p:spPr>
+            <p:style>
+              <a:lnRef idx="2">
+                <a:schemeClr val="accent1">
+                  <a:shade val="50000"/>
+                </a:schemeClr>
+              </a:lnRef>
+              <a:fillRef idx="1">
+                <a:schemeClr val="accent1"/>
+              </a:fillRef>
+              <a:effectRef idx="0">
+                <a:schemeClr val="accent1"/>
+              </a:effectRef>
+              <a:fontRef idx="minor">
+                <a:schemeClr val="lt1"/>
+              </a:fontRef>
+            </p:style>
+            <p:txBody>
+              <a:bodyPr rtlCol="0" anchor="ctr"/>
+              <a:lstStyle/>
+              <a:p>
+                <a:r>
+                  <a:rPr lang="en-US" sz="1200" b="1" u="sng" dirty="0">
+                    <a:solidFill>
+                      <a:schemeClr val="tx1"/>
+                    </a:solidFill>
+                  </a:rPr>
+                  <a:t>Branches</a:t>
+                </a:r>
+              </a:p>
+              <a:p>
+                <a:r>
+                  <a:rPr lang="en-US" sz="1200" dirty="0">
+                    <a:solidFill>
+                      <a:schemeClr val="tx1"/>
+                    </a:solidFill>
+                  </a:rPr>
+                  <a:t>main</a:t>
+                </a:r>
+              </a:p>
+              <a:p>
+                <a:r>
+                  <a:rPr lang="en-US" sz="1200" dirty="0" err="1">
+                    <a:solidFill>
+                      <a:srgbClr val="7030A0"/>
+                    </a:solidFill>
+                  </a:rPr>
+                  <a:t>change_alice</a:t>
+                </a:r>
+                <a:endParaRPr lang="en-US" sz="1200" dirty="0">
+                  <a:solidFill>
+                    <a:srgbClr val="7030A0"/>
+                  </a:solidFill>
+                </a:endParaRPr>
+              </a:p>
+            </p:txBody>
+          </p:sp>
+        </p:grpSp>
+        <p:sp>
+          <p:nvSpPr>
+            <p:cNvPr id="12" name="Rectangle 11">
+              <a:extLst>
+                <a:ext uri="{FF2B5EF4-FFF2-40B4-BE49-F238E27FC236}">
+                  <a16:creationId xmlns:a16="http://schemas.microsoft.com/office/drawing/2014/main" id="{AE3912C9-F82B-423C-BEAE-55BB35DE6EAA}"/>
+                </a:ext>
+              </a:extLst>
+            </p:cNvPr>
+            <p:cNvSpPr/>
+            <p:nvPr/>
+          </p:nvSpPr>
+          <p:spPr>
+            <a:xfrm>
+              <a:off x="7065662" y="4389386"/>
+              <a:ext cx="1551709" cy="572654"/>
+            </a:xfrm>
+            <a:prstGeom prst="rect">
+              <a:avLst/>
+            </a:prstGeom>
+            <a:noFill/>
+            <a:ln w="38100">
+              <a:solidFill>
+                <a:schemeClr val="bg1">
+                  <a:lumMod val="75000"/>
+                </a:schemeClr>
+              </a:solidFill>
+            </a:ln>
+          </p:spPr>
+          <p:style>
+            <a:lnRef idx="2">
+              <a:schemeClr val="accent1">
+                <a:shade val="50000"/>
+              </a:schemeClr>
+            </a:lnRef>
+            <a:fillRef idx="1">
+              <a:schemeClr val="accent1"/>
+            </a:fillRef>
+            <a:effectRef idx="0">
+              <a:schemeClr val="accent1"/>
+            </a:effectRef>
+            <a:fontRef idx="minor">
+              <a:schemeClr val="lt1"/>
+            </a:fontRef>
+          </p:style>
+          <p:txBody>
+            <a:bodyPr rtlCol="0" anchor="ctr"/>
+            <a:lstStyle/>
+            <a:p>
+              <a:r>
+                <a:rPr lang="en-US" sz="1200" b="1" u="sng" dirty="0">
+                  <a:solidFill>
+                    <a:schemeClr val="tx1"/>
+                  </a:solidFill>
+                </a:rPr>
+                <a:t>Remotes</a:t>
+              </a:r>
+            </a:p>
+            <a:p>
+              <a:r>
+                <a:rPr lang="en-US" sz="1200" dirty="0">
+                  <a:solidFill>
+                    <a:schemeClr val="tx1"/>
+                  </a:solidFill>
+                </a:rPr>
+                <a:t>origin/main</a:t>
+              </a:r>
+            </a:p>
+            <a:p>
+              <a:r>
+                <a:rPr lang="en-US" sz="1200" dirty="0">
+                  <a:solidFill>
+                    <a:srgbClr val="7030A0"/>
+                  </a:solidFill>
+                </a:rPr>
+                <a:t>origin/</a:t>
+              </a:r>
+              <a:r>
+                <a:rPr lang="en-US" sz="1200" dirty="0" err="1">
+                  <a:solidFill>
+                    <a:srgbClr val="7030A0"/>
+                  </a:solidFill>
+                </a:rPr>
+                <a:t>change_alice</a:t>
+              </a:r>
+              <a:endParaRPr lang="en-US" sz="1200" dirty="0">
+                <a:solidFill>
+                  <a:srgbClr val="7030A0"/>
+                </a:solidFill>
+              </a:endParaRPr>
+            </a:p>
+          </p:txBody>
+        </p:sp>
+        <p:cxnSp>
+          <p:nvCxnSpPr>
+            <p:cNvPr id="13" name="Straight Arrow Connector 12">
+              <a:extLst>
+                <a:ext uri="{FF2B5EF4-FFF2-40B4-BE49-F238E27FC236}">
+                  <a16:creationId xmlns:a16="http://schemas.microsoft.com/office/drawing/2014/main" id="{E16075DD-E716-4EDB-8788-FD17C8C4A74E}"/>
+                </a:ext>
+              </a:extLst>
+            </p:cNvPr>
+            <p:cNvCxnSpPr>
+              <a:cxnSpLocks/>
+            </p:cNvCxnSpPr>
+            <p:nvPr/>
+          </p:nvCxnSpPr>
+          <p:spPr>
+            <a:xfrm>
+              <a:off x="6906903" y="4869401"/>
+              <a:ext cx="273299" cy="0"/>
+            </a:xfrm>
+            <a:prstGeom prst="straightConnector1">
+              <a:avLst/>
+            </a:prstGeom>
+            <a:ln w="28575">
+              <a:solidFill>
+                <a:srgbClr val="7030A0"/>
+              </a:solidFill>
+              <a:headEnd type="triangle"/>
+              <a:tailEnd type="triangle"/>
+            </a:ln>
+          </p:spPr>
+          <p:style>
+            <a:lnRef idx="1">
+              <a:schemeClr val="accent1"/>
+            </a:lnRef>
+            <a:fillRef idx="0">
+              <a:schemeClr val="accent1"/>
+            </a:fillRef>
+            <a:effectRef idx="0">
+              <a:schemeClr val="accent1"/>
+            </a:effectRef>
+            <a:fontRef idx="minor">
+              <a:schemeClr val="tx1"/>
+            </a:fontRef>
+          </p:style>
+        </p:cxnSp>
+        <p:cxnSp>
+          <p:nvCxnSpPr>
+            <p:cNvPr id="14" name="Straight Arrow Connector 13">
+              <a:extLst>
+                <a:ext uri="{FF2B5EF4-FFF2-40B4-BE49-F238E27FC236}">
+                  <a16:creationId xmlns:a16="http://schemas.microsoft.com/office/drawing/2014/main" id="{7C9326D9-7D4D-4ECB-A5D9-41468AEAAB8E}"/>
+                </a:ext>
+              </a:extLst>
+            </p:cNvPr>
+            <p:cNvCxnSpPr>
+              <a:cxnSpLocks/>
+            </p:cNvCxnSpPr>
+            <p:nvPr/>
+          </p:nvCxnSpPr>
+          <p:spPr>
+            <a:xfrm>
+              <a:off x="7947660" y="3733800"/>
+              <a:ext cx="261620" cy="1031240"/>
+            </a:xfrm>
+            <a:prstGeom prst="straightConnector1">
+              <a:avLst/>
+            </a:prstGeom>
+            <a:ln w="28575">
+              <a:solidFill>
+                <a:srgbClr val="7030A0"/>
+              </a:solidFill>
+              <a:headEnd type="triangle"/>
+              <a:tailEnd type="triangle"/>
+            </a:ln>
+          </p:spPr>
+          <p:style>
+            <a:lnRef idx="1">
+              <a:schemeClr val="accent1"/>
+            </a:lnRef>
+            <a:fillRef idx="0">
+              <a:schemeClr val="accent1"/>
+            </a:fillRef>
+            <a:effectRef idx="0">
+              <a:schemeClr val="accent1"/>
+            </a:effectRef>
+            <a:fontRef idx="minor">
+              <a:schemeClr val="tx1"/>
+            </a:fontRef>
+          </p:style>
+        </p:cxnSp>
+        <p:sp>
+          <p:nvSpPr>
+            <p:cNvPr id="15" name="TextBox 14">
+              <a:extLst>
+                <a:ext uri="{FF2B5EF4-FFF2-40B4-BE49-F238E27FC236}">
+                  <a16:creationId xmlns:a16="http://schemas.microsoft.com/office/drawing/2014/main" id="{6247FCAC-9E59-4FDB-9B1C-743F746F1563}"/>
+                </a:ext>
+              </a:extLst>
+            </p:cNvPr>
+            <p:cNvSpPr txBox="1"/>
+            <p:nvPr/>
+          </p:nvSpPr>
+          <p:spPr>
+            <a:xfrm>
+              <a:off x="5187041" y="5188461"/>
+              <a:ext cx="4743687" cy="307777"/>
+            </a:xfrm>
+            <a:prstGeom prst="rect">
+              <a:avLst/>
+            </a:prstGeom>
+            <a:solidFill>
+              <a:schemeClr val="bg1">
+                <a:lumMod val="95000"/>
+              </a:schemeClr>
+            </a:solidFill>
+          </p:spPr>
+          <p:txBody>
+            <a:bodyPr wrap="square" rtlCol="0">
+              <a:spAutoFit/>
+            </a:bodyPr>
+            <a:lstStyle/>
+            <a:p>
+              <a:pPr algn="ctr"/>
+              <a:r>
+                <a:rPr lang="de-DE" sz="1400" dirty="0" err="1">
+                  <a:latin typeface="Consolas" panose="020B0609020204030204" pitchFamily="49" charset="0"/>
+                </a:rPr>
+                <a:t>git</a:t>
+              </a:r>
+              <a:r>
+                <a:rPr lang="de-DE" sz="1400" dirty="0">
+                  <a:latin typeface="Consolas" panose="020B0609020204030204" pitchFamily="49" charset="0"/>
+                </a:rPr>
+                <a:t> push --set-</a:t>
+              </a:r>
+              <a:r>
+                <a:rPr lang="de-DE" sz="1400" dirty="0" err="1">
+                  <a:latin typeface="Consolas" panose="020B0609020204030204" pitchFamily="49" charset="0"/>
+                </a:rPr>
+                <a:t>upstream</a:t>
+              </a:r>
+              <a:r>
+                <a:rPr lang="de-DE" sz="1400" dirty="0">
+                  <a:latin typeface="Consolas" panose="020B0609020204030204" pitchFamily="49" charset="0"/>
+                </a:rPr>
+                <a:t> </a:t>
+              </a:r>
+              <a:r>
+                <a:rPr lang="de-DE" sz="1400" dirty="0" err="1">
+                  <a:latin typeface="Consolas" panose="020B0609020204030204" pitchFamily="49" charset="0"/>
+                </a:rPr>
+                <a:t>origin</a:t>
+              </a:r>
+              <a:r>
+                <a:rPr lang="de-DE" sz="1400" dirty="0">
+                  <a:latin typeface="Consolas" panose="020B0609020204030204" pitchFamily="49" charset="0"/>
+                </a:rPr>
+                <a:t> </a:t>
+              </a:r>
+              <a:r>
+                <a:rPr lang="de-DE" sz="1400" dirty="0" err="1">
+                  <a:latin typeface="Consolas" panose="020B0609020204030204" pitchFamily="49" charset="0"/>
+                </a:rPr>
+                <a:t>change_alice</a:t>
+              </a:r>
+              <a:endParaRPr lang="en-GB" sz="1400" dirty="0">
+                <a:latin typeface="Consolas" panose="020B0609020204030204" pitchFamily="49" charset="0"/>
+              </a:endParaRPr>
+            </a:p>
+          </p:txBody>
+        </p:sp>
+      </p:grpSp>
+    </p:spTree>
+    <p:extLst>
+      <p:ext uri="{BB962C8B-B14F-4D97-AF65-F5344CB8AC3E}">
+        <p14:creationId xmlns:p14="http://schemas.microsoft.com/office/powerpoint/2010/main" val="3616389996"/>
+      </p:ext>
+    </p:extLst>
+  </p:cSld>
+  <p:clrMapOvr>
+    <a:masterClrMapping/>
+  </p:clrMapOvr>
+</p:sld>
+</file>
+
+<file path=ppt/slides/slide22.xml><?xml version="1.0" encoding="utf-8"?>
+<p:sld xmlns:a="http://schemas.openxmlformats.org/drawingml/2006/main" xmlns:r="http://schemas.openxmlformats.org/officeDocument/2006/relationships" xmlns:p="http://schemas.openxmlformats.org/presentationml/2006/main">
+  <p:cSld>
+    <p:spTree>
+      <p:nvGrpSpPr>
+        <p:cNvPr id="1" name=""/>
+        <p:cNvGrpSpPr/>
+        <p:nvPr/>
+      </p:nvGrpSpPr>
+      <p:grpSpPr>
+        <a:xfrm>
+          <a:off x="0" y="0"/>
+          <a:ext cx="0" cy="0"/>
+          <a:chOff x="0" y="0"/>
+          <a:chExt cx="0" cy="0"/>
+        </a:xfrm>
+      </p:grpSpPr>
+      <p:grpSp>
+        <p:nvGrpSpPr>
           <p:cNvPr id="33" name="Group 32">
             <a:extLst>
               <a:ext uri="{FF2B5EF4-FFF2-40B4-BE49-F238E27FC236}">
@@ -14164,7 +15057,7 @@
 </p:sld>
 </file>
 
-<file path=ppt/slides/slide22.xml><?xml version="1.0" encoding="utf-8"?>
+<file path=ppt/slides/slide23.xml><?xml version="1.0" encoding="utf-8"?>
 <p:sld xmlns:a="http://schemas.openxmlformats.org/drawingml/2006/main" xmlns:r="http://schemas.openxmlformats.org/officeDocument/2006/relationships" xmlns:p="http://schemas.openxmlformats.org/presentationml/2006/main">
   <p:cSld>
     <p:spTree>
@@ -15549,7 +16442,7 @@
 </p:sld>
 </file>
 
-<file path=ppt/slides/slide23.xml><?xml version="1.0" encoding="utf-8"?>
+<file path=ppt/slides/slide24.xml><?xml version="1.0" encoding="utf-8"?>
 <p:sld xmlns:a="http://schemas.openxmlformats.org/drawingml/2006/main" xmlns:r="http://schemas.openxmlformats.org/officeDocument/2006/relationships" xmlns:p="http://schemas.openxmlformats.org/presentationml/2006/main">
   <p:cSld>
     <p:spTree>
@@ -16774,7 +17667,7 @@
 </p:sld>
 </file>
 
-<file path=ppt/slides/slide24.xml><?xml version="1.0" encoding="utf-8"?>
+<file path=ppt/slides/slide25.xml><?xml version="1.0" encoding="utf-8"?>
 <p:sld xmlns:a="http://schemas.openxmlformats.org/drawingml/2006/main" xmlns:r="http://schemas.openxmlformats.org/officeDocument/2006/relationships" xmlns:p="http://schemas.openxmlformats.org/presentationml/2006/main">
   <p:cSld>
     <p:spTree>
@@ -17788,7 +18681,7 @@
 </p:sld>
 </file>
 
-<file path=ppt/slides/slide25.xml><?xml version="1.0" encoding="utf-8"?>
+<file path=ppt/slides/slide26.xml><?xml version="1.0" encoding="utf-8"?>
 <p:sld xmlns:a="http://schemas.openxmlformats.org/drawingml/2006/main" xmlns:r="http://schemas.openxmlformats.org/officeDocument/2006/relationships" xmlns:p="http://schemas.openxmlformats.org/presentationml/2006/main">
   <p:cSld>
     <p:spTree>
@@ -18594,7 +19487,7 @@
 </p:sld>
 </file>
 
-<file path=ppt/slides/slide26.xml><?xml version="1.0" encoding="utf-8"?>
+<file path=ppt/slides/slide27.xml><?xml version="1.0" encoding="utf-8"?>
 <p:sld xmlns:a="http://schemas.openxmlformats.org/drawingml/2006/main" xmlns:r="http://schemas.openxmlformats.org/officeDocument/2006/relationships" xmlns:p="http://schemas.openxmlformats.org/presentationml/2006/main">
   <p:cSld>
     <p:spTree>
@@ -19447,7 +20340,7 @@
 </p:sld>
 </file>
 
-<file path=ppt/slides/slide27.xml><?xml version="1.0" encoding="utf-8"?>
+<file path=ppt/slides/slide28.xml><?xml version="1.0" encoding="utf-8"?>
 <p:sld xmlns:a="http://schemas.openxmlformats.org/drawingml/2006/main" xmlns:r="http://schemas.openxmlformats.org/officeDocument/2006/relationships" xmlns:p="http://schemas.openxmlformats.org/presentationml/2006/main">
   <p:cSld>
     <p:spTree>
@@ -20094,12 +20987,100 @@
           </p:txBody>
         </p:sp>
       </p:grpSp>
+      <p:sp>
+        <p:nvSpPr>
+          <p:cNvPr id="2" name="Rectangle 1">
+            <a:extLst>
+              <a:ext uri="{FF2B5EF4-FFF2-40B4-BE49-F238E27FC236}">
+                <a16:creationId xmlns:a16="http://schemas.microsoft.com/office/drawing/2014/main" id="{1FAC1635-4177-486A-A7C5-781CB39B0F25}"/>
+              </a:ext>
+            </a:extLst>
+          </p:cNvPr>
+          <p:cNvSpPr/>
+          <p:nvPr/>
+        </p:nvSpPr>
+        <p:spPr>
+          <a:xfrm>
+            <a:off x="8178801" y="188634"/>
+            <a:ext cx="601992" cy="572268"/>
+          </a:xfrm>
+          <a:prstGeom prst="rect">
+            <a:avLst/>
+          </a:prstGeom>
+          <a:noFill/>
+          <a:ln>
+            <a:solidFill>
+              <a:srgbClr val="7030A0"/>
+            </a:solidFill>
+          </a:ln>
+        </p:spPr>
+        <p:style>
+          <a:lnRef idx="2">
+            <a:schemeClr val="accent1">
+              <a:shade val="50000"/>
+            </a:schemeClr>
+          </a:lnRef>
+          <a:fillRef idx="1">
+            <a:schemeClr val="accent1"/>
+          </a:fillRef>
+          <a:effectRef idx="0">
+            <a:schemeClr val="accent1"/>
+          </a:effectRef>
+          <a:fontRef idx="minor">
+            <a:schemeClr val="lt1"/>
+          </a:fontRef>
+        </p:style>
+        <p:txBody>
+          <a:bodyPr rtlCol="0" anchor="ctr"/>
+          <a:lstStyle/>
+          <a:p>
+            <a:pPr algn="ctr"/>
+            <a:endParaRPr lang="en-GB"/>
+          </a:p>
+        </p:txBody>
+      </p:sp>
+      <p:pic>
+        <p:nvPicPr>
+          <p:cNvPr id="95" name="Picture 94" descr="A close up of a logo&#10;&#10;Description automatically generated">
+            <a:extLst>
+              <a:ext uri="{FF2B5EF4-FFF2-40B4-BE49-F238E27FC236}">
+                <a16:creationId xmlns:a16="http://schemas.microsoft.com/office/drawing/2014/main" id="{3EA15965-C3EC-4335-9F1A-064B97189526}"/>
+              </a:ext>
+            </a:extLst>
+          </p:cNvPr>
+          <p:cNvPicPr>
+            <a:picLocks noChangeAspect="1"/>
+          </p:cNvPicPr>
+          <p:nvPr/>
+        </p:nvPicPr>
+        <p:blipFill>
+          <a:blip r:embed="rId2">
+            <a:extLst>
+              <a:ext uri="{28A0092B-C50C-407E-A947-70E740481C1C}">
+                <a14:useLocalDpi xmlns:a14="http://schemas.microsoft.com/office/drawing/2010/main" val="0"/>
+              </a:ext>
+            </a:extLst>
+          </a:blip>
+          <a:stretch>
+            <a:fillRect/>
+          </a:stretch>
+        </p:blipFill>
+        <p:spPr>
+          <a:xfrm>
+            <a:off x="8009438" y="136213"/>
+            <a:ext cx="338554" cy="338554"/>
+          </a:xfrm>
+          <a:prstGeom prst="rect">
+            <a:avLst/>
+          </a:prstGeom>
+        </p:spPr>
+      </p:pic>
       <p:grpSp>
         <p:nvGrpSpPr>
-          <p:cNvPr id="51" name="Group 50">
+          <p:cNvPr id="30" name="Group 29">
             <a:extLst>
               <a:ext uri="{FF2B5EF4-FFF2-40B4-BE49-F238E27FC236}">
-                <a16:creationId xmlns:a16="http://schemas.microsoft.com/office/drawing/2014/main" id="{56C3AAD8-4B18-486E-8991-5DD09630353B}"/>
+                <a16:creationId xmlns:a16="http://schemas.microsoft.com/office/drawing/2014/main" id="{ED4CEFAF-73D4-4E50-969A-F315109CF6D2}"/>
               </a:ext>
             </a:extLst>
           </p:cNvPr>
@@ -20109,17 +21090,17 @@
         <p:grpSpPr>
           <a:xfrm>
             <a:off x="2512043" y="1347470"/>
-            <a:ext cx="3804917" cy="4233609"/>
-            <a:chOff x="5273044" y="1091501"/>
-            <a:chExt cx="3804917" cy="4233609"/>
+            <a:ext cx="3793578" cy="4279333"/>
+            <a:chOff x="2512043" y="1347470"/>
+            <a:chExt cx="3793578" cy="4279333"/>
           </a:xfrm>
         </p:grpSpPr>
         <p:cxnSp>
           <p:nvCxnSpPr>
-            <p:cNvPr id="60" name="Straight Connector 59">
+            <p:cNvPr id="101" name="Straight Connector 100">
               <a:extLst>
                 <a:ext uri="{FF2B5EF4-FFF2-40B4-BE49-F238E27FC236}">
-                  <a16:creationId xmlns:a16="http://schemas.microsoft.com/office/drawing/2014/main" id="{3B528B6A-A63C-4C82-A848-8B3504FA413E}"/>
+                  <a16:creationId xmlns:a16="http://schemas.microsoft.com/office/drawing/2014/main" id="{928ECDAF-1A9F-4828-9245-47D9C390EA2B}"/>
                 </a:ext>
               </a:extLst>
             </p:cNvPr>
@@ -20129,9 +21110,9 @@
             <p:nvPr/>
           </p:nvCxnSpPr>
           <p:spPr>
-            <a:xfrm>
-              <a:off x="7343439" y="3661675"/>
-              <a:ext cx="302559" cy="255163"/>
+            <a:xfrm flipV="1">
+              <a:off x="4611938" y="3081457"/>
+              <a:ext cx="270571" cy="174871"/>
             </a:xfrm>
             <a:prstGeom prst="line">
               <a:avLst/>
@@ -20159,47 +21140,10 @@
         </p:cxnSp>
         <p:cxnSp>
           <p:nvCxnSpPr>
-            <p:cNvPr id="61" name="Straight Connector 60">
+            <p:cNvPr id="99" name="Straight Connector 98">
               <a:extLst>
                 <a:ext uri="{FF2B5EF4-FFF2-40B4-BE49-F238E27FC236}">
-                  <a16:creationId xmlns:a16="http://schemas.microsoft.com/office/drawing/2014/main" id="{7127F292-B945-43E0-A2CB-42536691A07D}"/>
-                </a:ext>
-              </a:extLst>
-            </p:cNvPr>
-            <p:cNvCxnSpPr/>
-            <p:nvPr/>
-          </p:nvCxnSpPr>
-          <p:spPr>
-            <a:xfrm>
-              <a:off x="7343439" y="1533039"/>
-              <a:ext cx="0" cy="3792071"/>
-            </a:xfrm>
-            <a:prstGeom prst="line">
-              <a:avLst/>
-            </a:prstGeom>
-            <a:ln w="57150"/>
-          </p:spPr>
-          <p:style>
-            <a:lnRef idx="1">
-              <a:schemeClr val="accent1"/>
-            </a:lnRef>
-            <a:fillRef idx="0">
-              <a:schemeClr val="accent1"/>
-            </a:fillRef>
-            <a:effectRef idx="0">
-              <a:schemeClr val="accent1"/>
-            </a:effectRef>
-            <a:fontRef idx="minor">
-              <a:schemeClr val="tx1"/>
-            </a:fontRef>
-          </p:style>
-        </p:cxnSp>
-        <p:cxnSp>
-          <p:nvCxnSpPr>
-            <p:cNvPr id="63" name="Straight Connector 62">
-              <a:extLst>
-                <a:ext uri="{FF2B5EF4-FFF2-40B4-BE49-F238E27FC236}">
-                  <a16:creationId xmlns:a16="http://schemas.microsoft.com/office/drawing/2014/main" id="{F07E98DF-BC03-4815-9A40-AB47908DC54D}"/>
+                  <a16:creationId xmlns:a16="http://schemas.microsoft.com/office/drawing/2014/main" id="{8D9684E5-263F-478C-9365-E7ABBF23CAC5}"/>
                 </a:ext>
               </a:extLst>
             </p:cNvPr>
@@ -20209,52 +21153,9 @@
             <p:nvPr/>
           </p:nvCxnSpPr>
           <p:spPr>
-            <a:xfrm flipH="1">
-              <a:off x="6855759" y="2461260"/>
-              <a:ext cx="487680" cy="502920"/>
-            </a:xfrm>
-            <a:prstGeom prst="line">
-              <a:avLst/>
-            </a:prstGeom>
-            <a:ln w="57150">
-              <a:solidFill>
-                <a:srgbClr val="FFC000"/>
-              </a:solidFill>
-            </a:ln>
-          </p:spPr>
-          <p:style>
-            <a:lnRef idx="1">
-              <a:schemeClr val="accent1"/>
-            </a:lnRef>
-            <a:fillRef idx="0">
-              <a:schemeClr val="accent1"/>
-            </a:fillRef>
-            <a:effectRef idx="0">
-              <a:schemeClr val="accent1"/>
-            </a:effectRef>
-            <a:fontRef idx="minor">
-              <a:schemeClr val="tx1"/>
-            </a:fontRef>
-          </p:style>
-        </p:cxnSp>
-        <p:cxnSp>
-          <p:nvCxnSpPr>
-            <p:cNvPr id="64" name="Straight Connector 63">
-              <a:extLst>
-                <a:ext uri="{FF2B5EF4-FFF2-40B4-BE49-F238E27FC236}">
-                  <a16:creationId xmlns:a16="http://schemas.microsoft.com/office/drawing/2014/main" id="{5B12DA31-459E-4A66-BA68-B024A4F1782D}"/>
-                </a:ext>
-              </a:extLst>
-            </p:cNvPr>
-            <p:cNvCxnSpPr>
-              <a:cxnSpLocks/>
-            </p:cNvCxnSpPr>
-            <p:nvPr/>
-          </p:nvCxnSpPr>
-          <p:spPr>
-            <a:xfrm>
-              <a:off x="7645998" y="3901598"/>
-              <a:ext cx="0" cy="1399042"/>
+            <a:xfrm flipV="1">
+              <a:off x="4600049" y="5273005"/>
+              <a:ext cx="275266" cy="291638"/>
             </a:xfrm>
             <a:prstGeom prst="line">
               <a:avLst/>
@@ -20280,1246 +21181,12 @@
             </a:fontRef>
           </p:style>
         </p:cxnSp>
-        <p:cxnSp>
-          <p:nvCxnSpPr>
-            <p:cNvPr id="65" name="Straight Connector 64">
+        <p:grpSp>
+          <p:nvGrpSpPr>
+            <p:cNvPr id="51" name="Group 50">
               <a:extLst>
                 <a:ext uri="{FF2B5EF4-FFF2-40B4-BE49-F238E27FC236}">
-                  <a16:creationId xmlns:a16="http://schemas.microsoft.com/office/drawing/2014/main" id="{27C1A831-4FBD-466F-B35C-4E56454F2817}"/>
-                </a:ext>
-              </a:extLst>
-            </p:cNvPr>
-            <p:cNvCxnSpPr>
-              <a:cxnSpLocks/>
-            </p:cNvCxnSpPr>
-            <p:nvPr/>
-          </p:nvCxnSpPr>
-          <p:spPr>
-            <a:xfrm>
-              <a:off x="6855759" y="2933002"/>
-              <a:ext cx="0" cy="1986131"/>
-            </a:xfrm>
-            <a:prstGeom prst="line">
-              <a:avLst/>
-            </a:prstGeom>
-            <a:ln w="57150">
-              <a:solidFill>
-                <a:srgbClr val="FFC000"/>
-              </a:solidFill>
-            </a:ln>
-          </p:spPr>
-          <p:style>
-            <a:lnRef idx="1">
-              <a:schemeClr val="accent1"/>
-            </a:lnRef>
-            <a:fillRef idx="0">
-              <a:schemeClr val="accent1"/>
-            </a:fillRef>
-            <a:effectRef idx="0">
-              <a:schemeClr val="accent1"/>
-            </a:effectRef>
-            <a:fontRef idx="minor">
-              <a:schemeClr val="tx1"/>
-            </a:fontRef>
-          </p:style>
-        </p:cxnSp>
-        <p:cxnSp>
-          <p:nvCxnSpPr>
-            <p:cNvPr id="66" name="Straight Connector 65">
-              <a:extLst>
-                <a:ext uri="{FF2B5EF4-FFF2-40B4-BE49-F238E27FC236}">
-                  <a16:creationId xmlns:a16="http://schemas.microsoft.com/office/drawing/2014/main" id="{25DB440E-92D2-473B-B849-385323020622}"/>
-                </a:ext>
-              </a:extLst>
-            </p:cNvPr>
-            <p:cNvCxnSpPr>
-              <a:cxnSpLocks/>
-            </p:cNvCxnSpPr>
-            <p:nvPr/>
-          </p:nvCxnSpPr>
-          <p:spPr>
-            <a:xfrm>
-              <a:off x="7343439" y="1877785"/>
-              <a:ext cx="302559" cy="255163"/>
-            </a:xfrm>
-            <a:prstGeom prst="line">
-              <a:avLst/>
-            </a:prstGeom>
-            <a:ln w="57150">
-              <a:solidFill>
-                <a:srgbClr val="92D050"/>
-              </a:solidFill>
-            </a:ln>
-          </p:spPr>
-          <p:style>
-            <a:lnRef idx="1">
-              <a:schemeClr val="accent1"/>
-            </a:lnRef>
-            <a:fillRef idx="0">
-              <a:schemeClr val="accent1"/>
-            </a:fillRef>
-            <a:effectRef idx="0">
-              <a:schemeClr val="accent1"/>
-            </a:effectRef>
-            <a:fontRef idx="minor">
-              <a:schemeClr val="tx1"/>
-            </a:fontRef>
-          </p:style>
-        </p:cxnSp>
-        <p:cxnSp>
-          <p:nvCxnSpPr>
-            <p:cNvPr id="67" name="Straight Connector 66">
-              <a:extLst>
-                <a:ext uri="{FF2B5EF4-FFF2-40B4-BE49-F238E27FC236}">
-                  <a16:creationId xmlns:a16="http://schemas.microsoft.com/office/drawing/2014/main" id="{1B06B956-A9D4-4426-8079-CA5A0E522C0E}"/>
-                </a:ext>
-              </a:extLst>
-            </p:cNvPr>
-            <p:cNvCxnSpPr>
-              <a:cxnSpLocks/>
-            </p:cNvCxnSpPr>
-            <p:nvPr/>
-          </p:nvCxnSpPr>
-          <p:spPr>
-            <a:xfrm>
-              <a:off x="7645998" y="2117708"/>
-              <a:ext cx="0" cy="579772"/>
-            </a:xfrm>
-            <a:prstGeom prst="line">
-              <a:avLst/>
-            </a:prstGeom>
-            <a:ln w="57150">
-              <a:solidFill>
-                <a:srgbClr val="92D050"/>
-              </a:solidFill>
-            </a:ln>
-          </p:spPr>
-          <p:style>
-            <a:lnRef idx="1">
-              <a:schemeClr val="accent1"/>
-            </a:lnRef>
-            <a:fillRef idx="0">
-              <a:schemeClr val="accent1"/>
-            </a:fillRef>
-            <a:effectRef idx="0">
-              <a:schemeClr val="accent1"/>
-            </a:effectRef>
-            <a:fontRef idx="minor">
-              <a:schemeClr val="tx1"/>
-            </a:fontRef>
-          </p:style>
-        </p:cxnSp>
-        <p:sp>
-          <p:nvSpPr>
-            <p:cNvPr id="68" name="Oval 67">
-              <a:extLst>
-                <a:ext uri="{FF2B5EF4-FFF2-40B4-BE49-F238E27FC236}">
-                  <a16:creationId xmlns:a16="http://schemas.microsoft.com/office/drawing/2014/main" id="{1BD8C725-BB2A-470B-840D-044A13E9BF60}"/>
-                </a:ext>
-              </a:extLst>
-            </p:cNvPr>
-            <p:cNvSpPr/>
-            <p:nvPr/>
-          </p:nvSpPr>
-          <p:spPr>
-            <a:xfrm>
-              <a:off x="7551889" y="5067965"/>
-              <a:ext cx="205734" cy="190500"/>
-            </a:xfrm>
-            <a:prstGeom prst="ellipse">
-              <a:avLst/>
-            </a:prstGeom>
-            <a:solidFill>
-              <a:srgbClr val="92D050"/>
-            </a:solidFill>
-            <a:ln>
-              <a:noFill/>
-            </a:ln>
-          </p:spPr>
-          <p:style>
-            <a:lnRef idx="2">
-              <a:schemeClr val="accent1">
-                <a:shade val="50000"/>
-              </a:schemeClr>
-            </a:lnRef>
-            <a:fillRef idx="1">
-              <a:schemeClr val="accent1"/>
-            </a:fillRef>
-            <a:effectRef idx="0">
-              <a:schemeClr val="accent1"/>
-            </a:effectRef>
-            <a:fontRef idx="minor">
-              <a:schemeClr val="lt1"/>
-            </a:fontRef>
-          </p:style>
-          <p:txBody>
-            <a:bodyPr rtlCol="0" anchor="ctr"/>
-            <a:lstStyle/>
-            <a:p>
-              <a:pPr algn="ctr"/>
-              <a:endParaRPr lang="en-GB"/>
-            </a:p>
-          </p:txBody>
-        </p:sp>
-        <p:sp>
-          <p:nvSpPr>
-            <p:cNvPr id="69" name="TextBox 68">
-              <a:extLst>
-                <a:ext uri="{FF2B5EF4-FFF2-40B4-BE49-F238E27FC236}">
-                  <a16:creationId xmlns:a16="http://schemas.microsoft.com/office/drawing/2014/main" id="{8D9D19D8-E699-4C4D-9E3A-329189A7A760}"/>
-                </a:ext>
-              </a:extLst>
-            </p:cNvPr>
-            <p:cNvSpPr txBox="1"/>
-            <p:nvPr/>
-          </p:nvSpPr>
-          <p:spPr>
-            <a:xfrm>
-              <a:off x="7707895" y="4980603"/>
-              <a:ext cx="1370066" cy="338554"/>
-            </a:xfrm>
-            <a:prstGeom prst="rect">
-              <a:avLst/>
-            </a:prstGeom>
-            <a:noFill/>
-          </p:spPr>
-          <p:txBody>
-            <a:bodyPr wrap="square" rtlCol="0">
-              <a:spAutoFit/>
-            </a:bodyPr>
-            <a:lstStyle/>
-            <a:p>
-              <a:r>
-                <a:rPr lang="en-GB" sz="1600" dirty="0">
-                  <a:solidFill>
-                    <a:srgbClr val="92D050"/>
-                  </a:solidFill>
-                </a:rPr>
-                <a:t>my commits</a:t>
-              </a:r>
-            </a:p>
-          </p:txBody>
-        </p:sp>
-        <p:sp>
-          <p:nvSpPr>
-            <p:cNvPr id="70" name="Oval 69">
-              <a:extLst>
-                <a:ext uri="{FF2B5EF4-FFF2-40B4-BE49-F238E27FC236}">
-                  <a16:creationId xmlns:a16="http://schemas.microsoft.com/office/drawing/2014/main" id="{6BE179B5-18DE-4A8D-A066-6E4A9905B553}"/>
-                </a:ext>
-              </a:extLst>
-            </p:cNvPr>
-            <p:cNvSpPr/>
-            <p:nvPr/>
-          </p:nvSpPr>
-          <p:spPr>
-            <a:xfrm>
-              <a:off x="7543131" y="4629803"/>
-              <a:ext cx="205734" cy="190500"/>
-            </a:xfrm>
-            <a:prstGeom prst="ellipse">
-              <a:avLst/>
-            </a:prstGeom>
-            <a:solidFill>
-              <a:srgbClr val="92D050"/>
-            </a:solidFill>
-            <a:ln>
-              <a:noFill/>
-            </a:ln>
-          </p:spPr>
-          <p:style>
-            <a:lnRef idx="2">
-              <a:schemeClr val="accent1">
-                <a:shade val="50000"/>
-              </a:schemeClr>
-            </a:lnRef>
-            <a:fillRef idx="1">
-              <a:schemeClr val="accent1"/>
-            </a:fillRef>
-            <a:effectRef idx="0">
-              <a:schemeClr val="accent1"/>
-            </a:effectRef>
-            <a:fontRef idx="minor">
-              <a:schemeClr val="lt1"/>
-            </a:fontRef>
-          </p:style>
-          <p:txBody>
-            <a:bodyPr rtlCol="0" anchor="ctr"/>
-            <a:lstStyle/>
-            <a:p>
-              <a:pPr algn="ctr"/>
-              <a:endParaRPr lang="en-GB"/>
-            </a:p>
-          </p:txBody>
-        </p:sp>
-        <p:sp>
-          <p:nvSpPr>
-            <p:cNvPr id="71" name="Oval 70">
-              <a:extLst>
-                <a:ext uri="{FF2B5EF4-FFF2-40B4-BE49-F238E27FC236}">
-                  <a16:creationId xmlns:a16="http://schemas.microsoft.com/office/drawing/2014/main" id="{16269B3A-2CF9-4E12-9D91-24BDF2A3573B}"/>
-                </a:ext>
-              </a:extLst>
-            </p:cNvPr>
-            <p:cNvSpPr/>
-            <p:nvPr/>
-          </p:nvSpPr>
-          <p:spPr>
-            <a:xfrm>
-              <a:off x="7543131" y="4164500"/>
-              <a:ext cx="205734" cy="190500"/>
-            </a:xfrm>
-            <a:prstGeom prst="ellipse">
-              <a:avLst/>
-            </a:prstGeom>
-            <a:solidFill>
-              <a:srgbClr val="92D050"/>
-            </a:solidFill>
-            <a:ln>
-              <a:noFill/>
-            </a:ln>
-          </p:spPr>
-          <p:style>
-            <a:lnRef idx="2">
-              <a:schemeClr val="accent1">
-                <a:shade val="50000"/>
-              </a:schemeClr>
-            </a:lnRef>
-            <a:fillRef idx="1">
-              <a:schemeClr val="accent1"/>
-            </a:fillRef>
-            <a:effectRef idx="0">
-              <a:schemeClr val="accent1"/>
-            </a:effectRef>
-            <a:fontRef idx="minor">
-              <a:schemeClr val="lt1"/>
-            </a:fontRef>
-          </p:style>
-          <p:txBody>
-            <a:bodyPr rtlCol="0" anchor="ctr"/>
-            <a:lstStyle/>
-            <a:p>
-              <a:pPr algn="ctr"/>
-              <a:endParaRPr lang="en-GB"/>
-            </a:p>
-          </p:txBody>
-        </p:sp>
-        <p:sp>
-          <p:nvSpPr>
-            <p:cNvPr id="72" name="Oval 71">
-              <a:extLst>
-                <a:ext uri="{FF2B5EF4-FFF2-40B4-BE49-F238E27FC236}">
-                  <a16:creationId xmlns:a16="http://schemas.microsoft.com/office/drawing/2014/main" id="{2DD461ED-6A35-4021-86BA-13674677CEE2}"/>
-                </a:ext>
-              </a:extLst>
-            </p:cNvPr>
-            <p:cNvSpPr/>
-            <p:nvPr/>
-          </p:nvSpPr>
-          <p:spPr>
-            <a:xfrm>
-              <a:off x="7543131" y="2515112"/>
-              <a:ext cx="205734" cy="190500"/>
-            </a:xfrm>
-            <a:prstGeom prst="ellipse">
-              <a:avLst/>
-            </a:prstGeom>
-            <a:solidFill>
-              <a:srgbClr val="92D050"/>
-            </a:solidFill>
-            <a:ln>
-              <a:noFill/>
-            </a:ln>
-          </p:spPr>
-          <p:style>
-            <a:lnRef idx="2">
-              <a:schemeClr val="accent1">
-                <a:shade val="50000"/>
-              </a:schemeClr>
-            </a:lnRef>
-            <a:fillRef idx="1">
-              <a:schemeClr val="accent1"/>
-            </a:fillRef>
-            <a:effectRef idx="0">
-              <a:schemeClr val="accent1"/>
-            </a:effectRef>
-            <a:fontRef idx="minor">
-              <a:schemeClr val="lt1"/>
-            </a:fontRef>
-          </p:style>
-          <p:txBody>
-            <a:bodyPr rtlCol="0" anchor="ctr"/>
-            <a:lstStyle/>
-            <a:p>
-              <a:pPr algn="ctr"/>
-              <a:endParaRPr lang="en-GB"/>
-            </a:p>
-          </p:txBody>
-        </p:sp>
-        <p:sp>
-          <p:nvSpPr>
-            <p:cNvPr id="73" name="Oval 72">
-              <a:extLst>
-                <a:ext uri="{FF2B5EF4-FFF2-40B4-BE49-F238E27FC236}">
-                  <a16:creationId xmlns:a16="http://schemas.microsoft.com/office/drawing/2014/main" id="{EFD48D84-4967-4B0C-8CDE-7C5CFD3C5D5D}"/>
-                </a:ext>
-              </a:extLst>
-            </p:cNvPr>
-            <p:cNvSpPr/>
-            <p:nvPr/>
-          </p:nvSpPr>
-          <p:spPr>
-            <a:xfrm>
-              <a:off x="7543131" y="2109401"/>
-              <a:ext cx="205734" cy="190500"/>
-            </a:xfrm>
-            <a:prstGeom prst="ellipse">
-              <a:avLst/>
-            </a:prstGeom>
-            <a:solidFill>
-              <a:srgbClr val="92D050"/>
-            </a:solidFill>
-            <a:ln>
-              <a:noFill/>
-            </a:ln>
-          </p:spPr>
-          <p:style>
-            <a:lnRef idx="2">
-              <a:schemeClr val="accent1">
-                <a:shade val="50000"/>
-              </a:schemeClr>
-            </a:lnRef>
-            <a:fillRef idx="1">
-              <a:schemeClr val="accent1"/>
-            </a:fillRef>
-            <a:effectRef idx="0">
-              <a:schemeClr val="accent1"/>
-            </a:effectRef>
-            <a:fontRef idx="minor">
-              <a:schemeClr val="lt1"/>
-            </a:fontRef>
-          </p:style>
-          <p:txBody>
-            <a:bodyPr rtlCol="0" anchor="ctr"/>
-            <a:lstStyle/>
-            <a:p>
-              <a:pPr algn="ctr"/>
-              <a:endParaRPr lang="en-GB"/>
-            </a:p>
-          </p:txBody>
-        </p:sp>
-        <p:sp>
-          <p:nvSpPr>
-            <p:cNvPr id="74" name="Oval 73">
-              <a:extLst>
-                <a:ext uri="{FF2B5EF4-FFF2-40B4-BE49-F238E27FC236}">
-                  <a16:creationId xmlns:a16="http://schemas.microsoft.com/office/drawing/2014/main" id="{072ABAE9-159E-45FF-AF13-4183725E7DB9}"/>
-                </a:ext>
-              </a:extLst>
-            </p:cNvPr>
-            <p:cNvSpPr/>
-            <p:nvPr/>
-          </p:nvSpPr>
-          <p:spPr>
-            <a:xfrm>
-              <a:off x="6752892" y="4641630"/>
-              <a:ext cx="205734" cy="190500"/>
-            </a:xfrm>
-            <a:prstGeom prst="ellipse">
-              <a:avLst/>
-            </a:prstGeom>
-            <a:solidFill>
-              <a:srgbClr val="FFC000"/>
-            </a:solidFill>
-            <a:ln>
-              <a:noFill/>
-            </a:ln>
-          </p:spPr>
-          <p:style>
-            <a:lnRef idx="2">
-              <a:schemeClr val="accent1">
-                <a:shade val="50000"/>
-              </a:schemeClr>
-            </a:lnRef>
-            <a:fillRef idx="1">
-              <a:schemeClr val="accent1"/>
-            </a:fillRef>
-            <a:effectRef idx="0">
-              <a:schemeClr val="accent1"/>
-            </a:effectRef>
-            <a:fontRef idx="minor">
-              <a:schemeClr val="lt1"/>
-            </a:fontRef>
-          </p:style>
-          <p:txBody>
-            <a:bodyPr rtlCol="0" anchor="ctr"/>
-            <a:lstStyle/>
-            <a:p>
-              <a:pPr algn="ctr"/>
-              <a:endParaRPr lang="en-GB"/>
-            </a:p>
-          </p:txBody>
-        </p:sp>
-        <p:sp>
-          <p:nvSpPr>
-            <p:cNvPr id="75" name="TextBox 74">
-              <a:extLst>
-                <a:ext uri="{FF2B5EF4-FFF2-40B4-BE49-F238E27FC236}">
-                  <a16:creationId xmlns:a16="http://schemas.microsoft.com/office/drawing/2014/main" id="{E0B7F7B5-79D1-49E1-93E7-09B45C336930}"/>
-                </a:ext>
-              </a:extLst>
-            </p:cNvPr>
-            <p:cNvSpPr txBox="1"/>
-            <p:nvPr/>
-          </p:nvSpPr>
-          <p:spPr>
-            <a:xfrm>
-              <a:off x="5661660" y="4456032"/>
-              <a:ext cx="1112643" cy="584775"/>
-            </a:xfrm>
-            <a:prstGeom prst="rect">
-              <a:avLst/>
-            </a:prstGeom>
-            <a:noFill/>
-          </p:spPr>
-          <p:txBody>
-            <a:bodyPr wrap="square" rtlCol="0">
-              <a:spAutoFit/>
-            </a:bodyPr>
-            <a:lstStyle/>
-            <a:p>
-              <a:pPr algn="r"/>
-              <a:r>
-                <a:rPr lang="en-GB" sz="1600" dirty="0">
-                  <a:solidFill>
-                    <a:srgbClr val="FFC000"/>
-                  </a:solidFill>
-                </a:rPr>
-                <a:t>my friend’s commits</a:t>
-              </a:r>
-            </a:p>
-          </p:txBody>
-        </p:sp>
-        <p:sp>
-          <p:nvSpPr>
-            <p:cNvPr id="76" name="Oval 75">
-              <a:extLst>
-                <a:ext uri="{FF2B5EF4-FFF2-40B4-BE49-F238E27FC236}">
-                  <a16:creationId xmlns:a16="http://schemas.microsoft.com/office/drawing/2014/main" id="{7D625A1F-4DF9-41F4-B6CB-D1908CD08624}"/>
-                </a:ext>
-              </a:extLst>
-            </p:cNvPr>
-            <p:cNvSpPr/>
-            <p:nvPr/>
-          </p:nvSpPr>
-          <p:spPr>
-            <a:xfrm>
-              <a:off x="6752892" y="4215259"/>
-              <a:ext cx="205734" cy="190500"/>
-            </a:xfrm>
-            <a:prstGeom prst="ellipse">
-              <a:avLst/>
-            </a:prstGeom>
-            <a:solidFill>
-              <a:srgbClr val="FFC000"/>
-            </a:solidFill>
-            <a:ln>
-              <a:noFill/>
-            </a:ln>
-          </p:spPr>
-          <p:style>
-            <a:lnRef idx="2">
-              <a:schemeClr val="accent1">
-                <a:shade val="50000"/>
-              </a:schemeClr>
-            </a:lnRef>
-            <a:fillRef idx="1">
-              <a:schemeClr val="accent1"/>
-            </a:fillRef>
-            <a:effectRef idx="0">
-              <a:schemeClr val="accent1"/>
-            </a:effectRef>
-            <a:fontRef idx="minor">
-              <a:schemeClr val="lt1"/>
-            </a:fontRef>
-          </p:style>
-          <p:txBody>
-            <a:bodyPr rtlCol="0" anchor="ctr"/>
-            <a:lstStyle/>
-            <a:p>
-              <a:pPr algn="ctr"/>
-              <a:endParaRPr lang="en-GB"/>
-            </a:p>
-          </p:txBody>
-        </p:sp>
-        <p:sp>
-          <p:nvSpPr>
-            <p:cNvPr id="77" name="Oval 76">
-              <a:extLst>
-                <a:ext uri="{FF2B5EF4-FFF2-40B4-BE49-F238E27FC236}">
-                  <a16:creationId xmlns:a16="http://schemas.microsoft.com/office/drawing/2014/main" id="{BDD1C272-DAC2-4200-81E1-54EB9E1C5344}"/>
-                </a:ext>
-              </a:extLst>
-            </p:cNvPr>
-            <p:cNvSpPr/>
-            <p:nvPr/>
-          </p:nvSpPr>
-          <p:spPr>
-            <a:xfrm>
-              <a:off x="6751956" y="3788888"/>
-              <a:ext cx="205734" cy="190500"/>
-            </a:xfrm>
-            <a:prstGeom prst="ellipse">
-              <a:avLst/>
-            </a:prstGeom>
-            <a:solidFill>
-              <a:srgbClr val="FFC000"/>
-            </a:solidFill>
-            <a:ln>
-              <a:noFill/>
-            </a:ln>
-          </p:spPr>
-          <p:style>
-            <a:lnRef idx="2">
-              <a:schemeClr val="accent1">
-                <a:shade val="50000"/>
-              </a:schemeClr>
-            </a:lnRef>
-            <a:fillRef idx="1">
-              <a:schemeClr val="accent1"/>
-            </a:fillRef>
-            <a:effectRef idx="0">
-              <a:schemeClr val="accent1"/>
-            </a:effectRef>
-            <a:fontRef idx="minor">
-              <a:schemeClr val="lt1"/>
-            </a:fontRef>
-          </p:style>
-          <p:txBody>
-            <a:bodyPr rtlCol="0" anchor="ctr"/>
-            <a:lstStyle/>
-            <a:p>
-              <a:pPr algn="ctr"/>
-              <a:endParaRPr lang="en-GB"/>
-            </a:p>
-          </p:txBody>
-        </p:sp>
-        <p:sp>
-          <p:nvSpPr>
-            <p:cNvPr id="78" name="Oval 77">
-              <a:extLst>
-                <a:ext uri="{FF2B5EF4-FFF2-40B4-BE49-F238E27FC236}">
-                  <a16:creationId xmlns:a16="http://schemas.microsoft.com/office/drawing/2014/main" id="{9C7F9431-ED8E-436B-BE7D-4028FA0F71C8}"/>
-                </a:ext>
-              </a:extLst>
-            </p:cNvPr>
-            <p:cNvSpPr/>
-            <p:nvPr/>
-          </p:nvSpPr>
-          <p:spPr>
-            <a:xfrm>
-              <a:off x="6748594" y="3362517"/>
-              <a:ext cx="205734" cy="190500"/>
-            </a:xfrm>
-            <a:prstGeom prst="ellipse">
-              <a:avLst/>
-            </a:prstGeom>
-            <a:solidFill>
-              <a:srgbClr val="FFC000"/>
-            </a:solidFill>
-            <a:ln>
-              <a:noFill/>
-            </a:ln>
-          </p:spPr>
-          <p:style>
-            <a:lnRef idx="2">
-              <a:schemeClr val="accent1">
-                <a:shade val="50000"/>
-              </a:schemeClr>
-            </a:lnRef>
-            <a:fillRef idx="1">
-              <a:schemeClr val="accent1"/>
-            </a:fillRef>
-            <a:effectRef idx="0">
-              <a:schemeClr val="accent1"/>
-            </a:effectRef>
-            <a:fontRef idx="minor">
-              <a:schemeClr val="lt1"/>
-            </a:fontRef>
-          </p:style>
-          <p:txBody>
-            <a:bodyPr rtlCol="0" anchor="ctr"/>
-            <a:lstStyle/>
-            <a:p>
-              <a:pPr algn="ctr"/>
-              <a:endParaRPr lang="en-GB"/>
-            </a:p>
-          </p:txBody>
-        </p:sp>
-        <p:sp>
-          <p:nvSpPr>
-            <p:cNvPr id="79" name="Oval 78">
-              <a:extLst>
-                <a:ext uri="{FF2B5EF4-FFF2-40B4-BE49-F238E27FC236}">
-                  <a16:creationId xmlns:a16="http://schemas.microsoft.com/office/drawing/2014/main" id="{9063A8D3-66CC-454A-87B4-25B52B512978}"/>
-                </a:ext>
-              </a:extLst>
-            </p:cNvPr>
-            <p:cNvSpPr/>
-            <p:nvPr/>
-          </p:nvSpPr>
-          <p:spPr>
-            <a:xfrm>
-              <a:off x="6755278" y="2986865"/>
-              <a:ext cx="205734" cy="190500"/>
-            </a:xfrm>
-            <a:prstGeom prst="ellipse">
-              <a:avLst/>
-            </a:prstGeom>
-            <a:solidFill>
-              <a:srgbClr val="FFC000"/>
-            </a:solidFill>
-            <a:ln>
-              <a:noFill/>
-            </a:ln>
-          </p:spPr>
-          <p:style>
-            <a:lnRef idx="2">
-              <a:schemeClr val="accent1">
-                <a:shade val="50000"/>
-              </a:schemeClr>
-            </a:lnRef>
-            <a:fillRef idx="1">
-              <a:schemeClr val="accent1"/>
-            </a:fillRef>
-            <a:effectRef idx="0">
-              <a:schemeClr val="accent1"/>
-            </a:effectRef>
-            <a:fontRef idx="minor">
-              <a:schemeClr val="lt1"/>
-            </a:fontRef>
-          </p:style>
-          <p:txBody>
-            <a:bodyPr rtlCol="0" anchor="ctr"/>
-            <a:lstStyle/>
-            <a:p>
-              <a:pPr algn="ctr"/>
-              <a:endParaRPr lang="en-GB"/>
-            </a:p>
-          </p:txBody>
-        </p:sp>
-        <p:sp>
-          <p:nvSpPr>
-            <p:cNvPr id="80" name="Oval 79">
-              <a:extLst>
-                <a:ext uri="{FF2B5EF4-FFF2-40B4-BE49-F238E27FC236}">
-                  <a16:creationId xmlns:a16="http://schemas.microsoft.com/office/drawing/2014/main" id="{8B224138-B191-469F-B1E6-1961CA462514}"/>
-                </a:ext>
-              </a:extLst>
-            </p:cNvPr>
-            <p:cNvSpPr/>
-            <p:nvPr/>
-          </p:nvSpPr>
-          <p:spPr>
-            <a:xfrm>
-              <a:off x="7240571" y="1806650"/>
-              <a:ext cx="205734" cy="190500"/>
-            </a:xfrm>
-            <a:prstGeom prst="ellipse">
-              <a:avLst/>
-            </a:prstGeom>
-            <a:solidFill>
-              <a:srgbClr val="0070C0"/>
-            </a:solidFill>
-            <a:ln>
-              <a:noFill/>
-            </a:ln>
-          </p:spPr>
-          <p:style>
-            <a:lnRef idx="2">
-              <a:schemeClr val="accent1">
-                <a:shade val="50000"/>
-              </a:schemeClr>
-            </a:lnRef>
-            <a:fillRef idx="1">
-              <a:schemeClr val="accent1"/>
-            </a:fillRef>
-            <a:effectRef idx="0">
-              <a:schemeClr val="accent1"/>
-            </a:effectRef>
-            <a:fontRef idx="minor">
-              <a:schemeClr val="lt1"/>
-            </a:fontRef>
-          </p:style>
-          <p:txBody>
-            <a:bodyPr rtlCol="0" anchor="ctr"/>
-            <a:lstStyle/>
-            <a:p>
-              <a:pPr algn="ctr"/>
-              <a:endParaRPr lang="en-GB"/>
-            </a:p>
-          </p:txBody>
-        </p:sp>
-        <p:sp>
-          <p:nvSpPr>
-            <p:cNvPr id="81" name="Oval 80">
-              <a:extLst>
-                <a:ext uri="{FF2B5EF4-FFF2-40B4-BE49-F238E27FC236}">
-                  <a16:creationId xmlns:a16="http://schemas.microsoft.com/office/drawing/2014/main" id="{0AEA9166-52D6-49FF-964A-A15DCB146204}"/>
-                </a:ext>
-              </a:extLst>
-            </p:cNvPr>
-            <p:cNvSpPr/>
-            <p:nvPr/>
-          </p:nvSpPr>
-          <p:spPr>
-            <a:xfrm>
-              <a:off x="7237676" y="3612405"/>
-              <a:ext cx="205734" cy="190500"/>
-            </a:xfrm>
-            <a:prstGeom prst="ellipse">
-              <a:avLst/>
-            </a:prstGeom>
-            <a:solidFill>
-              <a:srgbClr val="0070C0"/>
-            </a:solidFill>
-            <a:ln>
-              <a:noFill/>
-            </a:ln>
-          </p:spPr>
-          <p:style>
-            <a:lnRef idx="2">
-              <a:schemeClr val="accent1">
-                <a:shade val="50000"/>
-              </a:schemeClr>
-            </a:lnRef>
-            <a:fillRef idx="1">
-              <a:schemeClr val="accent1"/>
-            </a:fillRef>
-            <a:effectRef idx="0">
-              <a:schemeClr val="accent1"/>
-            </a:effectRef>
-            <a:fontRef idx="minor">
-              <a:schemeClr val="lt1"/>
-            </a:fontRef>
-          </p:style>
-          <p:txBody>
-            <a:bodyPr rtlCol="0" anchor="ctr"/>
-            <a:lstStyle/>
-            <a:p>
-              <a:pPr algn="ctr"/>
-              <a:endParaRPr lang="en-GB"/>
-            </a:p>
-          </p:txBody>
-        </p:sp>
-        <p:sp>
-          <p:nvSpPr>
-            <p:cNvPr id="82" name="Oval 81">
-              <a:extLst>
-                <a:ext uri="{FF2B5EF4-FFF2-40B4-BE49-F238E27FC236}">
-                  <a16:creationId xmlns:a16="http://schemas.microsoft.com/office/drawing/2014/main" id="{3C29334C-6008-4E04-A7F5-F501ACA6654D}"/>
-                </a:ext>
-              </a:extLst>
-            </p:cNvPr>
-            <p:cNvSpPr/>
-            <p:nvPr/>
-          </p:nvSpPr>
-          <p:spPr>
-            <a:xfrm>
-              <a:off x="7237676" y="2415536"/>
-              <a:ext cx="205734" cy="190500"/>
-            </a:xfrm>
-            <a:prstGeom prst="ellipse">
-              <a:avLst/>
-            </a:prstGeom>
-            <a:solidFill>
-              <a:srgbClr val="0070C0"/>
-            </a:solidFill>
-            <a:ln>
-              <a:noFill/>
-            </a:ln>
-          </p:spPr>
-          <p:style>
-            <a:lnRef idx="2">
-              <a:schemeClr val="accent1">
-                <a:shade val="50000"/>
-              </a:schemeClr>
-            </a:lnRef>
-            <a:fillRef idx="1">
-              <a:schemeClr val="accent1"/>
-            </a:fillRef>
-            <a:effectRef idx="0">
-              <a:schemeClr val="accent1"/>
-            </a:effectRef>
-            <a:fontRef idx="minor">
-              <a:schemeClr val="lt1"/>
-            </a:fontRef>
-          </p:style>
-          <p:txBody>
-            <a:bodyPr rtlCol="0" anchor="ctr"/>
-            <a:lstStyle/>
-            <a:p>
-              <a:pPr algn="ctr"/>
-              <a:endParaRPr lang="en-GB"/>
-            </a:p>
-          </p:txBody>
-        </p:sp>
-        <p:sp>
-          <p:nvSpPr>
-            <p:cNvPr id="83" name="TextBox 82">
-              <a:extLst>
-                <a:ext uri="{FF2B5EF4-FFF2-40B4-BE49-F238E27FC236}">
-                  <a16:creationId xmlns:a16="http://schemas.microsoft.com/office/drawing/2014/main" id="{64E96CA0-EFC2-4561-A015-F25E66C4D9D4}"/>
-                </a:ext>
-              </a:extLst>
-            </p:cNvPr>
-            <p:cNvSpPr txBox="1"/>
-            <p:nvPr/>
-          </p:nvSpPr>
-          <p:spPr>
-            <a:xfrm>
-              <a:off x="7536963" y="1091501"/>
-              <a:ext cx="794041" cy="369332"/>
-            </a:xfrm>
-            <a:prstGeom prst="rect">
-              <a:avLst/>
-            </a:prstGeom>
-            <a:noFill/>
-          </p:spPr>
-          <p:txBody>
-            <a:bodyPr wrap="square" rtlCol="0">
-              <a:spAutoFit/>
-            </a:bodyPr>
-            <a:lstStyle/>
-            <a:p>
-              <a:r>
-                <a:rPr lang="en-GB" dirty="0">
-                  <a:solidFill>
-                    <a:srgbClr val="0070C0"/>
-                  </a:solidFill>
-                </a:rPr>
-                <a:t>main</a:t>
-              </a:r>
-            </a:p>
-          </p:txBody>
-        </p:sp>
-        <p:cxnSp>
-          <p:nvCxnSpPr>
-            <p:cNvPr id="84" name="Straight Connector 83">
-              <a:extLst>
-                <a:ext uri="{FF2B5EF4-FFF2-40B4-BE49-F238E27FC236}">
-                  <a16:creationId xmlns:a16="http://schemas.microsoft.com/office/drawing/2014/main" id="{BC0B6770-4262-4C0E-8231-03348688A6CB}"/>
-                </a:ext>
-              </a:extLst>
-            </p:cNvPr>
-            <p:cNvCxnSpPr>
-              <a:cxnSpLocks/>
-            </p:cNvCxnSpPr>
-            <p:nvPr/>
-          </p:nvCxnSpPr>
-          <p:spPr>
-            <a:xfrm flipH="1">
-              <a:off x="7369106" y="1371298"/>
-              <a:ext cx="463282" cy="341630"/>
-            </a:xfrm>
-            <a:prstGeom prst="line">
-              <a:avLst/>
-            </a:prstGeom>
-            <a:ln w="6350"/>
-          </p:spPr>
-          <p:style>
-            <a:lnRef idx="1">
-              <a:schemeClr val="accent1"/>
-            </a:lnRef>
-            <a:fillRef idx="0">
-              <a:schemeClr val="accent1"/>
-            </a:fillRef>
-            <a:effectRef idx="0">
-              <a:schemeClr val="accent1"/>
-            </a:effectRef>
-            <a:fontRef idx="minor">
-              <a:schemeClr val="tx1"/>
-            </a:fontRef>
-          </p:style>
-        </p:cxnSp>
-        <p:sp>
-          <p:nvSpPr>
-            <p:cNvPr id="85" name="TextBox 84">
-              <a:extLst>
-                <a:ext uri="{FF2B5EF4-FFF2-40B4-BE49-F238E27FC236}">
-                  <a16:creationId xmlns:a16="http://schemas.microsoft.com/office/drawing/2014/main" id="{1BB77007-CE5B-479E-8B8C-8322C49112B6}"/>
-                </a:ext>
-              </a:extLst>
-            </p:cNvPr>
-            <p:cNvSpPr txBox="1"/>
-            <p:nvPr/>
-          </p:nvSpPr>
-          <p:spPr>
-            <a:xfrm>
-              <a:off x="7671664" y="1646988"/>
-              <a:ext cx="1370066" cy="369332"/>
-            </a:xfrm>
-            <a:prstGeom prst="rect">
-              <a:avLst/>
-            </a:prstGeom>
-            <a:noFill/>
-          </p:spPr>
-          <p:txBody>
-            <a:bodyPr wrap="square" rtlCol="0">
-              <a:spAutoFit/>
-            </a:bodyPr>
-            <a:lstStyle/>
-            <a:p>
-              <a:r>
-                <a:rPr lang="en-GB" dirty="0">
-                  <a:solidFill>
-                    <a:srgbClr val="92D050"/>
-                  </a:solidFill>
-                </a:rPr>
-                <a:t>my_branch2</a:t>
-              </a:r>
-            </a:p>
-          </p:txBody>
-        </p:sp>
-        <p:cxnSp>
-          <p:nvCxnSpPr>
-            <p:cNvPr id="86" name="Straight Connector 85">
-              <a:extLst>
-                <a:ext uri="{FF2B5EF4-FFF2-40B4-BE49-F238E27FC236}">
-                  <a16:creationId xmlns:a16="http://schemas.microsoft.com/office/drawing/2014/main" id="{E5AD00C4-1E18-44B5-8241-C8D10DCE783A}"/>
-                </a:ext>
-              </a:extLst>
-            </p:cNvPr>
-            <p:cNvCxnSpPr>
-              <a:cxnSpLocks/>
-            </p:cNvCxnSpPr>
-            <p:nvPr/>
-          </p:nvCxnSpPr>
-          <p:spPr>
-            <a:xfrm flipH="1">
-              <a:off x="7653065" y="1955841"/>
-              <a:ext cx="450850" cy="532130"/>
-            </a:xfrm>
-            <a:prstGeom prst="line">
-              <a:avLst/>
-            </a:prstGeom>
-            <a:ln w="6350">
-              <a:solidFill>
-                <a:srgbClr val="92D050"/>
-              </a:solidFill>
-            </a:ln>
-          </p:spPr>
-          <p:style>
-            <a:lnRef idx="1">
-              <a:schemeClr val="accent1"/>
-            </a:lnRef>
-            <a:fillRef idx="0">
-              <a:schemeClr val="accent1"/>
-            </a:fillRef>
-            <a:effectRef idx="0">
-              <a:schemeClr val="accent1"/>
-            </a:effectRef>
-            <a:fontRef idx="minor">
-              <a:schemeClr val="tx1"/>
-            </a:fontRef>
-          </p:style>
-        </p:cxnSp>
-        <p:sp>
-          <p:nvSpPr>
-            <p:cNvPr id="87" name="TextBox 86">
-              <a:extLst>
-                <a:ext uri="{FF2B5EF4-FFF2-40B4-BE49-F238E27FC236}">
-                  <a16:creationId xmlns:a16="http://schemas.microsoft.com/office/drawing/2014/main" id="{C6DCC2F5-23F5-42C8-BCB8-664CC173A195}"/>
-                </a:ext>
-              </a:extLst>
-            </p:cNvPr>
-            <p:cNvSpPr txBox="1"/>
-            <p:nvPr/>
-          </p:nvSpPr>
-          <p:spPr>
-            <a:xfrm>
-              <a:off x="7681219" y="3071816"/>
-              <a:ext cx="1370066" cy="369332"/>
-            </a:xfrm>
-            <a:prstGeom prst="rect">
-              <a:avLst/>
-            </a:prstGeom>
-            <a:noFill/>
-          </p:spPr>
-          <p:txBody>
-            <a:bodyPr wrap="square" rtlCol="0">
-              <a:spAutoFit/>
-            </a:bodyPr>
-            <a:lstStyle/>
-            <a:p>
-              <a:r>
-                <a:rPr lang="en-GB" dirty="0">
-                  <a:solidFill>
-                    <a:srgbClr val="92D050"/>
-                  </a:solidFill>
-                </a:rPr>
-                <a:t>my_branch1</a:t>
-              </a:r>
-            </a:p>
-          </p:txBody>
-        </p:sp>
-        <p:cxnSp>
-          <p:nvCxnSpPr>
-            <p:cNvPr id="88" name="Straight Connector 87">
-              <a:extLst>
-                <a:ext uri="{FF2B5EF4-FFF2-40B4-BE49-F238E27FC236}">
-                  <a16:creationId xmlns:a16="http://schemas.microsoft.com/office/drawing/2014/main" id="{ED77D162-8BC7-460D-90CD-EA8A020837DD}"/>
-                </a:ext>
-              </a:extLst>
-            </p:cNvPr>
-            <p:cNvCxnSpPr>
-              <a:cxnSpLocks/>
-            </p:cNvCxnSpPr>
-            <p:nvPr/>
-          </p:nvCxnSpPr>
-          <p:spPr>
-            <a:xfrm flipH="1">
-              <a:off x="7662620" y="3380669"/>
-              <a:ext cx="450850" cy="532130"/>
-            </a:xfrm>
-            <a:prstGeom prst="line">
-              <a:avLst/>
-            </a:prstGeom>
-            <a:ln w="6350">
-              <a:solidFill>
-                <a:srgbClr val="92D050"/>
-              </a:solidFill>
-            </a:ln>
-          </p:spPr>
-          <p:style>
-            <a:lnRef idx="1">
-              <a:schemeClr val="accent1"/>
-            </a:lnRef>
-            <a:fillRef idx="0">
-              <a:schemeClr val="accent1"/>
-            </a:fillRef>
-            <a:effectRef idx="0">
-              <a:schemeClr val="accent1"/>
-            </a:effectRef>
-            <a:fontRef idx="minor">
-              <a:schemeClr val="tx1"/>
-            </a:fontRef>
-          </p:style>
-        </p:cxnSp>
-        <p:sp>
-          <p:nvSpPr>
-            <p:cNvPr id="89" name="TextBox 88">
-              <a:extLst>
-                <a:ext uri="{FF2B5EF4-FFF2-40B4-BE49-F238E27FC236}">
-                  <a16:creationId xmlns:a16="http://schemas.microsoft.com/office/drawing/2014/main" id="{4C8C3016-C555-4662-96D6-68092E3D16C1}"/>
-                </a:ext>
-              </a:extLst>
-            </p:cNvPr>
-            <p:cNvSpPr txBox="1"/>
-            <p:nvPr/>
-          </p:nvSpPr>
-          <p:spPr>
-            <a:xfrm>
-              <a:off x="5273044" y="2223165"/>
-              <a:ext cx="1550150" cy="369332"/>
-            </a:xfrm>
-            <a:prstGeom prst="rect">
-              <a:avLst/>
-            </a:prstGeom>
-            <a:noFill/>
-          </p:spPr>
-          <p:txBody>
-            <a:bodyPr wrap="square" rtlCol="0">
-              <a:spAutoFit/>
-            </a:bodyPr>
-            <a:lstStyle/>
-            <a:p>
-              <a:r>
-                <a:rPr lang="en-GB" dirty="0" err="1">
-                  <a:solidFill>
-                    <a:srgbClr val="FFC000"/>
-                  </a:solidFill>
-                </a:rPr>
-                <a:t>friend_branch</a:t>
-              </a:r>
-              <a:endParaRPr lang="en-GB" dirty="0">
-                <a:solidFill>
-                  <a:srgbClr val="FFC000"/>
-                </a:solidFill>
-              </a:endParaRPr>
-            </a:p>
-          </p:txBody>
-        </p:sp>
-        <p:cxnSp>
-          <p:nvCxnSpPr>
-            <p:cNvPr id="90" name="Straight Connector 89">
-              <a:extLst>
-                <a:ext uri="{FF2B5EF4-FFF2-40B4-BE49-F238E27FC236}">
-                  <a16:creationId xmlns:a16="http://schemas.microsoft.com/office/drawing/2014/main" id="{33BC4F95-9CD6-45A1-BB53-AC27CC19A7A0}"/>
-                </a:ext>
-              </a:extLst>
-            </p:cNvPr>
-            <p:cNvCxnSpPr>
-              <a:cxnSpLocks/>
-            </p:cNvCxnSpPr>
-            <p:nvPr/>
-          </p:nvCxnSpPr>
-          <p:spPr>
-            <a:xfrm>
-              <a:off x="6485412" y="2561619"/>
-              <a:ext cx="433084" cy="308343"/>
-            </a:xfrm>
-            <a:prstGeom prst="line">
-              <a:avLst/>
-            </a:prstGeom>
-            <a:ln w="6350">
-              <a:solidFill>
-                <a:srgbClr val="FFC000"/>
-              </a:solidFill>
-            </a:ln>
-          </p:spPr>
-          <p:style>
-            <a:lnRef idx="1">
-              <a:schemeClr val="accent1"/>
-            </a:lnRef>
-            <a:fillRef idx="0">
-              <a:schemeClr val="accent1"/>
-            </a:fillRef>
-            <a:effectRef idx="0">
-              <a:schemeClr val="accent1"/>
-            </a:effectRef>
-            <a:fontRef idx="minor">
-              <a:schemeClr val="tx1"/>
-            </a:fontRef>
-          </p:style>
-        </p:cxnSp>
-      </p:grpSp>
-      <p:grpSp>
-        <p:nvGrpSpPr>
-          <p:cNvPr id="6" name="Group 5">
-            <a:extLst>
-              <a:ext uri="{FF2B5EF4-FFF2-40B4-BE49-F238E27FC236}">
-                <a16:creationId xmlns:a16="http://schemas.microsoft.com/office/drawing/2014/main" id="{E31FA954-4966-438A-9DEC-900B6CE677A2}"/>
-              </a:ext>
-            </a:extLst>
-          </p:cNvPr>
-          <p:cNvGrpSpPr/>
-          <p:nvPr/>
-        </p:nvGrpSpPr>
-        <p:grpSpPr>
-          <a:xfrm>
-            <a:off x="7059276" y="1341517"/>
-            <a:ext cx="3864701" cy="4233609"/>
-            <a:chOff x="7059276" y="1341517"/>
-            <a:chExt cx="3864701" cy="4233609"/>
-          </a:xfrm>
-        </p:grpSpPr>
-        <p:grpSp>
-          <p:nvGrpSpPr>
-            <p:cNvPr id="62" name="Group 61">
-              <a:extLst>
-                <a:ext uri="{FF2B5EF4-FFF2-40B4-BE49-F238E27FC236}">
-                  <a16:creationId xmlns:a16="http://schemas.microsoft.com/office/drawing/2014/main" id="{02B737C5-1ADF-4E4B-B1AC-363B98E9BEFC}"/>
+                  <a16:creationId xmlns:a16="http://schemas.microsoft.com/office/drawing/2014/main" id="{56C3AAD8-4B18-486E-8991-5DD09630353B}"/>
                 </a:ext>
               </a:extLst>
             </p:cNvPr>
@@ -21528,18 +21195,18 @@
           </p:nvGrpSpPr>
           <p:grpSpPr>
             <a:xfrm>
-              <a:off x="7059276" y="1341517"/>
-              <a:ext cx="3804917" cy="4233609"/>
+              <a:off x="2512043" y="1347470"/>
+              <a:ext cx="3793578" cy="4233609"/>
               <a:chOff x="5273044" y="1091501"/>
-              <a:chExt cx="3804917" cy="4233609"/>
+              <a:chExt cx="3793578" cy="4233609"/>
             </a:xfrm>
           </p:grpSpPr>
           <p:cxnSp>
             <p:nvCxnSpPr>
-              <p:cNvPr id="7" name="Straight Connector 6">
+              <p:cNvPr id="60" name="Straight Connector 59">
                 <a:extLst>
                   <a:ext uri="{FF2B5EF4-FFF2-40B4-BE49-F238E27FC236}">
-                    <a16:creationId xmlns:a16="http://schemas.microsoft.com/office/drawing/2014/main" id="{17C22F2D-DDE6-46F3-8319-DFEB7E690243}"/>
+                    <a16:creationId xmlns:a16="http://schemas.microsoft.com/office/drawing/2014/main" id="{3B528B6A-A63C-4C82-A848-8B3504FA413E}"/>
                   </a:ext>
                 </a:extLst>
               </p:cNvPr>
@@ -21579,10 +21246,10 @@
           </p:cxnSp>
           <p:cxnSp>
             <p:nvCxnSpPr>
-              <p:cNvPr id="4" name="Straight Connector 3">
+              <p:cNvPr id="61" name="Straight Connector 60">
                 <a:extLst>
                   <a:ext uri="{FF2B5EF4-FFF2-40B4-BE49-F238E27FC236}">
-                    <a16:creationId xmlns:a16="http://schemas.microsoft.com/office/drawing/2014/main" id="{48571FD3-526A-4897-B589-0AF72B6B8B47}"/>
+                    <a16:creationId xmlns:a16="http://schemas.microsoft.com/office/drawing/2014/main" id="{7127F292-B945-43E0-A2CB-42536691A07D}"/>
                   </a:ext>
                 </a:extLst>
               </p:cNvPr>
@@ -21616,10 +21283,10 @@
           </p:cxnSp>
           <p:cxnSp>
             <p:nvCxnSpPr>
-              <p:cNvPr id="8" name="Straight Connector 7">
+              <p:cNvPr id="63" name="Straight Connector 62">
                 <a:extLst>
                   <a:ext uri="{FF2B5EF4-FFF2-40B4-BE49-F238E27FC236}">
-                    <a16:creationId xmlns:a16="http://schemas.microsoft.com/office/drawing/2014/main" id="{6F069331-47F1-47AE-A3B4-B3615F86C269}"/>
+                    <a16:creationId xmlns:a16="http://schemas.microsoft.com/office/drawing/2014/main" id="{F07E98DF-BC03-4815-9A40-AB47908DC54D}"/>
                   </a:ext>
                 </a:extLst>
               </p:cNvPr>
@@ -21659,10 +21326,10 @@
           </p:cxnSp>
           <p:cxnSp>
             <p:nvCxnSpPr>
-              <p:cNvPr id="9" name="Straight Connector 8">
+              <p:cNvPr id="64" name="Straight Connector 63">
                 <a:extLst>
                   <a:ext uri="{FF2B5EF4-FFF2-40B4-BE49-F238E27FC236}">
-                    <a16:creationId xmlns:a16="http://schemas.microsoft.com/office/drawing/2014/main" id="{A60B27E5-06B8-4B72-8C48-29FD030783B1}"/>
+                    <a16:creationId xmlns:a16="http://schemas.microsoft.com/office/drawing/2014/main" id="{5B12DA31-459E-4A66-BA68-B024A4F1782D}"/>
                   </a:ext>
                 </a:extLst>
               </p:cNvPr>
@@ -21672,9 +21339,9 @@
               <p:nvPr/>
             </p:nvCxnSpPr>
             <p:spPr>
-              <a:xfrm>
-                <a:off x="7645998" y="3901598"/>
-                <a:ext cx="0" cy="1399042"/>
+              <a:xfrm flipH="1">
+                <a:off x="7636316" y="3901598"/>
+                <a:ext cx="9682" cy="1133256"/>
               </a:xfrm>
               <a:prstGeom prst="line">
                 <a:avLst/>
@@ -21702,10 +21369,10 @@
           </p:cxnSp>
           <p:cxnSp>
             <p:nvCxnSpPr>
-              <p:cNvPr id="10" name="Straight Connector 9">
+              <p:cNvPr id="65" name="Straight Connector 64">
                 <a:extLst>
                   <a:ext uri="{FF2B5EF4-FFF2-40B4-BE49-F238E27FC236}">
-                    <a16:creationId xmlns:a16="http://schemas.microsoft.com/office/drawing/2014/main" id="{32FFA977-CE2B-4308-904B-22C0CD2C1256}"/>
+                    <a16:creationId xmlns:a16="http://schemas.microsoft.com/office/drawing/2014/main" id="{27C1A831-4FBD-466F-B35C-4E56454F2817}"/>
                   </a:ext>
                 </a:extLst>
               </p:cNvPr>
@@ -21745,10 +21412,10 @@
           </p:cxnSp>
           <p:cxnSp>
             <p:nvCxnSpPr>
-              <p:cNvPr id="33" name="Straight Connector 32">
+              <p:cNvPr id="66" name="Straight Connector 65">
                 <a:extLst>
                   <a:ext uri="{FF2B5EF4-FFF2-40B4-BE49-F238E27FC236}">
-                    <a16:creationId xmlns:a16="http://schemas.microsoft.com/office/drawing/2014/main" id="{6899587C-2B86-48CD-87EB-7F6CAB9151D4}"/>
+                    <a16:creationId xmlns:a16="http://schemas.microsoft.com/office/drawing/2014/main" id="{25DB440E-92D2-473B-B849-385323020622}"/>
                   </a:ext>
                 </a:extLst>
               </p:cNvPr>
@@ -21788,10 +21455,10 @@
           </p:cxnSp>
           <p:cxnSp>
             <p:nvCxnSpPr>
-              <p:cNvPr id="34" name="Straight Connector 33">
+              <p:cNvPr id="67" name="Straight Connector 66">
                 <a:extLst>
                   <a:ext uri="{FF2B5EF4-FFF2-40B4-BE49-F238E27FC236}">
-                    <a16:creationId xmlns:a16="http://schemas.microsoft.com/office/drawing/2014/main" id="{30C34C19-17E2-452D-B6C0-759EB99C7079}"/>
+                    <a16:creationId xmlns:a16="http://schemas.microsoft.com/office/drawing/2014/main" id="{1B06B956-A9D4-4426-8079-CA5A0E522C0E}"/>
                   </a:ext>
                 </a:extLst>
               </p:cNvPr>
@@ -21801,9 +21468,9 @@
               <p:nvPr/>
             </p:nvCxnSpPr>
             <p:spPr>
-              <a:xfrm>
-                <a:off x="7645998" y="2117708"/>
-                <a:ext cx="0" cy="579772"/>
+              <a:xfrm flipH="1">
+                <a:off x="7636316" y="2117708"/>
+                <a:ext cx="9682" cy="733738"/>
               </a:xfrm>
               <a:prstGeom prst="line">
                 <a:avLst/>
@@ -21831,62 +21498,10 @@
           </p:cxnSp>
           <p:sp>
             <p:nvSpPr>
-              <p:cNvPr id="37" name="Oval 36">
+              <p:cNvPr id="69" name="TextBox 68">
                 <a:extLst>
                   <a:ext uri="{FF2B5EF4-FFF2-40B4-BE49-F238E27FC236}">
-                    <a16:creationId xmlns:a16="http://schemas.microsoft.com/office/drawing/2014/main" id="{0C40C3D6-D422-4EC7-85F6-D779F759EA2B}"/>
-                  </a:ext>
-                </a:extLst>
-              </p:cNvPr>
-              <p:cNvSpPr/>
-              <p:nvPr/>
-            </p:nvSpPr>
-            <p:spPr>
-              <a:xfrm>
-                <a:off x="7551889" y="5067965"/>
-                <a:ext cx="205734" cy="190500"/>
-              </a:xfrm>
-              <a:prstGeom prst="ellipse">
-                <a:avLst/>
-              </a:prstGeom>
-              <a:solidFill>
-                <a:srgbClr val="92D050"/>
-              </a:solidFill>
-              <a:ln>
-                <a:noFill/>
-              </a:ln>
-            </p:spPr>
-            <p:style>
-              <a:lnRef idx="2">
-                <a:schemeClr val="accent1">
-                  <a:shade val="50000"/>
-                </a:schemeClr>
-              </a:lnRef>
-              <a:fillRef idx="1">
-                <a:schemeClr val="accent1"/>
-              </a:fillRef>
-              <a:effectRef idx="0">
-                <a:schemeClr val="accent1"/>
-              </a:effectRef>
-              <a:fontRef idx="minor">
-                <a:schemeClr val="lt1"/>
-              </a:fontRef>
-            </p:style>
-            <p:txBody>
-              <a:bodyPr rtlCol="0" anchor="ctr"/>
-              <a:lstStyle/>
-              <a:p>
-                <a:pPr algn="ctr"/>
-                <a:endParaRPr lang="en-GB"/>
-              </a:p>
-            </p:txBody>
-          </p:sp>
-          <p:sp>
-            <p:nvSpPr>
-              <p:cNvPr id="38" name="TextBox 37">
-                <a:extLst>
-                  <a:ext uri="{FF2B5EF4-FFF2-40B4-BE49-F238E27FC236}">
-                    <a16:creationId xmlns:a16="http://schemas.microsoft.com/office/drawing/2014/main" id="{35F7FEFC-F4D7-4876-9122-C8A44127164E}"/>
+                    <a16:creationId xmlns:a16="http://schemas.microsoft.com/office/drawing/2014/main" id="{8D9D19D8-E699-4C4D-9E3A-329189A7A760}"/>
                   </a:ext>
                 </a:extLst>
               </p:cNvPr>
@@ -21895,7 +21510,7 @@
             </p:nvSpPr>
             <p:spPr>
               <a:xfrm>
-                <a:off x="7707895" y="4980603"/>
+                <a:off x="7696556" y="4515183"/>
                 <a:ext cx="1370066" cy="338554"/>
               </a:xfrm>
               <a:prstGeom prst="rect">
@@ -21922,10 +21537,10 @@
           </p:sp>
           <p:sp>
             <p:nvSpPr>
-              <p:cNvPr id="39" name="Oval 38">
+              <p:cNvPr id="70" name="Oval 69">
                 <a:extLst>
                   <a:ext uri="{FF2B5EF4-FFF2-40B4-BE49-F238E27FC236}">
-                    <a16:creationId xmlns:a16="http://schemas.microsoft.com/office/drawing/2014/main" id="{2ABBD4AC-E0E6-44C4-A854-1E76FCFA624F}"/>
+                    <a16:creationId xmlns:a16="http://schemas.microsoft.com/office/drawing/2014/main" id="{6BE179B5-18DE-4A8D-A066-6E4A9905B553}"/>
                   </a:ext>
                 </a:extLst>
               </p:cNvPr>
@@ -21974,10 +21589,10 @@
           </p:sp>
           <p:sp>
             <p:nvSpPr>
-              <p:cNvPr id="40" name="Oval 39">
+              <p:cNvPr id="71" name="Oval 70">
                 <a:extLst>
                   <a:ext uri="{FF2B5EF4-FFF2-40B4-BE49-F238E27FC236}">
-                    <a16:creationId xmlns:a16="http://schemas.microsoft.com/office/drawing/2014/main" id="{293552C8-5D5E-4388-A3E7-63A644C53C12}"/>
+                    <a16:creationId xmlns:a16="http://schemas.microsoft.com/office/drawing/2014/main" id="{16269B3A-2CF9-4E12-9D91-24BDF2A3573B}"/>
                   </a:ext>
                 </a:extLst>
               </p:cNvPr>
@@ -22026,10 +21641,10 @@
           </p:sp>
           <p:sp>
             <p:nvSpPr>
-              <p:cNvPr id="41" name="Oval 40">
+              <p:cNvPr id="72" name="Oval 71">
                 <a:extLst>
                   <a:ext uri="{FF2B5EF4-FFF2-40B4-BE49-F238E27FC236}">
-                    <a16:creationId xmlns:a16="http://schemas.microsoft.com/office/drawing/2014/main" id="{E730B112-27FA-4032-B5CD-BE2314930342}"/>
+                    <a16:creationId xmlns:a16="http://schemas.microsoft.com/office/drawing/2014/main" id="{2DD461ED-6A35-4021-86BA-13674677CEE2}"/>
                   </a:ext>
                 </a:extLst>
               </p:cNvPr>
@@ -22078,10 +21693,10 @@
           </p:sp>
           <p:sp>
             <p:nvSpPr>
-              <p:cNvPr id="42" name="Oval 41">
+              <p:cNvPr id="73" name="Oval 72">
                 <a:extLst>
                   <a:ext uri="{FF2B5EF4-FFF2-40B4-BE49-F238E27FC236}">
-                    <a16:creationId xmlns:a16="http://schemas.microsoft.com/office/drawing/2014/main" id="{479B5176-C0FD-4494-ABE8-2592201382F5}"/>
+                    <a16:creationId xmlns:a16="http://schemas.microsoft.com/office/drawing/2014/main" id="{EFD48D84-4967-4B0C-8CDE-7C5CFD3C5D5D}"/>
                   </a:ext>
                 </a:extLst>
               </p:cNvPr>
@@ -22130,10 +21745,10 @@
           </p:sp>
           <p:sp>
             <p:nvSpPr>
-              <p:cNvPr id="43" name="Oval 42">
+              <p:cNvPr id="74" name="Oval 73">
                 <a:extLst>
                   <a:ext uri="{FF2B5EF4-FFF2-40B4-BE49-F238E27FC236}">
-                    <a16:creationId xmlns:a16="http://schemas.microsoft.com/office/drawing/2014/main" id="{C6186384-8783-410F-A3D0-7C7EBF649D27}"/>
+                    <a16:creationId xmlns:a16="http://schemas.microsoft.com/office/drawing/2014/main" id="{072ABAE9-159E-45FF-AF13-4183725E7DB9}"/>
                   </a:ext>
                 </a:extLst>
               </p:cNvPr>
@@ -22182,10 +21797,10 @@
           </p:sp>
           <p:sp>
             <p:nvSpPr>
-              <p:cNvPr id="44" name="TextBox 43">
+              <p:cNvPr id="75" name="TextBox 74">
                 <a:extLst>
                   <a:ext uri="{FF2B5EF4-FFF2-40B4-BE49-F238E27FC236}">
-                    <a16:creationId xmlns:a16="http://schemas.microsoft.com/office/drawing/2014/main" id="{B542B5A4-CFEF-4081-BDC4-6D895AD5B310}"/>
+                    <a16:creationId xmlns:a16="http://schemas.microsoft.com/office/drawing/2014/main" id="{E0B7F7B5-79D1-49E1-93E7-09B45C336930}"/>
                   </a:ext>
                 </a:extLst>
               </p:cNvPr>
@@ -22222,10 +21837,10 @@
           </p:sp>
           <p:sp>
             <p:nvSpPr>
-              <p:cNvPr id="45" name="Oval 44">
+              <p:cNvPr id="76" name="Oval 75">
                 <a:extLst>
                   <a:ext uri="{FF2B5EF4-FFF2-40B4-BE49-F238E27FC236}">
-                    <a16:creationId xmlns:a16="http://schemas.microsoft.com/office/drawing/2014/main" id="{2DA9214B-00DF-4151-B244-4F1059656E9D}"/>
+                    <a16:creationId xmlns:a16="http://schemas.microsoft.com/office/drawing/2014/main" id="{7D625A1F-4DF9-41F4-B6CB-D1908CD08624}"/>
                   </a:ext>
                 </a:extLst>
               </p:cNvPr>
@@ -22274,10 +21889,10 @@
           </p:sp>
           <p:sp>
             <p:nvSpPr>
-              <p:cNvPr id="46" name="Oval 45">
+              <p:cNvPr id="77" name="Oval 76">
                 <a:extLst>
                   <a:ext uri="{FF2B5EF4-FFF2-40B4-BE49-F238E27FC236}">
-                    <a16:creationId xmlns:a16="http://schemas.microsoft.com/office/drawing/2014/main" id="{891FB2BB-D5B6-411B-A9CB-BCF7D1825F93}"/>
+                    <a16:creationId xmlns:a16="http://schemas.microsoft.com/office/drawing/2014/main" id="{BDD1C272-DAC2-4200-81E1-54EB9E1C5344}"/>
                   </a:ext>
                 </a:extLst>
               </p:cNvPr>
@@ -22326,10 +21941,10 @@
           </p:sp>
           <p:sp>
             <p:nvSpPr>
-              <p:cNvPr id="47" name="Oval 46">
+              <p:cNvPr id="78" name="Oval 77">
                 <a:extLst>
                   <a:ext uri="{FF2B5EF4-FFF2-40B4-BE49-F238E27FC236}">
-                    <a16:creationId xmlns:a16="http://schemas.microsoft.com/office/drawing/2014/main" id="{D05EFA67-7BDC-4F29-B71B-26109E0F73A5}"/>
+                    <a16:creationId xmlns:a16="http://schemas.microsoft.com/office/drawing/2014/main" id="{9C7F9431-ED8E-436B-BE7D-4028FA0F71C8}"/>
                   </a:ext>
                 </a:extLst>
               </p:cNvPr>
@@ -22378,10 +21993,10 @@
           </p:sp>
           <p:sp>
             <p:nvSpPr>
-              <p:cNvPr id="48" name="Oval 47">
+              <p:cNvPr id="79" name="Oval 78">
                 <a:extLst>
                   <a:ext uri="{FF2B5EF4-FFF2-40B4-BE49-F238E27FC236}">
-                    <a16:creationId xmlns:a16="http://schemas.microsoft.com/office/drawing/2014/main" id="{7D56F3CC-2D15-4662-BE0C-3D3914EB8BA6}"/>
+                    <a16:creationId xmlns:a16="http://schemas.microsoft.com/office/drawing/2014/main" id="{9063A8D3-66CC-454A-87B4-25B52B512978}"/>
                   </a:ext>
                 </a:extLst>
               </p:cNvPr>
@@ -22430,10 +22045,10 @@
           </p:sp>
           <p:sp>
             <p:nvSpPr>
-              <p:cNvPr id="11" name="Oval 10">
+              <p:cNvPr id="80" name="Oval 79">
                 <a:extLst>
                   <a:ext uri="{FF2B5EF4-FFF2-40B4-BE49-F238E27FC236}">
-                    <a16:creationId xmlns:a16="http://schemas.microsoft.com/office/drawing/2014/main" id="{BF9F21DB-725A-40E5-9C2B-516A75D89F5C}"/>
+                    <a16:creationId xmlns:a16="http://schemas.microsoft.com/office/drawing/2014/main" id="{8B224138-B191-469F-B1E6-1961CA462514}"/>
                   </a:ext>
                 </a:extLst>
               </p:cNvPr>
@@ -22482,10 +22097,10 @@
           </p:sp>
           <p:sp>
             <p:nvSpPr>
-              <p:cNvPr id="49" name="Oval 48">
+              <p:cNvPr id="81" name="Oval 80">
                 <a:extLst>
                   <a:ext uri="{FF2B5EF4-FFF2-40B4-BE49-F238E27FC236}">
-                    <a16:creationId xmlns:a16="http://schemas.microsoft.com/office/drawing/2014/main" id="{84E10BC4-B376-4CF5-8F5D-33049C044203}"/>
+                    <a16:creationId xmlns:a16="http://schemas.microsoft.com/office/drawing/2014/main" id="{0AEA9166-52D6-49FF-964A-A15DCB146204}"/>
                   </a:ext>
                 </a:extLst>
               </p:cNvPr>
@@ -22534,10 +22149,10 @@
           </p:sp>
           <p:sp>
             <p:nvSpPr>
-              <p:cNvPr id="50" name="Oval 49">
+              <p:cNvPr id="82" name="Oval 81">
                 <a:extLst>
                   <a:ext uri="{FF2B5EF4-FFF2-40B4-BE49-F238E27FC236}">
-                    <a16:creationId xmlns:a16="http://schemas.microsoft.com/office/drawing/2014/main" id="{249EDA11-A1CD-41F4-A6D1-E9E9D249DE5A}"/>
+                    <a16:creationId xmlns:a16="http://schemas.microsoft.com/office/drawing/2014/main" id="{3C29334C-6008-4E04-A7F5-F501ACA6654D}"/>
                   </a:ext>
                 </a:extLst>
               </p:cNvPr>
@@ -22586,10 +22201,10 @@
           </p:sp>
           <p:sp>
             <p:nvSpPr>
-              <p:cNvPr id="52" name="TextBox 51">
+              <p:cNvPr id="83" name="TextBox 82">
                 <a:extLst>
                   <a:ext uri="{FF2B5EF4-FFF2-40B4-BE49-F238E27FC236}">
-                    <a16:creationId xmlns:a16="http://schemas.microsoft.com/office/drawing/2014/main" id="{AE7E6FF4-D578-4021-9567-B71F6D63D567}"/>
+                    <a16:creationId xmlns:a16="http://schemas.microsoft.com/office/drawing/2014/main" id="{64E96CA0-EFC2-4561-A015-F25E66C4D9D4}"/>
                   </a:ext>
                 </a:extLst>
               </p:cNvPr>
@@ -22625,10 +22240,10 @@
           </p:sp>
           <p:cxnSp>
             <p:nvCxnSpPr>
-              <p:cNvPr id="53" name="Straight Connector 52">
+              <p:cNvPr id="84" name="Straight Connector 83">
                 <a:extLst>
                   <a:ext uri="{FF2B5EF4-FFF2-40B4-BE49-F238E27FC236}">
-                    <a16:creationId xmlns:a16="http://schemas.microsoft.com/office/drawing/2014/main" id="{302BB7C5-780B-4BD1-A26A-DA88D83F8660}"/>
+                    <a16:creationId xmlns:a16="http://schemas.microsoft.com/office/drawing/2014/main" id="{BC0B6770-4262-4C0E-8231-03348688A6CB}"/>
                   </a:ext>
                 </a:extLst>
               </p:cNvPr>
@@ -22664,10 +22279,10 @@
           </p:cxnSp>
           <p:sp>
             <p:nvSpPr>
-              <p:cNvPr id="54" name="TextBox 53">
+              <p:cNvPr id="85" name="TextBox 84">
                 <a:extLst>
                   <a:ext uri="{FF2B5EF4-FFF2-40B4-BE49-F238E27FC236}">
-                    <a16:creationId xmlns:a16="http://schemas.microsoft.com/office/drawing/2014/main" id="{05DC74E4-BFF2-44CC-9B42-369104393982}"/>
+                    <a16:creationId xmlns:a16="http://schemas.microsoft.com/office/drawing/2014/main" id="{1BB77007-CE5B-479E-8B8C-8322C49112B6}"/>
                   </a:ext>
                 </a:extLst>
               </p:cNvPr>
@@ -22703,10 +22318,10 @@
           </p:sp>
           <p:cxnSp>
             <p:nvCxnSpPr>
-              <p:cNvPr id="55" name="Straight Connector 54">
+              <p:cNvPr id="86" name="Straight Connector 85">
                 <a:extLst>
                   <a:ext uri="{FF2B5EF4-FFF2-40B4-BE49-F238E27FC236}">
-                    <a16:creationId xmlns:a16="http://schemas.microsoft.com/office/drawing/2014/main" id="{9720B490-685B-49F3-B73D-CB14397206BA}"/>
+                    <a16:creationId xmlns:a16="http://schemas.microsoft.com/office/drawing/2014/main" id="{E5AD00C4-1E18-44B5-8241-C8D10DCE783A}"/>
                   </a:ext>
                 </a:extLst>
               </p:cNvPr>
@@ -22746,10 +22361,10 @@
           </p:cxnSp>
           <p:sp>
             <p:nvSpPr>
-              <p:cNvPr id="56" name="TextBox 55">
+              <p:cNvPr id="87" name="TextBox 86">
                 <a:extLst>
                   <a:ext uri="{FF2B5EF4-FFF2-40B4-BE49-F238E27FC236}">
-                    <a16:creationId xmlns:a16="http://schemas.microsoft.com/office/drawing/2014/main" id="{B50D99CB-7FF9-4250-B01E-3E6D5FF16108}"/>
+                    <a16:creationId xmlns:a16="http://schemas.microsoft.com/office/drawing/2014/main" id="{C6DCC2F5-23F5-42C8-BCB8-664CC173A195}"/>
                   </a:ext>
                 </a:extLst>
               </p:cNvPr>
@@ -22785,10 +22400,10 @@
           </p:sp>
           <p:cxnSp>
             <p:nvCxnSpPr>
-              <p:cNvPr id="57" name="Straight Connector 56">
+              <p:cNvPr id="88" name="Straight Connector 87">
                 <a:extLst>
                   <a:ext uri="{FF2B5EF4-FFF2-40B4-BE49-F238E27FC236}">
-                    <a16:creationId xmlns:a16="http://schemas.microsoft.com/office/drawing/2014/main" id="{325A1134-44DD-450B-9225-02EF9407B63E}"/>
+                    <a16:creationId xmlns:a16="http://schemas.microsoft.com/office/drawing/2014/main" id="{ED77D162-8BC7-460D-90CD-EA8A020837DD}"/>
                   </a:ext>
                 </a:extLst>
               </p:cNvPr>
@@ -22828,10 +22443,10 @@
           </p:cxnSp>
           <p:sp>
             <p:nvSpPr>
-              <p:cNvPr id="58" name="TextBox 57">
+              <p:cNvPr id="89" name="TextBox 88">
                 <a:extLst>
                   <a:ext uri="{FF2B5EF4-FFF2-40B4-BE49-F238E27FC236}">
-                    <a16:creationId xmlns:a16="http://schemas.microsoft.com/office/drawing/2014/main" id="{1E571DD5-97C5-418A-AD5A-7E80E2D131EB}"/>
+                    <a16:creationId xmlns:a16="http://schemas.microsoft.com/office/drawing/2014/main" id="{4C8C3016-C555-4662-96D6-68092E3D16C1}"/>
                   </a:ext>
                 </a:extLst>
               </p:cNvPr>
@@ -22872,10 +22487,10 @@
           </p:sp>
           <p:cxnSp>
             <p:nvCxnSpPr>
-              <p:cNvPr id="59" name="Straight Connector 58">
+              <p:cNvPr id="90" name="Straight Connector 89">
                 <a:extLst>
                   <a:ext uri="{FF2B5EF4-FFF2-40B4-BE49-F238E27FC236}">
-                    <a16:creationId xmlns:a16="http://schemas.microsoft.com/office/drawing/2014/main" id="{A1366AA4-F8BF-4644-9532-D47E8A13F827}"/>
+                    <a16:creationId xmlns:a16="http://schemas.microsoft.com/office/drawing/2014/main" id="{33BC4F95-9CD6-45A1-BB53-AC27CC19A7A0}"/>
                   </a:ext>
                 </a:extLst>
               </p:cNvPr>
@@ -22914,12 +22529,55 @@
             </p:style>
           </p:cxnSp>
         </p:grpSp>
+        <p:cxnSp>
+          <p:nvCxnSpPr>
+            <p:cNvPr id="97" name="Straight Connector 96">
+              <a:extLst>
+                <a:ext uri="{FF2B5EF4-FFF2-40B4-BE49-F238E27FC236}">
+                  <a16:creationId xmlns:a16="http://schemas.microsoft.com/office/drawing/2014/main" id="{608563DF-6FCF-49F7-8C3A-C9F3BA5386D7}"/>
+                </a:ext>
+              </a:extLst>
+            </p:cNvPr>
+            <p:cNvCxnSpPr>
+              <a:cxnSpLocks/>
+            </p:cNvCxnSpPr>
+            <p:nvPr/>
+          </p:nvCxnSpPr>
+          <p:spPr>
+            <a:xfrm flipH="1" flipV="1">
+              <a:off x="4093638" y="5161411"/>
+              <a:ext cx="479119" cy="407762"/>
+            </a:xfrm>
+            <a:prstGeom prst="line">
+              <a:avLst/>
+            </a:prstGeom>
+            <a:ln w="57150">
+              <a:solidFill>
+                <a:srgbClr val="FFC000"/>
+              </a:solidFill>
+            </a:ln>
+          </p:spPr>
+          <p:style>
+            <a:lnRef idx="1">
+              <a:schemeClr val="accent1"/>
+            </a:lnRef>
+            <a:fillRef idx="0">
+              <a:schemeClr val="accent1"/>
+            </a:fillRef>
+            <a:effectRef idx="0">
+              <a:schemeClr val="accent1"/>
+            </a:effectRef>
+            <a:fontRef idx="minor">
+              <a:schemeClr val="tx1"/>
+            </a:fontRef>
+          </p:style>
+        </p:cxnSp>
         <p:sp>
           <p:nvSpPr>
-            <p:cNvPr id="2" name="Rectangle 1">
+            <p:cNvPr id="98" name="Oval 97">
               <a:extLst>
                 <a:ext uri="{FF2B5EF4-FFF2-40B4-BE49-F238E27FC236}">
-                  <a16:creationId xmlns:a16="http://schemas.microsoft.com/office/drawing/2014/main" id="{1FAC1635-4177-486A-A7C5-781CB39B0F25}"/>
+                  <a16:creationId xmlns:a16="http://schemas.microsoft.com/office/drawing/2014/main" id="{FEED448C-80DA-4B51-9C68-3424FB0406BD}"/>
                 </a:ext>
               </a:extLst>
             </p:cNvPr>
@@ -22928,17 +22586,17 @@
           </p:nvSpPr>
           <p:spPr>
             <a:xfrm>
-              <a:off x="8886741" y="1941386"/>
-              <a:ext cx="648355" cy="400053"/>
+              <a:off x="4464636" y="5436303"/>
+              <a:ext cx="205734" cy="190500"/>
             </a:xfrm>
-            <a:prstGeom prst="rect">
+            <a:prstGeom prst="ellipse">
               <a:avLst/>
             </a:prstGeom>
-            <a:noFill/>
+            <a:solidFill>
+              <a:srgbClr val="0070C0"/>
+            </a:solidFill>
             <a:ln>
-              <a:solidFill>
-                <a:srgbClr val="7030A0"/>
-              </a:solidFill>
+              <a:noFill/>
             </a:ln>
           </p:spPr>
           <p:style>
@@ -22968,10 +22626,10 @@
         </p:sp>
         <p:sp>
           <p:nvSpPr>
-            <p:cNvPr id="91" name="Rectangle 90">
+            <p:cNvPr id="100" name="Oval 99">
               <a:extLst>
                 <a:ext uri="{FF2B5EF4-FFF2-40B4-BE49-F238E27FC236}">
-                  <a16:creationId xmlns:a16="http://schemas.microsoft.com/office/drawing/2014/main" id="{DCD96766-2213-485F-964B-2045C50DA88D}"/>
+                  <a16:creationId xmlns:a16="http://schemas.microsoft.com/office/drawing/2014/main" id="{45B4BB78-868A-41D8-A87A-8C5E27AD4C7D}"/>
                 </a:ext>
               </a:extLst>
             </p:cNvPr>
@@ -22980,17 +22638,17 @@
           </p:nvSpPr>
           <p:spPr>
             <a:xfrm>
-              <a:off x="8609426" y="2566809"/>
-              <a:ext cx="696528" cy="593524"/>
+              <a:off x="4483869" y="3118258"/>
+              <a:ext cx="205734" cy="190500"/>
             </a:xfrm>
-            <a:prstGeom prst="rect">
+            <a:prstGeom prst="ellipse">
               <a:avLst/>
             </a:prstGeom>
-            <a:noFill/>
+            <a:solidFill>
+              <a:srgbClr val="0070C0"/>
+            </a:solidFill>
             <a:ln>
-              <a:solidFill>
-                <a:srgbClr val="7030A0"/>
-              </a:solidFill>
+              <a:noFill/>
             </a:ln>
           </p:spPr>
           <p:style>
@@ -23018,166 +22676,27 @@
             </a:p>
           </p:txBody>
         </p:sp>
-        <p:sp>
-          <p:nvSpPr>
-            <p:cNvPr id="92" name="Rectangle 91">
-              <a:extLst>
-                <a:ext uri="{FF2B5EF4-FFF2-40B4-BE49-F238E27FC236}">
-                  <a16:creationId xmlns:a16="http://schemas.microsoft.com/office/drawing/2014/main" id="{7D1C4237-8464-488F-996F-6A1A06AA1ACC}"/>
-                </a:ext>
-              </a:extLst>
-            </p:cNvPr>
-            <p:cNvSpPr/>
-            <p:nvPr/>
-          </p:nvSpPr>
-          <p:spPr>
-            <a:xfrm>
-              <a:off x="8908368" y="3770756"/>
-              <a:ext cx="710252" cy="552359"/>
-            </a:xfrm>
-            <a:prstGeom prst="rect">
-              <a:avLst/>
-            </a:prstGeom>
-            <a:noFill/>
-            <a:ln>
-              <a:solidFill>
-                <a:srgbClr val="7030A0"/>
-              </a:solidFill>
-            </a:ln>
-          </p:spPr>
-          <p:style>
-            <a:lnRef idx="2">
-              <a:schemeClr val="accent1">
-                <a:shade val="50000"/>
-              </a:schemeClr>
-            </a:lnRef>
-            <a:fillRef idx="1">
-              <a:schemeClr val="accent1"/>
-            </a:fillRef>
-            <a:effectRef idx="0">
-              <a:schemeClr val="accent1"/>
-            </a:effectRef>
-            <a:fontRef idx="minor">
-              <a:schemeClr val="lt1"/>
-            </a:fontRef>
-          </p:style>
-          <p:txBody>
-            <a:bodyPr rtlCol="0" anchor="ctr"/>
-            <a:lstStyle/>
-            <a:p>
-              <a:pPr algn="ctr"/>
-              <a:endParaRPr lang="en-GB"/>
-            </a:p>
-          </p:txBody>
-        </p:sp>
-        <p:pic>
-          <p:nvPicPr>
-            <p:cNvPr id="93" name="Picture 92" descr="A close up of a logo&#10;&#10;Description automatically generated">
-              <a:extLst>
-                <a:ext uri="{FF2B5EF4-FFF2-40B4-BE49-F238E27FC236}">
-                  <a16:creationId xmlns:a16="http://schemas.microsoft.com/office/drawing/2014/main" id="{E27147AF-B814-4161-8679-176580906A77}"/>
-                </a:ext>
-              </a:extLst>
-            </p:cNvPr>
-            <p:cNvPicPr>
-              <a:picLocks noChangeAspect="1"/>
-            </p:cNvPicPr>
-            <p:nvPr/>
-          </p:nvPicPr>
-          <p:blipFill>
-            <a:blip r:embed="rId2">
-              <a:extLst>
-                <a:ext uri="{28A0092B-C50C-407E-A947-70E740481C1C}">
-                  <a14:useLocalDpi xmlns:a14="http://schemas.microsoft.com/office/drawing/2010/main" val="0"/>
-                </a:ext>
-              </a:extLst>
-            </a:blip>
-            <a:stretch>
-              <a:fillRect/>
-            </a:stretch>
-          </p:blipFill>
-          <p:spPr>
-            <a:xfrm>
-              <a:off x="9260025" y="3624206"/>
-              <a:ext cx="338554" cy="338554"/>
-            </a:xfrm>
-            <a:prstGeom prst="rect">
-              <a:avLst/>
-            </a:prstGeom>
-          </p:spPr>
-        </p:pic>
-        <p:pic>
-          <p:nvPicPr>
-            <p:cNvPr id="94" name="Picture 93" descr="A close up of a logo&#10;&#10;Description automatically generated">
-              <a:extLst>
-                <a:ext uri="{FF2B5EF4-FFF2-40B4-BE49-F238E27FC236}">
-                  <a16:creationId xmlns:a16="http://schemas.microsoft.com/office/drawing/2014/main" id="{B3205E4C-5846-4D9A-81BA-B0EC0401F35D}"/>
-                </a:ext>
-              </a:extLst>
-            </p:cNvPr>
-            <p:cNvPicPr>
-              <a:picLocks noChangeAspect="1"/>
-            </p:cNvPicPr>
-            <p:nvPr/>
-          </p:nvPicPr>
-          <p:blipFill>
-            <a:blip r:embed="rId2">
-              <a:extLst>
-                <a:ext uri="{28A0092B-C50C-407E-A947-70E740481C1C}">
-                  <a14:useLocalDpi xmlns:a14="http://schemas.microsoft.com/office/drawing/2010/main" val="0"/>
-                </a:ext>
-              </a:extLst>
-            </a:blip>
-            <a:stretch>
-              <a:fillRect/>
-            </a:stretch>
-          </p:blipFill>
-          <p:spPr>
-            <a:xfrm>
-              <a:off x="8659453" y="2397532"/>
-              <a:ext cx="338554" cy="338554"/>
-            </a:xfrm>
-            <a:prstGeom prst="rect">
-              <a:avLst/>
-            </a:prstGeom>
-          </p:spPr>
-        </p:pic>
-        <p:pic>
-          <p:nvPicPr>
-            <p:cNvPr id="95" name="Picture 94" descr="A close up of a logo&#10;&#10;Description automatically generated">
-              <a:extLst>
-                <a:ext uri="{FF2B5EF4-FFF2-40B4-BE49-F238E27FC236}">
-                  <a16:creationId xmlns:a16="http://schemas.microsoft.com/office/drawing/2014/main" id="{3EA15965-C3EC-4335-9F1A-064B97189526}"/>
-                </a:ext>
-              </a:extLst>
-            </p:cNvPr>
-            <p:cNvPicPr>
-              <a:picLocks noChangeAspect="1"/>
-            </p:cNvPicPr>
-            <p:nvPr/>
-          </p:nvPicPr>
-          <p:blipFill>
-            <a:blip r:embed="rId2">
-              <a:extLst>
-                <a:ext uri="{28A0092B-C50C-407E-A947-70E740481C1C}">
-                  <a14:useLocalDpi xmlns:a14="http://schemas.microsoft.com/office/drawing/2010/main" val="0"/>
-                </a:ext>
-              </a:extLst>
-            </a:blip>
-            <a:stretch>
-              <a:fillRect/>
-            </a:stretch>
-          </p:blipFill>
-          <p:spPr>
-            <a:xfrm>
-              <a:off x="8740560" y="1802858"/>
-              <a:ext cx="338554" cy="338554"/>
-            </a:xfrm>
-            <a:prstGeom prst="rect">
-              <a:avLst/>
-            </a:prstGeom>
-          </p:spPr>
-        </p:pic>
+      </p:grpSp>
+      <p:grpSp>
+        <p:nvGrpSpPr>
+          <p:cNvPr id="31" name="Group 30">
+            <a:extLst>
+              <a:ext uri="{FF2B5EF4-FFF2-40B4-BE49-F238E27FC236}">
+                <a16:creationId xmlns:a16="http://schemas.microsoft.com/office/drawing/2014/main" id="{6B614A7D-B141-4EE6-9148-6C348F96D919}"/>
+              </a:ext>
+            </a:extLst>
+          </p:cNvPr>
+          <p:cNvGrpSpPr/>
+          <p:nvPr/>
+        </p:nvGrpSpPr>
+        <p:grpSpPr>
+          <a:xfrm>
+            <a:off x="6607898" y="1405924"/>
+            <a:ext cx="3793578" cy="4279333"/>
+            <a:chOff x="6607898" y="1405924"/>
+            <a:chExt cx="3793578" cy="4279333"/>
+          </a:xfrm>
+        </p:grpSpPr>
         <p:sp>
           <p:nvSpPr>
             <p:cNvPr id="96" name="TextBox 95">
@@ -23192,7 +22711,7 @@
           </p:nvSpPr>
           <p:spPr>
             <a:xfrm>
-              <a:off x="9553915" y="3908457"/>
+              <a:off x="8862145" y="3834277"/>
               <a:ext cx="1370062" cy="369332"/>
             </a:xfrm>
             <a:prstGeom prst="rect">
@@ -23217,6 +22736,1872 @@
             </a:p>
           </p:txBody>
         </p:sp>
+        <p:grpSp>
+          <p:nvGrpSpPr>
+            <p:cNvPr id="132" name="Group 131">
+              <a:extLst>
+                <a:ext uri="{FF2B5EF4-FFF2-40B4-BE49-F238E27FC236}">
+                  <a16:creationId xmlns:a16="http://schemas.microsoft.com/office/drawing/2014/main" id="{474FB7B3-7728-4FFC-84BA-F20981F7A323}"/>
+                </a:ext>
+              </a:extLst>
+            </p:cNvPr>
+            <p:cNvGrpSpPr/>
+            <p:nvPr/>
+          </p:nvGrpSpPr>
+          <p:grpSpPr>
+            <a:xfrm>
+              <a:off x="6607898" y="1405924"/>
+              <a:ext cx="3793578" cy="4279333"/>
+              <a:chOff x="2512043" y="1347470"/>
+              <a:chExt cx="3793578" cy="4279333"/>
+            </a:xfrm>
+          </p:grpSpPr>
+          <p:cxnSp>
+            <p:nvCxnSpPr>
+              <p:cNvPr id="133" name="Straight Connector 132">
+                <a:extLst>
+                  <a:ext uri="{FF2B5EF4-FFF2-40B4-BE49-F238E27FC236}">
+                    <a16:creationId xmlns:a16="http://schemas.microsoft.com/office/drawing/2014/main" id="{1F9DF72C-55DE-45C0-AB0D-3C82AA41ABC0}"/>
+                  </a:ext>
+                </a:extLst>
+              </p:cNvPr>
+              <p:cNvCxnSpPr>
+                <a:cxnSpLocks/>
+              </p:cNvCxnSpPr>
+              <p:nvPr/>
+            </p:nvCxnSpPr>
+            <p:spPr>
+              <a:xfrm flipV="1">
+                <a:off x="4611938" y="3081457"/>
+                <a:ext cx="270571" cy="174871"/>
+              </a:xfrm>
+              <a:prstGeom prst="line">
+                <a:avLst/>
+              </a:prstGeom>
+              <a:ln w="57150">
+                <a:solidFill>
+                  <a:srgbClr val="92D050"/>
+                </a:solidFill>
+              </a:ln>
+            </p:spPr>
+            <p:style>
+              <a:lnRef idx="1">
+                <a:schemeClr val="accent1"/>
+              </a:lnRef>
+              <a:fillRef idx="0">
+                <a:schemeClr val="accent1"/>
+              </a:fillRef>
+              <a:effectRef idx="0">
+                <a:schemeClr val="accent1"/>
+              </a:effectRef>
+              <a:fontRef idx="minor">
+                <a:schemeClr val="tx1"/>
+              </a:fontRef>
+            </p:style>
+          </p:cxnSp>
+          <p:cxnSp>
+            <p:nvCxnSpPr>
+              <p:cNvPr id="134" name="Straight Connector 133">
+                <a:extLst>
+                  <a:ext uri="{FF2B5EF4-FFF2-40B4-BE49-F238E27FC236}">
+                    <a16:creationId xmlns:a16="http://schemas.microsoft.com/office/drawing/2014/main" id="{1C0FD1DE-B2B6-4B31-984F-C1F777C4E54F}"/>
+                  </a:ext>
+                </a:extLst>
+              </p:cNvPr>
+              <p:cNvCxnSpPr>
+                <a:cxnSpLocks/>
+              </p:cNvCxnSpPr>
+              <p:nvPr/>
+            </p:nvCxnSpPr>
+            <p:spPr>
+              <a:xfrm flipV="1">
+                <a:off x="4600049" y="5273005"/>
+                <a:ext cx="275266" cy="291638"/>
+              </a:xfrm>
+              <a:prstGeom prst="line">
+                <a:avLst/>
+              </a:prstGeom>
+              <a:ln w="57150">
+                <a:solidFill>
+                  <a:srgbClr val="92D050"/>
+                </a:solidFill>
+              </a:ln>
+            </p:spPr>
+            <p:style>
+              <a:lnRef idx="1">
+                <a:schemeClr val="accent1"/>
+              </a:lnRef>
+              <a:fillRef idx="0">
+                <a:schemeClr val="accent1"/>
+              </a:fillRef>
+              <a:effectRef idx="0">
+                <a:schemeClr val="accent1"/>
+              </a:effectRef>
+              <a:fontRef idx="minor">
+                <a:schemeClr val="tx1"/>
+              </a:fontRef>
+            </p:style>
+          </p:cxnSp>
+          <p:grpSp>
+            <p:nvGrpSpPr>
+              <p:cNvPr id="135" name="Group 134">
+                <a:extLst>
+                  <a:ext uri="{FF2B5EF4-FFF2-40B4-BE49-F238E27FC236}">
+                    <a16:creationId xmlns:a16="http://schemas.microsoft.com/office/drawing/2014/main" id="{00ECCE2C-E7C2-4AD6-A23B-32EB88845B2E}"/>
+                  </a:ext>
+                </a:extLst>
+              </p:cNvPr>
+              <p:cNvGrpSpPr/>
+              <p:nvPr/>
+            </p:nvGrpSpPr>
+            <p:grpSpPr>
+              <a:xfrm>
+                <a:off x="2512043" y="1347470"/>
+                <a:ext cx="3793578" cy="4233609"/>
+                <a:chOff x="5273044" y="1091501"/>
+                <a:chExt cx="3793578" cy="4233609"/>
+              </a:xfrm>
+            </p:grpSpPr>
+            <p:cxnSp>
+              <p:nvCxnSpPr>
+                <p:cNvPr id="139" name="Straight Connector 138">
+                  <a:extLst>
+                    <a:ext uri="{FF2B5EF4-FFF2-40B4-BE49-F238E27FC236}">
+                      <a16:creationId xmlns:a16="http://schemas.microsoft.com/office/drawing/2014/main" id="{6B012558-117B-4A81-9DEE-6D8CE138D430}"/>
+                    </a:ext>
+                  </a:extLst>
+                </p:cNvPr>
+                <p:cNvCxnSpPr>
+                  <a:cxnSpLocks/>
+                </p:cNvCxnSpPr>
+                <p:nvPr/>
+              </p:nvCxnSpPr>
+              <p:spPr>
+                <a:xfrm>
+                  <a:off x="7343439" y="3661675"/>
+                  <a:ext cx="302559" cy="255163"/>
+                </a:xfrm>
+                <a:prstGeom prst="line">
+                  <a:avLst/>
+                </a:prstGeom>
+                <a:ln w="57150">
+                  <a:solidFill>
+                    <a:srgbClr val="92D050"/>
+                  </a:solidFill>
+                </a:ln>
+              </p:spPr>
+              <p:style>
+                <a:lnRef idx="1">
+                  <a:schemeClr val="accent1"/>
+                </a:lnRef>
+                <a:fillRef idx="0">
+                  <a:schemeClr val="accent1"/>
+                </a:fillRef>
+                <a:effectRef idx="0">
+                  <a:schemeClr val="accent1"/>
+                </a:effectRef>
+                <a:fontRef idx="minor">
+                  <a:schemeClr val="tx1"/>
+                </a:fontRef>
+              </p:style>
+            </p:cxnSp>
+            <p:cxnSp>
+              <p:nvCxnSpPr>
+                <p:cNvPr id="140" name="Straight Connector 139">
+                  <a:extLst>
+                    <a:ext uri="{FF2B5EF4-FFF2-40B4-BE49-F238E27FC236}">
+                      <a16:creationId xmlns:a16="http://schemas.microsoft.com/office/drawing/2014/main" id="{3B3C5A69-08E1-4ADA-9405-D1C176B191AA}"/>
+                    </a:ext>
+                  </a:extLst>
+                </p:cNvPr>
+                <p:cNvCxnSpPr/>
+                <p:nvPr/>
+              </p:nvCxnSpPr>
+              <p:spPr>
+                <a:xfrm>
+                  <a:off x="7343439" y="1533039"/>
+                  <a:ext cx="0" cy="3792071"/>
+                </a:xfrm>
+                <a:prstGeom prst="line">
+                  <a:avLst/>
+                </a:prstGeom>
+                <a:ln w="57150"/>
+              </p:spPr>
+              <p:style>
+                <a:lnRef idx="1">
+                  <a:schemeClr val="accent1"/>
+                </a:lnRef>
+                <a:fillRef idx="0">
+                  <a:schemeClr val="accent1"/>
+                </a:fillRef>
+                <a:effectRef idx="0">
+                  <a:schemeClr val="accent1"/>
+                </a:effectRef>
+                <a:fontRef idx="minor">
+                  <a:schemeClr val="tx1"/>
+                </a:fontRef>
+              </p:style>
+            </p:cxnSp>
+            <p:cxnSp>
+              <p:nvCxnSpPr>
+                <p:cNvPr id="141" name="Straight Connector 140">
+                  <a:extLst>
+                    <a:ext uri="{FF2B5EF4-FFF2-40B4-BE49-F238E27FC236}">
+                      <a16:creationId xmlns:a16="http://schemas.microsoft.com/office/drawing/2014/main" id="{3F438F3B-ECB8-4142-BAE3-4488EAE2967A}"/>
+                    </a:ext>
+                  </a:extLst>
+                </p:cNvPr>
+                <p:cNvCxnSpPr>
+                  <a:cxnSpLocks/>
+                </p:cNvCxnSpPr>
+                <p:nvPr/>
+              </p:nvCxnSpPr>
+              <p:spPr>
+                <a:xfrm flipH="1">
+                  <a:off x="6855759" y="2461260"/>
+                  <a:ext cx="487680" cy="502920"/>
+                </a:xfrm>
+                <a:prstGeom prst="line">
+                  <a:avLst/>
+                </a:prstGeom>
+                <a:ln w="57150">
+                  <a:solidFill>
+                    <a:srgbClr val="FFC000"/>
+                  </a:solidFill>
+                </a:ln>
+              </p:spPr>
+              <p:style>
+                <a:lnRef idx="1">
+                  <a:schemeClr val="accent1"/>
+                </a:lnRef>
+                <a:fillRef idx="0">
+                  <a:schemeClr val="accent1"/>
+                </a:fillRef>
+                <a:effectRef idx="0">
+                  <a:schemeClr val="accent1"/>
+                </a:effectRef>
+                <a:fontRef idx="minor">
+                  <a:schemeClr val="tx1"/>
+                </a:fontRef>
+              </p:style>
+            </p:cxnSp>
+            <p:cxnSp>
+              <p:nvCxnSpPr>
+                <p:cNvPr id="142" name="Straight Connector 141">
+                  <a:extLst>
+                    <a:ext uri="{FF2B5EF4-FFF2-40B4-BE49-F238E27FC236}">
+                      <a16:creationId xmlns:a16="http://schemas.microsoft.com/office/drawing/2014/main" id="{6194B236-228E-42CA-A418-B4D551C406C5}"/>
+                    </a:ext>
+                  </a:extLst>
+                </p:cNvPr>
+                <p:cNvCxnSpPr>
+                  <a:cxnSpLocks/>
+                </p:cNvCxnSpPr>
+                <p:nvPr/>
+              </p:nvCxnSpPr>
+              <p:spPr>
+                <a:xfrm flipH="1">
+                  <a:off x="7636316" y="3901598"/>
+                  <a:ext cx="9682" cy="1133256"/>
+                </a:xfrm>
+                <a:prstGeom prst="line">
+                  <a:avLst/>
+                </a:prstGeom>
+                <a:ln w="57150">
+                  <a:solidFill>
+                    <a:srgbClr val="92D050"/>
+                  </a:solidFill>
+                </a:ln>
+              </p:spPr>
+              <p:style>
+                <a:lnRef idx="1">
+                  <a:schemeClr val="accent1"/>
+                </a:lnRef>
+                <a:fillRef idx="0">
+                  <a:schemeClr val="accent1"/>
+                </a:fillRef>
+                <a:effectRef idx="0">
+                  <a:schemeClr val="accent1"/>
+                </a:effectRef>
+                <a:fontRef idx="minor">
+                  <a:schemeClr val="tx1"/>
+                </a:fontRef>
+              </p:style>
+            </p:cxnSp>
+            <p:cxnSp>
+              <p:nvCxnSpPr>
+                <p:cNvPr id="143" name="Straight Connector 142">
+                  <a:extLst>
+                    <a:ext uri="{FF2B5EF4-FFF2-40B4-BE49-F238E27FC236}">
+                      <a16:creationId xmlns:a16="http://schemas.microsoft.com/office/drawing/2014/main" id="{6EBA7BD3-A365-4606-9295-BF4545333D1D}"/>
+                    </a:ext>
+                  </a:extLst>
+                </p:cNvPr>
+                <p:cNvCxnSpPr>
+                  <a:cxnSpLocks/>
+                </p:cNvCxnSpPr>
+                <p:nvPr/>
+              </p:nvCxnSpPr>
+              <p:spPr>
+                <a:xfrm>
+                  <a:off x="6855759" y="2933002"/>
+                  <a:ext cx="0" cy="1986131"/>
+                </a:xfrm>
+                <a:prstGeom prst="line">
+                  <a:avLst/>
+                </a:prstGeom>
+                <a:ln w="57150">
+                  <a:solidFill>
+                    <a:srgbClr val="FFC000"/>
+                  </a:solidFill>
+                </a:ln>
+              </p:spPr>
+              <p:style>
+                <a:lnRef idx="1">
+                  <a:schemeClr val="accent1"/>
+                </a:lnRef>
+                <a:fillRef idx="0">
+                  <a:schemeClr val="accent1"/>
+                </a:fillRef>
+                <a:effectRef idx="0">
+                  <a:schemeClr val="accent1"/>
+                </a:effectRef>
+                <a:fontRef idx="minor">
+                  <a:schemeClr val="tx1"/>
+                </a:fontRef>
+              </p:style>
+            </p:cxnSp>
+            <p:cxnSp>
+              <p:nvCxnSpPr>
+                <p:cNvPr id="144" name="Straight Connector 143">
+                  <a:extLst>
+                    <a:ext uri="{FF2B5EF4-FFF2-40B4-BE49-F238E27FC236}">
+                      <a16:creationId xmlns:a16="http://schemas.microsoft.com/office/drawing/2014/main" id="{62F3906C-6E18-4054-B38A-8FA2C679C7ED}"/>
+                    </a:ext>
+                  </a:extLst>
+                </p:cNvPr>
+                <p:cNvCxnSpPr>
+                  <a:cxnSpLocks/>
+                </p:cNvCxnSpPr>
+                <p:nvPr/>
+              </p:nvCxnSpPr>
+              <p:spPr>
+                <a:xfrm>
+                  <a:off x="7343439" y="1877785"/>
+                  <a:ext cx="302559" cy="255163"/>
+                </a:xfrm>
+                <a:prstGeom prst="line">
+                  <a:avLst/>
+                </a:prstGeom>
+                <a:ln w="57150">
+                  <a:solidFill>
+                    <a:srgbClr val="92D050"/>
+                  </a:solidFill>
+                </a:ln>
+              </p:spPr>
+              <p:style>
+                <a:lnRef idx="1">
+                  <a:schemeClr val="accent1"/>
+                </a:lnRef>
+                <a:fillRef idx="0">
+                  <a:schemeClr val="accent1"/>
+                </a:fillRef>
+                <a:effectRef idx="0">
+                  <a:schemeClr val="accent1"/>
+                </a:effectRef>
+                <a:fontRef idx="minor">
+                  <a:schemeClr val="tx1"/>
+                </a:fontRef>
+              </p:style>
+            </p:cxnSp>
+            <p:cxnSp>
+              <p:nvCxnSpPr>
+                <p:cNvPr id="145" name="Straight Connector 144">
+                  <a:extLst>
+                    <a:ext uri="{FF2B5EF4-FFF2-40B4-BE49-F238E27FC236}">
+                      <a16:creationId xmlns:a16="http://schemas.microsoft.com/office/drawing/2014/main" id="{15438BE8-2DB2-4F75-9340-BD87ECAA4A54}"/>
+                    </a:ext>
+                  </a:extLst>
+                </p:cNvPr>
+                <p:cNvCxnSpPr>
+                  <a:cxnSpLocks/>
+                </p:cNvCxnSpPr>
+                <p:nvPr/>
+              </p:nvCxnSpPr>
+              <p:spPr>
+                <a:xfrm flipH="1">
+                  <a:off x="7636316" y="2117708"/>
+                  <a:ext cx="9682" cy="733738"/>
+                </a:xfrm>
+                <a:prstGeom prst="line">
+                  <a:avLst/>
+                </a:prstGeom>
+                <a:ln w="57150">
+                  <a:solidFill>
+                    <a:srgbClr val="92D050"/>
+                  </a:solidFill>
+                </a:ln>
+              </p:spPr>
+              <p:style>
+                <a:lnRef idx="1">
+                  <a:schemeClr val="accent1"/>
+                </a:lnRef>
+                <a:fillRef idx="0">
+                  <a:schemeClr val="accent1"/>
+                </a:fillRef>
+                <a:effectRef idx="0">
+                  <a:schemeClr val="accent1"/>
+                </a:effectRef>
+                <a:fontRef idx="minor">
+                  <a:schemeClr val="tx1"/>
+                </a:fontRef>
+              </p:style>
+            </p:cxnSp>
+            <p:sp>
+              <p:nvSpPr>
+                <p:cNvPr id="146" name="TextBox 145">
+                  <a:extLst>
+                    <a:ext uri="{FF2B5EF4-FFF2-40B4-BE49-F238E27FC236}">
+                      <a16:creationId xmlns:a16="http://schemas.microsoft.com/office/drawing/2014/main" id="{7B8F9D51-3EFF-41DD-881B-C8C24882A80B}"/>
+                    </a:ext>
+                  </a:extLst>
+                </p:cNvPr>
+                <p:cNvSpPr txBox="1"/>
+                <p:nvPr/>
+              </p:nvSpPr>
+              <p:spPr>
+                <a:xfrm>
+                  <a:off x="7696556" y="4515183"/>
+                  <a:ext cx="1370066" cy="338554"/>
+                </a:xfrm>
+                <a:prstGeom prst="rect">
+                  <a:avLst/>
+                </a:prstGeom>
+                <a:noFill/>
+              </p:spPr>
+              <p:txBody>
+                <a:bodyPr wrap="square" rtlCol="0">
+                  <a:spAutoFit/>
+                </a:bodyPr>
+                <a:lstStyle/>
+                <a:p>
+                  <a:r>
+                    <a:rPr lang="en-GB" sz="1600" dirty="0">
+                      <a:solidFill>
+                        <a:srgbClr val="92D050"/>
+                      </a:solidFill>
+                    </a:rPr>
+                    <a:t>my commits</a:t>
+                  </a:r>
+                </a:p>
+              </p:txBody>
+            </p:sp>
+            <p:sp>
+              <p:nvSpPr>
+                <p:cNvPr id="147" name="Oval 146">
+                  <a:extLst>
+                    <a:ext uri="{FF2B5EF4-FFF2-40B4-BE49-F238E27FC236}">
+                      <a16:creationId xmlns:a16="http://schemas.microsoft.com/office/drawing/2014/main" id="{6752B462-2970-40B9-9081-D02E9C793473}"/>
+                    </a:ext>
+                  </a:extLst>
+                </p:cNvPr>
+                <p:cNvSpPr/>
+                <p:nvPr/>
+              </p:nvSpPr>
+              <p:spPr>
+                <a:xfrm>
+                  <a:off x="7543131" y="4629803"/>
+                  <a:ext cx="205734" cy="190500"/>
+                </a:xfrm>
+                <a:prstGeom prst="ellipse">
+                  <a:avLst/>
+                </a:prstGeom>
+                <a:solidFill>
+                  <a:srgbClr val="92D050"/>
+                </a:solidFill>
+                <a:ln>
+                  <a:noFill/>
+                </a:ln>
+              </p:spPr>
+              <p:style>
+                <a:lnRef idx="2">
+                  <a:schemeClr val="accent1">
+                    <a:shade val="50000"/>
+                  </a:schemeClr>
+                </a:lnRef>
+                <a:fillRef idx="1">
+                  <a:schemeClr val="accent1"/>
+                </a:fillRef>
+                <a:effectRef idx="0">
+                  <a:schemeClr val="accent1"/>
+                </a:effectRef>
+                <a:fontRef idx="minor">
+                  <a:schemeClr val="lt1"/>
+                </a:fontRef>
+              </p:style>
+              <p:txBody>
+                <a:bodyPr rtlCol="0" anchor="ctr"/>
+                <a:lstStyle/>
+                <a:p>
+                  <a:pPr algn="ctr"/>
+                  <a:endParaRPr lang="en-GB"/>
+                </a:p>
+              </p:txBody>
+            </p:sp>
+            <p:sp>
+              <p:nvSpPr>
+                <p:cNvPr id="148" name="Oval 147">
+                  <a:extLst>
+                    <a:ext uri="{FF2B5EF4-FFF2-40B4-BE49-F238E27FC236}">
+                      <a16:creationId xmlns:a16="http://schemas.microsoft.com/office/drawing/2014/main" id="{8571F00A-AF43-4067-9829-F8A1128E5CCF}"/>
+                    </a:ext>
+                  </a:extLst>
+                </p:cNvPr>
+                <p:cNvSpPr/>
+                <p:nvPr/>
+              </p:nvSpPr>
+              <p:spPr>
+                <a:xfrm>
+                  <a:off x="7543131" y="4164500"/>
+                  <a:ext cx="205734" cy="190500"/>
+                </a:xfrm>
+                <a:prstGeom prst="ellipse">
+                  <a:avLst/>
+                </a:prstGeom>
+                <a:solidFill>
+                  <a:srgbClr val="92D050"/>
+                </a:solidFill>
+                <a:ln>
+                  <a:noFill/>
+                </a:ln>
+              </p:spPr>
+              <p:style>
+                <a:lnRef idx="2">
+                  <a:schemeClr val="accent1">
+                    <a:shade val="50000"/>
+                  </a:schemeClr>
+                </a:lnRef>
+                <a:fillRef idx="1">
+                  <a:schemeClr val="accent1"/>
+                </a:fillRef>
+                <a:effectRef idx="0">
+                  <a:schemeClr val="accent1"/>
+                </a:effectRef>
+                <a:fontRef idx="minor">
+                  <a:schemeClr val="lt1"/>
+                </a:fontRef>
+              </p:style>
+              <p:txBody>
+                <a:bodyPr rtlCol="0" anchor="ctr"/>
+                <a:lstStyle/>
+                <a:p>
+                  <a:pPr algn="ctr"/>
+                  <a:endParaRPr lang="en-GB"/>
+                </a:p>
+              </p:txBody>
+            </p:sp>
+            <p:sp>
+              <p:nvSpPr>
+                <p:cNvPr id="149" name="Oval 148">
+                  <a:extLst>
+                    <a:ext uri="{FF2B5EF4-FFF2-40B4-BE49-F238E27FC236}">
+                      <a16:creationId xmlns:a16="http://schemas.microsoft.com/office/drawing/2014/main" id="{25F5B1FB-1FB5-40D7-87C7-2D97CF6379FE}"/>
+                    </a:ext>
+                  </a:extLst>
+                </p:cNvPr>
+                <p:cNvSpPr/>
+                <p:nvPr/>
+              </p:nvSpPr>
+              <p:spPr>
+                <a:xfrm>
+                  <a:off x="7543131" y="2515112"/>
+                  <a:ext cx="205734" cy="190500"/>
+                </a:xfrm>
+                <a:prstGeom prst="ellipse">
+                  <a:avLst/>
+                </a:prstGeom>
+                <a:solidFill>
+                  <a:srgbClr val="92D050"/>
+                </a:solidFill>
+                <a:ln>
+                  <a:noFill/>
+                </a:ln>
+              </p:spPr>
+              <p:style>
+                <a:lnRef idx="2">
+                  <a:schemeClr val="accent1">
+                    <a:shade val="50000"/>
+                  </a:schemeClr>
+                </a:lnRef>
+                <a:fillRef idx="1">
+                  <a:schemeClr val="accent1"/>
+                </a:fillRef>
+                <a:effectRef idx="0">
+                  <a:schemeClr val="accent1"/>
+                </a:effectRef>
+                <a:fontRef idx="minor">
+                  <a:schemeClr val="lt1"/>
+                </a:fontRef>
+              </p:style>
+              <p:txBody>
+                <a:bodyPr rtlCol="0" anchor="ctr"/>
+                <a:lstStyle/>
+                <a:p>
+                  <a:pPr algn="ctr"/>
+                  <a:endParaRPr lang="en-GB"/>
+                </a:p>
+              </p:txBody>
+            </p:sp>
+            <p:sp>
+              <p:nvSpPr>
+                <p:cNvPr id="150" name="Oval 149">
+                  <a:extLst>
+                    <a:ext uri="{FF2B5EF4-FFF2-40B4-BE49-F238E27FC236}">
+                      <a16:creationId xmlns:a16="http://schemas.microsoft.com/office/drawing/2014/main" id="{2FCA98EF-33B6-4971-9A6C-C90B909C22B5}"/>
+                    </a:ext>
+                  </a:extLst>
+                </p:cNvPr>
+                <p:cNvSpPr/>
+                <p:nvPr/>
+              </p:nvSpPr>
+              <p:spPr>
+                <a:xfrm>
+                  <a:off x="7543131" y="2109401"/>
+                  <a:ext cx="205734" cy="190500"/>
+                </a:xfrm>
+                <a:prstGeom prst="ellipse">
+                  <a:avLst/>
+                </a:prstGeom>
+                <a:solidFill>
+                  <a:srgbClr val="92D050"/>
+                </a:solidFill>
+                <a:ln>
+                  <a:noFill/>
+                </a:ln>
+              </p:spPr>
+              <p:style>
+                <a:lnRef idx="2">
+                  <a:schemeClr val="accent1">
+                    <a:shade val="50000"/>
+                  </a:schemeClr>
+                </a:lnRef>
+                <a:fillRef idx="1">
+                  <a:schemeClr val="accent1"/>
+                </a:fillRef>
+                <a:effectRef idx="0">
+                  <a:schemeClr val="accent1"/>
+                </a:effectRef>
+                <a:fontRef idx="minor">
+                  <a:schemeClr val="lt1"/>
+                </a:fontRef>
+              </p:style>
+              <p:txBody>
+                <a:bodyPr rtlCol="0" anchor="ctr"/>
+                <a:lstStyle/>
+                <a:p>
+                  <a:pPr algn="ctr"/>
+                  <a:endParaRPr lang="en-GB"/>
+                </a:p>
+              </p:txBody>
+            </p:sp>
+            <p:sp>
+              <p:nvSpPr>
+                <p:cNvPr id="151" name="Oval 150">
+                  <a:extLst>
+                    <a:ext uri="{FF2B5EF4-FFF2-40B4-BE49-F238E27FC236}">
+                      <a16:creationId xmlns:a16="http://schemas.microsoft.com/office/drawing/2014/main" id="{0BD834E7-810B-4BFA-A929-454DA71A5839}"/>
+                    </a:ext>
+                  </a:extLst>
+                </p:cNvPr>
+                <p:cNvSpPr/>
+                <p:nvPr/>
+              </p:nvSpPr>
+              <p:spPr>
+                <a:xfrm>
+                  <a:off x="6752892" y="4641630"/>
+                  <a:ext cx="205734" cy="190500"/>
+                </a:xfrm>
+                <a:prstGeom prst="ellipse">
+                  <a:avLst/>
+                </a:prstGeom>
+                <a:solidFill>
+                  <a:srgbClr val="FFC000"/>
+                </a:solidFill>
+                <a:ln>
+                  <a:noFill/>
+                </a:ln>
+              </p:spPr>
+              <p:style>
+                <a:lnRef idx="2">
+                  <a:schemeClr val="accent1">
+                    <a:shade val="50000"/>
+                  </a:schemeClr>
+                </a:lnRef>
+                <a:fillRef idx="1">
+                  <a:schemeClr val="accent1"/>
+                </a:fillRef>
+                <a:effectRef idx="0">
+                  <a:schemeClr val="accent1"/>
+                </a:effectRef>
+                <a:fontRef idx="minor">
+                  <a:schemeClr val="lt1"/>
+                </a:fontRef>
+              </p:style>
+              <p:txBody>
+                <a:bodyPr rtlCol="0" anchor="ctr"/>
+                <a:lstStyle/>
+                <a:p>
+                  <a:pPr algn="ctr"/>
+                  <a:endParaRPr lang="en-GB"/>
+                </a:p>
+              </p:txBody>
+            </p:sp>
+            <p:sp>
+              <p:nvSpPr>
+                <p:cNvPr id="152" name="TextBox 151">
+                  <a:extLst>
+                    <a:ext uri="{FF2B5EF4-FFF2-40B4-BE49-F238E27FC236}">
+                      <a16:creationId xmlns:a16="http://schemas.microsoft.com/office/drawing/2014/main" id="{BCA34CFE-3655-4BBB-9463-2F6A7AEBBCC0}"/>
+                    </a:ext>
+                  </a:extLst>
+                </p:cNvPr>
+                <p:cNvSpPr txBox="1"/>
+                <p:nvPr/>
+              </p:nvSpPr>
+              <p:spPr>
+                <a:xfrm>
+                  <a:off x="5661660" y="4456032"/>
+                  <a:ext cx="1112643" cy="584775"/>
+                </a:xfrm>
+                <a:prstGeom prst="rect">
+                  <a:avLst/>
+                </a:prstGeom>
+                <a:noFill/>
+              </p:spPr>
+              <p:txBody>
+                <a:bodyPr wrap="square" rtlCol="0">
+                  <a:spAutoFit/>
+                </a:bodyPr>
+                <a:lstStyle/>
+                <a:p>
+                  <a:pPr algn="r"/>
+                  <a:r>
+                    <a:rPr lang="en-GB" sz="1600" dirty="0">
+                      <a:solidFill>
+                        <a:srgbClr val="FFC000"/>
+                      </a:solidFill>
+                    </a:rPr>
+                    <a:t>my friend’s commits</a:t>
+                  </a:r>
+                </a:p>
+              </p:txBody>
+            </p:sp>
+            <p:sp>
+              <p:nvSpPr>
+                <p:cNvPr id="153" name="Oval 152">
+                  <a:extLst>
+                    <a:ext uri="{FF2B5EF4-FFF2-40B4-BE49-F238E27FC236}">
+                      <a16:creationId xmlns:a16="http://schemas.microsoft.com/office/drawing/2014/main" id="{99310474-C623-4B92-91C1-E67B032999BC}"/>
+                    </a:ext>
+                  </a:extLst>
+                </p:cNvPr>
+                <p:cNvSpPr/>
+                <p:nvPr/>
+              </p:nvSpPr>
+              <p:spPr>
+                <a:xfrm>
+                  <a:off x="6752892" y="4215259"/>
+                  <a:ext cx="205734" cy="190500"/>
+                </a:xfrm>
+                <a:prstGeom prst="ellipse">
+                  <a:avLst/>
+                </a:prstGeom>
+                <a:solidFill>
+                  <a:srgbClr val="FFC000"/>
+                </a:solidFill>
+                <a:ln>
+                  <a:noFill/>
+                </a:ln>
+              </p:spPr>
+              <p:style>
+                <a:lnRef idx="2">
+                  <a:schemeClr val="accent1">
+                    <a:shade val="50000"/>
+                  </a:schemeClr>
+                </a:lnRef>
+                <a:fillRef idx="1">
+                  <a:schemeClr val="accent1"/>
+                </a:fillRef>
+                <a:effectRef idx="0">
+                  <a:schemeClr val="accent1"/>
+                </a:effectRef>
+                <a:fontRef idx="minor">
+                  <a:schemeClr val="lt1"/>
+                </a:fontRef>
+              </p:style>
+              <p:txBody>
+                <a:bodyPr rtlCol="0" anchor="ctr"/>
+                <a:lstStyle/>
+                <a:p>
+                  <a:pPr algn="ctr"/>
+                  <a:endParaRPr lang="en-GB"/>
+                </a:p>
+              </p:txBody>
+            </p:sp>
+            <p:sp>
+              <p:nvSpPr>
+                <p:cNvPr id="154" name="Oval 153">
+                  <a:extLst>
+                    <a:ext uri="{FF2B5EF4-FFF2-40B4-BE49-F238E27FC236}">
+                      <a16:creationId xmlns:a16="http://schemas.microsoft.com/office/drawing/2014/main" id="{18912489-3408-44A5-91A0-CBD50B434F95}"/>
+                    </a:ext>
+                  </a:extLst>
+                </p:cNvPr>
+                <p:cNvSpPr/>
+                <p:nvPr/>
+              </p:nvSpPr>
+              <p:spPr>
+                <a:xfrm>
+                  <a:off x="6751956" y="3788888"/>
+                  <a:ext cx="205734" cy="190500"/>
+                </a:xfrm>
+                <a:prstGeom prst="ellipse">
+                  <a:avLst/>
+                </a:prstGeom>
+                <a:solidFill>
+                  <a:srgbClr val="FFC000"/>
+                </a:solidFill>
+                <a:ln>
+                  <a:noFill/>
+                </a:ln>
+              </p:spPr>
+              <p:style>
+                <a:lnRef idx="2">
+                  <a:schemeClr val="accent1">
+                    <a:shade val="50000"/>
+                  </a:schemeClr>
+                </a:lnRef>
+                <a:fillRef idx="1">
+                  <a:schemeClr val="accent1"/>
+                </a:fillRef>
+                <a:effectRef idx="0">
+                  <a:schemeClr val="accent1"/>
+                </a:effectRef>
+                <a:fontRef idx="minor">
+                  <a:schemeClr val="lt1"/>
+                </a:fontRef>
+              </p:style>
+              <p:txBody>
+                <a:bodyPr rtlCol="0" anchor="ctr"/>
+                <a:lstStyle/>
+                <a:p>
+                  <a:pPr algn="ctr"/>
+                  <a:endParaRPr lang="en-GB"/>
+                </a:p>
+              </p:txBody>
+            </p:sp>
+            <p:sp>
+              <p:nvSpPr>
+                <p:cNvPr id="155" name="Oval 154">
+                  <a:extLst>
+                    <a:ext uri="{FF2B5EF4-FFF2-40B4-BE49-F238E27FC236}">
+                      <a16:creationId xmlns:a16="http://schemas.microsoft.com/office/drawing/2014/main" id="{6C2100A0-3AB9-42F2-A7B1-743D2F36948C}"/>
+                    </a:ext>
+                  </a:extLst>
+                </p:cNvPr>
+                <p:cNvSpPr/>
+                <p:nvPr/>
+              </p:nvSpPr>
+              <p:spPr>
+                <a:xfrm>
+                  <a:off x="6748594" y="3362517"/>
+                  <a:ext cx="205734" cy="190500"/>
+                </a:xfrm>
+                <a:prstGeom prst="ellipse">
+                  <a:avLst/>
+                </a:prstGeom>
+                <a:solidFill>
+                  <a:srgbClr val="FFC000"/>
+                </a:solidFill>
+                <a:ln>
+                  <a:noFill/>
+                </a:ln>
+              </p:spPr>
+              <p:style>
+                <a:lnRef idx="2">
+                  <a:schemeClr val="accent1">
+                    <a:shade val="50000"/>
+                  </a:schemeClr>
+                </a:lnRef>
+                <a:fillRef idx="1">
+                  <a:schemeClr val="accent1"/>
+                </a:fillRef>
+                <a:effectRef idx="0">
+                  <a:schemeClr val="accent1"/>
+                </a:effectRef>
+                <a:fontRef idx="minor">
+                  <a:schemeClr val="lt1"/>
+                </a:fontRef>
+              </p:style>
+              <p:txBody>
+                <a:bodyPr rtlCol="0" anchor="ctr"/>
+                <a:lstStyle/>
+                <a:p>
+                  <a:pPr algn="ctr"/>
+                  <a:endParaRPr lang="en-GB"/>
+                </a:p>
+              </p:txBody>
+            </p:sp>
+            <p:sp>
+              <p:nvSpPr>
+                <p:cNvPr id="156" name="Oval 155">
+                  <a:extLst>
+                    <a:ext uri="{FF2B5EF4-FFF2-40B4-BE49-F238E27FC236}">
+                      <a16:creationId xmlns:a16="http://schemas.microsoft.com/office/drawing/2014/main" id="{A8982631-74FE-45A3-B876-554910F906E2}"/>
+                    </a:ext>
+                  </a:extLst>
+                </p:cNvPr>
+                <p:cNvSpPr/>
+                <p:nvPr/>
+              </p:nvSpPr>
+              <p:spPr>
+                <a:xfrm>
+                  <a:off x="6755278" y="2986865"/>
+                  <a:ext cx="205734" cy="190500"/>
+                </a:xfrm>
+                <a:prstGeom prst="ellipse">
+                  <a:avLst/>
+                </a:prstGeom>
+                <a:solidFill>
+                  <a:srgbClr val="FFC000"/>
+                </a:solidFill>
+                <a:ln>
+                  <a:noFill/>
+                </a:ln>
+              </p:spPr>
+              <p:style>
+                <a:lnRef idx="2">
+                  <a:schemeClr val="accent1">
+                    <a:shade val="50000"/>
+                  </a:schemeClr>
+                </a:lnRef>
+                <a:fillRef idx="1">
+                  <a:schemeClr val="accent1"/>
+                </a:fillRef>
+                <a:effectRef idx="0">
+                  <a:schemeClr val="accent1"/>
+                </a:effectRef>
+                <a:fontRef idx="minor">
+                  <a:schemeClr val="lt1"/>
+                </a:fontRef>
+              </p:style>
+              <p:txBody>
+                <a:bodyPr rtlCol="0" anchor="ctr"/>
+                <a:lstStyle/>
+                <a:p>
+                  <a:pPr algn="ctr"/>
+                  <a:endParaRPr lang="en-GB"/>
+                </a:p>
+              </p:txBody>
+            </p:sp>
+            <p:sp>
+              <p:nvSpPr>
+                <p:cNvPr id="157" name="Oval 156">
+                  <a:extLst>
+                    <a:ext uri="{FF2B5EF4-FFF2-40B4-BE49-F238E27FC236}">
+                      <a16:creationId xmlns:a16="http://schemas.microsoft.com/office/drawing/2014/main" id="{55816240-BE6E-4224-856C-83EC5E8DF74E}"/>
+                    </a:ext>
+                  </a:extLst>
+                </p:cNvPr>
+                <p:cNvSpPr/>
+                <p:nvPr/>
+              </p:nvSpPr>
+              <p:spPr>
+                <a:xfrm>
+                  <a:off x="7240571" y="1806650"/>
+                  <a:ext cx="205734" cy="190500"/>
+                </a:xfrm>
+                <a:prstGeom prst="ellipse">
+                  <a:avLst/>
+                </a:prstGeom>
+                <a:solidFill>
+                  <a:srgbClr val="0070C0"/>
+                </a:solidFill>
+                <a:ln>
+                  <a:noFill/>
+                </a:ln>
+              </p:spPr>
+              <p:style>
+                <a:lnRef idx="2">
+                  <a:schemeClr val="accent1">
+                    <a:shade val="50000"/>
+                  </a:schemeClr>
+                </a:lnRef>
+                <a:fillRef idx="1">
+                  <a:schemeClr val="accent1"/>
+                </a:fillRef>
+                <a:effectRef idx="0">
+                  <a:schemeClr val="accent1"/>
+                </a:effectRef>
+                <a:fontRef idx="minor">
+                  <a:schemeClr val="lt1"/>
+                </a:fontRef>
+              </p:style>
+              <p:txBody>
+                <a:bodyPr rtlCol="0" anchor="ctr"/>
+                <a:lstStyle/>
+                <a:p>
+                  <a:pPr algn="ctr"/>
+                  <a:endParaRPr lang="en-GB"/>
+                </a:p>
+              </p:txBody>
+            </p:sp>
+            <p:sp>
+              <p:nvSpPr>
+                <p:cNvPr id="158" name="Oval 157">
+                  <a:extLst>
+                    <a:ext uri="{FF2B5EF4-FFF2-40B4-BE49-F238E27FC236}">
+                      <a16:creationId xmlns:a16="http://schemas.microsoft.com/office/drawing/2014/main" id="{B2B217F4-F0A3-4082-A2E2-F74387870E9B}"/>
+                    </a:ext>
+                  </a:extLst>
+                </p:cNvPr>
+                <p:cNvSpPr/>
+                <p:nvPr/>
+              </p:nvSpPr>
+              <p:spPr>
+                <a:xfrm>
+                  <a:off x="7237676" y="3612405"/>
+                  <a:ext cx="205734" cy="190500"/>
+                </a:xfrm>
+                <a:prstGeom prst="ellipse">
+                  <a:avLst/>
+                </a:prstGeom>
+                <a:solidFill>
+                  <a:srgbClr val="0070C0"/>
+                </a:solidFill>
+                <a:ln>
+                  <a:noFill/>
+                </a:ln>
+              </p:spPr>
+              <p:style>
+                <a:lnRef idx="2">
+                  <a:schemeClr val="accent1">
+                    <a:shade val="50000"/>
+                  </a:schemeClr>
+                </a:lnRef>
+                <a:fillRef idx="1">
+                  <a:schemeClr val="accent1"/>
+                </a:fillRef>
+                <a:effectRef idx="0">
+                  <a:schemeClr val="accent1"/>
+                </a:effectRef>
+                <a:fontRef idx="minor">
+                  <a:schemeClr val="lt1"/>
+                </a:fontRef>
+              </p:style>
+              <p:txBody>
+                <a:bodyPr rtlCol="0" anchor="ctr"/>
+                <a:lstStyle/>
+                <a:p>
+                  <a:pPr algn="ctr"/>
+                  <a:endParaRPr lang="en-GB"/>
+                </a:p>
+              </p:txBody>
+            </p:sp>
+            <p:sp>
+              <p:nvSpPr>
+                <p:cNvPr id="159" name="Oval 158">
+                  <a:extLst>
+                    <a:ext uri="{FF2B5EF4-FFF2-40B4-BE49-F238E27FC236}">
+                      <a16:creationId xmlns:a16="http://schemas.microsoft.com/office/drawing/2014/main" id="{506A5834-C9F4-4F68-BA39-06CEC306AA43}"/>
+                    </a:ext>
+                  </a:extLst>
+                </p:cNvPr>
+                <p:cNvSpPr/>
+                <p:nvPr/>
+              </p:nvSpPr>
+              <p:spPr>
+                <a:xfrm>
+                  <a:off x="7237676" y="2415536"/>
+                  <a:ext cx="205734" cy="190500"/>
+                </a:xfrm>
+                <a:prstGeom prst="ellipse">
+                  <a:avLst/>
+                </a:prstGeom>
+                <a:solidFill>
+                  <a:srgbClr val="0070C0"/>
+                </a:solidFill>
+                <a:ln>
+                  <a:noFill/>
+                </a:ln>
+              </p:spPr>
+              <p:style>
+                <a:lnRef idx="2">
+                  <a:schemeClr val="accent1">
+                    <a:shade val="50000"/>
+                  </a:schemeClr>
+                </a:lnRef>
+                <a:fillRef idx="1">
+                  <a:schemeClr val="accent1"/>
+                </a:fillRef>
+                <a:effectRef idx="0">
+                  <a:schemeClr val="accent1"/>
+                </a:effectRef>
+                <a:fontRef idx="minor">
+                  <a:schemeClr val="lt1"/>
+                </a:fontRef>
+              </p:style>
+              <p:txBody>
+                <a:bodyPr rtlCol="0" anchor="ctr"/>
+                <a:lstStyle/>
+                <a:p>
+                  <a:pPr algn="ctr"/>
+                  <a:endParaRPr lang="en-GB"/>
+                </a:p>
+              </p:txBody>
+            </p:sp>
+            <p:sp>
+              <p:nvSpPr>
+                <p:cNvPr id="160" name="TextBox 159">
+                  <a:extLst>
+                    <a:ext uri="{FF2B5EF4-FFF2-40B4-BE49-F238E27FC236}">
+                      <a16:creationId xmlns:a16="http://schemas.microsoft.com/office/drawing/2014/main" id="{530BF4AC-0174-432A-BC21-7DDCFE67ACE8}"/>
+                    </a:ext>
+                  </a:extLst>
+                </p:cNvPr>
+                <p:cNvSpPr txBox="1"/>
+                <p:nvPr/>
+              </p:nvSpPr>
+              <p:spPr>
+                <a:xfrm>
+                  <a:off x="7536963" y="1091501"/>
+                  <a:ext cx="794041" cy="369332"/>
+                </a:xfrm>
+                <a:prstGeom prst="rect">
+                  <a:avLst/>
+                </a:prstGeom>
+                <a:noFill/>
+              </p:spPr>
+              <p:txBody>
+                <a:bodyPr wrap="square" rtlCol="0">
+                  <a:spAutoFit/>
+                </a:bodyPr>
+                <a:lstStyle/>
+                <a:p>
+                  <a:r>
+                    <a:rPr lang="en-GB" dirty="0">
+                      <a:solidFill>
+                        <a:srgbClr val="0070C0"/>
+                      </a:solidFill>
+                    </a:rPr>
+                    <a:t>main</a:t>
+                  </a:r>
+                </a:p>
+              </p:txBody>
+            </p:sp>
+            <p:cxnSp>
+              <p:nvCxnSpPr>
+                <p:cNvPr id="161" name="Straight Connector 160">
+                  <a:extLst>
+                    <a:ext uri="{FF2B5EF4-FFF2-40B4-BE49-F238E27FC236}">
+                      <a16:creationId xmlns:a16="http://schemas.microsoft.com/office/drawing/2014/main" id="{D849A17E-4400-4249-AAE4-1053EDC546FD}"/>
+                    </a:ext>
+                  </a:extLst>
+                </p:cNvPr>
+                <p:cNvCxnSpPr>
+                  <a:cxnSpLocks/>
+                </p:cNvCxnSpPr>
+                <p:nvPr/>
+              </p:nvCxnSpPr>
+              <p:spPr>
+                <a:xfrm flipH="1">
+                  <a:off x="7369106" y="1371298"/>
+                  <a:ext cx="463282" cy="341630"/>
+                </a:xfrm>
+                <a:prstGeom prst="line">
+                  <a:avLst/>
+                </a:prstGeom>
+                <a:ln w="6350"/>
+              </p:spPr>
+              <p:style>
+                <a:lnRef idx="1">
+                  <a:schemeClr val="accent1"/>
+                </a:lnRef>
+                <a:fillRef idx="0">
+                  <a:schemeClr val="accent1"/>
+                </a:fillRef>
+                <a:effectRef idx="0">
+                  <a:schemeClr val="accent1"/>
+                </a:effectRef>
+                <a:fontRef idx="minor">
+                  <a:schemeClr val="tx1"/>
+                </a:fontRef>
+              </p:style>
+            </p:cxnSp>
+            <p:sp>
+              <p:nvSpPr>
+                <p:cNvPr id="162" name="TextBox 161">
+                  <a:extLst>
+                    <a:ext uri="{FF2B5EF4-FFF2-40B4-BE49-F238E27FC236}">
+                      <a16:creationId xmlns:a16="http://schemas.microsoft.com/office/drawing/2014/main" id="{2D43206A-34E4-4009-8652-EC70B1FB7BF2}"/>
+                    </a:ext>
+                  </a:extLst>
+                </p:cNvPr>
+                <p:cNvSpPr txBox="1"/>
+                <p:nvPr/>
+              </p:nvSpPr>
+              <p:spPr>
+                <a:xfrm>
+                  <a:off x="7671664" y="1646988"/>
+                  <a:ext cx="1370066" cy="369332"/>
+                </a:xfrm>
+                <a:prstGeom prst="rect">
+                  <a:avLst/>
+                </a:prstGeom>
+                <a:noFill/>
+              </p:spPr>
+              <p:txBody>
+                <a:bodyPr wrap="square" rtlCol="0">
+                  <a:spAutoFit/>
+                </a:bodyPr>
+                <a:lstStyle/>
+                <a:p>
+                  <a:r>
+                    <a:rPr lang="en-GB" dirty="0">
+                      <a:solidFill>
+                        <a:srgbClr val="92D050"/>
+                      </a:solidFill>
+                    </a:rPr>
+                    <a:t>my_branch2</a:t>
+                  </a:r>
+                </a:p>
+              </p:txBody>
+            </p:sp>
+            <p:cxnSp>
+              <p:nvCxnSpPr>
+                <p:cNvPr id="163" name="Straight Connector 162">
+                  <a:extLst>
+                    <a:ext uri="{FF2B5EF4-FFF2-40B4-BE49-F238E27FC236}">
+                      <a16:creationId xmlns:a16="http://schemas.microsoft.com/office/drawing/2014/main" id="{869B2439-6211-450F-BD43-2E3A40E3D635}"/>
+                    </a:ext>
+                  </a:extLst>
+                </p:cNvPr>
+                <p:cNvCxnSpPr>
+                  <a:cxnSpLocks/>
+                </p:cNvCxnSpPr>
+                <p:nvPr/>
+              </p:nvCxnSpPr>
+              <p:spPr>
+                <a:xfrm flipH="1">
+                  <a:off x="7653065" y="1955841"/>
+                  <a:ext cx="450850" cy="532130"/>
+                </a:xfrm>
+                <a:prstGeom prst="line">
+                  <a:avLst/>
+                </a:prstGeom>
+                <a:ln w="6350">
+                  <a:solidFill>
+                    <a:srgbClr val="92D050"/>
+                  </a:solidFill>
+                </a:ln>
+              </p:spPr>
+              <p:style>
+                <a:lnRef idx="1">
+                  <a:schemeClr val="accent1"/>
+                </a:lnRef>
+                <a:fillRef idx="0">
+                  <a:schemeClr val="accent1"/>
+                </a:fillRef>
+                <a:effectRef idx="0">
+                  <a:schemeClr val="accent1"/>
+                </a:effectRef>
+                <a:fontRef idx="minor">
+                  <a:schemeClr val="tx1"/>
+                </a:fontRef>
+              </p:style>
+            </p:cxnSp>
+            <p:sp>
+              <p:nvSpPr>
+                <p:cNvPr id="164" name="TextBox 163">
+                  <a:extLst>
+                    <a:ext uri="{FF2B5EF4-FFF2-40B4-BE49-F238E27FC236}">
+                      <a16:creationId xmlns:a16="http://schemas.microsoft.com/office/drawing/2014/main" id="{7DD76D0B-5B39-4517-BE31-24DD47306775}"/>
+                    </a:ext>
+                  </a:extLst>
+                </p:cNvPr>
+                <p:cNvSpPr txBox="1"/>
+                <p:nvPr/>
+              </p:nvSpPr>
+              <p:spPr>
+                <a:xfrm>
+                  <a:off x="7681219" y="3071816"/>
+                  <a:ext cx="1370066" cy="369332"/>
+                </a:xfrm>
+                <a:prstGeom prst="rect">
+                  <a:avLst/>
+                </a:prstGeom>
+                <a:noFill/>
+              </p:spPr>
+              <p:txBody>
+                <a:bodyPr wrap="square" rtlCol="0">
+                  <a:spAutoFit/>
+                </a:bodyPr>
+                <a:lstStyle/>
+                <a:p>
+                  <a:r>
+                    <a:rPr lang="en-GB" dirty="0">
+                      <a:solidFill>
+                        <a:srgbClr val="92D050"/>
+                      </a:solidFill>
+                    </a:rPr>
+                    <a:t>my_branch1</a:t>
+                  </a:r>
+                </a:p>
+              </p:txBody>
+            </p:sp>
+            <p:cxnSp>
+              <p:nvCxnSpPr>
+                <p:cNvPr id="165" name="Straight Connector 164">
+                  <a:extLst>
+                    <a:ext uri="{FF2B5EF4-FFF2-40B4-BE49-F238E27FC236}">
+                      <a16:creationId xmlns:a16="http://schemas.microsoft.com/office/drawing/2014/main" id="{A5B95AC6-2159-4D9D-81DF-85B3C77CC9DD}"/>
+                    </a:ext>
+                  </a:extLst>
+                </p:cNvPr>
+                <p:cNvCxnSpPr>
+                  <a:cxnSpLocks/>
+                </p:cNvCxnSpPr>
+                <p:nvPr/>
+              </p:nvCxnSpPr>
+              <p:spPr>
+                <a:xfrm flipH="1">
+                  <a:off x="7662620" y="3380669"/>
+                  <a:ext cx="450850" cy="532130"/>
+                </a:xfrm>
+                <a:prstGeom prst="line">
+                  <a:avLst/>
+                </a:prstGeom>
+                <a:ln w="6350">
+                  <a:solidFill>
+                    <a:srgbClr val="92D050"/>
+                  </a:solidFill>
+                </a:ln>
+              </p:spPr>
+              <p:style>
+                <a:lnRef idx="1">
+                  <a:schemeClr val="accent1"/>
+                </a:lnRef>
+                <a:fillRef idx="0">
+                  <a:schemeClr val="accent1"/>
+                </a:fillRef>
+                <a:effectRef idx="0">
+                  <a:schemeClr val="accent1"/>
+                </a:effectRef>
+                <a:fontRef idx="minor">
+                  <a:schemeClr val="tx1"/>
+                </a:fontRef>
+              </p:style>
+            </p:cxnSp>
+            <p:sp>
+              <p:nvSpPr>
+                <p:cNvPr id="166" name="TextBox 165">
+                  <a:extLst>
+                    <a:ext uri="{FF2B5EF4-FFF2-40B4-BE49-F238E27FC236}">
+                      <a16:creationId xmlns:a16="http://schemas.microsoft.com/office/drawing/2014/main" id="{648F33E0-B4AA-4D33-9A2F-A59F7D70EBCC}"/>
+                    </a:ext>
+                  </a:extLst>
+                </p:cNvPr>
+                <p:cNvSpPr txBox="1"/>
+                <p:nvPr/>
+              </p:nvSpPr>
+              <p:spPr>
+                <a:xfrm>
+                  <a:off x="5273044" y="2223165"/>
+                  <a:ext cx="1550150" cy="369332"/>
+                </a:xfrm>
+                <a:prstGeom prst="rect">
+                  <a:avLst/>
+                </a:prstGeom>
+                <a:noFill/>
+              </p:spPr>
+              <p:txBody>
+                <a:bodyPr wrap="square" rtlCol="0">
+                  <a:spAutoFit/>
+                </a:bodyPr>
+                <a:lstStyle/>
+                <a:p>
+                  <a:r>
+                    <a:rPr lang="en-GB" dirty="0" err="1">
+                      <a:solidFill>
+                        <a:srgbClr val="FFC000"/>
+                      </a:solidFill>
+                    </a:rPr>
+                    <a:t>friend_branch</a:t>
+                  </a:r>
+                  <a:endParaRPr lang="en-GB" dirty="0">
+                    <a:solidFill>
+                      <a:srgbClr val="FFC000"/>
+                    </a:solidFill>
+                  </a:endParaRPr>
+                </a:p>
+              </p:txBody>
+            </p:sp>
+            <p:cxnSp>
+              <p:nvCxnSpPr>
+                <p:cNvPr id="167" name="Straight Connector 166">
+                  <a:extLst>
+                    <a:ext uri="{FF2B5EF4-FFF2-40B4-BE49-F238E27FC236}">
+                      <a16:creationId xmlns:a16="http://schemas.microsoft.com/office/drawing/2014/main" id="{E62C6B40-177A-486A-AE69-297646077263}"/>
+                    </a:ext>
+                  </a:extLst>
+                </p:cNvPr>
+                <p:cNvCxnSpPr>
+                  <a:cxnSpLocks/>
+                </p:cNvCxnSpPr>
+                <p:nvPr/>
+              </p:nvCxnSpPr>
+              <p:spPr>
+                <a:xfrm>
+                  <a:off x="6485412" y="2561619"/>
+                  <a:ext cx="433084" cy="308343"/>
+                </a:xfrm>
+                <a:prstGeom prst="line">
+                  <a:avLst/>
+                </a:prstGeom>
+                <a:ln w="6350">
+                  <a:solidFill>
+                    <a:srgbClr val="FFC000"/>
+                  </a:solidFill>
+                </a:ln>
+              </p:spPr>
+              <p:style>
+                <a:lnRef idx="1">
+                  <a:schemeClr val="accent1"/>
+                </a:lnRef>
+                <a:fillRef idx="0">
+                  <a:schemeClr val="accent1"/>
+                </a:fillRef>
+                <a:effectRef idx="0">
+                  <a:schemeClr val="accent1"/>
+                </a:effectRef>
+                <a:fontRef idx="minor">
+                  <a:schemeClr val="tx1"/>
+                </a:fontRef>
+              </p:style>
+            </p:cxnSp>
+          </p:grpSp>
+          <p:cxnSp>
+            <p:nvCxnSpPr>
+              <p:cNvPr id="136" name="Straight Connector 135">
+                <a:extLst>
+                  <a:ext uri="{FF2B5EF4-FFF2-40B4-BE49-F238E27FC236}">
+                    <a16:creationId xmlns:a16="http://schemas.microsoft.com/office/drawing/2014/main" id="{3AC830C8-BA4A-48FB-B1DE-FAA52DAB4D4B}"/>
+                  </a:ext>
+                </a:extLst>
+              </p:cNvPr>
+              <p:cNvCxnSpPr>
+                <a:cxnSpLocks/>
+              </p:cNvCxnSpPr>
+              <p:nvPr/>
+            </p:nvCxnSpPr>
+            <p:spPr>
+              <a:xfrm flipH="1" flipV="1">
+                <a:off x="4093638" y="5161411"/>
+                <a:ext cx="479119" cy="407762"/>
+              </a:xfrm>
+              <a:prstGeom prst="line">
+                <a:avLst/>
+              </a:prstGeom>
+              <a:ln w="57150">
+                <a:solidFill>
+                  <a:srgbClr val="FFC000"/>
+                </a:solidFill>
+              </a:ln>
+            </p:spPr>
+            <p:style>
+              <a:lnRef idx="1">
+                <a:schemeClr val="accent1"/>
+              </a:lnRef>
+              <a:fillRef idx="0">
+                <a:schemeClr val="accent1"/>
+              </a:fillRef>
+              <a:effectRef idx="0">
+                <a:schemeClr val="accent1"/>
+              </a:effectRef>
+              <a:fontRef idx="minor">
+                <a:schemeClr val="tx1"/>
+              </a:fontRef>
+            </p:style>
+          </p:cxnSp>
+          <p:sp>
+            <p:nvSpPr>
+              <p:cNvPr id="137" name="Oval 136">
+                <a:extLst>
+                  <a:ext uri="{FF2B5EF4-FFF2-40B4-BE49-F238E27FC236}">
+                    <a16:creationId xmlns:a16="http://schemas.microsoft.com/office/drawing/2014/main" id="{AB2D80FB-11E5-4E54-B04E-125CE11C65A6}"/>
+                  </a:ext>
+                </a:extLst>
+              </p:cNvPr>
+              <p:cNvSpPr/>
+              <p:nvPr/>
+            </p:nvSpPr>
+            <p:spPr>
+              <a:xfrm>
+                <a:off x="4464636" y="5436303"/>
+                <a:ext cx="205734" cy="190500"/>
+              </a:xfrm>
+              <a:prstGeom prst="ellipse">
+                <a:avLst/>
+              </a:prstGeom>
+              <a:solidFill>
+                <a:srgbClr val="0070C0"/>
+              </a:solidFill>
+              <a:ln>
+                <a:noFill/>
+              </a:ln>
+            </p:spPr>
+            <p:style>
+              <a:lnRef idx="2">
+                <a:schemeClr val="accent1">
+                  <a:shade val="50000"/>
+                </a:schemeClr>
+              </a:lnRef>
+              <a:fillRef idx="1">
+                <a:schemeClr val="accent1"/>
+              </a:fillRef>
+              <a:effectRef idx="0">
+                <a:schemeClr val="accent1"/>
+              </a:effectRef>
+              <a:fontRef idx="minor">
+                <a:schemeClr val="lt1"/>
+              </a:fontRef>
+            </p:style>
+            <p:txBody>
+              <a:bodyPr rtlCol="0" anchor="ctr"/>
+              <a:lstStyle/>
+              <a:p>
+                <a:pPr algn="ctr"/>
+                <a:endParaRPr lang="en-GB"/>
+              </a:p>
+            </p:txBody>
+          </p:sp>
+          <p:sp>
+            <p:nvSpPr>
+              <p:cNvPr id="138" name="Oval 137">
+                <a:extLst>
+                  <a:ext uri="{FF2B5EF4-FFF2-40B4-BE49-F238E27FC236}">
+                    <a16:creationId xmlns:a16="http://schemas.microsoft.com/office/drawing/2014/main" id="{F44D310F-3A49-4495-8116-F6A5956E3305}"/>
+                  </a:ext>
+                </a:extLst>
+              </p:cNvPr>
+              <p:cNvSpPr/>
+              <p:nvPr/>
+            </p:nvSpPr>
+            <p:spPr>
+              <a:xfrm>
+                <a:off x="4483869" y="3118258"/>
+                <a:ext cx="205734" cy="190500"/>
+              </a:xfrm>
+              <a:prstGeom prst="ellipse">
+                <a:avLst/>
+              </a:prstGeom>
+              <a:solidFill>
+                <a:srgbClr val="0070C0"/>
+              </a:solidFill>
+              <a:ln>
+                <a:noFill/>
+              </a:ln>
+            </p:spPr>
+            <p:style>
+              <a:lnRef idx="2">
+                <a:schemeClr val="accent1">
+                  <a:shade val="50000"/>
+                </a:schemeClr>
+              </a:lnRef>
+              <a:fillRef idx="1">
+                <a:schemeClr val="accent1"/>
+              </a:fillRef>
+              <a:effectRef idx="0">
+                <a:schemeClr val="accent1"/>
+              </a:effectRef>
+              <a:fontRef idx="minor">
+                <a:schemeClr val="lt1"/>
+              </a:fontRef>
+            </p:style>
+            <p:txBody>
+              <a:bodyPr rtlCol="0" anchor="ctr"/>
+              <a:lstStyle/>
+              <a:p>
+                <a:pPr algn="ctr"/>
+                <a:endParaRPr lang="en-GB"/>
+              </a:p>
+            </p:txBody>
+          </p:sp>
+        </p:grpSp>
+        <p:sp>
+          <p:nvSpPr>
+            <p:cNvPr id="168" name="Rectangle 167">
+              <a:extLst>
+                <a:ext uri="{FF2B5EF4-FFF2-40B4-BE49-F238E27FC236}">
+                  <a16:creationId xmlns:a16="http://schemas.microsoft.com/office/drawing/2014/main" id="{CEE35895-9FC9-4E62-927A-C1533552D130}"/>
+                </a:ext>
+              </a:extLst>
+            </p:cNvPr>
+            <p:cNvSpPr/>
+            <p:nvPr/>
+          </p:nvSpPr>
+          <p:spPr>
+            <a:xfrm>
+              <a:off x="8319458" y="3821115"/>
+              <a:ext cx="601992" cy="391766"/>
+            </a:xfrm>
+            <a:prstGeom prst="rect">
+              <a:avLst/>
+            </a:prstGeom>
+            <a:noFill/>
+            <a:ln>
+              <a:solidFill>
+                <a:srgbClr val="7030A0"/>
+              </a:solidFill>
+            </a:ln>
+          </p:spPr>
+          <p:style>
+            <a:lnRef idx="2">
+              <a:schemeClr val="accent1">
+                <a:shade val="50000"/>
+              </a:schemeClr>
+            </a:lnRef>
+            <a:fillRef idx="1">
+              <a:schemeClr val="accent1"/>
+            </a:fillRef>
+            <a:effectRef idx="0">
+              <a:schemeClr val="accent1"/>
+            </a:effectRef>
+            <a:fontRef idx="minor">
+              <a:schemeClr val="lt1"/>
+            </a:fontRef>
+          </p:style>
+          <p:txBody>
+            <a:bodyPr rtlCol="0" anchor="ctr"/>
+            <a:lstStyle/>
+            <a:p>
+              <a:pPr algn="ctr"/>
+              <a:endParaRPr lang="en-GB"/>
+            </a:p>
+          </p:txBody>
+        </p:sp>
+        <p:pic>
+          <p:nvPicPr>
+            <p:cNvPr id="169" name="Picture 168" descr="A close up of a logo&#10;&#10;Description automatically generated">
+              <a:extLst>
+                <a:ext uri="{FF2B5EF4-FFF2-40B4-BE49-F238E27FC236}">
+                  <a16:creationId xmlns:a16="http://schemas.microsoft.com/office/drawing/2014/main" id="{24233EAA-90BC-4FF7-949B-A834B1A2D049}"/>
+                </a:ext>
+              </a:extLst>
+            </p:cNvPr>
+            <p:cNvPicPr>
+              <a:picLocks noChangeAspect="1"/>
+            </p:cNvPicPr>
+            <p:nvPr/>
+          </p:nvPicPr>
+          <p:blipFill>
+            <a:blip r:embed="rId2">
+              <a:extLst>
+                <a:ext uri="{28A0092B-C50C-407E-A947-70E740481C1C}">
+                  <a14:useLocalDpi xmlns:a14="http://schemas.microsoft.com/office/drawing/2010/main" val="0"/>
+                </a:ext>
+              </a:extLst>
+            </a:blip>
+            <a:stretch>
+              <a:fillRect/>
+            </a:stretch>
+          </p:blipFill>
+          <p:spPr>
+            <a:xfrm>
+              <a:off x="8292544" y="3671958"/>
+              <a:ext cx="338554" cy="338554"/>
+            </a:xfrm>
+            <a:prstGeom prst="rect">
+              <a:avLst/>
+            </a:prstGeom>
+          </p:spPr>
+        </p:pic>
+        <p:sp>
+          <p:nvSpPr>
+            <p:cNvPr id="170" name="Rectangle 169">
+              <a:extLst>
+                <a:ext uri="{FF2B5EF4-FFF2-40B4-BE49-F238E27FC236}">
+                  <a16:creationId xmlns:a16="http://schemas.microsoft.com/office/drawing/2014/main" id="{6A983F27-7C59-4936-8E6F-BB11052C53FF}"/>
+                </a:ext>
+              </a:extLst>
+            </p:cNvPr>
+            <p:cNvSpPr/>
+            <p:nvPr/>
+          </p:nvSpPr>
+          <p:spPr>
+            <a:xfrm>
+              <a:off x="8280173" y="1977657"/>
+              <a:ext cx="601992" cy="393256"/>
+            </a:xfrm>
+            <a:prstGeom prst="rect">
+              <a:avLst/>
+            </a:prstGeom>
+            <a:noFill/>
+            <a:ln>
+              <a:solidFill>
+                <a:srgbClr val="7030A0"/>
+              </a:solidFill>
+            </a:ln>
+          </p:spPr>
+          <p:style>
+            <a:lnRef idx="2">
+              <a:schemeClr val="accent1">
+                <a:shade val="50000"/>
+              </a:schemeClr>
+            </a:lnRef>
+            <a:fillRef idx="1">
+              <a:schemeClr val="accent1"/>
+            </a:fillRef>
+            <a:effectRef idx="0">
+              <a:schemeClr val="accent1"/>
+            </a:effectRef>
+            <a:fontRef idx="minor">
+              <a:schemeClr val="lt1"/>
+            </a:fontRef>
+          </p:style>
+          <p:txBody>
+            <a:bodyPr rtlCol="0" anchor="ctr"/>
+            <a:lstStyle/>
+            <a:p>
+              <a:pPr algn="ctr"/>
+              <a:endParaRPr lang="en-GB"/>
+            </a:p>
+          </p:txBody>
+        </p:sp>
+        <p:pic>
+          <p:nvPicPr>
+            <p:cNvPr id="171" name="Picture 170" descr="A close up of a logo&#10;&#10;Description automatically generated">
+              <a:extLst>
+                <a:ext uri="{FF2B5EF4-FFF2-40B4-BE49-F238E27FC236}">
+                  <a16:creationId xmlns:a16="http://schemas.microsoft.com/office/drawing/2014/main" id="{57DD3C5E-EBA6-413A-8967-3402577263E1}"/>
+                </a:ext>
+              </a:extLst>
+            </p:cNvPr>
+            <p:cNvPicPr>
+              <a:picLocks noChangeAspect="1"/>
+            </p:cNvPicPr>
+            <p:nvPr/>
+          </p:nvPicPr>
+          <p:blipFill>
+            <a:blip r:embed="rId2">
+              <a:extLst>
+                <a:ext uri="{28A0092B-C50C-407E-A947-70E740481C1C}">
+                  <a14:useLocalDpi xmlns:a14="http://schemas.microsoft.com/office/drawing/2010/main" val="0"/>
+                </a:ext>
+              </a:extLst>
+            </a:blip>
+            <a:stretch>
+              <a:fillRect/>
+            </a:stretch>
+          </p:blipFill>
+          <p:spPr>
+            <a:xfrm>
+              <a:off x="8307461" y="1822782"/>
+              <a:ext cx="338554" cy="338554"/>
+            </a:xfrm>
+            <a:prstGeom prst="rect">
+              <a:avLst/>
+            </a:prstGeom>
+          </p:spPr>
+        </p:pic>
+        <p:sp>
+          <p:nvSpPr>
+            <p:cNvPr id="172" name="Rectangle 171">
+              <a:extLst>
+                <a:ext uri="{FF2B5EF4-FFF2-40B4-BE49-F238E27FC236}">
+                  <a16:creationId xmlns:a16="http://schemas.microsoft.com/office/drawing/2014/main" id="{29D1D72E-C991-499E-B955-A0BDE7ADD6D8}"/>
+                </a:ext>
+              </a:extLst>
+            </p:cNvPr>
+            <p:cNvSpPr/>
+            <p:nvPr/>
+          </p:nvSpPr>
+          <p:spPr>
+            <a:xfrm>
+              <a:off x="8286036" y="2618575"/>
+              <a:ext cx="601992" cy="369332"/>
+            </a:xfrm>
+            <a:prstGeom prst="rect">
+              <a:avLst/>
+            </a:prstGeom>
+            <a:noFill/>
+            <a:ln>
+              <a:solidFill>
+                <a:srgbClr val="7030A0"/>
+              </a:solidFill>
+            </a:ln>
+          </p:spPr>
+          <p:style>
+            <a:lnRef idx="2">
+              <a:schemeClr val="accent1">
+                <a:shade val="50000"/>
+              </a:schemeClr>
+            </a:lnRef>
+            <a:fillRef idx="1">
+              <a:schemeClr val="accent1"/>
+            </a:fillRef>
+            <a:effectRef idx="0">
+              <a:schemeClr val="accent1"/>
+            </a:effectRef>
+            <a:fontRef idx="minor">
+              <a:schemeClr val="lt1"/>
+            </a:fontRef>
+          </p:style>
+          <p:txBody>
+            <a:bodyPr rtlCol="0" anchor="ctr"/>
+            <a:lstStyle/>
+            <a:p>
+              <a:pPr algn="ctr"/>
+              <a:endParaRPr lang="en-GB"/>
+            </a:p>
+          </p:txBody>
+        </p:sp>
+        <p:pic>
+          <p:nvPicPr>
+            <p:cNvPr id="173" name="Picture 172" descr="A close up of a logo&#10;&#10;Description automatically generated">
+              <a:extLst>
+                <a:ext uri="{FF2B5EF4-FFF2-40B4-BE49-F238E27FC236}">
+                  <a16:creationId xmlns:a16="http://schemas.microsoft.com/office/drawing/2014/main" id="{3F69C505-948E-45CE-8CBA-5A9683ECC35A}"/>
+                </a:ext>
+              </a:extLst>
+            </p:cNvPr>
+            <p:cNvPicPr>
+              <a:picLocks noChangeAspect="1"/>
+            </p:cNvPicPr>
+            <p:nvPr/>
+          </p:nvPicPr>
+          <p:blipFill>
+            <a:blip r:embed="rId2">
+              <a:extLst>
+                <a:ext uri="{28A0092B-C50C-407E-A947-70E740481C1C}">
+                  <a14:useLocalDpi xmlns:a14="http://schemas.microsoft.com/office/drawing/2010/main" val="0"/>
+                </a:ext>
+              </a:extLst>
+            </a:blip>
+            <a:stretch>
+              <a:fillRect/>
+            </a:stretch>
+          </p:blipFill>
+          <p:spPr>
+            <a:xfrm>
+              <a:off x="8329599" y="2441443"/>
+              <a:ext cx="338554" cy="338554"/>
+            </a:xfrm>
+            <a:prstGeom prst="rect">
+              <a:avLst/>
+            </a:prstGeom>
+          </p:spPr>
+        </p:pic>
       </p:grpSp>
     </p:spTree>
     <p:extLst>
@@ -23231,7 +24616,7 @@
 </p:sld>
 </file>
 
-<file path=ppt/slides/slide28.xml><?xml version="1.0" encoding="utf-8"?>
+<file path=ppt/slides/slide29.xml><?xml version="1.0" encoding="utf-8"?>
 <p:sld xmlns:a="http://schemas.openxmlformats.org/drawingml/2006/main" xmlns:r="http://schemas.openxmlformats.org/officeDocument/2006/relationships" xmlns:p="http://schemas.openxmlformats.org/presentationml/2006/main">
   <p:cSld>
     <p:spTree>
@@ -23565,199 +24950,6 @@
     <p:extLst>
       <p:ext uri="{BB962C8B-B14F-4D97-AF65-F5344CB8AC3E}">
         <p14:creationId xmlns:p14="http://schemas.microsoft.com/office/powerpoint/2010/main" val="2690676524"/>
-      </p:ext>
-    </p:extLst>
-  </p:cSld>
-  <p:clrMapOvr>
-    <a:masterClrMapping/>
-  </p:clrMapOvr>
-</p:sld>
-</file>
-
-<file path=ppt/slides/slide29.xml><?xml version="1.0" encoding="utf-8"?>
-<p:sld xmlns:a="http://schemas.openxmlformats.org/drawingml/2006/main" xmlns:r="http://schemas.openxmlformats.org/officeDocument/2006/relationships" xmlns:p="http://schemas.openxmlformats.org/presentationml/2006/main">
-  <p:cSld>
-    <p:spTree>
-      <p:nvGrpSpPr>
-        <p:cNvPr id="1" name=""/>
-        <p:cNvGrpSpPr/>
-        <p:nvPr/>
-      </p:nvGrpSpPr>
-      <p:grpSpPr>
-        <a:xfrm>
-          <a:off x="0" y="0"/>
-          <a:ext cx="0" cy="0"/>
-          <a:chOff x="0" y="0"/>
-          <a:chExt cx="0" cy="0"/>
-        </a:xfrm>
-      </p:grpSpPr>
-      <p:grpSp>
-        <p:nvGrpSpPr>
-          <p:cNvPr id="5" name="Group 4">
-            <a:extLst>
-              <a:ext uri="{FF2B5EF4-FFF2-40B4-BE49-F238E27FC236}">
-                <a16:creationId xmlns:a16="http://schemas.microsoft.com/office/drawing/2014/main" id="{DA1AA7F6-7FB3-4E20-B807-E3C3986BDEB4}"/>
-              </a:ext>
-            </a:extLst>
-          </p:cNvPr>
-          <p:cNvGrpSpPr/>
-          <p:nvPr/>
-        </p:nvGrpSpPr>
-        <p:grpSpPr>
-          <a:xfrm>
-            <a:off x="2448560" y="1464398"/>
-            <a:ext cx="6273530" cy="4530001"/>
-            <a:chOff x="2448560" y="1464398"/>
-            <a:chExt cx="6273530" cy="4530001"/>
-          </a:xfrm>
-        </p:grpSpPr>
-        <p:pic>
-          <p:nvPicPr>
-            <p:cNvPr id="2" name="Picture 1">
-              <a:extLst>
-                <a:ext uri="{FF2B5EF4-FFF2-40B4-BE49-F238E27FC236}">
-                  <a16:creationId xmlns:a16="http://schemas.microsoft.com/office/drawing/2014/main" id="{BFEB9BB5-893F-49F3-9AB9-AE89DF2159C6}"/>
-                </a:ext>
-              </a:extLst>
-            </p:cNvPr>
-            <p:cNvPicPr>
-              <a:picLocks noChangeAspect="1"/>
-            </p:cNvPicPr>
-            <p:nvPr/>
-          </p:nvPicPr>
-          <p:blipFill>
-            <a:blip r:embed="rId2"/>
-            <a:stretch>
-              <a:fillRect/>
-            </a:stretch>
-          </p:blipFill>
-          <p:spPr>
-            <a:xfrm>
-              <a:off x="3835239" y="1554480"/>
-              <a:ext cx="4886851" cy="4439919"/>
-            </a:xfrm>
-            <a:prstGeom prst="rect">
-              <a:avLst/>
-            </a:prstGeom>
-          </p:spPr>
-        </p:pic>
-        <p:cxnSp>
-          <p:nvCxnSpPr>
-            <p:cNvPr id="3" name="Straight Arrow Connector 2">
-              <a:extLst>
-                <a:ext uri="{FF2B5EF4-FFF2-40B4-BE49-F238E27FC236}">
-                  <a16:creationId xmlns:a16="http://schemas.microsoft.com/office/drawing/2014/main" id="{7E786048-BCDA-47ED-BAD8-0E38C7A92AF6}"/>
-                </a:ext>
-              </a:extLst>
-            </p:cNvPr>
-            <p:cNvCxnSpPr>
-              <a:cxnSpLocks/>
-            </p:cNvCxnSpPr>
-            <p:nvPr/>
-          </p:nvCxnSpPr>
-          <p:spPr>
-            <a:xfrm>
-              <a:off x="3241040" y="2021840"/>
-              <a:ext cx="704100" cy="365888"/>
-            </a:xfrm>
-            <a:prstGeom prst="straightConnector1">
-              <a:avLst/>
-            </a:prstGeom>
-            <a:ln w="28575">
-              <a:solidFill>
-                <a:srgbClr val="FF0000"/>
-              </a:solidFill>
-              <a:tailEnd type="triangle"/>
-            </a:ln>
-          </p:spPr>
-          <p:style>
-            <a:lnRef idx="1">
-              <a:schemeClr val="accent1"/>
-            </a:lnRef>
-            <a:fillRef idx="0">
-              <a:schemeClr val="accent1"/>
-            </a:fillRef>
-            <a:effectRef idx="0">
-              <a:schemeClr val="accent1"/>
-            </a:effectRef>
-            <a:fontRef idx="minor">
-              <a:schemeClr val="tx1"/>
-            </a:fontRef>
-          </p:style>
-        </p:cxnSp>
-        <p:sp>
-          <p:nvSpPr>
-            <p:cNvPr id="4" name="TextBox 3">
-              <a:extLst>
-                <a:ext uri="{FF2B5EF4-FFF2-40B4-BE49-F238E27FC236}">
-                  <a16:creationId xmlns:a16="http://schemas.microsoft.com/office/drawing/2014/main" id="{D1C7E4BA-D467-4A83-A12C-8488D0DA537C}"/>
-                </a:ext>
-              </a:extLst>
-            </p:cNvPr>
-            <p:cNvSpPr txBox="1"/>
-            <p:nvPr/>
-          </p:nvSpPr>
-          <p:spPr>
-            <a:xfrm>
-              <a:off x="2448560" y="1464398"/>
-              <a:ext cx="1584960" cy="923330"/>
-            </a:xfrm>
-            <a:prstGeom prst="rect">
-              <a:avLst/>
-            </a:prstGeom>
-            <a:noFill/>
-          </p:spPr>
-          <p:txBody>
-            <a:bodyPr wrap="square" rtlCol="0">
-              <a:spAutoFit/>
-            </a:bodyPr>
-            <a:lstStyle/>
-            <a:p>
-              <a:r>
-                <a:rPr lang="de-DE" dirty="0"/>
-                <a:t>Stage </a:t>
-              </a:r>
-              <a:r>
-                <a:rPr lang="de-DE" dirty="0" err="1"/>
-                <a:t>file</a:t>
-              </a:r>
-              <a:r>
-                <a:rPr lang="de-DE" dirty="0"/>
-                <a:t> </a:t>
-              </a:r>
-              <a:r>
-                <a:rPr lang="de-DE" dirty="0" err="1"/>
-                <a:t>by</a:t>
-              </a:r>
-              <a:r>
-                <a:rPr lang="de-DE" dirty="0"/>
-                <a:t> </a:t>
-              </a:r>
-              <a:r>
-                <a:rPr lang="de-DE" dirty="0" err="1"/>
-                <a:t>checking</a:t>
-              </a:r>
-              <a:r>
-                <a:rPr lang="de-DE" dirty="0"/>
-                <a:t> </a:t>
-              </a:r>
-              <a:r>
-                <a:rPr lang="de-DE" dirty="0" err="1"/>
-                <a:t>the</a:t>
-              </a:r>
-              <a:r>
-                <a:rPr lang="de-DE" dirty="0"/>
-                <a:t> box</a:t>
-              </a:r>
-              <a:endParaRPr lang="en-GB" dirty="0"/>
-            </a:p>
-          </p:txBody>
-        </p:sp>
-      </p:grpSp>
-    </p:spTree>
-    <p:extLst>
-      <p:ext uri="{BB962C8B-B14F-4D97-AF65-F5344CB8AC3E}">
-        <p14:creationId xmlns:p14="http://schemas.microsoft.com/office/powerpoint/2010/main" val="2521117792"/>
       </p:ext>
     </p:extLst>
   </p:cSld>
@@ -24304,6 +25496,199 @@
       </p:grpSpPr>
       <p:grpSp>
         <p:nvGrpSpPr>
+          <p:cNvPr id="5" name="Group 4">
+            <a:extLst>
+              <a:ext uri="{FF2B5EF4-FFF2-40B4-BE49-F238E27FC236}">
+                <a16:creationId xmlns:a16="http://schemas.microsoft.com/office/drawing/2014/main" id="{DA1AA7F6-7FB3-4E20-B807-E3C3986BDEB4}"/>
+              </a:ext>
+            </a:extLst>
+          </p:cNvPr>
+          <p:cNvGrpSpPr/>
+          <p:nvPr/>
+        </p:nvGrpSpPr>
+        <p:grpSpPr>
+          <a:xfrm>
+            <a:off x="2448560" y="1464398"/>
+            <a:ext cx="6273530" cy="4530001"/>
+            <a:chOff x="2448560" y="1464398"/>
+            <a:chExt cx="6273530" cy="4530001"/>
+          </a:xfrm>
+        </p:grpSpPr>
+        <p:pic>
+          <p:nvPicPr>
+            <p:cNvPr id="2" name="Picture 1">
+              <a:extLst>
+                <a:ext uri="{FF2B5EF4-FFF2-40B4-BE49-F238E27FC236}">
+                  <a16:creationId xmlns:a16="http://schemas.microsoft.com/office/drawing/2014/main" id="{BFEB9BB5-893F-49F3-9AB9-AE89DF2159C6}"/>
+                </a:ext>
+              </a:extLst>
+            </p:cNvPr>
+            <p:cNvPicPr>
+              <a:picLocks noChangeAspect="1"/>
+            </p:cNvPicPr>
+            <p:nvPr/>
+          </p:nvPicPr>
+          <p:blipFill>
+            <a:blip r:embed="rId2"/>
+            <a:stretch>
+              <a:fillRect/>
+            </a:stretch>
+          </p:blipFill>
+          <p:spPr>
+            <a:xfrm>
+              <a:off x="3835239" y="1554480"/>
+              <a:ext cx="4886851" cy="4439919"/>
+            </a:xfrm>
+            <a:prstGeom prst="rect">
+              <a:avLst/>
+            </a:prstGeom>
+          </p:spPr>
+        </p:pic>
+        <p:cxnSp>
+          <p:nvCxnSpPr>
+            <p:cNvPr id="3" name="Straight Arrow Connector 2">
+              <a:extLst>
+                <a:ext uri="{FF2B5EF4-FFF2-40B4-BE49-F238E27FC236}">
+                  <a16:creationId xmlns:a16="http://schemas.microsoft.com/office/drawing/2014/main" id="{7E786048-BCDA-47ED-BAD8-0E38C7A92AF6}"/>
+                </a:ext>
+              </a:extLst>
+            </p:cNvPr>
+            <p:cNvCxnSpPr>
+              <a:cxnSpLocks/>
+            </p:cNvCxnSpPr>
+            <p:nvPr/>
+          </p:nvCxnSpPr>
+          <p:spPr>
+            <a:xfrm>
+              <a:off x="3241040" y="2021840"/>
+              <a:ext cx="704100" cy="365888"/>
+            </a:xfrm>
+            <a:prstGeom prst="straightConnector1">
+              <a:avLst/>
+            </a:prstGeom>
+            <a:ln w="28575">
+              <a:solidFill>
+                <a:srgbClr val="FF0000"/>
+              </a:solidFill>
+              <a:tailEnd type="triangle"/>
+            </a:ln>
+          </p:spPr>
+          <p:style>
+            <a:lnRef idx="1">
+              <a:schemeClr val="accent1"/>
+            </a:lnRef>
+            <a:fillRef idx="0">
+              <a:schemeClr val="accent1"/>
+            </a:fillRef>
+            <a:effectRef idx="0">
+              <a:schemeClr val="accent1"/>
+            </a:effectRef>
+            <a:fontRef idx="minor">
+              <a:schemeClr val="tx1"/>
+            </a:fontRef>
+          </p:style>
+        </p:cxnSp>
+        <p:sp>
+          <p:nvSpPr>
+            <p:cNvPr id="4" name="TextBox 3">
+              <a:extLst>
+                <a:ext uri="{FF2B5EF4-FFF2-40B4-BE49-F238E27FC236}">
+                  <a16:creationId xmlns:a16="http://schemas.microsoft.com/office/drawing/2014/main" id="{D1C7E4BA-D467-4A83-A12C-8488D0DA537C}"/>
+                </a:ext>
+              </a:extLst>
+            </p:cNvPr>
+            <p:cNvSpPr txBox="1"/>
+            <p:nvPr/>
+          </p:nvSpPr>
+          <p:spPr>
+            <a:xfrm>
+              <a:off x="2448560" y="1464398"/>
+              <a:ext cx="1584960" cy="923330"/>
+            </a:xfrm>
+            <a:prstGeom prst="rect">
+              <a:avLst/>
+            </a:prstGeom>
+            <a:noFill/>
+          </p:spPr>
+          <p:txBody>
+            <a:bodyPr wrap="square" rtlCol="0">
+              <a:spAutoFit/>
+            </a:bodyPr>
+            <a:lstStyle/>
+            <a:p>
+              <a:r>
+                <a:rPr lang="de-DE" dirty="0"/>
+                <a:t>Stage </a:t>
+              </a:r>
+              <a:r>
+                <a:rPr lang="de-DE" dirty="0" err="1"/>
+                <a:t>file</a:t>
+              </a:r>
+              <a:r>
+                <a:rPr lang="de-DE" dirty="0"/>
+                <a:t> </a:t>
+              </a:r>
+              <a:r>
+                <a:rPr lang="de-DE" dirty="0" err="1"/>
+                <a:t>by</a:t>
+              </a:r>
+              <a:r>
+                <a:rPr lang="de-DE" dirty="0"/>
+                <a:t> </a:t>
+              </a:r>
+              <a:r>
+                <a:rPr lang="de-DE" dirty="0" err="1"/>
+                <a:t>checking</a:t>
+              </a:r>
+              <a:r>
+                <a:rPr lang="de-DE" dirty="0"/>
+                <a:t> </a:t>
+              </a:r>
+              <a:r>
+                <a:rPr lang="de-DE" dirty="0" err="1"/>
+                <a:t>the</a:t>
+              </a:r>
+              <a:r>
+                <a:rPr lang="de-DE" dirty="0"/>
+                <a:t> box</a:t>
+              </a:r>
+              <a:endParaRPr lang="en-GB" dirty="0"/>
+            </a:p>
+          </p:txBody>
+        </p:sp>
+      </p:grpSp>
+    </p:spTree>
+    <p:extLst>
+      <p:ext uri="{BB962C8B-B14F-4D97-AF65-F5344CB8AC3E}">
+        <p14:creationId xmlns:p14="http://schemas.microsoft.com/office/powerpoint/2010/main" val="2521117792"/>
+      </p:ext>
+    </p:extLst>
+  </p:cSld>
+  <p:clrMapOvr>
+    <a:masterClrMapping/>
+  </p:clrMapOvr>
+</p:sld>
+</file>
+
+<file path=ppt/slides/slide31.xml><?xml version="1.0" encoding="utf-8"?>
+<p:sld xmlns:a="http://schemas.openxmlformats.org/drawingml/2006/main" xmlns:r="http://schemas.openxmlformats.org/officeDocument/2006/relationships" xmlns:p="http://schemas.openxmlformats.org/presentationml/2006/main">
+  <p:cSld>
+    <p:spTree>
+      <p:nvGrpSpPr>
+        <p:cNvPr id="1" name=""/>
+        <p:cNvGrpSpPr/>
+        <p:nvPr/>
+      </p:nvGrpSpPr>
+      <p:grpSpPr>
+        <a:xfrm>
+          <a:off x="0" y="0"/>
+          <a:ext cx="0" cy="0"/>
+          <a:chOff x="0" y="0"/>
+          <a:chExt cx="0" cy="0"/>
+        </a:xfrm>
+      </p:grpSpPr>
+      <p:grpSp>
+        <p:nvGrpSpPr>
           <p:cNvPr id="10" name="Group 9">
             <a:extLst>
               <a:ext uri="{FF2B5EF4-FFF2-40B4-BE49-F238E27FC236}">
@@ -24542,7 +25927,7 @@
 </p:sld>
 </file>
 
-<file path=ppt/slides/slide31.xml><?xml version="1.0" encoding="utf-8"?>
+<file path=ppt/slides/slide32.xml><?xml version="1.0" encoding="utf-8"?>
 <p:sld xmlns:a="http://schemas.openxmlformats.org/drawingml/2006/main" xmlns:r="http://schemas.openxmlformats.org/officeDocument/2006/relationships" xmlns:p="http://schemas.openxmlformats.org/presentationml/2006/main">
   <p:cSld>
     <p:spTree>
@@ -24789,7 +26174,7 @@
 </p:sld>
 </file>
 
-<file path=ppt/slides/slide32.xml><?xml version="1.0" encoding="utf-8"?>
+<file path=ppt/slides/slide33.xml><?xml version="1.0" encoding="utf-8"?>
 <p:sld xmlns:a="http://schemas.openxmlformats.org/drawingml/2006/main" xmlns:r="http://schemas.openxmlformats.org/officeDocument/2006/relationships" xmlns:p="http://schemas.openxmlformats.org/presentationml/2006/main">
   <p:cSld>
     <p:spTree>
@@ -24958,7 +26343,7 @@
 </p:sld>
 </file>
 
-<file path=ppt/slides/slide33.xml><?xml version="1.0" encoding="utf-8"?>
+<file path=ppt/slides/slide34.xml><?xml version="1.0" encoding="utf-8"?>
 <p:sld xmlns:a="http://schemas.openxmlformats.org/drawingml/2006/main" xmlns:r="http://schemas.openxmlformats.org/officeDocument/2006/relationships" xmlns:p="http://schemas.openxmlformats.org/presentationml/2006/main">
   <p:cSld>
     <p:spTree>
